--- a/materiais/slides.pptx
+++ b/materiais/slides.pptx
@@ -5,7 +5,7 @@
     <p:sldMasterId id="2147483648" r:id="rId4"/>
   </p:sldMasterIdLst>
   <p:notesMasterIdLst>
-    <p:notesMasterId r:id="rId57"/>
+    <p:notesMasterId r:id="rId63"/>
   </p:notesMasterIdLst>
   <p:sldIdLst>
     <p:sldId id="256" r:id="rId5"/>
@@ -29,37 +29,43 @@
     <p:sldId id="474" r:id="rId23"/>
     <p:sldId id="475" r:id="rId24"/>
     <p:sldId id="476" r:id="rId25"/>
-    <p:sldId id="469" r:id="rId26"/>
-    <p:sldId id="307" r:id="rId27"/>
-    <p:sldId id="445" r:id="rId28"/>
-    <p:sldId id="446" r:id="rId29"/>
-    <p:sldId id="447" r:id="rId30"/>
-    <p:sldId id="448" r:id="rId31"/>
-    <p:sldId id="449" r:id="rId32"/>
-    <p:sldId id="450" r:id="rId33"/>
-    <p:sldId id="451" r:id="rId34"/>
-    <p:sldId id="452" r:id="rId35"/>
-    <p:sldId id="453" r:id="rId36"/>
-    <p:sldId id="456" r:id="rId37"/>
-    <p:sldId id="457" r:id="rId38"/>
-    <p:sldId id="454" r:id="rId39"/>
-    <p:sldId id="458" r:id="rId40"/>
-    <p:sldId id="459" r:id="rId41"/>
-    <p:sldId id="455" r:id="rId42"/>
-    <p:sldId id="460" r:id="rId43"/>
-    <p:sldId id="461" r:id="rId44"/>
-    <p:sldId id="444" r:id="rId45"/>
-    <p:sldId id="308" r:id="rId46"/>
-    <p:sldId id="310" r:id="rId47"/>
-    <p:sldId id="309" r:id="rId48"/>
-    <p:sldId id="311" r:id="rId49"/>
-    <p:sldId id="462" r:id="rId50"/>
-    <p:sldId id="463" r:id="rId51"/>
-    <p:sldId id="464" r:id="rId52"/>
-    <p:sldId id="465" r:id="rId53"/>
-    <p:sldId id="466" r:id="rId54"/>
-    <p:sldId id="467" r:id="rId55"/>
-    <p:sldId id="258" r:id="rId56"/>
+    <p:sldId id="477" r:id="rId26"/>
+    <p:sldId id="478" r:id="rId27"/>
+    <p:sldId id="479" r:id="rId28"/>
+    <p:sldId id="480" r:id="rId29"/>
+    <p:sldId id="481" r:id="rId30"/>
+    <p:sldId id="482" r:id="rId31"/>
+    <p:sldId id="469" r:id="rId32"/>
+    <p:sldId id="307" r:id="rId33"/>
+    <p:sldId id="445" r:id="rId34"/>
+    <p:sldId id="446" r:id="rId35"/>
+    <p:sldId id="447" r:id="rId36"/>
+    <p:sldId id="448" r:id="rId37"/>
+    <p:sldId id="449" r:id="rId38"/>
+    <p:sldId id="450" r:id="rId39"/>
+    <p:sldId id="451" r:id="rId40"/>
+    <p:sldId id="452" r:id="rId41"/>
+    <p:sldId id="453" r:id="rId42"/>
+    <p:sldId id="456" r:id="rId43"/>
+    <p:sldId id="457" r:id="rId44"/>
+    <p:sldId id="454" r:id="rId45"/>
+    <p:sldId id="458" r:id="rId46"/>
+    <p:sldId id="459" r:id="rId47"/>
+    <p:sldId id="455" r:id="rId48"/>
+    <p:sldId id="460" r:id="rId49"/>
+    <p:sldId id="461" r:id="rId50"/>
+    <p:sldId id="444" r:id="rId51"/>
+    <p:sldId id="308" r:id="rId52"/>
+    <p:sldId id="310" r:id="rId53"/>
+    <p:sldId id="309" r:id="rId54"/>
+    <p:sldId id="311" r:id="rId55"/>
+    <p:sldId id="462" r:id="rId56"/>
+    <p:sldId id="463" r:id="rId57"/>
+    <p:sldId id="464" r:id="rId58"/>
+    <p:sldId id="465" r:id="rId59"/>
+    <p:sldId id="466" r:id="rId60"/>
+    <p:sldId id="467" r:id="rId61"/>
+    <p:sldId id="258" r:id="rId62"/>
   </p:sldIdLst>
   <p:sldSz cx="24384000" cy="13716000"/>
   <p:notesSz cx="6858000" cy="9144000"/>
@@ -3505,7 +3511,7 @@
           </a:ln>
           <a:extLst>
             <a:ext uri="{C572A759-6A51-4108-AA02-DFA0A04FC94B}">
-              <ma14:wrappingTextBoxFlag xmlns:ma14="http://schemas.microsoft.com/office/mac/drawingml/2011/main" xmlns:a14="http://schemas.microsoft.com/office/drawing/2010/main" xmlns:m="http://schemas.openxmlformats.org/officeDocument/2006/math" xmlns="" val="1"/>
+              <ma14:wrappingTextBoxFlag xmlns="" xmlns:m="http://schemas.openxmlformats.org/officeDocument/2006/math" xmlns:a14="http://schemas.microsoft.com/office/drawing/2010/main" xmlns:ma14="http://schemas.microsoft.com/office/mac/drawingml/2011/main" val="1"/>
             </a:ext>
           </a:extLst>
         </p:spPr>
@@ -3544,7 +3550,7 @@
           </a:ln>
           <a:extLst>
             <a:ext uri="{C572A759-6A51-4108-AA02-DFA0A04FC94B}">
-              <ma14:wrappingTextBoxFlag xmlns:ma14="http://schemas.microsoft.com/office/mac/drawingml/2011/main" xmlns:a14="http://schemas.microsoft.com/office/drawing/2010/main" xmlns:m="http://schemas.openxmlformats.org/officeDocument/2006/math" xmlns="" val="1"/>
+              <ma14:wrappingTextBoxFlag xmlns="" xmlns:m="http://schemas.openxmlformats.org/officeDocument/2006/math" xmlns:a14="http://schemas.microsoft.com/office/drawing/2010/main" xmlns:ma14="http://schemas.microsoft.com/office/mac/drawingml/2011/main" val="1"/>
             </a:ext>
           </a:extLst>
         </p:spPr>
@@ -4514,7 +4520,7 @@
           </a:ln>
           <a:extLst>
             <a:ext uri="{C572A759-6A51-4108-AA02-DFA0A04FC94B}">
-              <ma14:wrappingTextBoxFlag xmlns:ma14="http://schemas.microsoft.com/office/mac/drawingml/2011/main" xmlns:a14="http://schemas.microsoft.com/office/drawing/2010/main" xmlns:m="http://schemas.openxmlformats.org/officeDocument/2006/math" xmlns="" val="1"/>
+              <ma14:wrappingTextBoxFlag xmlns="" xmlns:m="http://schemas.openxmlformats.org/officeDocument/2006/math" xmlns:a14="http://schemas.microsoft.com/office/drawing/2010/main" xmlns:ma14="http://schemas.microsoft.com/office/mac/drawingml/2011/main" val="1"/>
             </a:ext>
           </a:extLst>
         </p:spPr>
@@ -4890,7 +4896,7 @@
           </a:ln>
           <a:extLst>
             <a:ext uri="{C572A759-6A51-4108-AA02-DFA0A04FC94B}">
-              <ma14:wrappingTextBoxFlag xmlns:ma14="http://schemas.microsoft.com/office/mac/drawingml/2011/main" xmlns:a14="http://schemas.microsoft.com/office/drawing/2010/main" xmlns:m="http://schemas.openxmlformats.org/officeDocument/2006/math" xmlns="" val="1"/>
+              <ma14:wrappingTextBoxFlag xmlns="" xmlns:m="http://schemas.openxmlformats.org/officeDocument/2006/math" xmlns:a14="http://schemas.microsoft.com/office/drawing/2010/main" xmlns:ma14="http://schemas.microsoft.com/office/mac/drawingml/2011/main" val="1"/>
             </a:ext>
           </a:extLst>
         </p:spPr>
@@ -7416,7 +7422,30 @@
           </a:bodyPr>
           <a:lstStyle/>
           <a:p>
-            <a:endParaRPr lang="pt-BR" dirty="0"/>
+            <a:r>
+              <a:rPr lang="pt-BR" dirty="0"/>
+              <a:t>Um paradigma, por definição, é um conceito que define um exemplo típico ou modelo de algo. É a representação de um padrão a ser seguido.</a:t>
+            </a:r>
+          </a:p>
+          <a:p>
+            <a:r>
+              <a:rPr lang="pt-BR" dirty="0"/>
+              <a:t>Um </a:t>
+            </a:r>
+            <a:r>
+              <a:rPr lang="pt-BR" b="1" dirty="0"/>
+              <a:t>paradigma de programação</a:t>
+            </a:r>
+            <a:r>
+              <a:rPr lang="pt-BR" dirty="0"/>
+              <a:t> é uma forma de classificação de linguagens de programação, baseada nas suas funcionalidades. Um paradigma é, portanto, um tipo de estruturação ao qual a linguagem deverá respeitar.</a:t>
+            </a:r>
+          </a:p>
+          <a:p>
+            <a:r>
+              <a:rPr lang="pt-BR" dirty="0"/>
+              <a:t>Cada paradigma surgiu de necessidades diferentes. Dado isso, cada um apresenta maiores vantagens sobre os outros dentro do desenvolvimento de determinado sistema. Sendo assim, um paradigma pode oferecer técnicas apropriadas para uma aplicação específica.</a:t>
+            </a:r>
           </a:p>
         </p:txBody>
       </p:sp>
@@ -7465,6 +7494,1035 @@
 </file>
 
 <file path=ppt/slides/slide22.xml><?xml version="1.0" encoding="utf-8"?>
+<p:sld xmlns:a="http://schemas.openxmlformats.org/drawingml/2006/main" xmlns:r="http://schemas.openxmlformats.org/officeDocument/2006/relationships" xmlns:p="http://schemas.openxmlformats.org/presentationml/2006/main">
+  <p:cSld>
+    <p:spTree>
+      <p:nvGrpSpPr>
+        <p:cNvPr id="1" name=""/>
+        <p:cNvGrpSpPr/>
+        <p:nvPr/>
+      </p:nvGrpSpPr>
+      <p:grpSpPr>
+        <a:xfrm>
+          <a:off x="0" y="0"/>
+          <a:ext cx="0" cy="0"/>
+          <a:chOff x="0" y="0"/>
+          <a:chExt cx="0" cy="0"/>
+        </a:xfrm>
+      </p:grpSpPr>
+      <p:sp>
+        <p:nvSpPr>
+          <p:cNvPr id="2" name="Título 1"/>
+          <p:cNvSpPr>
+            <a:spLocks noGrp="1"/>
+          </p:cNvSpPr>
+          <p:nvPr>
+            <p:ph type="title"/>
+          </p:nvPr>
+        </p:nvSpPr>
+        <p:spPr/>
+        <p:txBody>
+          <a:bodyPr>
+            <a:normAutofit/>
+          </a:bodyPr>
+          <a:lstStyle/>
+          <a:p>
+            <a:r>
+              <a:rPr lang="pt-BR" dirty="0"/>
+              <a:t>Paradigmas de programação</a:t>
+            </a:r>
+          </a:p>
+        </p:txBody>
+      </p:sp>
+      <p:sp>
+        <p:nvSpPr>
+          <p:cNvPr id="3" name="Espaço Reservado para Conteúdo 2"/>
+          <p:cNvSpPr>
+            <a:spLocks noGrp="1"/>
+          </p:cNvSpPr>
+          <p:nvPr>
+            <p:ph type="body" idx="1"/>
+          </p:nvPr>
+        </p:nvSpPr>
+        <p:spPr>
+          <a:xfrm>
+            <a:off x="1689100" y="2604530"/>
+            <a:ext cx="21005800" cy="10548762"/>
+          </a:xfrm>
+          <a:noFill/>
+        </p:spPr>
+        <p:txBody>
+          <a:bodyPr>
+            <a:noAutofit/>
+          </a:bodyPr>
+          <a:lstStyle/>
+          <a:p>
+            <a:r>
+              <a:rPr lang="pt-BR" dirty="0"/>
+              <a:t>Paradigma imperativo ou procedural:</a:t>
+            </a:r>
+          </a:p>
+          <a:p>
+            <a:pPr marL="571500" indent="-571500">
+              <a:buFont typeface="Arial" panose="020B0604020202020204" pitchFamily="34" charset="0"/>
+              <a:buChar char="•"/>
+            </a:pPr>
+            <a:r>
+              <a:rPr lang="pt-BR" dirty="0"/>
+              <a:t>As instruções devem ser passadas ao computador na sequência em que devem ser executadas;</a:t>
+            </a:r>
+          </a:p>
+          <a:p>
+            <a:pPr marL="571500" indent="-571500">
+              <a:buFont typeface="Arial" panose="020B0604020202020204" pitchFamily="34" charset="0"/>
+              <a:buChar char="•"/>
+            </a:pPr>
+            <a:r>
+              <a:rPr lang="pt-BR" dirty="0"/>
+              <a:t>Como linguagens mais conhecidas temos COBOL, FORTRAN e Pascal;</a:t>
+            </a:r>
+          </a:p>
+          <a:p>
+            <a:pPr marL="571500" indent="-571500">
+              <a:buFont typeface="Arial" panose="020B0604020202020204" pitchFamily="34" charset="0"/>
+              <a:buChar char="•"/>
+            </a:pPr>
+            <a:r>
+              <a:rPr lang="pt-BR" dirty="0"/>
+              <a:t>O código programado através desse paradigma é uma espécie de passo-a-passo dos procedimentos que a máquina deverá executar;</a:t>
+            </a:r>
+          </a:p>
+          <a:p>
+            <a:pPr marL="571500" indent="-571500">
+              <a:buFont typeface="Arial" panose="020B0604020202020204" pitchFamily="34" charset="0"/>
+              <a:buChar char="•"/>
+            </a:pPr>
+            <a:r>
+              <a:rPr lang="pt-BR" dirty="0"/>
+              <a:t>A solução do problema será muito dependente da experiência e criatividade de quem trabalha com a programação - foco no “como”;</a:t>
+            </a:r>
+          </a:p>
+          <a:p>
+            <a:pPr marL="571500" indent="-571500">
+              <a:buFont typeface="Arial" panose="020B0604020202020204" pitchFamily="34" charset="0"/>
+              <a:buChar char="•"/>
+            </a:pPr>
+            <a:r>
+              <a:rPr lang="pt-BR" dirty="0"/>
+              <a:t>Recomendado em projetos onde não se espera que haja mudanças significativas com o tempo;</a:t>
+            </a:r>
+          </a:p>
+          <a:p>
+            <a:pPr marL="571500" indent="-571500">
+              <a:buFont typeface="Arial" panose="020B0604020202020204" pitchFamily="34" charset="0"/>
+              <a:buChar char="•"/>
+            </a:pPr>
+            <a:r>
+              <a:rPr lang="pt-BR" dirty="0"/>
+              <a:t>É eficiente e permite uma modelagem tal qual o mundo real, porém o código tende a ser de difícil legibilidade. </a:t>
+            </a:r>
+          </a:p>
+        </p:txBody>
+      </p:sp>
+      <p:sp>
+        <p:nvSpPr>
+          <p:cNvPr id="5" name="Espaço Reservado para Número de Slide 4">
+            <a:extLst>
+              <a:ext uri="{FF2B5EF4-FFF2-40B4-BE49-F238E27FC236}">
+                <a16:creationId xmlns:a16="http://schemas.microsoft.com/office/drawing/2014/main" id="{A41A86C6-43EE-475D-898C-29287247F827}"/>
+              </a:ext>
+            </a:extLst>
+          </p:cNvPr>
+          <p:cNvSpPr>
+            <a:spLocks noGrp="1"/>
+          </p:cNvSpPr>
+          <p:nvPr>
+            <p:ph type="sldNum" sz="quarter" idx="10"/>
+          </p:nvPr>
+        </p:nvSpPr>
+        <p:spPr/>
+        <p:txBody>
+          <a:bodyPr/>
+          <a:lstStyle/>
+          <a:p>
+            <a:fld id="{5D0C34D4-E406-4A74-B020-30BB69A49765}" type="slidenum">
+              <a:rPr lang="pt-BR" smtClean="0"/>
+              <a:pPr/>
+              <a:t>22</a:t>
+            </a:fld>
+            <a:endParaRPr lang="pt-BR" dirty="0"/>
+          </a:p>
+        </p:txBody>
+      </p:sp>
+    </p:spTree>
+    <p:extLst>
+      <p:ext uri="{BB962C8B-B14F-4D97-AF65-F5344CB8AC3E}">
+        <p14:creationId xmlns:p14="http://schemas.microsoft.com/office/powerpoint/2010/main" val="3796878075"/>
+      </p:ext>
+    </p:extLst>
+  </p:cSld>
+  <p:clrMapOvr>
+    <a:masterClrMapping/>
+  </p:clrMapOvr>
+  <p:transition spd="med"/>
+</p:sld>
+</file>
+
+<file path=ppt/slides/slide23.xml><?xml version="1.0" encoding="utf-8"?>
+<p:sld xmlns:a="http://schemas.openxmlformats.org/drawingml/2006/main" xmlns:r="http://schemas.openxmlformats.org/officeDocument/2006/relationships" xmlns:p="http://schemas.openxmlformats.org/presentationml/2006/main">
+  <p:cSld>
+    <p:spTree>
+      <p:nvGrpSpPr>
+        <p:cNvPr id="1" name=""/>
+        <p:cNvGrpSpPr/>
+        <p:nvPr/>
+      </p:nvGrpSpPr>
+      <p:grpSpPr>
+        <a:xfrm>
+          <a:off x="0" y="0"/>
+          <a:ext cx="0" cy="0"/>
+          <a:chOff x="0" y="0"/>
+          <a:chExt cx="0" cy="0"/>
+        </a:xfrm>
+      </p:grpSpPr>
+      <p:sp>
+        <p:nvSpPr>
+          <p:cNvPr id="2" name="Título 1"/>
+          <p:cNvSpPr>
+            <a:spLocks noGrp="1"/>
+          </p:cNvSpPr>
+          <p:nvPr>
+            <p:ph type="title"/>
+          </p:nvPr>
+        </p:nvSpPr>
+        <p:spPr/>
+        <p:txBody>
+          <a:bodyPr>
+            <a:normAutofit/>
+          </a:bodyPr>
+          <a:lstStyle/>
+          <a:p>
+            <a:r>
+              <a:rPr lang="pt-BR" dirty="0"/>
+              <a:t>Paradigmas de programação</a:t>
+            </a:r>
+          </a:p>
+        </p:txBody>
+      </p:sp>
+      <p:sp>
+        <p:nvSpPr>
+          <p:cNvPr id="3" name="Espaço Reservado para Conteúdo 2"/>
+          <p:cNvSpPr>
+            <a:spLocks noGrp="1"/>
+          </p:cNvSpPr>
+          <p:nvPr>
+            <p:ph type="body" idx="1"/>
+          </p:nvPr>
+        </p:nvSpPr>
+        <p:spPr>
+          <a:xfrm>
+            <a:off x="1689100" y="2604530"/>
+            <a:ext cx="21005800" cy="10548762"/>
+          </a:xfrm>
+          <a:noFill/>
+        </p:spPr>
+        <p:txBody>
+          <a:bodyPr>
+            <a:noAutofit/>
+          </a:bodyPr>
+          <a:lstStyle/>
+          <a:p>
+            <a:r>
+              <a:rPr lang="pt-BR" dirty="0"/>
+              <a:t>Paradigma declarativo:</a:t>
+            </a:r>
+          </a:p>
+          <a:p>
+            <a:pPr marL="571500" indent="-571500">
+              <a:buFont typeface="Arial" panose="020B0604020202020204" pitchFamily="34" charset="0"/>
+              <a:buChar char="•"/>
+            </a:pPr>
+            <a:r>
+              <a:rPr lang="pt-BR" dirty="0"/>
+              <a:t>Foca mais no “quê” deve ser resolvido, ao invés do “como”;</a:t>
+            </a:r>
+          </a:p>
+          <a:p>
+            <a:pPr marL="571500" indent="-571500">
+              <a:buFont typeface="Arial" panose="020B0604020202020204" pitchFamily="34" charset="0"/>
+              <a:buChar char="•"/>
+            </a:pPr>
+            <a:r>
+              <a:rPr lang="pt-BR" dirty="0"/>
+              <a:t>Nível de abstração é maior;</a:t>
+            </a:r>
+          </a:p>
+          <a:p>
+            <a:pPr marL="571500" indent="-571500">
+              <a:buFont typeface="Arial" panose="020B0604020202020204" pitchFamily="34" charset="0"/>
+              <a:buChar char="•"/>
+            </a:pPr>
+            <a:r>
+              <a:rPr lang="pt-BR" dirty="0"/>
+              <a:t>O foco deixa de ser como o resultado vai ser computado, e sim em como funciona a sequência lógica e qual o resultado esperado;</a:t>
+            </a:r>
+          </a:p>
+          <a:p>
+            <a:pPr marL="571500" indent="-571500">
+              <a:buFont typeface="Arial" panose="020B0604020202020204" pitchFamily="34" charset="0"/>
+              <a:buChar char="•"/>
+            </a:pPr>
+            <a:r>
+              <a:rPr lang="pt-BR" dirty="0"/>
+              <a:t>Como exemplos de linguagens declarativas, temos </a:t>
+            </a:r>
+            <a:r>
+              <a:rPr lang="pt-BR" dirty="0" err="1"/>
+              <a:t>Lisp</a:t>
+            </a:r>
+            <a:r>
+              <a:rPr lang="pt-BR" dirty="0"/>
+              <a:t>, Prolog e </a:t>
+            </a:r>
+            <a:r>
+              <a:rPr lang="pt-BR" dirty="0" err="1"/>
+              <a:t>Haskell</a:t>
+            </a:r>
+            <a:r>
+              <a:rPr lang="pt-BR" dirty="0"/>
+              <a:t>.</a:t>
+            </a:r>
+          </a:p>
+          <a:p>
+            <a:pPr marL="571500" indent="-571500">
+              <a:buFont typeface="Arial" panose="020B0604020202020204" pitchFamily="34" charset="0"/>
+              <a:buChar char="•"/>
+            </a:pPr>
+            <a:endParaRPr lang="pt-BR" dirty="0"/>
+          </a:p>
+        </p:txBody>
+      </p:sp>
+      <p:sp>
+        <p:nvSpPr>
+          <p:cNvPr id="5" name="Espaço Reservado para Número de Slide 4">
+            <a:extLst>
+              <a:ext uri="{FF2B5EF4-FFF2-40B4-BE49-F238E27FC236}">
+                <a16:creationId xmlns:a16="http://schemas.microsoft.com/office/drawing/2014/main" id="{A41A86C6-43EE-475D-898C-29287247F827}"/>
+              </a:ext>
+            </a:extLst>
+          </p:cNvPr>
+          <p:cNvSpPr>
+            <a:spLocks noGrp="1"/>
+          </p:cNvSpPr>
+          <p:nvPr>
+            <p:ph type="sldNum" sz="quarter" idx="10"/>
+          </p:nvPr>
+        </p:nvSpPr>
+        <p:spPr/>
+        <p:txBody>
+          <a:bodyPr/>
+          <a:lstStyle/>
+          <a:p>
+            <a:fld id="{5D0C34D4-E406-4A74-B020-30BB69A49765}" type="slidenum">
+              <a:rPr lang="pt-BR" smtClean="0"/>
+              <a:pPr/>
+              <a:t>23</a:t>
+            </a:fld>
+            <a:endParaRPr lang="pt-BR" dirty="0"/>
+          </a:p>
+        </p:txBody>
+      </p:sp>
+    </p:spTree>
+    <p:extLst>
+      <p:ext uri="{BB962C8B-B14F-4D97-AF65-F5344CB8AC3E}">
+        <p14:creationId xmlns:p14="http://schemas.microsoft.com/office/powerpoint/2010/main" val="367721359"/>
+      </p:ext>
+    </p:extLst>
+  </p:cSld>
+  <p:clrMapOvr>
+    <a:masterClrMapping/>
+  </p:clrMapOvr>
+  <p:transition spd="med"/>
+</p:sld>
+</file>
+
+<file path=ppt/slides/slide24.xml><?xml version="1.0" encoding="utf-8"?>
+<p:sld xmlns:a="http://schemas.openxmlformats.org/drawingml/2006/main" xmlns:r="http://schemas.openxmlformats.org/officeDocument/2006/relationships" xmlns:p="http://schemas.openxmlformats.org/presentationml/2006/main">
+  <p:cSld>
+    <p:spTree>
+      <p:nvGrpSpPr>
+        <p:cNvPr id="1" name=""/>
+        <p:cNvGrpSpPr/>
+        <p:nvPr/>
+      </p:nvGrpSpPr>
+      <p:grpSpPr>
+        <a:xfrm>
+          <a:off x="0" y="0"/>
+          <a:ext cx="0" cy="0"/>
+          <a:chOff x="0" y="0"/>
+          <a:chExt cx="0" cy="0"/>
+        </a:xfrm>
+      </p:grpSpPr>
+      <p:sp>
+        <p:nvSpPr>
+          <p:cNvPr id="2" name="Título 1"/>
+          <p:cNvSpPr>
+            <a:spLocks noGrp="1"/>
+          </p:cNvSpPr>
+          <p:nvPr>
+            <p:ph type="title"/>
+          </p:nvPr>
+        </p:nvSpPr>
+        <p:spPr/>
+        <p:txBody>
+          <a:bodyPr>
+            <a:normAutofit/>
+          </a:bodyPr>
+          <a:lstStyle/>
+          <a:p>
+            <a:r>
+              <a:rPr lang="pt-BR" dirty="0"/>
+              <a:t>Paradigmas de programação</a:t>
+            </a:r>
+          </a:p>
+        </p:txBody>
+      </p:sp>
+      <p:sp>
+        <p:nvSpPr>
+          <p:cNvPr id="3" name="Espaço Reservado para Conteúdo 2"/>
+          <p:cNvSpPr>
+            <a:spLocks noGrp="1"/>
+          </p:cNvSpPr>
+          <p:nvPr>
+            <p:ph type="body" idx="1"/>
+          </p:nvPr>
+        </p:nvSpPr>
+        <p:spPr>
+          <a:xfrm>
+            <a:off x="1689100" y="2604530"/>
+            <a:ext cx="21005800" cy="10548762"/>
+          </a:xfrm>
+          <a:noFill/>
+        </p:spPr>
+        <p:txBody>
+          <a:bodyPr>
+            <a:noAutofit/>
+          </a:bodyPr>
+          <a:lstStyle/>
+          <a:p>
+            <a:r>
+              <a:rPr lang="pt-BR" dirty="0"/>
+              <a:t>Paradigma funcional:</a:t>
+            </a:r>
+          </a:p>
+          <a:p>
+            <a:pPr marL="571500" indent="-571500">
+              <a:buFont typeface="Arial" panose="020B0604020202020204" pitchFamily="34" charset="0"/>
+              <a:buChar char="•"/>
+            </a:pPr>
+            <a:r>
+              <a:rPr lang="pt-BR" dirty="0"/>
+              <a:t>O uso de funções é destaque;</a:t>
+            </a:r>
+          </a:p>
+          <a:p>
+            <a:pPr marL="571500" indent="-571500">
+              <a:buFont typeface="Arial" panose="020B0604020202020204" pitchFamily="34" charset="0"/>
+              <a:buChar char="•"/>
+            </a:pPr>
+            <a:r>
+              <a:rPr lang="pt-BR" dirty="0"/>
+              <a:t>O programa é dividido em blocos e, para sua resolução, são implementadas funções que definem variáveis em seu escopo e retornam algum resultado;</a:t>
+            </a:r>
+          </a:p>
+          <a:p>
+            <a:pPr marL="571500" indent="-571500">
+              <a:buFont typeface="Arial" panose="020B0604020202020204" pitchFamily="34" charset="0"/>
+              <a:buChar char="•"/>
+            </a:pPr>
+            <a:r>
+              <a:rPr lang="pt-BR" dirty="0"/>
+              <a:t>São exemplos de linguagens o </a:t>
+            </a:r>
+            <a:r>
+              <a:rPr lang="pt-BR" dirty="0" err="1"/>
+              <a:t>Lisp</a:t>
+            </a:r>
+            <a:r>
+              <a:rPr lang="pt-BR" dirty="0"/>
+              <a:t>, o </a:t>
+            </a:r>
+            <a:r>
+              <a:rPr lang="pt-BR" dirty="0" err="1"/>
+              <a:t>Scheme</a:t>
+            </a:r>
+            <a:r>
+              <a:rPr lang="pt-BR" dirty="0"/>
+              <a:t> e o </a:t>
+            </a:r>
+            <a:r>
+              <a:rPr lang="pt-BR" dirty="0" err="1"/>
+              <a:t>Haskell</a:t>
+            </a:r>
+            <a:r>
+              <a:rPr lang="pt-BR" dirty="0"/>
+              <a:t>;</a:t>
+            </a:r>
+          </a:p>
+          <a:p>
+            <a:pPr marL="571500" indent="-571500">
+              <a:buFont typeface="Arial" panose="020B0604020202020204" pitchFamily="34" charset="0"/>
+              <a:buChar char="•"/>
+            </a:pPr>
+            <a:r>
+              <a:rPr lang="pt-BR" dirty="0"/>
+              <a:t>É bastante indicado quando a solução requerida é fortemente dependente de uma base matemática;</a:t>
+            </a:r>
+          </a:p>
+          <a:p>
+            <a:pPr marL="571500" indent="-571500">
+              <a:buFont typeface="Arial" panose="020B0604020202020204" pitchFamily="34" charset="0"/>
+              <a:buChar char="•"/>
+            </a:pPr>
+            <a:r>
+              <a:rPr lang="pt-BR" dirty="0"/>
+              <a:t>O paradigma funcional tem alocação de memória automática, eliminando possíveis “efeitos colaterais” nos cálculos matemáticos das funções.</a:t>
+            </a:r>
+          </a:p>
+          <a:p>
+            <a:pPr marL="571500" indent="-571500">
+              <a:buFont typeface="Arial" panose="020B0604020202020204" pitchFamily="34" charset="0"/>
+              <a:buChar char="•"/>
+            </a:pPr>
+            <a:endParaRPr lang="pt-BR" dirty="0"/>
+          </a:p>
+        </p:txBody>
+      </p:sp>
+      <p:sp>
+        <p:nvSpPr>
+          <p:cNvPr id="5" name="Espaço Reservado para Número de Slide 4">
+            <a:extLst>
+              <a:ext uri="{FF2B5EF4-FFF2-40B4-BE49-F238E27FC236}">
+                <a16:creationId xmlns:a16="http://schemas.microsoft.com/office/drawing/2014/main" id="{A41A86C6-43EE-475D-898C-29287247F827}"/>
+              </a:ext>
+            </a:extLst>
+          </p:cNvPr>
+          <p:cNvSpPr>
+            <a:spLocks noGrp="1"/>
+          </p:cNvSpPr>
+          <p:nvPr>
+            <p:ph type="sldNum" sz="quarter" idx="10"/>
+          </p:nvPr>
+        </p:nvSpPr>
+        <p:spPr/>
+        <p:txBody>
+          <a:bodyPr/>
+          <a:lstStyle/>
+          <a:p>
+            <a:fld id="{5D0C34D4-E406-4A74-B020-30BB69A49765}" type="slidenum">
+              <a:rPr lang="pt-BR" smtClean="0"/>
+              <a:pPr/>
+              <a:t>24</a:t>
+            </a:fld>
+            <a:endParaRPr lang="pt-BR" dirty="0"/>
+          </a:p>
+        </p:txBody>
+      </p:sp>
+    </p:spTree>
+    <p:extLst>
+      <p:ext uri="{BB962C8B-B14F-4D97-AF65-F5344CB8AC3E}">
+        <p14:creationId xmlns:p14="http://schemas.microsoft.com/office/powerpoint/2010/main" val="2076449992"/>
+      </p:ext>
+    </p:extLst>
+  </p:cSld>
+  <p:clrMapOvr>
+    <a:masterClrMapping/>
+  </p:clrMapOvr>
+  <p:transition spd="med"/>
+</p:sld>
+</file>
+
+<file path=ppt/slides/slide25.xml><?xml version="1.0" encoding="utf-8"?>
+<p:sld xmlns:a="http://schemas.openxmlformats.org/drawingml/2006/main" xmlns:r="http://schemas.openxmlformats.org/officeDocument/2006/relationships" xmlns:p="http://schemas.openxmlformats.org/presentationml/2006/main">
+  <p:cSld>
+    <p:spTree>
+      <p:nvGrpSpPr>
+        <p:cNvPr id="1" name=""/>
+        <p:cNvGrpSpPr/>
+        <p:nvPr/>
+      </p:nvGrpSpPr>
+      <p:grpSpPr>
+        <a:xfrm>
+          <a:off x="0" y="0"/>
+          <a:ext cx="0" cy="0"/>
+          <a:chOff x="0" y="0"/>
+          <a:chExt cx="0" cy="0"/>
+        </a:xfrm>
+      </p:grpSpPr>
+      <p:sp>
+        <p:nvSpPr>
+          <p:cNvPr id="2" name="Título 1"/>
+          <p:cNvSpPr>
+            <a:spLocks noGrp="1"/>
+          </p:cNvSpPr>
+          <p:nvPr>
+            <p:ph type="title"/>
+          </p:nvPr>
+        </p:nvSpPr>
+        <p:spPr/>
+        <p:txBody>
+          <a:bodyPr>
+            <a:normAutofit/>
+          </a:bodyPr>
+          <a:lstStyle/>
+          <a:p>
+            <a:r>
+              <a:rPr lang="pt-BR" dirty="0"/>
+              <a:t>Paradigmas de programação</a:t>
+            </a:r>
+          </a:p>
+        </p:txBody>
+      </p:sp>
+      <p:sp>
+        <p:nvSpPr>
+          <p:cNvPr id="3" name="Espaço Reservado para Conteúdo 2"/>
+          <p:cNvSpPr>
+            <a:spLocks noGrp="1"/>
+          </p:cNvSpPr>
+          <p:nvPr>
+            <p:ph type="body" idx="1"/>
+          </p:nvPr>
+        </p:nvSpPr>
+        <p:spPr>
+          <a:xfrm>
+            <a:off x="1689100" y="2604530"/>
+            <a:ext cx="21005800" cy="10548762"/>
+          </a:xfrm>
+          <a:noFill/>
+        </p:spPr>
+        <p:txBody>
+          <a:bodyPr>
+            <a:noAutofit/>
+          </a:bodyPr>
+          <a:lstStyle/>
+          <a:p>
+            <a:r>
+              <a:rPr lang="pt-BR" dirty="0"/>
+              <a:t>Paradigma lógico:</a:t>
+            </a:r>
+          </a:p>
+          <a:p>
+            <a:pPr marL="571500" indent="-571500">
+              <a:buFont typeface="Arial" panose="020B0604020202020204" pitchFamily="34" charset="0"/>
+              <a:buChar char="•"/>
+            </a:pPr>
+            <a:r>
+              <a:rPr lang="pt-BR" dirty="0"/>
+              <a:t>Deriva do paradigma declarativo;</a:t>
+            </a:r>
+          </a:p>
+          <a:p>
+            <a:pPr marL="571500" indent="-571500">
+              <a:buFont typeface="Arial" panose="020B0604020202020204" pitchFamily="34" charset="0"/>
+              <a:buChar char="•"/>
+            </a:pPr>
+            <a:r>
+              <a:rPr lang="pt-BR" dirty="0"/>
+              <a:t>Utiliza formas de lógica simbólica como padrões de entrada e saída, para realizar inferências para produzir os resultados;</a:t>
+            </a:r>
+          </a:p>
+          <a:p>
+            <a:pPr marL="571500" indent="-571500">
+              <a:buFont typeface="Arial" panose="020B0604020202020204" pitchFamily="34" charset="0"/>
+              <a:buChar char="•"/>
+            </a:pPr>
+            <a:r>
+              <a:rPr lang="pt-BR" dirty="0"/>
+              <a:t>Entre as linguagens que usam esse paradigma, podemos citar Mercury e Prolog;</a:t>
+            </a:r>
+          </a:p>
+          <a:p>
+            <a:pPr marL="571500" indent="-571500">
+              <a:buFont typeface="Arial" panose="020B0604020202020204" pitchFamily="34" charset="0"/>
+              <a:buChar char="•"/>
+            </a:pPr>
+            <a:r>
+              <a:rPr lang="pt-BR" dirty="0"/>
+              <a:t>São utilizadas na solução de problemas que envolvem inteligência artificial, criação de programas especialistas e comprovação de teoremas.</a:t>
+            </a:r>
+          </a:p>
+          <a:p>
+            <a:pPr marL="571500" indent="-571500">
+              <a:buFont typeface="Arial" panose="020B0604020202020204" pitchFamily="34" charset="0"/>
+              <a:buChar char="•"/>
+            </a:pPr>
+            <a:endParaRPr lang="pt-BR" dirty="0"/>
+          </a:p>
+        </p:txBody>
+      </p:sp>
+      <p:sp>
+        <p:nvSpPr>
+          <p:cNvPr id="5" name="Espaço Reservado para Número de Slide 4">
+            <a:extLst>
+              <a:ext uri="{FF2B5EF4-FFF2-40B4-BE49-F238E27FC236}">
+                <a16:creationId xmlns:a16="http://schemas.microsoft.com/office/drawing/2014/main" id="{A41A86C6-43EE-475D-898C-29287247F827}"/>
+              </a:ext>
+            </a:extLst>
+          </p:cNvPr>
+          <p:cNvSpPr>
+            <a:spLocks noGrp="1"/>
+          </p:cNvSpPr>
+          <p:nvPr>
+            <p:ph type="sldNum" sz="quarter" idx="10"/>
+          </p:nvPr>
+        </p:nvSpPr>
+        <p:spPr/>
+        <p:txBody>
+          <a:bodyPr/>
+          <a:lstStyle/>
+          <a:p>
+            <a:fld id="{5D0C34D4-E406-4A74-B020-30BB69A49765}" type="slidenum">
+              <a:rPr lang="pt-BR" smtClean="0"/>
+              <a:pPr/>
+              <a:t>25</a:t>
+            </a:fld>
+            <a:endParaRPr lang="pt-BR" dirty="0"/>
+          </a:p>
+        </p:txBody>
+      </p:sp>
+    </p:spTree>
+    <p:extLst>
+      <p:ext uri="{BB962C8B-B14F-4D97-AF65-F5344CB8AC3E}">
+        <p14:creationId xmlns:p14="http://schemas.microsoft.com/office/powerpoint/2010/main" val="4118490914"/>
+      </p:ext>
+    </p:extLst>
+  </p:cSld>
+  <p:clrMapOvr>
+    <a:masterClrMapping/>
+  </p:clrMapOvr>
+  <p:transition spd="med"/>
+</p:sld>
+</file>
+
+<file path=ppt/slides/slide26.xml><?xml version="1.0" encoding="utf-8"?>
+<p:sld xmlns:a="http://schemas.openxmlformats.org/drawingml/2006/main" xmlns:r="http://schemas.openxmlformats.org/officeDocument/2006/relationships" xmlns:p="http://schemas.openxmlformats.org/presentationml/2006/main">
+  <p:cSld>
+    <p:spTree>
+      <p:nvGrpSpPr>
+        <p:cNvPr id="1" name=""/>
+        <p:cNvGrpSpPr/>
+        <p:nvPr/>
+      </p:nvGrpSpPr>
+      <p:grpSpPr>
+        <a:xfrm>
+          <a:off x="0" y="0"/>
+          <a:ext cx="0" cy="0"/>
+          <a:chOff x="0" y="0"/>
+          <a:chExt cx="0" cy="0"/>
+        </a:xfrm>
+      </p:grpSpPr>
+      <p:sp>
+        <p:nvSpPr>
+          <p:cNvPr id="2" name="Título 1"/>
+          <p:cNvSpPr>
+            <a:spLocks noGrp="1"/>
+          </p:cNvSpPr>
+          <p:nvPr>
+            <p:ph type="title"/>
+          </p:nvPr>
+        </p:nvSpPr>
+        <p:spPr/>
+        <p:txBody>
+          <a:bodyPr>
+            <a:normAutofit/>
+          </a:bodyPr>
+          <a:lstStyle/>
+          <a:p>
+            <a:r>
+              <a:rPr lang="pt-BR" dirty="0"/>
+              <a:t>Paradigmas de programação</a:t>
+            </a:r>
+          </a:p>
+        </p:txBody>
+      </p:sp>
+      <p:sp>
+        <p:nvSpPr>
+          <p:cNvPr id="3" name="Espaço Reservado para Conteúdo 2"/>
+          <p:cNvSpPr>
+            <a:spLocks noGrp="1"/>
+          </p:cNvSpPr>
+          <p:nvPr>
+            <p:ph type="body" idx="1"/>
+          </p:nvPr>
+        </p:nvSpPr>
+        <p:spPr>
+          <a:xfrm>
+            <a:off x="1689100" y="2604530"/>
+            <a:ext cx="21005800" cy="10548762"/>
+          </a:xfrm>
+          <a:noFill/>
+        </p:spPr>
+        <p:txBody>
+          <a:bodyPr>
+            <a:noAutofit/>
+          </a:bodyPr>
+          <a:lstStyle/>
+          <a:p>
+            <a:r>
+              <a:rPr lang="pt-BR" dirty="0"/>
+              <a:t>Paradigma orientado a objetos:</a:t>
+            </a:r>
+          </a:p>
+          <a:p>
+            <a:pPr marL="571500" indent="-571500">
+              <a:buFont typeface="Arial" panose="020B0604020202020204" pitchFamily="34" charset="0"/>
+              <a:buChar char="•"/>
+            </a:pPr>
+            <a:r>
+              <a:rPr lang="pt-BR" dirty="0"/>
+              <a:t>Foi popularizado na década de 1990 com a linguagem Java, apesar de existir há mais tempo, em linguagens como </a:t>
+            </a:r>
+            <a:r>
+              <a:rPr lang="pt-BR" dirty="0" err="1"/>
+              <a:t>Smalltalk</a:t>
+            </a:r>
+            <a:r>
+              <a:rPr lang="pt-BR" dirty="0"/>
+              <a:t> e C++;</a:t>
+            </a:r>
+          </a:p>
+          <a:p>
+            <a:pPr marL="571500" indent="-571500">
+              <a:buFont typeface="Arial" panose="020B0604020202020204" pitchFamily="34" charset="0"/>
+              <a:buChar char="•"/>
+            </a:pPr>
+            <a:r>
+              <a:rPr lang="pt-BR" dirty="0"/>
+              <a:t>Permite uma programação multiplataforma de uma mesma maneira;</a:t>
+            </a:r>
+          </a:p>
+          <a:p>
+            <a:pPr marL="571500" indent="-571500">
+              <a:buFont typeface="Arial" panose="020B0604020202020204" pitchFamily="34" charset="0"/>
+              <a:buChar char="•"/>
+            </a:pPr>
+            <a:r>
+              <a:rPr lang="pt-BR" dirty="0"/>
+              <a:t>Apoia-se nas abstrações de classes e objetos ao tentar retratar a programação tal qual se enxerga o mundo real;</a:t>
+            </a:r>
+          </a:p>
+          <a:p>
+            <a:pPr marL="571500" indent="-571500">
+              <a:buFont typeface="Arial" panose="020B0604020202020204" pitchFamily="34" charset="0"/>
+              <a:buChar char="•"/>
+            </a:pPr>
+            <a:r>
+              <a:rPr lang="pt-BR" dirty="0"/>
+              <a:t>Todos os objetos têm determinados estados e comportamentos. Esses estados são descritos pelas classes como atributos, e a forma como os objetos se comportam é definida por meio de métodos, que são equivalentes às funções do paradigma funcional;</a:t>
+            </a:r>
+          </a:p>
+          <a:p>
+            <a:pPr marL="571500" indent="-571500">
+              <a:buFont typeface="Arial" panose="020B0604020202020204" pitchFamily="34" charset="0"/>
+              <a:buChar char="•"/>
+            </a:pPr>
+            <a:r>
+              <a:rPr lang="pt-BR" dirty="0"/>
+              <a:t>Três alicerces básicos: herança, polimorfismo e encapsulamento.</a:t>
+            </a:r>
+          </a:p>
+        </p:txBody>
+      </p:sp>
+      <p:sp>
+        <p:nvSpPr>
+          <p:cNvPr id="5" name="Espaço Reservado para Número de Slide 4">
+            <a:extLst>
+              <a:ext uri="{FF2B5EF4-FFF2-40B4-BE49-F238E27FC236}">
+                <a16:creationId xmlns:a16="http://schemas.microsoft.com/office/drawing/2014/main" id="{A41A86C6-43EE-475D-898C-29287247F827}"/>
+              </a:ext>
+            </a:extLst>
+          </p:cNvPr>
+          <p:cNvSpPr>
+            <a:spLocks noGrp="1"/>
+          </p:cNvSpPr>
+          <p:nvPr>
+            <p:ph type="sldNum" sz="quarter" idx="10"/>
+          </p:nvPr>
+        </p:nvSpPr>
+        <p:spPr/>
+        <p:txBody>
+          <a:bodyPr/>
+          <a:lstStyle/>
+          <a:p>
+            <a:fld id="{5D0C34D4-E406-4A74-B020-30BB69A49765}" type="slidenum">
+              <a:rPr lang="pt-BR" smtClean="0"/>
+              <a:pPr/>
+              <a:t>26</a:t>
+            </a:fld>
+            <a:endParaRPr lang="pt-BR" dirty="0"/>
+          </a:p>
+        </p:txBody>
+      </p:sp>
+    </p:spTree>
+    <p:extLst>
+      <p:ext uri="{BB962C8B-B14F-4D97-AF65-F5344CB8AC3E}">
+        <p14:creationId xmlns:p14="http://schemas.microsoft.com/office/powerpoint/2010/main" val="2493876734"/>
+      </p:ext>
+    </p:extLst>
+  </p:cSld>
+  <p:clrMapOvr>
+    <a:masterClrMapping/>
+  </p:clrMapOvr>
+  <p:transition spd="med"/>
+</p:sld>
+</file>
+
+<file path=ppt/slides/slide27.xml><?xml version="1.0" encoding="utf-8"?>
+<p:sld xmlns:a="http://schemas.openxmlformats.org/drawingml/2006/main" xmlns:r="http://schemas.openxmlformats.org/officeDocument/2006/relationships" xmlns:p="http://schemas.openxmlformats.org/presentationml/2006/main">
+  <p:cSld>
+    <p:spTree>
+      <p:nvGrpSpPr>
+        <p:cNvPr id="1" name=""/>
+        <p:cNvGrpSpPr/>
+        <p:nvPr/>
+      </p:nvGrpSpPr>
+      <p:grpSpPr>
+        <a:xfrm>
+          <a:off x="0" y="0"/>
+          <a:ext cx="0" cy="0"/>
+          <a:chOff x="0" y="0"/>
+          <a:chExt cx="0" cy="0"/>
+        </a:xfrm>
+      </p:grpSpPr>
+      <p:sp>
+        <p:nvSpPr>
+          <p:cNvPr id="2" name="Título 1"/>
+          <p:cNvSpPr>
+            <a:spLocks noGrp="1"/>
+          </p:cNvSpPr>
+          <p:nvPr>
+            <p:ph type="title"/>
+          </p:nvPr>
+        </p:nvSpPr>
+        <p:spPr/>
+        <p:txBody>
+          <a:bodyPr>
+            <a:normAutofit/>
+          </a:bodyPr>
+          <a:lstStyle/>
+          <a:p>
+            <a:r>
+              <a:rPr lang="pt-BR" dirty="0"/>
+              <a:t>Paradigmas de programação</a:t>
+            </a:r>
+          </a:p>
+        </p:txBody>
+      </p:sp>
+      <p:sp>
+        <p:nvSpPr>
+          <p:cNvPr id="3" name="Espaço Reservado para Conteúdo 2"/>
+          <p:cNvSpPr>
+            <a:spLocks noGrp="1"/>
+          </p:cNvSpPr>
+          <p:nvPr>
+            <p:ph type="body" idx="1"/>
+          </p:nvPr>
+        </p:nvSpPr>
+        <p:spPr>
+          <a:xfrm>
+            <a:off x="1689100" y="2604530"/>
+            <a:ext cx="21005800" cy="10548762"/>
+          </a:xfrm>
+          <a:noFill/>
+        </p:spPr>
+        <p:txBody>
+          <a:bodyPr>
+            <a:noAutofit/>
+          </a:bodyPr>
+          <a:lstStyle/>
+          <a:p>
+            <a:r>
+              <a:rPr lang="pt-BR" dirty="0"/>
+              <a:t>Paradigma orientado a eventos:</a:t>
+            </a:r>
+          </a:p>
+          <a:p>
+            <a:pPr marL="571500" indent="-571500">
+              <a:buFont typeface="Arial" panose="020B0604020202020204" pitchFamily="34" charset="0"/>
+              <a:buChar char="•"/>
+            </a:pPr>
+            <a:r>
+              <a:rPr lang="pt-BR" dirty="0"/>
+              <a:t>Usado por toda linguagem de programação que tem uso de recursos gráficos, como jogos e formulários;</a:t>
+            </a:r>
+          </a:p>
+          <a:p>
+            <a:pPr marL="571500" indent="-571500">
+              <a:buFont typeface="Arial" panose="020B0604020202020204" pitchFamily="34" charset="0"/>
+              <a:buChar char="•"/>
+            </a:pPr>
+            <a:r>
+              <a:rPr lang="pt-BR" dirty="0"/>
+              <a:t>Dessa forma, a execução do programa se dá à medida que determinados eventos são disparados pelo usuário;</a:t>
+            </a:r>
+          </a:p>
+          <a:p>
+            <a:pPr marL="571500" indent="-571500">
+              <a:buFont typeface="Arial" panose="020B0604020202020204" pitchFamily="34" charset="0"/>
+              <a:buChar char="•"/>
+            </a:pPr>
+            <a:r>
+              <a:rPr lang="pt-BR" dirty="0"/>
+              <a:t>Como exemplos, temos Visual Basic, C# e Delphi.</a:t>
+            </a:r>
+          </a:p>
+        </p:txBody>
+      </p:sp>
+      <p:sp>
+        <p:nvSpPr>
+          <p:cNvPr id="5" name="Espaço Reservado para Número de Slide 4">
+            <a:extLst>
+              <a:ext uri="{FF2B5EF4-FFF2-40B4-BE49-F238E27FC236}">
+                <a16:creationId xmlns:a16="http://schemas.microsoft.com/office/drawing/2014/main" id="{A41A86C6-43EE-475D-898C-29287247F827}"/>
+              </a:ext>
+            </a:extLst>
+          </p:cNvPr>
+          <p:cNvSpPr>
+            <a:spLocks noGrp="1"/>
+          </p:cNvSpPr>
+          <p:nvPr>
+            <p:ph type="sldNum" sz="quarter" idx="10"/>
+          </p:nvPr>
+        </p:nvSpPr>
+        <p:spPr/>
+        <p:txBody>
+          <a:bodyPr/>
+          <a:lstStyle/>
+          <a:p>
+            <a:fld id="{5D0C34D4-E406-4A74-B020-30BB69A49765}" type="slidenum">
+              <a:rPr lang="pt-BR" smtClean="0"/>
+              <a:pPr/>
+              <a:t>27</a:t>
+            </a:fld>
+            <a:endParaRPr lang="pt-BR" dirty="0"/>
+          </a:p>
+        </p:txBody>
+      </p:sp>
+    </p:spTree>
+    <p:extLst>
+      <p:ext uri="{BB962C8B-B14F-4D97-AF65-F5344CB8AC3E}">
+        <p14:creationId xmlns:p14="http://schemas.microsoft.com/office/powerpoint/2010/main" val="3613049660"/>
+      </p:ext>
+    </p:extLst>
+  </p:cSld>
+  <p:clrMapOvr>
+    <a:masterClrMapping/>
+  </p:clrMapOvr>
+  <p:transition spd="med"/>
+</p:sld>
+</file>
+
+<file path=ppt/slides/slide28.xml><?xml version="1.0" encoding="utf-8"?>
 <p:sld xmlns:a="http://schemas.openxmlformats.org/drawingml/2006/main" xmlns:r="http://schemas.openxmlformats.org/officeDocument/2006/relationships" xmlns:p="http://schemas.openxmlformats.org/presentationml/2006/main">
   <p:cSld>
     <p:spTree>
@@ -7541,7 +8599,7 @@
             <a:fld id="{5D0C34D4-E406-4A74-B020-30BB69A49765}" type="slidenum">
               <a:rPr lang="pt-BR" smtClean="0"/>
               <a:pPr/>
-              <a:t>22</a:t>
+              <a:t>28</a:t>
             </a:fld>
             <a:endParaRPr lang="pt-BR" dirty="0"/>
           </a:p>
@@ -7643,1241 +8701,6 @@
 </p:sld>
 </file>
 
-<file path=ppt/slides/slide23.xml><?xml version="1.0" encoding="utf-8"?>
-<p:sld xmlns:a="http://schemas.openxmlformats.org/drawingml/2006/main" xmlns:r="http://schemas.openxmlformats.org/officeDocument/2006/relationships" xmlns:p="http://schemas.openxmlformats.org/presentationml/2006/main">
-  <p:cSld>
-    <p:spTree>
-      <p:nvGrpSpPr>
-        <p:cNvPr id="1" name=""/>
-        <p:cNvGrpSpPr/>
-        <p:nvPr/>
-      </p:nvGrpSpPr>
-      <p:grpSpPr>
-        <a:xfrm>
-          <a:off x="0" y="0"/>
-          <a:ext cx="0" cy="0"/>
-          <a:chOff x="0" y="0"/>
-          <a:chExt cx="0" cy="0"/>
-        </a:xfrm>
-      </p:grpSpPr>
-      <p:sp>
-        <p:nvSpPr>
-          <p:cNvPr id="4" name="Título 3">
-            <a:extLst>
-              <a:ext uri="{FF2B5EF4-FFF2-40B4-BE49-F238E27FC236}">
-                <a16:creationId xmlns:a16="http://schemas.microsoft.com/office/drawing/2014/main" id="{8A4C52A0-42D9-47BB-966A-7FE92FDBFA2D}"/>
-              </a:ext>
-            </a:extLst>
-          </p:cNvPr>
-          <p:cNvSpPr>
-            <a:spLocks noGrp="1"/>
-          </p:cNvSpPr>
-          <p:nvPr>
-            <p:ph type="title"/>
-          </p:nvPr>
-        </p:nvSpPr>
-        <p:spPr/>
-        <p:txBody>
-          <a:bodyPr>
-            <a:normAutofit/>
-          </a:bodyPr>
-          <a:lstStyle/>
-          <a:p>
-            <a:r>
-              <a:rPr lang="pt-BR" dirty="0"/>
-              <a:t>Introdução</a:t>
-            </a:r>
-          </a:p>
-        </p:txBody>
-      </p:sp>
-      <p:sp>
-        <p:nvSpPr>
-          <p:cNvPr id="5" name="Espaço Reservado para Conteúdo 4">
-            <a:extLst>
-              <a:ext uri="{FF2B5EF4-FFF2-40B4-BE49-F238E27FC236}">
-                <a16:creationId xmlns:a16="http://schemas.microsoft.com/office/drawing/2014/main" id="{1FBD8255-54D1-42B3-9B71-2D45D227E6FC}"/>
-              </a:ext>
-            </a:extLst>
-          </p:cNvPr>
-          <p:cNvSpPr>
-            <a:spLocks noGrp="1"/>
-          </p:cNvSpPr>
-          <p:nvPr>
-            <p:ph type="body" idx="1"/>
-          </p:nvPr>
-        </p:nvSpPr>
-        <p:spPr>
-          <a:xfrm>
-            <a:off x="1689100" y="2604530"/>
-            <a:ext cx="21005800" cy="10609446"/>
-          </a:xfrm>
-          <a:solidFill>
-            <a:schemeClr val="bg1"/>
-          </a:solidFill>
-        </p:spPr>
-        <p:txBody>
-          <a:bodyPr>
-            <a:noAutofit/>
-          </a:bodyPr>
-          <a:lstStyle/>
-          <a:p>
-            <a:pPr marL="742950" indent="-742950">
-              <a:buSzPct val="100000"/>
-              <a:buFont typeface="Arial" panose="020B0604020202020204" pitchFamily="34" charset="0"/>
-              <a:buChar char="•"/>
-            </a:pPr>
-            <a:r>
-              <a:rPr lang="pt-BR" dirty="0">
-                <a:cs typeface="Courier New" panose="02070309020205020404" pitchFamily="49" charset="0"/>
-              </a:rPr>
-              <a:t>Talvez você reconheça esse nome por causa de sites como </a:t>
-            </a:r>
-            <a:r>
-              <a:rPr lang="pt-BR" i="1" dirty="0" err="1">
-                <a:cs typeface="Courier New" panose="02070309020205020404" pitchFamily="49" charset="0"/>
-              </a:rPr>
-              <a:t>github</a:t>
-            </a:r>
-            <a:r>
-              <a:rPr lang="pt-BR" dirty="0">
-                <a:cs typeface="Courier New" panose="02070309020205020404" pitchFamily="49" charset="0"/>
-              </a:rPr>
-              <a:t> ou </a:t>
-            </a:r>
-            <a:r>
-              <a:rPr lang="pt-BR" i="1" dirty="0" err="1">
-                <a:cs typeface="Courier New" panose="02070309020205020404" pitchFamily="49" charset="0"/>
-              </a:rPr>
-              <a:t>gitlab</a:t>
-            </a:r>
-            <a:r>
-              <a:rPr lang="pt-BR" dirty="0">
-                <a:cs typeface="Courier New" panose="02070309020205020404" pitchFamily="49" charset="0"/>
-              </a:rPr>
-              <a:t>. </a:t>
-            </a:r>
-            <a:r>
-              <a:rPr lang="pt-BR" b="1" dirty="0">
-                <a:cs typeface="Courier New" panose="02070309020205020404" pitchFamily="49" charset="0"/>
-              </a:rPr>
-              <a:t>Git</a:t>
-            </a:r>
-            <a:r>
-              <a:rPr lang="pt-BR" dirty="0">
-                <a:cs typeface="Courier New" panose="02070309020205020404" pitchFamily="49" charset="0"/>
-              </a:rPr>
-              <a:t> é um sistema </a:t>
-            </a:r>
-            <a:r>
-              <a:rPr lang="pt-BR" i="1" dirty="0">
-                <a:cs typeface="Courier New" panose="02070309020205020404" pitchFamily="49" charset="0"/>
-              </a:rPr>
-              <a:t>open-</a:t>
-            </a:r>
-            <a:r>
-              <a:rPr lang="pt-BR" i="1" dirty="0" err="1">
-                <a:cs typeface="Courier New" panose="02070309020205020404" pitchFamily="49" charset="0"/>
-              </a:rPr>
-              <a:t>source</a:t>
-            </a:r>
-            <a:r>
-              <a:rPr lang="pt-BR" dirty="0">
-                <a:cs typeface="Courier New" panose="02070309020205020404" pitchFamily="49" charset="0"/>
-              </a:rPr>
-              <a:t> de controle de versionamento.</a:t>
-            </a:r>
-          </a:p>
-          <a:p>
-            <a:pPr marL="742950" indent="-742950">
-              <a:buSzPct val="100000"/>
-              <a:buFont typeface="Arial" panose="020B0604020202020204" pitchFamily="34" charset="0"/>
-              <a:buChar char="•"/>
-            </a:pPr>
-            <a:r>
-              <a:rPr lang="pt-BR" dirty="0">
-                <a:cs typeface="Courier New" panose="02070309020205020404" pitchFamily="49" charset="0"/>
-              </a:rPr>
-              <a:t>Versionar projetos é uma prática essencial no mundo profissional e, em particular, na área de tecnologia, para manter um histórico de modificações deles, ou poder reverter alguma modificação que possa ter comprometido o projeto inteiro, dentre outras funcionalidades que serão aprendidas na prática.</a:t>
-            </a:r>
-          </a:p>
-          <a:p>
-            <a:pPr marL="742950" indent="-742950">
-              <a:buSzPct val="100000"/>
-              <a:buFont typeface="Arial" panose="020B0604020202020204" pitchFamily="34" charset="0"/>
-              <a:buChar char="•"/>
-            </a:pPr>
-            <a:r>
-              <a:rPr lang="pt-BR" dirty="0">
-                <a:cs typeface="Courier New" panose="02070309020205020404" pitchFamily="49" charset="0"/>
-              </a:rPr>
-              <a:t>Os projetos são normalmente armazenados em </a:t>
-            </a:r>
-            <a:r>
-              <a:rPr lang="pt-BR" b="1" dirty="0">
-                <a:cs typeface="Courier New" panose="02070309020205020404" pitchFamily="49" charset="0"/>
-              </a:rPr>
-              <a:t>repositórios</a:t>
-            </a:r>
-            <a:r>
-              <a:rPr lang="pt-BR" dirty="0">
-                <a:cs typeface="Courier New" panose="02070309020205020404" pitchFamily="49" charset="0"/>
-              </a:rPr>
-              <a:t>.</a:t>
-            </a:r>
-          </a:p>
-          <a:p>
-            <a:pPr marL="742950" indent="-742950">
-              <a:buSzPct val="100000"/>
-              <a:buFont typeface="Arial" panose="020B0604020202020204" pitchFamily="34" charset="0"/>
-              <a:buChar char="•"/>
-            </a:pPr>
-            <a:r>
-              <a:rPr lang="pt-BR" dirty="0">
-                <a:cs typeface="Courier New" panose="02070309020205020404" pitchFamily="49" charset="0"/>
-              </a:rPr>
-              <a:t>Vamos aqui falar de alguns conceitos principais sobre como funciona o sistema, independente da plataforma que vamos utilizar (p.ex., </a:t>
-            </a:r>
-            <a:r>
-              <a:rPr lang="pt-BR" i="1" dirty="0" err="1">
-                <a:cs typeface="Courier New" panose="02070309020205020404" pitchFamily="49" charset="0"/>
-              </a:rPr>
-              <a:t>github</a:t>
-            </a:r>
-            <a:r>
-              <a:rPr lang="pt-BR" dirty="0">
-                <a:cs typeface="Courier New" panose="02070309020205020404" pitchFamily="49" charset="0"/>
-              </a:rPr>
-              <a:t>). Em seguida vamos aplicar alguns desses conceitos na prática.</a:t>
-            </a:r>
-          </a:p>
-        </p:txBody>
-      </p:sp>
-      <p:sp>
-        <p:nvSpPr>
-          <p:cNvPr id="7" name="Espaço Reservado para Número de Slide 6">
-            <a:extLst>
-              <a:ext uri="{FF2B5EF4-FFF2-40B4-BE49-F238E27FC236}">
-                <a16:creationId xmlns:a16="http://schemas.microsoft.com/office/drawing/2014/main" id="{40C5ECBA-0615-433C-B308-162C7F749201}"/>
-              </a:ext>
-            </a:extLst>
-          </p:cNvPr>
-          <p:cNvSpPr>
-            <a:spLocks noGrp="1"/>
-          </p:cNvSpPr>
-          <p:nvPr>
-            <p:ph type="sldNum" sz="quarter" idx="10"/>
-          </p:nvPr>
-        </p:nvSpPr>
-        <p:spPr/>
-        <p:txBody>
-          <a:bodyPr/>
-          <a:lstStyle/>
-          <a:p>
-            <a:fld id="{E4B35BDD-CC3D-4492-88ED-922B282360E3}" type="slidenum">
-              <a:rPr lang="pt-BR" smtClean="0"/>
-              <a:t>23</a:t>
-            </a:fld>
-            <a:endParaRPr lang="pt-BR"/>
-          </a:p>
-        </p:txBody>
-      </p:sp>
-    </p:spTree>
-    <p:extLst>
-      <p:ext uri="{BB962C8B-B14F-4D97-AF65-F5344CB8AC3E}">
-        <p14:creationId xmlns:p14="http://schemas.microsoft.com/office/powerpoint/2010/main" val="368675160"/>
-      </p:ext>
-    </p:extLst>
-  </p:cSld>
-  <p:clrMapOvr>
-    <a:masterClrMapping/>
-  </p:clrMapOvr>
-  <p:transition spd="med"/>
-</p:sld>
-</file>
-
-<file path=ppt/slides/slide24.xml><?xml version="1.0" encoding="utf-8"?>
-<p:sld xmlns:a="http://schemas.openxmlformats.org/drawingml/2006/main" xmlns:r="http://schemas.openxmlformats.org/officeDocument/2006/relationships" xmlns:p="http://schemas.openxmlformats.org/presentationml/2006/main">
-  <p:cSld>
-    <p:spTree>
-      <p:nvGrpSpPr>
-        <p:cNvPr id="1" name=""/>
-        <p:cNvGrpSpPr/>
-        <p:nvPr/>
-      </p:nvGrpSpPr>
-      <p:grpSpPr>
-        <a:xfrm>
-          <a:off x="0" y="0"/>
-          <a:ext cx="0" cy="0"/>
-          <a:chOff x="0" y="0"/>
-          <a:chExt cx="0" cy="0"/>
-        </a:xfrm>
-      </p:grpSpPr>
-      <p:sp>
-        <p:nvSpPr>
-          <p:cNvPr id="4" name="Título 3">
-            <a:extLst>
-              <a:ext uri="{FF2B5EF4-FFF2-40B4-BE49-F238E27FC236}">
-                <a16:creationId xmlns:a16="http://schemas.microsoft.com/office/drawing/2014/main" id="{8A4C52A0-42D9-47BB-966A-7FE92FDBFA2D}"/>
-              </a:ext>
-            </a:extLst>
-          </p:cNvPr>
-          <p:cNvSpPr>
-            <a:spLocks noGrp="1"/>
-          </p:cNvSpPr>
-          <p:nvPr>
-            <p:ph type="title"/>
-          </p:nvPr>
-        </p:nvSpPr>
-        <p:spPr/>
-        <p:txBody>
-          <a:bodyPr>
-            <a:normAutofit/>
-          </a:bodyPr>
-          <a:lstStyle/>
-          <a:p>
-            <a:r>
-              <a:rPr lang="pt-BR" dirty="0"/>
-              <a:t>Para mais informações...</a:t>
-            </a:r>
-          </a:p>
-        </p:txBody>
-      </p:sp>
-      <p:sp>
-        <p:nvSpPr>
-          <p:cNvPr id="5" name="Espaço Reservado para Conteúdo 4">
-            <a:extLst>
-              <a:ext uri="{FF2B5EF4-FFF2-40B4-BE49-F238E27FC236}">
-                <a16:creationId xmlns:a16="http://schemas.microsoft.com/office/drawing/2014/main" id="{1FBD8255-54D1-42B3-9B71-2D45D227E6FC}"/>
-              </a:ext>
-            </a:extLst>
-          </p:cNvPr>
-          <p:cNvSpPr>
-            <a:spLocks noGrp="1"/>
-          </p:cNvSpPr>
-          <p:nvPr>
-            <p:ph type="body" idx="1"/>
-          </p:nvPr>
-        </p:nvSpPr>
-        <p:spPr>
-          <a:xfrm>
-            <a:off x="1689100" y="2604530"/>
-            <a:ext cx="21005800" cy="10609446"/>
-          </a:xfrm>
-          <a:solidFill>
-            <a:schemeClr val="bg1"/>
-          </a:solidFill>
-        </p:spPr>
-        <p:txBody>
-          <a:bodyPr>
-            <a:noAutofit/>
-          </a:bodyPr>
-          <a:lstStyle/>
-          <a:p>
-            <a:pPr marL="742950" indent="-742950">
-              <a:buSzPct val="100000"/>
-              <a:buFont typeface="Arial" panose="020B0604020202020204" pitchFamily="34" charset="0"/>
-              <a:buChar char="•"/>
-            </a:pPr>
-            <a:r>
-              <a:rPr lang="pt-BR" dirty="0">
-                <a:cs typeface="Courier New" panose="02070309020205020404" pitchFamily="49" charset="0"/>
-              </a:rPr>
-              <a:t>O tempo que temos em aula não é suficiente para conseguirmos discutir todos os detalhes por trás dessa tecnologia. Portanto, seguem abaixo algumas sugestões de conteúdos extras para estudarem:</a:t>
-            </a:r>
-          </a:p>
-          <a:p>
-            <a:pPr marL="1377950" lvl="1" indent="-742950">
-              <a:buSzPct val="100000"/>
-              <a:buFont typeface="Arial" panose="020B0604020202020204" pitchFamily="34" charset="0"/>
-              <a:buChar char="•"/>
-            </a:pPr>
-            <a:r>
-              <a:rPr lang="pt-BR" dirty="0">
-                <a:hlinkClick r:id="rId2" tooltip="http://git-scm.com/book/en/Getting-Started-About-Version-Control"/>
-              </a:rPr>
-              <a:t>http://git-scm.com/book/en/Getting-Started-About-Version-Control</a:t>
-            </a:r>
-            <a:endParaRPr lang="pt-BR" dirty="0">
-              <a:cs typeface="Courier New" panose="02070309020205020404" pitchFamily="49" charset="0"/>
-            </a:endParaRPr>
-          </a:p>
-          <a:p>
-            <a:pPr marL="1377950" lvl="1" indent="-742950">
-              <a:buSzPct val="100000"/>
-              <a:buFont typeface="Arial" panose="020B0604020202020204" pitchFamily="34" charset="0"/>
-              <a:buChar char="•"/>
-            </a:pPr>
-            <a:r>
-              <a:rPr lang="pt-BR" dirty="0">
-                <a:hlinkClick r:id="rId3" tooltip="http://git-scm.com/book/en/Getting-Started-Git-Basics"/>
-              </a:rPr>
-              <a:t>http://git-scm.com/book/en/Getting-Started-Git-Basics</a:t>
-            </a:r>
-            <a:endParaRPr lang="pt-BR" dirty="0">
-              <a:cs typeface="Courier New" panose="02070309020205020404" pitchFamily="49" charset="0"/>
-            </a:endParaRPr>
-          </a:p>
-          <a:p>
-            <a:pPr marL="1377950" lvl="1" indent="-742950">
-              <a:buSzPct val="100000"/>
-              <a:buFont typeface="Arial" panose="020B0604020202020204" pitchFamily="34" charset="0"/>
-              <a:buChar char="•"/>
-            </a:pPr>
-            <a:r>
-              <a:rPr lang="pt-BR" dirty="0">
-                <a:cs typeface="Courier New" panose="02070309020205020404" pitchFamily="49" charset="0"/>
-                <a:hlinkClick r:id="rId4"/>
-              </a:rPr>
-              <a:t>http://learngitbranching.js.org/</a:t>
-            </a:r>
-            <a:endParaRPr lang="pt-BR" dirty="0">
-              <a:cs typeface="Courier New" panose="02070309020205020404" pitchFamily="49" charset="0"/>
-            </a:endParaRPr>
-          </a:p>
-          <a:p>
-            <a:pPr marL="1377950" lvl="1" indent="-742950">
-              <a:buSzPct val="100000"/>
-              <a:buFont typeface="Arial" panose="020B0604020202020204" pitchFamily="34" charset="0"/>
-              <a:buChar char="•"/>
-            </a:pPr>
-            <a:r>
-              <a:rPr lang="pt-BR" dirty="0">
-                <a:cs typeface="Courier New" panose="02070309020205020404" pitchFamily="49" charset="0"/>
-                <a:hlinkClick r:id="rId5"/>
-              </a:rPr>
-              <a:t>http://try.github.io/levels/1/challenges/1</a:t>
-            </a:r>
-            <a:endParaRPr lang="pt-BR" dirty="0">
-              <a:cs typeface="Courier New" panose="02070309020205020404" pitchFamily="49" charset="0"/>
-            </a:endParaRPr>
-          </a:p>
-          <a:p>
-            <a:pPr marL="1377950" lvl="1" indent="-742950">
-              <a:buSzPct val="100000"/>
-              <a:buFont typeface="Arial" panose="020B0604020202020204" pitchFamily="34" charset="0"/>
-              <a:buChar char="•"/>
-            </a:pPr>
-            <a:endParaRPr lang="pt-BR" dirty="0">
-              <a:cs typeface="Courier New" panose="02070309020205020404" pitchFamily="49" charset="0"/>
-            </a:endParaRPr>
-          </a:p>
-        </p:txBody>
-      </p:sp>
-      <p:sp>
-        <p:nvSpPr>
-          <p:cNvPr id="7" name="Espaço Reservado para Número de Slide 6">
-            <a:extLst>
-              <a:ext uri="{FF2B5EF4-FFF2-40B4-BE49-F238E27FC236}">
-                <a16:creationId xmlns:a16="http://schemas.microsoft.com/office/drawing/2014/main" id="{40C5ECBA-0615-433C-B308-162C7F749201}"/>
-              </a:ext>
-            </a:extLst>
-          </p:cNvPr>
-          <p:cNvSpPr>
-            <a:spLocks noGrp="1"/>
-          </p:cNvSpPr>
-          <p:nvPr>
-            <p:ph type="sldNum" sz="quarter" idx="10"/>
-          </p:nvPr>
-        </p:nvSpPr>
-        <p:spPr/>
-        <p:txBody>
-          <a:bodyPr/>
-          <a:lstStyle/>
-          <a:p>
-            <a:fld id="{E4B35BDD-CC3D-4492-88ED-922B282360E3}" type="slidenum">
-              <a:rPr lang="pt-BR" smtClean="0"/>
-              <a:t>24</a:t>
-            </a:fld>
-            <a:endParaRPr lang="pt-BR"/>
-          </a:p>
-        </p:txBody>
-      </p:sp>
-    </p:spTree>
-    <p:extLst>
-      <p:ext uri="{BB962C8B-B14F-4D97-AF65-F5344CB8AC3E}">
-        <p14:creationId xmlns:p14="http://schemas.microsoft.com/office/powerpoint/2010/main" val="3950547721"/>
-      </p:ext>
-    </p:extLst>
-  </p:cSld>
-  <p:clrMapOvr>
-    <a:masterClrMapping/>
-  </p:clrMapOvr>
-  <p:transition spd="med"/>
-</p:sld>
-</file>
-
-<file path=ppt/slides/slide25.xml><?xml version="1.0" encoding="utf-8"?>
-<p:sld xmlns:a="http://schemas.openxmlformats.org/drawingml/2006/main" xmlns:r="http://schemas.openxmlformats.org/officeDocument/2006/relationships" xmlns:p="http://schemas.openxmlformats.org/presentationml/2006/main">
-  <p:cSld>
-    <p:spTree>
-      <p:nvGrpSpPr>
-        <p:cNvPr id="1" name=""/>
-        <p:cNvGrpSpPr/>
-        <p:nvPr/>
-      </p:nvGrpSpPr>
-      <p:grpSpPr>
-        <a:xfrm>
-          <a:off x="0" y="0"/>
-          <a:ext cx="0" cy="0"/>
-          <a:chOff x="0" y="0"/>
-          <a:chExt cx="0" cy="0"/>
-        </a:xfrm>
-      </p:grpSpPr>
-      <p:sp>
-        <p:nvSpPr>
-          <p:cNvPr id="4" name="Título 3">
-            <a:extLst>
-              <a:ext uri="{FF2B5EF4-FFF2-40B4-BE49-F238E27FC236}">
-                <a16:creationId xmlns:a16="http://schemas.microsoft.com/office/drawing/2014/main" id="{8A4C52A0-42D9-47BB-966A-7FE92FDBFA2D}"/>
-              </a:ext>
-            </a:extLst>
-          </p:cNvPr>
-          <p:cNvSpPr>
-            <a:spLocks noGrp="1"/>
-          </p:cNvSpPr>
-          <p:nvPr>
-            <p:ph type="title"/>
-          </p:nvPr>
-        </p:nvSpPr>
-        <p:spPr/>
-        <p:txBody>
-          <a:bodyPr>
-            <a:normAutofit/>
-          </a:bodyPr>
-          <a:lstStyle/>
-          <a:p>
-            <a:r>
-              <a:rPr lang="pt-BR" dirty="0"/>
-              <a:t>O que é Controle de Versões?</a:t>
-            </a:r>
-          </a:p>
-        </p:txBody>
-      </p:sp>
-      <p:sp>
-        <p:nvSpPr>
-          <p:cNvPr id="5" name="Espaço Reservado para Conteúdo 4">
-            <a:extLst>
-              <a:ext uri="{FF2B5EF4-FFF2-40B4-BE49-F238E27FC236}">
-                <a16:creationId xmlns:a16="http://schemas.microsoft.com/office/drawing/2014/main" id="{1FBD8255-54D1-42B3-9B71-2D45D227E6FC}"/>
-              </a:ext>
-            </a:extLst>
-          </p:cNvPr>
-          <p:cNvSpPr>
-            <a:spLocks noGrp="1"/>
-          </p:cNvSpPr>
-          <p:nvPr>
-            <p:ph type="body" idx="1"/>
-          </p:nvPr>
-        </p:nvSpPr>
-        <p:spPr>
-          <a:xfrm>
-            <a:off x="1689100" y="2604530"/>
-            <a:ext cx="21005800" cy="10609446"/>
-          </a:xfrm>
-          <a:solidFill>
-            <a:schemeClr val="bg1"/>
-          </a:solidFill>
-        </p:spPr>
-        <p:txBody>
-          <a:bodyPr>
-            <a:noAutofit/>
-          </a:bodyPr>
-          <a:lstStyle/>
-          <a:p>
-            <a:pPr marL="742950" indent="-742950">
-              <a:buSzPct val="100000"/>
-              <a:buFont typeface="Arial" panose="020B0604020202020204" pitchFamily="34" charset="0"/>
-              <a:buChar char="•"/>
-            </a:pPr>
-            <a:r>
-              <a:rPr lang="pt-BR" dirty="0">
-                <a:cs typeface="Courier New" panose="02070309020205020404" pitchFamily="49" charset="0"/>
-              </a:rPr>
-              <a:t>Controle de Versões é um sistema de grava mudanças aplicadas em um arquivo ou um conjunto de arquivos ao longo do tempo, para que o usuário possa relembrar ou recuperar depois.</a:t>
-            </a:r>
-          </a:p>
-          <a:p>
-            <a:pPr marL="742950" indent="-742950">
-              <a:buSzPct val="100000"/>
-              <a:buFont typeface="Arial" panose="020B0604020202020204" pitchFamily="34" charset="0"/>
-              <a:buChar char="•"/>
-            </a:pPr>
-            <a:r>
-              <a:rPr lang="pt-BR" dirty="0">
-                <a:cs typeface="Courier New" panose="02070309020205020404" pitchFamily="49" charset="0"/>
-              </a:rPr>
-              <a:t>Na área de tecnologia o controle de versões já é algo consolidado, uma vez que inúmeras alterações são aplicadas em um software durante a sua implementação e manutenção. No entanto, adotar um sistema de controle de versões (VCS, da sigla em inglês) é algo recomendado para qualquer área.</a:t>
-            </a:r>
-          </a:p>
-          <a:p>
-            <a:pPr marL="742950" indent="-742950">
-              <a:buSzPct val="100000"/>
-              <a:buFont typeface="Arial" panose="020B0604020202020204" pitchFamily="34" charset="0"/>
-              <a:buChar char="•"/>
-            </a:pPr>
-            <a:r>
-              <a:rPr lang="pt-BR" dirty="0">
-                <a:cs typeface="Courier New" panose="02070309020205020404" pitchFamily="49" charset="0"/>
-              </a:rPr>
-              <a:t>Quando se quer adotar um VCS, normalmente o primeiro passo é trabalhar com um controle local, fazendo cópias dos arquivos e os renomeando com algum padrão (p.ex., incluindo a data ao final do nome do arquivo).</a:t>
-            </a:r>
-          </a:p>
-          <a:p>
-            <a:pPr marL="742950" indent="-742950">
-              <a:buSzPct val="100000"/>
-              <a:buFont typeface="Arial" panose="020B0604020202020204" pitchFamily="34" charset="0"/>
-              <a:buChar char="•"/>
-            </a:pPr>
-            <a:r>
-              <a:rPr lang="pt-BR" dirty="0">
-                <a:cs typeface="Courier New" panose="02070309020205020404" pitchFamily="49" charset="0"/>
-              </a:rPr>
-              <a:t>O Git veio para otimizar esse controle de versões, permitindo inúmeras alterações que seriam muito complicadas se fossem feitas manualmente.</a:t>
-            </a:r>
-          </a:p>
-        </p:txBody>
-      </p:sp>
-      <p:sp>
-        <p:nvSpPr>
-          <p:cNvPr id="7" name="Espaço Reservado para Número de Slide 6">
-            <a:extLst>
-              <a:ext uri="{FF2B5EF4-FFF2-40B4-BE49-F238E27FC236}">
-                <a16:creationId xmlns:a16="http://schemas.microsoft.com/office/drawing/2014/main" id="{40C5ECBA-0615-433C-B308-162C7F749201}"/>
-              </a:ext>
-            </a:extLst>
-          </p:cNvPr>
-          <p:cNvSpPr>
-            <a:spLocks noGrp="1"/>
-          </p:cNvSpPr>
-          <p:nvPr>
-            <p:ph type="sldNum" sz="quarter" idx="10"/>
-          </p:nvPr>
-        </p:nvSpPr>
-        <p:spPr/>
-        <p:txBody>
-          <a:bodyPr/>
-          <a:lstStyle/>
-          <a:p>
-            <a:fld id="{E4B35BDD-CC3D-4492-88ED-922B282360E3}" type="slidenum">
-              <a:rPr lang="pt-BR" smtClean="0"/>
-              <a:t>25</a:t>
-            </a:fld>
-            <a:endParaRPr lang="pt-BR"/>
-          </a:p>
-        </p:txBody>
-      </p:sp>
-    </p:spTree>
-    <p:extLst>
-      <p:ext uri="{BB962C8B-B14F-4D97-AF65-F5344CB8AC3E}">
-        <p14:creationId xmlns:p14="http://schemas.microsoft.com/office/powerpoint/2010/main" val="101474012"/>
-      </p:ext>
-    </p:extLst>
-  </p:cSld>
-  <p:clrMapOvr>
-    <a:masterClrMapping/>
-  </p:clrMapOvr>
-  <p:transition spd="med"/>
-</p:sld>
-</file>
-
-<file path=ppt/slides/slide26.xml><?xml version="1.0" encoding="utf-8"?>
-<p:sld xmlns:a="http://schemas.openxmlformats.org/drawingml/2006/main" xmlns:r="http://schemas.openxmlformats.org/officeDocument/2006/relationships" xmlns:p="http://schemas.openxmlformats.org/presentationml/2006/main">
-  <p:cSld>
-    <p:spTree>
-      <p:nvGrpSpPr>
-        <p:cNvPr id="1" name=""/>
-        <p:cNvGrpSpPr/>
-        <p:nvPr/>
-      </p:nvGrpSpPr>
-      <p:grpSpPr>
-        <a:xfrm>
-          <a:off x="0" y="0"/>
-          <a:ext cx="0" cy="0"/>
-          <a:chOff x="0" y="0"/>
-          <a:chExt cx="0" cy="0"/>
-        </a:xfrm>
-      </p:grpSpPr>
-      <p:sp>
-        <p:nvSpPr>
-          <p:cNvPr id="4" name="Título 3">
-            <a:extLst>
-              <a:ext uri="{FF2B5EF4-FFF2-40B4-BE49-F238E27FC236}">
-                <a16:creationId xmlns:a16="http://schemas.microsoft.com/office/drawing/2014/main" id="{8A4C52A0-42D9-47BB-966A-7FE92FDBFA2D}"/>
-              </a:ext>
-            </a:extLst>
-          </p:cNvPr>
-          <p:cNvSpPr>
-            <a:spLocks noGrp="1"/>
-          </p:cNvSpPr>
-          <p:nvPr>
-            <p:ph type="title"/>
-          </p:nvPr>
-        </p:nvSpPr>
-        <p:spPr/>
-        <p:txBody>
-          <a:bodyPr>
-            <a:normAutofit/>
-          </a:bodyPr>
-          <a:lstStyle/>
-          <a:p>
-            <a:r>
-              <a:rPr lang="pt-BR" dirty="0"/>
-              <a:t>Uma breve história do Git</a:t>
-            </a:r>
-          </a:p>
-        </p:txBody>
-      </p:sp>
-      <p:sp>
-        <p:nvSpPr>
-          <p:cNvPr id="5" name="Espaço Reservado para Conteúdo 4">
-            <a:extLst>
-              <a:ext uri="{FF2B5EF4-FFF2-40B4-BE49-F238E27FC236}">
-                <a16:creationId xmlns:a16="http://schemas.microsoft.com/office/drawing/2014/main" id="{1FBD8255-54D1-42B3-9B71-2D45D227E6FC}"/>
-              </a:ext>
-            </a:extLst>
-          </p:cNvPr>
-          <p:cNvSpPr>
-            <a:spLocks noGrp="1"/>
-          </p:cNvSpPr>
-          <p:nvPr>
-            <p:ph type="body" idx="1"/>
-          </p:nvPr>
-        </p:nvSpPr>
-        <p:spPr>
-          <a:xfrm>
-            <a:off x="1689100" y="2604530"/>
-            <a:ext cx="21005800" cy="10609446"/>
-          </a:xfrm>
-          <a:solidFill>
-            <a:schemeClr val="bg1"/>
-          </a:solidFill>
-        </p:spPr>
-        <p:txBody>
-          <a:bodyPr>
-            <a:noAutofit/>
-          </a:bodyPr>
-          <a:lstStyle/>
-          <a:p>
-            <a:pPr marL="742950" indent="-742950">
-              <a:buSzPct val="100000"/>
-              <a:buFont typeface="Arial" panose="020B0604020202020204" pitchFamily="34" charset="0"/>
-              <a:buChar char="•"/>
-            </a:pPr>
-            <a:r>
-              <a:rPr lang="pt-BR" dirty="0">
-                <a:cs typeface="Courier New" panose="02070309020205020404" pitchFamily="49" charset="0"/>
-              </a:rPr>
-              <a:t>A criação do Git está atrelada à criação do Linux, quando o time responsável utilizou uma solução de controle de versão que, eventualmente, tornou-se paga. </a:t>
-            </a:r>
-          </a:p>
-          <a:p>
-            <a:pPr marL="742950" indent="-742950">
-              <a:buSzPct val="100000"/>
-              <a:buFont typeface="Arial" panose="020B0604020202020204" pitchFamily="34" charset="0"/>
-              <a:buChar char="•"/>
-            </a:pPr>
-            <a:r>
-              <a:rPr lang="pt-BR" dirty="0">
-                <a:cs typeface="Courier New" panose="02070309020205020404" pitchFamily="49" charset="0"/>
-              </a:rPr>
-              <a:t>A comunidade Linux, portanto, começou a planejar um sistema que aproveitasse algumas das características da solução anterior, porém evoluindo diversos aspectos.</a:t>
-            </a:r>
-          </a:p>
-          <a:p>
-            <a:pPr marL="742950" indent="-742950">
-              <a:buSzPct val="100000"/>
-              <a:buFont typeface="Arial" panose="020B0604020202020204" pitchFamily="34" charset="0"/>
-              <a:buChar char="•"/>
-            </a:pPr>
-            <a:r>
-              <a:rPr lang="pt-BR" dirty="0">
-                <a:cs typeface="Courier New" panose="02070309020205020404" pitchFamily="49" charset="0"/>
-              </a:rPr>
-              <a:t>A comunidade tinha os seguintes objetivos para o novo sistema:</a:t>
-            </a:r>
-          </a:p>
-          <a:p>
-            <a:pPr marL="1377950" lvl="1" indent="-742950">
-              <a:buSzPct val="100000"/>
-              <a:buFont typeface="Arial" panose="020B0604020202020204" pitchFamily="34" charset="0"/>
-              <a:buChar char="•"/>
-            </a:pPr>
-            <a:r>
-              <a:rPr lang="pt-BR" dirty="0">
-                <a:cs typeface="Courier New" panose="02070309020205020404" pitchFamily="49" charset="0"/>
-              </a:rPr>
-              <a:t>Velocidade</a:t>
-            </a:r>
-          </a:p>
-          <a:p>
-            <a:pPr marL="1377950" lvl="1" indent="-742950">
-              <a:buSzPct val="100000"/>
-              <a:buFont typeface="Arial" panose="020B0604020202020204" pitchFamily="34" charset="0"/>
-              <a:buChar char="•"/>
-            </a:pPr>
-            <a:r>
-              <a:rPr lang="pt-BR" dirty="0">
-                <a:cs typeface="Courier New" panose="02070309020205020404" pitchFamily="49" charset="0"/>
-              </a:rPr>
-              <a:t>Design simples</a:t>
-            </a:r>
-          </a:p>
-          <a:p>
-            <a:pPr marL="1377950" lvl="1" indent="-742950">
-              <a:buSzPct val="100000"/>
-              <a:buFont typeface="Arial" panose="020B0604020202020204" pitchFamily="34" charset="0"/>
-              <a:buChar char="•"/>
-            </a:pPr>
-            <a:r>
-              <a:rPr lang="pt-BR" dirty="0">
-                <a:cs typeface="Courier New" panose="02070309020205020404" pitchFamily="49" charset="0"/>
-              </a:rPr>
-              <a:t>Suporte forte para desenvolvimento não-linear, com milhares de atividades sendo realizadas em paralelo</a:t>
-            </a:r>
-          </a:p>
-          <a:p>
-            <a:pPr marL="1377950" lvl="1" indent="-742950">
-              <a:buSzPct val="100000"/>
-              <a:buFont typeface="Arial" panose="020B0604020202020204" pitchFamily="34" charset="0"/>
-              <a:buChar char="•"/>
-            </a:pPr>
-            <a:r>
-              <a:rPr lang="pt-BR" dirty="0">
-                <a:cs typeface="Courier New" panose="02070309020205020404" pitchFamily="49" charset="0"/>
-              </a:rPr>
-              <a:t>Completamente distribuído, permitindo o acesso de qualquer lugar</a:t>
-            </a:r>
-          </a:p>
-          <a:p>
-            <a:pPr marL="1377950" lvl="1" indent="-742950">
-              <a:buSzPct val="100000"/>
-              <a:buFont typeface="Arial" panose="020B0604020202020204" pitchFamily="34" charset="0"/>
-              <a:buChar char="•"/>
-            </a:pPr>
-            <a:r>
-              <a:rPr lang="pt-BR" dirty="0">
-                <a:cs typeface="Courier New" panose="02070309020205020404" pitchFamily="49" charset="0"/>
-              </a:rPr>
-              <a:t>Eficiente no suporte a grandes projetos</a:t>
-            </a:r>
-          </a:p>
-        </p:txBody>
-      </p:sp>
-      <p:sp>
-        <p:nvSpPr>
-          <p:cNvPr id="7" name="Espaço Reservado para Número de Slide 6">
-            <a:extLst>
-              <a:ext uri="{FF2B5EF4-FFF2-40B4-BE49-F238E27FC236}">
-                <a16:creationId xmlns:a16="http://schemas.microsoft.com/office/drawing/2014/main" id="{40C5ECBA-0615-433C-B308-162C7F749201}"/>
-              </a:ext>
-            </a:extLst>
-          </p:cNvPr>
-          <p:cNvSpPr>
-            <a:spLocks noGrp="1"/>
-          </p:cNvSpPr>
-          <p:nvPr>
-            <p:ph type="sldNum" sz="quarter" idx="10"/>
-          </p:nvPr>
-        </p:nvSpPr>
-        <p:spPr/>
-        <p:txBody>
-          <a:bodyPr/>
-          <a:lstStyle/>
-          <a:p>
-            <a:fld id="{E4B35BDD-CC3D-4492-88ED-922B282360E3}" type="slidenum">
-              <a:rPr lang="pt-BR" smtClean="0"/>
-              <a:t>26</a:t>
-            </a:fld>
-            <a:endParaRPr lang="pt-BR"/>
-          </a:p>
-        </p:txBody>
-      </p:sp>
-    </p:spTree>
-    <p:extLst>
-      <p:ext uri="{BB962C8B-B14F-4D97-AF65-F5344CB8AC3E}">
-        <p14:creationId xmlns:p14="http://schemas.microsoft.com/office/powerpoint/2010/main" val="578680866"/>
-      </p:ext>
-    </p:extLst>
-  </p:cSld>
-  <p:clrMapOvr>
-    <a:masterClrMapping/>
-  </p:clrMapOvr>
-  <p:transition spd="med"/>
-</p:sld>
-</file>
-
-<file path=ppt/slides/slide27.xml><?xml version="1.0" encoding="utf-8"?>
-<p:sld xmlns:a="http://schemas.openxmlformats.org/drawingml/2006/main" xmlns:r="http://schemas.openxmlformats.org/officeDocument/2006/relationships" xmlns:p="http://schemas.openxmlformats.org/presentationml/2006/main">
-  <p:cSld>
-    <p:spTree>
-      <p:nvGrpSpPr>
-        <p:cNvPr id="1" name=""/>
-        <p:cNvGrpSpPr/>
-        <p:nvPr/>
-      </p:nvGrpSpPr>
-      <p:grpSpPr>
-        <a:xfrm>
-          <a:off x="0" y="0"/>
-          <a:ext cx="0" cy="0"/>
-          <a:chOff x="0" y="0"/>
-          <a:chExt cx="0" cy="0"/>
-        </a:xfrm>
-      </p:grpSpPr>
-      <p:sp>
-        <p:nvSpPr>
-          <p:cNvPr id="4" name="Título 3">
-            <a:extLst>
-              <a:ext uri="{FF2B5EF4-FFF2-40B4-BE49-F238E27FC236}">
-                <a16:creationId xmlns:a16="http://schemas.microsoft.com/office/drawing/2014/main" id="{8A4C52A0-42D9-47BB-966A-7FE92FDBFA2D}"/>
-              </a:ext>
-            </a:extLst>
-          </p:cNvPr>
-          <p:cNvSpPr>
-            <a:spLocks noGrp="1"/>
-          </p:cNvSpPr>
-          <p:nvPr>
-            <p:ph type="title"/>
-          </p:nvPr>
-        </p:nvSpPr>
-        <p:spPr/>
-        <p:txBody>
-          <a:bodyPr>
-            <a:normAutofit/>
-          </a:bodyPr>
-          <a:lstStyle/>
-          <a:p>
-            <a:r>
-              <a:rPr lang="pt-BR" dirty="0"/>
-              <a:t>O que é Git?</a:t>
-            </a:r>
-          </a:p>
-        </p:txBody>
-      </p:sp>
-      <p:sp>
-        <p:nvSpPr>
-          <p:cNvPr id="5" name="Espaço Reservado para Conteúdo 4">
-            <a:extLst>
-              <a:ext uri="{FF2B5EF4-FFF2-40B4-BE49-F238E27FC236}">
-                <a16:creationId xmlns:a16="http://schemas.microsoft.com/office/drawing/2014/main" id="{1FBD8255-54D1-42B3-9B71-2D45D227E6FC}"/>
-              </a:ext>
-            </a:extLst>
-          </p:cNvPr>
-          <p:cNvSpPr>
-            <a:spLocks noGrp="1"/>
-          </p:cNvSpPr>
-          <p:nvPr>
-            <p:ph type="body" idx="1"/>
-          </p:nvPr>
-        </p:nvSpPr>
-        <p:spPr>
-          <a:xfrm>
-            <a:off x="1689100" y="2604530"/>
-            <a:ext cx="21005800" cy="10609446"/>
-          </a:xfrm>
-          <a:solidFill>
-            <a:schemeClr val="bg1"/>
-          </a:solidFill>
-        </p:spPr>
-        <p:txBody>
-          <a:bodyPr>
-            <a:noAutofit/>
-          </a:bodyPr>
-          <a:lstStyle/>
-          <a:p>
-            <a:pPr marL="742950" indent="-742950">
-              <a:buSzPct val="100000"/>
-              <a:buFont typeface="Arial" panose="020B0604020202020204" pitchFamily="34" charset="0"/>
-              <a:buChar char="•"/>
-            </a:pPr>
-            <a:r>
-              <a:rPr lang="pt-BR" b="1" dirty="0">
-                <a:cs typeface="Courier New" panose="02070309020205020404" pitchFamily="49" charset="0"/>
-              </a:rPr>
-              <a:t>Git</a:t>
-            </a:r>
-            <a:r>
-              <a:rPr lang="pt-BR" dirty="0">
-                <a:cs typeface="Courier New" panose="02070309020205020404" pitchFamily="49" charset="0"/>
-              </a:rPr>
-              <a:t> funciona pensando que os dados de um repositório compõem uma série de “fotografias” de um sistema de arquivos em miniatura.</a:t>
-            </a:r>
-          </a:p>
-          <a:p>
-            <a:pPr marL="742950" indent="-742950">
-              <a:buSzPct val="100000"/>
-              <a:buFont typeface="Arial" panose="020B0604020202020204" pitchFamily="34" charset="0"/>
-              <a:buChar char="•"/>
-            </a:pPr>
-            <a:r>
-              <a:rPr lang="pt-BR" dirty="0">
-                <a:cs typeface="Courier New" panose="02070309020205020404" pitchFamily="49" charset="0"/>
-              </a:rPr>
-              <a:t>No Git, a cada vez que você aplica uma alteração (ou </a:t>
-            </a:r>
-            <a:r>
-              <a:rPr lang="pt-BR" i="1" dirty="0" err="1">
-                <a:cs typeface="Courier New" panose="02070309020205020404" pitchFamily="49" charset="0"/>
-              </a:rPr>
-              <a:t>commit</a:t>
-            </a:r>
-            <a:r>
-              <a:rPr lang="pt-BR" dirty="0">
-                <a:cs typeface="Courier New" panose="02070309020205020404" pitchFamily="49" charset="0"/>
-              </a:rPr>
-              <a:t>), ou salva o estado do seu projeto, o Git basicamente tira uma “foto” de como os arquivos do repositório estão naquele momento e então ele armazena uma referência a essa foto.</a:t>
-            </a:r>
-          </a:p>
-          <a:p>
-            <a:pPr marL="742950" indent="-742950">
-              <a:buSzPct val="100000"/>
-              <a:buFont typeface="Arial" panose="020B0604020202020204" pitchFamily="34" charset="0"/>
-              <a:buChar char="•"/>
-            </a:pPr>
-            <a:r>
-              <a:rPr lang="pt-BR" dirty="0">
-                <a:cs typeface="Courier New" panose="02070309020205020404" pitchFamily="49" charset="0"/>
-              </a:rPr>
-              <a:t>Para ser eficiente, se os arquivos não foram alterados, o Git não altera os arquivos novamente, apenas um link para a última versão do arquivo armazenada.</a:t>
-            </a:r>
-          </a:p>
-          <a:p>
-            <a:pPr marL="742950" indent="-742950">
-              <a:buSzPct val="100000"/>
-              <a:buFont typeface="Arial" panose="020B0604020202020204" pitchFamily="34" charset="0"/>
-              <a:buChar char="•"/>
-            </a:pPr>
-            <a:r>
-              <a:rPr lang="pt-BR" dirty="0">
-                <a:cs typeface="Courier New" panose="02070309020205020404" pitchFamily="49" charset="0"/>
-              </a:rPr>
-              <a:t>Sendo assim, o Git trabalha os dados como um </a:t>
-            </a:r>
-            <a:r>
-              <a:rPr lang="pt-BR" b="1" dirty="0">
-                <a:cs typeface="Courier New" panose="02070309020205020404" pitchFamily="49" charset="0"/>
-              </a:rPr>
-              <a:t>fluxo de fotografias</a:t>
-            </a:r>
-            <a:r>
-              <a:rPr lang="pt-BR" dirty="0">
-                <a:cs typeface="Courier New" panose="02070309020205020404" pitchFamily="49" charset="0"/>
-              </a:rPr>
-              <a:t>.</a:t>
-            </a:r>
-          </a:p>
-        </p:txBody>
-      </p:sp>
-      <p:sp>
-        <p:nvSpPr>
-          <p:cNvPr id="7" name="Espaço Reservado para Número de Slide 6">
-            <a:extLst>
-              <a:ext uri="{FF2B5EF4-FFF2-40B4-BE49-F238E27FC236}">
-                <a16:creationId xmlns:a16="http://schemas.microsoft.com/office/drawing/2014/main" id="{40C5ECBA-0615-433C-B308-162C7F749201}"/>
-              </a:ext>
-            </a:extLst>
-          </p:cNvPr>
-          <p:cNvSpPr>
-            <a:spLocks noGrp="1"/>
-          </p:cNvSpPr>
-          <p:nvPr>
-            <p:ph type="sldNum" sz="quarter" idx="10"/>
-          </p:nvPr>
-        </p:nvSpPr>
-        <p:spPr/>
-        <p:txBody>
-          <a:bodyPr/>
-          <a:lstStyle/>
-          <a:p>
-            <a:fld id="{E4B35BDD-CC3D-4492-88ED-922B282360E3}" type="slidenum">
-              <a:rPr lang="pt-BR" smtClean="0"/>
-              <a:t>27</a:t>
-            </a:fld>
-            <a:endParaRPr lang="pt-BR"/>
-          </a:p>
-        </p:txBody>
-      </p:sp>
-    </p:spTree>
-    <p:extLst>
-      <p:ext uri="{BB962C8B-B14F-4D97-AF65-F5344CB8AC3E}">
-        <p14:creationId xmlns:p14="http://schemas.microsoft.com/office/powerpoint/2010/main" val="892972165"/>
-      </p:ext>
-    </p:extLst>
-  </p:cSld>
-  <p:clrMapOvr>
-    <a:masterClrMapping/>
-  </p:clrMapOvr>
-  <p:transition spd="med"/>
-</p:sld>
-</file>
-
-<file path=ppt/slides/slide28.xml><?xml version="1.0" encoding="utf-8"?>
-<p:sld xmlns:a="http://schemas.openxmlformats.org/drawingml/2006/main" xmlns:r="http://schemas.openxmlformats.org/officeDocument/2006/relationships" xmlns:p="http://schemas.openxmlformats.org/presentationml/2006/main">
-  <p:cSld>
-    <p:spTree>
-      <p:nvGrpSpPr>
-        <p:cNvPr id="1" name=""/>
-        <p:cNvGrpSpPr/>
-        <p:nvPr/>
-      </p:nvGrpSpPr>
-      <p:grpSpPr>
-        <a:xfrm>
-          <a:off x="0" y="0"/>
-          <a:ext cx="0" cy="0"/>
-          <a:chOff x="0" y="0"/>
-          <a:chExt cx="0" cy="0"/>
-        </a:xfrm>
-      </p:grpSpPr>
-      <p:sp>
-        <p:nvSpPr>
-          <p:cNvPr id="4" name="Título 3">
-            <a:extLst>
-              <a:ext uri="{FF2B5EF4-FFF2-40B4-BE49-F238E27FC236}">
-                <a16:creationId xmlns:a16="http://schemas.microsoft.com/office/drawing/2014/main" id="{8A4C52A0-42D9-47BB-966A-7FE92FDBFA2D}"/>
-              </a:ext>
-            </a:extLst>
-          </p:cNvPr>
-          <p:cNvSpPr>
-            <a:spLocks noGrp="1"/>
-          </p:cNvSpPr>
-          <p:nvPr>
-            <p:ph type="title"/>
-          </p:nvPr>
-        </p:nvSpPr>
-        <p:spPr/>
-        <p:txBody>
-          <a:bodyPr>
-            <a:normAutofit/>
-          </a:bodyPr>
-          <a:lstStyle/>
-          <a:p>
-            <a:r>
-              <a:rPr lang="pt-BR" dirty="0"/>
-              <a:t>O que é Git?</a:t>
-            </a:r>
-          </a:p>
-        </p:txBody>
-      </p:sp>
-      <p:sp>
-        <p:nvSpPr>
-          <p:cNvPr id="5" name="Espaço Reservado para Conteúdo 4">
-            <a:extLst>
-              <a:ext uri="{FF2B5EF4-FFF2-40B4-BE49-F238E27FC236}">
-                <a16:creationId xmlns:a16="http://schemas.microsoft.com/office/drawing/2014/main" id="{1FBD8255-54D1-42B3-9B71-2D45D227E6FC}"/>
-              </a:ext>
-            </a:extLst>
-          </p:cNvPr>
-          <p:cNvSpPr>
-            <a:spLocks noGrp="1"/>
-          </p:cNvSpPr>
-          <p:nvPr>
-            <p:ph type="body" idx="1"/>
-          </p:nvPr>
-        </p:nvSpPr>
-        <p:spPr>
-          <a:xfrm>
-            <a:off x="1689100" y="2604530"/>
-            <a:ext cx="21005800" cy="10609446"/>
-          </a:xfrm>
-          <a:solidFill>
-            <a:schemeClr val="bg1"/>
-          </a:solidFill>
-        </p:spPr>
-        <p:txBody>
-          <a:bodyPr>
-            <a:noAutofit/>
-          </a:bodyPr>
-          <a:lstStyle/>
-          <a:p>
-            <a:pPr marL="742950" indent="-742950">
-              <a:buSzPct val="100000"/>
-              <a:buFont typeface="Arial" panose="020B0604020202020204" pitchFamily="34" charset="0"/>
-              <a:buChar char="•"/>
-            </a:pPr>
-            <a:endParaRPr lang="pt-BR" dirty="0">
-              <a:cs typeface="Courier New" panose="02070309020205020404" pitchFamily="49" charset="0"/>
-            </a:endParaRPr>
-          </a:p>
-        </p:txBody>
-      </p:sp>
-      <p:sp>
-        <p:nvSpPr>
-          <p:cNvPr id="7" name="Espaço Reservado para Número de Slide 6">
-            <a:extLst>
-              <a:ext uri="{FF2B5EF4-FFF2-40B4-BE49-F238E27FC236}">
-                <a16:creationId xmlns:a16="http://schemas.microsoft.com/office/drawing/2014/main" id="{40C5ECBA-0615-433C-B308-162C7F749201}"/>
-              </a:ext>
-            </a:extLst>
-          </p:cNvPr>
-          <p:cNvSpPr>
-            <a:spLocks noGrp="1"/>
-          </p:cNvSpPr>
-          <p:nvPr>
-            <p:ph type="sldNum" sz="quarter" idx="10"/>
-          </p:nvPr>
-        </p:nvSpPr>
-        <p:spPr/>
-        <p:txBody>
-          <a:bodyPr/>
-          <a:lstStyle/>
-          <a:p>
-            <a:fld id="{E4B35BDD-CC3D-4492-88ED-922B282360E3}" type="slidenum">
-              <a:rPr lang="pt-BR" smtClean="0"/>
-              <a:t>28</a:t>
-            </a:fld>
-            <a:endParaRPr lang="pt-BR"/>
-          </a:p>
-        </p:txBody>
-      </p:sp>
-      <p:pic>
-        <p:nvPicPr>
-          <p:cNvPr id="3" name="Imagem 2">
-            <a:extLst>
-              <a:ext uri="{FF2B5EF4-FFF2-40B4-BE49-F238E27FC236}">
-                <a16:creationId xmlns:a16="http://schemas.microsoft.com/office/drawing/2014/main" id="{C18852F8-F392-41BE-8A64-AD1C85FEA7EB}"/>
-              </a:ext>
-            </a:extLst>
-          </p:cNvPr>
-          <p:cNvPicPr>
-            <a:picLocks noChangeAspect="1"/>
-          </p:cNvPicPr>
-          <p:nvPr/>
-        </p:nvPicPr>
-        <p:blipFill>
-          <a:blip r:embed="rId2">
-            <a:extLst>
-              <a:ext uri="{28A0092B-C50C-407E-A947-70E740481C1C}">
-                <a14:useLocalDpi xmlns:a14="http://schemas.microsoft.com/office/drawing/2010/main" val="0"/>
-              </a:ext>
-            </a:extLst>
-          </a:blip>
-          <a:stretch>
-            <a:fillRect/>
-          </a:stretch>
-        </p:blipFill>
-        <p:spPr>
-          <a:xfrm>
-            <a:off x="1891067" y="2930768"/>
-            <a:ext cx="20601866" cy="7854464"/>
-          </a:xfrm>
-          <a:prstGeom prst="rect">
-            <a:avLst/>
-          </a:prstGeom>
-        </p:spPr>
-      </p:pic>
-    </p:spTree>
-    <p:extLst>
-      <p:ext uri="{BB962C8B-B14F-4D97-AF65-F5344CB8AC3E}">
-        <p14:creationId xmlns:p14="http://schemas.microsoft.com/office/powerpoint/2010/main" val="3317186442"/>
-      </p:ext>
-    </p:extLst>
-  </p:cSld>
-  <p:clrMapOvr>
-    <a:masterClrMapping/>
-  </p:clrMapOvr>
-  <p:transition spd="med"/>
-</p:sld>
-</file>
-
 <file path=ppt/slides/slide29.xml><?xml version="1.0" encoding="utf-8"?>
 <p:sld xmlns:a="http://schemas.openxmlformats.org/drawingml/2006/main" xmlns:r="http://schemas.openxmlformats.org/officeDocument/2006/relationships" xmlns:p="http://schemas.openxmlformats.org/presentationml/2006/main">
   <p:cSld>
@@ -8920,7 +8743,7 @@
           <a:p>
             <a:r>
               <a:rPr lang="pt-BR" dirty="0"/>
-              <a:t>O que é Git?</a:t>
+              <a:t>Introdução</a:t>
             </a:r>
           </a:p>
         </p:txBody>
@@ -8965,7 +8788,61 @@
               <a:rPr lang="pt-BR" dirty="0">
                 <a:cs typeface="Courier New" panose="02070309020205020404" pitchFamily="49" charset="0"/>
               </a:rPr>
-              <a:t>A maior parte das operações no Git precisa apenas de arquivos e recursos locais para operarem, e normalmente nenhuma informação é necessária de outro computador na rede. Isso fornece uma velocidade de operação que outros VCS não possuem. Como cada usuário possui todo o histórico do projeto no computador, a maioria das operações aparenta ser quase instantânea.</a:t>
+              <a:t>Talvez você reconheça esse nome por causa de sites como </a:t>
+            </a:r>
+            <a:r>
+              <a:rPr lang="pt-BR" i="1" dirty="0" err="1">
+                <a:cs typeface="Courier New" panose="02070309020205020404" pitchFamily="49" charset="0"/>
+              </a:rPr>
+              <a:t>github</a:t>
+            </a:r>
+            <a:r>
+              <a:rPr lang="pt-BR" dirty="0">
+                <a:cs typeface="Courier New" panose="02070309020205020404" pitchFamily="49" charset="0"/>
+              </a:rPr>
+              <a:t> ou </a:t>
+            </a:r>
+            <a:r>
+              <a:rPr lang="pt-BR" i="1" dirty="0" err="1">
+                <a:cs typeface="Courier New" panose="02070309020205020404" pitchFamily="49" charset="0"/>
+              </a:rPr>
+              <a:t>gitlab</a:t>
+            </a:r>
+            <a:r>
+              <a:rPr lang="pt-BR" dirty="0">
+                <a:cs typeface="Courier New" panose="02070309020205020404" pitchFamily="49" charset="0"/>
+              </a:rPr>
+              <a:t>. </a:t>
+            </a:r>
+            <a:r>
+              <a:rPr lang="pt-BR" b="1" dirty="0">
+                <a:cs typeface="Courier New" panose="02070309020205020404" pitchFamily="49" charset="0"/>
+              </a:rPr>
+              <a:t>Git</a:t>
+            </a:r>
+            <a:r>
+              <a:rPr lang="pt-BR" dirty="0">
+                <a:cs typeface="Courier New" panose="02070309020205020404" pitchFamily="49" charset="0"/>
+              </a:rPr>
+              <a:t> é um sistema </a:t>
+            </a:r>
+            <a:r>
+              <a:rPr lang="pt-BR" i="1" dirty="0">
+                <a:cs typeface="Courier New" panose="02070309020205020404" pitchFamily="49" charset="0"/>
+              </a:rPr>
+              <a:t>open-</a:t>
+            </a:r>
+            <a:r>
+              <a:rPr lang="pt-BR" i="1" dirty="0" err="1">
+                <a:cs typeface="Courier New" panose="02070309020205020404" pitchFamily="49" charset="0"/>
+              </a:rPr>
+              <a:t>source</a:t>
+            </a:r>
+            <a:r>
+              <a:rPr lang="pt-BR" dirty="0">
+                <a:cs typeface="Courier New" panose="02070309020205020404" pitchFamily="49" charset="0"/>
+              </a:rPr>
+              <a:t> de controle de versionamento.</a:t>
             </a:r>
           </a:p>
           <a:p>
@@ -8978,7 +8855,57 @@
               <a:rPr lang="pt-BR" dirty="0">
                 <a:cs typeface="Courier New" panose="02070309020205020404" pitchFamily="49" charset="0"/>
               </a:rPr>
-              <a:t>Para todos os efeitos, na prática, o Git normalmente só acrescenta informações ao seu banco de dados, nunca removendo informações. É muito difícil, e não recomendado, gerar operações que removam informações, já que essas operações podem afetar o histórico do seu projeto.</a:t>
+              <a:t>Versionar projetos é uma prática essencial no mundo profissional e, em particular, na área de tecnologia, para manter um histórico de modificações deles, ou poder reverter alguma modificação que possa ter comprometido o projeto inteiro, dentre outras funcionalidades que serão aprendidas na prática.</a:t>
+            </a:r>
+          </a:p>
+          <a:p>
+            <a:pPr marL="742950" indent="-742950">
+              <a:buSzPct val="100000"/>
+              <a:buFont typeface="Arial" panose="020B0604020202020204" pitchFamily="34" charset="0"/>
+              <a:buChar char="•"/>
+            </a:pPr>
+            <a:r>
+              <a:rPr lang="pt-BR" dirty="0">
+                <a:cs typeface="Courier New" panose="02070309020205020404" pitchFamily="49" charset="0"/>
+              </a:rPr>
+              <a:t>Os projetos são normalmente armazenados em </a:t>
+            </a:r>
+            <a:r>
+              <a:rPr lang="pt-BR" b="1" dirty="0">
+                <a:cs typeface="Courier New" panose="02070309020205020404" pitchFamily="49" charset="0"/>
+              </a:rPr>
+              <a:t>repositórios</a:t>
+            </a:r>
+            <a:r>
+              <a:rPr lang="pt-BR" dirty="0">
+                <a:cs typeface="Courier New" panose="02070309020205020404" pitchFamily="49" charset="0"/>
+              </a:rPr>
+              <a:t>.</a:t>
+            </a:r>
+          </a:p>
+          <a:p>
+            <a:pPr marL="742950" indent="-742950">
+              <a:buSzPct val="100000"/>
+              <a:buFont typeface="Arial" panose="020B0604020202020204" pitchFamily="34" charset="0"/>
+              <a:buChar char="•"/>
+            </a:pPr>
+            <a:r>
+              <a:rPr lang="pt-BR" dirty="0">
+                <a:cs typeface="Courier New" panose="02070309020205020404" pitchFamily="49" charset="0"/>
+              </a:rPr>
+              <a:t>Vamos aqui falar de alguns conceitos principais sobre como funciona o sistema, independente da plataforma que vamos utilizar (p.ex., </a:t>
+            </a:r>
+            <a:r>
+              <a:rPr lang="pt-BR" i="1" dirty="0" err="1">
+                <a:cs typeface="Courier New" panose="02070309020205020404" pitchFamily="49" charset="0"/>
+              </a:rPr>
+              <a:t>github</a:t>
+            </a:r>
+            <a:r>
+              <a:rPr lang="pt-BR" dirty="0">
+                <a:cs typeface="Courier New" panose="02070309020205020404" pitchFamily="49" charset="0"/>
+              </a:rPr>
+              <a:t>). Em seguida vamos aplicar alguns desses conceitos na prática.</a:t>
             </a:r>
           </a:p>
         </p:txBody>
@@ -9015,7 +8942,7 @@
     </p:spTree>
     <p:extLst>
       <p:ext uri="{BB962C8B-B14F-4D97-AF65-F5344CB8AC3E}">
-        <p14:creationId xmlns:p14="http://schemas.microsoft.com/office/powerpoint/2010/main" val="2631163961"/>
+        <p14:creationId xmlns:p14="http://schemas.microsoft.com/office/powerpoint/2010/main" val="368675160"/>
       </p:ext>
     </p:extLst>
   </p:cSld>
@@ -9246,7 +9173,7 @@
           <a:p>
             <a:r>
               <a:rPr lang="pt-BR" dirty="0"/>
-              <a:t>Os três estados</a:t>
+              <a:t>Para mais informações...</a:t>
             </a:r>
           </a:p>
         </p:txBody>
@@ -9291,55 +9218,7 @@
               <a:rPr lang="pt-BR" dirty="0">
                 <a:cs typeface="Courier New" panose="02070309020205020404" pitchFamily="49" charset="0"/>
               </a:rPr>
-              <a:t>O Git tem três estados principais nos quais os arquivos de um repositório podem se encontrar: </a:t>
-            </a:r>
-            <a:r>
-              <a:rPr lang="pt-BR" b="1" dirty="0">
-                <a:cs typeface="Courier New" panose="02070309020205020404" pitchFamily="49" charset="0"/>
-              </a:rPr>
-              <a:t>modificado</a:t>
-            </a:r>
-            <a:r>
-              <a:rPr lang="pt-BR" dirty="0">
-                <a:cs typeface="Courier New" panose="02070309020205020404" pitchFamily="49" charset="0"/>
-              </a:rPr>
-              <a:t>, </a:t>
-            </a:r>
-            <a:r>
-              <a:rPr lang="pt-BR" b="1" dirty="0">
-                <a:cs typeface="Courier New" panose="02070309020205020404" pitchFamily="49" charset="0"/>
-              </a:rPr>
-              <a:t>preparado</a:t>
-            </a:r>
-            <a:r>
-              <a:rPr lang="pt-BR" dirty="0">
-                <a:cs typeface="Courier New" panose="02070309020205020404" pitchFamily="49" charset="0"/>
-              </a:rPr>
-              <a:t> e </a:t>
-            </a:r>
-            <a:r>
-              <a:rPr lang="pt-BR" b="1" dirty="0">
-                <a:cs typeface="Courier New" panose="02070309020205020404" pitchFamily="49" charset="0"/>
-              </a:rPr>
-              <a:t>“</a:t>
-            </a:r>
-            <a:r>
-              <a:rPr lang="pt-BR" b="1" dirty="0" err="1">
-                <a:cs typeface="Courier New" panose="02070309020205020404" pitchFamily="49" charset="0"/>
-              </a:rPr>
-              <a:t>commitado</a:t>
-            </a:r>
-            <a:r>
-              <a:rPr lang="pt-BR" b="1" dirty="0">
-                <a:cs typeface="Courier New" panose="02070309020205020404" pitchFamily="49" charset="0"/>
-              </a:rPr>
-              <a:t>”</a:t>
-            </a:r>
-            <a:r>
-              <a:rPr lang="pt-BR" dirty="0">
-                <a:cs typeface="Courier New" panose="02070309020205020404" pitchFamily="49" charset="0"/>
-              </a:rPr>
-              <a:t>:</a:t>
+              <a:t>O tempo que temos em aula não é suficiente para conseguirmos discutir todos os detalhes por trás dessa tecnologia. Portanto, seguem abaixo algumas sugestões de conteúdos extras para estudarem:</a:t>
             </a:r>
           </a:p>
           <a:p>
@@ -9349,17 +9228,14 @@
               <a:buChar char="•"/>
             </a:pPr>
             <a:r>
-              <a:rPr lang="pt-BR" b="1" dirty="0" err="1">
-                <a:cs typeface="Courier New" panose="02070309020205020404" pitchFamily="49" charset="0"/>
+              <a:rPr lang="pt-BR" dirty="0">
+                <a:hlinkClick r:id="rId2" tooltip="http://git-scm.com/book/en/Getting-Started-About-Version-Control"/>
               </a:rPr>
-              <a:t>Commitado</a:t>
-            </a:r>
-            <a:r>
-              <a:rPr lang="pt-BR" dirty="0">
-                <a:cs typeface="Courier New" panose="02070309020205020404" pitchFamily="49" charset="0"/>
-              </a:rPr>
-              <a:t> significa que os dados estão armazenados de forma segura em seu banco de dados local;</a:t>
-            </a:r>
+              <a:t>http://git-scm.com/book/en/Getting-Started-About-Version-Control</a:t>
+            </a:r>
+            <a:endParaRPr lang="pt-BR" dirty="0">
+              <a:cs typeface="Courier New" panose="02070309020205020404" pitchFamily="49" charset="0"/>
+            </a:endParaRPr>
           </a:p>
           <a:p>
             <a:pPr marL="1377950" lvl="1" indent="-742950">
@@ -9368,29 +9244,14 @@
               <a:buChar char="•"/>
             </a:pPr>
             <a:r>
-              <a:rPr lang="pt-BR" b="1" dirty="0">
-                <a:cs typeface="Courier New" panose="02070309020205020404" pitchFamily="49" charset="0"/>
+              <a:rPr lang="pt-BR" dirty="0">
+                <a:hlinkClick r:id="rId3" tooltip="http://git-scm.com/book/en/Getting-Started-Git-Basics"/>
               </a:rPr>
-              <a:t>Modificado</a:t>
-            </a:r>
-            <a:r>
-              <a:rPr lang="pt-BR" dirty="0">
-                <a:cs typeface="Courier New" panose="02070309020205020404" pitchFamily="49" charset="0"/>
-              </a:rPr>
-              <a:t> significa que você alterou o arquivo, mas ainda não fez o </a:t>
-            </a:r>
-            <a:r>
-              <a:rPr lang="pt-BR" dirty="0" err="1">
-                <a:cs typeface="Courier New" panose="02070309020205020404" pitchFamily="49" charset="0"/>
-              </a:rPr>
-              <a:t>commit</a:t>
-            </a:r>
-            <a:r>
-              <a:rPr lang="pt-BR" dirty="0">
-                <a:cs typeface="Courier New" panose="02070309020205020404" pitchFamily="49" charset="0"/>
-              </a:rPr>
-              <a:t> no banco de dados;</a:t>
-            </a:r>
+              <a:t>http://git-scm.com/book/en/Getting-Started-Git-Basics</a:t>
+            </a:r>
+            <a:endParaRPr lang="pt-BR" dirty="0">
+              <a:cs typeface="Courier New" panose="02070309020205020404" pitchFamily="49" charset="0"/>
+            </a:endParaRPr>
           </a:p>
           <a:p>
             <a:pPr marL="1377950" lvl="1" indent="-742950">
@@ -9399,32 +9260,18 @@
               <a:buChar char="•"/>
             </a:pPr>
             <a:r>
-              <a:rPr lang="pt-BR" b="1" dirty="0">
-                <a:cs typeface="Courier New" panose="02070309020205020404" pitchFamily="49" charset="0"/>
-              </a:rPr>
-              <a:t>Preparado</a:t>
-            </a:r>
-            <a:r>
               <a:rPr lang="pt-BR" dirty="0">
                 <a:cs typeface="Courier New" panose="02070309020205020404" pitchFamily="49" charset="0"/>
+                <a:hlinkClick r:id="rId4"/>
               </a:rPr>
-              <a:t> significa que você marcou a versão atual de um arquivo modificado para fazer parte do seu próximo </a:t>
-            </a:r>
-            <a:r>
-              <a:rPr lang="pt-BR" dirty="0" err="1">
-                <a:cs typeface="Courier New" panose="02070309020205020404" pitchFamily="49" charset="0"/>
-              </a:rPr>
-              <a:t>commit</a:t>
-            </a:r>
-            <a:r>
-              <a:rPr lang="pt-BR" dirty="0">
-                <a:cs typeface="Courier New" panose="02070309020205020404" pitchFamily="49" charset="0"/>
-              </a:rPr>
-              <a:t>.</a:t>
-            </a:r>
-          </a:p>
-          <a:p>
-            <a:pPr marL="742950" indent="-742950">
+              <a:t>http://learngitbranching.js.org/</a:t>
+            </a:r>
+            <a:endParaRPr lang="pt-BR" dirty="0">
+              <a:cs typeface="Courier New" panose="02070309020205020404" pitchFamily="49" charset="0"/>
+            </a:endParaRPr>
+          </a:p>
+          <a:p>
+            <a:pPr marL="1377950" lvl="1" indent="-742950">
               <a:buSzPct val="100000"/>
               <a:buFont typeface="Arial" panose="020B0604020202020204" pitchFamily="34" charset="0"/>
               <a:buChar char="•"/>
@@ -9432,9 +9279,23 @@
             <a:r>
               <a:rPr lang="pt-BR" dirty="0">
                 <a:cs typeface="Courier New" panose="02070309020205020404" pitchFamily="49" charset="0"/>
+                <a:hlinkClick r:id="rId5"/>
               </a:rPr>
-              <a:t>Isso leva a três seções principais de um projeto Git: o diretório Git, o diretório de trabalho e área de preparo.</a:t>
-            </a:r>
+              <a:t>http://try.github.io/levels/1/challenges/1</a:t>
+            </a:r>
+            <a:endParaRPr lang="pt-BR" dirty="0">
+              <a:cs typeface="Courier New" panose="02070309020205020404" pitchFamily="49" charset="0"/>
+            </a:endParaRPr>
+          </a:p>
+          <a:p>
+            <a:pPr marL="1377950" lvl="1" indent="-742950">
+              <a:buSzPct val="100000"/>
+              <a:buFont typeface="Arial" panose="020B0604020202020204" pitchFamily="34" charset="0"/>
+              <a:buChar char="•"/>
+            </a:pPr>
+            <a:endParaRPr lang="pt-BR" dirty="0">
+              <a:cs typeface="Courier New" panose="02070309020205020404" pitchFamily="49" charset="0"/>
+            </a:endParaRPr>
           </a:p>
         </p:txBody>
       </p:sp>
@@ -9470,7 +9331,7 @@
     </p:spTree>
     <p:extLst>
       <p:ext uri="{BB962C8B-B14F-4D97-AF65-F5344CB8AC3E}">
-        <p14:creationId xmlns:p14="http://schemas.microsoft.com/office/powerpoint/2010/main" val="847623199"/>
+        <p14:creationId xmlns:p14="http://schemas.microsoft.com/office/powerpoint/2010/main" val="3950547721"/>
       </p:ext>
     </p:extLst>
   </p:cSld>
@@ -9523,7 +9384,7 @@
           <a:p>
             <a:r>
               <a:rPr lang="pt-BR" dirty="0"/>
-              <a:t>Os três estados</a:t>
+              <a:t>O que é Controle de Versões?</a:t>
             </a:r>
           </a:p>
         </p:txBody>
@@ -9564,9 +9425,51 @@
               <a:buFont typeface="Arial" panose="020B0604020202020204" pitchFamily="34" charset="0"/>
               <a:buChar char="•"/>
             </a:pPr>
-            <a:endParaRPr lang="pt-BR" dirty="0">
-              <a:cs typeface="Courier New" panose="02070309020205020404" pitchFamily="49" charset="0"/>
-            </a:endParaRPr>
+            <a:r>
+              <a:rPr lang="pt-BR" dirty="0">
+                <a:cs typeface="Courier New" panose="02070309020205020404" pitchFamily="49" charset="0"/>
+              </a:rPr>
+              <a:t>Controle de Versões é um sistema de grava mudanças aplicadas em um arquivo ou um conjunto de arquivos ao longo do tempo, para que o usuário possa relembrar ou recuperar depois.</a:t>
+            </a:r>
+          </a:p>
+          <a:p>
+            <a:pPr marL="742950" indent="-742950">
+              <a:buSzPct val="100000"/>
+              <a:buFont typeface="Arial" panose="020B0604020202020204" pitchFamily="34" charset="0"/>
+              <a:buChar char="•"/>
+            </a:pPr>
+            <a:r>
+              <a:rPr lang="pt-BR" dirty="0">
+                <a:cs typeface="Courier New" panose="02070309020205020404" pitchFamily="49" charset="0"/>
+              </a:rPr>
+              <a:t>Na área de tecnologia o controle de versões já é algo consolidado, uma vez que inúmeras alterações são aplicadas em um software durante a sua implementação e manutenção. No entanto, adotar um sistema de controle de versões (VCS, da sigla em inglês) é algo recomendado para qualquer área.</a:t>
+            </a:r>
+          </a:p>
+          <a:p>
+            <a:pPr marL="742950" indent="-742950">
+              <a:buSzPct val="100000"/>
+              <a:buFont typeface="Arial" panose="020B0604020202020204" pitchFamily="34" charset="0"/>
+              <a:buChar char="•"/>
+            </a:pPr>
+            <a:r>
+              <a:rPr lang="pt-BR" dirty="0">
+                <a:cs typeface="Courier New" panose="02070309020205020404" pitchFamily="49" charset="0"/>
+              </a:rPr>
+              <a:t>Quando se quer adotar um VCS, normalmente o primeiro passo é trabalhar com um controle local, fazendo cópias dos arquivos e os renomeando com algum padrão (p.ex., incluindo a data ao final do nome do arquivo).</a:t>
+            </a:r>
+          </a:p>
+          <a:p>
+            <a:pPr marL="742950" indent="-742950">
+              <a:buSzPct val="100000"/>
+              <a:buFont typeface="Arial" panose="020B0604020202020204" pitchFamily="34" charset="0"/>
+              <a:buChar char="•"/>
+            </a:pPr>
+            <a:r>
+              <a:rPr lang="pt-BR" dirty="0">
+                <a:cs typeface="Courier New" panose="02070309020205020404" pitchFamily="49" charset="0"/>
+              </a:rPr>
+              <a:t>O Git veio para otimizar esse controle de versões, permitindo inúmeras alterações que seriam muito complicadas se fossem feitas manualmente.</a:t>
+            </a:r>
           </a:p>
         </p:txBody>
       </p:sp>
@@ -9594,6 +9497,1161 @@
             <a:fld id="{E4B35BDD-CC3D-4492-88ED-922B282360E3}" type="slidenum">
               <a:rPr lang="pt-BR" smtClean="0"/>
               <a:t>31</a:t>
+            </a:fld>
+            <a:endParaRPr lang="pt-BR"/>
+          </a:p>
+        </p:txBody>
+      </p:sp>
+    </p:spTree>
+    <p:extLst>
+      <p:ext uri="{BB962C8B-B14F-4D97-AF65-F5344CB8AC3E}">
+        <p14:creationId xmlns:p14="http://schemas.microsoft.com/office/powerpoint/2010/main" val="101474012"/>
+      </p:ext>
+    </p:extLst>
+  </p:cSld>
+  <p:clrMapOvr>
+    <a:masterClrMapping/>
+  </p:clrMapOvr>
+  <p:transition spd="med"/>
+</p:sld>
+</file>
+
+<file path=ppt/slides/slide32.xml><?xml version="1.0" encoding="utf-8"?>
+<p:sld xmlns:a="http://schemas.openxmlformats.org/drawingml/2006/main" xmlns:r="http://schemas.openxmlformats.org/officeDocument/2006/relationships" xmlns:p="http://schemas.openxmlformats.org/presentationml/2006/main">
+  <p:cSld>
+    <p:spTree>
+      <p:nvGrpSpPr>
+        <p:cNvPr id="1" name=""/>
+        <p:cNvGrpSpPr/>
+        <p:nvPr/>
+      </p:nvGrpSpPr>
+      <p:grpSpPr>
+        <a:xfrm>
+          <a:off x="0" y="0"/>
+          <a:ext cx="0" cy="0"/>
+          <a:chOff x="0" y="0"/>
+          <a:chExt cx="0" cy="0"/>
+        </a:xfrm>
+      </p:grpSpPr>
+      <p:sp>
+        <p:nvSpPr>
+          <p:cNvPr id="4" name="Título 3">
+            <a:extLst>
+              <a:ext uri="{FF2B5EF4-FFF2-40B4-BE49-F238E27FC236}">
+                <a16:creationId xmlns:a16="http://schemas.microsoft.com/office/drawing/2014/main" id="{8A4C52A0-42D9-47BB-966A-7FE92FDBFA2D}"/>
+              </a:ext>
+            </a:extLst>
+          </p:cNvPr>
+          <p:cNvSpPr>
+            <a:spLocks noGrp="1"/>
+          </p:cNvSpPr>
+          <p:nvPr>
+            <p:ph type="title"/>
+          </p:nvPr>
+        </p:nvSpPr>
+        <p:spPr/>
+        <p:txBody>
+          <a:bodyPr>
+            <a:normAutofit/>
+          </a:bodyPr>
+          <a:lstStyle/>
+          <a:p>
+            <a:r>
+              <a:rPr lang="pt-BR" dirty="0"/>
+              <a:t>Uma breve história do Git</a:t>
+            </a:r>
+          </a:p>
+        </p:txBody>
+      </p:sp>
+      <p:sp>
+        <p:nvSpPr>
+          <p:cNvPr id="5" name="Espaço Reservado para Conteúdo 4">
+            <a:extLst>
+              <a:ext uri="{FF2B5EF4-FFF2-40B4-BE49-F238E27FC236}">
+                <a16:creationId xmlns:a16="http://schemas.microsoft.com/office/drawing/2014/main" id="{1FBD8255-54D1-42B3-9B71-2D45D227E6FC}"/>
+              </a:ext>
+            </a:extLst>
+          </p:cNvPr>
+          <p:cNvSpPr>
+            <a:spLocks noGrp="1"/>
+          </p:cNvSpPr>
+          <p:nvPr>
+            <p:ph type="body" idx="1"/>
+          </p:nvPr>
+        </p:nvSpPr>
+        <p:spPr>
+          <a:xfrm>
+            <a:off x="1689100" y="2604530"/>
+            <a:ext cx="21005800" cy="10609446"/>
+          </a:xfrm>
+          <a:solidFill>
+            <a:schemeClr val="bg1"/>
+          </a:solidFill>
+        </p:spPr>
+        <p:txBody>
+          <a:bodyPr>
+            <a:noAutofit/>
+          </a:bodyPr>
+          <a:lstStyle/>
+          <a:p>
+            <a:pPr marL="742950" indent="-742950">
+              <a:buSzPct val="100000"/>
+              <a:buFont typeface="Arial" panose="020B0604020202020204" pitchFamily="34" charset="0"/>
+              <a:buChar char="•"/>
+            </a:pPr>
+            <a:r>
+              <a:rPr lang="pt-BR" dirty="0">
+                <a:cs typeface="Courier New" panose="02070309020205020404" pitchFamily="49" charset="0"/>
+              </a:rPr>
+              <a:t>A criação do Git está atrelada à criação do Linux, quando o time responsável utilizou uma solução de controle de versão que, eventualmente, tornou-se paga. </a:t>
+            </a:r>
+          </a:p>
+          <a:p>
+            <a:pPr marL="742950" indent="-742950">
+              <a:buSzPct val="100000"/>
+              <a:buFont typeface="Arial" panose="020B0604020202020204" pitchFamily="34" charset="0"/>
+              <a:buChar char="•"/>
+            </a:pPr>
+            <a:r>
+              <a:rPr lang="pt-BR" dirty="0">
+                <a:cs typeface="Courier New" panose="02070309020205020404" pitchFamily="49" charset="0"/>
+              </a:rPr>
+              <a:t>A comunidade Linux, portanto, começou a planejar um sistema que aproveitasse algumas das características da solução anterior, porém evoluindo diversos aspectos.</a:t>
+            </a:r>
+          </a:p>
+          <a:p>
+            <a:pPr marL="742950" indent="-742950">
+              <a:buSzPct val="100000"/>
+              <a:buFont typeface="Arial" panose="020B0604020202020204" pitchFamily="34" charset="0"/>
+              <a:buChar char="•"/>
+            </a:pPr>
+            <a:r>
+              <a:rPr lang="pt-BR" dirty="0">
+                <a:cs typeface="Courier New" panose="02070309020205020404" pitchFamily="49" charset="0"/>
+              </a:rPr>
+              <a:t>A comunidade tinha os seguintes objetivos para o novo sistema:</a:t>
+            </a:r>
+          </a:p>
+          <a:p>
+            <a:pPr marL="1377950" lvl="1" indent="-742950">
+              <a:buSzPct val="100000"/>
+              <a:buFont typeface="Arial" panose="020B0604020202020204" pitchFamily="34" charset="0"/>
+              <a:buChar char="•"/>
+            </a:pPr>
+            <a:r>
+              <a:rPr lang="pt-BR" dirty="0">
+                <a:cs typeface="Courier New" panose="02070309020205020404" pitchFamily="49" charset="0"/>
+              </a:rPr>
+              <a:t>Velocidade</a:t>
+            </a:r>
+          </a:p>
+          <a:p>
+            <a:pPr marL="1377950" lvl="1" indent="-742950">
+              <a:buSzPct val="100000"/>
+              <a:buFont typeface="Arial" panose="020B0604020202020204" pitchFamily="34" charset="0"/>
+              <a:buChar char="•"/>
+            </a:pPr>
+            <a:r>
+              <a:rPr lang="pt-BR" dirty="0">
+                <a:cs typeface="Courier New" panose="02070309020205020404" pitchFamily="49" charset="0"/>
+              </a:rPr>
+              <a:t>Design simples</a:t>
+            </a:r>
+          </a:p>
+          <a:p>
+            <a:pPr marL="1377950" lvl="1" indent="-742950">
+              <a:buSzPct val="100000"/>
+              <a:buFont typeface="Arial" panose="020B0604020202020204" pitchFamily="34" charset="0"/>
+              <a:buChar char="•"/>
+            </a:pPr>
+            <a:r>
+              <a:rPr lang="pt-BR" dirty="0">
+                <a:cs typeface="Courier New" panose="02070309020205020404" pitchFamily="49" charset="0"/>
+              </a:rPr>
+              <a:t>Suporte forte para desenvolvimento não-linear, com milhares de atividades sendo realizadas em paralelo</a:t>
+            </a:r>
+          </a:p>
+          <a:p>
+            <a:pPr marL="1377950" lvl="1" indent="-742950">
+              <a:buSzPct val="100000"/>
+              <a:buFont typeface="Arial" panose="020B0604020202020204" pitchFamily="34" charset="0"/>
+              <a:buChar char="•"/>
+            </a:pPr>
+            <a:r>
+              <a:rPr lang="pt-BR" dirty="0">
+                <a:cs typeface="Courier New" panose="02070309020205020404" pitchFamily="49" charset="0"/>
+              </a:rPr>
+              <a:t>Completamente distribuído, permitindo o acesso de qualquer lugar</a:t>
+            </a:r>
+          </a:p>
+          <a:p>
+            <a:pPr marL="1377950" lvl="1" indent="-742950">
+              <a:buSzPct val="100000"/>
+              <a:buFont typeface="Arial" panose="020B0604020202020204" pitchFamily="34" charset="0"/>
+              <a:buChar char="•"/>
+            </a:pPr>
+            <a:r>
+              <a:rPr lang="pt-BR" dirty="0">
+                <a:cs typeface="Courier New" panose="02070309020205020404" pitchFamily="49" charset="0"/>
+              </a:rPr>
+              <a:t>Eficiente no suporte a grandes projetos</a:t>
+            </a:r>
+          </a:p>
+        </p:txBody>
+      </p:sp>
+      <p:sp>
+        <p:nvSpPr>
+          <p:cNvPr id="7" name="Espaço Reservado para Número de Slide 6">
+            <a:extLst>
+              <a:ext uri="{FF2B5EF4-FFF2-40B4-BE49-F238E27FC236}">
+                <a16:creationId xmlns:a16="http://schemas.microsoft.com/office/drawing/2014/main" id="{40C5ECBA-0615-433C-B308-162C7F749201}"/>
+              </a:ext>
+            </a:extLst>
+          </p:cNvPr>
+          <p:cNvSpPr>
+            <a:spLocks noGrp="1"/>
+          </p:cNvSpPr>
+          <p:nvPr>
+            <p:ph type="sldNum" sz="quarter" idx="10"/>
+          </p:nvPr>
+        </p:nvSpPr>
+        <p:spPr/>
+        <p:txBody>
+          <a:bodyPr/>
+          <a:lstStyle/>
+          <a:p>
+            <a:fld id="{E4B35BDD-CC3D-4492-88ED-922B282360E3}" type="slidenum">
+              <a:rPr lang="pt-BR" smtClean="0"/>
+              <a:t>32</a:t>
+            </a:fld>
+            <a:endParaRPr lang="pt-BR"/>
+          </a:p>
+        </p:txBody>
+      </p:sp>
+    </p:spTree>
+    <p:extLst>
+      <p:ext uri="{BB962C8B-B14F-4D97-AF65-F5344CB8AC3E}">
+        <p14:creationId xmlns:p14="http://schemas.microsoft.com/office/powerpoint/2010/main" val="578680866"/>
+      </p:ext>
+    </p:extLst>
+  </p:cSld>
+  <p:clrMapOvr>
+    <a:masterClrMapping/>
+  </p:clrMapOvr>
+  <p:transition spd="med"/>
+</p:sld>
+</file>
+
+<file path=ppt/slides/slide33.xml><?xml version="1.0" encoding="utf-8"?>
+<p:sld xmlns:a="http://schemas.openxmlformats.org/drawingml/2006/main" xmlns:r="http://schemas.openxmlformats.org/officeDocument/2006/relationships" xmlns:p="http://schemas.openxmlformats.org/presentationml/2006/main">
+  <p:cSld>
+    <p:spTree>
+      <p:nvGrpSpPr>
+        <p:cNvPr id="1" name=""/>
+        <p:cNvGrpSpPr/>
+        <p:nvPr/>
+      </p:nvGrpSpPr>
+      <p:grpSpPr>
+        <a:xfrm>
+          <a:off x="0" y="0"/>
+          <a:ext cx="0" cy="0"/>
+          <a:chOff x="0" y="0"/>
+          <a:chExt cx="0" cy="0"/>
+        </a:xfrm>
+      </p:grpSpPr>
+      <p:sp>
+        <p:nvSpPr>
+          <p:cNvPr id="4" name="Título 3">
+            <a:extLst>
+              <a:ext uri="{FF2B5EF4-FFF2-40B4-BE49-F238E27FC236}">
+                <a16:creationId xmlns:a16="http://schemas.microsoft.com/office/drawing/2014/main" id="{8A4C52A0-42D9-47BB-966A-7FE92FDBFA2D}"/>
+              </a:ext>
+            </a:extLst>
+          </p:cNvPr>
+          <p:cNvSpPr>
+            <a:spLocks noGrp="1"/>
+          </p:cNvSpPr>
+          <p:nvPr>
+            <p:ph type="title"/>
+          </p:nvPr>
+        </p:nvSpPr>
+        <p:spPr/>
+        <p:txBody>
+          <a:bodyPr>
+            <a:normAutofit/>
+          </a:bodyPr>
+          <a:lstStyle/>
+          <a:p>
+            <a:r>
+              <a:rPr lang="pt-BR" dirty="0"/>
+              <a:t>O que é Git?</a:t>
+            </a:r>
+          </a:p>
+        </p:txBody>
+      </p:sp>
+      <p:sp>
+        <p:nvSpPr>
+          <p:cNvPr id="5" name="Espaço Reservado para Conteúdo 4">
+            <a:extLst>
+              <a:ext uri="{FF2B5EF4-FFF2-40B4-BE49-F238E27FC236}">
+                <a16:creationId xmlns:a16="http://schemas.microsoft.com/office/drawing/2014/main" id="{1FBD8255-54D1-42B3-9B71-2D45D227E6FC}"/>
+              </a:ext>
+            </a:extLst>
+          </p:cNvPr>
+          <p:cNvSpPr>
+            <a:spLocks noGrp="1"/>
+          </p:cNvSpPr>
+          <p:nvPr>
+            <p:ph type="body" idx="1"/>
+          </p:nvPr>
+        </p:nvSpPr>
+        <p:spPr>
+          <a:xfrm>
+            <a:off x="1689100" y="2604530"/>
+            <a:ext cx="21005800" cy="10609446"/>
+          </a:xfrm>
+          <a:solidFill>
+            <a:schemeClr val="bg1"/>
+          </a:solidFill>
+        </p:spPr>
+        <p:txBody>
+          <a:bodyPr>
+            <a:noAutofit/>
+          </a:bodyPr>
+          <a:lstStyle/>
+          <a:p>
+            <a:pPr marL="742950" indent="-742950">
+              <a:buSzPct val="100000"/>
+              <a:buFont typeface="Arial" panose="020B0604020202020204" pitchFamily="34" charset="0"/>
+              <a:buChar char="•"/>
+            </a:pPr>
+            <a:r>
+              <a:rPr lang="pt-BR" b="1" dirty="0">
+                <a:cs typeface="Courier New" panose="02070309020205020404" pitchFamily="49" charset="0"/>
+              </a:rPr>
+              <a:t>Git</a:t>
+            </a:r>
+            <a:r>
+              <a:rPr lang="pt-BR" dirty="0">
+                <a:cs typeface="Courier New" panose="02070309020205020404" pitchFamily="49" charset="0"/>
+              </a:rPr>
+              <a:t> funciona pensando que os dados de um repositório compõem uma série de “fotografias” de um sistema de arquivos em miniatura.</a:t>
+            </a:r>
+          </a:p>
+          <a:p>
+            <a:pPr marL="742950" indent="-742950">
+              <a:buSzPct val="100000"/>
+              <a:buFont typeface="Arial" panose="020B0604020202020204" pitchFamily="34" charset="0"/>
+              <a:buChar char="•"/>
+            </a:pPr>
+            <a:r>
+              <a:rPr lang="pt-BR" dirty="0">
+                <a:cs typeface="Courier New" panose="02070309020205020404" pitchFamily="49" charset="0"/>
+              </a:rPr>
+              <a:t>No Git, a cada vez que você aplica uma alteração (ou </a:t>
+            </a:r>
+            <a:r>
+              <a:rPr lang="pt-BR" i="1" dirty="0" err="1">
+                <a:cs typeface="Courier New" panose="02070309020205020404" pitchFamily="49" charset="0"/>
+              </a:rPr>
+              <a:t>commit</a:t>
+            </a:r>
+            <a:r>
+              <a:rPr lang="pt-BR" dirty="0">
+                <a:cs typeface="Courier New" panose="02070309020205020404" pitchFamily="49" charset="0"/>
+              </a:rPr>
+              <a:t>), ou salva o estado do seu projeto, o Git basicamente tira uma “foto” de como os arquivos do repositório estão naquele momento e então ele armazena uma referência a essa foto.</a:t>
+            </a:r>
+          </a:p>
+          <a:p>
+            <a:pPr marL="742950" indent="-742950">
+              <a:buSzPct val="100000"/>
+              <a:buFont typeface="Arial" panose="020B0604020202020204" pitchFamily="34" charset="0"/>
+              <a:buChar char="•"/>
+            </a:pPr>
+            <a:r>
+              <a:rPr lang="pt-BR" dirty="0">
+                <a:cs typeface="Courier New" panose="02070309020205020404" pitchFamily="49" charset="0"/>
+              </a:rPr>
+              <a:t>Para ser eficiente, se os arquivos não foram alterados, o Git não altera os arquivos novamente, apenas um link para a última versão do arquivo armazenada.</a:t>
+            </a:r>
+          </a:p>
+          <a:p>
+            <a:pPr marL="742950" indent="-742950">
+              <a:buSzPct val="100000"/>
+              <a:buFont typeface="Arial" panose="020B0604020202020204" pitchFamily="34" charset="0"/>
+              <a:buChar char="•"/>
+            </a:pPr>
+            <a:r>
+              <a:rPr lang="pt-BR" dirty="0">
+                <a:cs typeface="Courier New" panose="02070309020205020404" pitchFamily="49" charset="0"/>
+              </a:rPr>
+              <a:t>Sendo assim, o Git trabalha os dados como um </a:t>
+            </a:r>
+            <a:r>
+              <a:rPr lang="pt-BR" b="1" dirty="0">
+                <a:cs typeface="Courier New" panose="02070309020205020404" pitchFamily="49" charset="0"/>
+              </a:rPr>
+              <a:t>fluxo de fotografias</a:t>
+            </a:r>
+            <a:r>
+              <a:rPr lang="pt-BR" dirty="0">
+                <a:cs typeface="Courier New" panose="02070309020205020404" pitchFamily="49" charset="0"/>
+              </a:rPr>
+              <a:t>.</a:t>
+            </a:r>
+          </a:p>
+        </p:txBody>
+      </p:sp>
+      <p:sp>
+        <p:nvSpPr>
+          <p:cNvPr id="7" name="Espaço Reservado para Número de Slide 6">
+            <a:extLst>
+              <a:ext uri="{FF2B5EF4-FFF2-40B4-BE49-F238E27FC236}">
+                <a16:creationId xmlns:a16="http://schemas.microsoft.com/office/drawing/2014/main" id="{40C5ECBA-0615-433C-B308-162C7F749201}"/>
+              </a:ext>
+            </a:extLst>
+          </p:cNvPr>
+          <p:cNvSpPr>
+            <a:spLocks noGrp="1"/>
+          </p:cNvSpPr>
+          <p:nvPr>
+            <p:ph type="sldNum" sz="quarter" idx="10"/>
+          </p:nvPr>
+        </p:nvSpPr>
+        <p:spPr/>
+        <p:txBody>
+          <a:bodyPr/>
+          <a:lstStyle/>
+          <a:p>
+            <a:fld id="{E4B35BDD-CC3D-4492-88ED-922B282360E3}" type="slidenum">
+              <a:rPr lang="pt-BR" smtClean="0"/>
+              <a:t>33</a:t>
+            </a:fld>
+            <a:endParaRPr lang="pt-BR"/>
+          </a:p>
+        </p:txBody>
+      </p:sp>
+    </p:spTree>
+    <p:extLst>
+      <p:ext uri="{BB962C8B-B14F-4D97-AF65-F5344CB8AC3E}">
+        <p14:creationId xmlns:p14="http://schemas.microsoft.com/office/powerpoint/2010/main" val="892972165"/>
+      </p:ext>
+    </p:extLst>
+  </p:cSld>
+  <p:clrMapOvr>
+    <a:masterClrMapping/>
+  </p:clrMapOvr>
+  <p:transition spd="med"/>
+</p:sld>
+</file>
+
+<file path=ppt/slides/slide34.xml><?xml version="1.0" encoding="utf-8"?>
+<p:sld xmlns:a="http://schemas.openxmlformats.org/drawingml/2006/main" xmlns:r="http://schemas.openxmlformats.org/officeDocument/2006/relationships" xmlns:p="http://schemas.openxmlformats.org/presentationml/2006/main">
+  <p:cSld>
+    <p:spTree>
+      <p:nvGrpSpPr>
+        <p:cNvPr id="1" name=""/>
+        <p:cNvGrpSpPr/>
+        <p:nvPr/>
+      </p:nvGrpSpPr>
+      <p:grpSpPr>
+        <a:xfrm>
+          <a:off x="0" y="0"/>
+          <a:ext cx="0" cy="0"/>
+          <a:chOff x="0" y="0"/>
+          <a:chExt cx="0" cy="0"/>
+        </a:xfrm>
+      </p:grpSpPr>
+      <p:sp>
+        <p:nvSpPr>
+          <p:cNvPr id="4" name="Título 3">
+            <a:extLst>
+              <a:ext uri="{FF2B5EF4-FFF2-40B4-BE49-F238E27FC236}">
+                <a16:creationId xmlns:a16="http://schemas.microsoft.com/office/drawing/2014/main" id="{8A4C52A0-42D9-47BB-966A-7FE92FDBFA2D}"/>
+              </a:ext>
+            </a:extLst>
+          </p:cNvPr>
+          <p:cNvSpPr>
+            <a:spLocks noGrp="1"/>
+          </p:cNvSpPr>
+          <p:nvPr>
+            <p:ph type="title"/>
+          </p:nvPr>
+        </p:nvSpPr>
+        <p:spPr/>
+        <p:txBody>
+          <a:bodyPr>
+            <a:normAutofit/>
+          </a:bodyPr>
+          <a:lstStyle/>
+          <a:p>
+            <a:r>
+              <a:rPr lang="pt-BR" dirty="0"/>
+              <a:t>O que é Git?</a:t>
+            </a:r>
+          </a:p>
+        </p:txBody>
+      </p:sp>
+      <p:sp>
+        <p:nvSpPr>
+          <p:cNvPr id="5" name="Espaço Reservado para Conteúdo 4">
+            <a:extLst>
+              <a:ext uri="{FF2B5EF4-FFF2-40B4-BE49-F238E27FC236}">
+                <a16:creationId xmlns:a16="http://schemas.microsoft.com/office/drawing/2014/main" id="{1FBD8255-54D1-42B3-9B71-2D45D227E6FC}"/>
+              </a:ext>
+            </a:extLst>
+          </p:cNvPr>
+          <p:cNvSpPr>
+            <a:spLocks noGrp="1"/>
+          </p:cNvSpPr>
+          <p:nvPr>
+            <p:ph type="body" idx="1"/>
+          </p:nvPr>
+        </p:nvSpPr>
+        <p:spPr>
+          <a:xfrm>
+            <a:off x="1689100" y="2604530"/>
+            <a:ext cx="21005800" cy="10609446"/>
+          </a:xfrm>
+          <a:solidFill>
+            <a:schemeClr val="bg1"/>
+          </a:solidFill>
+        </p:spPr>
+        <p:txBody>
+          <a:bodyPr>
+            <a:noAutofit/>
+          </a:bodyPr>
+          <a:lstStyle/>
+          <a:p>
+            <a:pPr marL="742950" indent="-742950">
+              <a:buSzPct val="100000"/>
+              <a:buFont typeface="Arial" panose="020B0604020202020204" pitchFamily="34" charset="0"/>
+              <a:buChar char="•"/>
+            </a:pPr>
+            <a:endParaRPr lang="pt-BR" dirty="0">
+              <a:cs typeface="Courier New" panose="02070309020205020404" pitchFamily="49" charset="0"/>
+            </a:endParaRPr>
+          </a:p>
+        </p:txBody>
+      </p:sp>
+      <p:sp>
+        <p:nvSpPr>
+          <p:cNvPr id="7" name="Espaço Reservado para Número de Slide 6">
+            <a:extLst>
+              <a:ext uri="{FF2B5EF4-FFF2-40B4-BE49-F238E27FC236}">
+                <a16:creationId xmlns:a16="http://schemas.microsoft.com/office/drawing/2014/main" id="{40C5ECBA-0615-433C-B308-162C7F749201}"/>
+              </a:ext>
+            </a:extLst>
+          </p:cNvPr>
+          <p:cNvSpPr>
+            <a:spLocks noGrp="1"/>
+          </p:cNvSpPr>
+          <p:nvPr>
+            <p:ph type="sldNum" sz="quarter" idx="10"/>
+          </p:nvPr>
+        </p:nvSpPr>
+        <p:spPr/>
+        <p:txBody>
+          <a:bodyPr/>
+          <a:lstStyle/>
+          <a:p>
+            <a:fld id="{E4B35BDD-CC3D-4492-88ED-922B282360E3}" type="slidenum">
+              <a:rPr lang="pt-BR" smtClean="0"/>
+              <a:t>34</a:t>
+            </a:fld>
+            <a:endParaRPr lang="pt-BR"/>
+          </a:p>
+        </p:txBody>
+      </p:sp>
+      <p:pic>
+        <p:nvPicPr>
+          <p:cNvPr id="3" name="Imagem 2">
+            <a:extLst>
+              <a:ext uri="{FF2B5EF4-FFF2-40B4-BE49-F238E27FC236}">
+                <a16:creationId xmlns:a16="http://schemas.microsoft.com/office/drawing/2014/main" id="{C18852F8-F392-41BE-8A64-AD1C85FEA7EB}"/>
+              </a:ext>
+            </a:extLst>
+          </p:cNvPr>
+          <p:cNvPicPr>
+            <a:picLocks noChangeAspect="1"/>
+          </p:cNvPicPr>
+          <p:nvPr/>
+        </p:nvPicPr>
+        <p:blipFill>
+          <a:blip r:embed="rId2">
+            <a:extLst>
+              <a:ext uri="{28A0092B-C50C-407E-A947-70E740481C1C}">
+                <a14:useLocalDpi xmlns:a14="http://schemas.microsoft.com/office/drawing/2010/main" val="0"/>
+              </a:ext>
+            </a:extLst>
+          </a:blip>
+          <a:stretch>
+            <a:fillRect/>
+          </a:stretch>
+        </p:blipFill>
+        <p:spPr>
+          <a:xfrm>
+            <a:off x="1891067" y="2930768"/>
+            <a:ext cx="20601866" cy="7854464"/>
+          </a:xfrm>
+          <a:prstGeom prst="rect">
+            <a:avLst/>
+          </a:prstGeom>
+        </p:spPr>
+      </p:pic>
+    </p:spTree>
+    <p:extLst>
+      <p:ext uri="{BB962C8B-B14F-4D97-AF65-F5344CB8AC3E}">
+        <p14:creationId xmlns:p14="http://schemas.microsoft.com/office/powerpoint/2010/main" val="3317186442"/>
+      </p:ext>
+    </p:extLst>
+  </p:cSld>
+  <p:clrMapOvr>
+    <a:masterClrMapping/>
+  </p:clrMapOvr>
+  <p:transition spd="med"/>
+</p:sld>
+</file>
+
+<file path=ppt/slides/slide35.xml><?xml version="1.0" encoding="utf-8"?>
+<p:sld xmlns:a="http://schemas.openxmlformats.org/drawingml/2006/main" xmlns:r="http://schemas.openxmlformats.org/officeDocument/2006/relationships" xmlns:p="http://schemas.openxmlformats.org/presentationml/2006/main">
+  <p:cSld>
+    <p:spTree>
+      <p:nvGrpSpPr>
+        <p:cNvPr id="1" name=""/>
+        <p:cNvGrpSpPr/>
+        <p:nvPr/>
+      </p:nvGrpSpPr>
+      <p:grpSpPr>
+        <a:xfrm>
+          <a:off x="0" y="0"/>
+          <a:ext cx="0" cy="0"/>
+          <a:chOff x="0" y="0"/>
+          <a:chExt cx="0" cy="0"/>
+        </a:xfrm>
+      </p:grpSpPr>
+      <p:sp>
+        <p:nvSpPr>
+          <p:cNvPr id="4" name="Título 3">
+            <a:extLst>
+              <a:ext uri="{FF2B5EF4-FFF2-40B4-BE49-F238E27FC236}">
+                <a16:creationId xmlns:a16="http://schemas.microsoft.com/office/drawing/2014/main" id="{8A4C52A0-42D9-47BB-966A-7FE92FDBFA2D}"/>
+              </a:ext>
+            </a:extLst>
+          </p:cNvPr>
+          <p:cNvSpPr>
+            <a:spLocks noGrp="1"/>
+          </p:cNvSpPr>
+          <p:nvPr>
+            <p:ph type="title"/>
+          </p:nvPr>
+        </p:nvSpPr>
+        <p:spPr/>
+        <p:txBody>
+          <a:bodyPr>
+            <a:normAutofit/>
+          </a:bodyPr>
+          <a:lstStyle/>
+          <a:p>
+            <a:r>
+              <a:rPr lang="pt-BR" dirty="0"/>
+              <a:t>O que é Git?</a:t>
+            </a:r>
+          </a:p>
+        </p:txBody>
+      </p:sp>
+      <p:sp>
+        <p:nvSpPr>
+          <p:cNvPr id="5" name="Espaço Reservado para Conteúdo 4">
+            <a:extLst>
+              <a:ext uri="{FF2B5EF4-FFF2-40B4-BE49-F238E27FC236}">
+                <a16:creationId xmlns:a16="http://schemas.microsoft.com/office/drawing/2014/main" id="{1FBD8255-54D1-42B3-9B71-2D45D227E6FC}"/>
+              </a:ext>
+            </a:extLst>
+          </p:cNvPr>
+          <p:cNvSpPr>
+            <a:spLocks noGrp="1"/>
+          </p:cNvSpPr>
+          <p:nvPr>
+            <p:ph type="body" idx="1"/>
+          </p:nvPr>
+        </p:nvSpPr>
+        <p:spPr>
+          <a:xfrm>
+            <a:off x="1689100" y="2604530"/>
+            <a:ext cx="21005800" cy="10609446"/>
+          </a:xfrm>
+          <a:solidFill>
+            <a:schemeClr val="bg1"/>
+          </a:solidFill>
+        </p:spPr>
+        <p:txBody>
+          <a:bodyPr>
+            <a:noAutofit/>
+          </a:bodyPr>
+          <a:lstStyle/>
+          <a:p>
+            <a:pPr marL="742950" indent="-742950">
+              <a:buSzPct val="100000"/>
+              <a:buFont typeface="Arial" panose="020B0604020202020204" pitchFamily="34" charset="0"/>
+              <a:buChar char="•"/>
+            </a:pPr>
+            <a:r>
+              <a:rPr lang="pt-BR" dirty="0">
+                <a:cs typeface="Courier New" panose="02070309020205020404" pitchFamily="49" charset="0"/>
+              </a:rPr>
+              <a:t>A maior parte das operações no Git precisa apenas de arquivos e recursos locais para operarem, e normalmente nenhuma informação é necessária de outro computador na rede. Isso fornece uma velocidade de operação que outros VCS não possuem. Como cada usuário possui todo o histórico do projeto no computador, a maioria das operações aparenta ser quase instantânea.</a:t>
+            </a:r>
+          </a:p>
+          <a:p>
+            <a:pPr marL="742950" indent="-742950">
+              <a:buSzPct val="100000"/>
+              <a:buFont typeface="Arial" panose="020B0604020202020204" pitchFamily="34" charset="0"/>
+              <a:buChar char="•"/>
+            </a:pPr>
+            <a:r>
+              <a:rPr lang="pt-BR" dirty="0">
+                <a:cs typeface="Courier New" panose="02070309020205020404" pitchFamily="49" charset="0"/>
+              </a:rPr>
+              <a:t>Para todos os efeitos, na prática, o Git normalmente só acrescenta informações ao seu banco de dados, nunca removendo informações. É muito difícil, e não recomendado, gerar operações que removam informações, já que essas operações podem afetar o histórico do seu projeto.</a:t>
+            </a:r>
+          </a:p>
+        </p:txBody>
+      </p:sp>
+      <p:sp>
+        <p:nvSpPr>
+          <p:cNvPr id="7" name="Espaço Reservado para Número de Slide 6">
+            <a:extLst>
+              <a:ext uri="{FF2B5EF4-FFF2-40B4-BE49-F238E27FC236}">
+                <a16:creationId xmlns:a16="http://schemas.microsoft.com/office/drawing/2014/main" id="{40C5ECBA-0615-433C-B308-162C7F749201}"/>
+              </a:ext>
+            </a:extLst>
+          </p:cNvPr>
+          <p:cNvSpPr>
+            <a:spLocks noGrp="1"/>
+          </p:cNvSpPr>
+          <p:nvPr>
+            <p:ph type="sldNum" sz="quarter" idx="10"/>
+          </p:nvPr>
+        </p:nvSpPr>
+        <p:spPr/>
+        <p:txBody>
+          <a:bodyPr/>
+          <a:lstStyle/>
+          <a:p>
+            <a:fld id="{E4B35BDD-CC3D-4492-88ED-922B282360E3}" type="slidenum">
+              <a:rPr lang="pt-BR" smtClean="0"/>
+              <a:t>35</a:t>
+            </a:fld>
+            <a:endParaRPr lang="pt-BR"/>
+          </a:p>
+        </p:txBody>
+      </p:sp>
+    </p:spTree>
+    <p:extLst>
+      <p:ext uri="{BB962C8B-B14F-4D97-AF65-F5344CB8AC3E}">
+        <p14:creationId xmlns:p14="http://schemas.microsoft.com/office/powerpoint/2010/main" val="2631163961"/>
+      </p:ext>
+    </p:extLst>
+  </p:cSld>
+  <p:clrMapOvr>
+    <a:masterClrMapping/>
+  </p:clrMapOvr>
+  <p:transition spd="med"/>
+</p:sld>
+</file>
+
+<file path=ppt/slides/slide36.xml><?xml version="1.0" encoding="utf-8"?>
+<p:sld xmlns:a="http://schemas.openxmlformats.org/drawingml/2006/main" xmlns:r="http://schemas.openxmlformats.org/officeDocument/2006/relationships" xmlns:p="http://schemas.openxmlformats.org/presentationml/2006/main">
+  <p:cSld>
+    <p:spTree>
+      <p:nvGrpSpPr>
+        <p:cNvPr id="1" name=""/>
+        <p:cNvGrpSpPr/>
+        <p:nvPr/>
+      </p:nvGrpSpPr>
+      <p:grpSpPr>
+        <a:xfrm>
+          <a:off x="0" y="0"/>
+          <a:ext cx="0" cy="0"/>
+          <a:chOff x="0" y="0"/>
+          <a:chExt cx="0" cy="0"/>
+        </a:xfrm>
+      </p:grpSpPr>
+      <p:sp>
+        <p:nvSpPr>
+          <p:cNvPr id="4" name="Título 3">
+            <a:extLst>
+              <a:ext uri="{FF2B5EF4-FFF2-40B4-BE49-F238E27FC236}">
+                <a16:creationId xmlns:a16="http://schemas.microsoft.com/office/drawing/2014/main" id="{8A4C52A0-42D9-47BB-966A-7FE92FDBFA2D}"/>
+              </a:ext>
+            </a:extLst>
+          </p:cNvPr>
+          <p:cNvSpPr>
+            <a:spLocks noGrp="1"/>
+          </p:cNvSpPr>
+          <p:nvPr>
+            <p:ph type="title"/>
+          </p:nvPr>
+        </p:nvSpPr>
+        <p:spPr/>
+        <p:txBody>
+          <a:bodyPr>
+            <a:normAutofit/>
+          </a:bodyPr>
+          <a:lstStyle/>
+          <a:p>
+            <a:r>
+              <a:rPr lang="pt-BR" dirty="0"/>
+              <a:t>Os três estados</a:t>
+            </a:r>
+          </a:p>
+        </p:txBody>
+      </p:sp>
+      <p:sp>
+        <p:nvSpPr>
+          <p:cNvPr id="5" name="Espaço Reservado para Conteúdo 4">
+            <a:extLst>
+              <a:ext uri="{FF2B5EF4-FFF2-40B4-BE49-F238E27FC236}">
+                <a16:creationId xmlns:a16="http://schemas.microsoft.com/office/drawing/2014/main" id="{1FBD8255-54D1-42B3-9B71-2D45D227E6FC}"/>
+              </a:ext>
+            </a:extLst>
+          </p:cNvPr>
+          <p:cNvSpPr>
+            <a:spLocks noGrp="1"/>
+          </p:cNvSpPr>
+          <p:nvPr>
+            <p:ph type="body" idx="1"/>
+          </p:nvPr>
+        </p:nvSpPr>
+        <p:spPr>
+          <a:xfrm>
+            <a:off x="1689100" y="2604530"/>
+            <a:ext cx="21005800" cy="10609446"/>
+          </a:xfrm>
+          <a:solidFill>
+            <a:schemeClr val="bg1"/>
+          </a:solidFill>
+        </p:spPr>
+        <p:txBody>
+          <a:bodyPr>
+            <a:noAutofit/>
+          </a:bodyPr>
+          <a:lstStyle/>
+          <a:p>
+            <a:pPr marL="742950" indent="-742950">
+              <a:buSzPct val="100000"/>
+              <a:buFont typeface="Arial" panose="020B0604020202020204" pitchFamily="34" charset="0"/>
+              <a:buChar char="•"/>
+            </a:pPr>
+            <a:r>
+              <a:rPr lang="pt-BR" dirty="0">
+                <a:cs typeface="Courier New" panose="02070309020205020404" pitchFamily="49" charset="0"/>
+              </a:rPr>
+              <a:t>O Git tem três estados principais nos quais os arquivos de um repositório podem se encontrar: </a:t>
+            </a:r>
+            <a:r>
+              <a:rPr lang="pt-BR" b="1" dirty="0">
+                <a:cs typeface="Courier New" panose="02070309020205020404" pitchFamily="49" charset="0"/>
+              </a:rPr>
+              <a:t>modificado</a:t>
+            </a:r>
+            <a:r>
+              <a:rPr lang="pt-BR" dirty="0">
+                <a:cs typeface="Courier New" panose="02070309020205020404" pitchFamily="49" charset="0"/>
+              </a:rPr>
+              <a:t>, </a:t>
+            </a:r>
+            <a:r>
+              <a:rPr lang="pt-BR" b="1" dirty="0">
+                <a:cs typeface="Courier New" panose="02070309020205020404" pitchFamily="49" charset="0"/>
+              </a:rPr>
+              <a:t>preparado</a:t>
+            </a:r>
+            <a:r>
+              <a:rPr lang="pt-BR" dirty="0">
+                <a:cs typeface="Courier New" panose="02070309020205020404" pitchFamily="49" charset="0"/>
+              </a:rPr>
+              <a:t> e </a:t>
+            </a:r>
+            <a:r>
+              <a:rPr lang="pt-BR" b="1" dirty="0">
+                <a:cs typeface="Courier New" panose="02070309020205020404" pitchFamily="49" charset="0"/>
+              </a:rPr>
+              <a:t>“</a:t>
+            </a:r>
+            <a:r>
+              <a:rPr lang="pt-BR" b="1" dirty="0" err="1">
+                <a:cs typeface="Courier New" panose="02070309020205020404" pitchFamily="49" charset="0"/>
+              </a:rPr>
+              <a:t>commitado</a:t>
+            </a:r>
+            <a:r>
+              <a:rPr lang="pt-BR" b="1" dirty="0">
+                <a:cs typeface="Courier New" panose="02070309020205020404" pitchFamily="49" charset="0"/>
+              </a:rPr>
+              <a:t>”</a:t>
+            </a:r>
+            <a:r>
+              <a:rPr lang="pt-BR" dirty="0">
+                <a:cs typeface="Courier New" panose="02070309020205020404" pitchFamily="49" charset="0"/>
+              </a:rPr>
+              <a:t>:</a:t>
+            </a:r>
+          </a:p>
+          <a:p>
+            <a:pPr marL="1377950" lvl="1" indent="-742950">
+              <a:buSzPct val="100000"/>
+              <a:buFont typeface="Arial" panose="020B0604020202020204" pitchFamily="34" charset="0"/>
+              <a:buChar char="•"/>
+            </a:pPr>
+            <a:r>
+              <a:rPr lang="pt-BR" b="1" dirty="0" err="1">
+                <a:cs typeface="Courier New" panose="02070309020205020404" pitchFamily="49" charset="0"/>
+              </a:rPr>
+              <a:t>Commitado</a:t>
+            </a:r>
+            <a:r>
+              <a:rPr lang="pt-BR" dirty="0">
+                <a:cs typeface="Courier New" panose="02070309020205020404" pitchFamily="49" charset="0"/>
+              </a:rPr>
+              <a:t> significa que os dados estão armazenados de forma segura em seu banco de dados local;</a:t>
+            </a:r>
+          </a:p>
+          <a:p>
+            <a:pPr marL="1377950" lvl="1" indent="-742950">
+              <a:buSzPct val="100000"/>
+              <a:buFont typeface="Arial" panose="020B0604020202020204" pitchFamily="34" charset="0"/>
+              <a:buChar char="•"/>
+            </a:pPr>
+            <a:r>
+              <a:rPr lang="pt-BR" b="1" dirty="0">
+                <a:cs typeface="Courier New" panose="02070309020205020404" pitchFamily="49" charset="0"/>
+              </a:rPr>
+              <a:t>Modificado</a:t>
+            </a:r>
+            <a:r>
+              <a:rPr lang="pt-BR" dirty="0">
+                <a:cs typeface="Courier New" panose="02070309020205020404" pitchFamily="49" charset="0"/>
+              </a:rPr>
+              <a:t> significa que você alterou o arquivo, mas ainda não fez o </a:t>
+            </a:r>
+            <a:r>
+              <a:rPr lang="pt-BR" dirty="0" err="1">
+                <a:cs typeface="Courier New" panose="02070309020205020404" pitchFamily="49" charset="0"/>
+              </a:rPr>
+              <a:t>commit</a:t>
+            </a:r>
+            <a:r>
+              <a:rPr lang="pt-BR" dirty="0">
+                <a:cs typeface="Courier New" panose="02070309020205020404" pitchFamily="49" charset="0"/>
+              </a:rPr>
+              <a:t> no banco de dados;</a:t>
+            </a:r>
+          </a:p>
+          <a:p>
+            <a:pPr marL="1377950" lvl="1" indent="-742950">
+              <a:buSzPct val="100000"/>
+              <a:buFont typeface="Arial" panose="020B0604020202020204" pitchFamily="34" charset="0"/>
+              <a:buChar char="•"/>
+            </a:pPr>
+            <a:r>
+              <a:rPr lang="pt-BR" b="1" dirty="0">
+                <a:cs typeface="Courier New" panose="02070309020205020404" pitchFamily="49" charset="0"/>
+              </a:rPr>
+              <a:t>Preparado</a:t>
+            </a:r>
+            <a:r>
+              <a:rPr lang="pt-BR" dirty="0">
+                <a:cs typeface="Courier New" panose="02070309020205020404" pitchFamily="49" charset="0"/>
+              </a:rPr>
+              <a:t> significa que você marcou a versão atual de um arquivo modificado para fazer parte do seu próximo </a:t>
+            </a:r>
+            <a:r>
+              <a:rPr lang="pt-BR" dirty="0" err="1">
+                <a:cs typeface="Courier New" panose="02070309020205020404" pitchFamily="49" charset="0"/>
+              </a:rPr>
+              <a:t>commit</a:t>
+            </a:r>
+            <a:r>
+              <a:rPr lang="pt-BR" dirty="0">
+                <a:cs typeface="Courier New" panose="02070309020205020404" pitchFamily="49" charset="0"/>
+              </a:rPr>
+              <a:t>.</a:t>
+            </a:r>
+          </a:p>
+          <a:p>
+            <a:pPr marL="742950" indent="-742950">
+              <a:buSzPct val="100000"/>
+              <a:buFont typeface="Arial" panose="020B0604020202020204" pitchFamily="34" charset="0"/>
+              <a:buChar char="•"/>
+            </a:pPr>
+            <a:r>
+              <a:rPr lang="pt-BR" dirty="0">
+                <a:cs typeface="Courier New" panose="02070309020205020404" pitchFamily="49" charset="0"/>
+              </a:rPr>
+              <a:t>Isso leva a três seções principais de um projeto Git: o diretório Git, o diretório de trabalho e área de preparo.</a:t>
+            </a:r>
+          </a:p>
+        </p:txBody>
+      </p:sp>
+      <p:sp>
+        <p:nvSpPr>
+          <p:cNvPr id="7" name="Espaço Reservado para Número de Slide 6">
+            <a:extLst>
+              <a:ext uri="{FF2B5EF4-FFF2-40B4-BE49-F238E27FC236}">
+                <a16:creationId xmlns:a16="http://schemas.microsoft.com/office/drawing/2014/main" id="{40C5ECBA-0615-433C-B308-162C7F749201}"/>
+              </a:ext>
+            </a:extLst>
+          </p:cNvPr>
+          <p:cNvSpPr>
+            <a:spLocks noGrp="1"/>
+          </p:cNvSpPr>
+          <p:nvPr>
+            <p:ph type="sldNum" sz="quarter" idx="10"/>
+          </p:nvPr>
+        </p:nvSpPr>
+        <p:spPr/>
+        <p:txBody>
+          <a:bodyPr/>
+          <a:lstStyle/>
+          <a:p>
+            <a:fld id="{E4B35BDD-CC3D-4492-88ED-922B282360E3}" type="slidenum">
+              <a:rPr lang="pt-BR" smtClean="0"/>
+              <a:t>36</a:t>
+            </a:fld>
+            <a:endParaRPr lang="pt-BR"/>
+          </a:p>
+        </p:txBody>
+      </p:sp>
+    </p:spTree>
+    <p:extLst>
+      <p:ext uri="{BB962C8B-B14F-4D97-AF65-F5344CB8AC3E}">
+        <p14:creationId xmlns:p14="http://schemas.microsoft.com/office/powerpoint/2010/main" val="847623199"/>
+      </p:ext>
+    </p:extLst>
+  </p:cSld>
+  <p:clrMapOvr>
+    <a:masterClrMapping/>
+  </p:clrMapOvr>
+  <p:transition spd="med"/>
+</p:sld>
+</file>
+
+<file path=ppt/slides/slide37.xml><?xml version="1.0" encoding="utf-8"?>
+<p:sld xmlns:a="http://schemas.openxmlformats.org/drawingml/2006/main" xmlns:r="http://schemas.openxmlformats.org/officeDocument/2006/relationships" xmlns:p="http://schemas.openxmlformats.org/presentationml/2006/main">
+  <p:cSld>
+    <p:spTree>
+      <p:nvGrpSpPr>
+        <p:cNvPr id="1" name=""/>
+        <p:cNvGrpSpPr/>
+        <p:nvPr/>
+      </p:nvGrpSpPr>
+      <p:grpSpPr>
+        <a:xfrm>
+          <a:off x="0" y="0"/>
+          <a:ext cx="0" cy="0"/>
+          <a:chOff x="0" y="0"/>
+          <a:chExt cx="0" cy="0"/>
+        </a:xfrm>
+      </p:grpSpPr>
+      <p:sp>
+        <p:nvSpPr>
+          <p:cNvPr id="4" name="Título 3">
+            <a:extLst>
+              <a:ext uri="{FF2B5EF4-FFF2-40B4-BE49-F238E27FC236}">
+                <a16:creationId xmlns:a16="http://schemas.microsoft.com/office/drawing/2014/main" id="{8A4C52A0-42D9-47BB-966A-7FE92FDBFA2D}"/>
+              </a:ext>
+            </a:extLst>
+          </p:cNvPr>
+          <p:cNvSpPr>
+            <a:spLocks noGrp="1"/>
+          </p:cNvSpPr>
+          <p:nvPr>
+            <p:ph type="title"/>
+          </p:nvPr>
+        </p:nvSpPr>
+        <p:spPr/>
+        <p:txBody>
+          <a:bodyPr>
+            <a:normAutofit/>
+          </a:bodyPr>
+          <a:lstStyle/>
+          <a:p>
+            <a:r>
+              <a:rPr lang="pt-BR" dirty="0"/>
+              <a:t>Os três estados</a:t>
+            </a:r>
+          </a:p>
+        </p:txBody>
+      </p:sp>
+      <p:sp>
+        <p:nvSpPr>
+          <p:cNvPr id="5" name="Espaço Reservado para Conteúdo 4">
+            <a:extLst>
+              <a:ext uri="{FF2B5EF4-FFF2-40B4-BE49-F238E27FC236}">
+                <a16:creationId xmlns:a16="http://schemas.microsoft.com/office/drawing/2014/main" id="{1FBD8255-54D1-42B3-9B71-2D45D227E6FC}"/>
+              </a:ext>
+            </a:extLst>
+          </p:cNvPr>
+          <p:cNvSpPr>
+            <a:spLocks noGrp="1"/>
+          </p:cNvSpPr>
+          <p:nvPr>
+            <p:ph type="body" idx="1"/>
+          </p:nvPr>
+        </p:nvSpPr>
+        <p:spPr>
+          <a:xfrm>
+            <a:off x="1689100" y="2604530"/>
+            <a:ext cx="21005800" cy="10609446"/>
+          </a:xfrm>
+          <a:solidFill>
+            <a:schemeClr val="bg1"/>
+          </a:solidFill>
+        </p:spPr>
+        <p:txBody>
+          <a:bodyPr>
+            <a:noAutofit/>
+          </a:bodyPr>
+          <a:lstStyle/>
+          <a:p>
+            <a:pPr marL="742950" indent="-742950">
+              <a:buSzPct val="100000"/>
+              <a:buFont typeface="Arial" panose="020B0604020202020204" pitchFamily="34" charset="0"/>
+              <a:buChar char="•"/>
+            </a:pPr>
+            <a:endParaRPr lang="pt-BR" dirty="0">
+              <a:cs typeface="Courier New" panose="02070309020205020404" pitchFamily="49" charset="0"/>
+            </a:endParaRPr>
+          </a:p>
+        </p:txBody>
+      </p:sp>
+      <p:sp>
+        <p:nvSpPr>
+          <p:cNvPr id="7" name="Espaço Reservado para Número de Slide 6">
+            <a:extLst>
+              <a:ext uri="{FF2B5EF4-FFF2-40B4-BE49-F238E27FC236}">
+                <a16:creationId xmlns:a16="http://schemas.microsoft.com/office/drawing/2014/main" id="{40C5ECBA-0615-433C-B308-162C7F749201}"/>
+              </a:ext>
+            </a:extLst>
+          </p:cNvPr>
+          <p:cNvSpPr>
+            <a:spLocks noGrp="1"/>
+          </p:cNvSpPr>
+          <p:nvPr>
+            <p:ph type="sldNum" sz="quarter" idx="10"/>
+          </p:nvPr>
+        </p:nvSpPr>
+        <p:spPr/>
+        <p:txBody>
+          <a:bodyPr/>
+          <a:lstStyle/>
+          <a:p>
+            <a:fld id="{E4B35BDD-CC3D-4492-88ED-922B282360E3}" type="slidenum">
+              <a:rPr lang="pt-BR" smtClean="0"/>
+              <a:t>37</a:t>
             </a:fld>
             <a:endParaRPr lang="pt-BR"/>
           </a:p>
@@ -9649,7 +10707,7 @@
 </p:sld>
 </file>
 
-<file path=ppt/slides/slide32.xml><?xml version="1.0" encoding="utf-8"?>
+<file path=ppt/slides/slide38.xml><?xml version="1.0" encoding="utf-8"?>
 <p:sld xmlns:a="http://schemas.openxmlformats.org/drawingml/2006/main" xmlns:r="http://schemas.openxmlformats.org/officeDocument/2006/relationships" xmlns:p="http://schemas.openxmlformats.org/presentationml/2006/main">
   <p:cSld>
     <p:spTree>
@@ -9765,7 +10823,7 @@
           <a:p>
             <a:fld id="{E4B35BDD-CC3D-4492-88ED-922B282360E3}" type="slidenum">
               <a:rPr lang="pt-BR" smtClean="0"/>
-              <a:t>32</a:t>
+              <a:t>38</a:t>
             </a:fld>
             <a:endParaRPr lang="pt-BR"/>
           </a:p>
@@ -9821,7 +10879,7 @@
 </p:sld>
 </file>
 
-<file path=ppt/slides/slide33.xml><?xml version="1.0" encoding="utf-8"?>
+<file path=ppt/slides/slide39.xml><?xml version="1.0" encoding="utf-8"?>
 <p:sld xmlns:a="http://schemas.openxmlformats.org/drawingml/2006/main" xmlns:r="http://schemas.openxmlformats.org/officeDocument/2006/relationships" xmlns:p="http://schemas.openxmlformats.org/presentationml/2006/main">
   <p:cSld>
     <p:spTree>
@@ -9937,7 +10995,7 @@
           <a:p>
             <a:fld id="{E4B35BDD-CC3D-4492-88ED-922B282360E3}" type="slidenum">
               <a:rPr lang="pt-BR" smtClean="0"/>
-              <a:t>33</a:t>
+              <a:t>39</a:t>
             </a:fld>
             <a:endParaRPr lang="pt-BR"/>
           </a:p>
@@ -10110,7 +11168,219 @@
 </p:sld>
 </file>
 
-<file path=ppt/slides/slide34.xml><?xml version="1.0" encoding="utf-8"?>
+<file path=ppt/slides/slide4.xml><?xml version="1.0" encoding="utf-8"?>
+<p:sld xmlns:a="http://schemas.openxmlformats.org/drawingml/2006/main" xmlns:r="http://schemas.openxmlformats.org/officeDocument/2006/relationships" xmlns:p="http://schemas.openxmlformats.org/presentationml/2006/main">
+  <p:cSld>
+    <p:spTree>
+      <p:nvGrpSpPr>
+        <p:cNvPr id="1" name=""/>
+        <p:cNvGrpSpPr/>
+        <p:nvPr/>
+      </p:nvGrpSpPr>
+      <p:grpSpPr>
+        <a:xfrm>
+          <a:off x="0" y="0"/>
+          <a:ext cx="0" cy="0"/>
+          <a:chOff x="0" y="0"/>
+          <a:chExt cx="0" cy="0"/>
+        </a:xfrm>
+      </p:grpSpPr>
+      <p:sp>
+        <p:nvSpPr>
+          <p:cNvPr id="2" name="Título 1"/>
+          <p:cNvSpPr>
+            <a:spLocks noGrp="1"/>
+          </p:cNvSpPr>
+          <p:nvPr>
+            <p:ph type="title"/>
+          </p:nvPr>
+        </p:nvSpPr>
+        <p:spPr/>
+        <p:txBody>
+          <a:bodyPr>
+            <a:normAutofit/>
+          </a:bodyPr>
+          <a:lstStyle/>
+          <a:p>
+            <a:r>
+              <a:rPr lang="pt-BR" dirty="0"/>
+              <a:t>Apresentação do curso</a:t>
+            </a:r>
+          </a:p>
+        </p:txBody>
+      </p:sp>
+      <p:sp>
+        <p:nvSpPr>
+          <p:cNvPr id="3" name="Espaço Reservado para Conteúdo 2"/>
+          <p:cNvSpPr>
+            <a:spLocks noGrp="1"/>
+          </p:cNvSpPr>
+          <p:nvPr>
+            <p:ph type="body" idx="1"/>
+          </p:nvPr>
+        </p:nvSpPr>
+        <p:spPr>
+          <a:xfrm>
+            <a:off x="1689100" y="2604530"/>
+            <a:ext cx="21005800" cy="9841470"/>
+          </a:xfrm>
+        </p:spPr>
+        <p:txBody>
+          <a:bodyPr>
+            <a:normAutofit/>
+          </a:bodyPr>
+          <a:lstStyle/>
+          <a:p>
+            <a:pPr marL="571500" indent="-571500">
+              <a:buFont typeface="Arial" panose="020B0604020202020204" pitchFamily="34" charset="0"/>
+              <a:buChar char="•"/>
+            </a:pPr>
+            <a:r>
+              <a:rPr lang="pt-BR" dirty="0"/>
+              <a:t>Contato: victor.silva@professores.ibmec.edu.br</a:t>
+            </a:r>
+          </a:p>
+          <a:p>
+            <a:pPr marL="571500" indent="-571500">
+              <a:buFont typeface="Arial" panose="020B0604020202020204" pitchFamily="34" charset="0"/>
+              <a:buChar char="•"/>
+            </a:pPr>
+            <a:r>
+              <a:rPr lang="pt-BR" dirty="0"/>
+              <a:t>Aulas às segundas e quartas-feiras, de 7:30 às 9:21</a:t>
+            </a:r>
+          </a:p>
+          <a:p>
+            <a:pPr marL="571500" indent="-571500">
+              <a:buFont typeface="Arial" panose="020B0604020202020204" pitchFamily="34" charset="0"/>
+              <a:buChar char="•"/>
+            </a:pPr>
+            <a:r>
+              <a:rPr lang="pt-BR" dirty="0"/>
+              <a:t>Grupo no </a:t>
+            </a:r>
+            <a:r>
+              <a:rPr lang="pt-BR" dirty="0" err="1"/>
+              <a:t>Whatsapp</a:t>
+            </a:r>
+            <a:r>
+              <a:rPr lang="pt-BR" dirty="0"/>
+              <a:t>: </a:t>
+            </a:r>
+            <a:r>
+              <a:rPr lang="pt-BR" dirty="0">
+                <a:hlinkClick r:id="rId2"/>
+              </a:rPr>
+              <a:t>https://chat.whatsapp.com/BCQDk3VSc4f0BjN2vbtpsa</a:t>
+            </a:r>
+            <a:r>
+              <a:rPr lang="pt-BR" dirty="0"/>
+              <a:t>   </a:t>
+            </a:r>
+          </a:p>
+          <a:p>
+            <a:pPr marL="571500" indent="-571500">
+              <a:buFont typeface="Arial" panose="020B0604020202020204" pitchFamily="34" charset="0"/>
+              <a:buChar char="•"/>
+            </a:pPr>
+            <a:r>
+              <a:rPr lang="pt-BR" dirty="0"/>
+              <a:t>Material no GitHub: </a:t>
+            </a:r>
+            <a:r>
+              <a:rPr lang="pt-BR" dirty="0">
+                <a:hlinkClick r:id="rId3"/>
+              </a:rPr>
+              <a:t>https://github.com/victor0machado/2021.1-progoo</a:t>
+            </a:r>
+            <a:r>
+              <a:rPr lang="pt-BR" dirty="0"/>
+              <a:t> </a:t>
+            </a:r>
+          </a:p>
+        </p:txBody>
+      </p:sp>
+      <p:sp>
+        <p:nvSpPr>
+          <p:cNvPr id="5" name="Espaço Reservado para Número de Slide 4">
+            <a:extLst>
+              <a:ext uri="{FF2B5EF4-FFF2-40B4-BE49-F238E27FC236}">
+                <a16:creationId xmlns:a16="http://schemas.microsoft.com/office/drawing/2014/main" id="{A41A86C6-43EE-475D-898C-29287247F827}"/>
+              </a:ext>
+            </a:extLst>
+          </p:cNvPr>
+          <p:cNvSpPr>
+            <a:spLocks noGrp="1"/>
+          </p:cNvSpPr>
+          <p:nvPr>
+            <p:ph type="sldNum" sz="quarter" idx="10"/>
+          </p:nvPr>
+        </p:nvSpPr>
+        <p:spPr/>
+        <p:txBody>
+          <a:bodyPr/>
+          <a:lstStyle/>
+          <a:p>
+            <a:fld id="{5D0C34D4-E406-4A74-B020-30BB69A49765}" type="slidenum">
+              <a:rPr lang="pt-BR" smtClean="0"/>
+              <a:pPr/>
+              <a:t>4</a:t>
+            </a:fld>
+            <a:endParaRPr lang="pt-BR" dirty="0"/>
+          </a:p>
+        </p:txBody>
+      </p:sp>
+      <p:pic>
+        <p:nvPicPr>
+          <p:cNvPr id="7" name="Imagem 6">
+            <a:extLst>
+              <a:ext uri="{FF2B5EF4-FFF2-40B4-BE49-F238E27FC236}">
+                <a16:creationId xmlns:a16="http://schemas.microsoft.com/office/drawing/2014/main" id="{C43E6664-9382-4795-8389-8B0F47E3DAB0}"/>
+              </a:ext>
+            </a:extLst>
+          </p:cNvPr>
+          <p:cNvPicPr>
+            <a:picLocks noChangeAspect="1"/>
+          </p:cNvPicPr>
+          <p:nvPr/>
+        </p:nvPicPr>
+        <p:blipFill>
+          <a:blip r:embed="rId4">
+            <a:extLst>
+              <a:ext uri="{28A0092B-C50C-407E-A947-70E740481C1C}">
+                <a14:useLocalDpi xmlns:a14="http://schemas.microsoft.com/office/drawing/2010/main" val="0"/>
+              </a:ext>
+            </a:extLst>
+          </a:blip>
+          <a:stretch>
+            <a:fillRect/>
+          </a:stretch>
+        </p:blipFill>
+        <p:spPr>
+          <a:xfrm>
+            <a:off x="9765323" y="6858000"/>
+            <a:ext cx="4853354" cy="4853354"/>
+          </a:xfrm>
+          <a:prstGeom prst="rect">
+            <a:avLst/>
+          </a:prstGeom>
+        </p:spPr>
+      </p:pic>
+    </p:spTree>
+    <p:extLst>
+      <p:ext uri="{BB962C8B-B14F-4D97-AF65-F5344CB8AC3E}">
+        <p14:creationId xmlns:p14="http://schemas.microsoft.com/office/powerpoint/2010/main" val="592376335"/>
+      </p:ext>
+    </p:extLst>
+  </p:cSld>
+  <p:clrMapOvr>
+    <a:masterClrMapping/>
+  </p:clrMapOvr>
+  <p:transition spd="med"/>
+</p:sld>
+</file>
+
+<file path=ppt/slides/slide40.xml><?xml version="1.0" encoding="utf-8"?>
 <p:sld xmlns:a="http://schemas.openxmlformats.org/drawingml/2006/main" xmlns:r="http://schemas.openxmlformats.org/officeDocument/2006/relationships" xmlns:p="http://schemas.openxmlformats.org/presentationml/2006/main">
   <p:cSld>
     <p:spTree>
@@ -10226,7 +11496,7 @@
           <a:p>
             <a:fld id="{E4B35BDD-CC3D-4492-88ED-922B282360E3}" type="slidenum">
               <a:rPr lang="pt-BR" smtClean="0"/>
-              <a:t>34</a:t>
+              <a:t>40</a:t>
             </a:fld>
             <a:endParaRPr lang="pt-BR"/>
           </a:p>
@@ -10516,7 +11786,7 @@
 </p:sld>
 </file>
 
-<file path=ppt/slides/slide35.xml><?xml version="1.0" encoding="utf-8"?>
+<file path=ppt/slides/slide41.xml><?xml version="1.0" encoding="utf-8"?>
 <p:sld xmlns:a="http://schemas.openxmlformats.org/drawingml/2006/main" xmlns:r="http://schemas.openxmlformats.org/officeDocument/2006/relationships" xmlns:p="http://schemas.openxmlformats.org/presentationml/2006/main">
   <p:cSld>
     <p:spTree>
@@ -10632,7 +11902,7 @@
           <a:p>
             <a:fld id="{E4B35BDD-CC3D-4492-88ED-922B282360E3}" type="slidenum">
               <a:rPr lang="pt-BR" smtClean="0"/>
-              <a:t>35</a:t>
+              <a:t>41</a:t>
             </a:fld>
             <a:endParaRPr lang="pt-BR"/>
           </a:p>
@@ -10688,7 +11958,7 @@
 </p:sld>
 </file>
 
-<file path=ppt/slides/slide36.xml><?xml version="1.0" encoding="utf-8"?>
+<file path=ppt/slides/slide42.xml><?xml version="1.0" encoding="utf-8"?>
 <p:sld xmlns:a="http://schemas.openxmlformats.org/drawingml/2006/main" xmlns:r="http://schemas.openxmlformats.org/officeDocument/2006/relationships" xmlns:p="http://schemas.openxmlformats.org/presentationml/2006/main">
   <p:cSld>
     <p:spTree>
@@ -10804,7 +12074,7 @@
           <a:p>
             <a:fld id="{E4B35BDD-CC3D-4492-88ED-922B282360E3}" type="slidenum">
               <a:rPr lang="pt-BR" smtClean="0"/>
-              <a:t>36</a:t>
+              <a:t>42</a:t>
             </a:fld>
             <a:endParaRPr lang="pt-BR"/>
           </a:p>
@@ -10977,7 +12247,7 @@
 </p:sld>
 </file>
 
-<file path=ppt/slides/slide37.xml><?xml version="1.0" encoding="utf-8"?>
+<file path=ppt/slides/slide43.xml><?xml version="1.0" encoding="utf-8"?>
 <p:sld xmlns:a="http://schemas.openxmlformats.org/drawingml/2006/main" xmlns:r="http://schemas.openxmlformats.org/officeDocument/2006/relationships" xmlns:p="http://schemas.openxmlformats.org/presentationml/2006/main">
   <p:cSld>
     <p:spTree>
@@ -11093,7 +12363,7 @@
           <a:p>
             <a:fld id="{E4B35BDD-CC3D-4492-88ED-922B282360E3}" type="slidenum">
               <a:rPr lang="pt-BR" smtClean="0"/>
-              <a:t>37</a:t>
+              <a:t>43</a:t>
             </a:fld>
             <a:endParaRPr lang="pt-BR"/>
           </a:p>
@@ -11383,7 +12653,7 @@
 </p:sld>
 </file>
 
-<file path=ppt/slides/slide38.xml><?xml version="1.0" encoding="utf-8"?>
+<file path=ppt/slides/slide44.xml><?xml version="1.0" encoding="utf-8"?>
 <p:sld xmlns:a="http://schemas.openxmlformats.org/drawingml/2006/main" xmlns:r="http://schemas.openxmlformats.org/officeDocument/2006/relationships" xmlns:p="http://schemas.openxmlformats.org/presentationml/2006/main">
   <p:cSld>
     <p:spTree>
@@ -11499,7 +12769,7 @@
           <a:p>
             <a:fld id="{E4B35BDD-CC3D-4492-88ED-922B282360E3}" type="slidenum">
               <a:rPr lang="pt-BR" smtClean="0"/>
-              <a:t>38</a:t>
+              <a:t>44</a:t>
             </a:fld>
             <a:endParaRPr lang="pt-BR"/>
           </a:p>
@@ -11555,7 +12825,7 @@
 </p:sld>
 </file>
 
-<file path=ppt/slides/slide39.xml><?xml version="1.0" encoding="utf-8"?>
+<file path=ppt/slides/slide45.xml><?xml version="1.0" encoding="utf-8"?>
 <p:sld xmlns:a="http://schemas.openxmlformats.org/drawingml/2006/main" xmlns:r="http://schemas.openxmlformats.org/officeDocument/2006/relationships" xmlns:p="http://schemas.openxmlformats.org/presentationml/2006/main">
   <p:cSld>
     <p:spTree>
@@ -11671,7 +12941,7 @@
           <a:p>
             <a:fld id="{E4B35BDD-CC3D-4492-88ED-922B282360E3}" type="slidenum">
               <a:rPr lang="pt-BR" smtClean="0"/>
-              <a:t>39</a:t>
+              <a:t>45</a:t>
             </a:fld>
             <a:endParaRPr lang="pt-BR"/>
           </a:p>
@@ -11844,219 +13114,7 @@
 </p:sld>
 </file>
 
-<file path=ppt/slides/slide4.xml><?xml version="1.0" encoding="utf-8"?>
-<p:sld xmlns:a="http://schemas.openxmlformats.org/drawingml/2006/main" xmlns:r="http://schemas.openxmlformats.org/officeDocument/2006/relationships" xmlns:p="http://schemas.openxmlformats.org/presentationml/2006/main">
-  <p:cSld>
-    <p:spTree>
-      <p:nvGrpSpPr>
-        <p:cNvPr id="1" name=""/>
-        <p:cNvGrpSpPr/>
-        <p:nvPr/>
-      </p:nvGrpSpPr>
-      <p:grpSpPr>
-        <a:xfrm>
-          <a:off x="0" y="0"/>
-          <a:ext cx="0" cy="0"/>
-          <a:chOff x="0" y="0"/>
-          <a:chExt cx="0" cy="0"/>
-        </a:xfrm>
-      </p:grpSpPr>
-      <p:sp>
-        <p:nvSpPr>
-          <p:cNvPr id="2" name="Título 1"/>
-          <p:cNvSpPr>
-            <a:spLocks noGrp="1"/>
-          </p:cNvSpPr>
-          <p:nvPr>
-            <p:ph type="title"/>
-          </p:nvPr>
-        </p:nvSpPr>
-        <p:spPr/>
-        <p:txBody>
-          <a:bodyPr>
-            <a:normAutofit/>
-          </a:bodyPr>
-          <a:lstStyle/>
-          <a:p>
-            <a:r>
-              <a:rPr lang="pt-BR" dirty="0"/>
-              <a:t>Apresentação do curso</a:t>
-            </a:r>
-          </a:p>
-        </p:txBody>
-      </p:sp>
-      <p:sp>
-        <p:nvSpPr>
-          <p:cNvPr id="3" name="Espaço Reservado para Conteúdo 2"/>
-          <p:cNvSpPr>
-            <a:spLocks noGrp="1"/>
-          </p:cNvSpPr>
-          <p:nvPr>
-            <p:ph type="body" idx="1"/>
-          </p:nvPr>
-        </p:nvSpPr>
-        <p:spPr>
-          <a:xfrm>
-            <a:off x="1689100" y="2604530"/>
-            <a:ext cx="21005800" cy="9841470"/>
-          </a:xfrm>
-        </p:spPr>
-        <p:txBody>
-          <a:bodyPr>
-            <a:normAutofit/>
-          </a:bodyPr>
-          <a:lstStyle/>
-          <a:p>
-            <a:pPr marL="571500" indent="-571500">
-              <a:buFont typeface="Arial" panose="020B0604020202020204" pitchFamily="34" charset="0"/>
-              <a:buChar char="•"/>
-            </a:pPr>
-            <a:r>
-              <a:rPr lang="pt-BR" dirty="0"/>
-              <a:t>Contato: victor.silva@professores.ibmec.edu.br</a:t>
-            </a:r>
-          </a:p>
-          <a:p>
-            <a:pPr marL="571500" indent="-571500">
-              <a:buFont typeface="Arial" panose="020B0604020202020204" pitchFamily="34" charset="0"/>
-              <a:buChar char="•"/>
-            </a:pPr>
-            <a:r>
-              <a:rPr lang="pt-BR" dirty="0"/>
-              <a:t>Aulas às segundas e quartas-feiras, de 7:30 às 9:21</a:t>
-            </a:r>
-          </a:p>
-          <a:p>
-            <a:pPr marL="571500" indent="-571500">
-              <a:buFont typeface="Arial" panose="020B0604020202020204" pitchFamily="34" charset="0"/>
-              <a:buChar char="•"/>
-            </a:pPr>
-            <a:r>
-              <a:rPr lang="pt-BR" dirty="0"/>
-              <a:t>Grupo no </a:t>
-            </a:r>
-            <a:r>
-              <a:rPr lang="pt-BR" dirty="0" err="1"/>
-              <a:t>Whatsapp</a:t>
-            </a:r>
-            <a:r>
-              <a:rPr lang="pt-BR" dirty="0"/>
-              <a:t>: </a:t>
-            </a:r>
-            <a:r>
-              <a:rPr lang="pt-BR" dirty="0">
-                <a:hlinkClick r:id="rId2"/>
-              </a:rPr>
-              <a:t>https://chat.whatsapp.com/BCQDk3VSc4f0BjN2vbtpsa</a:t>
-            </a:r>
-            <a:r>
-              <a:rPr lang="pt-BR" dirty="0"/>
-              <a:t>   </a:t>
-            </a:r>
-          </a:p>
-          <a:p>
-            <a:pPr marL="571500" indent="-571500">
-              <a:buFont typeface="Arial" panose="020B0604020202020204" pitchFamily="34" charset="0"/>
-              <a:buChar char="•"/>
-            </a:pPr>
-            <a:r>
-              <a:rPr lang="pt-BR" dirty="0"/>
-              <a:t>Material no GitHub: </a:t>
-            </a:r>
-            <a:r>
-              <a:rPr lang="pt-BR" dirty="0">
-                <a:hlinkClick r:id="rId3"/>
-              </a:rPr>
-              <a:t>https://github.com/victor0machado/2021.1-progoo</a:t>
-            </a:r>
-            <a:r>
-              <a:rPr lang="pt-BR" dirty="0"/>
-              <a:t> </a:t>
-            </a:r>
-          </a:p>
-        </p:txBody>
-      </p:sp>
-      <p:sp>
-        <p:nvSpPr>
-          <p:cNvPr id="5" name="Espaço Reservado para Número de Slide 4">
-            <a:extLst>
-              <a:ext uri="{FF2B5EF4-FFF2-40B4-BE49-F238E27FC236}">
-                <a16:creationId xmlns:a16="http://schemas.microsoft.com/office/drawing/2014/main" id="{A41A86C6-43EE-475D-898C-29287247F827}"/>
-              </a:ext>
-            </a:extLst>
-          </p:cNvPr>
-          <p:cNvSpPr>
-            <a:spLocks noGrp="1"/>
-          </p:cNvSpPr>
-          <p:nvPr>
-            <p:ph type="sldNum" sz="quarter" idx="10"/>
-          </p:nvPr>
-        </p:nvSpPr>
-        <p:spPr/>
-        <p:txBody>
-          <a:bodyPr/>
-          <a:lstStyle/>
-          <a:p>
-            <a:fld id="{5D0C34D4-E406-4A74-B020-30BB69A49765}" type="slidenum">
-              <a:rPr lang="pt-BR" smtClean="0"/>
-              <a:pPr/>
-              <a:t>4</a:t>
-            </a:fld>
-            <a:endParaRPr lang="pt-BR" dirty="0"/>
-          </a:p>
-        </p:txBody>
-      </p:sp>
-      <p:pic>
-        <p:nvPicPr>
-          <p:cNvPr id="7" name="Imagem 6">
-            <a:extLst>
-              <a:ext uri="{FF2B5EF4-FFF2-40B4-BE49-F238E27FC236}">
-                <a16:creationId xmlns:a16="http://schemas.microsoft.com/office/drawing/2014/main" id="{C43E6664-9382-4795-8389-8B0F47E3DAB0}"/>
-              </a:ext>
-            </a:extLst>
-          </p:cNvPr>
-          <p:cNvPicPr>
-            <a:picLocks noChangeAspect="1"/>
-          </p:cNvPicPr>
-          <p:nvPr/>
-        </p:nvPicPr>
-        <p:blipFill>
-          <a:blip r:embed="rId4">
-            <a:extLst>
-              <a:ext uri="{28A0092B-C50C-407E-A947-70E740481C1C}">
-                <a14:useLocalDpi xmlns:a14="http://schemas.microsoft.com/office/drawing/2010/main" val="0"/>
-              </a:ext>
-            </a:extLst>
-          </a:blip>
-          <a:stretch>
-            <a:fillRect/>
-          </a:stretch>
-        </p:blipFill>
-        <p:spPr>
-          <a:xfrm>
-            <a:off x="9765323" y="6858000"/>
-            <a:ext cx="4853354" cy="4853354"/>
-          </a:xfrm>
-          <a:prstGeom prst="rect">
-            <a:avLst/>
-          </a:prstGeom>
-        </p:spPr>
-      </p:pic>
-    </p:spTree>
-    <p:extLst>
-      <p:ext uri="{BB962C8B-B14F-4D97-AF65-F5344CB8AC3E}">
-        <p14:creationId xmlns:p14="http://schemas.microsoft.com/office/powerpoint/2010/main" val="592376335"/>
-      </p:ext>
-    </p:extLst>
-  </p:cSld>
-  <p:clrMapOvr>
-    <a:masterClrMapping/>
-  </p:clrMapOvr>
-  <p:transition spd="med"/>
-</p:sld>
-</file>
-
-<file path=ppt/slides/slide40.xml><?xml version="1.0" encoding="utf-8"?>
+<file path=ppt/slides/slide46.xml><?xml version="1.0" encoding="utf-8"?>
 <p:sld xmlns:a="http://schemas.openxmlformats.org/drawingml/2006/main" xmlns:r="http://schemas.openxmlformats.org/officeDocument/2006/relationships" xmlns:p="http://schemas.openxmlformats.org/presentationml/2006/main">
   <p:cSld>
     <p:spTree>
@@ -12172,7 +13230,7 @@
           <a:p>
             <a:fld id="{E4B35BDD-CC3D-4492-88ED-922B282360E3}" type="slidenum">
               <a:rPr lang="pt-BR" smtClean="0"/>
-              <a:t>40</a:t>
+              <a:t>46</a:t>
             </a:fld>
             <a:endParaRPr lang="pt-BR"/>
           </a:p>
@@ -12462,7 +13520,7 @@
 </p:sld>
 </file>
 
-<file path=ppt/slides/slide41.xml><?xml version="1.0" encoding="utf-8"?>
+<file path=ppt/slides/slide47.xml><?xml version="1.0" encoding="utf-8"?>
 <p:sld xmlns:a="http://schemas.openxmlformats.org/drawingml/2006/main" xmlns:r="http://schemas.openxmlformats.org/officeDocument/2006/relationships" xmlns:p="http://schemas.openxmlformats.org/presentationml/2006/main">
   <p:cSld>
     <p:spTree>
@@ -12743,7 +13801,7 @@
           <a:p>
             <a:fld id="{E4B35BDD-CC3D-4492-88ED-922B282360E3}" type="slidenum">
               <a:rPr lang="pt-BR" smtClean="0"/>
-              <a:t>41</a:t>
+              <a:t>47</a:t>
             </a:fld>
             <a:endParaRPr lang="pt-BR"/>
           </a:p>
@@ -12763,7 +13821,7 @@
 </p:sld>
 </file>
 
-<file path=ppt/slides/slide42.xml><?xml version="1.0" encoding="utf-8"?>
+<file path=ppt/slides/slide48.xml><?xml version="1.0" encoding="utf-8"?>
 <p:sld xmlns:a="http://schemas.openxmlformats.org/drawingml/2006/main" xmlns:r="http://schemas.openxmlformats.org/officeDocument/2006/relationships" xmlns:p="http://schemas.openxmlformats.org/presentationml/2006/main">
   <p:cSld>
     <p:spTree>
@@ -13121,7 +14179,7 @@
           <a:p>
             <a:fld id="{E4B35BDD-CC3D-4492-88ED-922B282360E3}" type="slidenum">
               <a:rPr lang="pt-BR" smtClean="0"/>
-              <a:t>42</a:t>
+              <a:t>48</a:t>
             </a:fld>
             <a:endParaRPr lang="pt-BR"/>
           </a:p>
@@ -13231,7 +14289,7 @@
 </p:sld>
 </file>
 
-<file path=ppt/slides/slide43.xml><?xml version="1.0" encoding="utf-8"?>
+<file path=ppt/slides/slide49.xml><?xml version="1.0" encoding="utf-8"?>
 <p:sld xmlns:a="http://schemas.openxmlformats.org/drawingml/2006/main" xmlns:r="http://schemas.openxmlformats.org/officeDocument/2006/relationships" xmlns:p="http://schemas.openxmlformats.org/presentationml/2006/main">
   <p:cSld>
     <p:spTree>
@@ -13434,7 +14492,7 @@
           <a:p>
             <a:fld id="{E4B35BDD-CC3D-4492-88ED-922B282360E3}" type="slidenum">
               <a:rPr lang="pt-BR" smtClean="0"/>
-              <a:t>43</a:t>
+              <a:t>49</a:t>
             </a:fld>
             <a:endParaRPr lang="pt-BR"/>
           </a:p>
@@ -13484,7 +14542,2024 @@
 </p:sld>
 </file>
 
-<file path=ppt/slides/slide44.xml><?xml version="1.0" encoding="utf-8"?>
+<file path=ppt/slides/slide5.xml><?xml version="1.0" encoding="utf-8"?>
+<p:sld xmlns:a="http://schemas.openxmlformats.org/drawingml/2006/main" xmlns:r="http://schemas.openxmlformats.org/officeDocument/2006/relationships" xmlns:p="http://schemas.openxmlformats.org/presentationml/2006/main">
+  <p:cSld>
+    <p:spTree>
+      <p:nvGrpSpPr>
+        <p:cNvPr id="1" name=""/>
+        <p:cNvGrpSpPr/>
+        <p:nvPr/>
+      </p:nvGrpSpPr>
+      <p:grpSpPr>
+        <a:xfrm>
+          <a:off x="0" y="0"/>
+          <a:ext cx="0" cy="0"/>
+          <a:chOff x="0" y="0"/>
+          <a:chExt cx="0" cy="0"/>
+        </a:xfrm>
+      </p:grpSpPr>
+      <p:sp>
+        <p:nvSpPr>
+          <p:cNvPr id="2" name="Título 1"/>
+          <p:cNvSpPr>
+            <a:spLocks noGrp="1"/>
+          </p:cNvSpPr>
+          <p:nvPr>
+            <p:ph type="title"/>
+          </p:nvPr>
+        </p:nvSpPr>
+        <p:spPr/>
+        <p:txBody>
+          <a:bodyPr>
+            <a:normAutofit/>
+          </a:bodyPr>
+          <a:lstStyle/>
+          <a:p>
+            <a:r>
+              <a:rPr lang="pt-BR" dirty="0"/>
+              <a:t>Apresentação do curso</a:t>
+            </a:r>
+          </a:p>
+        </p:txBody>
+      </p:sp>
+      <p:sp>
+        <p:nvSpPr>
+          <p:cNvPr id="3" name="Espaço Reservado para Conteúdo 2"/>
+          <p:cNvSpPr>
+            <a:spLocks noGrp="1"/>
+          </p:cNvSpPr>
+          <p:nvPr>
+            <p:ph type="body" idx="1"/>
+          </p:nvPr>
+        </p:nvSpPr>
+        <p:spPr>
+          <a:xfrm>
+            <a:off x="1689100" y="2604529"/>
+            <a:ext cx="21005800" cy="10595655"/>
+          </a:xfrm>
+          <a:solidFill>
+            <a:schemeClr val="bg1"/>
+          </a:solidFill>
+        </p:spPr>
+        <p:txBody>
+          <a:bodyPr>
+            <a:normAutofit/>
+          </a:bodyPr>
+          <a:lstStyle/>
+          <a:p>
+            <a:endParaRPr lang="pt-BR" dirty="0"/>
+          </a:p>
+        </p:txBody>
+      </p:sp>
+      <p:sp>
+        <p:nvSpPr>
+          <p:cNvPr id="5" name="Espaço Reservado para Número de Slide 4">
+            <a:extLst>
+              <a:ext uri="{FF2B5EF4-FFF2-40B4-BE49-F238E27FC236}">
+                <a16:creationId xmlns:a16="http://schemas.microsoft.com/office/drawing/2014/main" id="{A41A86C6-43EE-475D-898C-29287247F827}"/>
+              </a:ext>
+            </a:extLst>
+          </p:cNvPr>
+          <p:cNvSpPr>
+            <a:spLocks noGrp="1"/>
+          </p:cNvSpPr>
+          <p:nvPr>
+            <p:ph type="sldNum" sz="quarter" idx="10"/>
+          </p:nvPr>
+        </p:nvSpPr>
+        <p:spPr/>
+        <p:txBody>
+          <a:bodyPr/>
+          <a:lstStyle/>
+          <a:p>
+            <a:fld id="{5D0C34D4-E406-4A74-B020-30BB69A49765}" type="slidenum">
+              <a:rPr lang="pt-BR" smtClean="0"/>
+              <a:pPr/>
+              <a:t>5</a:t>
+            </a:fld>
+            <a:endParaRPr lang="pt-BR" dirty="0"/>
+          </a:p>
+        </p:txBody>
+      </p:sp>
+      <p:graphicFrame>
+        <p:nvGraphicFramePr>
+          <p:cNvPr id="6" name="Tabela 5">
+            <a:extLst>
+              <a:ext uri="{FF2B5EF4-FFF2-40B4-BE49-F238E27FC236}">
+                <a16:creationId xmlns:a16="http://schemas.microsoft.com/office/drawing/2014/main" id="{B9ED3B9D-5546-41AA-8223-966B136CC146}"/>
+              </a:ext>
+            </a:extLst>
+          </p:cNvPr>
+          <p:cNvGraphicFramePr>
+            <a:graphicFrameLocks noGrp="1"/>
+          </p:cNvGraphicFramePr>
+          <p:nvPr>
+            <p:extLst>
+              <p:ext uri="{D42A27DB-BD31-4B8C-83A1-F6EECF244321}">
+                <p14:modId xmlns:p14="http://schemas.microsoft.com/office/powerpoint/2010/main" val="23607533"/>
+              </p:ext>
+            </p:extLst>
+          </p:nvPr>
+        </p:nvGraphicFramePr>
+        <p:xfrm>
+          <a:off x="4092000" y="2248930"/>
+          <a:ext cx="16200000" cy="10406049"/>
+        </p:xfrm>
+        <a:graphic>
+          <a:graphicData uri="http://schemas.openxmlformats.org/drawingml/2006/table">
+            <a:tbl>
+              <a:tblPr firstRow="1" bandRow="1">
+                <a:tableStyleId>{3B4B98B0-60AC-42C2-AFA5-B58CD77FA1E5}</a:tableStyleId>
+              </a:tblPr>
+              <a:tblGrid>
+                <a:gridCol w="1253723">
+                  <a:extLst>
+                    <a:ext uri="{9D8B030D-6E8A-4147-A177-3AD203B41FA5}">
+                      <a16:colId xmlns:a16="http://schemas.microsoft.com/office/drawing/2014/main" val="1288035488"/>
+                    </a:ext>
+                  </a:extLst>
+                </a:gridCol>
+                <a:gridCol w="2110154">
+                  <a:extLst>
+                    <a:ext uri="{9D8B030D-6E8A-4147-A177-3AD203B41FA5}">
+                      <a16:colId xmlns:a16="http://schemas.microsoft.com/office/drawing/2014/main" val="2750388513"/>
+                    </a:ext>
+                  </a:extLst>
+                </a:gridCol>
+                <a:gridCol w="1828800">
+                  <a:extLst>
+                    <a:ext uri="{9D8B030D-6E8A-4147-A177-3AD203B41FA5}">
+                      <a16:colId xmlns:a16="http://schemas.microsoft.com/office/drawing/2014/main" val="1186885205"/>
+                    </a:ext>
+                  </a:extLst>
+                </a:gridCol>
+                <a:gridCol w="11007323">
+                  <a:extLst>
+                    <a:ext uri="{9D8B030D-6E8A-4147-A177-3AD203B41FA5}">
+                      <a16:colId xmlns:a16="http://schemas.microsoft.com/office/drawing/2014/main" val="1203779666"/>
+                    </a:ext>
+                  </a:extLst>
+                </a:gridCol>
+              </a:tblGrid>
+              <a:tr h="296864">
+                <a:tc>
+                  <a:txBody>
+                    <a:bodyPr/>
+                    <a:lstStyle/>
+                    <a:p>
+                      <a:pPr algn="ctr" fontAlgn="ctr"/>
+                      <a:r>
+                        <a:rPr lang="pt-BR" sz="3200" u="none" strike="noStrike">
+                          <a:effectLst/>
+                        </a:rPr>
+                        <a:t>Aula</a:t>
+                      </a:r>
+                      <a:endParaRPr lang="pt-BR" sz="3200" b="1" i="0" u="none" strike="noStrike">
+                        <a:solidFill>
+                          <a:srgbClr val="FFFFFF"/>
+                        </a:solidFill>
+                        <a:effectLst/>
+                        <a:latin typeface="Calibri" panose="020F0502020204030204" pitchFamily="34" charset="0"/>
+                      </a:endParaRPr>
+                    </a:p>
+                  </a:txBody>
+                  <a:tcPr marL="12369" marR="12369" marT="12369" marB="0" anchor="ctr"/>
+                </a:tc>
+                <a:tc>
+                  <a:txBody>
+                    <a:bodyPr/>
+                    <a:lstStyle/>
+                    <a:p>
+                      <a:pPr algn="ctr" fontAlgn="ctr"/>
+                      <a:r>
+                        <a:rPr lang="pt-BR" sz="3200" u="none" strike="noStrike">
+                          <a:effectLst/>
+                        </a:rPr>
+                        <a:t>Dia</a:t>
+                      </a:r>
+                      <a:endParaRPr lang="pt-BR" sz="3200" b="1" i="0" u="none" strike="noStrike">
+                        <a:solidFill>
+                          <a:srgbClr val="FFFFFF"/>
+                        </a:solidFill>
+                        <a:effectLst/>
+                        <a:latin typeface="Calibri" panose="020F0502020204030204" pitchFamily="34" charset="0"/>
+                      </a:endParaRPr>
+                    </a:p>
+                  </a:txBody>
+                  <a:tcPr marL="12369" marR="12369" marT="12369" marB="0" anchor="ctr"/>
+                </a:tc>
+                <a:tc>
+                  <a:txBody>
+                    <a:bodyPr/>
+                    <a:lstStyle/>
+                    <a:p>
+                      <a:pPr algn="ctr" fontAlgn="ctr"/>
+                      <a:r>
+                        <a:rPr lang="pt-BR" sz="3200" u="none" strike="noStrike">
+                          <a:effectLst/>
+                        </a:rPr>
+                        <a:t>Dia sem.</a:t>
+                      </a:r>
+                      <a:endParaRPr lang="pt-BR" sz="3200" b="1" i="0" u="none" strike="noStrike">
+                        <a:solidFill>
+                          <a:srgbClr val="FFFFFF"/>
+                        </a:solidFill>
+                        <a:effectLst/>
+                        <a:latin typeface="Calibri" panose="020F0502020204030204" pitchFamily="34" charset="0"/>
+                      </a:endParaRPr>
+                    </a:p>
+                  </a:txBody>
+                  <a:tcPr marL="12369" marR="12369" marT="12369" marB="0" anchor="ctr"/>
+                </a:tc>
+                <a:tc>
+                  <a:txBody>
+                    <a:bodyPr/>
+                    <a:lstStyle/>
+                    <a:p>
+                      <a:pPr algn="ctr" fontAlgn="ctr"/>
+                      <a:r>
+                        <a:rPr lang="pt-BR" sz="3200" u="none" strike="noStrike">
+                          <a:effectLst/>
+                        </a:rPr>
+                        <a:t>Tópico</a:t>
+                      </a:r>
+                      <a:endParaRPr lang="pt-BR" sz="3200" b="1" i="0" u="none" strike="noStrike">
+                        <a:solidFill>
+                          <a:srgbClr val="FFFFFF"/>
+                        </a:solidFill>
+                        <a:effectLst/>
+                        <a:latin typeface="Calibri" panose="020F0502020204030204" pitchFamily="34" charset="0"/>
+                      </a:endParaRPr>
+                    </a:p>
+                  </a:txBody>
+                  <a:tcPr marL="12369" marR="12369" marT="12369" marB="0" anchor="ctr"/>
+                </a:tc>
+                <a:extLst>
+                  <a:ext uri="{0D108BD9-81ED-4DB2-BD59-A6C34878D82A}">
+                    <a16:rowId xmlns:a16="http://schemas.microsoft.com/office/drawing/2014/main" val="1206983840"/>
+                  </a:ext>
+                </a:extLst>
+              </a:tr>
+              <a:tr h="296864">
+                <a:tc>
+                  <a:txBody>
+                    <a:bodyPr/>
+                    <a:lstStyle/>
+                    <a:p>
+                      <a:pPr algn="ctr" fontAlgn="ctr"/>
+                      <a:r>
+                        <a:rPr lang="pt-BR" sz="3200" b="0" i="0" u="none" strike="noStrike">
+                          <a:solidFill>
+                            <a:srgbClr val="000000"/>
+                          </a:solidFill>
+                          <a:effectLst/>
+                          <a:latin typeface="+mj-lt"/>
+                        </a:rPr>
+                        <a:t>01</a:t>
+                      </a:r>
+                    </a:p>
+                  </a:txBody>
+                  <a:tcPr marL="7620" marR="7620" marT="7620" marB="0" anchor="ctr"/>
+                </a:tc>
+                <a:tc>
+                  <a:txBody>
+                    <a:bodyPr/>
+                    <a:lstStyle/>
+                    <a:p>
+                      <a:pPr algn="ctr" fontAlgn="ctr"/>
+                      <a:r>
+                        <a:rPr lang="pt-BR" sz="3200" b="0" i="0" u="none" strike="noStrike">
+                          <a:solidFill>
+                            <a:srgbClr val="000000"/>
+                          </a:solidFill>
+                          <a:effectLst/>
+                          <a:latin typeface="+mj-lt"/>
+                        </a:rPr>
+                        <a:t>22/02/2021</a:t>
+                      </a:r>
+                    </a:p>
+                  </a:txBody>
+                  <a:tcPr marL="7620" marR="7620" marT="7620" marB="0" anchor="ctr"/>
+                </a:tc>
+                <a:tc>
+                  <a:txBody>
+                    <a:bodyPr/>
+                    <a:lstStyle/>
+                    <a:p>
+                      <a:pPr algn="ctr" fontAlgn="ctr"/>
+                      <a:r>
+                        <a:rPr lang="pt-BR" sz="3200" b="0" i="0" u="none" strike="noStrike">
+                          <a:solidFill>
+                            <a:srgbClr val="000000"/>
+                          </a:solidFill>
+                          <a:effectLst/>
+                          <a:latin typeface="+mj-lt"/>
+                        </a:rPr>
+                        <a:t>seg</a:t>
+                      </a:r>
+                    </a:p>
+                  </a:txBody>
+                  <a:tcPr marL="7620" marR="7620" marT="7620" marB="0" anchor="ctr"/>
+                </a:tc>
+                <a:tc>
+                  <a:txBody>
+                    <a:bodyPr/>
+                    <a:lstStyle/>
+                    <a:p>
+                      <a:pPr algn="l" fontAlgn="ctr"/>
+                      <a:r>
+                        <a:rPr lang="pt-BR" sz="3200" b="0" i="0" u="none" strike="noStrike">
+                          <a:solidFill>
+                            <a:srgbClr val="000000"/>
+                          </a:solidFill>
+                          <a:effectLst/>
+                          <a:latin typeface="+mj-lt"/>
+                        </a:rPr>
+                        <a:t>Introdução à disciplina</a:t>
+                      </a:r>
+                    </a:p>
+                  </a:txBody>
+                  <a:tcPr marL="7620" marR="7620" marT="7620" marB="0" anchor="ctr"/>
+                </a:tc>
+                <a:extLst>
+                  <a:ext uri="{0D108BD9-81ED-4DB2-BD59-A6C34878D82A}">
+                    <a16:rowId xmlns:a16="http://schemas.microsoft.com/office/drawing/2014/main" val="199053517"/>
+                  </a:ext>
+                </a:extLst>
+              </a:tr>
+              <a:tr h="296864">
+                <a:tc>
+                  <a:txBody>
+                    <a:bodyPr/>
+                    <a:lstStyle/>
+                    <a:p>
+                      <a:pPr algn="ctr" fontAlgn="ctr"/>
+                      <a:r>
+                        <a:rPr lang="pt-BR" sz="3200" b="0" i="0" u="none" strike="noStrike">
+                          <a:solidFill>
+                            <a:srgbClr val="000000"/>
+                          </a:solidFill>
+                          <a:effectLst/>
+                          <a:latin typeface="+mj-lt"/>
+                        </a:rPr>
+                        <a:t>02</a:t>
+                      </a:r>
+                    </a:p>
+                  </a:txBody>
+                  <a:tcPr marL="7620" marR="7620" marT="7620" marB="0" anchor="ctr"/>
+                </a:tc>
+                <a:tc>
+                  <a:txBody>
+                    <a:bodyPr/>
+                    <a:lstStyle/>
+                    <a:p>
+                      <a:pPr algn="ctr" fontAlgn="ctr"/>
+                      <a:r>
+                        <a:rPr lang="pt-BR" sz="3200" b="0" i="0" u="none" strike="noStrike">
+                          <a:solidFill>
+                            <a:srgbClr val="000000"/>
+                          </a:solidFill>
+                          <a:effectLst/>
+                          <a:latin typeface="+mj-lt"/>
+                        </a:rPr>
+                        <a:t>24/02/2021</a:t>
+                      </a:r>
+                    </a:p>
+                  </a:txBody>
+                  <a:tcPr marL="7620" marR="7620" marT="7620" marB="0" anchor="ctr"/>
+                </a:tc>
+                <a:tc>
+                  <a:txBody>
+                    <a:bodyPr/>
+                    <a:lstStyle/>
+                    <a:p>
+                      <a:pPr algn="ctr" fontAlgn="ctr"/>
+                      <a:r>
+                        <a:rPr lang="pt-BR" sz="3200" b="0" i="0" u="none" strike="noStrike">
+                          <a:solidFill>
+                            <a:srgbClr val="000000"/>
+                          </a:solidFill>
+                          <a:effectLst/>
+                          <a:latin typeface="+mj-lt"/>
+                        </a:rPr>
+                        <a:t>qua</a:t>
+                      </a:r>
+                    </a:p>
+                  </a:txBody>
+                  <a:tcPr marL="7620" marR="7620" marT="7620" marB="0" anchor="ctr"/>
+                </a:tc>
+                <a:tc>
+                  <a:txBody>
+                    <a:bodyPr/>
+                    <a:lstStyle/>
+                    <a:p>
+                      <a:pPr algn="l" fontAlgn="ctr"/>
+                      <a:r>
+                        <a:rPr lang="pt-BR" sz="3200" b="0" i="0" u="none" strike="noStrike" dirty="0">
+                          <a:solidFill>
+                            <a:srgbClr val="000000"/>
+                          </a:solidFill>
+                          <a:effectLst/>
+                          <a:latin typeface="+mj-lt"/>
+                        </a:rPr>
+                        <a:t>Sobre paradigmas de programação / Introdução ao Git</a:t>
+                      </a:r>
+                    </a:p>
+                  </a:txBody>
+                  <a:tcPr marL="7620" marR="7620" marT="7620" marB="0" anchor="ctr"/>
+                </a:tc>
+                <a:extLst>
+                  <a:ext uri="{0D108BD9-81ED-4DB2-BD59-A6C34878D82A}">
+                    <a16:rowId xmlns:a16="http://schemas.microsoft.com/office/drawing/2014/main" val="1993147800"/>
+                  </a:ext>
+                </a:extLst>
+              </a:tr>
+              <a:tr h="296864">
+                <a:tc>
+                  <a:txBody>
+                    <a:bodyPr/>
+                    <a:lstStyle/>
+                    <a:p>
+                      <a:pPr algn="ctr" fontAlgn="ctr"/>
+                      <a:r>
+                        <a:rPr lang="pt-BR" sz="3200" b="0" i="0" u="none" strike="noStrike">
+                          <a:solidFill>
+                            <a:srgbClr val="000000"/>
+                          </a:solidFill>
+                          <a:effectLst/>
+                          <a:latin typeface="+mj-lt"/>
+                        </a:rPr>
+                        <a:t>03</a:t>
+                      </a:r>
+                    </a:p>
+                  </a:txBody>
+                  <a:tcPr marL="7620" marR="7620" marT="7620" marB="0" anchor="ctr"/>
+                </a:tc>
+                <a:tc>
+                  <a:txBody>
+                    <a:bodyPr/>
+                    <a:lstStyle/>
+                    <a:p>
+                      <a:pPr algn="ctr" fontAlgn="ctr"/>
+                      <a:r>
+                        <a:rPr lang="pt-BR" sz="3200" b="0" i="0" u="none" strike="noStrike">
+                          <a:solidFill>
+                            <a:srgbClr val="000000"/>
+                          </a:solidFill>
+                          <a:effectLst/>
+                          <a:latin typeface="+mj-lt"/>
+                        </a:rPr>
+                        <a:t>01/03/2021</a:t>
+                      </a:r>
+                    </a:p>
+                  </a:txBody>
+                  <a:tcPr marL="7620" marR="7620" marT="7620" marB="0" anchor="ctr"/>
+                </a:tc>
+                <a:tc>
+                  <a:txBody>
+                    <a:bodyPr/>
+                    <a:lstStyle/>
+                    <a:p>
+                      <a:pPr algn="ctr" fontAlgn="ctr"/>
+                      <a:r>
+                        <a:rPr lang="pt-BR" sz="3200" b="0" i="0" u="none" strike="noStrike">
+                          <a:solidFill>
+                            <a:srgbClr val="000000"/>
+                          </a:solidFill>
+                          <a:effectLst/>
+                          <a:latin typeface="+mj-lt"/>
+                        </a:rPr>
+                        <a:t>seg</a:t>
+                      </a:r>
+                    </a:p>
+                  </a:txBody>
+                  <a:tcPr marL="7620" marR="7620" marT="7620" marB="0" anchor="ctr"/>
+                </a:tc>
+                <a:tc>
+                  <a:txBody>
+                    <a:bodyPr/>
+                    <a:lstStyle/>
+                    <a:p>
+                      <a:pPr algn="l" fontAlgn="ctr"/>
+                      <a:r>
+                        <a:rPr lang="pt-BR" sz="3200" b="0" i="0" u="none" strike="noStrike">
+                          <a:solidFill>
+                            <a:srgbClr val="000000"/>
+                          </a:solidFill>
+                          <a:effectLst/>
+                          <a:latin typeface="+mj-lt"/>
+                        </a:rPr>
+                        <a:t>Fundamentos de OO: abstração, reuso, encapsulamento</a:t>
+                      </a:r>
+                    </a:p>
+                  </a:txBody>
+                  <a:tcPr marL="7620" marR="7620" marT="7620" marB="0" anchor="ctr"/>
+                </a:tc>
+                <a:extLst>
+                  <a:ext uri="{0D108BD9-81ED-4DB2-BD59-A6C34878D82A}">
+                    <a16:rowId xmlns:a16="http://schemas.microsoft.com/office/drawing/2014/main" val="4038678326"/>
+                  </a:ext>
+                </a:extLst>
+              </a:tr>
+              <a:tr h="296864">
+                <a:tc>
+                  <a:txBody>
+                    <a:bodyPr/>
+                    <a:lstStyle/>
+                    <a:p>
+                      <a:pPr algn="ctr" fontAlgn="ctr"/>
+                      <a:r>
+                        <a:rPr lang="pt-BR" sz="3200" b="0" i="0" u="none" strike="noStrike">
+                          <a:solidFill>
+                            <a:srgbClr val="000000"/>
+                          </a:solidFill>
+                          <a:effectLst/>
+                          <a:latin typeface="+mj-lt"/>
+                        </a:rPr>
+                        <a:t>04</a:t>
+                      </a:r>
+                    </a:p>
+                  </a:txBody>
+                  <a:tcPr marL="7620" marR="7620" marT="7620" marB="0" anchor="ctr"/>
+                </a:tc>
+                <a:tc>
+                  <a:txBody>
+                    <a:bodyPr/>
+                    <a:lstStyle/>
+                    <a:p>
+                      <a:pPr algn="ctr" fontAlgn="ctr"/>
+                      <a:r>
+                        <a:rPr lang="pt-BR" sz="3200" b="0" i="0" u="none" strike="noStrike">
+                          <a:solidFill>
+                            <a:srgbClr val="000000"/>
+                          </a:solidFill>
+                          <a:effectLst/>
+                          <a:latin typeface="+mj-lt"/>
+                        </a:rPr>
+                        <a:t>03/03/2021</a:t>
+                      </a:r>
+                    </a:p>
+                  </a:txBody>
+                  <a:tcPr marL="7620" marR="7620" marT="7620" marB="0" anchor="ctr"/>
+                </a:tc>
+                <a:tc>
+                  <a:txBody>
+                    <a:bodyPr/>
+                    <a:lstStyle/>
+                    <a:p>
+                      <a:pPr algn="ctr" fontAlgn="ctr"/>
+                      <a:r>
+                        <a:rPr lang="pt-BR" sz="3200" b="0" i="0" u="none" strike="noStrike">
+                          <a:solidFill>
+                            <a:srgbClr val="000000"/>
+                          </a:solidFill>
+                          <a:effectLst/>
+                          <a:latin typeface="+mj-lt"/>
+                        </a:rPr>
+                        <a:t>qua</a:t>
+                      </a:r>
+                    </a:p>
+                  </a:txBody>
+                  <a:tcPr marL="7620" marR="7620" marT="7620" marB="0" anchor="ctr"/>
+                </a:tc>
+                <a:tc>
+                  <a:txBody>
+                    <a:bodyPr/>
+                    <a:lstStyle/>
+                    <a:p>
+                      <a:pPr algn="l" fontAlgn="ctr"/>
+                      <a:r>
+                        <a:rPr lang="pt-BR" sz="3200" b="0" i="0" u="none" strike="noStrike">
+                          <a:solidFill>
+                            <a:srgbClr val="000000"/>
+                          </a:solidFill>
+                          <a:effectLst/>
+                          <a:latin typeface="+mj-lt"/>
+                        </a:rPr>
+                        <a:t>Conceitos iniciais de Java: parte 1</a:t>
+                      </a:r>
+                    </a:p>
+                  </a:txBody>
+                  <a:tcPr marL="7620" marR="7620" marT="7620" marB="0" anchor="ctr"/>
+                </a:tc>
+                <a:extLst>
+                  <a:ext uri="{0D108BD9-81ED-4DB2-BD59-A6C34878D82A}">
+                    <a16:rowId xmlns:a16="http://schemas.microsoft.com/office/drawing/2014/main" val="1221662676"/>
+                  </a:ext>
+                </a:extLst>
+              </a:tr>
+              <a:tr h="296864">
+                <a:tc>
+                  <a:txBody>
+                    <a:bodyPr/>
+                    <a:lstStyle/>
+                    <a:p>
+                      <a:pPr algn="ctr" fontAlgn="ctr"/>
+                      <a:r>
+                        <a:rPr lang="pt-BR" sz="3200" b="0" i="0" u="none" strike="noStrike">
+                          <a:solidFill>
+                            <a:srgbClr val="000000"/>
+                          </a:solidFill>
+                          <a:effectLst/>
+                          <a:latin typeface="+mj-lt"/>
+                        </a:rPr>
+                        <a:t>05</a:t>
+                      </a:r>
+                    </a:p>
+                  </a:txBody>
+                  <a:tcPr marL="7620" marR="7620" marT="7620" marB="0" anchor="ctr"/>
+                </a:tc>
+                <a:tc>
+                  <a:txBody>
+                    <a:bodyPr/>
+                    <a:lstStyle/>
+                    <a:p>
+                      <a:pPr algn="ctr" fontAlgn="ctr"/>
+                      <a:r>
+                        <a:rPr lang="pt-BR" sz="3200" b="0" i="0" u="none" strike="noStrike">
+                          <a:solidFill>
+                            <a:srgbClr val="000000"/>
+                          </a:solidFill>
+                          <a:effectLst/>
+                          <a:latin typeface="+mj-lt"/>
+                        </a:rPr>
+                        <a:t>08/03/2021</a:t>
+                      </a:r>
+                    </a:p>
+                  </a:txBody>
+                  <a:tcPr marL="7620" marR="7620" marT="7620" marB="0" anchor="ctr"/>
+                </a:tc>
+                <a:tc>
+                  <a:txBody>
+                    <a:bodyPr/>
+                    <a:lstStyle/>
+                    <a:p>
+                      <a:pPr algn="ctr" fontAlgn="ctr"/>
+                      <a:r>
+                        <a:rPr lang="pt-BR" sz="3200" b="0" i="0" u="none" strike="noStrike">
+                          <a:solidFill>
+                            <a:srgbClr val="000000"/>
+                          </a:solidFill>
+                          <a:effectLst/>
+                          <a:latin typeface="+mj-lt"/>
+                        </a:rPr>
+                        <a:t>seg</a:t>
+                      </a:r>
+                    </a:p>
+                  </a:txBody>
+                  <a:tcPr marL="7620" marR="7620" marT="7620" marB="0" anchor="ctr"/>
+                </a:tc>
+                <a:tc>
+                  <a:txBody>
+                    <a:bodyPr/>
+                    <a:lstStyle/>
+                    <a:p>
+                      <a:pPr algn="l" fontAlgn="ctr"/>
+                      <a:r>
+                        <a:rPr lang="pt-BR" sz="3200" b="0" i="0" u="none" strike="noStrike">
+                          <a:solidFill>
+                            <a:srgbClr val="000000"/>
+                          </a:solidFill>
+                          <a:effectLst/>
+                          <a:latin typeface="+mj-lt"/>
+                        </a:rPr>
+                        <a:t>Conceitos iniciais de Java: parte 2</a:t>
+                      </a:r>
+                    </a:p>
+                  </a:txBody>
+                  <a:tcPr marL="7620" marR="7620" marT="7620" marB="0" anchor="ctr"/>
+                </a:tc>
+                <a:extLst>
+                  <a:ext uri="{0D108BD9-81ED-4DB2-BD59-A6C34878D82A}">
+                    <a16:rowId xmlns:a16="http://schemas.microsoft.com/office/drawing/2014/main" val="1437261518"/>
+                  </a:ext>
+                </a:extLst>
+              </a:tr>
+              <a:tr h="296864">
+                <a:tc>
+                  <a:txBody>
+                    <a:bodyPr/>
+                    <a:lstStyle/>
+                    <a:p>
+                      <a:pPr algn="ctr" fontAlgn="ctr"/>
+                      <a:r>
+                        <a:rPr lang="pt-BR" sz="3200" b="0" i="0" u="none" strike="noStrike">
+                          <a:solidFill>
+                            <a:srgbClr val="000000"/>
+                          </a:solidFill>
+                          <a:effectLst/>
+                          <a:latin typeface="+mj-lt"/>
+                        </a:rPr>
+                        <a:t>06</a:t>
+                      </a:r>
+                    </a:p>
+                  </a:txBody>
+                  <a:tcPr marL="7620" marR="7620" marT="7620" marB="0" anchor="ctr"/>
+                </a:tc>
+                <a:tc>
+                  <a:txBody>
+                    <a:bodyPr/>
+                    <a:lstStyle/>
+                    <a:p>
+                      <a:pPr algn="ctr" fontAlgn="ctr"/>
+                      <a:r>
+                        <a:rPr lang="pt-BR" sz="3200" b="0" i="0" u="none" strike="noStrike">
+                          <a:solidFill>
+                            <a:srgbClr val="000000"/>
+                          </a:solidFill>
+                          <a:effectLst/>
+                          <a:latin typeface="+mj-lt"/>
+                        </a:rPr>
+                        <a:t>10/03/2021</a:t>
+                      </a:r>
+                    </a:p>
+                  </a:txBody>
+                  <a:tcPr marL="7620" marR="7620" marT="7620" marB="0" anchor="ctr"/>
+                </a:tc>
+                <a:tc>
+                  <a:txBody>
+                    <a:bodyPr/>
+                    <a:lstStyle/>
+                    <a:p>
+                      <a:pPr algn="ctr" fontAlgn="ctr"/>
+                      <a:r>
+                        <a:rPr lang="pt-BR" sz="3200" b="0" i="0" u="none" strike="noStrike">
+                          <a:solidFill>
+                            <a:srgbClr val="000000"/>
+                          </a:solidFill>
+                          <a:effectLst/>
+                          <a:latin typeface="+mj-lt"/>
+                        </a:rPr>
+                        <a:t>qua</a:t>
+                      </a:r>
+                    </a:p>
+                  </a:txBody>
+                  <a:tcPr marL="7620" marR="7620" marT="7620" marB="0" anchor="ctr"/>
+                </a:tc>
+                <a:tc>
+                  <a:txBody>
+                    <a:bodyPr/>
+                    <a:lstStyle/>
+                    <a:p>
+                      <a:pPr algn="l" fontAlgn="ctr"/>
+                      <a:r>
+                        <a:rPr lang="pt-BR" sz="3200" b="0" i="0" u="none" strike="noStrike">
+                          <a:solidFill>
+                            <a:srgbClr val="000000"/>
+                          </a:solidFill>
+                          <a:effectLst/>
+                          <a:latin typeface="+mj-lt"/>
+                        </a:rPr>
+                        <a:t>Conceitos iniciais de Java: parte 3</a:t>
+                      </a:r>
+                    </a:p>
+                  </a:txBody>
+                  <a:tcPr marL="7620" marR="7620" marT="7620" marB="0" anchor="ctr"/>
+                </a:tc>
+                <a:extLst>
+                  <a:ext uri="{0D108BD9-81ED-4DB2-BD59-A6C34878D82A}">
+                    <a16:rowId xmlns:a16="http://schemas.microsoft.com/office/drawing/2014/main" val="235138777"/>
+                  </a:ext>
+                </a:extLst>
+              </a:tr>
+              <a:tr h="296864">
+                <a:tc>
+                  <a:txBody>
+                    <a:bodyPr/>
+                    <a:lstStyle/>
+                    <a:p>
+                      <a:pPr algn="ctr" fontAlgn="ctr"/>
+                      <a:r>
+                        <a:rPr lang="pt-BR" sz="3200" b="0" i="0" u="none" strike="noStrike">
+                          <a:solidFill>
+                            <a:srgbClr val="000000"/>
+                          </a:solidFill>
+                          <a:effectLst/>
+                          <a:latin typeface="+mj-lt"/>
+                        </a:rPr>
+                        <a:t>07</a:t>
+                      </a:r>
+                    </a:p>
+                  </a:txBody>
+                  <a:tcPr marL="7620" marR="7620" marT="7620" marB="0" anchor="ctr"/>
+                </a:tc>
+                <a:tc>
+                  <a:txBody>
+                    <a:bodyPr/>
+                    <a:lstStyle/>
+                    <a:p>
+                      <a:pPr algn="ctr" fontAlgn="ctr"/>
+                      <a:r>
+                        <a:rPr lang="pt-BR" sz="3200" b="0" i="0" u="none" strike="noStrike">
+                          <a:solidFill>
+                            <a:srgbClr val="000000"/>
+                          </a:solidFill>
+                          <a:effectLst/>
+                          <a:latin typeface="+mj-lt"/>
+                        </a:rPr>
+                        <a:t>15/03/2021</a:t>
+                      </a:r>
+                    </a:p>
+                  </a:txBody>
+                  <a:tcPr marL="7620" marR="7620" marT="7620" marB="0" anchor="ctr"/>
+                </a:tc>
+                <a:tc>
+                  <a:txBody>
+                    <a:bodyPr/>
+                    <a:lstStyle/>
+                    <a:p>
+                      <a:pPr algn="ctr" fontAlgn="ctr"/>
+                      <a:r>
+                        <a:rPr lang="pt-BR" sz="3200" b="0" i="0" u="none" strike="noStrike">
+                          <a:solidFill>
+                            <a:srgbClr val="000000"/>
+                          </a:solidFill>
+                          <a:effectLst/>
+                          <a:latin typeface="+mj-lt"/>
+                        </a:rPr>
+                        <a:t>seg</a:t>
+                      </a:r>
+                    </a:p>
+                  </a:txBody>
+                  <a:tcPr marL="7620" marR="7620" marT="7620" marB="0" anchor="ctr"/>
+                </a:tc>
+                <a:tc>
+                  <a:txBody>
+                    <a:bodyPr/>
+                    <a:lstStyle/>
+                    <a:p>
+                      <a:pPr algn="l" fontAlgn="ctr"/>
+                      <a:r>
+                        <a:rPr lang="pt-BR" sz="3200" b="0" i="0" u="none" strike="noStrike">
+                          <a:solidFill>
+                            <a:srgbClr val="000000"/>
+                          </a:solidFill>
+                          <a:effectLst/>
+                          <a:latin typeface="+mj-lt"/>
+                        </a:rPr>
+                        <a:t>Conceitos estruturais: classe, atributo, método</a:t>
+                      </a:r>
+                    </a:p>
+                  </a:txBody>
+                  <a:tcPr marL="7620" marR="7620" marT="7620" marB="0" anchor="ctr"/>
+                </a:tc>
+                <a:extLst>
+                  <a:ext uri="{0D108BD9-81ED-4DB2-BD59-A6C34878D82A}">
+                    <a16:rowId xmlns:a16="http://schemas.microsoft.com/office/drawing/2014/main" val="1828618023"/>
+                  </a:ext>
+                </a:extLst>
+              </a:tr>
+              <a:tr h="296864">
+                <a:tc>
+                  <a:txBody>
+                    <a:bodyPr/>
+                    <a:lstStyle/>
+                    <a:p>
+                      <a:pPr algn="ctr" fontAlgn="ctr"/>
+                      <a:r>
+                        <a:rPr lang="pt-BR" sz="3200" b="0" i="0" u="none" strike="noStrike">
+                          <a:solidFill>
+                            <a:srgbClr val="000000"/>
+                          </a:solidFill>
+                          <a:effectLst/>
+                          <a:latin typeface="+mj-lt"/>
+                        </a:rPr>
+                        <a:t>08</a:t>
+                      </a:r>
+                    </a:p>
+                  </a:txBody>
+                  <a:tcPr marL="7620" marR="7620" marT="7620" marB="0" anchor="ctr"/>
+                </a:tc>
+                <a:tc>
+                  <a:txBody>
+                    <a:bodyPr/>
+                    <a:lstStyle/>
+                    <a:p>
+                      <a:pPr algn="ctr" fontAlgn="ctr"/>
+                      <a:r>
+                        <a:rPr lang="pt-BR" sz="3200" b="0" i="0" u="none" strike="noStrike">
+                          <a:solidFill>
+                            <a:srgbClr val="000000"/>
+                          </a:solidFill>
+                          <a:effectLst/>
+                          <a:latin typeface="+mj-lt"/>
+                        </a:rPr>
+                        <a:t>17/03/2021</a:t>
+                      </a:r>
+                    </a:p>
+                  </a:txBody>
+                  <a:tcPr marL="7620" marR="7620" marT="7620" marB="0" anchor="ctr"/>
+                </a:tc>
+                <a:tc>
+                  <a:txBody>
+                    <a:bodyPr/>
+                    <a:lstStyle/>
+                    <a:p>
+                      <a:pPr algn="ctr" fontAlgn="ctr"/>
+                      <a:r>
+                        <a:rPr lang="pt-BR" sz="3200" b="0" i="0" u="none" strike="noStrike">
+                          <a:solidFill>
+                            <a:srgbClr val="000000"/>
+                          </a:solidFill>
+                          <a:effectLst/>
+                          <a:latin typeface="+mj-lt"/>
+                        </a:rPr>
+                        <a:t>qua</a:t>
+                      </a:r>
+                    </a:p>
+                  </a:txBody>
+                  <a:tcPr marL="7620" marR="7620" marT="7620" marB="0" anchor="ctr"/>
+                </a:tc>
+                <a:tc>
+                  <a:txBody>
+                    <a:bodyPr/>
+                    <a:lstStyle/>
+                    <a:p>
+                      <a:pPr algn="l" fontAlgn="ctr"/>
+                      <a:r>
+                        <a:rPr lang="pt-BR" sz="3200" b="0" i="0" u="none" strike="noStrike">
+                          <a:solidFill>
+                            <a:srgbClr val="000000"/>
+                          </a:solidFill>
+                          <a:effectLst/>
+                          <a:latin typeface="+mj-lt"/>
+                        </a:rPr>
+                        <a:t>Conceitos estruturais: objeto</a:t>
+                      </a:r>
+                    </a:p>
+                  </a:txBody>
+                  <a:tcPr marL="7620" marR="7620" marT="7620" marB="0" anchor="ctr"/>
+                </a:tc>
+                <a:extLst>
+                  <a:ext uri="{0D108BD9-81ED-4DB2-BD59-A6C34878D82A}">
+                    <a16:rowId xmlns:a16="http://schemas.microsoft.com/office/drawing/2014/main" val="3959550160"/>
+                  </a:ext>
+                </a:extLst>
+              </a:tr>
+              <a:tr h="296864">
+                <a:tc>
+                  <a:txBody>
+                    <a:bodyPr/>
+                    <a:lstStyle/>
+                    <a:p>
+                      <a:pPr algn="ctr" fontAlgn="ctr"/>
+                      <a:r>
+                        <a:rPr lang="pt-BR" sz="3200" b="0" i="0" u="none" strike="noStrike">
+                          <a:solidFill>
+                            <a:srgbClr val="000000"/>
+                          </a:solidFill>
+                          <a:effectLst/>
+                          <a:latin typeface="+mj-lt"/>
+                        </a:rPr>
+                        <a:t>09</a:t>
+                      </a:r>
+                    </a:p>
+                  </a:txBody>
+                  <a:tcPr marL="7620" marR="7620" marT="7620" marB="0" anchor="ctr"/>
+                </a:tc>
+                <a:tc>
+                  <a:txBody>
+                    <a:bodyPr/>
+                    <a:lstStyle/>
+                    <a:p>
+                      <a:pPr algn="ctr" fontAlgn="ctr"/>
+                      <a:r>
+                        <a:rPr lang="pt-BR" sz="3200" b="0" i="0" u="none" strike="noStrike">
+                          <a:solidFill>
+                            <a:srgbClr val="000000"/>
+                          </a:solidFill>
+                          <a:effectLst/>
+                          <a:latin typeface="+mj-lt"/>
+                        </a:rPr>
+                        <a:t>22/03/2021</a:t>
+                      </a:r>
+                    </a:p>
+                  </a:txBody>
+                  <a:tcPr marL="7620" marR="7620" marT="7620" marB="0" anchor="ctr"/>
+                </a:tc>
+                <a:tc>
+                  <a:txBody>
+                    <a:bodyPr/>
+                    <a:lstStyle/>
+                    <a:p>
+                      <a:pPr algn="ctr" fontAlgn="ctr"/>
+                      <a:r>
+                        <a:rPr lang="pt-BR" sz="3200" b="0" i="0" u="none" strike="noStrike">
+                          <a:solidFill>
+                            <a:srgbClr val="000000"/>
+                          </a:solidFill>
+                          <a:effectLst/>
+                          <a:latin typeface="+mj-lt"/>
+                        </a:rPr>
+                        <a:t>seg</a:t>
+                      </a:r>
+                    </a:p>
+                  </a:txBody>
+                  <a:tcPr marL="7620" marR="7620" marT="7620" marB="0" anchor="ctr"/>
+                </a:tc>
+                <a:tc>
+                  <a:txBody>
+                    <a:bodyPr/>
+                    <a:lstStyle/>
+                    <a:p>
+                      <a:pPr algn="l" fontAlgn="ctr"/>
+                      <a:r>
+                        <a:rPr lang="pt-BR" sz="3200" b="0" i="0" u="none" strike="noStrike">
+                          <a:solidFill>
+                            <a:srgbClr val="000000"/>
+                          </a:solidFill>
+                          <a:effectLst/>
+                          <a:latin typeface="+mj-lt"/>
+                        </a:rPr>
+                        <a:t>Noções de UML: introdução</a:t>
+                      </a:r>
+                    </a:p>
+                  </a:txBody>
+                  <a:tcPr marL="7620" marR="7620" marT="7620" marB="0" anchor="ctr"/>
+                </a:tc>
+                <a:extLst>
+                  <a:ext uri="{0D108BD9-81ED-4DB2-BD59-A6C34878D82A}">
+                    <a16:rowId xmlns:a16="http://schemas.microsoft.com/office/drawing/2014/main" val="593141684"/>
+                  </a:ext>
+                </a:extLst>
+              </a:tr>
+              <a:tr h="296864">
+                <a:tc>
+                  <a:txBody>
+                    <a:bodyPr/>
+                    <a:lstStyle/>
+                    <a:p>
+                      <a:pPr algn="ctr" fontAlgn="ctr"/>
+                      <a:r>
+                        <a:rPr lang="pt-BR" sz="3200" b="0" i="0" u="none" strike="noStrike">
+                          <a:solidFill>
+                            <a:srgbClr val="000000"/>
+                          </a:solidFill>
+                          <a:effectLst/>
+                          <a:latin typeface="+mj-lt"/>
+                        </a:rPr>
+                        <a:t>10</a:t>
+                      </a:r>
+                    </a:p>
+                  </a:txBody>
+                  <a:tcPr marL="7620" marR="7620" marT="7620" marB="0" anchor="ctr"/>
+                </a:tc>
+                <a:tc>
+                  <a:txBody>
+                    <a:bodyPr/>
+                    <a:lstStyle/>
+                    <a:p>
+                      <a:pPr algn="ctr" fontAlgn="ctr"/>
+                      <a:r>
+                        <a:rPr lang="pt-BR" sz="3200" b="0" i="0" u="none" strike="noStrike">
+                          <a:solidFill>
+                            <a:srgbClr val="000000"/>
+                          </a:solidFill>
+                          <a:effectLst/>
+                          <a:latin typeface="+mj-lt"/>
+                        </a:rPr>
+                        <a:t>24/03/2021</a:t>
+                      </a:r>
+                    </a:p>
+                  </a:txBody>
+                  <a:tcPr marL="7620" marR="7620" marT="7620" marB="0" anchor="ctr"/>
+                </a:tc>
+                <a:tc>
+                  <a:txBody>
+                    <a:bodyPr/>
+                    <a:lstStyle/>
+                    <a:p>
+                      <a:pPr algn="ctr" fontAlgn="ctr"/>
+                      <a:r>
+                        <a:rPr lang="pt-BR" sz="3200" b="0" i="0" u="none" strike="noStrike">
+                          <a:solidFill>
+                            <a:srgbClr val="000000"/>
+                          </a:solidFill>
+                          <a:effectLst/>
+                          <a:latin typeface="+mj-lt"/>
+                        </a:rPr>
+                        <a:t>qua</a:t>
+                      </a:r>
+                    </a:p>
+                  </a:txBody>
+                  <a:tcPr marL="7620" marR="7620" marT="7620" marB="0" anchor="ctr"/>
+                </a:tc>
+                <a:tc>
+                  <a:txBody>
+                    <a:bodyPr/>
+                    <a:lstStyle/>
+                    <a:p>
+                      <a:pPr algn="l" fontAlgn="ctr"/>
+                      <a:r>
+                        <a:rPr lang="pt-BR" sz="3200" b="0" i="0" u="none" strike="noStrike">
+                          <a:solidFill>
+                            <a:srgbClr val="000000"/>
+                          </a:solidFill>
+                          <a:effectLst/>
+                          <a:latin typeface="+mj-lt"/>
+                        </a:rPr>
+                        <a:t>Noções de UML: diagramas de classes</a:t>
+                      </a:r>
+                    </a:p>
+                  </a:txBody>
+                  <a:tcPr marL="7620" marR="7620" marT="7620" marB="0" anchor="ctr"/>
+                </a:tc>
+                <a:extLst>
+                  <a:ext uri="{0D108BD9-81ED-4DB2-BD59-A6C34878D82A}">
+                    <a16:rowId xmlns:a16="http://schemas.microsoft.com/office/drawing/2014/main" val="492810369"/>
+                  </a:ext>
+                </a:extLst>
+              </a:tr>
+              <a:tr h="296864">
+                <a:tc>
+                  <a:txBody>
+                    <a:bodyPr/>
+                    <a:lstStyle/>
+                    <a:p>
+                      <a:pPr algn="ctr" fontAlgn="ctr"/>
+                      <a:r>
+                        <a:rPr lang="pt-BR" sz="3200" b="0" i="0" u="none" strike="noStrike">
+                          <a:solidFill>
+                            <a:srgbClr val="000000"/>
+                          </a:solidFill>
+                          <a:effectLst/>
+                          <a:latin typeface="+mj-lt"/>
+                        </a:rPr>
+                        <a:t>11</a:t>
+                      </a:r>
+                    </a:p>
+                  </a:txBody>
+                  <a:tcPr marL="7620" marR="7620" marT="7620" marB="0" anchor="ctr"/>
+                </a:tc>
+                <a:tc>
+                  <a:txBody>
+                    <a:bodyPr/>
+                    <a:lstStyle/>
+                    <a:p>
+                      <a:pPr algn="ctr" fontAlgn="ctr"/>
+                      <a:r>
+                        <a:rPr lang="pt-BR" sz="3200" b="0" i="0" u="none" strike="noStrike">
+                          <a:solidFill>
+                            <a:srgbClr val="000000"/>
+                          </a:solidFill>
+                          <a:effectLst/>
+                          <a:latin typeface="+mj-lt"/>
+                        </a:rPr>
+                        <a:t>29/03/2021</a:t>
+                      </a:r>
+                    </a:p>
+                  </a:txBody>
+                  <a:tcPr marL="7620" marR="7620" marT="7620" marB="0" anchor="ctr"/>
+                </a:tc>
+                <a:tc>
+                  <a:txBody>
+                    <a:bodyPr/>
+                    <a:lstStyle/>
+                    <a:p>
+                      <a:pPr algn="ctr" fontAlgn="ctr"/>
+                      <a:r>
+                        <a:rPr lang="pt-BR" sz="3200" b="0" i="0" u="none" strike="noStrike">
+                          <a:solidFill>
+                            <a:srgbClr val="000000"/>
+                          </a:solidFill>
+                          <a:effectLst/>
+                          <a:latin typeface="+mj-lt"/>
+                        </a:rPr>
+                        <a:t>seg</a:t>
+                      </a:r>
+                    </a:p>
+                  </a:txBody>
+                  <a:tcPr marL="7620" marR="7620" marT="7620" marB="0" anchor="ctr"/>
+                </a:tc>
+                <a:tc>
+                  <a:txBody>
+                    <a:bodyPr/>
+                    <a:lstStyle/>
+                    <a:p>
+                      <a:pPr algn="l" fontAlgn="ctr"/>
+                      <a:r>
+                        <a:rPr lang="pt-BR" sz="3200" b="0" i="0" u="none" strike="noStrike">
+                          <a:solidFill>
+                            <a:srgbClr val="000000"/>
+                          </a:solidFill>
+                          <a:effectLst/>
+                          <a:latin typeface="+mj-lt"/>
+                        </a:rPr>
+                        <a:t>Conceitos relacionais: herança e polimorfismo</a:t>
+                      </a:r>
+                    </a:p>
+                  </a:txBody>
+                  <a:tcPr marL="7620" marR="7620" marT="7620" marB="0" anchor="ctr"/>
+                </a:tc>
+                <a:extLst>
+                  <a:ext uri="{0D108BD9-81ED-4DB2-BD59-A6C34878D82A}">
+                    <a16:rowId xmlns:a16="http://schemas.microsoft.com/office/drawing/2014/main" val="96045620"/>
+                  </a:ext>
+                </a:extLst>
+              </a:tr>
+              <a:tr h="296864">
+                <a:tc>
+                  <a:txBody>
+                    <a:bodyPr/>
+                    <a:lstStyle/>
+                    <a:p>
+                      <a:pPr algn="ctr" fontAlgn="ctr"/>
+                      <a:r>
+                        <a:rPr lang="pt-BR" sz="3200" b="0" i="0" u="none" strike="noStrike">
+                          <a:solidFill>
+                            <a:srgbClr val="000000"/>
+                          </a:solidFill>
+                          <a:effectLst/>
+                          <a:latin typeface="+mj-lt"/>
+                        </a:rPr>
+                        <a:t>12</a:t>
+                      </a:r>
+                    </a:p>
+                  </a:txBody>
+                  <a:tcPr marL="7620" marR="7620" marT="7620" marB="0" anchor="ctr"/>
+                </a:tc>
+                <a:tc>
+                  <a:txBody>
+                    <a:bodyPr/>
+                    <a:lstStyle/>
+                    <a:p>
+                      <a:pPr algn="ctr" fontAlgn="ctr"/>
+                      <a:r>
+                        <a:rPr lang="pt-BR" sz="3200" b="0" i="0" u="none" strike="noStrike">
+                          <a:solidFill>
+                            <a:srgbClr val="000000"/>
+                          </a:solidFill>
+                          <a:effectLst/>
+                          <a:latin typeface="+mj-lt"/>
+                        </a:rPr>
+                        <a:t>31/03/2021</a:t>
+                      </a:r>
+                    </a:p>
+                  </a:txBody>
+                  <a:tcPr marL="7620" marR="7620" marT="7620" marB="0" anchor="ctr"/>
+                </a:tc>
+                <a:tc>
+                  <a:txBody>
+                    <a:bodyPr/>
+                    <a:lstStyle/>
+                    <a:p>
+                      <a:pPr algn="ctr" fontAlgn="ctr"/>
+                      <a:r>
+                        <a:rPr lang="pt-BR" sz="3200" b="0" i="0" u="none" strike="noStrike">
+                          <a:solidFill>
+                            <a:srgbClr val="000000"/>
+                          </a:solidFill>
+                          <a:effectLst/>
+                          <a:latin typeface="+mj-lt"/>
+                        </a:rPr>
+                        <a:t>qua</a:t>
+                      </a:r>
+                    </a:p>
+                  </a:txBody>
+                  <a:tcPr marL="7620" marR="7620" marT="7620" marB="0" anchor="ctr"/>
+                </a:tc>
+                <a:tc>
+                  <a:txBody>
+                    <a:bodyPr/>
+                    <a:lstStyle/>
+                    <a:p>
+                      <a:pPr algn="l" fontAlgn="ctr"/>
+                      <a:r>
+                        <a:rPr lang="pt-BR" sz="3200" b="0" i="0" u="none" strike="noStrike">
+                          <a:solidFill>
+                            <a:srgbClr val="000000"/>
+                          </a:solidFill>
+                          <a:effectLst/>
+                          <a:latin typeface="+mj-lt"/>
+                        </a:rPr>
+                        <a:t>Conceitos relacionais: associação</a:t>
+                      </a:r>
+                    </a:p>
+                  </a:txBody>
+                  <a:tcPr marL="7620" marR="7620" marT="7620" marB="0" anchor="ctr"/>
+                </a:tc>
+                <a:extLst>
+                  <a:ext uri="{0D108BD9-81ED-4DB2-BD59-A6C34878D82A}">
+                    <a16:rowId xmlns:a16="http://schemas.microsoft.com/office/drawing/2014/main" val="3277979950"/>
+                  </a:ext>
+                </a:extLst>
+              </a:tr>
+              <a:tr h="296864">
+                <a:tc>
+                  <a:txBody>
+                    <a:bodyPr/>
+                    <a:lstStyle/>
+                    <a:p>
+                      <a:pPr algn="ctr" fontAlgn="ctr"/>
+                      <a:r>
+                        <a:rPr lang="pt-BR" sz="3200" b="0" i="0" u="none" strike="noStrike">
+                          <a:solidFill>
+                            <a:srgbClr val="000000"/>
+                          </a:solidFill>
+                          <a:effectLst/>
+                          <a:latin typeface="+mj-lt"/>
+                        </a:rPr>
+                        <a:t>13</a:t>
+                      </a:r>
+                    </a:p>
+                  </a:txBody>
+                  <a:tcPr marL="7620" marR="7620" marT="7620" marB="0" anchor="ctr"/>
+                </a:tc>
+                <a:tc>
+                  <a:txBody>
+                    <a:bodyPr/>
+                    <a:lstStyle/>
+                    <a:p>
+                      <a:pPr algn="ctr" fontAlgn="ctr"/>
+                      <a:r>
+                        <a:rPr lang="pt-BR" sz="3200" b="0" i="0" u="none" strike="noStrike">
+                          <a:solidFill>
+                            <a:srgbClr val="000000"/>
+                          </a:solidFill>
+                          <a:effectLst/>
+                          <a:latin typeface="+mj-lt"/>
+                        </a:rPr>
+                        <a:t>05/04/2021</a:t>
+                      </a:r>
+                    </a:p>
+                  </a:txBody>
+                  <a:tcPr marL="7620" marR="7620" marT="7620" marB="0" anchor="ctr"/>
+                </a:tc>
+                <a:tc>
+                  <a:txBody>
+                    <a:bodyPr/>
+                    <a:lstStyle/>
+                    <a:p>
+                      <a:pPr algn="ctr" fontAlgn="ctr"/>
+                      <a:r>
+                        <a:rPr lang="pt-BR" sz="3200" b="0" i="0" u="none" strike="noStrike">
+                          <a:solidFill>
+                            <a:srgbClr val="000000"/>
+                          </a:solidFill>
+                          <a:effectLst/>
+                          <a:latin typeface="+mj-lt"/>
+                        </a:rPr>
+                        <a:t>seg</a:t>
+                      </a:r>
+                    </a:p>
+                  </a:txBody>
+                  <a:tcPr marL="7620" marR="7620" marT="7620" marB="0" anchor="ctr"/>
+                </a:tc>
+                <a:tc>
+                  <a:txBody>
+                    <a:bodyPr/>
+                    <a:lstStyle/>
+                    <a:p>
+                      <a:pPr algn="l" fontAlgn="ctr"/>
+                      <a:r>
+                        <a:rPr lang="pt-BR" sz="3200" b="0" i="0" u="none" strike="noStrike">
+                          <a:solidFill>
+                            <a:srgbClr val="000000"/>
+                          </a:solidFill>
+                          <a:effectLst/>
+                          <a:latin typeface="+mj-lt"/>
+                        </a:rPr>
+                        <a:t>Conceitos relacionais: interface</a:t>
+                      </a:r>
+                    </a:p>
+                  </a:txBody>
+                  <a:tcPr marL="7620" marR="7620" marT="7620" marB="0" anchor="ctr"/>
+                </a:tc>
+                <a:extLst>
+                  <a:ext uri="{0D108BD9-81ED-4DB2-BD59-A6C34878D82A}">
+                    <a16:rowId xmlns:a16="http://schemas.microsoft.com/office/drawing/2014/main" val="2686999006"/>
+                  </a:ext>
+                </a:extLst>
+              </a:tr>
+              <a:tr h="296864">
+                <a:tc>
+                  <a:txBody>
+                    <a:bodyPr/>
+                    <a:lstStyle/>
+                    <a:p>
+                      <a:pPr algn="ctr" fontAlgn="ctr"/>
+                      <a:r>
+                        <a:rPr lang="pt-BR" sz="3200" b="0" i="0" u="none" strike="noStrike">
+                          <a:solidFill>
+                            <a:srgbClr val="FF0000"/>
+                          </a:solidFill>
+                          <a:effectLst/>
+                          <a:latin typeface="+mj-lt"/>
+                        </a:rPr>
+                        <a:t>14</a:t>
+                      </a:r>
+                    </a:p>
+                  </a:txBody>
+                  <a:tcPr marL="7620" marR="7620" marT="7620" marB="0" anchor="ctr"/>
+                </a:tc>
+                <a:tc>
+                  <a:txBody>
+                    <a:bodyPr/>
+                    <a:lstStyle/>
+                    <a:p>
+                      <a:pPr algn="ctr" fontAlgn="ctr"/>
+                      <a:r>
+                        <a:rPr lang="pt-BR" sz="3200" b="0" i="0" u="none" strike="noStrike">
+                          <a:solidFill>
+                            <a:srgbClr val="FF0000"/>
+                          </a:solidFill>
+                          <a:effectLst/>
+                          <a:latin typeface="+mj-lt"/>
+                        </a:rPr>
+                        <a:t>07/04/2021</a:t>
+                      </a:r>
+                    </a:p>
+                  </a:txBody>
+                  <a:tcPr marL="7620" marR="7620" marT="7620" marB="0" anchor="ctr"/>
+                </a:tc>
+                <a:tc>
+                  <a:txBody>
+                    <a:bodyPr/>
+                    <a:lstStyle/>
+                    <a:p>
+                      <a:pPr algn="ctr" fontAlgn="ctr"/>
+                      <a:r>
+                        <a:rPr lang="pt-BR" sz="3200" b="0" i="0" u="none" strike="noStrike">
+                          <a:solidFill>
+                            <a:srgbClr val="FF0000"/>
+                          </a:solidFill>
+                          <a:effectLst/>
+                          <a:latin typeface="+mj-lt"/>
+                        </a:rPr>
+                        <a:t>qua</a:t>
+                      </a:r>
+                    </a:p>
+                  </a:txBody>
+                  <a:tcPr marL="7620" marR="7620" marT="7620" marB="0" anchor="ctr"/>
+                </a:tc>
+                <a:tc>
+                  <a:txBody>
+                    <a:bodyPr/>
+                    <a:lstStyle/>
+                    <a:p>
+                      <a:pPr algn="l" fontAlgn="ctr"/>
+                      <a:r>
+                        <a:rPr lang="pt-BR" sz="3200" b="0" i="0" u="none" strike="noStrike">
+                          <a:solidFill>
+                            <a:srgbClr val="FF0000"/>
+                          </a:solidFill>
+                          <a:effectLst/>
+                          <a:latin typeface="+mj-lt"/>
+                        </a:rPr>
+                        <a:t>SEM AULA (SEMANA AP1)</a:t>
+                      </a:r>
+                    </a:p>
+                  </a:txBody>
+                  <a:tcPr marL="7620" marR="7620" marT="7620" marB="0" anchor="ctr"/>
+                </a:tc>
+                <a:extLst>
+                  <a:ext uri="{0D108BD9-81ED-4DB2-BD59-A6C34878D82A}">
+                    <a16:rowId xmlns:a16="http://schemas.microsoft.com/office/drawing/2014/main" val="2601576780"/>
+                  </a:ext>
+                </a:extLst>
+              </a:tr>
+              <a:tr h="296864">
+                <a:tc>
+                  <a:txBody>
+                    <a:bodyPr/>
+                    <a:lstStyle/>
+                    <a:p>
+                      <a:pPr algn="ctr" fontAlgn="ctr"/>
+                      <a:r>
+                        <a:rPr lang="pt-BR" sz="3200" b="0" i="0" u="none" strike="noStrike">
+                          <a:solidFill>
+                            <a:srgbClr val="FF0000"/>
+                          </a:solidFill>
+                          <a:effectLst/>
+                          <a:latin typeface="+mj-lt"/>
+                        </a:rPr>
+                        <a:t>15</a:t>
+                      </a:r>
+                    </a:p>
+                  </a:txBody>
+                  <a:tcPr marL="7620" marR="7620" marT="7620" marB="0" anchor="ctr"/>
+                </a:tc>
+                <a:tc>
+                  <a:txBody>
+                    <a:bodyPr/>
+                    <a:lstStyle/>
+                    <a:p>
+                      <a:pPr algn="ctr" fontAlgn="ctr"/>
+                      <a:r>
+                        <a:rPr lang="pt-BR" sz="3200" b="0" i="0" u="none" strike="noStrike">
+                          <a:solidFill>
+                            <a:srgbClr val="FF0000"/>
+                          </a:solidFill>
+                          <a:effectLst/>
+                          <a:latin typeface="+mj-lt"/>
+                        </a:rPr>
+                        <a:t>12/04/2021</a:t>
+                      </a:r>
+                    </a:p>
+                  </a:txBody>
+                  <a:tcPr marL="7620" marR="7620" marT="7620" marB="0" anchor="ctr"/>
+                </a:tc>
+                <a:tc>
+                  <a:txBody>
+                    <a:bodyPr/>
+                    <a:lstStyle/>
+                    <a:p>
+                      <a:pPr algn="ctr" fontAlgn="ctr"/>
+                      <a:r>
+                        <a:rPr lang="pt-BR" sz="3200" b="0" i="0" u="none" strike="noStrike">
+                          <a:solidFill>
+                            <a:srgbClr val="FF0000"/>
+                          </a:solidFill>
+                          <a:effectLst/>
+                          <a:latin typeface="+mj-lt"/>
+                        </a:rPr>
+                        <a:t>seg</a:t>
+                      </a:r>
+                    </a:p>
+                  </a:txBody>
+                  <a:tcPr marL="7620" marR="7620" marT="7620" marB="0" anchor="ctr"/>
+                </a:tc>
+                <a:tc>
+                  <a:txBody>
+                    <a:bodyPr/>
+                    <a:lstStyle/>
+                    <a:p>
+                      <a:pPr algn="l" fontAlgn="ctr"/>
+                      <a:r>
+                        <a:rPr lang="pt-BR" sz="3200" b="0" i="0" u="none" strike="noStrike">
+                          <a:solidFill>
+                            <a:srgbClr val="FF0000"/>
+                          </a:solidFill>
+                          <a:effectLst/>
+                          <a:latin typeface="+mj-lt"/>
+                        </a:rPr>
+                        <a:t>SEM AULA (SEMANA AP1)</a:t>
+                      </a:r>
+                    </a:p>
+                  </a:txBody>
+                  <a:tcPr marL="7620" marR="7620" marT="7620" marB="0" anchor="ctr"/>
+                </a:tc>
+                <a:extLst>
+                  <a:ext uri="{0D108BD9-81ED-4DB2-BD59-A6C34878D82A}">
+                    <a16:rowId xmlns:a16="http://schemas.microsoft.com/office/drawing/2014/main" val="82769931"/>
+                  </a:ext>
+                </a:extLst>
+              </a:tr>
+              <a:tr h="296864">
+                <a:tc>
+                  <a:txBody>
+                    <a:bodyPr/>
+                    <a:lstStyle/>
+                    <a:p>
+                      <a:pPr algn="ctr" fontAlgn="ctr"/>
+                      <a:r>
+                        <a:rPr lang="pt-BR" sz="3200" b="0" i="0" u="none" strike="noStrike">
+                          <a:solidFill>
+                            <a:srgbClr val="FF0000"/>
+                          </a:solidFill>
+                          <a:effectLst/>
+                          <a:latin typeface="+mj-lt"/>
+                        </a:rPr>
+                        <a:t>16</a:t>
+                      </a:r>
+                    </a:p>
+                  </a:txBody>
+                  <a:tcPr marL="7620" marR="7620" marT="7620" marB="0" anchor="ctr"/>
+                </a:tc>
+                <a:tc>
+                  <a:txBody>
+                    <a:bodyPr/>
+                    <a:lstStyle/>
+                    <a:p>
+                      <a:pPr algn="ctr" fontAlgn="ctr"/>
+                      <a:r>
+                        <a:rPr lang="pt-BR" sz="3200" b="0" i="0" u="none" strike="noStrike">
+                          <a:solidFill>
+                            <a:srgbClr val="FF0000"/>
+                          </a:solidFill>
+                          <a:effectLst/>
+                          <a:latin typeface="+mj-lt"/>
+                        </a:rPr>
+                        <a:t>14/04/2021</a:t>
+                      </a:r>
+                    </a:p>
+                  </a:txBody>
+                  <a:tcPr marL="7620" marR="7620" marT="7620" marB="0" anchor="ctr"/>
+                </a:tc>
+                <a:tc>
+                  <a:txBody>
+                    <a:bodyPr/>
+                    <a:lstStyle/>
+                    <a:p>
+                      <a:pPr algn="ctr" fontAlgn="ctr"/>
+                      <a:r>
+                        <a:rPr lang="pt-BR" sz="3200" b="0" i="0" u="none" strike="noStrike">
+                          <a:solidFill>
+                            <a:srgbClr val="FF0000"/>
+                          </a:solidFill>
+                          <a:effectLst/>
+                          <a:latin typeface="+mj-lt"/>
+                        </a:rPr>
+                        <a:t>qua</a:t>
+                      </a:r>
+                    </a:p>
+                  </a:txBody>
+                  <a:tcPr marL="7620" marR="7620" marT="7620" marB="0" anchor="ctr"/>
+                </a:tc>
+                <a:tc>
+                  <a:txBody>
+                    <a:bodyPr/>
+                    <a:lstStyle/>
+                    <a:p>
+                      <a:pPr algn="l" fontAlgn="ctr"/>
+                      <a:r>
+                        <a:rPr lang="pt-BR" sz="3200" b="0" i="0" u="none" strike="noStrike">
+                          <a:solidFill>
+                            <a:srgbClr val="FF0000"/>
+                          </a:solidFill>
+                          <a:effectLst/>
+                          <a:latin typeface="+mj-lt"/>
+                        </a:rPr>
+                        <a:t>SEM AULA (SEMANA AP1)</a:t>
+                      </a:r>
+                    </a:p>
+                  </a:txBody>
+                  <a:tcPr marL="7620" marR="7620" marT="7620" marB="0" anchor="ctr"/>
+                </a:tc>
+                <a:extLst>
+                  <a:ext uri="{0D108BD9-81ED-4DB2-BD59-A6C34878D82A}">
+                    <a16:rowId xmlns:a16="http://schemas.microsoft.com/office/drawing/2014/main" val="3736344695"/>
+                  </a:ext>
+                </a:extLst>
+              </a:tr>
+              <a:tr h="296864">
+                <a:tc>
+                  <a:txBody>
+                    <a:bodyPr/>
+                    <a:lstStyle/>
+                    <a:p>
+                      <a:pPr algn="ctr" fontAlgn="ctr"/>
+                      <a:r>
+                        <a:rPr lang="pt-BR" sz="3200" b="0" i="0" u="none" strike="noStrike">
+                          <a:solidFill>
+                            <a:srgbClr val="000000"/>
+                          </a:solidFill>
+                          <a:effectLst/>
+                          <a:latin typeface="+mj-lt"/>
+                        </a:rPr>
+                        <a:t>17</a:t>
+                      </a:r>
+                    </a:p>
+                  </a:txBody>
+                  <a:tcPr marL="7620" marR="7620" marT="7620" marB="0" anchor="ctr"/>
+                </a:tc>
+                <a:tc>
+                  <a:txBody>
+                    <a:bodyPr/>
+                    <a:lstStyle/>
+                    <a:p>
+                      <a:pPr algn="ctr" fontAlgn="ctr"/>
+                      <a:r>
+                        <a:rPr lang="pt-BR" sz="3200" b="0" i="0" u="none" strike="noStrike">
+                          <a:solidFill>
+                            <a:srgbClr val="000000"/>
+                          </a:solidFill>
+                          <a:effectLst/>
+                          <a:latin typeface="+mj-lt"/>
+                        </a:rPr>
+                        <a:t>19/04/2021</a:t>
+                      </a:r>
+                    </a:p>
+                  </a:txBody>
+                  <a:tcPr marL="7620" marR="7620" marT="7620" marB="0" anchor="ctr"/>
+                </a:tc>
+                <a:tc>
+                  <a:txBody>
+                    <a:bodyPr/>
+                    <a:lstStyle/>
+                    <a:p>
+                      <a:pPr algn="ctr" fontAlgn="ctr"/>
+                      <a:r>
+                        <a:rPr lang="pt-BR" sz="3200" b="0" i="0" u="none" strike="noStrike">
+                          <a:solidFill>
+                            <a:srgbClr val="000000"/>
+                          </a:solidFill>
+                          <a:effectLst/>
+                          <a:latin typeface="+mj-lt"/>
+                        </a:rPr>
+                        <a:t>seg</a:t>
+                      </a:r>
+                    </a:p>
+                  </a:txBody>
+                  <a:tcPr marL="7620" marR="7620" marT="7620" marB="0" anchor="ctr"/>
+                </a:tc>
+                <a:tc>
+                  <a:txBody>
+                    <a:bodyPr/>
+                    <a:lstStyle/>
+                    <a:p>
+                      <a:pPr algn="l" fontAlgn="ctr"/>
+                      <a:r>
+                        <a:rPr lang="pt-BR" sz="3200" b="0" i="0" u="none" strike="noStrike">
+                          <a:solidFill>
+                            <a:srgbClr val="000000"/>
+                          </a:solidFill>
+                          <a:effectLst/>
+                          <a:latin typeface="+mj-lt"/>
+                        </a:rPr>
+                        <a:t>Conceitos organizacionais: pacotes</a:t>
+                      </a:r>
+                    </a:p>
+                  </a:txBody>
+                  <a:tcPr marL="7620" marR="7620" marT="7620" marB="0" anchor="ctr"/>
+                </a:tc>
+                <a:extLst>
+                  <a:ext uri="{0D108BD9-81ED-4DB2-BD59-A6C34878D82A}">
+                    <a16:rowId xmlns:a16="http://schemas.microsoft.com/office/drawing/2014/main" val="544830374"/>
+                  </a:ext>
+                </a:extLst>
+              </a:tr>
+              <a:tr h="296864">
+                <a:tc>
+                  <a:txBody>
+                    <a:bodyPr/>
+                    <a:lstStyle/>
+                    <a:p>
+                      <a:pPr algn="ctr" fontAlgn="ctr"/>
+                      <a:r>
+                        <a:rPr lang="pt-BR" sz="3200" b="0" i="0" u="none" strike="noStrike">
+                          <a:solidFill>
+                            <a:srgbClr val="FF0000"/>
+                          </a:solidFill>
+                          <a:effectLst/>
+                          <a:latin typeface="+mj-lt"/>
+                        </a:rPr>
+                        <a:t>18</a:t>
+                      </a:r>
+                    </a:p>
+                  </a:txBody>
+                  <a:tcPr marL="7620" marR="7620" marT="7620" marB="0" anchor="ctr"/>
+                </a:tc>
+                <a:tc>
+                  <a:txBody>
+                    <a:bodyPr/>
+                    <a:lstStyle/>
+                    <a:p>
+                      <a:pPr algn="ctr" fontAlgn="ctr"/>
+                      <a:r>
+                        <a:rPr lang="pt-BR" sz="3200" b="0" i="0" u="none" strike="noStrike">
+                          <a:solidFill>
+                            <a:srgbClr val="FF0000"/>
+                          </a:solidFill>
+                          <a:effectLst/>
+                          <a:latin typeface="+mj-lt"/>
+                        </a:rPr>
+                        <a:t>21/04/2021</a:t>
+                      </a:r>
+                    </a:p>
+                  </a:txBody>
+                  <a:tcPr marL="7620" marR="7620" marT="7620" marB="0" anchor="ctr"/>
+                </a:tc>
+                <a:tc>
+                  <a:txBody>
+                    <a:bodyPr/>
+                    <a:lstStyle/>
+                    <a:p>
+                      <a:pPr algn="ctr" fontAlgn="ctr"/>
+                      <a:r>
+                        <a:rPr lang="pt-BR" sz="3200" b="0" i="0" u="none" strike="noStrike">
+                          <a:solidFill>
+                            <a:srgbClr val="FF0000"/>
+                          </a:solidFill>
+                          <a:effectLst/>
+                          <a:latin typeface="+mj-lt"/>
+                        </a:rPr>
+                        <a:t>qua</a:t>
+                      </a:r>
+                    </a:p>
+                  </a:txBody>
+                  <a:tcPr marL="7620" marR="7620" marT="7620" marB="0" anchor="ctr"/>
+                </a:tc>
+                <a:tc>
+                  <a:txBody>
+                    <a:bodyPr/>
+                    <a:lstStyle/>
+                    <a:p>
+                      <a:pPr algn="l" fontAlgn="ctr"/>
+                      <a:r>
+                        <a:rPr lang="pt-BR" sz="3200" b="0" i="0" u="none" strike="noStrike">
+                          <a:solidFill>
+                            <a:srgbClr val="FF0000"/>
+                          </a:solidFill>
+                          <a:effectLst/>
+                          <a:latin typeface="+mj-lt"/>
+                        </a:rPr>
+                        <a:t>SEM AULA (TIRADENTES)</a:t>
+                      </a:r>
+                    </a:p>
+                  </a:txBody>
+                  <a:tcPr marL="7620" marR="7620" marT="7620" marB="0" anchor="ctr"/>
+                </a:tc>
+                <a:extLst>
+                  <a:ext uri="{0D108BD9-81ED-4DB2-BD59-A6C34878D82A}">
+                    <a16:rowId xmlns:a16="http://schemas.microsoft.com/office/drawing/2014/main" val="3377935695"/>
+                  </a:ext>
+                </a:extLst>
+              </a:tr>
+              <a:tr h="296864">
+                <a:tc>
+                  <a:txBody>
+                    <a:bodyPr/>
+                    <a:lstStyle/>
+                    <a:p>
+                      <a:pPr algn="ctr" fontAlgn="ctr"/>
+                      <a:r>
+                        <a:rPr lang="pt-BR" sz="3200" b="0" i="0" u="none" strike="noStrike">
+                          <a:solidFill>
+                            <a:srgbClr val="000000"/>
+                          </a:solidFill>
+                          <a:effectLst/>
+                          <a:latin typeface="+mj-lt"/>
+                        </a:rPr>
+                        <a:t>19</a:t>
+                      </a:r>
+                    </a:p>
+                  </a:txBody>
+                  <a:tcPr marL="7620" marR="7620" marT="7620" marB="0" anchor="ctr"/>
+                </a:tc>
+                <a:tc>
+                  <a:txBody>
+                    <a:bodyPr/>
+                    <a:lstStyle/>
+                    <a:p>
+                      <a:pPr algn="ctr" fontAlgn="ctr"/>
+                      <a:r>
+                        <a:rPr lang="pt-BR" sz="3200" b="0" i="0" u="none" strike="noStrike">
+                          <a:solidFill>
+                            <a:srgbClr val="000000"/>
+                          </a:solidFill>
+                          <a:effectLst/>
+                          <a:latin typeface="+mj-lt"/>
+                        </a:rPr>
+                        <a:t>26/04/2021</a:t>
+                      </a:r>
+                    </a:p>
+                  </a:txBody>
+                  <a:tcPr marL="7620" marR="7620" marT="7620" marB="0" anchor="ctr"/>
+                </a:tc>
+                <a:tc>
+                  <a:txBody>
+                    <a:bodyPr/>
+                    <a:lstStyle/>
+                    <a:p>
+                      <a:pPr algn="ctr" fontAlgn="ctr"/>
+                      <a:r>
+                        <a:rPr lang="pt-BR" sz="3200" b="0" i="0" u="none" strike="noStrike">
+                          <a:solidFill>
+                            <a:srgbClr val="000000"/>
+                          </a:solidFill>
+                          <a:effectLst/>
+                          <a:latin typeface="+mj-lt"/>
+                        </a:rPr>
+                        <a:t>seg</a:t>
+                      </a:r>
+                    </a:p>
+                  </a:txBody>
+                  <a:tcPr marL="7620" marR="7620" marT="7620" marB="0" anchor="ctr"/>
+                </a:tc>
+                <a:tc>
+                  <a:txBody>
+                    <a:bodyPr/>
+                    <a:lstStyle/>
+                    <a:p>
+                      <a:pPr algn="l" fontAlgn="ctr"/>
+                      <a:r>
+                        <a:rPr lang="pt-BR" sz="3200" b="0" i="0" u="none" strike="noStrike">
+                          <a:solidFill>
+                            <a:srgbClr val="000000"/>
+                          </a:solidFill>
+                          <a:effectLst/>
+                          <a:latin typeface="+mj-lt"/>
+                        </a:rPr>
+                        <a:t>Conceitos organizacionais: visibilidades</a:t>
+                      </a:r>
+                    </a:p>
+                  </a:txBody>
+                  <a:tcPr marL="7620" marR="7620" marT="7620" marB="0" anchor="ctr"/>
+                </a:tc>
+                <a:extLst>
+                  <a:ext uri="{0D108BD9-81ED-4DB2-BD59-A6C34878D82A}">
+                    <a16:rowId xmlns:a16="http://schemas.microsoft.com/office/drawing/2014/main" val="3733923337"/>
+                  </a:ext>
+                </a:extLst>
+              </a:tr>
+              <a:tr h="296864">
+                <a:tc>
+                  <a:txBody>
+                    <a:bodyPr/>
+                    <a:lstStyle/>
+                    <a:p>
+                      <a:pPr algn="ctr" fontAlgn="ctr"/>
+                      <a:r>
+                        <a:rPr lang="pt-BR" sz="3200" b="0" i="0" u="none" strike="noStrike">
+                          <a:solidFill>
+                            <a:srgbClr val="000000"/>
+                          </a:solidFill>
+                          <a:effectLst/>
+                          <a:latin typeface="+mj-lt"/>
+                        </a:rPr>
+                        <a:t>20</a:t>
+                      </a:r>
+                    </a:p>
+                  </a:txBody>
+                  <a:tcPr marL="7620" marR="7620" marT="7620" marB="0" anchor="ctr"/>
+                </a:tc>
+                <a:tc>
+                  <a:txBody>
+                    <a:bodyPr/>
+                    <a:lstStyle/>
+                    <a:p>
+                      <a:pPr algn="ctr" fontAlgn="ctr"/>
+                      <a:r>
+                        <a:rPr lang="pt-BR" sz="3200" b="0" i="0" u="none" strike="noStrike">
+                          <a:solidFill>
+                            <a:srgbClr val="000000"/>
+                          </a:solidFill>
+                          <a:effectLst/>
+                          <a:latin typeface="+mj-lt"/>
+                        </a:rPr>
+                        <a:t>28/04/2021</a:t>
+                      </a:r>
+                    </a:p>
+                  </a:txBody>
+                  <a:tcPr marL="7620" marR="7620" marT="7620" marB="0" anchor="ctr"/>
+                </a:tc>
+                <a:tc>
+                  <a:txBody>
+                    <a:bodyPr/>
+                    <a:lstStyle/>
+                    <a:p>
+                      <a:pPr algn="ctr" fontAlgn="ctr"/>
+                      <a:r>
+                        <a:rPr lang="pt-BR" sz="3200" b="0" i="0" u="none" strike="noStrike">
+                          <a:solidFill>
+                            <a:srgbClr val="000000"/>
+                          </a:solidFill>
+                          <a:effectLst/>
+                          <a:latin typeface="+mj-lt"/>
+                        </a:rPr>
+                        <a:t>qua</a:t>
+                      </a:r>
+                    </a:p>
+                  </a:txBody>
+                  <a:tcPr marL="7620" marR="7620" marT="7620" marB="0" anchor="ctr"/>
+                </a:tc>
+                <a:tc>
+                  <a:txBody>
+                    <a:bodyPr/>
+                    <a:lstStyle/>
+                    <a:p>
+                      <a:pPr algn="l" fontAlgn="ctr"/>
+                      <a:r>
+                        <a:rPr lang="pt-BR" sz="3200" b="0" i="0" u="none" strike="noStrike" dirty="0">
+                          <a:solidFill>
+                            <a:srgbClr val="000000"/>
+                          </a:solidFill>
+                          <a:effectLst/>
+                          <a:latin typeface="+mj-lt"/>
+                        </a:rPr>
+                        <a:t>Noções de UML: diagramas de caso de uso</a:t>
+                      </a:r>
+                    </a:p>
+                  </a:txBody>
+                  <a:tcPr marL="7620" marR="7620" marT="7620" marB="0" anchor="ctr"/>
+                </a:tc>
+                <a:extLst>
+                  <a:ext uri="{0D108BD9-81ED-4DB2-BD59-A6C34878D82A}">
+                    <a16:rowId xmlns:a16="http://schemas.microsoft.com/office/drawing/2014/main" val="1317153636"/>
+                  </a:ext>
+                </a:extLst>
+              </a:tr>
+            </a:tbl>
+          </a:graphicData>
+        </a:graphic>
+      </p:graphicFrame>
+    </p:spTree>
+    <p:extLst>
+      <p:ext uri="{BB962C8B-B14F-4D97-AF65-F5344CB8AC3E}">
+        <p14:creationId xmlns:p14="http://schemas.microsoft.com/office/powerpoint/2010/main" val="2105925147"/>
+      </p:ext>
+    </p:extLst>
+  </p:cSld>
+  <p:clrMapOvr>
+    <a:masterClrMapping/>
+  </p:clrMapOvr>
+  <p:transition spd="med"/>
+</p:sld>
+</file>
+
+<file path=ppt/slides/slide50.xml><?xml version="1.0" encoding="utf-8"?>
 <p:sld xmlns:a="http://schemas.openxmlformats.org/drawingml/2006/main" xmlns:r="http://schemas.openxmlformats.org/officeDocument/2006/relationships" xmlns:p="http://schemas.openxmlformats.org/presentationml/2006/main">
   <p:cSld>
     <p:spTree>
@@ -13856,7 +16931,7 @@
           <a:p>
             <a:fld id="{E4B35BDD-CC3D-4492-88ED-922B282360E3}" type="slidenum">
               <a:rPr lang="pt-BR" smtClean="0"/>
-              <a:t>44</a:t>
+              <a:t>50</a:t>
             </a:fld>
             <a:endParaRPr lang="pt-BR"/>
           </a:p>
@@ -13906,7 +16981,7 @@
 </p:sld>
 </file>
 
-<file path=ppt/slides/slide45.xml><?xml version="1.0" encoding="utf-8"?>
+<file path=ppt/slides/slide51.xml><?xml version="1.0" encoding="utf-8"?>
 <p:sld xmlns:a="http://schemas.openxmlformats.org/drawingml/2006/main" xmlns:r="http://schemas.openxmlformats.org/officeDocument/2006/relationships" xmlns:p="http://schemas.openxmlformats.org/presentationml/2006/main">
   <p:cSld>
     <p:spTree>
@@ -14209,7 +17284,7 @@
           <a:p>
             <a:fld id="{E4B35BDD-CC3D-4492-88ED-922B282360E3}" type="slidenum">
               <a:rPr lang="pt-BR" smtClean="0"/>
-              <a:t>45</a:t>
+              <a:t>51</a:t>
             </a:fld>
             <a:endParaRPr lang="pt-BR"/>
           </a:p>
@@ -14229,7 +17304,7 @@
 </p:sld>
 </file>
 
-<file path=ppt/slides/slide46.xml><?xml version="1.0" encoding="utf-8"?>
+<file path=ppt/slides/slide52.xml><?xml version="1.0" encoding="utf-8"?>
 <p:sld xmlns:a="http://schemas.openxmlformats.org/drawingml/2006/main" xmlns:r="http://schemas.openxmlformats.org/officeDocument/2006/relationships" xmlns:p="http://schemas.openxmlformats.org/presentationml/2006/main">
   <p:cSld>
     <p:spTree>
@@ -14432,7 +17507,7 @@
           <a:p>
             <a:fld id="{E4B35BDD-CC3D-4492-88ED-922B282360E3}" type="slidenum">
               <a:rPr lang="pt-BR" smtClean="0"/>
-              <a:t>46</a:t>
+              <a:t>52</a:t>
             </a:fld>
             <a:endParaRPr lang="pt-BR"/>
           </a:p>
@@ -14452,7 +17527,7 @@
 </p:sld>
 </file>
 
-<file path=ppt/slides/slide47.xml><?xml version="1.0" encoding="utf-8"?>
+<file path=ppt/slides/slide53.xml><?xml version="1.0" encoding="utf-8"?>
 <p:sld xmlns:a="http://schemas.openxmlformats.org/drawingml/2006/main" xmlns:r="http://schemas.openxmlformats.org/officeDocument/2006/relationships" xmlns:p="http://schemas.openxmlformats.org/presentationml/2006/main">
   <p:cSld>
     <p:spTree>
@@ -14580,7 +17655,7 @@
           <a:p>
             <a:fld id="{E4B35BDD-CC3D-4492-88ED-922B282360E3}" type="slidenum">
               <a:rPr lang="pt-BR" smtClean="0"/>
-              <a:t>47</a:t>
+              <a:t>53</a:t>
             </a:fld>
             <a:endParaRPr lang="pt-BR"/>
           </a:p>
@@ -15671,7 +18746,7 @@
 </p:sld>
 </file>
 
-<file path=ppt/slides/slide48.xml><?xml version="1.0" encoding="utf-8"?>
+<file path=ppt/slides/slide54.xml><?xml version="1.0" encoding="utf-8"?>
 <p:sld xmlns:a="http://schemas.openxmlformats.org/drawingml/2006/main" xmlns:r="http://schemas.openxmlformats.org/officeDocument/2006/relationships" xmlns:p="http://schemas.openxmlformats.org/presentationml/2006/main">
   <p:cSld>
     <p:spTree>
@@ -15829,7 +18904,7 @@
           <a:p>
             <a:fld id="{E4B35BDD-CC3D-4492-88ED-922B282360E3}" type="slidenum">
               <a:rPr lang="pt-BR" smtClean="0"/>
-              <a:t>48</a:t>
+              <a:t>54</a:t>
             </a:fld>
             <a:endParaRPr lang="pt-BR"/>
           </a:p>
@@ -15960,7 +19035,7 @@
 </p:sld>
 </file>
 
-<file path=ppt/slides/slide49.xml><?xml version="1.0" encoding="utf-8"?>
+<file path=ppt/slides/slide55.xml><?xml version="1.0" encoding="utf-8"?>
 <p:sld xmlns:a="http://schemas.openxmlformats.org/drawingml/2006/main" xmlns:r="http://schemas.openxmlformats.org/officeDocument/2006/relationships" xmlns:p="http://schemas.openxmlformats.org/presentationml/2006/main">
   <p:cSld>
     <p:spTree>
@@ -16203,7 +19278,7 @@
           <a:p>
             <a:fld id="{E4B35BDD-CC3D-4492-88ED-922B282360E3}" type="slidenum">
               <a:rPr lang="pt-BR" smtClean="0"/>
-              <a:t>49</a:t>
+              <a:t>55</a:t>
             </a:fld>
             <a:endParaRPr lang="pt-BR"/>
           </a:p>
@@ -16253,2024 +19328,7 @@
 </p:sld>
 </file>
 
-<file path=ppt/slides/slide5.xml><?xml version="1.0" encoding="utf-8"?>
-<p:sld xmlns:a="http://schemas.openxmlformats.org/drawingml/2006/main" xmlns:r="http://schemas.openxmlformats.org/officeDocument/2006/relationships" xmlns:p="http://schemas.openxmlformats.org/presentationml/2006/main">
-  <p:cSld>
-    <p:spTree>
-      <p:nvGrpSpPr>
-        <p:cNvPr id="1" name=""/>
-        <p:cNvGrpSpPr/>
-        <p:nvPr/>
-      </p:nvGrpSpPr>
-      <p:grpSpPr>
-        <a:xfrm>
-          <a:off x="0" y="0"/>
-          <a:ext cx="0" cy="0"/>
-          <a:chOff x="0" y="0"/>
-          <a:chExt cx="0" cy="0"/>
-        </a:xfrm>
-      </p:grpSpPr>
-      <p:sp>
-        <p:nvSpPr>
-          <p:cNvPr id="2" name="Título 1"/>
-          <p:cNvSpPr>
-            <a:spLocks noGrp="1"/>
-          </p:cNvSpPr>
-          <p:nvPr>
-            <p:ph type="title"/>
-          </p:nvPr>
-        </p:nvSpPr>
-        <p:spPr/>
-        <p:txBody>
-          <a:bodyPr>
-            <a:normAutofit/>
-          </a:bodyPr>
-          <a:lstStyle/>
-          <a:p>
-            <a:r>
-              <a:rPr lang="pt-BR" dirty="0"/>
-              <a:t>Apresentação do curso</a:t>
-            </a:r>
-          </a:p>
-        </p:txBody>
-      </p:sp>
-      <p:sp>
-        <p:nvSpPr>
-          <p:cNvPr id="3" name="Espaço Reservado para Conteúdo 2"/>
-          <p:cNvSpPr>
-            <a:spLocks noGrp="1"/>
-          </p:cNvSpPr>
-          <p:nvPr>
-            <p:ph type="body" idx="1"/>
-          </p:nvPr>
-        </p:nvSpPr>
-        <p:spPr>
-          <a:xfrm>
-            <a:off x="1689100" y="2604529"/>
-            <a:ext cx="21005800" cy="10595655"/>
-          </a:xfrm>
-          <a:solidFill>
-            <a:schemeClr val="bg1"/>
-          </a:solidFill>
-        </p:spPr>
-        <p:txBody>
-          <a:bodyPr>
-            <a:normAutofit/>
-          </a:bodyPr>
-          <a:lstStyle/>
-          <a:p>
-            <a:endParaRPr lang="pt-BR" dirty="0"/>
-          </a:p>
-        </p:txBody>
-      </p:sp>
-      <p:sp>
-        <p:nvSpPr>
-          <p:cNvPr id="5" name="Espaço Reservado para Número de Slide 4">
-            <a:extLst>
-              <a:ext uri="{FF2B5EF4-FFF2-40B4-BE49-F238E27FC236}">
-                <a16:creationId xmlns:a16="http://schemas.microsoft.com/office/drawing/2014/main" id="{A41A86C6-43EE-475D-898C-29287247F827}"/>
-              </a:ext>
-            </a:extLst>
-          </p:cNvPr>
-          <p:cNvSpPr>
-            <a:spLocks noGrp="1"/>
-          </p:cNvSpPr>
-          <p:nvPr>
-            <p:ph type="sldNum" sz="quarter" idx="10"/>
-          </p:nvPr>
-        </p:nvSpPr>
-        <p:spPr/>
-        <p:txBody>
-          <a:bodyPr/>
-          <a:lstStyle/>
-          <a:p>
-            <a:fld id="{5D0C34D4-E406-4A74-B020-30BB69A49765}" type="slidenum">
-              <a:rPr lang="pt-BR" smtClean="0"/>
-              <a:pPr/>
-              <a:t>5</a:t>
-            </a:fld>
-            <a:endParaRPr lang="pt-BR" dirty="0"/>
-          </a:p>
-        </p:txBody>
-      </p:sp>
-      <p:graphicFrame>
-        <p:nvGraphicFramePr>
-          <p:cNvPr id="6" name="Tabela 5">
-            <a:extLst>
-              <a:ext uri="{FF2B5EF4-FFF2-40B4-BE49-F238E27FC236}">
-                <a16:creationId xmlns:a16="http://schemas.microsoft.com/office/drawing/2014/main" id="{B9ED3B9D-5546-41AA-8223-966B136CC146}"/>
-              </a:ext>
-            </a:extLst>
-          </p:cNvPr>
-          <p:cNvGraphicFramePr>
-            <a:graphicFrameLocks noGrp="1"/>
-          </p:cNvGraphicFramePr>
-          <p:nvPr>
-            <p:extLst>
-              <p:ext uri="{D42A27DB-BD31-4B8C-83A1-F6EECF244321}">
-                <p14:modId xmlns:p14="http://schemas.microsoft.com/office/powerpoint/2010/main" val="23607533"/>
-              </p:ext>
-            </p:extLst>
-          </p:nvPr>
-        </p:nvGraphicFramePr>
-        <p:xfrm>
-          <a:off x="4092000" y="2248930"/>
-          <a:ext cx="16200000" cy="10406049"/>
-        </p:xfrm>
-        <a:graphic>
-          <a:graphicData uri="http://schemas.openxmlformats.org/drawingml/2006/table">
-            <a:tbl>
-              <a:tblPr firstRow="1" bandRow="1">
-                <a:tableStyleId>{3B4B98B0-60AC-42C2-AFA5-B58CD77FA1E5}</a:tableStyleId>
-              </a:tblPr>
-              <a:tblGrid>
-                <a:gridCol w="1253723">
-                  <a:extLst>
-                    <a:ext uri="{9D8B030D-6E8A-4147-A177-3AD203B41FA5}">
-                      <a16:colId xmlns:a16="http://schemas.microsoft.com/office/drawing/2014/main" val="1288035488"/>
-                    </a:ext>
-                  </a:extLst>
-                </a:gridCol>
-                <a:gridCol w="2110154">
-                  <a:extLst>
-                    <a:ext uri="{9D8B030D-6E8A-4147-A177-3AD203B41FA5}">
-                      <a16:colId xmlns:a16="http://schemas.microsoft.com/office/drawing/2014/main" val="2750388513"/>
-                    </a:ext>
-                  </a:extLst>
-                </a:gridCol>
-                <a:gridCol w="1828800">
-                  <a:extLst>
-                    <a:ext uri="{9D8B030D-6E8A-4147-A177-3AD203B41FA5}">
-                      <a16:colId xmlns:a16="http://schemas.microsoft.com/office/drawing/2014/main" val="1186885205"/>
-                    </a:ext>
-                  </a:extLst>
-                </a:gridCol>
-                <a:gridCol w="11007323">
-                  <a:extLst>
-                    <a:ext uri="{9D8B030D-6E8A-4147-A177-3AD203B41FA5}">
-                      <a16:colId xmlns:a16="http://schemas.microsoft.com/office/drawing/2014/main" val="1203779666"/>
-                    </a:ext>
-                  </a:extLst>
-                </a:gridCol>
-              </a:tblGrid>
-              <a:tr h="296864">
-                <a:tc>
-                  <a:txBody>
-                    <a:bodyPr/>
-                    <a:lstStyle/>
-                    <a:p>
-                      <a:pPr algn="ctr" fontAlgn="ctr"/>
-                      <a:r>
-                        <a:rPr lang="pt-BR" sz="3200" u="none" strike="noStrike">
-                          <a:effectLst/>
-                        </a:rPr>
-                        <a:t>Aula</a:t>
-                      </a:r>
-                      <a:endParaRPr lang="pt-BR" sz="3200" b="1" i="0" u="none" strike="noStrike">
-                        <a:solidFill>
-                          <a:srgbClr val="FFFFFF"/>
-                        </a:solidFill>
-                        <a:effectLst/>
-                        <a:latin typeface="Calibri" panose="020F0502020204030204" pitchFamily="34" charset="0"/>
-                      </a:endParaRPr>
-                    </a:p>
-                  </a:txBody>
-                  <a:tcPr marL="12369" marR="12369" marT="12369" marB="0" anchor="ctr"/>
-                </a:tc>
-                <a:tc>
-                  <a:txBody>
-                    <a:bodyPr/>
-                    <a:lstStyle/>
-                    <a:p>
-                      <a:pPr algn="ctr" fontAlgn="ctr"/>
-                      <a:r>
-                        <a:rPr lang="pt-BR" sz="3200" u="none" strike="noStrike">
-                          <a:effectLst/>
-                        </a:rPr>
-                        <a:t>Dia</a:t>
-                      </a:r>
-                      <a:endParaRPr lang="pt-BR" sz="3200" b="1" i="0" u="none" strike="noStrike">
-                        <a:solidFill>
-                          <a:srgbClr val="FFFFFF"/>
-                        </a:solidFill>
-                        <a:effectLst/>
-                        <a:latin typeface="Calibri" panose="020F0502020204030204" pitchFamily="34" charset="0"/>
-                      </a:endParaRPr>
-                    </a:p>
-                  </a:txBody>
-                  <a:tcPr marL="12369" marR="12369" marT="12369" marB="0" anchor="ctr"/>
-                </a:tc>
-                <a:tc>
-                  <a:txBody>
-                    <a:bodyPr/>
-                    <a:lstStyle/>
-                    <a:p>
-                      <a:pPr algn="ctr" fontAlgn="ctr"/>
-                      <a:r>
-                        <a:rPr lang="pt-BR" sz="3200" u="none" strike="noStrike">
-                          <a:effectLst/>
-                        </a:rPr>
-                        <a:t>Dia sem.</a:t>
-                      </a:r>
-                      <a:endParaRPr lang="pt-BR" sz="3200" b="1" i="0" u="none" strike="noStrike">
-                        <a:solidFill>
-                          <a:srgbClr val="FFFFFF"/>
-                        </a:solidFill>
-                        <a:effectLst/>
-                        <a:latin typeface="Calibri" panose="020F0502020204030204" pitchFamily="34" charset="0"/>
-                      </a:endParaRPr>
-                    </a:p>
-                  </a:txBody>
-                  <a:tcPr marL="12369" marR="12369" marT="12369" marB="0" anchor="ctr"/>
-                </a:tc>
-                <a:tc>
-                  <a:txBody>
-                    <a:bodyPr/>
-                    <a:lstStyle/>
-                    <a:p>
-                      <a:pPr algn="ctr" fontAlgn="ctr"/>
-                      <a:r>
-                        <a:rPr lang="pt-BR" sz="3200" u="none" strike="noStrike">
-                          <a:effectLst/>
-                        </a:rPr>
-                        <a:t>Tópico</a:t>
-                      </a:r>
-                      <a:endParaRPr lang="pt-BR" sz="3200" b="1" i="0" u="none" strike="noStrike">
-                        <a:solidFill>
-                          <a:srgbClr val="FFFFFF"/>
-                        </a:solidFill>
-                        <a:effectLst/>
-                        <a:latin typeface="Calibri" panose="020F0502020204030204" pitchFamily="34" charset="0"/>
-                      </a:endParaRPr>
-                    </a:p>
-                  </a:txBody>
-                  <a:tcPr marL="12369" marR="12369" marT="12369" marB="0" anchor="ctr"/>
-                </a:tc>
-                <a:extLst>
-                  <a:ext uri="{0D108BD9-81ED-4DB2-BD59-A6C34878D82A}">
-                    <a16:rowId xmlns:a16="http://schemas.microsoft.com/office/drawing/2014/main" val="1206983840"/>
-                  </a:ext>
-                </a:extLst>
-              </a:tr>
-              <a:tr h="296864">
-                <a:tc>
-                  <a:txBody>
-                    <a:bodyPr/>
-                    <a:lstStyle/>
-                    <a:p>
-                      <a:pPr algn="ctr" fontAlgn="ctr"/>
-                      <a:r>
-                        <a:rPr lang="pt-BR" sz="3200" b="0" i="0" u="none" strike="noStrike">
-                          <a:solidFill>
-                            <a:srgbClr val="000000"/>
-                          </a:solidFill>
-                          <a:effectLst/>
-                          <a:latin typeface="+mj-lt"/>
-                        </a:rPr>
-                        <a:t>01</a:t>
-                      </a:r>
-                    </a:p>
-                  </a:txBody>
-                  <a:tcPr marL="7620" marR="7620" marT="7620" marB="0" anchor="ctr"/>
-                </a:tc>
-                <a:tc>
-                  <a:txBody>
-                    <a:bodyPr/>
-                    <a:lstStyle/>
-                    <a:p>
-                      <a:pPr algn="ctr" fontAlgn="ctr"/>
-                      <a:r>
-                        <a:rPr lang="pt-BR" sz="3200" b="0" i="0" u="none" strike="noStrike">
-                          <a:solidFill>
-                            <a:srgbClr val="000000"/>
-                          </a:solidFill>
-                          <a:effectLst/>
-                          <a:latin typeface="+mj-lt"/>
-                        </a:rPr>
-                        <a:t>22/02/2021</a:t>
-                      </a:r>
-                    </a:p>
-                  </a:txBody>
-                  <a:tcPr marL="7620" marR="7620" marT="7620" marB="0" anchor="ctr"/>
-                </a:tc>
-                <a:tc>
-                  <a:txBody>
-                    <a:bodyPr/>
-                    <a:lstStyle/>
-                    <a:p>
-                      <a:pPr algn="ctr" fontAlgn="ctr"/>
-                      <a:r>
-                        <a:rPr lang="pt-BR" sz="3200" b="0" i="0" u="none" strike="noStrike">
-                          <a:solidFill>
-                            <a:srgbClr val="000000"/>
-                          </a:solidFill>
-                          <a:effectLst/>
-                          <a:latin typeface="+mj-lt"/>
-                        </a:rPr>
-                        <a:t>seg</a:t>
-                      </a:r>
-                    </a:p>
-                  </a:txBody>
-                  <a:tcPr marL="7620" marR="7620" marT="7620" marB="0" anchor="ctr"/>
-                </a:tc>
-                <a:tc>
-                  <a:txBody>
-                    <a:bodyPr/>
-                    <a:lstStyle/>
-                    <a:p>
-                      <a:pPr algn="l" fontAlgn="ctr"/>
-                      <a:r>
-                        <a:rPr lang="pt-BR" sz="3200" b="0" i="0" u="none" strike="noStrike">
-                          <a:solidFill>
-                            <a:srgbClr val="000000"/>
-                          </a:solidFill>
-                          <a:effectLst/>
-                          <a:latin typeface="+mj-lt"/>
-                        </a:rPr>
-                        <a:t>Introdução à disciplina</a:t>
-                      </a:r>
-                    </a:p>
-                  </a:txBody>
-                  <a:tcPr marL="7620" marR="7620" marT="7620" marB="0" anchor="ctr"/>
-                </a:tc>
-                <a:extLst>
-                  <a:ext uri="{0D108BD9-81ED-4DB2-BD59-A6C34878D82A}">
-                    <a16:rowId xmlns:a16="http://schemas.microsoft.com/office/drawing/2014/main" val="199053517"/>
-                  </a:ext>
-                </a:extLst>
-              </a:tr>
-              <a:tr h="296864">
-                <a:tc>
-                  <a:txBody>
-                    <a:bodyPr/>
-                    <a:lstStyle/>
-                    <a:p>
-                      <a:pPr algn="ctr" fontAlgn="ctr"/>
-                      <a:r>
-                        <a:rPr lang="pt-BR" sz="3200" b="0" i="0" u="none" strike="noStrike">
-                          <a:solidFill>
-                            <a:srgbClr val="000000"/>
-                          </a:solidFill>
-                          <a:effectLst/>
-                          <a:latin typeface="+mj-lt"/>
-                        </a:rPr>
-                        <a:t>02</a:t>
-                      </a:r>
-                    </a:p>
-                  </a:txBody>
-                  <a:tcPr marL="7620" marR="7620" marT="7620" marB="0" anchor="ctr"/>
-                </a:tc>
-                <a:tc>
-                  <a:txBody>
-                    <a:bodyPr/>
-                    <a:lstStyle/>
-                    <a:p>
-                      <a:pPr algn="ctr" fontAlgn="ctr"/>
-                      <a:r>
-                        <a:rPr lang="pt-BR" sz="3200" b="0" i="0" u="none" strike="noStrike">
-                          <a:solidFill>
-                            <a:srgbClr val="000000"/>
-                          </a:solidFill>
-                          <a:effectLst/>
-                          <a:latin typeface="+mj-lt"/>
-                        </a:rPr>
-                        <a:t>24/02/2021</a:t>
-                      </a:r>
-                    </a:p>
-                  </a:txBody>
-                  <a:tcPr marL="7620" marR="7620" marT="7620" marB="0" anchor="ctr"/>
-                </a:tc>
-                <a:tc>
-                  <a:txBody>
-                    <a:bodyPr/>
-                    <a:lstStyle/>
-                    <a:p>
-                      <a:pPr algn="ctr" fontAlgn="ctr"/>
-                      <a:r>
-                        <a:rPr lang="pt-BR" sz="3200" b="0" i="0" u="none" strike="noStrike">
-                          <a:solidFill>
-                            <a:srgbClr val="000000"/>
-                          </a:solidFill>
-                          <a:effectLst/>
-                          <a:latin typeface="+mj-lt"/>
-                        </a:rPr>
-                        <a:t>qua</a:t>
-                      </a:r>
-                    </a:p>
-                  </a:txBody>
-                  <a:tcPr marL="7620" marR="7620" marT="7620" marB="0" anchor="ctr"/>
-                </a:tc>
-                <a:tc>
-                  <a:txBody>
-                    <a:bodyPr/>
-                    <a:lstStyle/>
-                    <a:p>
-                      <a:pPr algn="l" fontAlgn="ctr"/>
-                      <a:r>
-                        <a:rPr lang="pt-BR" sz="3200" b="0" i="0" u="none" strike="noStrike" dirty="0">
-                          <a:solidFill>
-                            <a:srgbClr val="000000"/>
-                          </a:solidFill>
-                          <a:effectLst/>
-                          <a:latin typeface="+mj-lt"/>
-                        </a:rPr>
-                        <a:t>Sobre paradigmas de programação / Introdução ao Git</a:t>
-                      </a:r>
-                    </a:p>
-                  </a:txBody>
-                  <a:tcPr marL="7620" marR="7620" marT="7620" marB="0" anchor="ctr"/>
-                </a:tc>
-                <a:extLst>
-                  <a:ext uri="{0D108BD9-81ED-4DB2-BD59-A6C34878D82A}">
-                    <a16:rowId xmlns:a16="http://schemas.microsoft.com/office/drawing/2014/main" val="1993147800"/>
-                  </a:ext>
-                </a:extLst>
-              </a:tr>
-              <a:tr h="296864">
-                <a:tc>
-                  <a:txBody>
-                    <a:bodyPr/>
-                    <a:lstStyle/>
-                    <a:p>
-                      <a:pPr algn="ctr" fontAlgn="ctr"/>
-                      <a:r>
-                        <a:rPr lang="pt-BR" sz="3200" b="0" i="0" u="none" strike="noStrike">
-                          <a:solidFill>
-                            <a:srgbClr val="000000"/>
-                          </a:solidFill>
-                          <a:effectLst/>
-                          <a:latin typeface="+mj-lt"/>
-                        </a:rPr>
-                        <a:t>03</a:t>
-                      </a:r>
-                    </a:p>
-                  </a:txBody>
-                  <a:tcPr marL="7620" marR="7620" marT="7620" marB="0" anchor="ctr"/>
-                </a:tc>
-                <a:tc>
-                  <a:txBody>
-                    <a:bodyPr/>
-                    <a:lstStyle/>
-                    <a:p>
-                      <a:pPr algn="ctr" fontAlgn="ctr"/>
-                      <a:r>
-                        <a:rPr lang="pt-BR" sz="3200" b="0" i="0" u="none" strike="noStrike">
-                          <a:solidFill>
-                            <a:srgbClr val="000000"/>
-                          </a:solidFill>
-                          <a:effectLst/>
-                          <a:latin typeface="+mj-lt"/>
-                        </a:rPr>
-                        <a:t>01/03/2021</a:t>
-                      </a:r>
-                    </a:p>
-                  </a:txBody>
-                  <a:tcPr marL="7620" marR="7620" marT="7620" marB="0" anchor="ctr"/>
-                </a:tc>
-                <a:tc>
-                  <a:txBody>
-                    <a:bodyPr/>
-                    <a:lstStyle/>
-                    <a:p>
-                      <a:pPr algn="ctr" fontAlgn="ctr"/>
-                      <a:r>
-                        <a:rPr lang="pt-BR" sz="3200" b="0" i="0" u="none" strike="noStrike">
-                          <a:solidFill>
-                            <a:srgbClr val="000000"/>
-                          </a:solidFill>
-                          <a:effectLst/>
-                          <a:latin typeface="+mj-lt"/>
-                        </a:rPr>
-                        <a:t>seg</a:t>
-                      </a:r>
-                    </a:p>
-                  </a:txBody>
-                  <a:tcPr marL="7620" marR="7620" marT="7620" marB="0" anchor="ctr"/>
-                </a:tc>
-                <a:tc>
-                  <a:txBody>
-                    <a:bodyPr/>
-                    <a:lstStyle/>
-                    <a:p>
-                      <a:pPr algn="l" fontAlgn="ctr"/>
-                      <a:r>
-                        <a:rPr lang="pt-BR" sz="3200" b="0" i="0" u="none" strike="noStrike">
-                          <a:solidFill>
-                            <a:srgbClr val="000000"/>
-                          </a:solidFill>
-                          <a:effectLst/>
-                          <a:latin typeface="+mj-lt"/>
-                        </a:rPr>
-                        <a:t>Fundamentos de OO: abstração, reuso, encapsulamento</a:t>
-                      </a:r>
-                    </a:p>
-                  </a:txBody>
-                  <a:tcPr marL="7620" marR="7620" marT="7620" marB="0" anchor="ctr"/>
-                </a:tc>
-                <a:extLst>
-                  <a:ext uri="{0D108BD9-81ED-4DB2-BD59-A6C34878D82A}">
-                    <a16:rowId xmlns:a16="http://schemas.microsoft.com/office/drawing/2014/main" val="4038678326"/>
-                  </a:ext>
-                </a:extLst>
-              </a:tr>
-              <a:tr h="296864">
-                <a:tc>
-                  <a:txBody>
-                    <a:bodyPr/>
-                    <a:lstStyle/>
-                    <a:p>
-                      <a:pPr algn="ctr" fontAlgn="ctr"/>
-                      <a:r>
-                        <a:rPr lang="pt-BR" sz="3200" b="0" i="0" u="none" strike="noStrike">
-                          <a:solidFill>
-                            <a:srgbClr val="000000"/>
-                          </a:solidFill>
-                          <a:effectLst/>
-                          <a:latin typeface="+mj-lt"/>
-                        </a:rPr>
-                        <a:t>04</a:t>
-                      </a:r>
-                    </a:p>
-                  </a:txBody>
-                  <a:tcPr marL="7620" marR="7620" marT="7620" marB="0" anchor="ctr"/>
-                </a:tc>
-                <a:tc>
-                  <a:txBody>
-                    <a:bodyPr/>
-                    <a:lstStyle/>
-                    <a:p>
-                      <a:pPr algn="ctr" fontAlgn="ctr"/>
-                      <a:r>
-                        <a:rPr lang="pt-BR" sz="3200" b="0" i="0" u="none" strike="noStrike">
-                          <a:solidFill>
-                            <a:srgbClr val="000000"/>
-                          </a:solidFill>
-                          <a:effectLst/>
-                          <a:latin typeface="+mj-lt"/>
-                        </a:rPr>
-                        <a:t>03/03/2021</a:t>
-                      </a:r>
-                    </a:p>
-                  </a:txBody>
-                  <a:tcPr marL="7620" marR="7620" marT="7620" marB="0" anchor="ctr"/>
-                </a:tc>
-                <a:tc>
-                  <a:txBody>
-                    <a:bodyPr/>
-                    <a:lstStyle/>
-                    <a:p>
-                      <a:pPr algn="ctr" fontAlgn="ctr"/>
-                      <a:r>
-                        <a:rPr lang="pt-BR" sz="3200" b="0" i="0" u="none" strike="noStrike">
-                          <a:solidFill>
-                            <a:srgbClr val="000000"/>
-                          </a:solidFill>
-                          <a:effectLst/>
-                          <a:latin typeface="+mj-lt"/>
-                        </a:rPr>
-                        <a:t>qua</a:t>
-                      </a:r>
-                    </a:p>
-                  </a:txBody>
-                  <a:tcPr marL="7620" marR="7620" marT="7620" marB="0" anchor="ctr"/>
-                </a:tc>
-                <a:tc>
-                  <a:txBody>
-                    <a:bodyPr/>
-                    <a:lstStyle/>
-                    <a:p>
-                      <a:pPr algn="l" fontAlgn="ctr"/>
-                      <a:r>
-                        <a:rPr lang="pt-BR" sz="3200" b="0" i="0" u="none" strike="noStrike">
-                          <a:solidFill>
-                            <a:srgbClr val="000000"/>
-                          </a:solidFill>
-                          <a:effectLst/>
-                          <a:latin typeface="+mj-lt"/>
-                        </a:rPr>
-                        <a:t>Conceitos iniciais de Java: parte 1</a:t>
-                      </a:r>
-                    </a:p>
-                  </a:txBody>
-                  <a:tcPr marL="7620" marR="7620" marT="7620" marB="0" anchor="ctr"/>
-                </a:tc>
-                <a:extLst>
-                  <a:ext uri="{0D108BD9-81ED-4DB2-BD59-A6C34878D82A}">
-                    <a16:rowId xmlns:a16="http://schemas.microsoft.com/office/drawing/2014/main" val="1221662676"/>
-                  </a:ext>
-                </a:extLst>
-              </a:tr>
-              <a:tr h="296864">
-                <a:tc>
-                  <a:txBody>
-                    <a:bodyPr/>
-                    <a:lstStyle/>
-                    <a:p>
-                      <a:pPr algn="ctr" fontAlgn="ctr"/>
-                      <a:r>
-                        <a:rPr lang="pt-BR" sz="3200" b="0" i="0" u="none" strike="noStrike">
-                          <a:solidFill>
-                            <a:srgbClr val="000000"/>
-                          </a:solidFill>
-                          <a:effectLst/>
-                          <a:latin typeface="+mj-lt"/>
-                        </a:rPr>
-                        <a:t>05</a:t>
-                      </a:r>
-                    </a:p>
-                  </a:txBody>
-                  <a:tcPr marL="7620" marR="7620" marT="7620" marB="0" anchor="ctr"/>
-                </a:tc>
-                <a:tc>
-                  <a:txBody>
-                    <a:bodyPr/>
-                    <a:lstStyle/>
-                    <a:p>
-                      <a:pPr algn="ctr" fontAlgn="ctr"/>
-                      <a:r>
-                        <a:rPr lang="pt-BR" sz="3200" b="0" i="0" u="none" strike="noStrike">
-                          <a:solidFill>
-                            <a:srgbClr val="000000"/>
-                          </a:solidFill>
-                          <a:effectLst/>
-                          <a:latin typeface="+mj-lt"/>
-                        </a:rPr>
-                        <a:t>08/03/2021</a:t>
-                      </a:r>
-                    </a:p>
-                  </a:txBody>
-                  <a:tcPr marL="7620" marR="7620" marT="7620" marB="0" anchor="ctr"/>
-                </a:tc>
-                <a:tc>
-                  <a:txBody>
-                    <a:bodyPr/>
-                    <a:lstStyle/>
-                    <a:p>
-                      <a:pPr algn="ctr" fontAlgn="ctr"/>
-                      <a:r>
-                        <a:rPr lang="pt-BR" sz="3200" b="0" i="0" u="none" strike="noStrike">
-                          <a:solidFill>
-                            <a:srgbClr val="000000"/>
-                          </a:solidFill>
-                          <a:effectLst/>
-                          <a:latin typeface="+mj-lt"/>
-                        </a:rPr>
-                        <a:t>seg</a:t>
-                      </a:r>
-                    </a:p>
-                  </a:txBody>
-                  <a:tcPr marL="7620" marR="7620" marT="7620" marB="0" anchor="ctr"/>
-                </a:tc>
-                <a:tc>
-                  <a:txBody>
-                    <a:bodyPr/>
-                    <a:lstStyle/>
-                    <a:p>
-                      <a:pPr algn="l" fontAlgn="ctr"/>
-                      <a:r>
-                        <a:rPr lang="pt-BR" sz="3200" b="0" i="0" u="none" strike="noStrike">
-                          <a:solidFill>
-                            <a:srgbClr val="000000"/>
-                          </a:solidFill>
-                          <a:effectLst/>
-                          <a:latin typeface="+mj-lt"/>
-                        </a:rPr>
-                        <a:t>Conceitos iniciais de Java: parte 2</a:t>
-                      </a:r>
-                    </a:p>
-                  </a:txBody>
-                  <a:tcPr marL="7620" marR="7620" marT="7620" marB="0" anchor="ctr"/>
-                </a:tc>
-                <a:extLst>
-                  <a:ext uri="{0D108BD9-81ED-4DB2-BD59-A6C34878D82A}">
-                    <a16:rowId xmlns:a16="http://schemas.microsoft.com/office/drawing/2014/main" val="1437261518"/>
-                  </a:ext>
-                </a:extLst>
-              </a:tr>
-              <a:tr h="296864">
-                <a:tc>
-                  <a:txBody>
-                    <a:bodyPr/>
-                    <a:lstStyle/>
-                    <a:p>
-                      <a:pPr algn="ctr" fontAlgn="ctr"/>
-                      <a:r>
-                        <a:rPr lang="pt-BR" sz="3200" b="0" i="0" u="none" strike="noStrike">
-                          <a:solidFill>
-                            <a:srgbClr val="000000"/>
-                          </a:solidFill>
-                          <a:effectLst/>
-                          <a:latin typeface="+mj-lt"/>
-                        </a:rPr>
-                        <a:t>06</a:t>
-                      </a:r>
-                    </a:p>
-                  </a:txBody>
-                  <a:tcPr marL="7620" marR="7620" marT="7620" marB="0" anchor="ctr"/>
-                </a:tc>
-                <a:tc>
-                  <a:txBody>
-                    <a:bodyPr/>
-                    <a:lstStyle/>
-                    <a:p>
-                      <a:pPr algn="ctr" fontAlgn="ctr"/>
-                      <a:r>
-                        <a:rPr lang="pt-BR" sz="3200" b="0" i="0" u="none" strike="noStrike">
-                          <a:solidFill>
-                            <a:srgbClr val="000000"/>
-                          </a:solidFill>
-                          <a:effectLst/>
-                          <a:latin typeface="+mj-lt"/>
-                        </a:rPr>
-                        <a:t>10/03/2021</a:t>
-                      </a:r>
-                    </a:p>
-                  </a:txBody>
-                  <a:tcPr marL="7620" marR="7620" marT="7620" marB="0" anchor="ctr"/>
-                </a:tc>
-                <a:tc>
-                  <a:txBody>
-                    <a:bodyPr/>
-                    <a:lstStyle/>
-                    <a:p>
-                      <a:pPr algn="ctr" fontAlgn="ctr"/>
-                      <a:r>
-                        <a:rPr lang="pt-BR" sz="3200" b="0" i="0" u="none" strike="noStrike">
-                          <a:solidFill>
-                            <a:srgbClr val="000000"/>
-                          </a:solidFill>
-                          <a:effectLst/>
-                          <a:latin typeface="+mj-lt"/>
-                        </a:rPr>
-                        <a:t>qua</a:t>
-                      </a:r>
-                    </a:p>
-                  </a:txBody>
-                  <a:tcPr marL="7620" marR="7620" marT="7620" marB="0" anchor="ctr"/>
-                </a:tc>
-                <a:tc>
-                  <a:txBody>
-                    <a:bodyPr/>
-                    <a:lstStyle/>
-                    <a:p>
-                      <a:pPr algn="l" fontAlgn="ctr"/>
-                      <a:r>
-                        <a:rPr lang="pt-BR" sz="3200" b="0" i="0" u="none" strike="noStrike">
-                          <a:solidFill>
-                            <a:srgbClr val="000000"/>
-                          </a:solidFill>
-                          <a:effectLst/>
-                          <a:latin typeface="+mj-lt"/>
-                        </a:rPr>
-                        <a:t>Conceitos iniciais de Java: parte 3</a:t>
-                      </a:r>
-                    </a:p>
-                  </a:txBody>
-                  <a:tcPr marL="7620" marR="7620" marT="7620" marB="0" anchor="ctr"/>
-                </a:tc>
-                <a:extLst>
-                  <a:ext uri="{0D108BD9-81ED-4DB2-BD59-A6C34878D82A}">
-                    <a16:rowId xmlns:a16="http://schemas.microsoft.com/office/drawing/2014/main" val="235138777"/>
-                  </a:ext>
-                </a:extLst>
-              </a:tr>
-              <a:tr h="296864">
-                <a:tc>
-                  <a:txBody>
-                    <a:bodyPr/>
-                    <a:lstStyle/>
-                    <a:p>
-                      <a:pPr algn="ctr" fontAlgn="ctr"/>
-                      <a:r>
-                        <a:rPr lang="pt-BR" sz="3200" b="0" i="0" u="none" strike="noStrike">
-                          <a:solidFill>
-                            <a:srgbClr val="000000"/>
-                          </a:solidFill>
-                          <a:effectLst/>
-                          <a:latin typeface="+mj-lt"/>
-                        </a:rPr>
-                        <a:t>07</a:t>
-                      </a:r>
-                    </a:p>
-                  </a:txBody>
-                  <a:tcPr marL="7620" marR="7620" marT="7620" marB="0" anchor="ctr"/>
-                </a:tc>
-                <a:tc>
-                  <a:txBody>
-                    <a:bodyPr/>
-                    <a:lstStyle/>
-                    <a:p>
-                      <a:pPr algn="ctr" fontAlgn="ctr"/>
-                      <a:r>
-                        <a:rPr lang="pt-BR" sz="3200" b="0" i="0" u="none" strike="noStrike">
-                          <a:solidFill>
-                            <a:srgbClr val="000000"/>
-                          </a:solidFill>
-                          <a:effectLst/>
-                          <a:latin typeface="+mj-lt"/>
-                        </a:rPr>
-                        <a:t>15/03/2021</a:t>
-                      </a:r>
-                    </a:p>
-                  </a:txBody>
-                  <a:tcPr marL="7620" marR="7620" marT="7620" marB="0" anchor="ctr"/>
-                </a:tc>
-                <a:tc>
-                  <a:txBody>
-                    <a:bodyPr/>
-                    <a:lstStyle/>
-                    <a:p>
-                      <a:pPr algn="ctr" fontAlgn="ctr"/>
-                      <a:r>
-                        <a:rPr lang="pt-BR" sz="3200" b="0" i="0" u="none" strike="noStrike">
-                          <a:solidFill>
-                            <a:srgbClr val="000000"/>
-                          </a:solidFill>
-                          <a:effectLst/>
-                          <a:latin typeface="+mj-lt"/>
-                        </a:rPr>
-                        <a:t>seg</a:t>
-                      </a:r>
-                    </a:p>
-                  </a:txBody>
-                  <a:tcPr marL="7620" marR="7620" marT="7620" marB="0" anchor="ctr"/>
-                </a:tc>
-                <a:tc>
-                  <a:txBody>
-                    <a:bodyPr/>
-                    <a:lstStyle/>
-                    <a:p>
-                      <a:pPr algn="l" fontAlgn="ctr"/>
-                      <a:r>
-                        <a:rPr lang="pt-BR" sz="3200" b="0" i="0" u="none" strike="noStrike">
-                          <a:solidFill>
-                            <a:srgbClr val="000000"/>
-                          </a:solidFill>
-                          <a:effectLst/>
-                          <a:latin typeface="+mj-lt"/>
-                        </a:rPr>
-                        <a:t>Conceitos estruturais: classe, atributo, método</a:t>
-                      </a:r>
-                    </a:p>
-                  </a:txBody>
-                  <a:tcPr marL="7620" marR="7620" marT="7620" marB="0" anchor="ctr"/>
-                </a:tc>
-                <a:extLst>
-                  <a:ext uri="{0D108BD9-81ED-4DB2-BD59-A6C34878D82A}">
-                    <a16:rowId xmlns:a16="http://schemas.microsoft.com/office/drawing/2014/main" val="1828618023"/>
-                  </a:ext>
-                </a:extLst>
-              </a:tr>
-              <a:tr h="296864">
-                <a:tc>
-                  <a:txBody>
-                    <a:bodyPr/>
-                    <a:lstStyle/>
-                    <a:p>
-                      <a:pPr algn="ctr" fontAlgn="ctr"/>
-                      <a:r>
-                        <a:rPr lang="pt-BR" sz="3200" b="0" i="0" u="none" strike="noStrike">
-                          <a:solidFill>
-                            <a:srgbClr val="000000"/>
-                          </a:solidFill>
-                          <a:effectLst/>
-                          <a:latin typeface="+mj-lt"/>
-                        </a:rPr>
-                        <a:t>08</a:t>
-                      </a:r>
-                    </a:p>
-                  </a:txBody>
-                  <a:tcPr marL="7620" marR="7620" marT="7620" marB="0" anchor="ctr"/>
-                </a:tc>
-                <a:tc>
-                  <a:txBody>
-                    <a:bodyPr/>
-                    <a:lstStyle/>
-                    <a:p>
-                      <a:pPr algn="ctr" fontAlgn="ctr"/>
-                      <a:r>
-                        <a:rPr lang="pt-BR" sz="3200" b="0" i="0" u="none" strike="noStrike">
-                          <a:solidFill>
-                            <a:srgbClr val="000000"/>
-                          </a:solidFill>
-                          <a:effectLst/>
-                          <a:latin typeface="+mj-lt"/>
-                        </a:rPr>
-                        <a:t>17/03/2021</a:t>
-                      </a:r>
-                    </a:p>
-                  </a:txBody>
-                  <a:tcPr marL="7620" marR="7620" marT="7620" marB="0" anchor="ctr"/>
-                </a:tc>
-                <a:tc>
-                  <a:txBody>
-                    <a:bodyPr/>
-                    <a:lstStyle/>
-                    <a:p>
-                      <a:pPr algn="ctr" fontAlgn="ctr"/>
-                      <a:r>
-                        <a:rPr lang="pt-BR" sz="3200" b="0" i="0" u="none" strike="noStrike">
-                          <a:solidFill>
-                            <a:srgbClr val="000000"/>
-                          </a:solidFill>
-                          <a:effectLst/>
-                          <a:latin typeface="+mj-lt"/>
-                        </a:rPr>
-                        <a:t>qua</a:t>
-                      </a:r>
-                    </a:p>
-                  </a:txBody>
-                  <a:tcPr marL="7620" marR="7620" marT="7620" marB="0" anchor="ctr"/>
-                </a:tc>
-                <a:tc>
-                  <a:txBody>
-                    <a:bodyPr/>
-                    <a:lstStyle/>
-                    <a:p>
-                      <a:pPr algn="l" fontAlgn="ctr"/>
-                      <a:r>
-                        <a:rPr lang="pt-BR" sz="3200" b="0" i="0" u="none" strike="noStrike">
-                          <a:solidFill>
-                            <a:srgbClr val="000000"/>
-                          </a:solidFill>
-                          <a:effectLst/>
-                          <a:latin typeface="+mj-lt"/>
-                        </a:rPr>
-                        <a:t>Conceitos estruturais: objeto</a:t>
-                      </a:r>
-                    </a:p>
-                  </a:txBody>
-                  <a:tcPr marL="7620" marR="7620" marT="7620" marB="0" anchor="ctr"/>
-                </a:tc>
-                <a:extLst>
-                  <a:ext uri="{0D108BD9-81ED-4DB2-BD59-A6C34878D82A}">
-                    <a16:rowId xmlns:a16="http://schemas.microsoft.com/office/drawing/2014/main" val="3959550160"/>
-                  </a:ext>
-                </a:extLst>
-              </a:tr>
-              <a:tr h="296864">
-                <a:tc>
-                  <a:txBody>
-                    <a:bodyPr/>
-                    <a:lstStyle/>
-                    <a:p>
-                      <a:pPr algn="ctr" fontAlgn="ctr"/>
-                      <a:r>
-                        <a:rPr lang="pt-BR" sz="3200" b="0" i="0" u="none" strike="noStrike">
-                          <a:solidFill>
-                            <a:srgbClr val="000000"/>
-                          </a:solidFill>
-                          <a:effectLst/>
-                          <a:latin typeface="+mj-lt"/>
-                        </a:rPr>
-                        <a:t>09</a:t>
-                      </a:r>
-                    </a:p>
-                  </a:txBody>
-                  <a:tcPr marL="7620" marR="7620" marT="7620" marB="0" anchor="ctr"/>
-                </a:tc>
-                <a:tc>
-                  <a:txBody>
-                    <a:bodyPr/>
-                    <a:lstStyle/>
-                    <a:p>
-                      <a:pPr algn="ctr" fontAlgn="ctr"/>
-                      <a:r>
-                        <a:rPr lang="pt-BR" sz="3200" b="0" i="0" u="none" strike="noStrike">
-                          <a:solidFill>
-                            <a:srgbClr val="000000"/>
-                          </a:solidFill>
-                          <a:effectLst/>
-                          <a:latin typeface="+mj-lt"/>
-                        </a:rPr>
-                        <a:t>22/03/2021</a:t>
-                      </a:r>
-                    </a:p>
-                  </a:txBody>
-                  <a:tcPr marL="7620" marR="7620" marT="7620" marB="0" anchor="ctr"/>
-                </a:tc>
-                <a:tc>
-                  <a:txBody>
-                    <a:bodyPr/>
-                    <a:lstStyle/>
-                    <a:p>
-                      <a:pPr algn="ctr" fontAlgn="ctr"/>
-                      <a:r>
-                        <a:rPr lang="pt-BR" sz="3200" b="0" i="0" u="none" strike="noStrike">
-                          <a:solidFill>
-                            <a:srgbClr val="000000"/>
-                          </a:solidFill>
-                          <a:effectLst/>
-                          <a:latin typeface="+mj-lt"/>
-                        </a:rPr>
-                        <a:t>seg</a:t>
-                      </a:r>
-                    </a:p>
-                  </a:txBody>
-                  <a:tcPr marL="7620" marR="7620" marT="7620" marB="0" anchor="ctr"/>
-                </a:tc>
-                <a:tc>
-                  <a:txBody>
-                    <a:bodyPr/>
-                    <a:lstStyle/>
-                    <a:p>
-                      <a:pPr algn="l" fontAlgn="ctr"/>
-                      <a:r>
-                        <a:rPr lang="pt-BR" sz="3200" b="0" i="0" u="none" strike="noStrike">
-                          <a:solidFill>
-                            <a:srgbClr val="000000"/>
-                          </a:solidFill>
-                          <a:effectLst/>
-                          <a:latin typeface="+mj-lt"/>
-                        </a:rPr>
-                        <a:t>Noções de UML: introdução</a:t>
-                      </a:r>
-                    </a:p>
-                  </a:txBody>
-                  <a:tcPr marL="7620" marR="7620" marT="7620" marB="0" anchor="ctr"/>
-                </a:tc>
-                <a:extLst>
-                  <a:ext uri="{0D108BD9-81ED-4DB2-BD59-A6C34878D82A}">
-                    <a16:rowId xmlns:a16="http://schemas.microsoft.com/office/drawing/2014/main" val="593141684"/>
-                  </a:ext>
-                </a:extLst>
-              </a:tr>
-              <a:tr h="296864">
-                <a:tc>
-                  <a:txBody>
-                    <a:bodyPr/>
-                    <a:lstStyle/>
-                    <a:p>
-                      <a:pPr algn="ctr" fontAlgn="ctr"/>
-                      <a:r>
-                        <a:rPr lang="pt-BR" sz="3200" b="0" i="0" u="none" strike="noStrike">
-                          <a:solidFill>
-                            <a:srgbClr val="000000"/>
-                          </a:solidFill>
-                          <a:effectLst/>
-                          <a:latin typeface="+mj-lt"/>
-                        </a:rPr>
-                        <a:t>10</a:t>
-                      </a:r>
-                    </a:p>
-                  </a:txBody>
-                  <a:tcPr marL="7620" marR="7620" marT="7620" marB="0" anchor="ctr"/>
-                </a:tc>
-                <a:tc>
-                  <a:txBody>
-                    <a:bodyPr/>
-                    <a:lstStyle/>
-                    <a:p>
-                      <a:pPr algn="ctr" fontAlgn="ctr"/>
-                      <a:r>
-                        <a:rPr lang="pt-BR" sz="3200" b="0" i="0" u="none" strike="noStrike">
-                          <a:solidFill>
-                            <a:srgbClr val="000000"/>
-                          </a:solidFill>
-                          <a:effectLst/>
-                          <a:latin typeface="+mj-lt"/>
-                        </a:rPr>
-                        <a:t>24/03/2021</a:t>
-                      </a:r>
-                    </a:p>
-                  </a:txBody>
-                  <a:tcPr marL="7620" marR="7620" marT="7620" marB="0" anchor="ctr"/>
-                </a:tc>
-                <a:tc>
-                  <a:txBody>
-                    <a:bodyPr/>
-                    <a:lstStyle/>
-                    <a:p>
-                      <a:pPr algn="ctr" fontAlgn="ctr"/>
-                      <a:r>
-                        <a:rPr lang="pt-BR" sz="3200" b="0" i="0" u="none" strike="noStrike">
-                          <a:solidFill>
-                            <a:srgbClr val="000000"/>
-                          </a:solidFill>
-                          <a:effectLst/>
-                          <a:latin typeface="+mj-lt"/>
-                        </a:rPr>
-                        <a:t>qua</a:t>
-                      </a:r>
-                    </a:p>
-                  </a:txBody>
-                  <a:tcPr marL="7620" marR="7620" marT="7620" marB="0" anchor="ctr"/>
-                </a:tc>
-                <a:tc>
-                  <a:txBody>
-                    <a:bodyPr/>
-                    <a:lstStyle/>
-                    <a:p>
-                      <a:pPr algn="l" fontAlgn="ctr"/>
-                      <a:r>
-                        <a:rPr lang="pt-BR" sz="3200" b="0" i="0" u="none" strike="noStrike">
-                          <a:solidFill>
-                            <a:srgbClr val="000000"/>
-                          </a:solidFill>
-                          <a:effectLst/>
-                          <a:latin typeface="+mj-lt"/>
-                        </a:rPr>
-                        <a:t>Noções de UML: diagramas de classes</a:t>
-                      </a:r>
-                    </a:p>
-                  </a:txBody>
-                  <a:tcPr marL="7620" marR="7620" marT="7620" marB="0" anchor="ctr"/>
-                </a:tc>
-                <a:extLst>
-                  <a:ext uri="{0D108BD9-81ED-4DB2-BD59-A6C34878D82A}">
-                    <a16:rowId xmlns:a16="http://schemas.microsoft.com/office/drawing/2014/main" val="492810369"/>
-                  </a:ext>
-                </a:extLst>
-              </a:tr>
-              <a:tr h="296864">
-                <a:tc>
-                  <a:txBody>
-                    <a:bodyPr/>
-                    <a:lstStyle/>
-                    <a:p>
-                      <a:pPr algn="ctr" fontAlgn="ctr"/>
-                      <a:r>
-                        <a:rPr lang="pt-BR" sz="3200" b="0" i="0" u="none" strike="noStrike">
-                          <a:solidFill>
-                            <a:srgbClr val="000000"/>
-                          </a:solidFill>
-                          <a:effectLst/>
-                          <a:latin typeface="+mj-lt"/>
-                        </a:rPr>
-                        <a:t>11</a:t>
-                      </a:r>
-                    </a:p>
-                  </a:txBody>
-                  <a:tcPr marL="7620" marR="7620" marT="7620" marB="0" anchor="ctr"/>
-                </a:tc>
-                <a:tc>
-                  <a:txBody>
-                    <a:bodyPr/>
-                    <a:lstStyle/>
-                    <a:p>
-                      <a:pPr algn="ctr" fontAlgn="ctr"/>
-                      <a:r>
-                        <a:rPr lang="pt-BR" sz="3200" b="0" i="0" u="none" strike="noStrike">
-                          <a:solidFill>
-                            <a:srgbClr val="000000"/>
-                          </a:solidFill>
-                          <a:effectLst/>
-                          <a:latin typeface="+mj-lt"/>
-                        </a:rPr>
-                        <a:t>29/03/2021</a:t>
-                      </a:r>
-                    </a:p>
-                  </a:txBody>
-                  <a:tcPr marL="7620" marR="7620" marT="7620" marB="0" anchor="ctr"/>
-                </a:tc>
-                <a:tc>
-                  <a:txBody>
-                    <a:bodyPr/>
-                    <a:lstStyle/>
-                    <a:p>
-                      <a:pPr algn="ctr" fontAlgn="ctr"/>
-                      <a:r>
-                        <a:rPr lang="pt-BR" sz="3200" b="0" i="0" u="none" strike="noStrike">
-                          <a:solidFill>
-                            <a:srgbClr val="000000"/>
-                          </a:solidFill>
-                          <a:effectLst/>
-                          <a:latin typeface="+mj-lt"/>
-                        </a:rPr>
-                        <a:t>seg</a:t>
-                      </a:r>
-                    </a:p>
-                  </a:txBody>
-                  <a:tcPr marL="7620" marR="7620" marT="7620" marB="0" anchor="ctr"/>
-                </a:tc>
-                <a:tc>
-                  <a:txBody>
-                    <a:bodyPr/>
-                    <a:lstStyle/>
-                    <a:p>
-                      <a:pPr algn="l" fontAlgn="ctr"/>
-                      <a:r>
-                        <a:rPr lang="pt-BR" sz="3200" b="0" i="0" u="none" strike="noStrike">
-                          <a:solidFill>
-                            <a:srgbClr val="000000"/>
-                          </a:solidFill>
-                          <a:effectLst/>
-                          <a:latin typeface="+mj-lt"/>
-                        </a:rPr>
-                        <a:t>Conceitos relacionais: herança e polimorfismo</a:t>
-                      </a:r>
-                    </a:p>
-                  </a:txBody>
-                  <a:tcPr marL="7620" marR="7620" marT="7620" marB="0" anchor="ctr"/>
-                </a:tc>
-                <a:extLst>
-                  <a:ext uri="{0D108BD9-81ED-4DB2-BD59-A6C34878D82A}">
-                    <a16:rowId xmlns:a16="http://schemas.microsoft.com/office/drawing/2014/main" val="96045620"/>
-                  </a:ext>
-                </a:extLst>
-              </a:tr>
-              <a:tr h="296864">
-                <a:tc>
-                  <a:txBody>
-                    <a:bodyPr/>
-                    <a:lstStyle/>
-                    <a:p>
-                      <a:pPr algn="ctr" fontAlgn="ctr"/>
-                      <a:r>
-                        <a:rPr lang="pt-BR" sz="3200" b="0" i="0" u="none" strike="noStrike">
-                          <a:solidFill>
-                            <a:srgbClr val="000000"/>
-                          </a:solidFill>
-                          <a:effectLst/>
-                          <a:latin typeface="+mj-lt"/>
-                        </a:rPr>
-                        <a:t>12</a:t>
-                      </a:r>
-                    </a:p>
-                  </a:txBody>
-                  <a:tcPr marL="7620" marR="7620" marT="7620" marB="0" anchor="ctr"/>
-                </a:tc>
-                <a:tc>
-                  <a:txBody>
-                    <a:bodyPr/>
-                    <a:lstStyle/>
-                    <a:p>
-                      <a:pPr algn="ctr" fontAlgn="ctr"/>
-                      <a:r>
-                        <a:rPr lang="pt-BR" sz="3200" b="0" i="0" u="none" strike="noStrike">
-                          <a:solidFill>
-                            <a:srgbClr val="000000"/>
-                          </a:solidFill>
-                          <a:effectLst/>
-                          <a:latin typeface="+mj-lt"/>
-                        </a:rPr>
-                        <a:t>31/03/2021</a:t>
-                      </a:r>
-                    </a:p>
-                  </a:txBody>
-                  <a:tcPr marL="7620" marR="7620" marT="7620" marB="0" anchor="ctr"/>
-                </a:tc>
-                <a:tc>
-                  <a:txBody>
-                    <a:bodyPr/>
-                    <a:lstStyle/>
-                    <a:p>
-                      <a:pPr algn="ctr" fontAlgn="ctr"/>
-                      <a:r>
-                        <a:rPr lang="pt-BR" sz="3200" b="0" i="0" u="none" strike="noStrike">
-                          <a:solidFill>
-                            <a:srgbClr val="000000"/>
-                          </a:solidFill>
-                          <a:effectLst/>
-                          <a:latin typeface="+mj-lt"/>
-                        </a:rPr>
-                        <a:t>qua</a:t>
-                      </a:r>
-                    </a:p>
-                  </a:txBody>
-                  <a:tcPr marL="7620" marR="7620" marT="7620" marB="0" anchor="ctr"/>
-                </a:tc>
-                <a:tc>
-                  <a:txBody>
-                    <a:bodyPr/>
-                    <a:lstStyle/>
-                    <a:p>
-                      <a:pPr algn="l" fontAlgn="ctr"/>
-                      <a:r>
-                        <a:rPr lang="pt-BR" sz="3200" b="0" i="0" u="none" strike="noStrike">
-                          <a:solidFill>
-                            <a:srgbClr val="000000"/>
-                          </a:solidFill>
-                          <a:effectLst/>
-                          <a:latin typeface="+mj-lt"/>
-                        </a:rPr>
-                        <a:t>Conceitos relacionais: associação</a:t>
-                      </a:r>
-                    </a:p>
-                  </a:txBody>
-                  <a:tcPr marL="7620" marR="7620" marT="7620" marB="0" anchor="ctr"/>
-                </a:tc>
-                <a:extLst>
-                  <a:ext uri="{0D108BD9-81ED-4DB2-BD59-A6C34878D82A}">
-                    <a16:rowId xmlns:a16="http://schemas.microsoft.com/office/drawing/2014/main" val="3277979950"/>
-                  </a:ext>
-                </a:extLst>
-              </a:tr>
-              <a:tr h="296864">
-                <a:tc>
-                  <a:txBody>
-                    <a:bodyPr/>
-                    <a:lstStyle/>
-                    <a:p>
-                      <a:pPr algn="ctr" fontAlgn="ctr"/>
-                      <a:r>
-                        <a:rPr lang="pt-BR" sz="3200" b="0" i="0" u="none" strike="noStrike">
-                          <a:solidFill>
-                            <a:srgbClr val="000000"/>
-                          </a:solidFill>
-                          <a:effectLst/>
-                          <a:latin typeface="+mj-lt"/>
-                        </a:rPr>
-                        <a:t>13</a:t>
-                      </a:r>
-                    </a:p>
-                  </a:txBody>
-                  <a:tcPr marL="7620" marR="7620" marT="7620" marB="0" anchor="ctr"/>
-                </a:tc>
-                <a:tc>
-                  <a:txBody>
-                    <a:bodyPr/>
-                    <a:lstStyle/>
-                    <a:p>
-                      <a:pPr algn="ctr" fontAlgn="ctr"/>
-                      <a:r>
-                        <a:rPr lang="pt-BR" sz="3200" b="0" i="0" u="none" strike="noStrike">
-                          <a:solidFill>
-                            <a:srgbClr val="000000"/>
-                          </a:solidFill>
-                          <a:effectLst/>
-                          <a:latin typeface="+mj-lt"/>
-                        </a:rPr>
-                        <a:t>05/04/2021</a:t>
-                      </a:r>
-                    </a:p>
-                  </a:txBody>
-                  <a:tcPr marL="7620" marR="7620" marT="7620" marB="0" anchor="ctr"/>
-                </a:tc>
-                <a:tc>
-                  <a:txBody>
-                    <a:bodyPr/>
-                    <a:lstStyle/>
-                    <a:p>
-                      <a:pPr algn="ctr" fontAlgn="ctr"/>
-                      <a:r>
-                        <a:rPr lang="pt-BR" sz="3200" b="0" i="0" u="none" strike="noStrike">
-                          <a:solidFill>
-                            <a:srgbClr val="000000"/>
-                          </a:solidFill>
-                          <a:effectLst/>
-                          <a:latin typeface="+mj-lt"/>
-                        </a:rPr>
-                        <a:t>seg</a:t>
-                      </a:r>
-                    </a:p>
-                  </a:txBody>
-                  <a:tcPr marL="7620" marR="7620" marT="7620" marB="0" anchor="ctr"/>
-                </a:tc>
-                <a:tc>
-                  <a:txBody>
-                    <a:bodyPr/>
-                    <a:lstStyle/>
-                    <a:p>
-                      <a:pPr algn="l" fontAlgn="ctr"/>
-                      <a:r>
-                        <a:rPr lang="pt-BR" sz="3200" b="0" i="0" u="none" strike="noStrike">
-                          <a:solidFill>
-                            <a:srgbClr val="000000"/>
-                          </a:solidFill>
-                          <a:effectLst/>
-                          <a:latin typeface="+mj-lt"/>
-                        </a:rPr>
-                        <a:t>Conceitos relacionais: interface</a:t>
-                      </a:r>
-                    </a:p>
-                  </a:txBody>
-                  <a:tcPr marL="7620" marR="7620" marT="7620" marB="0" anchor="ctr"/>
-                </a:tc>
-                <a:extLst>
-                  <a:ext uri="{0D108BD9-81ED-4DB2-BD59-A6C34878D82A}">
-                    <a16:rowId xmlns:a16="http://schemas.microsoft.com/office/drawing/2014/main" val="2686999006"/>
-                  </a:ext>
-                </a:extLst>
-              </a:tr>
-              <a:tr h="296864">
-                <a:tc>
-                  <a:txBody>
-                    <a:bodyPr/>
-                    <a:lstStyle/>
-                    <a:p>
-                      <a:pPr algn="ctr" fontAlgn="ctr"/>
-                      <a:r>
-                        <a:rPr lang="pt-BR" sz="3200" b="0" i="0" u="none" strike="noStrike">
-                          <a:solidFill>
-                            <a:srgbClr val="FF0000"/>
-                          </a:solidFill>
-                          <a:effectLst/>
-                          <a:latin typeface="+mj-lt"/>
-                        </a:rPr>
-                        <a:t>14</a:t>
-                      </a:r>
-                    </a:p>
-                  </a:txBody>
-                  <a:tcPr marL="7620" marR="7620" marT="7620" marB="0" anchor="ctr"/>
-                </a:tc>
-                <a:tc>
-                  <a:txBody>
-                    <a:bodyPr/>
-                    <a:lstStyle/>
-                    <a:p>
-                      <a:pPr algn="ctr" fontAlgn="ctr"/>
-                      <a:r>
-                        <a:rPr lang="pt-BR" sz="3200" b="0" i="0" u="none" strike="noStrike">
-                          <a:solidFill>
-                            <a:srgbClr val="FF0000"/>
-                          </a:solidFill>
-                          <a:effectLst/>
-                          <a:latin typeface="+mj-lt"/>
-                        </a:rPr>
-                        <a:t>07/04/2021</a:t>
-                      </a:r>
-                    </a:p>
-                  </a:txBody>
-                  <a:tcPr marL="7620" marR="7620" marT="7620" marB="0" anchor="ctr"/>
-                </a:tc>
-                <a:tc>
-                  <a:txBody>
-                    <a:bodyPr/>
-                    <a:lstStyle/>
-                    <a:p>
-                      <a:pPr algn="ctr" fontAlgn="ctr"/>
-                      <a:r>
-                        <a:rPr lang="pt-BR" sz="3200" b="0" i="0" u="none" strike="noStrike">
-                          <a:solidFill>
-                            <a:srgbClr val="FF0000"/>
-                          </a:solidFill>
-                          <a:effectLst/>
-                          <a:latin typeface="+mj-lt"/>
-                        </a:rPr>
-                        <a:t>qua</a:t>
-                      </a:r>
-                    </a:p>
-                  </a:txBody>
-                  <a:tcPr marL="7620" marR="7620" marT="7620" marB="0" anchor="ctr"/>
-                </a:tc>
-                <a:tc>
-                  <a:txBody>
-                    <a:bodyPr/>
-                    <a:lstStyle/>
-                    <a:p>
-                      <a:pPr algn="l" fontAlgn="ctr"/>
-                      <a:r>
-                        <a:rPr lang="pt-BR" sz="3200" b="0" i="0" u="none" strike="noStrike">
-                          <a:solidFill>
-                            <a:srgbClr val="FF0000"/>
-                          </a:solidFill>
-                          <a:effectLst/>
-                          <a:latin typeface="+mj-lt"/>
-                        </a:rPr>
-                        <a:t>SEM AULA (SEMANA AP1)</a:t>
-                      </a:r>
-                    </a:p>
-                  </a:txBody>
-                  <a:tcPr marL="7620" marR="7620" marT="7620" marB="0" anchor="ctr"/>
-                </a:tc>
-                <a:extLst>
-                  <a:ext uri="{0D108BD9-81ED-4DB2-BD59-A6C34878D82A}">
-                    <a16:rowId xmlns:a16="http://schemas.microsoft.com/office/drawing/2014/main" val="2601576780"/>
-                  </a:ext>
-                </a:extLst>
-              </a:tr>
-              <a:tr h="296864">
-                <a:tc>
-                  <a:txBody>
-                    <a:bodyPr/>
-                    <a:lstStyle/>
-                    <a:p>
-                      <a:pPr algn="ctr" fontAlgn="ctr"/>
-                      <a:r>
-                        <a:rPr lang="pt-BR" sz="3200" b="0" i="0" u="none" strike="noStrike">
-                          <a:solidFill>
-                            <a:srgbClr val="FF0000"/>
-                          </a:solidFill>
-                          <a:effectLst/>
-                          <a:latin typeface="+mj-lt"/>
-                        </a:rPr>
-                        <a:t>15</a:t>
-                      </a:r>
-                    </a:p>
-                  </a:txBody>
-                  <a:tcPr marL="7620" marR="7620" marT="7620" marB="0" anchor="ctr"/>
-                </a:tc>
-                <a:tc>
-                  <a:txBody>
-                    <a:bodyPr/>
-                    <a:lstStyle/>
-                    <a:p>
-                      <a:pPr algn="ctr" fontAlgn="ctr"/>
-                      <a:r>
-                        <a:rPr lang="pt-BR" sz="3200" b="0" i="0" u="none" strike="noStrike">
-                          <a:solidFill>
-                            <a:srgbClr val="FF0000"/>
-                          </a:solidFill>
-                          <a:effectLst/>
-                          <a:latin typeface="+mj-lt"/>
-                        </a:rPr>
-                        <a:t>12/04/2021</a:t>
-                      </a:r>
-                    </a:p>
-                  </a:txBody>
-                  <a:tcPr marL="7620" marR="7620" marT="7620" marB="0" anchor="ctr"/>
-                </a:tc>
-                <a:tc>
-                  <a:txBody>
-                    <a:bodyPr/>
-                    <a:lstStyle/>
-                    <a:p>
-                      <a:pPr algn="ctr" fontAlgn="ctr"/>
-                      <a:r>
-                        <a:rPr lang="pt-BR" sz="3200" b="0" i="0" u="none" strike="noStrike">
-                          <a:solidFill>
-                            <a:srgbClr val="FF0000"/>
-                          </a:solidFill>
-                          <a:effectLst/>
-                          <a:latin typeface="+mj-lt"/>
-                        </a:rPr>
-                        <a:t>seg</a:t>
-                      </a:r>
-                    </a:p>
-                  </a:txBody>
-                  <a:tcPr marL="7620" marR="7620" marT="7620" marB="0" anchor="ctr"/>
-                </a:tc>
-                <a:tc>
-                  <a:txBody>
-                    <a:bodyPr/>
-                    <a:lstStyle/>
-                    <a:p>
-                      <a:pPr algn="l" fontAlgn="ctr"/>
-                      <a:r>
-                        <a:rPr lang="pt-BR" sz="3200" b="0" i="0" u="none" strike="noStrike">
-                          <a:solidFill>
-                            <a:srgbClr val="FF0000"/>
-                          </a:solidFill>
-                          <a:effectLst/>
-                          <a:latin typeface="+mj-lt"/>
-                        </a:rPr>
-                        <a:t>SEM AULA (SEMANA AP1)</a:t>
-                      </a:r>
-                    </a:p>
-                  </a:txBody>
-                  <a:tcPr marL="7620" marR="7620" marT="7620" marB="0" anchor="ctr"/>
-                </a:tc>
-                <a:extLst>
-                  <a:ext uri="{0D108BD9-81ED-4DB2-BD59-A6C34878D82A}">
-                    <a16:rowId xmlns:a16="http://schemas.microsoft.com/office/drawing/2014/main" val="82769931"/>
-                  </a:ext>
-                </a:extLst>
-              </a:tr>
-              <a:tr h="296864">
-                <a:tc>
-                  <a:txBody>
-                    <a:bodyPr/>
-                    <a:lstStyle/>
-                    <a:p>
-                      <a:pPr algn="ctr" fontAlgn="ctr"/>
-                      <a:r>
-                        <a:rPr lang="pt-BR" sz="3200" b="0" i="0" u="none" strike="noStrike">
-                          <a:solidFill>
-                            <a:srgbClr val="FF0000"/>
-                          </a:solidFill>
-                          <a:effectLst/>
-                          <a:latin typeface="+mj-lt"/>
-                        </a:rPr>
-                        <a:t>16</a:t>
-                      </a:r>
-                    </a:p>
-                  </a:txBody>
-                  <a:tcPr marL="7620" marR="7620" marT="7620" marB="0" anchor="ctr"/>
-                </a:tc>
-                <a:tc>
-                  <a:txBody>
-                    <a:bodyPr/>
-                    <a:lstStyle/>
-                    <a:p>
-                      <a:pPr algn="ctr" fontAlgn="ctr"/>
-                      <a:r>
-                        <a:rPr lang="pt-BR" sz="3200" b="0" i="0" u="none" strike="noStrike">
-                          <a:solidFill>
-                            <a:srgbClr val="FF0000"/>
-                          </a:solidFill>
-                          <a:effectLst/>
-                          <a:latin typeface="+mj-lt"/>
-                        </a:rPr>
-                        <a:t>14/04/2021</a:t>
-                      </a:r>
-                    </a:p>
-                  </a:txBody>
-                  <a:tcPr marL="7620" marR="7620" marT="7620" marB="0" anchor="ctr"/>
-                </a:tc>
-                <a:tc>
-                  <a:txBody>
-                    <a:bodyPr/>
-                    <a:lstStyle/>
-                    <a:p>
-                      <a:pPr algn="ctr" fontAlgn="ctr"/>
-                      <a:r>
-                        <a:rPr lang="pt-BR" sz="3200" b="0" i="0" u="none" strike="noStrike">
-                          <a:solidFill>
-                            <a:srgbClr val="FF0000"/>
-                          </a:solidFill>
-                          <a:effectLst/>
-                          <a:latin typeface="+mj-lt"/>
-                        </a:rPr>
-                        <a:t>qua</a:t>
-                      </a:r>
-                    </a:p>
-                  </a:txBody>
-                  <a:tcPr marL="7620" marR="7620" marT="7620" marB="0" anchor="ctr"/>
-                </a:tc>
-                <a:tc>
-                  <a:txBody>
-                    <a:bodyPr/>
-                    <a:lstStyle/>
-                    <a:p>
-                      <a:pPr algn="l" fontAlgn="ctr"/>
-                      <a:r>
-                        <a:rPr lang="pt-BR" sz="3200" b="0" i="0" u="none" strike="noStrike">
-                          <a:solidFill>
-                            <a:srgbClr val="FF0000"/>
-                          </a:solidFill>
-                          <a:effectLst/>
-                          <a:latin typeface="+mj-lt"/>
-                        </a:rPr>
-                        <a:t>SEM AULA (SEMANA AP1)</a:t>
-                      </a:r>
-                    </a:p>
-                  </a:txBody>
-                  <a:tcPr marL="7620" marR="7620" marT="7620" marB="0" anchor="ctr"/>
-                </a:tc>
-                <a:extLst>
-                  <a:ext uri="{0D108BD9-81ED-4DB2-BD59-A6C34878D82A}">
-                    <a16:rowId xmlns:a16="http://schemas.microsoft.com/office/drawing/2014/main" val="3736344695"/>
-                  </a:ext>
-                </a:extLst>
-              </a:tr>
-              <a:tr h="296864">
-                <a:tc>
-                  <a:txBody>
-                    <a:bodyPr/>
-                    <a:lstStyle/>
-                    <a:p>
-                      <a:pPr algn="ctr" fontAlgn="ctr"/>
-                      <a:r>
-                        <a:rPr lang="pt-BR" sz="3200" b="0" i="0" u="none" strike="noStrike">
-                          <a:solidFill>
-                            <a:srgbClr val="000000"/>
-                          </a:solidFill>
-                          <a:effectLst/>
-                          <a:latin typeface="+mj-lt"/>
-                        </a:rPr>
-                        <a:t>17</a:t>
-                      </a:r>
-                    </a:p>
-                  </a:txBody>
-                  <a:tcPr marL="7620" marR="7620" marT="7620" marB="0" anchor="ctr"/>
-                </a:tc>
-                <a:tc>
-                  <a:txBody>
-                    <a:bodyPr/>
-                    <a:lstStyle/>
-                    <a:p>
-                      <a:pPr algn="ctr" fontAlgn="ctr"/>
-                      <a:r>
-                        <a:rPr lang="pt-BR" sz="3200" b="0" i="0" u="none" strike="noStrike">
-                          <a:solidFill>
-                            <a:srgbClr val="000000"/>
-                          </a:solidFill>
-                          <a:effectLst/>
-                          <a:latin typeface="+mj-lt"/>
-                        </a:rPr>
-                        <a:t>19/04/2021</a:t>
-                      </a:r>
-                    </a:p>
-                  </a:txBody>
-                  <a:tcPr marL="7620" marR="7620" marT="7620" marB="0" anchor="ctr"/>
-                </a:tc>
-                <a:tc>
-                  <a:txBody>
-                    <a:bodyPr/>
-                    <a:lstStyle/>
-                    <a:p>
-                      <a:pPr algn="ctr" fontAlgn="ctr"/>
-                      <a:r>
-                        <a:rPr lang="pt-BR" sz="3200" b="0" i="0" u="none" strike="noStrike">
-                          <a:solidFill>
-                            <a:srgbClr val="000000"/>
-                          </a:solidFill>
-                          <a:effectLst/>
-                          <a:latin typeface="+mj-lt"/>
-                        </a:rPr>
-                        <a:t>seg</a:t>
-                      </a:r>
-                    </a:p>
-                  </a:txBody>
-                  <a:tcPr marL="7620" marR="7620" marT="7620" marB="0" anchor="ctr"/>
-                </a:tc>
-                <a:tc>
-                  <a:txBody>
-                    <a:bodyPr/>
-                    <a:lstStyle/>
-                    <a:p>
-                      <a:pPr algn="l" fontAlgn="ctr"/>
-                      <a:r>
-                        <a:rPr lang="pt-BR" sz="3200" b="0" i="0" u="none" strike="noStrike">
-                          <a:solidFill>
-                            <a:srgbClr val="000000"/>
-                          </a:solidFill>
-                          <a:effectLst/>
-                          <a:latin typeface="+mj-lt"/>
-                        </a:rPr>
-                        <a:t>Conceitos organizacionais: pacotes</a:t>
-                      </a:r>
-                    </a:p>
-                  </a:txBody>
-                  <a:tcPr marL="7620" marR="7620" marT="7620" marB="0" anchor="ctr"/>
-                </a:tc>
-                <a:extLst>
-                  <a:ext uri="{0D108BD9-81ED-4DB2-BD59-A6C34878D82A}">
-                    <a16:rowId xmlns:a16="http://schemas.microsoft.com/office/drawing/2014/main" val="544830374"/>
-                  </a:ext>
-                </a:extLst>
-              </a:tr>
-              <a:tr h="296864">
-                <a:tc>
-                  <a:txBody>
-                    <a:bodyPr/>
-                    <a:lstStyle/>
-                    <a:p>
-                      <a:pPr algn="ctr" fontAlgn="ctr"/>
-                      <a:r>
-                        <a:rPr lang="pt-BR" sz="3200" b="0" i="0" u="none" strike="noStrike">
-                          <a:solidFill>
-                            <a:srgbClr val="FF0000"/>
-                          </a:solidFill>
-                          <a:effectLst/>
-                          <a:latin typeface="+mj-lt"/>
-                        </a:rPr>
-                        <a:t>18</a:t>
-                      </a:r>
-                    </a:p>
-                  </a:txBody>
-                  <a:tcPr marL="7620" marR="7620" marT="7620" marB="0" anchor="ctr"/>
-                </a:tc>
-                <a:tc>
-                  <a:txBody>
-                    <a:bodyPr/>
-                    <a:lstStyle/>
-                    <a:p>
-                      <a:pPr algn="ctr" fontAlgn="ctr"/>
-                      <a:r>
-                        <a:rPr lang="pt-BR" sz="3200" b="0" i="0" u="none" strike="noStrike">
-                          <a:solidFill>
-                            <a:srgbClr val="FF0000"/>
-                          </a:solidFill>
-                          <a:effectLst/>
-                          <a:latin typeface="+mj-lt"/>
-                        </a:rPr>
-                        <a:t>21/04/2021</a:t>
-                      </a:r>
-                    </a:p>
-                  </a:txBody>
-                  <a:tcPr marL="7620" marR="7620" marT="7620" marB="0" anchor="ctr"/>
-                </a:tc>
-                <a:tc>
-                  <a:txBody>
-                    <a:bodyPr/>
-                    <a:lstStyle/>
-                    <a:p>
-                      <a:pPr algn="ctr" fontAlgn="ctr"/>
-                      <a:r>
-                        <a:rPr lang="pt-BR" sz="3200" b="0" i="0" u="none" strike="noStrike">
-                          <a:solidFill>
-                            <a:srgbClr val="FF0000"/>
-                          </a:solidFill>
-                          <a:effectLst/>
-                          <a:latin typeface="+mj-lt"/>
-                        </a:rPr>
-                        <a:t>qua</a:t>
-                      </a:r>
-                    </a:p>
-                  </a:txBody>
-                  <a:tcPr marL="7620" marR="7620" marT="7620" marB="0" anchor="ctr"/>
-                </a:tc>
-                <a:tc>
-                  <a:txBody>
-                    <a:bodyPr/>
-                    <a:lstStyle/>
-                    <a:p>
-                      <a:pPr algn="l" fontAlgn="ctr"/>
-                      <a:r>
-                        <a:rPr lang="pt-BR" sz="3200" b="0" i="0" u="none" strike="noStrike">
-                          <a:solidFill>
-                            <a:srgbClr val="FF0000"/>
-                          </a:solidFill>
-                          <a:effectLst/>
-                          <a:latin typeface="+mj-lt"/>
-                        </a:rPr>
-                        <a:t>SEM AULA (TIRADENTES)</a:t>
-                      </a:r>
-                    </a:p>
-                  </a:txBody>
-                  <a:tcPr marL="7620" marR="7620" marT="7620" marB="0" anchor="ctr"/>
-                </a:tc>
-                <a:extLst>
-                  <a:ext uri="{0D108BD9-81ED-4DB2-BD59-A6C34878D82A}">
-                    <a16:rowId xmlns:a16="http://schemas.microsoft.com/office/drawing/2014/main" val="3377935695"/>
-                  </a:ext>
-                </a:extLst>
-              </a:tr>
-              <a:tr h="296864">
-                <a:tc>
-                  <a:txBody>
-                    <a:bodyPr/>
-                    <a:lstStyle/>
-                    <a:p>
-                      <a:pPr algn="ctr" fontAlgn="ctr"/>
-                      <a:r>
-                        <a:rPr lang="pt-BR" sz="3200" b="0" i="0" u="none" strike="noStrike">
-                          <a:solidFill>
-                            <a:srgbClr val="000000"/>
-                          </a:solidFill>
-                          <a:effectLst/>
-                          <a:latin typeface="+mj-lt"/>
-                        </a:rPr>
-                        <a:t>19</a:t>
-                      </a:r>
-                    </a:p>
-                  </a:txBody>
-                  <a:tcPr marL="7620" marR="7620" marT="7620" marB="0" anchor="ctr"/>
-                </a:tc>
-                <a:tc>
-                  <a:txBody>
-                    <a:bodyPr/>
-                    <a:lstStyle/>
-                    <a:p>
-                      <a:pPr algn="ctr" fontAlgn="ctr"/>
-                      <a:r>
-                        <a:rPr lang="pt-BR" sz="3200" b="0" i="0" u="none" strike="noStrike">
-                          <a:solidFill>
-                            <a:srgbClr val="000000"/>
-                          </a:solidFill>
-                          <a:effectLst/>
-                          <a:latin typeface="+mj-lt"/>
-                        </a:rPr>
-                        <a:t>26/04/2021</a:t>
-                      </a:r>
-                    </a:p>
-                  </a:txBody>
-                  <a:tcPr marL="7620" marR="7620" marT="7620" marB="0" anchor="ctr"/>
-                </a:tc>
-                <a:tc>
-                  <a:txBody>
-                    <a:bodyPr/>
-                    <a:lstStyle/>
-                    <a:p>
-                      <a:pPr algn="ctr" fontAlgn="ctr"/>
-                      <a:r>
-                        <a:rPr lang="pt-BR" sz="3200" b="0" i="0" u="none" strike="noStrike">
-                          <a:solidFill>
-                            <a:srgbClr val="000000"/>
-                          </a:solidFill>
-                          <a:effectLst/>
-                          <a:latin typeface="+mj-lt"/>
-                        </a:rPr>
-                        <a:t>seg</a:t>
-                      </a:r>
-                    </a:p>
-                  </a:txBody>
-                  <a:tcPr marL="7620" marR="7620" marT="7620" marB="0" anchor="ctr"/>
-                </a:tc>
-                <a:tc>
-                  <a:txBody>
-                    <a:bodyPr/>
-                    <a:lstStyle/>
-                    <a:p>
-                      <a:pPr algn="l" fontAlgn="ctr"/>
-                      <a:r>
-                        <a:rPr lang="pt-BR" sz="3200" b="0" i="0" u="none" strike="noStrike">
-                          <a:solidFill>
-                            <a:srgbClr val="000000"/>
-                          </a:solidFill>
-                          <a:effectLst/>
-                          <a:latin typeface="+mj-lt"/>
-                        </a:rPr>
-                        <a:t>Conceitos organizacionais: visibilidades</a:t>
-                      </a:r>
-                    </a:p>
-                  </a:txBody>
-                  <a:tcPr marL="7620" marR="7620" marT="7620" marB="0" anchor="ctr"/>
-                </a:tc>
-                <a:extLst>
-                  <a:ext uri="{0D108BD9-81ED-4DB2-BD59-A6C34878D82A}">
-                    <a16:rowId xmlns:a16="http://schemas.microsoft.com/office/drawing/2014/main" val="3733923337"/>
-                  </a:ext>
-                </a:extLst>
-              </a:tr>
-              <a:tr h="296864">
-                <a:tc>
-                  <a:txBody>
-                    <a:bodyPr/>
-                    <a:lstStyle/>
-                    <a:p>
-                      <a:pPr algn="ctr" fontAlgn="ctr"/>
-                      <a:r>
-                        <a:rPr lang="pt-BR" sz="3200" b="0" i="0" u="none" strike="noStrike">
-                          <a:solidFill>
-                            <a:srgbClr val="000000"/>
-                          </a:solidFill>
-                          <a:effectLst/>
-                          <a:latin typeface="+mj-lt"/>
-                        </a:rPr>
-                        <a:t>20</a:t>
-                      </a:r>
-                    </a:p>
-                  </a:txBody>
-                  <a:tcPr marL="7620" marR="7620" marT="7620" marB="0" anchor="ctr"/>
-                </a:tc>
-                <a:tc>
-                  <a:txBody>
-                    <a:bodyPr/>
-                    <a:lstStyle/>
-                    <a:p>
-                      <a:pPr algn="ctr" fontAlgn="ctr"/>
-                      <a:r>
-                        <a:rPr lang="pt-BR" sz="3200" b="0" i="0" u="none" strike="noStrike">
-                          <a:solidFill>
-                            <a:srgbClr val="000000"/>
-                          </a:solidFill>
-                          <a:effectLst/>
-                          <a:latin typeface="+mj-lt"/>
-                        </a:rPr>
-                        <a:t>28/04/2021</a:t>
-                      </a:r>
-                    </a:p>
-                  </a:txBody>
-                  <a:tcPr marL="7620" marR="7620" marT="7620" marB="0" anchor="ctr"/>
-                </a:tc>
-                <a:tc>
-                  <a:txBody>
-                    <a:bodyPr/>
-                    <a:lstStyle/>
-                    <a:p>
-                      <a:pPr algn="ctr" fontAlgn="ctr"/>
-                      <a:r>
-                        <a:rPr lang="pt-BR" sz="3200" b="0" i="0" u="none" strike="noStrike">
-                          <a:solidFill>
-                            <a:srgbClr val="000000"/>
-                          </a:solidFill>
-                          <a:effectLst/>
-                          <a:latin typeface="+mj-lt"/>
-                        </a:rPr>
-                        <a:t>qua</a:t>
-                      </a:r>
-                    </a:p>
-                  </a:txBody>
-                  <a:tcPr marL="7620" marR="7620" marT="7620" marB="0" anchor="ctr"/>
-                </a:tc>
-                <a:tc>
-                  <a:txBody>
-                    <a:bodyPr/>
-                    <a:lstStyle/>
-                    <a:p>
-                      <a:pPr algn="l" fontAlgn="ctr"/>
-                      <a:r>
-                        <a:rPr lang="pt-BR" sz="3200" b="0" i="0" u="none" strike="noStrike" dirty="0">
-                          <a:solidFill>
-                            <a:srgbClr val="000000"/>
-                          </a:solidFill>
-                          <a:effectLst/>
-                          <a:latin typeface="+mj-lt"/>
-                        </a:rPr>
-                        <a:t>Noções de UML: diagramas de caso de uso</a:t>
-                      </a:r>
-                    </a:p>
-                  </a:txBody>
-                  <a:tcPr marL="7620" marR="7620" marT="7620" marB="0" anchor="ctr"/>
-                </a:tc>
-                <a:extLst>
-                  <a:ext uri="{0D108BD9-81ED-4DB2-BD59-A6C34878D82A}">
-                    <a16:rowId xmlns:a16="http://schemas.microsoft.com/office/drawing/2014/main" val="1317153636"/>
-                  </a:ext>
-                </a:extLst>
-              </a:tr>
-            </a:tbl>
-          </a:graphicData>
-        </a:graphic>
-      </p:graphicFrame>
-    </p:spTree>
-    <p:extLst>
-      <p:ext uri="{BB962C8B-B14F-4D97-AF65-F5344CB8AC3E}">
-        <p14:creationId xmlns:p14="http://schemas.microsoft.com/office/powerpoint/2010/main" val="2105925147"/>
-      </p:ext>
-    </p:extLst>
-  </p:cSld>
-  <p:clrMapOvr>
-    <a:masterClrMapping/>
-  </p:clrMapOvr>
-  <p:transition spd="med"/>
-</p:sld>
-</file>
-
-<file path=ppt/slides/slide50.xml><?xml version="1.0" encoding="utf-8"?>
+<file path=ppt/slides/slide56.xml><?xml version="1.0" encoding="utf-8"?>
 <p:sld xmlns:a="http://schemas.openxmlformats.org/drawingml/2006/main" xmlns:r="http://schemas.openxmlformats.org/officeDocument/2006/relationships" xmlns:p="http://schemas.openxmlformats.org/presentationml/2006/main">
   <p:cSld>
     <p:spTree>
@@ -18390,7 +19448,7 @@
           <a:p>
             <a:fld id="{E4B35BDD-CC3D-4492-88ED-922B282360E3}" type="slidenum">
               <a:rPr lang="pt-BR" smtClean="0"/>
-              <a:t>50</a:t>
+              <a:t>56</a:t>
             </a:fld>
             <a:endParaRPr lang="pt-BR"/>
           </a:p>
@@ -18440,7 +19498,7 @@
 </p:sld>
 </file>
 
-<file path=ppt/slides/slide51.xml><?xml version="1.0" encoding="utf-8"?>
+<file path=ppt/slides/slide57.xml><?xml version="1.0" encoding="utf-8"?>
 <p:sld xmlns:a="http://schemas.openxmlformats.org/drawingml/2006/main" xmlns:r="http://schemas.openxmlformats.org/officeDocument/2006/relationships" xmlns:p="http://schemas.openxmlformats.org/presentationml/2006/main">
   <p:cSld>
     <p:spTree>
@@ -18637,7 +19695,7 @@
           <a:p>
             <a:fld id="{E4B35BDD-CC3D-4492-88ED-922B282360E3}" type="slidenum">
               <a:rPr lang="pt-BR" smtClean="0"/>
-              <a:t>51</a:t>
+              <a:t>57</a:t>
             </a:fld>
             <a:endParaRPr lang="pt-BR"/>
           </a:p>
@@ -18717,7 +19775,7 @@
 </p:sld>
 </file>
 
-<file path=ppt/slides/slide52.xml><?xml version="1.0" encoding="utf-8"?>
+<file path=ppt/slides/slide58.xml><?xml version="1.0" encoding="utf-8"?>
 <p:sld xmlns:a="http://schemas.openxmlformats.org/drawingml/2006/main" xmlns:r="http://schemas.openxmlformats.org/officeDocument/2006/relationships" xmlns:p="http://schemas.openxmlformats.org/presentationml/2006/main">
   <p:cSld>
     <p:spTree>
@@ -23615,12 +24673,6 @@
 </file>
 
 <file path=customXml/item1.xml><?xml version="1.0" encoding="utf-8"?>
-<p:properties xmlns:p="http://schemas.microsoft.com/office/2006/metadata/properties" xmlns:xsi="http://www.w3.org/2001/XMLSchema-instance" xmlns:pc="http://schemas.microsoft.com/office/infopath/2007/PartnerControls">
-  <documentManagement/>
-</p:properties>
-</file>
-
-<file path=customXml/item2.xml><?xml version="1.0" encoding="utf-8"?>
 <?mso-contentType ?>
 <FormTemplates xmlns="http://schemas.microsoft.com/sharepoint/v3/contenttype/forms">
   <Display>DocumentLibraryForm</Display>
@@ -23629,7 +24681,7 @@
 </FormTemplates>
 </file>
 
-<file path=customXml/item3.xml><?xml version="1.0" encoding="utf-8"?>
+<file path=customXml/item2.xml><?xml version="1.0" encoding="utf-8"?>
 <ct:contentTypeSchema xmlns:ct="http://schemas.microsoft.com/office/2006/metadata/contentType" xmlns:ma="http://schemas.microsoft.com/office/2006/metadata/properties/metaAttributes" ct:_="" ma:_="" ma:contentTypeName="Documento" ma:contentTypeID="0x0101009FAC1FADC71DC641B1C88EDCA8A738BD" ma:contentTypeVersion="9" ma:contentTypeDescription="Crie um novo documento." ma:contentTypeScope="" ma:versionID="b2ba5c05f7feb583484f3d330bfd4d41">
   <xsd:schema xmlns:xsd="http://www.w3.org/2001/XMLSchema" xmlns:xs="http://www.w3.org/2001/XMLSchema" xmlns:p="http://schemas.microsoft.com/office/2006/metadata/properties" xmlns:ns2="4620a0fb-8c8e-452c-99f9-831cb1282a4d" xmlns:ns3="d2b67046-0f4f-4fd2-9a89-c98ef0fc6e42" targetNamespace="http://schemas.microsoft.com/office/2006/metadata/properties" ma:root="true" ma:fieldsID="450c8be9e95e4e1adec287857fc41ebe" ns2:_="" ns3:_="">
     <xsd:import namespace="4620a0fb-8c8e-452c-99f9-831cb1282a4d"/>
@@ -23826,24 +24878,13 @@
 </ct:contentTypeSchema>
 </file>
 
-<file path=customXml/itemProps1.xml><?xml version="1.0" encoding="utf-8"?>
-<ds:datastoreItem xmlns:ds="http://schemas.openxmlformats.org/officeDocument/2006/customXml" ds:itemID="{012B0F66-32D8-4318-9FAE-9EACF69D7379}">
-  <ds:schemaRefs>
-    <ds:schemaRef ds:uri="http://purl.org/dc/elements/1.1/"/>
-    <ds:schemaRef ds:uri="http://purl.org/dc/terms/"/>
-    <ds:schemaRef ds:uri="http://schemas.microsoft.com/office/infopath/2007/PartnerControls"/>
-    <ds:schemaRef ds:uri="http://purl.org/dc/dcmitype/"/>
-    <ds:schemaRef ds:uri="d2b67046-0f4f-4fd2-9a89-c98ef0fc6e42"/>
-    <ds:schemaRef ds:uri="http://schemas.microsoft.com/office/2006/metadata/properties"/>
-    <ds:schemaRef ds:uri="http://schemas.microsoft.com/office/2006/documentManagement/types"/>
-    <ds:schemaRef ds:uri="http://schemas.openxmlformats.org/package/2006/metadata/core-properties"/>
-    <ds:schemaRef ds:uri="4620a0fb-8c8e-452c-99f9-831cb1282a4d"/>
-    <ds:schemaRef ds:uri="http://www.w3.org/XML/1998/namespace"/>
-  </ds:schemaRefs>
-</ds:datastoreItem>
+<file path=customXml/item3.xml><?xml version="1.0" encoding="utf-8"?>
+<p:properties xmlns:p="http://schemas.microsoft.com/office/2006/metadata/properties" xmlns:xsi="http://www.w3.org/2001/XMLSchema-instance" xmlns:pc="http://schemas.microsoft.com/office/infopath/2007/PartnerControls">
+  <documentManagement/>
+</p:properties>
 </file>
 
-<file path=customXml/itemProps2.xml><?xml version="1.0" encoding="utf-8"?>
+<file path=customXml/itemProps1.xml><?xml version="1.0" encoding="utf-8"?>
 <ds:datastoreItem xmlns:ds="http://schemas.openxmlformats.org/officeDocument/2006/customXml" ds:itemID="{A5A8ECF9-7567-461A-B635-D7A1660AA25D}">
   <ds:schemaRefs>
     <ds:schemaRef ds:uri="http://schemas.microsoft.com/sharepoint/v3/contenttype/forms"/>
@@ -23851,7 +24892,7 @@
 </ds:datastoreItem>
 </file>
 
-<file path=customXml/itemProps3.xml><?xml version="1.0" encoding="utf-8"?>
+<file path=customXml/itemProps2.xml><?xml version="1.0" encoding="utf-8"?>
 <ds:datastoreItem xmlns:ds="http://schemas.openxmlformats.org/officeDocument/2006/customXml" ds:itemID="{9442B401-7F53-433D-B941-B748B6AF5CFA}">
   <ds:schemaRefs>
     <ds:schemaRef ds:uri="http://schemas.microsoft.com/office/2006/metadata/contentType"/>
@@ -23868,4 +24909,21 @@
     <ds:schemaRef ds:uri="http://schemas.microsoft.com/internal/obd"/>
   </ds:schemaRefs>
 </ds:datastoreItem>
+</file>
+
+<file path=customXml/itemProps3.xml><?xml version="1.0" encoding="utf-8"?>
+<ds:datastoreItem xmlns:ds="http://schemas.openxmlformats.org/officeDocument/2006/customXml" ds:itemID="{012B0F66-32D8-4318-9FAE-9EACF69D7379}">
+  <ds:schemaRefs>
+    <ds:schemaRef ds:uri="http://purl.org/dc/elements/1.1/"/>
+    <ds:schemaRef ds:uri="http://purl.org/dc/terms/"/>
+    <ds:schemaRef ds:uri="http://schemas.microsoft.com/office/infopath/2007/PartnerControls"/>
+    <ds:schemaRef ds:uri="http://purl.org/dc/dcmitype/"/>
+    <ds:schemaRef ds:uri="d2b67046-0f4f-4fd2-9a89-c98ef0fc6e42"/>
+    <ds:schemaRef ds:uri="http://schemas.microsoft.com/office/2006/metadata/properties"/>
+    <ds:schemaRef ds:uri="http://schemas.microsoft.com/office/2006/documentManagement/types"/>
+    <ds:schemaRef ds:uri="http://schemas.openxmlformats.org/package/2006/metadata/core-properties"/>
+    <ds:schemaRef ds:uri="4620a0fb-8c8e-452c-99f9-831cb1282a4d"/>
+    <ds:schemaRef ds:uri="http://www.w3.org/XML/1998/namespace"/>
+  </ds:schemaRefs>
+</ds:datastoreItem>
 </file>
--- a/materiais/slides.pptx
+++ b/materiais/slides.pptx
@@ -5,7 +5,7 @@
     <p:sldMasterId id="2147483648" r:id="rId4"/>
   </p:sldMasterIdLst>
   <p:notesMasterIdLst>
-    <p:notesMasterId r:id="rId63"/>
+    <p:notesMasterId r:id="rId79"/>
   </p:notesMasterIdLst>
   <p:sldIdLst>
     <p:sldId id="256" r:id="rId5"/>
@@ -65,7 +65,23 @@
     <p:sldId id="465" r:id="rId59"/>
     <p:sldId id="466" r:id="rId60"/>
     <p:sldId id="467" r:id="rId61"/>
-    <p:sldId id="258" r:id="rId62"/>
+    <p:sldId id="483" r:id="rId62"/>
+    <p:sldId id="484" r:id="rId63"/>
+    <p:sldId id="485" r:id="rId64"/>
+    <p:sldId id="486" r:id="rId65"/>
+    <p:sldId id="487" r:id="rId66"/>
+    <p:sldId id="488" r:id="rId67"/>
+    <p:sldId id="489" r:id="rId68"/>
+    <p:sldId id="490" r:id="rId69"/>
+    <p:sldId id="491" r:id="rId70"/>
+    <p:sldId id="492" r:id="rId71"/>
+    <p:sldId id="493" r:id="rId72"/>
+    <p:sldId id="494" r:id="rId73"/>
+    <p:sldId id="495" r:id="rId74"/>
+    <p:sldId id="496" r:id="rId75"/>
+    <p:sldId id="497" r:id="rId76"/>
+    <p:sldId id="498" r:id="rId77"/>
+    <p:sldId id="258" r:id="rId78"/>
   </p:sldIdLst>
   <p:sldSz cx="24384000" cy="13716000"/>
   <p:notesSz cx="6858000" cy="9144000"/>
@@ -3511,7 +3527,7 @@
           </a:ln>
           <a:extLst>
             <a:ext uri="{C572A759-6A51-4108-AA02-DFA0A04FC94B}">
-              <ma14:wrappingTextBoxFlag xmlns="" xmlns:m="http://schemas.openxmlformats.org/officeDocument/2006/math" xmlns:a14="http://schemas.microsoft.com/office/drawing/2010/main" xmlns:ma14="http://schemas.microsoft.com/office/mac/drawingml/2011/main" val="1"/>
+              <ma14:wrappingTextBoxFlag xmlns:ma14="http://schemas.microsoft.com/office/mac/drawingml/2011/main" xmlns:a14="http://schemas.microsoft.com/office/drawing/2010/main" xmlns:m="http://schemas.openxmlformats.org/officeDocument/2006/math" xmlns="" val="1"/>
             </a:ext>
           </a:extLst>
         </p:spPr>
@@ -3550,7 +3566,7 @@
           </a:ln>
           <a:extLst>
             <a:ext uri="{C572A759-6A51-4108-AA02-DFA0A04FC94B}">
-              <ma14:wrappingTextBoxFlag xmlns="" xmlns:m="http://schemas.openxmlformats.org/officeDocument/2006/math" xmlns:a14="http://schemas.microsoft.com/office/drawing/2010/main" xmlns:ma14="http://schemas.microsoft.com/office/mac/drawingml/2011/main" val="1"/>
+              <ma14:wrappingTextBoxFlag xmlns:ma14="http://schemas.microsoft.com/office/mac/drawingml/2011/main" xmlns:a14="http://schemas.microsoft.com/office/drawing/2010/main" xmlns:m="http://schemas.openxmlformats.org/officeDocument/2006/math" xmlns="" val="1"/>
             </a:ext>
           </a:extLst>
         </p:spPr>
@@ -4520,7 +4536,7 @@
           </a:ln>
           <a:extLst>
             <a:ext uri="{C572A759-6A51-4108-AA02-DFA0A04FC94B}">
-              <ma14:wrappingTextBoxFlag xmlns="" xmlns:m="http://schemas.openxmlformats.org/officeDocument/2006/math" xmlns:a14="http://schemas.microsoft.com/office/drawing/2010/main" xmlns:ma14="http://schemas.microsoft.com/office/mac/drawingml/2011/main" val="1"/>
+              <ma14:wrappingTextBoxFlag xmlns:ma14="http://schemas.microsoft.com/office/mac/drawingml/2011/main" xmlns:a14="http://schemas.microsoft.com/office/drawing/2010/main" xmlns:m="http://schemas.openxmlformats.org/officeDocument/2006/math" xmlns="" val="1"/>
             </a:ext>
           </a:extLst>
         </p:spPr>
@@ -4896,7 +4912,7 @@
           </a:ln>
           <a:extLst>
             <a:ext uri="{C572A759-6A51-4108-AA02-DFA0A04FC94B}">
-              <ma14:wrappingTextBoxFlag xmlns="" xmlns:m="http://schemas.openxmlformats.org/officeDocument/2006/math" xmlns:a14="http://schemas.microsoft.com/office/drawing/2010/main" xmlns:ma14="http://schemas.microsoft.com/office/mac/drawingml/2011/main" val="1"/>
+              <ma14:wrappingTextBoxFlag xmlns:ma14="http://schemas.microsoft.com/office/mac/drawingml/2011/main" xmlns:a14="http://schemas.microsoft.com/office/drawing/2010/main" xmlns:m="http://schemas.openxmlformats.org/officeDocument/2006/math" xmlns="" val="1"/>
             </a:ext>
           </a:extLst>
         </p:spPr>
@@ -7186,6 +7202,32 @@
                 <a:hlinkClick r:id="rId4" action="ppaction://hlinksldjump"/>
               </a:rPr>
               <a:t>Git</a:t>
+            </a:r>
+            <a:endParaRPr lang="pt-BR" dirty="0"/>
+          </a:p>
+          <a:p>
+            <a:pPr marL="571500" indent="-571500">
+              <a:buFont typeface="Arial" panose="020B0604020202020204" pitchFamily="34" charset="0"/>
+              <a:buChar char="•"/>
+            </a:pPr>
+            <a:r>
+              <a:rPr lang="pt-BR" dirty="0">
+                <a:hlinkClick r:id="rId5" action="ppaction://hlinksldjump"/>
+              </a:rPr>
+              <a:t>Fundamentos da OO</a:t>
+            </a:r>
+            <a:endParaRPr lang="pt-BR" dirty="0"/>
+          </a:p>
+          <a:p>
+            <a:pPr marL="571500" indent="-571500">
+              <a:buFont typeface="Arial" panose="020B0604020202020204" pitchFamily="34" charset="0"/>
+              <a:buChar char="•"/>
+            </a:pPr>
+            <a:r>
+              <a:rPr lang="pt-BR" dirty="0">
+                <a:hlinkClick r:id="rId6" action="ppaction://hlinksldjump"/>
+              </a:rPr>
+              <a:t>Introdução a Java</a:t>
             </a:r>
             <a:endParaRPr lang="pt-BR" dirty="0"/>
           </a:p>
@@ -19792,48 +19834,96 @@
           <a:chExt cx="0" cy="0"/>
         </a:xfrm>
       </p:grpSpPr>
-      <p:pic>
-        <p:nvPicPr>
-          <p:cNvPr id="127" name="PPT_graduação_contracapa.png" descr="PPT_graduação_contracapa.png"/>
-          <p:cNvPicPr>
-            <a:picLocks noChangeAspect="1"/>
-          </p:cNvPicPr>
-          <p:nvPr/>
-        </p:nvPicPr>
-        <p:blipFill>
-          <a:blip r:embed="rId2"/>
-          <a:stretch>
-            <a:fillRect/>
-          </a:stretch>
-        </p:blipFill>
+      <p:sp>
+        <p:nvSpPr>
+          <p:cNvPr id="4" name="Título 3">
+            <a:extLst>
+              <a:ext uri="{FF2B5EF4-FFF2-40B4-BE49-F238E27FC236}">
+                <a16:creationId xmlns:a16="http://schemas.microsoft.com/office/drawing/2014/main" id="{4D95FF0F-F271-48E7-A204-C5656918B6A3}"/>
+              </a:ext>
+            </a:extLst>
+          </p:cNvPr>
+          <p:cNvSpPr>
+            <a:spLocks noGrp="1"/>
+          </p:cNvSpPr>
+          <p:nvPr>
+            <p:ph type="title"/>
+          </p:nvPr>
+        </p:nvSpPr>
         <p:spPr>
           <a:xfrm>
-            <a:off x="0" y="0"/>
-            <a:ext cx="24384000" cy="13716000"/>
+            <a:off x="1689100" y="4572000"/>
+            <a:ext cx="21005800" cy="2286000"/>
           </a:xfrm>
-          <a:prstGeom prst="rect">
-            <a:avLst/>
-          </a:prstGeom>
-          <a:ln w="12700">
-            <a:miter lim="400000"/>
-          </a:ln>
         </p:spPr>
-      </p:pic>
+        <p:txBody>
+          <a:bodyPr anchor="ctr">
+            <a:noAutofit/>
+          </a:bodyPr>
+          <a:lstStyle/>
+          <a:p>
+            <a:pPr algn="ctr"/>
+            <a:r>
+              <a:rPr lang="pt-BR" sz="10100" dirty="0"/>
+              <a:t>Fundamentos da Orientação a Objetos</a:t>
+            </a:r>
+          </a:p>
+        </p:txBody>
+      </p:sp>
       <p:sp>
         <p:nvSpPr>
-          <p:cNvPr id="3" name="CaixaDeTexto 2"/>
-          <p:cNvSpPr txBox="1"/>
+          <p:cNvPr id="3" name="Espaço Reservado para Número de Slide 2">
+            <a:extLst>
+              <a:ext uri="{FF2B5EF4-FFF2-40B4-BE49-F238E27FC236}">
+                <a16:creationId xmlns:a16="http://schemas.microsoft.com/office/drawing/2014/main" id="{0A64DBA4-BCFE-45E5-997E-0703CA3C03F1}"/>
+              </a:ext>
+            </a:extLst>
+          </p:cNvPr>
+          <p:cNvSpPr>
+            <a:spLocks noGrp="1"/>
+          </p:cNvSpPr>
+          <p:nvPr>
+            <p:ph type="sldNum" sz="quarter" idx="10"/>
+          </p:nvPr>
+        </p:nvSpPr>
+        <p:spPr/>
+        <p:txBody>
+          <a:bodyPr/>
+          <a:lstStyle/>
+          <a:p>
+            <a:fld id="{5D0C34D4-E406-4A74-B020-30BB69A49765}" type="slidenum">
+              <a:rPr lang="pt-BR" smtClean="0"/>
+              <a:pPr/>
+              <a:t>58</a:t>
+            </a:fld>
+            <a:endParaRPr lang="pt-BR" dirty="0"/>
+          </a:p>
+        </p:txBody>
+      </p:sp>
+      <p:sp>
+        <p:nvSpPr>
+          <p:cNvPr id="5" name="Seta: para a Esquerda 4">
+            <a:hlinkClick r:id="rId2" action="ppaction://hlinksldjump"/>
+            <a:extLst>
+              <a:ext uri="{FF2B5EF4-FFF2-40B4-BE49-F238E27FC236}">
+                <a16:creationId xmlns:a16="http://schemas.microsoft.com/office/drawing/2014/main" id="{FB1B9FE4-85B3-4444-8B9B-D63B0DA9614E}"/>
+              </a:ext>
+            </a:extLst>
+          </p:cNvPr>
+          <p:cNvSpPr/>
           <p:nvPr/>
         </p:nvSpPr>
         <p:spPr>
           <a:xfrm>
-            <a:off x="2160971" y="11172650"/>
-            <a:ext cx="5681043" cy="1456809"/>
+            <a:off x="1428508" y="522995"/>
+            <a:ext cx="938463" cy="986589"/>
           </a:xfrm>
-          <a:prstGeom prst="rect">
+          <a:prstGeom prst="leftArrow">
             <a:avLst/>
           </a:prstGeom>
-          <a:noFill/>
+          <a:solidFill>
+            <a:schemeClr val="accent1"/>
+          </a:solidFill>
           <a:ln w="12700" cap="flat">
             <a:noFill/>
             <a:miter lim="400000"/>
@@ -19854,7 +19944,7 @@
           <a:fontRef idx="none"/>
         </p:style>
         <p:txBody>
-          <a:bodyPr rot="0" spcFirstLastPara="1" vertOverflow="overflow" horzOverflow="overflow" vert="horz" wrap="none" lIns="50800" tIns="50800" rIns="50800" bIns="50800" numCol="1" spcCol="38100" rtlCol="0" anchor="ctr">
+          <a:bodyPr rot="0" spcFirstLastPara="1" vertOverflow="overflow" horzOverflow="overflow" vert="horz" wrap="square" lIns="0" tIns="0" rIns="0" bIns="0" numCol="1" spcCol="38100" rtlCol="0" anchor="ctr">
             <a:spAutoFit/>
           </a:bodyPr>
           <a:lstStyle/>
@@ -19875,28 +19965,319 @@
               <a:buNone/>
               <a:tabLst/>
             </a:pPr>
-            <a:r>
-              <a:rPr kumimoji="0" lang="pt-BR" sz="8800" b="1" i="0" u="none" strike="noStrike" cap="none" spc="0" normalizeH="0" baseline="0" dirty="0">
-                <a:ln>
-                  <a:noFill/>
-                </a:ln>
-                <a:solidFill>
-                  <a:schemeClr val="bg2">
-                    <a:lumMod val="50000"/>
-                  </a:schemeClr>
-                </a:solidFill>
-                <a:effectLst/>
-                <a:uFillTx/>
-                <a:latin typeface="Calibri" panose="020F0502020204030204" pitchFamily="34" charset="0"/>
-                <a:cs typeface="Calibri" panose="020F0502020204030204" pitchFamily="34" charset="0"/>
-                <a:sym typeface="Helvetica Neue"/>
-              </a:rPr>
-              <a:t>OBRIGADO!</a:t>
-            </a:r>
+            <a:endParaRPr kumimoji="0" lang="pt-BR" sz="3200" b="0" i="0" u="none" strike="noStrike" cap="none" spc="0" normalizeH="0" baseline="0">
+              <a:ln>
+                <a:noFill/>
+              </a:ln>
+              <a:solidFill>
+                <a:srgbClr val="FFFFFF"/>
+              </a:solidFill>
+              <a:effectLst/>
+              <a:uFillTx/>
+              <a:latin typeface="+mn-lt"/>
+              <a:ea typeface="+mn-ea"/>
+              <a:cs typeface="+mn-cs"/>
+              <a:sym typeface="Helvetica Neue Medium"/>
+            </a:endParaRPr>
           </a:p>
         </p:txBody>
       </p:sp>
     </p:spTree>
+    <p:extLst>
+      <p:ext uri="{BB962C8B-B14F-4D97-AF65-F5344CB8AC3E}">
+        <p14:creationId xmlns:p14="http://schemas.microsoft.com/office/powerpoint/2010/main" val="2904296895"/>
+      </p:ext>
+    </p:extLst>
+  </p:cSld>
+  <p:clrMapOvr>
+    <a:masterClrMapping/>
+  </p:clrMapOvr>
+  <p:transition spd="med"/>
+</p:sld>
+</file>
+
+<file path=ppt/slides/slide59.xml><?xml version="1.0" encoding="utf-8"?>
+<p:sld xmlns:a="http://schemas.openxmlformats.org/drawingml/2006/main" xmlns:r="http://schemas.openxmlformats.org/officeDocument/2006/relationships" xmlns:p="http://schemas.openxmlformats.org/presentationml/2006/main">
+  <p:cSld>
+    <p:spTree>
+      <p:nvGrpSpPr>
+        <p:cNvPr id="1" name=""/>
+        <p:cNvGrpSpPr/>
+        <p:nvPr/>
+      </p:nvGrpSpPr>
+      <p:grpSpPr>
+        <a:xfrm>
+          <a:off x="0" y="0"/>
+          <a:ext cx="0" cy="0"/>
+          <a:chOff x="0" y="0"/>
+          <a:chExt cx="0" cy="0"/>
+        </a:xfrm>
+      </p:grpSpPr>
+      <p:sp>
+        <p:nvSpPr>
+          <p:cNvPr id="4" name="Título 3">
+            <a:extLst>
+              <a:ext uri="{FF2B5EF4-FFF2-40B4-BE49-F238E27FC236}">
+                <a16:creationId xmlns:a16="http://schemas.microsoft.com/office/drawing/2014/main" id="{8A4C52A0-42D9-47BB-966A-7FE92FDBFA2D}"/>
+              </a:ext>
+            </a:extLst>
+          </p:cNvPr>
+          <p:cNvSpPr>
+            <a:spLocks noGrp="1"/>
+          </p:cNvSpPr>
+          <p:nvPr>
+            <p:ph type="title"/>
+          </p:nvPr>
+        </p:nvSpPr>
+        <p:spPr/>
+        <p:txBody>
+          <a:bodyPr>
+            <a:normAutofit/>
+          </a:bodyPr>
+          <a:lstStyle/>
+          <a:p>
+            <a:r>
+              <a:rPr lang="pt-BR" dirty="0"/>
+              <a:t>Por que usar OO?</a:t>
+            </a:r>
+          </a:p>
+        </p:txBody>
+      </p:sp>
+      <p:sp>
+        <p:nvSpPr>
+          <p:cNvPr id="5" name="Espaço Reservado para Conteúdo 4">
+            <a:extLst>
+              <a:ext uri="{FF2B5EF4-FFF2-40B4-BE49-F238E27FC236}">
+                <a16:creationId xmlns:a16="http://schemas.microsoft.com/office/drawing/2014/main" id="{1FBD8255-54D1-42B3-9B71-2D45D227E6FC}"/>
+              </a:ext>
+            </a:extLst>
+          </p:cNvPr>
+          <p:cNvSpPr>
+            <a:spLocks noGrp="1"/>
+          </p:cNvSpPr>
+          <p:nvPr>
+            <p:ph type="body" idx="1"/>
+          </p:nvPr>
+        </p:nvSpPr>
+        <p:spPr>
+          <a:xfrm>
+            <a:off x="1689100" y="2604530"/>
+            <a:ext cx="21005800" cy="10609446"/>
+          </a:xfrm>
+          <a:solidFill>
+            <a:schemeClr val="bg1"/>
+          </a:solidFill>
+        </p:spPr>
+        <p:txBody>
+          <a:bodyPr>
+            <a:noAutofit/>
+          </a:bodyPr>
+          <a:lstStyle/>
+          <a:p>
+            <a:pPr>
+              <a:buSzPct val="100000"/>
+            </a:pPr>
+            <a:r>
+              <a:rPr lang="pt-BR" sz="4000" dirty="0">
+                <a:cs typeface="Courier New" panose="02070309020205020404" pitchFamily="49" charset="0"/>
+              </a:rPr>
+              <a:t>Segundo o Paradigma Procedural, é possível representar todo e qualquer processo do mundo real a partir da utilização de </a:t>
+            </a:r>
+            <a:r>
+              <a:rPr lang="pt-BR" sz="4000" b="1" dirty="0">
+                <a:cs typeface="Courier New" panose="02070309020205020404" pitchFamily="49" charset="0"/>
+              </a:rPr>
+              <a:t>apenas</a:t>
+            </a:r>
+            <a:r>
+              <a:rPr lang="pt-BR" sz="4000" dirty="0">
+                <a:cs typeface="Courier New" panose="02070309020205020404" pitchFamily="49" charset="0"/>
+              </a:rPr>
+              <a:t> três estruturas básicas:</a:t>
+            </a:r>
+          </a:p>
+          <a:p>
+            <a:pPr marL="571500" indent="-571500">
+              <a:buSzPct val="100000"/>
+              <a:buFont typeface="Arial" panose="020B0604020202020204" pitchFamily="34" charset="0"/>
+              <a:buChar char="•"/>
+            </a:pPr>
+            <a:r>
+              <a:rPr lang="pt-BR" sz="4000" dirty="0">
+                <a:cs typeface="Courier New" panose="02070309020205020404" pitchFamily="49" charset="0"/>
+              </a:rPr>
+              <a:t>Sequência: Os passos devem ser executados um após o outro, linearmente. Ou seja, o programa seria uma sequência finita de passos. Em uma unidade de código, todos os passos devem ser feitos para se programar o algoritmo desejado;</a:t>
+            </a:r>
+          </a:p>
+          <a:p>
+            <a:pPr marL="571500" indent="-571500">
+              <a:buSzPct val="100000"/>
+              <a:buFont typeface="Arial" panose="020B0604020202020204" pitchFamily="34" charset="0"/>
+              <a:buChar char="•"/>
+            </a:pPr>
+            <a:r>
+              <a:rPr lang="pt-BR" sz="4000" dirty="0">
+                <a:cs typeface="Courier New" panose="02070309020205020404" pitchFamily="49" charset="0"/>
+              </a:rPr>
+              <a:t>Decisão: Uma determinada sequência de código pode ou não ser executada. Para isto, um teste lógico deve ser realizado para determinar ou não sua execução. A partir disto, verifica-se que duas estruturas de decisão (também conhecida como seleção) podem ser usadas: a </a:t>
+            </a:r>
+            <a:r>
+              <a:rPr lang="pt-BR" sz="3600" dirty="0" err="1">
+                <a:latin typeface="Verdana" panose="020B0604030504040204" pitchFamily="34" charset="0"/>
+                <a:ea typeface="Verdana" panose="020B0604030504040204" pitchFamily="34" charset="0"/>
+                <a:cs typeface="Courier New" panose="02070309020205020404" pitchFamily="49" charset="0"/>
+              </a:rPr>
+              <a:t>if-else</a:t>
+            </a:r>
+            <a:r>
+              <a:rPr lang="pt-BR" sz="4000" dirty="0">
+                <a:cs typeface="Courier New" panose="02070309020205020404" pitchFamily="49" charset="0"/>
+              </a:rPr>
+              <a:t> e a </a:t>
+            </a:r>
+            <a:r>
+              <a:rPr lang="pt-BR" sz="3600" dirty="0">
+                <a:latin typeface="Verdana" panose="020B0604030504040204" pitchFamily="34" charset="0"/>
+                <a:ea typeface="Verdana" panose="020B0604030504040204" pitchFamily="34" charset="0"/>
+                <a:cs typeface="Courier New" panose="02070309020205020404" pitchFamily="49" charset="0"/>
+              </a:rPr>
+              <a:t>switch</a:t>
+            </a:r>
+            <a:r>
+              <a:rPr lang="pt-BR" sz="4000" dirty="0">
+                <a:cs typeface="Courier New" panose="02070309020205020404" pitchFamily="49" charset="0"/>
+              </a:rPr>
+              <a:t>.</a:t>
+            </a:r>
+          </a:p>
+          <a:p>
+            <a:pPr marL="571500" indent="-571500">
+              <a:buSzPct val="100000"/>
+              <a:buFont typeface="Arial" panose="020B0604020202020204" pitchFamily="34" charset="0"/>
+              <a:buChar char="•"/>
+            </a:pPr>
+            <a:r>
+              <a:rPr lang="pt-BR" sz="4000" dirty="0">
+                <a:cs typeface="Courier New" panose="02070309020205020404" pitchFamily="49" charset="0"/>
+              </a:rPr>
+              <a:t>Iteração: É a execução repetitiva de um segmento (parte do programa). A partir da execução de um teste lógico, a repetição é realizada um número finito de vezes. Estruturas de repetição conhecidas são: </a:t>
+            </a:r>
+            <a:r>
+              <a:rPr lang="pt-BR" sz="3600" dirty="0">
+                <a:latin typeface="Verdana" panose="020B0604030504040204" pitchFamily="34" charset="0"/>
+                <a:ea typeface="Verdana" panose="020B0604030504040204" pitchFamily="34" charset="0"/>
+                <a:cs typeface="Courier New" panose="02070309020205020404" pitchFamily="49" charset="0"/>
+              </a:rPr>
+              <a:t>for</a:t>
+            </a:r>
+            <a:r>
+              <a:rPr lang="pt-BR" sz="4000" dirty="0">
+                <a:cs typeface="Courier New" panose="02070309020205020404" pitchFamily="49" charset="0"/>
+              </a:rPr>
+              <a:t>, </a:t>
+            </a:r>
+            <a:r>
+              <a:rPr lang="pt-BR" sz="3600" dirty="0" err="1">
+                <a:latin typeface="Verdana" panose="020B0604030504040204" pitchFamily="34" charset="0"/>
+                <a:ea typeface="Verdana" panose="020B0604030504040204" pitchFamily="34" charset="0"/>
+                <a:cs typeface="Courier New" panose="02070309020205020404" pitchFamily="49" charset="0"/>
+              </a:rPr>
+              <a:t>foreach</a:t>
+            </a:r>
+            <a:r>
+              <a:rPr lang="pt-BR" sz="4000" dirty="0">
+                <a:cs typeface="Courier New" panose="02070309020205020404" pitchFamily="49" charset="0"/>
+              </a:rPr>
+              <a:t>, </a:t>
+            </a:r>
+            <a:r>
+              <a:rPr lang="pt-BR" sz="3600" dirty="0" err="1">
+                <a:latin typeface="Verdana" panose="020B0604030504040204" pitchFamily="34" charset="0"/>
+                <a:ea typeface="Verdana" panose="020B0604030504040204" pitchFamily="34" charset="0"/>
+                <a:cs typeface="Courier New" panose="02070309020205020404" pitchFamily="49" charset="0"/>
+              </a:rPr>
+              <a:t>while</a:t>
+            </a:r>
+            <a:r>
+              <a:rPr lang="pt-BR" sz="4000" dirty="0">
+                <a:cs typeface="Courier New" panose="02070309020205020404" pitchFamily="49" charset="0"/>
+              </a:rPr>
+              <a:t>, </a:t>
+            </a:r>
+            <a:r>
+              <a:rPr lang="pt-BR" sz="3600" dirty="0">
+                <a:latin typeface="Verdana" panose="020B0604030504040204" pitchFamily="34" charset="0"/>
+                <a:ea typeface="Verdana" panose="020B0604030504040204" pitchFamily="34" charset="0"/>
+                <a:cs typeface="Courier New" panose="02070309020205020404" pitchFamily="49" charset="0"/>
+              </a:rPr>
+              <a:t>do-</a:t>
+            </a:r>
+            <a:r>
+              <a:rPr lang="pt-BR" sz="3600" dirty="0" err="1">
+                <a:latin typeface="Verdana" panose="020B0604030504040204" pitchFamily="34" charset="0"/>
+                <a:ea typeface="Verdana" panose="020B0604030504040204" pitchFamily="34" charset="0"/>
+                <a:cs typeface="Courier New" panose="02070309020205020404" pitchFamily="49" charset="0"/>
+              </a:rPr>
+              <a:t>while</a:t>
+            </a:r>
+            <a:r>
+              <a:rPr lang="pt-BR" sz="4000" dirty="0">
+                <a:cs typeface="Courier New" panose="02070309020205020404" pitchFamily="49" charset="0"/>
+              </a:rPr>
+              <a:t>, </a:t>
+            </a:r>
+            <a:r>
+              <a:rPr lang="pt-BR" sz="3600" dirty="0" err="1">
+                <a:latin typeface="Verdana" panose="020B0604030504040204" pitchFamily="34" charset="0"/>
+                <a:ea typeface="Verdana" panose="020B0604030504040204" pitchFamily="34" charset="0"/>
+                <a:cs typeface="Courier New" panose="02070309020205020404" pitchFamily="49" charset="0"/>
+              </a:rPr>
+              <a:t>repeat-until</a:t>
+            </a:r>
+            <a:r>
+              <a:rPr lang="pt-BR" sz="4000" dirty="0">
+                <a:cs typeface="Courier New" panose="02070309020205020404" pitchFamily="49" charset="0"/>
+              </a:rPr>
+              <a:t>, entre outras (dependendo da linguagem de programação).</a:t>
+            </a:r>
+          </a:p>
+        </p:txBody>
+      </p:sp>
+      <p:sp>
+        <p:nvSpPr>
+          <p:cNvPr id="7" name="Espaço Reservado para Número de Slide 6">
+            <a:extLst>
+              <a:ext uri="{FF2B5EF4-FFF2-40B4-BE49-F238E27FC236}">
+                <a16:creationId xmlns:a16="http://schemas.microsoft.com/office/drawing/2014/main" id="{40C5ECBA-0615-433C-B308-162C7F749201}"/>
+              </a:ext>
+            </a:extLst>
+          </p:cNvPr>
+          <p:cNvSpPr>
+            <a:spLocks noGrp="1"/>
+          </p:cNvSpPr>
+          <p:nvPr>
+            <p:ph type="sldNum" sz="quarter" idx="10"/>
+          </p:nvPr>
+        </p:nvSpPr>
+        <p:spPr/>
+        <p:txBody>
+          <a:bodyPr/>
+          <a:lstStyle/>
+          <a:p>
+            <a:fld id="{E4B35BDD-CC3D-4492-88ED-922B282360E3}" type="slidenum">
+              <a:rPr lang="pt-BR" smtClean="0"/>
+              <a:t>59</a:t>
+            </a:fld>
+            <a:endParaRPr lang="pt-BR"/>
+          </a:p>
+        </p:txBody>
+      </p:sp>
+    </p:spTree>
+    <p:extLst>
+      <p:ext uri="{BB962C8B-B14F-4D97-AF65-F5344CB8AC3E}">
+        <p14:creationId xmlns:p14="http://schemas.microsoft.com/office/powerpoint/2010/main" val="3613362899"/>
+      </p:ext>
+    </p:extLst>
   </p:cSld>
   <p:clrMapOvr>
     <a:masterClrMapping/>
@@ -21922,6 +22303,2144 @@
 </p:sld>
 </file>
 
+<file path=ppt/slides/slide60.xml><?xml version="1.0" encoding="utf-8"?>
+<p:sld xmlns:a="http://schemas.openxmlformats.org/drawingml/2006/main" xmlns:r="http://schemas.openxmlformats.org/officeDocument/2006/relationships" xmlns:p="http://schemas.openxmlformats.org/presentationml/2006/main">
+  <p:cSld>
+    <p:spTree>
+      <p:nvGrpSpPr>
+        <p:cNvPr id="1" name=""/>
+        <p:cNvGrpSpPr/>
+        <p:nvPr/>
+      </p:nvGrpSpPr>
+      <p:grpSpPr>
+        <a:xfrm>
+          <a:off x="0" y="0"/>
+          <a:ext cx="0" cy="0"/>
+          <a:chOff x="0" y="0"/>
+          <a:chExt cx="0" cy="0"/>
+        </a:xfrm>
+      </p:grpSpPr>
+      <p:sp>
+        <p:nvSpPr>
+          <p:cNvPr id="4" name="Título 3">
+            <a:extLst>
+              <a:ext uri="{FF2B5EF4-FFF2-40B4-BE49-F238E27FC236}">
+                <a16:creationId xmlns:a16="http://schemas.microsoft.com/office/drawing/2014/main" id="{8A4C52A0-42D9-47BB-966A-7FE92FDBFA2D}"/>
+              </a:ext>
+            </a:extLst>
+          </p:cNvPr>
+          <p:cNvSpPr>
+            <a:spLocks noGrp="1"/>
+          </p:cNvSpPr>
+          <p:nvPr>
+            <p:ph type="title"/>
+          </p:nvPr>
+        </p:nvSpPr>
+        <p:spPr/>
+        <p:txBody>
+          <a:bodyPr>
+            <a:normAutofit/>
+          </a:bodyPr>
+          <a:lstStyle/>
+          <a:p>
+            <a:r>
+              <a:rPr lang="pt-BR" dirty="0"/>
+              <a:t>Por que usar OO?</a:t>
+            </a:r>
+          </a:p>
+        </p:txBody>
+      </p:sp>
+      <p:sp>
+        <p:nvSpPr>
+          <p:cNvPr id="5" name="Espaço Reservado para Conteúdo 4">
+            <a:extLst>
+              <a:ext uri="{FF2B5EF4-FFF2-40B4-BE49-F238E27FC236}">
+                <a16:creationId xmlns:a16="http://schemas.microsoft.com/office/drawing/2014/main" id="{1FBD8255-54D1-42B3-9B71-2D45D227E6FC}"/>
+              </a:ext>
+            </a:extLst>
+          </p:cNvPr>
+          <p:cNvSpPr>
+            <a:spLocks noGrp="1"/>
+          </p:cNvSpPr>
+          <p:nvPr>
+            <p:ph type="body" idx="1"/>
+          </p:nvPr>
+        </p:nvSpPr>
+        <p:spPr>
+          <a:xfrm>
+            <a:off x="1689100" y="2604530"/>
+            <a:ext cx="21005800" cy="10609446"/>
+          </a:xfrm>
+          <a:solidFill>
+            <a:schemeClr val="bg1"/>
+          </a:solidFill>
+        </p:spPr>
+        <p:txBody>
+          <a:bodyPr>
+            <a:noAutofit/>
+          </a:bodyPr>
+          <a:lstStyle/>
+          <a:p>
+            <a:pPr>
+              <a:buSzPct val="100000"/>
+            </a:pPr>
+            <a:r>
+              <a:rPr lang="pt-BR" sz="4000" dirty="0">
+                <a:cs typeface="Courier New" panose="02070309020205020404" pitchFamily="49" charset="0"/>
+              </a:rPr>
+              <a:t>Usar apenas essas três estruturas pode apresentar algumas limitações:</a:t>
+            </a:r>
+          </a:p>
+          <a:p>
+            <a:pPr marL="571500" indent="-571500">
+              <a:buSzPct val="100000"/>
+              <a:buFont typeface="Arial" panose="020B0604020202020204" pitchFamily="34" charset="0"/>
+              <a:buChar char="•"/>
+            </a:pPr>
+            <a:r>
+              <a:rPr lang="pt-BR" sz="4000" dirty="0">
+                <a:cs typeface="Courier New" panose="02070309020205020404" pitchFamily="49" charset="0"/>
+              </a:rPr>
+              <a:t>Quanto mais complexo o programa se torna, mais difícil fica a manutenção de uma sequência organizada de código;</a:t>
+            </a:r>
+          </a:p>
+          <a:p>
+            <a:pPr marL="571500" indent="-571500">
+              <a:buSzPct val="100000"/>
+              <a:buFont typeface="Arial" panose="020B0604020202020204" pitchFamily="34" charset="0"/>
+              <a:buChar char="•"/>
+            </a:pPr>
+            <a:r>
+              <a:rPr lang="pt-BR" sz="4000" dirty="0">
+                <a:cs typeface="Courier New" panose="02070309020205020404" pitchFamily="49" charset="0"/>
+              </a:rPr>
+              <a:t>Com esse paradigma é muito fácil deixar o código extenso e com muitas duplicações;</a:t>
+            </a:r>
+          </a:p>
+          <a:p>
+            <a:pPr marL="571500" indent="-571500">
+              <a:buSzPct val="100000"/>
+              <a:buFont typeface="Arial" panose="020B0604020202020204" pitchFamily="34" charset="0"/>
+              <a:buChar char="•"/>
+            </a:pPr>
+            <a:r>
+              <a:rPr lang="pt-BR" sz="4000" dirty="0">
+                <a:cs typeface="Courier New" panose="02070309020205020404" pitchFamily="49" charset="0"/>
+              </a:rPr>
+              <a:t>Mesmo modularizações providas pelas linguagens podem deixar o código muito complexo.</a:t>
+            </a:r>
+          </a:p>
+          <a:p>
+            <a:pPr>
+              <a:buSzPct val="100000"/>
+            </a:pPr>
+            <a:r>
+              <a:rPr lang="pt-BR" sz="4000" dirty="0">
+                <a:cs typeface="Courier New" panose="02070309020205020404" pitchFamily="49" charset="0"/>
+              </a:rPr>
+              <a:t>Em resumo, a simplificação da representação das reais necessidades dos problemas a serem automatizados leva a uma facilidade de entendimento e representação. Porém, isso pode levar a uma complexidade de programação caso o nicho de negócio do sistema-alvo seja complexo.</a:t>
+            </a:r>
+          </a:p>
+        </p:txBody>
+      </p:sp>
+      <p:sp>
+        <p:nvSpPr>
+          <p:cNvPr id="7" name="Espaço Reservado para Número de Slide 6">
+            <a:extLst>
+              <a:ext uri="{FF2B5EF4-FFF2-40B4-BE49-F238E27FC236}">
+                <a16:creationId xmlns:a16="http://schemas.microsoft.com/office/drawing/2014/main" id="{40C5ECBA-0615-433C-B308-162C7F749201}"/>
+              </a:ext>
+            </a:extLst>
+          </p:cNvPr>
+          <p:cNvSpPr>
+            <a:spLocks noGrp="1"/>
+          </p:cNvSpPr>
+          <p:nvPr>
+            <p:ph type="sldNum" sz="quarter" idx="10"/>
+          </p:nvPr>
+        </p:nvSpPr>
+        <p:spPr/>
+        <p:txBody>
+          <a:bodyPr/>
+          <a:lstStyle/>
+          <a:p>
+            <a:fld id="{E4B35BDD-CC3D-4492-88ED-922B282360E3}" type="slidenum">
+              <a:rPr lang="pt-BR" smtClean="0"/>
+              <a:t>60</a:t>
+            </a:fld>
+            <a:endParaRPr lang="pt-BR"/>
+          </a:p>
+        </p:txBody>
+      </p:sp>
+    </p:spTree>
+    <p:extLst>
+      <p:ext uri="{BB962C8B-B14F-4D97-AF65-F5344CB8AC3E}">
+        <p14:creationId xmlns:p14="http://schemas.microsoft.com/office/powerpoint/2010/main" val="442414831"/>
+      </p:ext>
+    </p:extLst>
+  </p:cSld>
+  <p:clrMapOvr>
+    <a:masterClrMapping/>
+  </p:clrMapOvr>
+  <p:transition spd="med"/>
+</p:sld>
+</file>
+
+<file path=ppt/slides/slide61.xml><?xml version="1.0" encoding="utf-8"?>
+<p:sld xmlns:a="http://schemas.openxmlformats.org/drawingml/2006/main" xmlns:r="http://schemas.openxmlformats.org/officeDocument/2006/relationships" xmlns:p="http://schemas.openxmlformats.org/presentationml/2006/main">
+  <p:cSld>
+    <p:spTree>
+      <p:nvGrpSpPr>
+        <p:cNvPr id="1" name=""/>
+        <p:cNvGrpSpPr/>
+        <p:nvPr/>
+      </p:nvGrpSpPr>
+      <p:grpSpPr>
+        <a:xfrm>
+          <a:off x="0" y="0"/>
+          <a:ext cx="0" cy="0"/>
+          <a:chOff x="0" y="0"/>
+          <a:chExt cx="0" cy="0"/>
+        </a:xfrm>
+      </p:grpSpPr>
+      <p:sp>
+        <p:nvSpPr>
+          <p:cNvPr id="4" name="Título 3">
+            <a:extLst>
+              <a:ext uri="{FF2B5EF4-FFF2-40B4-BE49-F238E27FC236}">
+                <a16:creationId xmlns:a16="http://schemas.microsoft.com/office/drawing/2014/main" id="{8A4C52A0-42D9-47BB-966A-7FE92FDBFA2D}"/>
+              </a:ext>
+            </a:extLst>
+          </p:cNvPr>
+          <p:cNvSpPr>
+            <a:spLocks noGrp="1"/>
+          </p:cNvSpPr>
+          <p:nvPr>
+            <p:ph type="title"/>
+          </p:nvPr>
+        </p:nvSpPr>
+        <p:spPr/>
+        <p:txBody>
+          <a:bodyPr>
+            <a:normAutofit/>
+          </a:bodyPr>
+          <a:lstStyle/>
+          <a:p>
+            <a:r>
+              <a:rPr lang="pt-BR" dirty="0"/>
+              <a:t>Por que usar OO?</a:t>
+            </a:r>
+          </a:p>
+        </p:txBody>
+      </p:sp>
+      <p:sp>
+        <p:nvSpPr>
+          <p:cNvPr id="5" name="Espaço Reservado para Conteúdo 4">
+            <a:extLst>
+              <a:ext uri="{FF2B5EF4-FFF2-40B4-BE49-F238E27FC236}">
+                <a16:creationId xmlns:a16="http://schemas.microsoft.com/office/drawing/2014/main" id="{1FBD8255-54D1-42B3-9B71-2D45D227E6FC}"/>
+              </a:ext>
+            </a:extLst>
+          </p:cNvPr>
+          <p:cNvSpPr>
+            <a:spLocks noGrp="1"/>
+          </p:cNvSpPr>
+          <p:nvPr>
+            <p:ph type="body" idx="1"/>
+          </p:nvPr>
+        </p:nvSpPr>
+        <p:spPr>
+          <a:xfrm>
+            <a:off x="1689100" y="2604530"/>
+            <a:ext cx="21005800" cy="10609446"/>
+          </a:xfrm>
+          <a:solidFill>
+            <a:schemeClr val="bg1"/>
+          </a:solidFill>
+        </p:spPr>
+        <p:txBody>
+          <a:bodyPr>
+            <a:noAutofit/>
+          </a:bodyPr>
+          <a:lstStyle/>
+          <a:p>
+            <a:pPr>
+              <a:buSzPct val="100000"/>
+            </a:pPr>
+            <a:r>
+              <a:rPr lang="pt-BR" sz="4000" dirty="0">
+                <a:cs typeface="Courier New" panose="02070309020205020404" pitchFamily="49" charset="0"/>
+              </a:rPr>
+              <a:t>Ao contrário do paradigma procedural, a OO preconiza que os dados relativos a uma representação de uma entidade do mundo real devem somente estar juntos de suas operações, quais são os responsáveis por manipular - exclusivamente - tais dados.</a:t>
+            </a:r>
+          </a:p>
+          <a:p>
+            <a:pPr>
+              <a:buSzPct val="100000"/>
+            </a:pPr>
+            <a:r>
+              <a:rPr lang="pt-BR" sz="4000" dirty="0">
+                <a:cs typeface="Courier New" panose="02070309020205020404" pitchFamily="49" charset="0"/>
+              </a:rPr>
+              <a:t>Assim, há uma separação de dados e operações que não dizem respeito a uma mesma entidade. Todavia, se tais entidades necessitarem trocar informações, farão isto através da chamada de seus métodos, e não de acessos diretos a informações da outra.</a:t>
+            </a:r>
+          </a:p>
+          <a:p>
+            <a:pPr>
+              <a:buSzPct val="100000"/>
+            </a:pPr>
+            <a:endParaRPr lang="pt-BR" sz="4000" dirty="0">
+              <a:cs typeface="Courier New" panose="02070309020205020404" pitchFamily="49" charset="0"/>
+            </a:endParaRPr>
+          </a:p>
+          <a:p>
+            <a:pPr>
+              <a:buSzPct val="100000"/>
+            </a:pPr>
+            <a:endParaRPr lang="pt-BR" sz="4000" dirty="0">
+              <a:cs typeface="Courier New" panose="02070309020205020404" pitchFamily="49" charset="0"/>
+            </a:endParaRPr>
+          </a:p>
+          <a:p>
+            <a:pPr>
+              <a:buSzPct val="100000"/>
+            </a:pPr>
+            <a:endParaRPr lang="pt-BR" sz="4000" dirty="0">
+              <a:cs typeface="Courier New" panose="02070309020205020404" pitchFamily="49" charset="0"/>
+            </a:endParaRPr>
+          </a:p>
+          <a:p>
+            <a:pPr>
+              <a:buSzPct val="100000"/>
+            </a:pPr>
+            <a:endParaRPr lang="pt-BR" sz="4000" dirty="0">
+              <a:cs typeface="Courier New" panose="02070309020205020404" pitchFamily="49" charset="0"/>
+            </a:endParaRPr>
+          </a:p>
+          <a:p>
+            <a:pPr>
+              <a:buSzPct val="100000"/>
+            </a:pPr>
+            <a:endParaRPr lang="pt-BR" sz="4000" dirty="0">
+              <a:cs typeface="Courier New" panose="02070309020205020404" pitchFamily="49" charset="0"/>
+            </a:endParaRPr>
+          </a:p>
+        </p:txBody>
+      </p:sp>
+      <p:sp>
+        <p:nvSpPr>
+          <p:cNvPr id="7" name="Espaço Reservado para Número de Slide 6">
+            <a:extLst>
+              <a:ext uri="{FF2B5EF4-FFF2-40B4-BE49-F238E27FC236}">
+                <a16:creationId xmlns:a16="http://schemas.microsoft.com/office/drawing/2014/main" id="{40C5ECBA-0615-433C-B308-162C7F749201}"/>
+              </a:ext>
+            </a:extLst>
+          </p:cNvPr>
+          <p:cNvSpPr>
+            <a:spLocks noGrp="1"/>
+          </p:cNvSpPr>
+          <p:nvPr>
+            <p:ph type="sldNum" sz="quarter" idx="10"/>
+          </p:nvPr>
+        </p:nvSpPr>
+        <p:spPr/>
+        <p:txBody>
+          <a:bodyPr/>
+          <a:lstStyle/>
+          <a:p>
+            <a:fld id="{E4B35BDD-CC3D-4492-88ED-922B282360E3}" type="slidenum">
+              <a:rPr lang="pt-BR" smtClean="0"/>
+              <a:t>61</a:t>
+            </a:fld>
+            <a:endParaRPr lang="pt-BR"/>
+          </a:p>
+        </p:txBody>
+      </p:sp>
+      <p:pic>
+        <p:nvPicPr>
+          <p:cNvPr id="3" name="Imagem 2">
+            <a:extLst>
+              <a:ext uri="{FF2B5EF4-FFF2-40B4-BE49-F238E27FC236}">
+                <a16:creationId xmlns:a16="http://schemas.microsoft.com/office/drawing/2014/main" id="{B4BECAA9-4297-477F-BBB6-60BC3A04AFA3}"/>
+              </a:ext>
+            </a:extLst>
+          </p:cNvPr>
+          <p:cNvPicPr>
+            <a:picLocks noChangeAspect="1"/>
+          </p:cNvPicPr>
+          <p:nvPr/>
+        </p:nvPicPr>
+        <p:blipFill>
+          <a:blip r:embed="rId2">
+            <a:extLst>
+              <a:ext uri="{28A0092B-C50C-407E-A947-70E740481C1C}">
+                <a14:useLocalDpi xmlns:a14="http://schemas.microsoft.com/office/drawing/2010/main" val="0"/>
+              </a:ext>
+            </a:extLst>
+          </a:blip>
+          <a:stretch>
+            <a:fillRect/>
+          </a:stretch>
+        </p:blipFill>
+        <p:spPr>
+          <a:xfrm>
+            <a:off x="7573108" y="7256585"/>
+            <a:ext cx="9237784" cy="4399540"/>
+          </a:xfrm>
+          <a:prstGeom prst="rect">
+            <a:avLst/>
+          </a:prstGeom>
+        </p:spPr>
+      </p:pic>
+    </p:spTree>
+    <p:extLst>
+      <p:ext uri="{BB962C8B-B14F-4D97-AF65-F5344CB8AC3E}">
+        <p14:creationId xmlns:p14="http://schemas.microsoft.com/office/powerpoint/2010/main" val="2989687155"/>
+      </p:ext>
+    </p:extLst>
+  </p:cSld>
+  <p:clrMapOvr>
+    <a:masterClrMapping/>
+  </p:clrMapOvr>
+  <p:transition spd="med"/>
+</p:sld>
+</file>
+
+<file path=ppt/slides/slide62.xml><?xml version="1.0" encoding="utf-8"?>
+<p:sld xmlns:a="http://schemas.openxmlformats.org/drawingml/2006/main" xmlns:r="http://schemas.openxmlformats.org/officeDocument/2006/relationships" xmlns:p="http://schemas.openxmlformats.org/presentationml/2006/main">
+  <p:cSld>
+    <p:spTree>
+      <p:nvGrpSpPr>
+        <p:cNvPr id="1" name=""/>
+        <p:cNvGrpSpPr/>
+        <p:nvPr/>
+      </p:nvGrpSpPr>
+      <p:grpSpPr>
+        <a:xfrm>
+          <a:off x="0" y="0"/>
+          <a:ext cx="0" cy="0"/>
+          <a:chOff x="0" y="0"/>
+          <a:chExt cx="0" cy="0"/>
+        </a:xfrm>
+      </p:grpSpPr>
+      <p:sp>
+        <p:nvSpPr>
+          <p:cNvPr id="4" name="Título 3">
+            <a:extLst>
+              <a:ext uri="{FF2B5EF4-FFF2-40B4-BE49-F238E27FC236}">
+                <a16:creationId xmlns:a16="http://schemas.microsoft.com/office/drawing/2014/main" id="{8A4C52A0-42D9-47BB-966A-7FE92FDBFA2D}"/>
+              </a:ext>
+            </a:extLst>
+          </p:cNvPr>
+          <p:cNvSpPr>
+            <a:spLocks noGrp="1"/>
+          </p:cNvSpPr>
+          <p:nvPr>
+            <p:ph type="title"/>
+          </p:nvPr>
+        </p:nvSpPr>
+        <p:spPr/>
+        <p:txBody>
+          <a:bodyPr>
+            <a:normAutofit/>
+          </a:bodyPr>
+          <a:lstStyle/>
+          <a:p>
+            <a:r>
+              <a:rPr lang="pt-BR" dirty="0"/>
+              <a:t>Fundamentos da OO</a:t>
+            </a:r>
+          </a:p>
+        </p:txBody>
+      </p:sp>
+      <p:sp>
+        <p:nvSpPr>
+          <p:cNvPr id="5" name="Espaço Reservado para Conteúdo 4">
+            <a:extLst>
+              <a:ext uri="{FF2B5EF4-FFF2-40B4-BE49-F238E27FC236}">
+                <a16:creationId xmlns:a16="http://schemas.microsoft.com/office/drawing/2014/main" id="{1FBD8255-54D1-42B3-9B71-2D45D227E6FC}"/>
+              </a:ext>
+            </a:extLst>
+          </p:cNvPr>
+          <p:cNvSpPr>
+            <a:spLocks noGrp="1"/>
+          </p:cNvSpPr>
+          <p:nvPr>
+            <p:ph type="body" idx="1"/>
+          </p:nvPr>
+        </p:nvSpPr>
+        <p:spPr>
+          <a:xfrm>
+            <a:off x="1689100" y="2604530"/>
+            <a:ext cx="21005800" cy="10609446"/>
+          </a:xfrm>
+          <a:solidFill>
+            <a:schemeClr val="bg1"/>
+          </a:solidFill>
+        </p:spPr>
+        <p:txBody>
+          <a:bodyPr>
+            <a:noAutofit/>
+          </a:bodyPr>
+          <a:lstStyle/>
+          <a:p>
+            <a:pPr>
+              <a:buSzPct val="100000"/>
+            </a:pPr>
+            <a:r>
+              <a:rPr lang="pt-BR" sz="4000" dirty="0">
+                <a:cs typeface="Courier New" panose="02070309020205020404" pitchFamily="49" charset="0"/>
+              </a:rPr>
+              <a:t>Abstração:</a:t>
+            </a:r>
+          </a:p>
+          <a:p>
+            <a:pPr marL="571500" indent="-571500">
+              <a:buSzPct val="100000"/>
+              <a:buFont typeface="Arial" panose="020B0604020202020204" pitchFamily="34" charset="0"/>
+              <a:buChar char="•"/>
+            </a:pPr>
+            <a:r>
+              <a:rPr lang="pt-BR" sz="4000" dirty="0">
+                <a:cs typeface="Courier New" panose="02070309020205020404" pitchFamily="49" charset="0"/>
+              </a:rPr>
+              <a:t>Processo pelo qual se isolam características de um objeto, considerando os que tenham em comum certos grupos de objetos.</a:t>
+            </a:r>
+          </a:p>
+          <a:p>
+            <a:pPr marL="571500" indent="-571500">
+              <a:buSzPct val="100000"/>
+              <a:buFont typeface="Arial" panose="020B0604020202020204" pitchFamily="34" charset="0"/>
+              <a:buChar char="•"/>
+            </a:pPr>
+            <a:r>
+              <a:rPr lang="pt-BR" sz="4000" dirty="0">
+                <a:cs typeface="Courier New" panose="02070309020205020404" pitchFamily="49" charset="0"/>
+              </a:rPr>
+              <a:t>Não devemos nos preocupar com características menos importantes, ou seja, acidentais. Devemos, neste caso, nos concentrar apenas nos aspectos essenciais. Por natureza, as abstrações devem ser incompletas e imprecisas.</a:t>
+            </a:r>
+          </a:p>
+          <a:p>
+            <a:pPr marL="571500" indent="-571500">
+              <a:buSzPct val="100000"/>
+              <a:buFont typeface="Arial" panose="020B0604020202020204" pitchFamily="34" charset="0"/>
+              <a:buChar char="•"/>
+            </a:pPr>
+            <a:endParaRPr lang="pt-BR" sz="4000" dirty="0">
+              <a:cs typeface="Courier New" panose="02070309020205020404" pitchFamily="49" charset="0"/>
+            </a:endParaRPr>
+          </a:p>
+        </p:txBody>
+      </p:sp>
+      <p:sp>
+        <p:nvSpPr>
+          <p:cNvPr id="7" name="Espaço Reservado para Número de Slide 6">
+            <a:extLst>
+              <a:ext uri="{FF2B5EF4-FFF2-40B4-BE49-F238E27FC236}">
+                <a16:creationId xmlns:a16="http://schemas.microsoft.com/office/drawing/2014/main" id="{40C5ECBA-0615-433C-B308-162C7F749201}"/>
+              </a:ext>
+            </a:extLst>
+          </p:cNvPr>
+          <p:cNvSpPr>
+            <a:spLocks noGrp="1"/>
+          </p:cNvSpPr>
+          <p:nvPr>
+            <p:ph type="sldNum" sz="quarter" idx="10"/>
+          </p:nvPr>
+        </p:nvSpPr>
+        <p:spPr/>
+        <p:txBody>
+          <a:bodyPr/>
+          <a:lstStyle/>
+          <a:p>
+            <a:fld id="{E4B35BDD-CC3D-4492-88ED-922B282360E3}" type="slidenum">
+              <a:rPr lang="pt-BR" smtClean="0"/>
+              <a:t>62</a:t>
+            </a:fld>
+            <a:endParaRPr lang="pt-BR"/>
+          </a:p>
+        </p:txBody>
+      </p:sp>
+      <p:pic>
+        <p:nvPicPr>
+          <p:cNvPr id="6" name="Imagem 5">
+            <a:extLst>
+              <a:ext uri="{FF2B5EF4-FFF2-40B4-BE49-F238E27FC236}">
+                <a16:creationId xmlns:a16="http://schemas.microsoft.com/office/drawing/2014/main" id="{8266C9B5-0DAB-4ADF-9006-750A6B001EC4}"/>
+              </a:ext>
+            </a:extLst>
+          </p:cNvPr>
+          <p:cNvPicPr>
+            <a:picLocks noChangeAspect="1"/>
+          </p:cNvPicPr>
+          <p:nvPr/>
+        </p:nvPicPr>
+        <p:blipFill>
+          <a:blip r:embed="rId2">
+            <a:extLst>
+              <a:ext uri="{28A0092B-C50C-407E-A947-70E740481C1C}">
+                <a14:useLocalDpi xmlns:a14="http://schemas.microsoft.com/office/drawing/2010/main" val="0"/>
+              </a:ext>
+            </a:extLst>
+          </a:blip>
+          <a:stretch>
+            <a:fillRect/>
+          </a:stretch>
+        </p:blipFill>
+        <p:spPr>
+          <a:xfrm>
+            <a:off x="9418079" y="7445389"/>
+            <a:ext cx="5547841" cy="5296359"/>
+          </a:xfrm>
+          <a:prstGeom prst="rect">
+            <a:avLst/>
+          </a:prstGeom>
+        </p:spPr>
+      </p:pic>
+    </p:spTree>
+    <p:extLst>
+      <p:ext uri="{BB962C8B-B14F-4D97-AF65-F5344CB8AC3E}">
+        <p14:creationId xmlns:p14="http://schemas.microsoft.com/office/powerpoint/2010/main" val="2978138725"/>
+      </p:ext>
+    </p:extLst>
+  </p:cSld>
+  <p:clrMapOvr>
+    <a:masterClrMapping/>
+  </p:clrMapOvr>
+  <p:transition spd="med"/>
+</p:sld>
+</file>
+
+<file path=ppt/slides/slide63.xml><?xml version="1.0" encoding="utf-8"?>
+<p:sld xmlns:a="http://schemas.openxmlformats.org/drawingml/2006/main" xmlns:r="http://schemas.openxmlformats.org/officeDocument/2006/relationships" xmlns:p="http://schemas.openxmlformats.org/presentationml/2006/main">
+  <p:cSld>
+    <p:spTree>
+      <p:nvGrpSpPr>
+        <p:cNvPr id="1" name=""/>
+        <p:cNvGrpSpPr/>
+        <p:nvPr/>
+      </p:nvGrpSpPr>
+      <p:grpSpPr>
+        <a:xfrm>
+          <a:off x="0" y="0"/>
+          <a:ext cx="0" cy="0"/>
+          <a:chOff x="0" y="0"/>
+          <a:chExt cx="0" cy="0"/>
+        </a:xfrm>
+      </p:grpSpPr>
+      <p:sp>
+        <p:nvSpPr>
+          <p:cNvPr id="4" name="Título 3">
+            <a:extLst>
+              <a:ext uri="{FF2B5EF4-FFF2-40B4-BE49-F238E27FC236}">
+                <a16:creationId xmlns:a16="http://schemas.microsoft.com/office/drawing/2014/main" id="{8A4C52A0-42D9-47BB-966A-7FE92FDBFA2D}"/>
+              </a:ext>
+            </a:extLst>
+          </p:cNvPr>
+          <p:cNvSpPr>
+            <a:spLocks noGrp="1"/>
+          </p:cNvSpPr>
+          <p:nvPr>
+            <p:ph type="title"/>
+          </p:nvPr>
+        </p:nvSpPr>
+        <p:spPr/>
+        <p:txBody>
+          <a:bodyPr>
+            <a:normAutofit/>
+          </a:bodyPr>
+          <a:lstStyle/>
+          <a:p>
+            <a:r>
+              <a:rPr lang="pt-BR" dirty="0"/>
+              <a:t>Fundamentos da OO</a:t>
+            </a:r>
+          </a:p>
+        </p:txBody>
+      </p:sp>
+      <p:sp>
+        <p:nvSpPr>
+          <p:cNvPr id="5" name="Espaço Reservado para Conteúdo 4">
+            <a:extLst>
+              <a:ext uri="{FF2B5EF4-FFF2-40B4-BE49-F238E27FC236}">
+                <a16:creationId xmlns:a16="http://schemas.microsoft.com/office/drawing/2014/main" id="{1FBD8255-54D1-42B3-9B71-2D45D227E6FC}"/>
+              </a:ext>
+            </a:extLst>
+          </p:cNvPr>
+          <p:cNvSpPr>
+            <a:spLocks noGrp="1"/>
+          </p:cNvSpPr>
+          <p:nvPr>
+            <p:ph type="body" idx="1"/>
+          </p:nvPr>
+        </p:nvSpPr>
+        <p:spPr>
+          <a:xfrm>
+            <a:off x="1689100" y="2604530"/>
+            <a:ext cx="21005800" cy="10609446"/>
+          </a:xfrm>
+          <a:solidFill>
+            <a:schemeClr val="bg1"/>
+          </a:solidFill>
+        </p:spPr>
+        <p:txBody>
+          <a:bodyPr>
+            <a:noAutofit/>
+          </a:bodyPr>
+          <a:lstStyle/>
+          <a:p>
+            <a:pPr>
+              <a:buSzPct val="100000"/>
+            </a:pPr>
+            <a:r>
+              <a:rPr lang="pt-BR" sz="4000" dirty="0">
+                <a:cs typeface="Courier New" panose="02070309020205020404" pitchFamily="49" charset="0"/>
+              </a:rPr>
+              <a:t>Abstração:</a:t>
+            </a:r>
+          </a:p>
+          <a:p>
+            <a:pPr marL="571500" indent="-571500">
+              <a:buSzPct val="100000"/>
+              <a:buFont typeface="Arial" panose="020B0604020202020204" pitchFamily="34" charset="0"/>
+              <a:buChar char="•"/>
+            </a:pPr>
+            <a:r>
+              <a:rPr lang="pt-BR" sz="4000" dirty="0">
+                <a:cs typeface="Courier New" panose="02070309020205020404" pitchFamily="49" charset="0"/>
+              </a:rPr>
+              <a:t>Com a abstração dos conceitos, conseguimos reaproveitar, de forma mais eficiente, o nosso “molde” inicial, que pode ser detalhado conforme for necessário para o nosso caso específico.</a:t>
+            </a:r>
+          </a:p>
+          <a:p>
+            <a:pPr marL="571500" indent="-571500">
+              <a:buSzPct val="100000"/>
+              <a:buFont typeface="Arial" panose="020B0604020202020204" pitchFamily="34" charset="0"/>
+              <a:buChar char="•"/>
+            </a:pPr>
+            <a:r>
+              <a:rPr lang="pt-BR" sz="4000" dirty="0">
+                <a:cs typeface="Courier New" panose="02070309020205020404" pitchFamily="49" charset="0"/>
+              </a:rPr>
+              <a:t>Os processos de inicialmente se pensar no mais abstrato e, posteriormente, acrescentar ou se adaptar são também conhecidos como </a:t>
+            </a:r>
+            <a:r>
+              <a:rPr lang="pt-BR" sz="4000" b="1" dirty="0">
+                <a:cs typeface="Courier New" panose="02070309020205020404" pitchFamily="49" charset="0"/>
+              </a:rPr>
+              <a:t>generalização</a:t>
+            </a:r>
+            <a:r>
+              <a:rPr lang="pt-BR" sz="4000" dirty="0">
+                <a:cs typeface="Courier New" panose="02070309020205020404" pitchFamily="49" charset="0"/>
+              </a:rPr>
+              <a:t> e </a:t>
+            </a:r>
+            <a:r>
+              <a:rPr lang="pt-BR" sz="4000" b="1" dirty="0">
+                <a:cs typeface="Courier New" panose="02070309020205020404" pitchFamily="49" charset="0"/>
+              </a:rPr>
+              <a:t>especialização</a:t>
+            </a:r>
+            <a:r>
+              <a:rPr lang="pt-BR" sz="4000" dirty="0">
+                <a:cs typeface="Courier New" panose="02070309020205020404" pitchFamily="49" charset="0"/>
+              </a:rPr>
+              <a:t>, respectivamente.</a:t>
+            </a:r>
+          </a:p>
+        </p:txBody>
+      </p:sp>
+      <p:sp>
+        <p:nvSpPr>
+          <p:cNvPr id="7" name="Espaço Reservado para Número de Slide 6">
+            <a:extLst>
+              <a:ext uri="{FF2B5EF4-FFF2-40B4-BE49-F238E27FC236}">
+                <a16:creationId xmlns:a16="http://schemas.microsoft.com/office/drawing/2014/main" id="{40C5ECBA-0615-433C-B308-162C7F749201}"/>
+              </a:ext>
+            </a:extLst>
+          </p:cNvPr>
+          <p:cNvSpPr>
+            <a:spLocks noGrp="1"/>
+          </p:cNvSpPr>
+          <p:nvPr>
+            <p:ph type="sldNum" sz="quarter" idx="10"/>
+          </p:nvPr>
+        </p:nvSpPr>
+        <p:spPr/>
+        <p:txBody>
+          <a:bodyPr/>
+          <a:lstStyle/>
+          <a:p>
+            <a:fld id="{E4B35BDD-CC3D-4492-88ED-922B282360E3}" type="slidenum">
+              <a:rPr lang="pt-BR" smtClean="0"/>
+              <a:t>63</a:t>
+            </a:fld>
+            <a:endParaRPr lang="pt-BR"/>
+          </a:p>
+        </p:txBody>
+      </p:sp>
+      <p:pic>
+        <p:nvPicPr>
+          <p:cNvPr id="6" name="Imagem 5">
+            <a:extLst>
+              <a:ext uri="{FF2B5EF4-FFF2-40B4-BE49-F238E27FC236}">
+                <a16:creationId xmlns:a16="http://schemas.microsoft.com/office/drawing/2014/main" id="{8266C9B5-0DAB-4ADF-9006-750A6B001EC4}"/>
+              </a:ext>
+            </a:extLst>
+          </p:cNvPr>
+          <p:cNvPicPr>
+            <a:picLocks noChangeAspect="1"/>
+          </p:cNvPicPr>
+          <p:nvPr/>
+        </p:nvPicPr>
+        <p:blipFill>
+          <a:blip r:embed="rId2">
+            <a:extLst>
+              <a:ext uri="{28A0092B-C50C-407E-A947-70E740481C1C}">
+                <a14:useLocalDpi xmlns:a14="http://schemas.microsoft.com/office/drawing/2010/main" val="0"/>
+              </a:ext>
+            </a:extLst>
+          </a:blip>
+          <a:stretch>
+            <a:fillRect/>
+          </a:stretch>
+        </p:blipFill>
+        <p:spPr>
+          <a:xfrm>
+            <a:off x="9418079" y="7445389"/>
+            <a:ext cx="5547841" cy="5296359"/>
+          </a:xfrm>
+          <a:prstGeom prst="rect">
+            <a:avLst/>
+          </a:prstGeom>
+        </p:spPr>
+      </p:pic>
+    </p:spTree>
+    <p:extLst>
+      <p:ext uri="{BB962C8B-B14F-4D97-AF65-F5344CB8AC3E}">
+        <p14:creationId xmlns:p14="http://schemas.microsoft.com/office/powerpoint/2010/main" val="1338700819"/>
+      </p:ext>
+    </p:extLst>
+  </p:cSld>
+  <p:clrMapOvr>
+    <a:masterClrMapping/>
+  </p:clrMapOvr>
+  <p:transition spd="med"/>
+</p:sld>
+</file>
+
+<file path=ppt/slides/slide64.xml><?xml version="1.0" encoding="utf-8"?>
+<p:sld xmlns:a="http://schemas.openxmlformats.org/drawingml/2006/main" xmlns:r="http://schemas.openxmlformats.org/officeDocument/2006/relationships" xmlns:p="http://schemas.openxmlformats.org/presentationml/2006/main">
+  <p:cSld>
+    <p:spTree>
+      <p:nvGrpSpPr>
+        <p:cNvPr id="1" name=""/>
+        <p:cNvGrpSpPr/>
+        <p:nvPr/>
+      </p:nvGrpSpPr>
+      <p:grpSpPr>
+        <a:xfrm>
+          <a:off x="0" y="0"/>
+          <a:ext cx="0" cy="0"/>
+          <a:chOff x="0" y="0"/>
+          <a:chExt cx="0" cy="0"/>
+        </a:xfrm>
+      </p:grpSpPr>
+      <p:sp>
+        <p:nvSpPr>
+          <p:cNvPr id="4" name="Título 3">
+            <a:extLst>
+              <a:ext uri="{FF2B5EF4-FFF2-40B4-BE49-F238E27FC236}">
+                <a16:creationId xmlns:a16="http://schemas.microsoft.com/office/drawing/2014/main" id="{8A4C52A0-42D9-47BB-966A-7FE92FDBFA2D}"/>
+              </a:ext>
+            </a:extLst>
+          </p:cNvPr>
+          <p:cNvSpPr>
+            <a:spLocks noGrp="1"/>
+          </p:cNvSpPr>
+          <p:nvPr>
+            <p:ph type="title"/>
+          </p:nvPr>
+        </p:nvSpPr>
+        <p:spPr/>
+        <p:txBody>
+          <a:bodyPr>
+            <a:normAutofit/>
+          </a:bodyPr>
+          <a:lstStyle/>
+          <a:p>
+            <a:r>
+              <a:rPr lang="pt-BR" dirty="0"/>
+              <a:t>Fundamentos da OO</a:t>
+            </a:r>
+          </a:p>
+        </p:txBody>
+      </p:sp>
+      <p:sp>
+        <p:nvSpPr>
+          <p:cNvPr id="5" name="Espaço Reservado para Conteúdo 4">
+            <a:extLst>
+              <a:ext uri="{FF2B5EF4-FFF2-40B4-BE49-F238E27FC236}">
+                <a16:creationId xmlns:a16="http://schemas.microsoft.com/office/drawing/2014/main" id="{1FBD8255-54D1-42B3-9B71-2D45D227E6FC}"/>
+              </a:ext>
+            </a:extLst>
+          </p:cNvPr>
+          <p:cNvSpPr>
+            <a:spLocks noGrp="1"/>
+          </p:cNvSpPr>
+          <p:nvPr>
+            <p:ph type="body" idx="1"/>
+          </p:nvPr>
+        </p:nvSpPr>
+        <p:spPr>
+          <a:xfrm>
+            <a:off x="1689100" y="2604530"/>
+            <a:ext cx="21005800" cy="10609446"/>
+          </a:xfrm>
+          <a:solidFill>
+            <a:schemeClr val="bg1"/>
+          </a:solidFill>
+        </p:spPr>
+        <p:txBody>
+          <a:bodyPr>
+            <a:noAutofit/>
+          </a:bodyPr>
+          <a:lstStyle/>
+          <a:p>
+            <a:pPr>
+              <a:buSzPct val="100000"/>
+            </a:pPr>
+            <a:r>
+              <a:rPr lang="pt-BR" sz="4000" dirty="0">
+                <a:cs typeface="Courier New" panose="02070309020205020404" pitchFamily="49" charset="0"/>
+              </a:rPr>
+              <a:t>Reuso:</a:t>
+            </a:r>
+          </a:p>
+          <a:p>
+            <a:pPr marL="571500" indent="-571500">
+              <a:buSzPct val="100000"/>
+              <a:buFont typeface="Arial" panose="020B0604020202020204" pitchFamily="34" charset="0"/>
+              <a:buChar char="•"/>
+            </a:pPr>
+            <a:r>
+              <a:rPr lang="pt-BR" sz="4000" dirty="0">
+                <a:cs typeface="Courier New" panose="02070309020205020404" pitchFamily="49" charset="0"/>
+              </a:rPr>
+              <a:t>Não existe pior prática em programação do que a repetição de código. Isto leva a um código frágil, propício a resultados inesperados. Quanto mais códigos são repetidos pela aplicação, mais difícil vai se tornando sua manutenção.</a:t>
+            </a:r>
+          </a:p>
+          <a:p>
+            <a:pPr marL="571500" indent="-571500">
+              <a:buSzPct val="100000"/>
+              <a:buFont typeface="Arial" panose="020B0604020202020204" pitchFamily="34" charset="0"/>
+              <a:buChar char="•"/>
+            </a:pPr>
+            <a:r>
+              <a:rPr lang="pt-BR" sz="4000" dirty="0">
+                <a:cs typeface="Courier New" panose="02070309020205020404" pitchFamily="49" charset="0"/>
+              </a:rPr>
+              <a:t>O fato de simplesmente utilizarmos uma linguagem OO não é suficiente para se atingir a </a:t>
+            </a:r>
+            <a:r>
+              <a:rPr lang="pt-BR" sz="4000" dirty="0" err="1">
+                <a:cs typeface="Courier New" panose="02070309020205020404" pitchFamily="49" charset="0"/>
+              </a:rPr>
+              <a:t>reusabilidade</a:t>
+            </a:r>
+            <a:r>
+              <a:rPr lang="pt-BR" sz="4000" dirty="0">
+                <a:cs typeface="Courier New" panose="02070309020205020404" pitchFamily="49" charset="0"/>
+              </a:rPr>
+              <a:t>, temos de trabalhar de forma eficiente para aplicar os conceitos de </a:t>
+            </a:r>
+            <a:r>
+              <a:rPr lang="pt-BR" sz="4000" b="1" dirty="0">
+                <a:cs typeface="Courier New" panose="02070309020205020404" pitchFamily="49" charset="0"/>
+              </a:rPr>
+              <a:t>herança</a:t>
+            </a:r>
+            <a:r>
+              <a:rPr lang="pt-BR" sz="4000" dirty="0">
+                <a:cs typeface="Courier New" panose="02070309020205020404" pitchFamily="49" charset="0"/>
+              </a:rPr>
+              <a:t> e </a:t>
+            </a:r>
+            <a:r>
+              <a:rPr lang="pt-BR" sz="4000" b="1" dirty="0">
+                <a:cs typeface="Courier New" panose="02070309020205020404" pitchFamily="49" charset="0"/>
+              </a:rPr>
+              <a:t>associação</a:t>
+            </a:r>
+            <a:r>
+              <a:rPr lang="pt-BR" sz="4000" dirty="0">
+                <a:cs typeface="Courier New" panose="02070309020205020404" pitchFamily="49" charset="0"/>
+              </a:rPr>
+              <a:t>, por exemplo.</a:t>
+            </a:r>
+          </a:p>
+          <a:p>
+            <a:pPr marL="571500" indent="-571500">
+              <a:buSzPct val="100000"/>
+              <a:buFont typeface="Arial" panose="020B0604020202020204" pitchFamily="34" charset="0"/>
+              <a:buChar char="•"/>
+            </a:pPr>
+            <a:r>
+              <a:rPr lang="pt-BR" sz="4000" dirty="0">
+                <a:cs typeface="Courier New" panose="02070309020205020404" pitchFamily="49" charset="0"/>
+              </a:rPr>
+              <a:t>Na herança, é possível criar classes a partir de outras classes. A classe filha, além do que já foi reaproveitada, pode acrescentar o que for necessário para si.</a:t>
+            </a:r>
+          </a:p>
+          <a:p>
+            <a:pPr marL="571500" indent="-571500">
+              <a:buSzPct val="100000"/>
+              <a:buFont typeface="Arial" panose="020B0604020202020204" pitchFamily="34" charset="0"/>
+              <a:buChar char="•"/>
+            </a:pPr>
+            <a:r>
+              <a:rPr lang="pt-BR" sz="4000" dirty="0">
+                <a:cs typeface="Courier New" panose="02070309020205020404" pitchFamily="49" charset="0"/>
+              </a:rPr>
+              <a:t>Já na associação, o reaproveitamento é diferente. Uma classe pede ajuda a outra para poder fazer o que ela não consegue fazer por si só. Em vez de simplesmente repetir, em si, o código que está em outra classe, a associação permite que uma classe forneça uma porção de código a outra. Assim, esta troca mútua culmina por evitar a repetição de código.</a:t>
+            </a:r>
+          </a:p>
+        </p:txBody>
+      </p:sp>
+      <p:sp>
+        <p:nvSpPr>
+          <p:cNvPr id="7" name="Espaço Reservado para Número de Slide 6">
+            <a:extLst>
+              <a:ext uri="{FF2B5EF4-FFF2-40B4-BE49-F238E27FC236}">
+                <a16:creationId xmlns:a16="http://schemas.microsoft.com/office/drawing/2014/main" id="{40C5ECBA-0615-433C-B308-162C7F749201}"/>
+              </a:ext>
+            </a:extLst>
+          </p:cNvPr>
+          <p:cNvSpPr>
+            <a:spLocks noGrp="1"/>
+          </p:cNvSpPr>
+          <p:nvPr>
+            <p:ph type="sldNum" sz="quarter" idx="10"/>
+          </p:nvPr>
+        </p:nvSpPr>
+        <p:spPr/>
+        <p:txBody>
+          <a:bodyPr/>
+          <a:lstStyle/>
+          <a:p>
+            <a:fld id="{E4B35BDD-CC3D-4492-88ED-922B282360E3}" type="slidenum">
+              <a:rPr lang="pt-BR" smtClean="0"/>
+              <a:t>64</a:t>
+            </a:fld>
+            <a:endParaRPr lang="pt-BR"/>
+          </a:p>
+        </p:txBody>
+      </p:sp>
+    </p:spTree>
+    <p:extLst>
+      <p:ext uri="{BB962C8B-B14F-4D97-AF65-F5344CB8AC3E}">
+        <p14:creationId xmlns:p14="http://schemas.microsoft.com/office/powerpoint/2010/main" val="1439646702"/>
+      </p:ext>
+    </p:extLst>
+  </p:cSld>
+  <p:clrMapOvr>
+    <a:masterClrMapping/>
+  </p:clrMapOvr>
+  <p:transition spd="med"/>
+</p:sld>
+</file>
+
+<file path=ppt/slides/slide65.xml><?xml version="1.0" encoding="utf-8"?>
+<p:sld xmlns:a="http://schemas.openxmlformats.org/drawingml/2006/main" xmlns:r="http://schemas.openxmlformats.org/officeDocument/2006/relationships" xmlns:p="http://schemas.openxmlformats.org/presentationml/2006/main">
+  <p:cSld>
+    <p:spTree>
+      <p:nvGrpSpPr>
+        <p:cNvPr id="1" name=""/>
+        <p:cNvGrpSpPr/>
+        <p:nvPr/>
+      </p:nvGrpSpPr>
+      <p:grpSpPr>
+        <a:xfrm>
+          <a:off x="0" y="0"/>
+          <a:ext cx="0" cy="0"/>
+          <a:chOff x="0" y="0"/>
+          <a:chExt cx="0" cy="0"/>
+        </a:xfrm>
+      </p:grpSpPr>
+      <p:sp>
+        <p:nvSpPr>
+          <p:cNvPr id="4" name="Título 3">
+            <a:extLst>
+              <a:ext uri="{FF2B5EF4-FFF2-40B4-BE49-F238E27FC236}">
+                <a16:creationId xmlns:a16="http://schemas.microsoft.com/office/drawing/2014/main" id="{8A4C52A0-42D9-47BB-966A-7FE92FDBFA2D}"/>
+              </a:ext>
+            </a:extLst>
+          </p:cNvPr>
+          <p:cNvSpPr>
+            <a:spLocks noGrp="1"/>
+          </p:cNvSpPr>
+          <p:nvPr>
+            <p:ph type="title"/>
+          </p:nvPr>
+        </p:nvSpPr>
+        <p:spPr/>
+        <p:txBody>
+          <a:bodyPr>
+            <a:normAutofit/>
+          </a:bodyPr>
+          <a:lstStyle/>
+          <a:p>
+            <a:r>
+              <a:rPr lang="pt-BR" dirty="0"/>
+              <a:t>Fundamentos da OO</a:t>
+            </a:r>
+          </a:p>
+        </p:txBody>
+      </p:sp>
+      <p:sp>
+        <p:nvSpPr>
+          <p:cNvPr id="5" name="Espaço Reservado para Conteúdo 4">
+            <a:extLst>
+              <a:ext uri="{FF2B5EF4-FFF2-40B4-BE49-F238E27FC236}">
+                <a16:creationId xmlns:a16="http://schemas.microsoft.com/office/drawing/2014/main" id="{1FBD8255-54D1-42B3-9B71-2D45D227E6FC}"/>
+              </a:ext>
+            </a:extLst>
+          </p:cNvPr>
+          <p:cNvSpPr>
+            <a:spLocks noGrp="1"/>
+          </p:cNvSpPr>
+          <p:nvPr>
+            <p:ph type="body" idx="1"/>
+          </p:nvPr>
+        </p:nvSpPr>
+        <p:spPr>
+          <a:xfrm>
+            <a:off x="1689100" y="2604530"/>
+            <a:ext cx="21005800" cy="10609446"/>
+          </a:xfrm>
+          <a:solidFill>
+            <a:schemeClr val="bg1"/>
+          </a:solidFill>
+        </p:spPr>
+        <p:txBody>
+          <a:bodyPr>
+            <a:noAutofit/>
+          </a:bodyPr>
+          <a:lstStyle/>
+          <a:p>
+            <a:pPr>
+              <a:buSzPct val="100000"/>
+            </a:pPr>
+            <a:r>
+              <a:rPr lang="pt-BR" sz="4000" dirty="0">
+                <a:cs typeface="Courier New" panose="02070309020205020404" pitchFamily="49" charset="0"/>
+              </a:rPr>
+              <a:t>Encapsulamento:</a:t>
+            </a:r>
+          </a:p>
+          <a:p>
+            <a:pPr marL="571500" indent="-571500">
+              <a:buSzPct val="100000"/>
+              <a:buFont typeface="Arial" panose="020B0604020202020204" pitchFamily="34" charset="0"/>
+              <a:buChar char="•"/>
+            </a:pPr>
+            <a:r>
+              <a:rPr lang="pt-BR" sz="4000" dirty="0">
+                <a:cs typeface="Courier New" panose="02070309020205020404" pitchFamily="49" charset="0"/>
+              </a:rPr>
+              <a:t>Quando alguém se consulta com um médico, por estar com um resfriado, seria desesperados se ao final da consulta o médico entregasse a seguinte receita:</a:t>
+            </a:r>
+          </a:p>
+          <a:p>
+            <a:pPr>
+              <a:buSzPct val="100000"/>
+            </a:pPr>
+            <a:r>
+              <a:rPr lang="pt-BR" sz="2400" dirty="0">
+                <a:latin typeface="Verdana" panose="020B0604030504040204" pitchFamily="34" charset="0"/>
+                <a:ea typeface="Verdana" panose="020B0604030504040204" pitchFamily="34" charset="0"/>
+                <a:cs typeface="Courier New" panose="02070309020205020404" pitchFamily="49" charset="0"/>
+              </a:rPr>
+              <a:t>Receituário (Complexo)</a:t>
+            </a:r>
+          </a:p>
+          <a:p>
+            <a:pPr>
+              <a:buSzPct val="100000"/>
+            </a:pPr>
+            <a:r>
+              <a:rPr lang="pt-BR" sz="2400" dirty="0">
+                <a:latin typeface="Verdana" panose="020B0604030504040204" pitchFamily="34" charset="0"/>
+                <a:ea typeface="Verdana" panose="020B0604030504040204" pitchFamily="34" charset="0"/>
+                <a:cs typeface="Courier New" panose="02070309020205020404" pitchFamily="49" charset="0"/>
+              </a:rPr>
+              <a:t>- 400mg de ácido acetilsalicílico</a:t>
+            </a:r>
+          </a:p>
+          <a:p>
+            <a:pPr>
+              <a:buSzPct val="100000"/>
+            </a:pPr>
+            <a:r>
+              <a:rPr lang="pt-BR" sz="2400" dirty="0">
+                <a:latin typeface="Verdana" panose="020B0604030504040204" pitchFamily="34" charset="0"/>
+                <a:ea typeface="Verdana" panose="020B0604030504040204" pitchFamily="34" charset="0"/>
+                <a:cs typeface="Courier New" panose="02070309020205020404" pitchFamily="49" charset="0"/>
+              </a:rPr>
+              <a:t>- 1mg de maleato de </a:t>
+            </a:r>
+            <a:r>
+              <a:rPr lang="pt-BR" sz="2400" dirty="0" err="1">
+                <a:latin typeface="Verdana" panose="020B0604030504040204" pitchFamily="34" charset="0"/>
+                <a:ea typeface="Verdana" panose="020B0604030504040204" pitchFamily="34" charset="0"/>
+                <a:cs typeface="Courier New" panose="02070309020205020404" pitchFamily="49" charset="0"/>
+              </a:rPr>
+              <a:t>dexclorfeniramina</a:t>
+            </a:r>
+            <a:endParaRPr lang="pt-BR" sz="2400" dirty="0">
+              <a:latin typeface="Verdana" panose="020B0604030504040204" pitchFamily="34" charset="0"/>
+              <a:ea typeface="Verdana" panose="020B0604030504040204" pitchFamily="34" charset="0"/>
+              <a:cs typeface="Courier New" panose="02070309020205020404" pitchFamily="49" charset="0"/>
+            </a:endParaRPr>
+          </a:p>
+          <a:p>
+            <a:pPr>
+              <a:buSzPct val="100000"/>
+            </a:pPr>
+            <a:r>
+              <a:rPr lang="pt-BR" sz="2400" dirty="0">
+                <a:latin typeface="Verdana" panose="020B0604030504040204" pitchFamily="34" charset="0"/>
+                <a:ea typeface="Verdana" panose="020B0604030504040204" pitchFamily="34" charset="0"/>
+                <a:cs typeface="Courier New" panose="02070309020205020404" pitchFamily="49" charset="0"/>
+              </a:rPr>
+              <a:t>- 10mg de cloridrato de fenilefrina</a:t>
+            </a:r>
+          </a:p>
+          <a:p>
+            <a:pPr>
+              <a:buSzPct val="100000"/>
+            </a:pPr>
+            <a:r>
+              <a:rPr lang="pt-BR" sz="2400" dirty="0">
+                <a:latin typeface="Verdana" panose="020B0604030504040204" pitchFamily="34" charset="0"/>
+                <a:ea typeface="Verdana" panose="020B0604030504040204" pitchFamily="34" charset="0"/>
+                <a:cs typeface="Courier New" panose="02070309020205020404" pitchFamily="49" charset="0"/>
+              </a:rPr>
+              <a:t>- 30mg de cafeína</a:t>
+            </a:r>
+          </a:p>
+          <a:p>
+            <a:pPr>
+              <a:buSzPct val="100000"/>
+            </a:pPr>
+            <a:r>
+              <a:rPr lang="pt-BR" sz="2400" dirty="0">
+                <a:latin typeface="Verdana" panose="020B0604030504040204" pitchFamily="34" charset="0"/>
+                <a:ea typeface="Verdana" panose="020B0604030504040204" pitchFamily="34" charset="0"/>
+                <a:cs typeface="Courier New" panose="02070309020205020404" pitchFamily="49" charset="0"/>
+              </a:rPr>
+              <a:t>Misturar bem e ingerir com água. Repetir em momentos de crise.</a:t>
+            </a:r>
+          </a:p>
+          <a:p>
+            <a:pPr marL="571500" indent="-571500">
+              <a:buSzPct val="100000"/>
+              <a:buFont typeface="Arial" panose="020B0604020202020204" pitchFamily="34" charset="0"/>
+              <a:buChar char="•"/>
+            </a:pPr>
+            <a:r>
+              <a:rPr lang="pt-BR" sz="4000" dirty="0">
+                <a:cs typeface="Courier New" panose="02070309020205020404" pitchFamily="49" charset="0"/>
+              </a:rPr>
+              <a:t>A primeira coisa que viria em mente seria: onde achar essas substâncias? Será que é vendido tão pouco? Como misturá-las? Existe alguma sequência? Seria uma tarefa difícil - até complexa - de ser realizada. Mais simples do que isso é o que os médicos realmente fazer: passam uma cápsula onde todas estas substâncias já estão prontas. Ou seja, elas já vêm encapsuladas.</a:t>
+            </a:r>
+          </a:p>
+        </p:txBody>
+      </p:sp>
+      <p:sp>
+        <p:nvSpPr>
+          <p:cNvPr id="7" name="Espaço Reservado para Número de Slide 6">
+            <a:extLst>
+              <a:ext uri="{FF2B5EF4-FFF2-40B4-BE49-F238E27FC236}">
+                <a16:creationId xmlns:a16="http://schemas.microsoft.com/office/drawing/2014/main" id="{40C5ECBA-0615-433C-B308-162C7F749201}"/>
+              </a:ext>
+            </a:extLst>
+          </p:cNvPr>
+          <p:cNvSpPr>
+            <a:spLocks noGrp="1"/>
+          </p:cNvSpPr>
+          <p:nvPr>
+            <p:ph type="sldNum" sz="quarter" idx="10"/>
+          </p:nvPr>
+        </p:nvSpPr>
+        <p:spPr/>
+        <p:txBody>
+          <a:bodyPr/>
+          <a:lstStyle/>
+          <a:p>
+            <a:fld id="{E4B35BDD-CC3D-4492-88ED-922B282360E3}" type="slidenum">
+              <a:rPr lang="pt-BR" smtClean="0"/>
+              <a:t>65</a:t>
+            </a:fld>
+            <a:endParaRPr lang="pt-BR"/>
+          </a:p>
+        </p:txBody>
+      </p:sp>
+    </p:spTree>
+    <p:extLst>
+      <p:ext uri="{BB962C8B-B14F-4D97-AF65-F5344CB8AC3E}">
+        <p14:creationId xmlns:p14="http://schemas.microsoft.com/office/powerpoint/2010/main" val="1059878484"/>
+      </p:ext>
+    </p:extLst>
+  </p:cSld>
+  <p:clrMapOvr>
+    <a:masterClrMapping/>
+  </p:clrMapOvr>
+  <p:transition spd="med"/>
+</p:sld>
+</file>
+
+<file path=ppt/slides/slide66.xml><?xml version="1.0" encoding="utf-8"?>
+<p:sld xmlns:a="http://schemas.openxmlformats.org/drawingml/2006/main" xmlns:r="http://schemas.openxmlformats.org/officeDocument/2006/relationships" xmlns:p="http://schemas.openxmlformats.org/presentationml/2006/main">
+  <p:cSld>
+    <p:spTree>
+      <p:nvGrpSpPr>
+        <p:cNvPr id="1" name=""/>
+        <p:cNvGrpSpPr/>
+        <p:nvPr/>
+      </p:nvGrpSpPr>
+      <p:grpSpPr>
+        <a:xfrm>
+          <a:off x="0" y="0"/>
+          <a:ext cx="0" cy="0"/>
+          <a:chOff x="0" y="0"/>
+          <a:chExt cx="0" cy="0"/>
+        </a:xfrm>
+      </p:grpSpPr>
+      <p:sp>
+        <p:nvSpPr>
+          <p:cNvPr id="4" name="Título 3">
+            <a:extLst>
+              <a:ext uri="{FF2B5EF4-FFF2-40B4-BE49-F238E27FC236}">
+                <a16:creationId xmlns:a16="http://schemas.microsoft.com/office/drawing/2014/main" id="{8A4C52A0-42D9-47BB-966A-7FE92FDBFA2D}"/>
+              </a:ext>
+            </a:extLst>
+          </p:cNvPr>
+          <p:cNvSpPr>
+            <a:spLocks noGrp="1"/>
+          </p:cNvSpPr>
+          <p:nvPr>
+            <p:ph type="title"/>
+          </p:nvPr>
+        </p:nvSpPr>
+        <p:spPr/>
+        <p:txBody>
+          <a:bodyPr>
+            <a:normAutofit/>
+          </a:bodyPr>
+          <a:lstStyle/>
+          <a:p>
+            <a:r>
+              <a:rPr lang="pt-BR" dirty="0"/>
+              <a:t>Fundamentos da OO</a:t>
+            </a:r>
+          </a:p>
+        </p:txBody>
+      </p:sp>
+      <p:sp>
+        <p:nvSpPr>
+          <p:cNvPr id="5" name="Espaço Reservado para Conteúdo 4">
+            <a:extLst>
+              <a:ext uri="{FF2B5EF4-FFF2-40B4-BE49-F238E27FC236}">
+                <a16:creationId xmlns:a16="http://schemas.microsoft.com/office/drawing/2014/main" id="{1FBD8255-54D1-42B3-9B71-2D45D227E6FC}"/>
+              </a:ext>
+            </a:extLst>
+          </p:cNvPr>
+          <p:cNvSpPr>
+            <a:spLocks noGrp="1"/>
+          </p:cNvSpPr>
+          <p:nvPr>
+            <p:ph type="body" idx="1"/>
+          </p:nvPr>
+        </p:nvSpPr>
+        <p:spPr>
+          <a:xfrm>
+            <a:off x="1689100" y="2604530"/>
+            <a:ext cx="21005800" cy="10609446"/>
+          </a:xfrm>
+          <a:solidFill>
+            <a:schemeClr val="bg1"/>
+          </a:solidFill>
+        </p:spPr>
+        <p:txBody>
+          <a:bodyPr>
+            <a:noAutofit/>
+          </a:bodyPr>
+          <a:lstStyle/>
+          <a:p>
+            <a:pPr>
+              <a:buSzPct val="100000"/>
+            </a:pPr>
+            <a:r>
+              <a:rPr lang="pt-BR" sz="4000" dirty="0">
+                <a:cs typeface="Courier New" panose="02070309020205020404" pitchFamily="49" charset="0"/>
+              </a:rPr>
+              <a:t>Encapsulamento:</a:t>
+            </a:r>
+          </a:p>
+          <a:p>
+            <a:pPr marL="571500" indent="-571500">
+              <a:buSzPct val="100000"/>
+              <a:buFont typeface="Arial" panose="020B0604020202020204" pitchFamily="34" charset="0"/>
+              <a:buChar char="•"/>
+            </a:pPr>
+            <a:r>
+              <a:rPr lang="pt-BR" sz="4000" dirty="0">
+                <a:cs typeface="Courier New" panose="02070309020205020404" pitchFamily="49" charset="0"/>
+              </a:rPr>
+              <a:t>Com isso, não será preciso se preocupar em saber quanto e como as substâncias devem ser manipuladas para no final termos o comprimido que resolverá o problema. O que interessa é o resultado final, no caso, a cura do resfriado. A complexidade de chegar a essas medidas e como misturá-las não interessa. É um processo que não precisa ser do conhecimento do paciente.</a:t>
+            </a:r>
+          </a:p>
+          <a:p>
+            <a:pPr>
+              <a:buSzPct val="100000"/>
+            </a:pPr>
+            <a:r>
+              <a:rPr lang="pt-BR" sz="2400" dirty="0">
+                <a:latin typeface="Verdana" panose="020B0604030504040204" pitchFamily="34" charset="0"/>
+                <a:ea typeface="Verdana" panose="020B0604030504040204" pitchFamily="34" charset="0"/>
+                <a:cs typeface="Courier New" panose="02070309020205020404" pitchFamily="49" charset="0"/>
+              </a:rPr>
+              <a:t>Receituário (Encapsulado)</a:t>
+            </a:r>
+          </a:p>
+          <a:p>
+            <a:pPr>
+              <a:buSzPct val="100000"/>
+            </a:pPr>
+            <a:r>
+              <a:rPr lang="pt-BR" sz="2400" dirty="0">
+                <a:latin typeface="Verdana" panose="020B0604030504040204" pitchFamily="34" charset="0"/>
+                <a:ea typeface="Verdana" panose="020B0604030504040204" pitchFamily="34" charset="0"/>
+                <a:cs typeface="Courier New" panose="02070309020205020404" pitchFamily="49" charset="0"/>
+              </a:rPr>
+              <a:t>1 comprimido de </a:t>
+            </a:r>
+            <a:r>
+              <a:rPr lang="pt-BR" sz="2400" dirty="0" err="1">
+                <a:latin typeface="Verdana" panose="020B0604030504040204" pitchFamily="34" charset="0"/>
+                <a:ea typeface="Verdana" panose="020B0604030504040204" pitchFamily="34" charset="0"/>
+                <a:cs typeface="Courier New" panose="02070309020205020404" pitchFamily="49" charset="0"/>
+              </a:rPr>
+              <a:t>Resfriol</a:t>
+            </a:r>
+            <a:r>
+              <a:rPr lang="pt-BR" sz="2400" dirty="0">
+                <a:latin typeface="Verdana" panose="020B0604030504040204" pitchFamily="34" charset="0"/>
+                <a:ea typeface="Verdana" panose="020B0604030504040204" pitchFamily="34" charset="0"/>
+                <a:cs typeface="Courier New" panose="02070309020205020404" pitchFamily="49" charset="0"/>
+              </a:rPr>
+              <a:t>. Ingerir com água. Repetir em momentos de crise.</a:t>
+            </a:r>
+          </a:p>
+          <a:p>
+            <a:pPr marL="571500" indent="-571500">
+              <a:buSzPct val="100000"/>
+              <a:buFont typeface="Arial" panose="020B0604020202020204" pitchFamily="34" charset="0"/>
+              <a:buChar char="•"/>
+            </a:pPr>
+            <a:r>
+              <a:rPr lang="pt-BR" sz="4000" dirty="0">
+                <a:cs typeface="Courier New" panose="02070309020205020404" pitchFamily="49" charset="0"/>
+              </a:rPr>
+              <a:t>Essa mesma ideia se aplica na OO. No caso, a complexidade que desejamos esconder é a de implementação de alguma necessidade. Com o encapsulamento, podemos esconder a forma como algo foi feito, dando a quem precisa apenas o resultado gerado.</a:t>
+            </a:r>
+          </a:p>
+          <a:p>
+            <a:pPr marL="571500" indent="-571500">
+              <a:buSzPct val="100000"/>
+              <a:buFont typeface="Arial" panose="020B0604020202020204" pitchFamily="34" charset="0"/>
+              <a:buChar char="•"/>
+            </a:pPr>
+            <a:r>
+              <a:rPr lang="pt-BR" sz="4000" dirty="0">
+                <a:cs typeface="Courier New" panose="02070309020205020404" pitchFamily="49" charset="0"/>
+              </a:rPr>
+              <a:t>Uma vantagem deste princípio é que as mudanças se tornam transparentes, ou seja, quem usa algum processamento não será afetado quando seu comportamento interno mudar.</a:t>
+            </a:r>
+          </a:p>
+        </p:txBody>
+      </p:sp>
+      <p:sp>
+        <p:nvSpPr>
+          <p:cNvPr id="7" name="Espaço Reservado para Número de Slide 6">
+            <a:extLst>
+              <a:ext uri="{FF2B5EF4-FFF2-40B4-BE49-F238E27FC236}">
+                <a16:creationId xmlns:a16="http://schemas.microsoft.com/office/drawing/2014/main" id="{40C5ECBA-0615-433C-B308-162C7F749201}"/>
+              </a:ext>
+            </a:extLst>
+          </p:cNvPr>
+          <p:cNvSpPr>
+            <a:spLocks noGrp="1"/>
+          </p:cNvSpPr>
+          <p:nvPr>
+            <p:ph type="sldNum" sz="quarter" idx="10"/>
+          </p:nvPr>
+        </p:nvSpPr>
+        <p:spPr/>
+        <p:txBody>
+          <a:bodyPr/>
+          <a:lstStyle/>
+          <a:p>
+            <a:fld id="{E4B35BDD-CC3D-4492-88ED-922B282360E3}" type="slidenum">
+              <a:rPr lang="pt-BR" smtClean="0"/>
+              <a:t>66</a:t>
+            </a:fld>
+            <a:endParaRPr lang="pt-BR"/>
+          </a:p>
+        </p:txBody>
+      </p:sp>
+    </p:spTree>
+    <p:extLst>
+      <p:ext uri="{BB962C8B-B14F-4D97-AF65-F5344CB8AC3E}">
+        <p14:creationId xmlns:p14="http://schemas.microsoft.com/office/powerpoint/2010/main" val="3955122196"/>
+      </p:ext>
+    </p:extLst>
+  </p:cSld>
+  <p:clrMapOvr>
+    <a:masterClrMapping/>
+  </p:clrMapOvr>
+  <p:transition spd="med"/>
+</p:sld>
+</file>
+
+<file path=ppt/slides/slide67.xml><?xml version="1.0" encoding="utf-8"?>
+<p:sld xmlns:a="http://schemas.openxmlformats.org/drawingml/2006/main" xmlns:r="http://schemas.openxmlformats.org/officeDocument/2006/relationships" xmlns:p="http://schemas.openxmlformats.org/presentationml/2006/main">
+  <p:cSld>
+    <p:spTree>
+      <p:nvGrpSpPr>
+        <p:cNvPr id="1" name=""/>
+        <p:cNvGrpSpPr/>
+        <p:nvPr/>
+      </p:nvGrpSpPr>
+      <p:grpSpPr>
+        <a:xfrm>
+          <a:off x="0" y="0"/>
+          <a:ext cx="0" cy="0"/>
+          <a:chOff x="0" y="0"/>
+          <a:chExt cx="0" cy="0"/>
+        </a:xfrm>
+      </p:grpSpPr>
+      <p:sp>
+        <p:nvSpPr>
+          <p:cNvPr id="4" name="Título 3">
+            <a:extLst>
+              <a:ext uri="{FF2B5EF4-FFF2-40B4-BE49-F238E27FC236}">
+                <a16:creationId xmlns:a16="http://schemas.microsoft.com/office/drawing/2014/main" id="{4D95FF0F-F271-48E7-A204-C5656918B6A3}"/>
+              </a:ext>
+            </a:extLst>
+          </p:cNvPr>
+          <p:cNvSpPr>
+            <a:spLocks noGrp="1"/>
+          </p:cNvSpPr>
+          <p:nvPr>
+            <p:ph type="title"/>
+          </p:nvPr>
+        </p:nvSpPr>
+        <p:spPr>
+          <a:xfrm>
+            <a:off x="1689100" y="4572000"/>
+            <a:ext cx="21005800" cy="2286000"/>
+          </a:xfrm>
+        </p:spPr>
+        <p:txBody>
+          <a:bodyPr anchor="ctr">
+            <a:noAutofit/>
+          </a:bodyPr>
+          <a:lstStyle/>
+          <a:p>
+            <a:pPr algn="ctr"/>
+            <a:r>
+              <a:rPr lang="pt-BR" sz="10100" dirty="0"/>
+              <a:t>Introdução a Java</a:t>
+            </a:r>
+          </a:p>
+        </p:txBody>
+      </p:sp>
+      <p:sp>
+        <p:nvSpPr>
+          <p:cNvPr id="3" name="Espaço Reservado para Número de Slide 2">
+            <a:extLst>
+              <a:ext uri="{FF2B5EF4-FFF2-40B4-BE49-F238E27FC236}">
+                <a16:creationId xmlns:a16="http://schemas.microsoft.com/office/drawing/2014/main" id="{0A64DBA4-BCFE-45E5-997E-0703CA3C03F1}"/>
+              </a:ext>
+            </a:extLst>
+          </p:cNvPr>
+          <p:cNvSpPr>
+            <a:spLocks noGrp="1"/>
+          </p:cNvSpPr>
+          <p:nvPr>
+            <p:ph type="sldNum" sz="quarter" idx="10"/>
+          </p:nvPr>
+        </p:nvSpPr>
+        <p:spPr/>
+        <p:txBody>
+          <a:bodyPr/>
+          <a:lstStyle/>
+          <a:p>
+            <a:fld id="{5D0C34D4-E406-4A74-B020-30BB69A49765}" type="slidenum">
+              <a:rPr lang="pt-BR" smtClean="0"/>
+              <a:pPr/>
+              <a:t>67</a:t>
+            </a:fld>
+            <a:endParaRPr lang="pt-BR" dirty="0"/>
+          </a:p>
+        </p:txBody>
+      </p:sp>
+      <p:sp>
+        <p:nvSpPr>
+          <p:cNvPr id="5" name="Seta: para a Esquerda 4">
+            <a:hlinkClick r:id="rId2" action="ppaction://hlinksldjump"/>
+            <a:extLst>
+              <a:ext uri="{FF2B5EF4-FFF2-40B4-BE49-F238E27FC236}">
+                <a16:creationId xmlns:a16="http://schemas.microsoft.com/office/drawing/2014/main" id="{FB1B9FE4-85B3-4444-8B9B-D63B0DA9614E}"/>
+              </a:ext>
+            </a:extLst>
+          </p:cNvPr>
+          <p:cNvSpPr/>
+          <p:nvPr/>
+        </p:nvSpPr>
+        <p:spPr>
+          <a:xfrm>
+            <a:off x="1428508" y="522995"/>
+            <a:ext cx="938463" cy="986589"/>
+          </a:xfrm>
+          <a:prstGeom prst="leftArrow">
+            <a:avLst/>
+          </a:prstGeom>
+          <a:solidFill>
+            <a:schemeClr val="accent1"/>
+          </a:solidFill>
+          <a:ln w="12700" cap="flat">
+            <a:noFill/>
+            <a:miter lim="400000"/>
+          </a:ln>
+          <a:effectLst/>
+          <a:sp3d/>
+        </p:spPr>
+        <p:style>
+          <a:lnRef idx="0">
+            <a:scrgbClr r="0" g="0" b="0"/>
+          </a:lnRef>
+          <a:fillRef idx="0">
+            <a:scrgbClr r="0" g="0" b="0"/>
+          </a:fillRef>
+          <a:effectRef idx="0">
+            <a:scrgbClr r="0" g="0" b="0"/>
+          </a:effectRef>
+          <a:fontRef idx="none"/>
+        </p:style>
+        <p:txBody>
+          <a:bodyPr rot="0" spcFirstLastPara="1" vertOverflow="overflow" horzOverflow="overflow" vert="horz" wrap="square" lIns="0" tIns="0" rIns="0" bIns="0" numCol="1" spcCol="38100" rtlCol="0" anchor="ctr">
+            <a:spAutoFit/>
+          </a:bodyPr>
+          <a:lstStyle/>
+          <a:p>
+            <a:pPr marL="0" marR="0" indent="0" algn="ctr" defTabSz="825500" rtl="0" fontAlgn="auto" latinLnBrk="0" hangingPunct="0">
+              <a:lnSpc>
+                <a:spcPct val="100000"/>
+              </a:lnSpc>
+              <a:spcBef>
+                <a:spcPts val="0"/>
+              </a:spcBef>
+              <a:spcAft>
+                <a:spcPts val="0"/>
+              </a:spcAft>
+              <a:buClrTx/>
+              <a:buSzTx/>
+              <a:buFontTx/>
+              <a:buNone/>
+              <a:tabLst/>
+            </a:pPr>
+            <a:endParaRPr kumimoji="0" lang="pt-BR" sz="3200" b="0" i="0" u="none" strike="noStrike" cap="none" spc="0" normalizeH="0" baseline="0">
+              <a:ln>
+                <a:noFill/>
+              </a:ln>
+              <a:solidFill>
+                <a:srgbClr val="FFFFFF"/>
+              </a:solidFill>
+              <a:effectLst/>
+              <a:uFillTx/>
+              <a:latin typeface="+mn-lt"/>
+              <a:ea typeface="+mn-ea"/>
+              <a:cs typeface="+mn-cs"/>
+              <a:sym typeface="Helvetica Neue Medium"/>
+            </a:endParaRPr>
+          </a:p>
+        </p:txBody>
+      </p:sp>
+    </p:spTree>
+    <p:extLst>
+      <p:ext uri="{BB962C8B-B14F-4D97-AF65-F5344CB8AC3E}">
+        <p14:creationId xmlns:p14="http://schemas.microsoft.com/office/powerpoint/2010/main" val="19382796"/>
+      </p:ext>
+    </p:extLst>
+  </p:cSld>
+  <p:clrMapOvr>
+    <a:masterClrMapping/>
+  </p:clrMapOvr>
+  <p:transition spd="med"/>
+</p:sld>
+</file>
+
+<file path=ppt/slides/slide68.xml><?xml version="1.0" encoding="utf-8"?>
+<p:sld xmlns:a="http://schemas.openxmlformats.org/drawingml/2006/main" xmlns:r="http://schemas.openxmlformats.org/officeDocument/2006/relationships" xmlns:p="http://schemas.openxmlformats.org/presentationml/2006/main">
+  <p:cSld>
+    <p:spTree>
+      <p:nvGrpSpPr>
+        <p:cNvPr id="1" name=""/>
+        <p:cNvGrpSpPr/>
+        <p:nvPr/>
+      </p:nvGrpSpPr>
+      <p:grpSpPr>
+        <a:xfrm>
+          <a:off x="0" y="0"/>
+          <a:ext cx="0" cy="0"/>
+          <a:chOff x="0" y="0"/>
+          <a:chExt cx="0" cy="0"/>
+        </a:xfrm>
+      </p:grpSpPr>
+      <p:sp>
+        <p:nvSpPr>
+          <p:cNvPr id="4" name="Título 3">
+            <a:extLst>
+              <a:ext uri="{FF2B5EF4-FFF2-40B4-BE49-F238E27FC236}">
+                <a16:creationId xmlns:a16="http://schemas.microsoft.com/office/drawing/2014/main" id="{8A4C52A0-42D9-47BB-966A-7FE92FDBFA2D}"/>
+              </a:ext>
+            </a:extLst>
+          </p:cNvPr>
+          <p:cNvSpPr>
+            <a:spLocks noGrp="1"/>
+          </p:cNvSpPr>
+          <p:nvPr>
+            <p:ph type="title"/>
+          </p:nvPr>
+        </p:nvSpPr>
+        <p:spPr/>
+        <p:txBody>
+          <a:bodyPr>
+            <a:normAutofit/>
+          </a:bodyPr>
+          <a:lstStyle/>
+          <a:p>
+            <a:r>
+              <a:rPr lang="pt-BR" dirty="0"/>
+              <a:t>O que é Java?</a:t>
+            </a:r>
+          </a:p>
+        </p:txBody>
+      </p:sp>
+      <p:sp>
+        <p:nvSpPr>
+          <p:cNvPr id="5" name="Espaço Reservado para Conteúdo 4">
+            <a:extLst>
+              <a:ext uri="{FF2B5EF4-FFF2-40B4-BE49-F238E27FC236}">
+                <a16:creationId xmlns:a16="http://schemas.microsoft.com/office/drawing/2014/main" id="{1FBD8255-54D1-42B3-9B71-2D45D227E6FC}"/>
+              </a:ext>
+            </a:extLst>
+          </p:cNvPr>
+          <p:cNvSpPr>
+            <a:spLocks noGrp="1"/>
+          </p:cNvSpPr>
+          <p:nvPr>
+            <p:ph type="body" idx="1"/>
+          </p:nvPr>
+        </p:nvSpPr>
+        <p:spPr>
+          <a:xfrm>
+            <a:off x="1689100" y="2604530"/>
+            <a:ext cx="21005800" cy="10609446"/>
+          </a:xfrm>
+          <a:solidFill>
+            <a:schemeClr val="bg1"/>
+          </a:solidFill>
+        </p:spPr>
+        <p:txBody>
+          <a:bodyPr>
+            <a:noAutofit/>
+          </a:bodyPr>
+          <a:lstStyle/>
+          <a:p>
+            <a:pPr>
+              <a:buSzPct val="100000"/>
+            </a:pPr>
+            <a:r>
+              <a:rPr lang="pt-BR" sz="4000" dirty="0">
+                <a:cs typeface="Courier New" panose="02070309020205020404" pitchFamily="49" charset="0"/>
+              </a:rPr>
+              <a:t>A linguagem Java começou a ser concebida no início da década de 1990, com o objetivo de resolver alguns dos problemas comuns em programação na época, tais como:</a:t>
+            </a:r>
+          </a:p>
+          <a:p>
+            <a:pPr marL="571500" indent="-571500">
+              <a:buSzPct val="100000"/>
+              <a:buFont typeface="Arial" panose="020B0604020202020204" pitchFamily="34" charset="0"/>
+              <a:buChar char="•"/>
+            </a:pPr>
+            <a:r>
+              <a:rPr lang="pt-BR" sz="4000" dirty="0">
+                <a:cs typeface="Courier New" panose="02070309020205020404" pitchFamily="49" charset="0"/>
+              </a:rPr>
+              <a:t>Uso de ponteiros;</a:t>
+            </a:r>
+          </a:p>
+          <a:p>
+            <a:pPr marL="571500" indent="-571500">
+              <a:buSzPct val="100000"/>
+              <a:buFont typeface="Arial" panose="020B0604020202020204" pitchFamily="34" charset="0"/>
+              <a:buChar char="•"/>
+            </a:pPr>
+            <a:r>
+              <a:rPr lang="pt-BR" sz="4000" dirty="0">
+                <a:cs typeface="Courier New" panose="02070309020205020404" pitchFamily="49" charset="0"/>
+              </a:rPr>
+              <a:t>Gerenciamento de memória;</a:t>
+            </a:r>
+          </a:p>
+          <a:p>
+            <a:pPr marL="571500" indent="-571500">
+              <a:buSzPct val="100000"/>
+              <a:buFont typeface="Arial" panose="020B0604020202020204" pitchFamily="34" charset="0"/>
+              <a:buChar char="•"/>
+            </a:pPr>
+            <a:r>
+              <a:rPr lang="pt-BR" sz="4000" dirty="0">
+                <a:cs typeface="Courier New" panose="02070309020205020404" pitchFamily="49" charset="0"/>
+              </a:rPr>
+              <a:t>Organização;</a:t>
+            </a:r>
+          </a:p>
+          <a:p>
+            <a:pPr marL="571500" indent="-571500">
+              <a:buSzPct val="100000"/>
+              <a:buFont typeface="Arial" panose="020B0604020202020204" pitchFamily="34" charset="0"/>
+              <a:buChar char="•"/>
+            </a:pPr>
+            <a:r>
+              <a:rPr lang="pt-BR" sz="4000" dirty="0">
+                <a:cs typeface="Courier New" panose="02070309020205020404" pitchFamily="49" charset="0"/>
+              </a:rPr>
+              <a:t>Falta de bibliotecas;</a:t>
+            </a:r>
+          </a:p>
+          <a:p>
+            <a:pPr marL="571500" indent="-571500">
+              <a:buSzPct val="100000"/>
+              <a:buFont typeface="Arial" panose="020B0604020202020204" pitchFamily="34" charset="0"/>
+              <a:buChar char="•"/>
+            </a:pPr>
+            <a:r>
+              <a:rPr lang="pt-BR" sz="4000" dirty="0">
+                <a:cs typeface="Courier New" panose="02070309020205020404" pitchFamily="49" charset="0"/>
+              </a:rPr>
+              <a:t>Necessidade de reescrever parte do código ao mudar de sistema operacional;</a:t>
+            </a:r>
+          </a:p>
+          <a:p>
+            <a:pPr marL="571500" indent="-571500">
+              <a:buSzPct val="100000"/>
+              <a:buFont typeface="Arial" panose="020B0604020202020204" pitchFamily="34" charset="0"/>
+              <a:buChar char="•"/>
+            </a:pPr>
+            <a:r>
+              <a:rPr lang="pt-BR" sz="4000" dirty="0">
+                <a:cs typeface="Courier New" panose="02070309020205020404" pitchFamily="49" charset="0"/>
+              </a:rPr>
+              <a:t>Custo financeiro de usar a tecnologia.</a:t>
+            </a:r>
+          </a:p>
+          <a:p>
+            <a:pPr>
+              <a:buSzPct val="100000"/>
+            </a:pPr>
+            <a:r>
+              <a:rPr lang="pt-BR" sz="4000" dirty="0">
+                <a:cs typeface="Courier New" panose="02070309020205020404" pitchFamily="49" charset="0"/>
+              </a:rPr>
+              <a:t>Uma das grandes motivações para a criação da plataforma Java era de que essa linguagem fosse usada em pequenos dispositivos, como TVs. Apesar disso a linguagem teve seu lançamento focado no uso em clientes web (browsers) para rodar pequenas aplicações (</a:t>
+            </a:r>
+            <a:r>
+              <a:rPr lang="pt-BR" sz="4000" dirty="0" err="1">
+                <a:cs typeface="Courier New" panose="02070309020205020404" pitchFamily="49" charset="0"/>
+              </a:rPr>
+              <a:t>applets</a:t>
+            </a:r>
+            <a:r>
+              <a:rPr lang="pt-BR" sz="4000" dirty="0">
+                <a:cs typeface="Courier New" panose="02070309020205020404" pitchFamily="49" charset="0"/>
+              </a:rPr>
+              <a:t>). Hoje em dia esse não é o grande mercado do Java: apesar de ter sido idealizado com um propósito e lançado com outro, o Java ganhou destaque no lado do servidor.</a:t>
+            </a:r>
+          </a:p>
+        </p:txBody>
+      </p:sp>
+      <p:sp>
+        <p:nvSpPr>
+          <p:cNvPr id="7" name="Espaço Reservado para Número de Slide 6">
+            <a:extLst>
+              <a:ext uri="{FF2B5EF4-FFF2-40B4-BE49-F238E27FC236}">
+                <a16:creationId xmlns:a16="http://schemas.microsoft.com/office/drawing/2014/main" id="{40C5ECBA-0615-433C-B308-162C7F749201}"/>
+              </a:ext>
+            </a:extLst>
+          </p:cNvPr>
+          <p:cNvSpPr>
+            <a:spLocks noGrp="1"/>
+          </p:cNvSpPr>
+          <p:nvPr>
+            <p:ph type="sldNum" sz="quarter" idx="10"/>
+          </p:nvPr>
+        </p:nvSpPr>
+        <p:spPr/>
+        <p:txBody>
+          <a:bodyPr/>
+          <a:lstStyle/>
+          <a:p>
+            <a:fld id="{E4B35BDD-CC3D-4492-88ED-922B282360E3}" type="slidenum">
+              <a:rPr lang="pt-BR" smtClean="0"/>
+              <a:t>68</a:t>
+            </a:fld>
+            <a:endParaRPr lang="pt-BR"/>
+          </a:p>
+        </p:txBody>
+      </p:sp>
+    </p:spTree>
+    <p:extLst>
+      <p:ext uri="{BB962C8B-B14F-4D97-AF65-F5344CB8AC3E}">
+        <p14:creationId xmlns:p14="http://schemas.microsoft.com/office/powerpoint/2010/main" val="2244862162"/>
+      </p:ext>
+    </p:extLst>
+  </p:cSld>
+  <p:clrMapOvr>
+    <a:masterClrMapping/>
+  </p:clrMapOvr>
+  <p:transition spd="med"/>
+</p:sld>
+</file>
+
+<file path=ppt/slides/slide69.xml><?xml version="1.0" encoding="utf-8"?>
+<p:sld xmlns:a="http://schemas.openxmlformats.org/drawingml/2006/main" xmlns:r="http://schemas.openxmlformats.org/officeDocument/2006/relationships" xmlns:p="http://schemas.openxmlformats.org/presentationml/2006/main">
+  <p:cSld>
+    <p:spTree>
+      <p:nvGrpSpPr>
+        <p:cNvPr id="1" name=""/>
+        <p:cNvGrpSpPr/>
+        <p:nvPr/>
+      </p:nvGrpSpPr>
+      <p:grpSpPr>
+        <a:xfrm>
+          <a:off x="0" y="0"/>
+          <a:ext cx="0" cy="0"/>
+          <a:chOff x="0" y="0"/>
+          <a:chExt cx="0" cy="0"/>
+        </a:xfrm>
+      </p:grpSpPr>
+      <p:sp>
+        <p:nvSpPr>
+          <p:cNvPr id="4" name="Título 3">
+            <a:extLst>
+              <a:ext uri="{FF2B5EF4-FFF2-40B4-BE49-F238E27FC236}">
+                <a16:creationId xmlns:a16="http://schemas.microsoft.com/office/drawing/2014/main" id="{8A4C52A0-42D9-47BB-966A-7FE92FDBFA2D}"/>
+              </a:ext>
+            </a:extLst>
+          </p:cNvPr>
+          <p:cNvSpPr>
+            <a:spLocks noGrp="1"/>
+          </p:cNvSpPr>
+          <p:nvPr>
+            <p:ph type="title"/>
+          </p:nvPr>
+        </p:nvSpPr>
+        <p:spPr/>
+        <p:txBody>
+          <a:bodyPr>
+            <a:normAutofit/>
+          </a:bodyPr>
+          <a:lstStyle/>
+          <a:p>
+            <a:r>
+              <a:rPr lang="pt-BR" dirty="0"/>
+              <a:t>Uma breve história</a:t>
+            </a:r>
+          </a:p>
+        </p:txBody>
+      </p:sp>
+      <p:sp>
+        <p:nvSpPr>
+          <p:cNvPr id="5" name="Espaço Reservado para Conteúdo 4">
+            <a:extLst>
+              <a:ext uri="{FF2B5EF4-FFF2-40B4-BE49-F238E27FC236}">
+                <a16:creationId xmlns:a16="http://schemas.microsoft.com/office/drawing/2014/main" id="{1FBD8255-54D1-42B3-9B71-2D45D227E6FC}"/>
+              </a:ext>
+            </a:extLst>
+          </p:cNvPr>
+          <p:cNvSpPr>
+            <a:spLocks noGrp="1"/>
+          </p:cNvSpPr>
+          <p:nvPr>
+            <p:ph type="body" idx="1"/>
+          </p:nvPr>
+        </p:nvSpPr>
+        <p:spPr>
+          <a:xfrm>
+            <a:off x="1689100" y="2604530"/>
+            <a:ext cx="21005800" cy="10609446"/>
+          </a:xfrm>
+          <a:solidFill>
+            <a:schemeClr val="bg1"/>
+          </a:solidFill>
+        </p:spPr>
+        <p:txBody>
+          <a:bodyPr>
+            <a:noAutofit/>
+          </a:bodyPr>
+          <a:lstStyle/>
+          <a:p>
+            <a:pPr marL="571500" indent="-571500">
+              <a:buSzPct val="100000"/>
+              <a:buFont typeface="Arial" panose="020B0604020202020204" pitchFamily="34" charset="0"/>
+              <a:buChar char="•"/>
+            </a:pPr>
+            <a:r>
+              <a:rPr lang="pt-BR" sz="4000" dirty="0">
+                <a:cs typeface="Courier New" panose="02070309020205020404" pitchFamily="49" charset="0"/>
+              </a:rPr>
+              <a:t>Time criado em 1992 na Sun, liderado por James Gosling, considerado o pai do Java.</a:t>
+            </a:r>
+          </a:p>
+          <a:p>
+            <a:pPr marL="571500" indent="-571500">
+              <a:buSzPct val="100000"/>
+              <a:buFont typeface="Arial" panose="020B0604020202020204" pitchFamily="34" charset="0"/>
+              <a:buChar char="•"/>
+            </a:pPr>
+            <a:r>
+              <a:rPr lang="pt-BR" sz="4000" dirty="0">
+                <a:cs typeface="Courier New" panose="02070309020205020404" pitchFamily="49" charset="0"/>
+              </a:rPr>
+              <a:t>Ideia inicial de criar um interpretador para pequenos dispositivos, facilitando a reescrita de software para aparelhos eletrônicos.</a:t>
+            </a:r>
+          </a:p>
+          <a:p>
+            <a:pPr marL="571500" indent="-571500">
+              <a:buSzPct val="100000"/>
+              <a:buFont typeface="Arial" panose="020B0604020202020204" pitchFamily="34" charset="0"/>
+              <a:buChar char="•"/>
+            </a:pPr>
+            <a:r>
+              <a:rPr lang="pt-BR" sz="4000" dirty="0">
+                <a:cs typeface="Courier New" panose="02070309020205020404" pitchFamily="49" charset="0"/>
+              </a:rPr>
+              <a:t>A ideia não deu certo, devido ao conflito de interesses e custos.</a:t>
+            </a:r>
+          </a:p>
+          <a:p>
+            <a:pPr marL="571500" indent="-571500">
+              <a:buSzPct val="100000"/>
+              <a:buFont typeface="Arial" panose="020B0604020202020204" pitchFamily="34" charset="0"/>
+              <a:buChar char="•"/>
+            </a:pPr>
+            <a:r>
+              <a:rPr lang="pt-BR" sz="4000" dirty="0">
+                <a:cs typeface="Courier New" panose="02070309020205020404" pitchFamily="49" charset="0"/>
+              </a:rPr>
+              <a:t>Hoje, sabemos que o Java domina o mercado de aplicações para celulares com mais de 2.5 bilhões de dispositivos compatíveis, porém em 1994 ainda era muito cedo para isso.</a:t>
+            </a:r>
+          </a:p>
+          <a:p>
+            <a:pPr marL="571500" indent="-571500">
+              <a:buSzPct val="100000"/>
+              <a:buFont typeface="Arial" panose="020B0604020202020204" pitchFamily="34" charset="0"/>
+              <a:buChar char="•"/>
+            </a:pPr>
+            <a:r>
+              <a:rPr lang="pt-BR" sz="4000" dirty="0">
+                <a:cs typeface="Courier New" panose="02070309020205020404" pitchFamily="49" charset="0"/>
+              </a:rPr>
+              <a:t>Com o advento da web, a ideia pode ser reaproveitada, já que na internet havia uma grande quantidade de sistemas operacionais e browsers, e com isso seria grande vantagem poder programar numa única linguagem, independente da plataforma.</a:t>
+            </a:r>
+          </a:p>
+          <a:p>
+            <a:pPr marL="571500" indent="-571500">
+              <a:buSzPct val="100000"/>
+              <a:buFont typeface="Arial" panose="020B0604020202020204" pitchFamily="34" charset="0"/>
+              <a:buChar char="•"/>
+            </a:pPr>
+            <a:r>
+              <a:rPr lang="pt-BR" sz="4000" dirty="0">
+                <a:cs typeface="Courier New" panose="02070309020205020404" pitchFamily="49" charset="0"/>
+              </a:rPr>
+              <a:t>O Java 1.0 foi lançado focado em transformar o browser de apenas um terminal “burro” em uma aplicação que possa também realizar operações avançadas, e não apenas renderizar HTML.</a:t>
+            </a:r>
+          </a:p>
+          <a:p>
+            <a:pPr marL="571500" indent="-571500">
+              <a:buSzPct val="100000"/>
+              <a:buFont typeface="Arial" panose="020B0604020202020204" pitchFamily="34" charset="0"/>
+              <a:buChar char="•"/>
+            </a:pPr>
+            <a:r>
+              <a:rPr lang="pt-BR" sz="4000" dirty="0">
+                <a:cs typeface="Courier New" panose="02070309020205020404" pitchFamily="49" charset="0"/>
+              </a:rPr>
+              <a:t>Em 2009 a Oracle comprou a Sun e fortaleceu a marca e a plataforma Java.</a:t>
+            </a:r>
+          </a:p>
+        </p:txBody>
+      </p:sp>
+      <p:sp>
+        <p:nvSpPr>
+          <p:cNvPr id="7" name="Espaço Reservado para Número de Slide 6">
+            <a:extLst>
+              <a:ext uri="{FF2B5EF4-FFF2-40B4-BE49-F238E27FC236}">
+                <a16:creationId xmlns:a16="http://schemas.microsoft.com/office/drawing/2014/main" id="{40C5ECBA-0615-433C-B308-162C7F749201}"/>
+              </a:ext>
+            </a:extLst>
+          </p:cNvPr>
+          <p:cNvSpPr>
+            <a:spLocks noGrp="1"/>
+          </p:cNvSpPr>
+          <p:nvPr>
+            <p:ph type="sldNum" sz="quarter" idx="10"/>
+          </p:nvPr>
+        </p:nvSpPr>
+        <p:spPr/>
+        <p:txBody>
+          <a:bodyPr/>
+          <a:lstStyle/>
+          <a:p>
+            <a:fld id="{E4B35BDD-CC3D-4492-88ED-922B282360E3}" type="slidenum">
+              <a:rPr lang="pt-BR" smtClean="0"/>
+              <a:t>69</a:t>
+            </a:fld>
+            <a:endParaRPr lang="pt-BR"/>
+          </a:p>
+        </p:txBody>
+      </p:sp>
+    </p:spTree>
+    <p:extLst>
+      <p:ext uri="{BB962C8B-B14F-4D97-AF65-F5344CB8AC3E}">
+        <p14:creationId xmlns:p14="http://schemas.microsoft.com/office/powerpoint/2010/main" val="3075461399"/>
+      </p:ext>
+    </p:extLst>
+  </p:cSld>
+  <p:clrMapOvr>
+    <a:masterClrMapping/>
+  </p:clrMapOvr>
+  <p:transition spd="med"/>
+</p:sld>
+</file>
+
 <file path=ppt/slides/slide7.xml><?xml version="1.0" encoding="utf-8"?>
 <p:sld xmlns:a="http://schemas.openxmlformats.org/drawingml/2006/main" xmlns:r="http://schemas.openxmlformats.org/officeDocument/2006/relationships" xmlns:p="http://schemas.openxmlformats.org/presentationml/2006/main">
   <p:cSld>
@@ -22135,6 +24654,951 @@
         <p14:creationId xmlns:p14="http://schemas.microsoft.com/office/powerpoint/2010/main" val="2355502600"/>
       </p:ext>
     </p:extLst>
+  </p:cSld>
+  <p:clrMapOvr>
+    <a:masterClrMapping/>
+  </p:clrMapOvr>
+  <p:transition spd="med"/>
+</p:sld>
+</file>
+
+<file path=ppt/slides/slide70.xml><?xml version="1.0" encoding="utf-8"?>
+<p:sld xmlns:a="http://schemas.openxmlformats.org/drawingml/2006/main" xmlns:r="http://schemas.openxmlformats.org/officeDocument/2006/relationships" xmlns:p="http://schemas.openxmlformats.org/presentationml/2006/main">
+  <p:cSld>
+    <p:spTree>
+      <p:nvGrpSpPr>
+        <p:cNvPr id="1" name=""/>
+        <p:cNvGrpSpPr/>
+        <p:nvPr/>
+      </p:nvGrpSpPr>
+      <p:grpSpPr>
+        <a:xfrm>
+          <a:off x="0" y="0"/>
+          <a:ext cx="0" cy="0"/>
+          <a:chOff x="0" y="0"/>
+          <a:chExt cx="0" cy="0"/>
+        </a:xfrm>
+      </p:grpSpPr>
+      <p:sp>
+        <p:nvSpPr>
+          <p:cNvPr id="4" name="Título 3">
+            <a:extLst>
+              <a:ext uri="{FF2B5EF4-FFF2-40B4-BE49-F238E27FC236}">
+                <a16:creationId xmlns:a16="http://schemas.microsoft.com/office/drawing/2014/main" id="{8A4C52A0-42D9-47BB-966A-7FE92FDBFA2D}"/>
+              </a:ext>
+            </a:extLst>
+          </p:cNvPr>
+          <p:cNvSpPr>
+            <a:spLocks noGrp="1"/>
+          </p:cNvSpPr>
+          <p:nvPr>
+            <p:ph type="title"/>
+          </p:nvPr>
+        </p:nvSpPr>
+        <p:spPr/>
+        <p:txBody>
+          <a:bodyPr>
+            <a:normAutofit/>
+          </a:bodyPr>
+          <a:lstStyle/>
+          <a:p>
+            <a:r>
+              <a:rPr lang="pt-BR" dirty="0"/>
+              <a:t>Máquina virtual?</a:t>
+            </a:r>
+          </a:p>
+        </p:txBody>
+      </p:sp>
+      <p:sp>
+        <p:nvSpPr>
+          <p:cNvPr id="5" name="Espaço Reservado para Conteúdo 4">
+            <a:extLst>
+              <a:ext uri="{FF2B5EF4-FFF2-40B4-BE49-F238E27FC236}">
+                <a16:creationId xmlns:a16="http://schemas.microsoft.com/office/drawing/2014/main" id="{1FBD8255-54D1-42B3-9B71-2D45D227E6FC}"/>
+              </a:ext>
+            </a:extLst>
+          </p:cNvPr>
+          <p:cNvSpPr>
+            <a:spLocks noGrp="1"/>
+          </p:cNvSpPr>
+          <p:nvPr>
+            <p:ph type="body" idx="1"/>
+          </p:nvPr>
+        </p:nvSpPr>
+        <p:spPr>
+          <a:xfrm>
+            <a:off x="1689100" y="2604530"/>
+            <a:ext cx="21005800" cy="10609446"/>
+          </a:xfrm>
+          <a:solidFill>
+            <a:schemeClr val="bg1"/>
+          </a:solidFill>
+        </p:spPr>
+        <p:txBody>
+          <a:bodyPr>
+            <a:noAutofit/>
+          </a:bodyPr>
+          <a:lstStyle/>
+          <a:p>
+            <a:pPr marL="571500" indent="-571500">
+              <a:buSzPct val="100000"/>
+              <a:buFont typeface="Arial" panose="020B0604020202020204" pitchFamily="34" charset="0"/>
+              <a:buChar char="•"/>
+            </a:pPr>
+            <a:endParaRPr lang="pt-BR" sz="4000" dirty="0">
+              <a:cs typeface="Courier New" panose="02070309020205020404" pitchFamily="49" charset="0"/>
+            </a:endParaRPr>
+          </a:p>
+        </p:txBody>
+      </p:sp>
+      <p:sp>
+        <p:nvSpPr>
+          <p:cNvPr id="7" name="Espaço Reservado para Número de Slide 6">
+            <a:extLst>
+              <a:ext uri="{FF2B5EF4-FFF2-40B4-BE49-F238E27FC236}">
+                <a16:creationId xmlns:a16="http://schemas.microsoft.com/office/drawing/2014/main" id="{40C5ECBA-0615-433C-B308-162C7F749201}"/>
+              </a:ext>
+            </a:extLst>
+          </p:cNvPr>
+          <p:cNvSpPr>
+            <a:spLocks noGrp="1"/>
+          </p:cNvSpPr>
+          <p:nvPr>
+            <p:ph type="sldNum" sz="quarter" idx="10"/>
+          </p:nvPr>
+        </p:nvSpPr>
+        <p:spPr/>
+        <p:txBody>
+          <a:bodyPr/>
+          <a:lstStyle/>
+          <a:p>
+            <a:fld id="{E4B35BDD-CC3D-4492-88ED-922B282360E3}" type="slidenum">
+              <a:rPr lang="pt-BR" smtClean="0"/>
+              <a:t>70</a:t>
+            </a:fld>
+            <a:endParaRPr lang="pt-BR"/>
+          </a:p>
+        </p:txBody>
+      </p:sp>
+      <p:pic>
+        <p:nvPicPr>
+          <p:cNvPr id="3" name="Imagem 2">
+            <a:extLst>
+              <a:ext uri="{FF2B5EF4-FFF2-40B4-BE49-F238E27FC236}">
+                <a16:creationId xmlns:a16="http://schemas.microsoft.com/office/drawing/2014/main" id="{A23A24F0-558B-433C-8768-881D4EBCB122}"/>
+              </a:ext>
+            </a:extLst>
+          </p:cNvPr>
+          <p:cNvPicPr>
+            <a:picLocks noChangeAspect="1"/>
+          </p:cNvPicPr>
+          <p:nvPr/>
+        </p:nvPicPr>
+        <p:blipFill>
+          <a:blip r:embed="rId2">
+            <a:extLst>
+              <a:ext uri="{28A0092B-C50C-407E-A947-70E740481C1C}">
+                <a14:useLocalDpi xmlns:a14="http://schemas.microsoft.com/office/drawing/2010/main" val="0"/>
+              </a:ext>
+            </a:extLst>
+          </a:blip>
+          <a:stretch>
+            <a:fillRect/>
+          </a:stretch>
+        </p:blipFill>
+        <p:spPr>
+          <a:xfrm>
+            <a:off x="1689100" y="4058473"/>
+            <a:ext cx="7953654" cy="1477110"/>
+          </a:xfrm>
+          <a:prstGeom prst="rect">
+            <a:avLst/>
+          </a:prstGeom>
+        </p:spPr>
+      </p:pic>
+      <p:pic>
+        <p:nvPicPr>
+          <p:cNvPr id="8" name="Imagem 7">
+            <a:extLst>
+              <a:ext uri="{FF2B5EF4-FFF2-40B4-BE49-F238E27FC236}">
+                <a16:creationId xmlns:a16="http://schemas.microsoft.com/office/drawing/2014/main" id="{EE083C92-F250-461A-A506-D04FFCC5D742}"/>
+              </a:ext>
+            </a:extLst>
+          </p:cNvPr>
+          <p:cNvPicPr>
+            <a:picLocks noChangeAspect="1"/>
+          </p:cNvPicPr>
+          <p:nvPr/>
+        </p:nvPicPr>
+        <p:blipFill>
+          <a:blip r:embed="rId3">
+            <a:extLst>
+              <a:ext uri="{28A0092B-C50C-407E-A947-70E740481C1C}">
+                <a14:useLocalDpi xmlns:a14="http://schemas.microsoft.com/office/drawing/2010/main" val="0"/>
+              </a:ext>
+            </a:extLst>
+          </a:blip>
+          <a:stretch>
+            <a:fillRect/>
+          </a:stretch>
+        </p:blipFill>
+        <p:spPr>
+          <a:xfrm>
+            <a:off x="15473484" y="2248930"/>
+            <a:ext cx="7221416" cy="5096196"/>
+          </a:xfrm>
+          <a:prstGeom prst="rect">
+            <a:avLst/>
+          </a:prstGeom>
+        </p:spPr>
+      </p:pic>
+      <p:sp>
+        <p:nvSpPr>
+          <p:cNvPr id="9" name="Seta: para a Direita 8">
+            <a:extLst>
+              <a:ext uri="{FF2B5EF4-FFF2-40B4-BE49-F238E27FC236}">
+                <a16:creationId xmlns:a16="http://schemas.microsoft.com/office/drawing/2014/main" id="{ED722B25-407E-4EBB-AB8F-88CB9E13F8E9}"/>
+              </a:ext>
+            </a:extLst>
+          </p:cNvPr>
+          <p:cNvSpPr/>
+          <p:nvPr/>
+        </p:nvSpPr>
+        <p:spPr>
+          <a:xfrm>
+            <a:off x="10884423" y="4212018"/>
+            <a:ext cx="3516923" cy="1170019"/>
+          </a:xfrm>
+          <a:prstGeom prst="rightArrow">
+            <a:avLst/>
+          </a:prstGeom>
+          <a:solidFill>
+            <a:schemeClr val="accent1"/>
+          </a:solidFill>
+          <a:ln w="12700" cap="flat">
+            <a:noFill/>
+            <a:miter lim="400000"/>
+          </a:ln>
+          <a:effectLst/>
+          <a:sp3d/>
+        </p:spPr>
+        <p:style>
+          <a:lnRef idx="0">
+            <a:scrgbClr r="0" g="0" b="0"/>
+          </a:lnRef>
+          <a:fillRef idx="0">
+            <a:scrgbClr r="0" g="0" b="0"/>
+          </a:fillRef>
+          <a:effectRef idx="0">
+            <a:scrgbClr r="0" g="0" b="0"/>
+          </a:effectRef>
+          <a:fontRef idx="none"/>
+        </p:style>
+        <p:txBody>
+          <a:bodyPr rot="0" spcFirstLastPara="1" vertOverflow="overflow" horzOverflow="overflow" vert="horz" wrap="square" lIns="0" tIns="0" rIns="0" bIns="0" numCol="1" spcCol="38100" rtlCol="0" anchor="ctr">
+            <a:spAutoFit/>
+          </a:bodyPr>
+          <a:lstStyle/>
+          <a:p>
+            <a:pPr marL="0" marR="0" indent="0" algn="ctr" defTabSz="825500" rtl="0" fontAlgn="auto" latinLnBrk="0" hangingPunct="0">
+              <a:lnSpc>
+                <a:spcPct val="100000"/>
+              </a:lnSpc>
+              <a:spcBef>
+                <a:spcPts val="0"/>
+              </a:spcBef>
+              <a:spcAft>
+                <a:spcPts val="0"/>
+              </a:spcAft>
+              <a:buClrTx/>
+              <a:buSzTx/>
+              <a:buFontTx/>
+              <a:buNone/>
+              <a:tabLst/>
+            </a:pPr>
+            <a:endParaRPr kumimoji="0" lang="pt-BR" sz="3200" b="0" i="0" u="none" strike="noStrike" cap="none" spc="0" normalizeH="0" baseline="0">
+              <a:ln>
+                <a:noFill/>
+              </a:ln>
+              <a:solidFill>
+                <a:srgbClr val="FFFFFF"/>
+              </a:solidFill>
+              <a:effectLst/>
+              <a:uFillTx/>
+              <a:latin typeface="+mn-lt"/>
+              <a:ea typeface="+mn-ea"/>
+              <a:cs typeface="+mn-cs"/>
+              <a:sym typeface="Helvetica Neue Medium"/>
+            </a:endParaRPr>
+          </a:p>
+        </p:txBody>
+      </p:sp>
+      <p:pic>
+        <p:nvPicPr>
+          <p:cNvPr id="11" name="Imagem 10">
+            <a:extLst>
+              <a:ext uri="{FF2B5EF4-FFF2-40B4-BE49-F238E27FC236}">
+                <a16:creationId xmlns:a16="http://schemas.microsoft.com/office/drawing/2014/main" id="{E8701CF2-B2C1-47BB-83E1-9466DCCC12C0}"/>
+              </a:ext>
+            </a:extLst>
+          </p:cNvPr>
+          <p:cNvPicPr>
+            <a:picLocks noChangeAspect="1"/>
+          </p:cNvPicPr>
+          <p:nvPr/>
+        </p:nvPicPr>
+        <p:blipFill>
+          <a:blip r:embed="rId4">
+            <a:extLst>
+              <a:ext uri="{28A0092B-C50C-407E-A947-70E740481C1C}">
+                <a14:useLocalDpi xmlns:a14="http://schemas.microsoft.com/office/drawing/2010/main" val="0"/>
+              </a:ext>
+            </a:extLst>
+          </a:blip>
+          <a:stretch>
+            <a:fillRect/>
+          </a:stretch>
+        </p:blipFill>
+        <p:spPr>
+          <a:xfrm>
+            <a:off x="7639696" y="7618413"/>
+            <a:ext cx="9104608" cy="5322276"/>
+          </a:xfrm>
+          <a:prstGeom prst="rect">
+            <a:avLst/>
+          </a:prstGeom>
+        </p:spPr>
+      </p:pic>
+    </p:spTree>
+    <p:extLst>
+      <p:ext uri="{BB962C8B-B14F-4D97-AF65-F5344CB8AC3E}">
+        <p14:creationId xmlns:p14="http://schemas.microsoft.com/office/powerpoint/2010/main" val="1181271026"/>
+      </p:ext>
+    </p:extLst>
+  </p:cSld>
+  <p:clrMapOvr>
+    <a:masterClrMapping/>
+  </p:clrMapOvr>
+  <p:transition spd="med"/>
+</p:sld>
+</file>
+
+<file path=ppt/slides/slide71.xml><?xml version="1.0" encoding="utf-8"?>
+<p:sld xmlns:a="http://schemas.openxmlformats.org/drawingml/2006/main" xmlns:r="http://schemas.openxmlformats.org/officeDocument/2006/relationships" xmlns:p="http://schemas.openxmlformats.org/presentationml/2006/main">
+  <p:cSld>
+    <p:spTree>
+      <p:nvGrpSpPr>
+        <p:cNvPr id="1" name=""/>
+        <p:cNvGrpSpPr/>
+        <p:nvPr/>
+      </p:nvGrpSpPr>
+      <p:grpSpPr>
+        <a:xfrm>
+          <a:off x="0" y="0"/>
+          <a:ext cx="0" cy="0"/>
+          <a:chOff x="0" y="0"/>
+          <a:chExt cx="0" cy="0"/>
+        </a:xfrm>
+      </p:grpSpPr>
+      <p:sp>
+        <p:nvSpPr>
+          <p:cNvPr id="4" name="Título 3">
+            <a:extLst>
+              <a:ext uri="{FF2B5EF4-FFF2-40B4-BE49-F238E27FC236}">
+                <a16:creationId xmlns:a16="http://schemas.microsoft.com/office/drawing/2014/main" id="{8A4C52A0-42D9-47BB-966A-7FE92FDBFA2D}"/>
+              </a:ext>
+            </a:extLst>
+          </p:cNvPr>
+          <p:cNvSpPr>
+            <a:spLocks noGrp="1"/>
+          </p:cNvSpPr>
+          <p:nvPr>
+            <p:ph type="title"/>
+          </p:nvPr>
+        </p:nvSpPr>
+        <p:spPr/>
+        <p:txBody>
+          <a:bodyPr>
+            <a:normAutofit/>
+          </a:bodyPr>
+          <a:lstStyle/>
+          <a:p>
+            <a:r>
+              <a:rPr lang="pt-BR" dirty="0"/>
+              <a:t>Máquina virtual?</a:t>
+            </a:r>
+          </a:p>
+        </p:txBody>
+      </p:sp>
+      <p:sp>
+        <p:nvSpPr>
+          <p:cNvPr id="5" name="Espaço Reservado para Conteúdo 4">
+            <a:extLst>
+              <a:ext uri="{FF2B5EF4-FFF2-40B4-BE49-F238E27FC236}">
+                <a16:creationId xmlns:a16="http://schemas.microsoft.com/office/drawing/2014/main" id="{1FBD8255-54D1-42B3-9B71-2D45D227E6FC}"/>
+              </a:ext>
+            </a:extLst>
+          </p:cNvPr>
+          <p:cNvSpPr>
+            <a:spLocks noGrp="1"/>
+          </p:cNvSpPr>
+          <p:nvPr>
+            <p:ph type="body" idx="1"/>
+          </p:nvPr>
+        </p:nvSpPr>
+        <p:spPr>
+          <a:xfrm>
+            <a:off x="1689100" y="2604530"/>
+            <a:ext cx="21005800" cy="10609446"/>
+          </a:xfrm>
+          <a:solidFill>
+            <a:schemeClr val="bg1"/>
+          </a:solidFill>
+        </p:spPr>
+        <p:txBody>
+          <a:bodyPr>
+            <a:noAutofit/>
+          </a:bodyPr>
+          <a:lstStyle/>
+          <a:p>
+            <a:pPr>
+              <a:buSzPct val="100000"/>
+            </a:pPr>
+            <a:r>
+              <a:rPr lang="pt-BR" sz="4000" dirty="0">
+                <a:cs typeface="Courier New" panose="02070309020205020404" pitchFamily="49" charset="0"/>
+              </a:rPr>
+              <a:t>O conceito de máquina virtual é bem mais amplo que o de um interpretador:</a:t>
+            </a:r>
+          </a:p>
+          <a:p>
+            <a:pPr marL="571500" indent="-571500">
+              <a:buSzPct val="100000"/>
+              <a:buFont typeface="Arial" panose="020B0604020202020204" pitchFamily="34" charset="0"/>
+              <a:buChar char="•"/>
+            </a:pPr>
+            <a:r>
+              <a:rPr lang="pt-BR" sz="4000" dirty="0">
+                <a:cs typeface="Courier New" panose="02070309020205020404" pitchFamily="49" charset="0"/>
+              </a:rPr>
+              <a:t>Uma VM tem tudo que um computador tem: é responsável por gerenciar memória, threads, a pilha de execução, etc.</a:t>
+            </a:r>
+          </a:p>
+          <a:p>
+            <a:pPr marL="571500" indent="-571500">
+              <a:buSzPct val="100000"/>
+              <a:buFont typeface="Arial" panose="020B0604020202020204" pitchFamily="34" charset="0"/>
+              <a:buChar char="•"/>
+            </a:pPr>
+            <a:r>
+              <a:rPr lang="pt-BR" sz="4000" dirty="0">
+                <a:cs typeface="Courier New" panose="02070309020205020404" pitchFamily="49" charset="0"/>
+              </a:rPr>
+              <a:t>Sua aplicação roda sem nenhum envolvimento com o sistema operacional, então a JVM pode tirar métricas, decidir onde é melhor alocar a memória, entre outros. </a:t>
+            </a:r>
+          </a:p>
+          <a:p>
+            <a:pPr marL="571500" indent="-571500">
+              <a:buSzPct val="100000"/>
+              <a:buFont typeface="Arial" panose="020B0604020202020204" pitchFamily="34" charset="0"/>
+              <a:buChar char="•"/>
+            </a:pPr>
+            <a:r>
+              <a:rPr lang="pt-BR" sz="4000" dirty="0">
+                <a:cs typeface="Courier New" panose="02070309020205020404" pitchFamily="49" charset="0"/>
+              </a:rPr>
+              <a:t>Se uma JVM termina abruptamente, só as aplicações que estavam rodando nela irão terminar.</a:t>
+            </a:r>
+          </a:p>
+        </p:txBody>
+      </p:sp>
+      <p:sp>
+        <p:nvSpPr>
+          <p:cNvPr id="7" name="Espaço Reservado para Número de Slide 6">
+            <a:extLst>
+              <a:ext uri="{FF2B5EF4-FFF2-40B4-BE49-F238E27FC236}">
+                <a16:creationId xmlns:a16="http://schemas.microsoft.com/office/drawing/2014/main" id="{40C5ECBA-0615-433C-B308-162C7F749201}"/>
+              </a:ext>
+            </a:extLst>
+          </p:cNvPr>
+          <p:cNvSpPr>
+            <a:spLocks noGrp="1"/>
+          </p:cNvSpPr>
+          <p:nvPr>
+            <p:ph type="sldNum" sz="quarter" idx="10"/>
+          </p:nvPr>
+        </p:nvSpPr>
+        <p:spPr/>
+        <p:txBody>
+          <a:bodyPr/>
+          <a:lstStyle/>
+          <a:p>
+            <a:fld id="{E4B35BDD-CC3D-4492-88ED-922B282360E3}" type="slidenum">
+              <a:rPr lang="pt-BR" smtClean="0"/>
+              <a:t>71</a:t>
+            </a:fld>
+            <a:endParaRPr lang="pt-BR"/>
+          </a:p>
+        </p:txBody>
+      </p:sp>
+    </p:spTree>
+    <p:extLst>
+      <p:ext uri="{BB962C8B-B14F-4D97-AF65-F5344CB8AC3E}">
+        <p14:creationId xmlns:p14="http://schemas.microsoft.com/office/powerpoint/2010/main" val="2336100389"/>
+      </p:ext>
+    </p:extLst>
+  </p:cSld>
+  <p:clrMapOvr>
+    <a:masterClrMapping/>
+  </p:clrMapOvr>
+  <p:transition spd="med"/>
+</p:sld>
+</file>
+
+<file path=ppt/slides/slide72.xml><?xml version="1.0" encoding="utf-8"?>
+<p:sld xmlns:a="http://schemas.openxmlformats.org/drawingml/2006/main" xmlns:r="http://schemas.openxmlformats.org/officeDocument/2006/relationships" xmlns:p="http://schemas.openxmlformats.org/presentationml/2006/main">
+  <p:cSld>
+    <p:spTree>
+      <p:nvGrpSpPr>
+        <p:cNvPr id="1" name=""/>
+        <p:cNvGrpSpPr/>
+        <p:nvPr/>
+      </p:nvGrpSpPr>
+      <p:grpSpPr>
+        <a:xfrm>
+          <a:off x="0" y="0"/>
+          <a:ext cx="0" cy="0"/>
+          <a:chOff x="0" y="0"/>
+          <a:chExt cx="0" cy="0"/>
+        </a:xfrm>
+      </p:grpSpPr>
+      <p:sp>
+        <p:nvSpPr>
+          <p:cNvPr id="4" name="Título 3">
+            <a:extLst>
+              <a:ext uri="{FF2B5EF4-FFF2-40B4-BE49-F238E27FC236}">
+                <a16:creationId xmlns:a16="http://schemas.microsoft.com/office/drawing/2014/main" id="{8A4C52A0-42D9-47BB-966A-7FE92FDBFA2D}"/>
+              </a:ext>
+            </a:extLst>
+          </p:cNvPr>
+          <p:cNvSpPr>
+            <a:spLocks noGrp="1"/>
+          </p:cNvSpPr>
+          <p:nvPr>
+            <p:ph type="title"/>
+          </p:nvPr>
+        </p:nvSpPr>
+        <p:spPr/>
+        <p:txBody>
+          <a:bodyPr>
+            <a:normAutofit/>
+          </a:bodyPr>
+          <a:lstStyle/>
+          <a:p>
+            <a:r>
+              <a:rPr lang="pt-BR" dirty="0"/>
+              <a:t>Onde usar?</a:t>
+            </a:r>
+          </a:p>
+        </p:txBody>
+      </p:sp>
+      <p:sp>
+        <p:nvSpPr>
+          <p:cNvPr id="5" name="Espaço Reservado para Conteúdo 4">
+            <a:extLst>
+              <a:ext uri="{FF2B5EF4-FFF2-40B4-BE49-F238E27FC236}">
+                <a16:creationId xmlns:a16="http://schemas.microsoft.com/office/drawing/2014/main" id="{1FBD8255-54D1-42B3-9B71-2D45D227E6FC}"/>
+              </a:ext>
+            </a:extLst>
+          </p:cNvPr>
+          <p:cNvSpPr>
+            <a:spLocks noGrp="1"/>
+          </p:cNvSpPr>
+          <p:nvPr>
+            <p:ph type="body" idx="1"/>
+          </p:nvPr>
+        </p:nvSpPr>
+        <p:spPr>
+          <a:xfrm>
+            <a:off x="1689100" y="2604530"/>
+            <a:ext cx="21005800" cy="10609446"/>
+          </a:xfrm>
+          <a:solidFill>
+            <a:schemeClr val="bg1"/>
+          </a:solidFill>
+        </p:spPr>
+        <p:txBody>
+          <a:bodyPr>
+            <a:noAutofit/>
+          </a:bodyPr>
+          <a:lstStyle/>
+          <a:p>
+            <a:pPr>
+              <a:buSzPct val="100000"/>
+            </a:pPr>
+            <a:r>
+              <a:rPr lang="pt-BR" sz="4000" dirty="0">
+                <a:cs typeface="Courier New" panose="02070309020205020404" pitchFamily="49" charset="0"/>
+              </a:rPr>
+              <a:t>É preciso ficar claro que a premissa do Java não é a de criar sistemas pequenos, onde temos um ou dois desenvolvedores, mais rapidamente que linguagens como PHP, Perl, e outras.</a:t>
+            </a:r>
+          </a:p>
+          <a:p>
+            <a:pPr>
+              <a:buSzPct val="100000"/>
+            </a:pPr>
+            <a:r>
+              <a:rPr lang="pt-BR" sz="4000" dirty="0">
+                <a:cs typeface="Courier New" panose="02070309020205020404" pitchFamily="49" charset="0"/>
+              </a:rPr>
+              <a:t>O foco da plataforma é outro: aplicações de médio a grande porte, onde o time de desenvolvedores tem várias pessoas e sempre pode vir a mudar e crescer.</a:t>
+            </a:r>
+          </a:p>
+          <a:p>
+            <a:pPr>
+              <a:buSzPct val="100000"/>
+            </a:pPr>
+            <a:r>
+              <a:rPr lang="pt-BR" sz="4000" dirty="0">
+                <a:cs typeface="Courier New" panose="02070309020205020404" pitchFamily="49" charset="0"/>
+              </a:rPr>
+              <a:t>Não tenha dúvidas que criar a primeira versão de uma aplicação usando Java, mesmo utilizando </a:t>
+            </a:r>
+            <a:r>
+              <a:rPr lang="pt-BR" sz="4000" dirty="0" err="1">
+                <a:cs typeface="Courier New" panose="02070309020205020404" pitchFamily="49" charset="0"/>
+              </a:rPr>
+              <a:t>IDEs</a:t>
+            </a:r>
+            <a:r>
+              <a:rPr lang="pt-BR" sz="4000" dirty="0">
+                <a:cs typeface="Courier New" panose="02070309020205020404" pitchFamily="49" charset="0"/>
+              </a:rPr>
+              <a:t> e ferramentas poderosas, será mais trabalhoso que muitas linguagens script ou de alta produtividade. Porém, com uma linguagem orientada a objetos e madura como o Java, será extremamente mais fácil e rápido fazer alterações no sistema, desde que você siga as boas práticas e recomendações sobre design orientado a objetos.</a:t>
+            </a:r>
+          </a:p>
+          <a:p>
+            <a:pPr>
+              <a:buSzPct val="100000"/>
+            </a:pPr>
+            <a:r>
+              <a:rPr lang="pt-BR" sz="4000" dirty="0">
+                <a:cs typeface="Courier New" panose="02070309020205020404" pitchFamily="49" charset="0"/>
+              </a:rPr>
+              <a:t>Além disso, a quantidade enorme de bibliotecas gratuitas para realizar os mais diversos trabalhos é um ponto fortíssimo para adoção do Java: você pode criar uma aplicação sofisticada, usando diversos  recursos, sem precisar comprar um componente específico, que costuma ser caro. O ecossistema do Java é enorme.</a:t>
+            </a:r>
+          </a:p>
+        </p:txBody>
+      </p:sp>
+      <p:sp>
+        <p:nvSpPr>
+          <p:cNvPr id="7" name="Espaço Reservado para Número de Slide 6">
+            <a:extLst>
+              <a:ext uri="{FF2B5EF4-FFF2-40B4-BE49-F238E27FC236}">
+                <a16:creationId xmlns:a16="http://schemas.microsoft.com/office/drawing/2014/main" id="{40C5ECBA-0615-433C-B308-162C7F749201}"/>
+              </a:ext>
+            </a:extLst>
+          </p:cNvPr>
+          <p:cNvSpPr>
+            <a:spLocks noGrp="1"/>
+          </p:cNvSpPr>
+          <p:nvPr>
+            <p:ph type="sldNum" sz="quarter" idx="10"/>
+          </p:nvPr>
+        </p:nvSpPr>
+        <p:spPr/>
+        <p:txBody>
+          <a:bodyPr/>
+          <a:lstStyle/>
+          <a:p>
+            <a:fld id="{E4B35BDD-CC3D-4492-88ED-922B282360E3}" type="slidenum">
+              <a:rPr lang="pt-BR" smtClean="0"/>
+              <a:t>72</a:t>
+            </a:fld>
+            <a:endParaRPr lang="pt-BR"/>
+          </a:p>
+        </p:txBody>
+      </p:sp>
+    </p:spTree>
+    <p:extLst>
+      <p:ext uri="{BB962C8B-B14F-4D97-AF65-F5344CB8AC3E}">
+        <p14:creationId xmlns:p14="http://schemas.microsoft.com/office/powerpoint/2010/main" val="2553264829"/>
+      </p:ext>
+    </p:extLst>
+  </p:cSld>
+  <p:clrMapOvr>
+    <a:masterClrMapping/>
+  </p:clrMapOvr>
+  <p:transition spd="med"/>
+</p:sld>
+</file>
+
+<file path=ppt/slides/slide73.xml><?xml version="1.0" encoding="utf-8"?>
+<p:sld xmlns:a="http://schemas.openxmlformats.org/drawingml/2006/main" xmlns:r="http://schemas.openxmlformats.org/officeDocument/2006/relationships" xmlns:p="http://schemas.openxmlformats.org/presentationml/2006/main">
+  <p:cSld>
+    <p:spTree>
+      <p:nvGrpSpPr>
+        <p:cNvPr id="1" name=""/>
+        <p:cNvGrpSpPr/>
+        <p:nvPr/>
+      </p:nvGrpSpPr>
+      <p:grpSpPr>
+        <a:xfrm>
+          <a:off x="0" y="0"/>
+          <a:ext cx="0" cy="0"/>
+          <a:chOff x="0" y="0"/>
+          <a:chExt cx="0" cy="0"/>
+        </a:xfrm>
+      </p:grpSpPr>
+      <p:sp>
+        <p:nvSpPr>
+          <p:cNvPr id="4" name="Título 3">
+            <a:extLst>
+              <a:ext uri="{FF2B5EF4-FFF2-40B4-BE49-F238E27FC236}">
+                <a16:creationId xmlns:a16="http://schemas.microsoft.com/office/drawing/2014/main" id="{8A4C52A0-42D9-47BB-966A-7FE92FDBFA2D}"/>
+              </a:ext>
+            </a:extLst>
+          </p:cNvPr>
+          <p:cNvSpPr>
+            <a:spLocks noGrp="1"/>
+          </p:cNvSpPr>
+          <p:nvPr>
+            <p:ph type="title"/>
+          </p:nvPr>
+        </p:nvSpPr>
+        <p:spPr/>
+        <p:txBody>
+          <a:bodyPr>
+            <a:normAutofit/>
+          </a:bodyPr>
+          <a:lstStyle/>
+          <a:p>
+            <a:r>
+              <a:rPr lang="pt-BR" dirty="0"/>
+              <a:t>Onde usar?</a:t>
+            </a:r>
+          </a:p>
+        </p:txBody>
+      </p:sp>
+      <p:sp>
+        <p:nvSpPr>
+          <p:cNvPr id="5" name="Espaço Reservado para Conteúdo 4">
+            <a:extLst>
+              <a:ext uri="{FF2B5EF4-FFF2-40B4-BE49-F238E27FC236}">
+                <a16:creationId xmlns:a16="http://schemas.microsoft.com/office/drawing/2014/main" id="{1FBD8255-54D1-42B3-9B71-2D45D227E6FC}"/>
+              </a:ext>
+            </a:extLst>
+          </p:cNvPr>
+          <p:cNvSpPr>
+            <a:spLocks noGrp="1"/>
+          </p:cNvSpPr>
+          <p:nvPr>
+            <p:ph type="body" idx="1"/>
+          </p:nvPr>
+        </p:nvSpPr>
+        <p:spPr>
+          <a:xfrm>
+            <a:off x="1689100" y="2604530"/>
+            <a:ext cx="21005800" cy="10609446"/>
+          </a:xfrm>
+          <a:solidFill>
+            <a:schemeClr val="bg1"/>
+          </a:solidFill>
+        </p:spPr>
+        <p:txBody>
+          <a:bodyPr>
+            <a:noAutofit/>
+          </a:bodyPr>
+          <a:lstStyle/>
+          <a:p>
+            <a:pPr>
+              <a:buSzPct val="100000"/>
+            </a:pPr>
+            <a:r>
+              <a:rPr lang="pt-BR" sz="4000" dirty="0">
+                <a:cs typeface="Courier New" panose="02070309020205020404" pitchFamily="49" charset="0"/>
+              </a:rPr>
+              <a:t>Cada linguagem tem seu espaço e seu melhor uso. O uso do Java é interessante em aplicações que virão a crescer, em que a legibilidade do código é importante, onde temos muita conectividade e se há muitas plataformas (ambientes e sistemas operacionais) heterogêneas (Linux, Unix, OSX e Windows misturados).</a:t>
+            </a:r>
+          </a:p>
+          <a:p>
+            <a:pPr>
+              <a:buSzPct val="100000"/>
+            </a:pPr>
+            <a:r>
+              <a:rPr lang="pt-BR" sz="4000" dirty="0">
+                <a:cs typeface="Courier New" panose="02070309020205020404" pitchFamily="49" charset="0"/>
+              </a:rPr>
+              <a:t>Você pode ver isso pela quantidade enorme de ofertas de emprego procurando desenvolvedores Java para trabalhar com sistemas web e aplicações de integração no servidor.</a:t>
+            </a:r>
+          </a:p>
+        </p:txBody>
+      </p:sp>
+      <p:sp>
+        <p:nvSpPr>
+          <p:cNvPr id="7" name="Espaço Reservado para Número de Slide 6">
+            <a:extLst>
+              <a:ext uri="{FF2B5EF4-FFF2-40B4-BE49-F238E27FC236}">
+                <a16:creationId xmlns:a16="http://schemas.microsoft.com/office/drawing/2014/main" id="{40C5ECBA-0615-433C-B308-162C7F749201}"/>
+              </a:ext>
+            </a:extLst>
+          </p:cNvPr>
+          <p:cNvSpPr>
+            <a:spLocks noGrp="1"/>
+          </p:cNvSpPr>
+          <p:nvPr>
+            <p:ph type="sldNum" sz="quarter" idx="10"/>
+          </p:nvPr>
+        </p:nvSpPr>
+        <p:spPr/>
+        <p:txBody>
+          <a:bodyPr/>
+          <a:lstStyle/>
+          <a:p>
+            <a:fld id="{E4B35BDD-CC3D-4492-88ED-922B282360E3}" type="slidenum">
+              <a:rPr lang="pt-BR" smtClean="0"/>
+              <a:t>73</a:t>
+            </a:fld>
+            <a:endParaRPr lang="pt-BR"/>
+          </a:p>
+        </p:txBody>
+      </p:sp>
+    </p:spTree>
+    <p:extLst>
+      <p:ext uri="{BB962C8B-B14F-4D97-AF65-F5344CB8AC3E}">
+        <p14:creationId xmlns:p14="http://schemas.microsoft.com/office/powerpoint/2010/main" val="4114922089"/>
+      </p:ext>
+    </p:extLst>
+  </p:cSld>
+  <p:clrMapOvr>
+    <a:masterClrMapping/>
+  </p:clrMapOvr>
+  <p:transition spd="med"/>
+</p:sld>
+</file>
+
+<file path=ppt/slides/slide74.xml><?xml version="1.0" encoding="utf-8"?>
+<p:sld xmlns:a="http://schemas.openxmlformats.org/drawingml/2006/main" xmlns:r="http://schemas.openxmlformats.org/officeDocument/2006/relationships" xmlns:p="http://schemas.openxmlformats.org/presentationml/2006/main">
+  <p:cSld>
+    <p:spTree>
+      <p:nvGrpSpPr>
+        <p:cNvPr id="1" name=""/>
+        <p:cNvGrpSpPr/>
+        <p:nvPr/>
+      </p:nvGrpSpPr>
+      <p:grpSpPr>
+        <a:xfrm>
+          <a:off x="0" y="0"/>
+          <a:ext cx="0" cy="0"/>
+          <a:chOff x="0" y="0"/>
+          <a:chExt cx="0" cy="0"/>
+        </a:xfrm>
+      </p:grpSpPr>
+      <p:pic>
+        <p:nvPicPr>
+          <p:cNvPr id="127" name="PPT_graduação_contracapa.png" descr="PPT_graduação_contracapa.png"/>
+          <p:cNvPicPr>
+            <a:picLocks noChangeAspect="1"/>
+          </p:cNvPicPr>
+          <p:nvPr/>
+        </p:nvPicPr>
+        <p:blipFill>
+          <a:blip r:embed="rId2"/>
+          <a:stretch>
+            <a:fillRect/>
+          </a:stretch>
+        </p:blipFill>
+        <p:spPr>
+          <a:xfrm>
+            <a:off x="0" y="0"/>
+            <a:ext cx="24384000" cy="13716000"/>
+          </a:xfrm>
+          <a:prstGeom prst="rect">
+            <a:avLst/>
+          </a:prstGeom>
+          <a:ln w="12700">
+            <a:miter lim="400000"/>
+          </a:ln>
+        </p:spPr>
+      </p:pic>
+      <p:sp>
+        <p:nvSpPr>
+          <p:cNvPr id="3" name="CaixaDeTexto 2"/>
+          <p:cNvSpPr txBox="1"/>
+          <p:nvPr/>
+        </p:nvSpPr>
+        <p:spPr>
+          <a:xfrm>
+            <a:off x="2160971" y="11172650"/>
+            <a:ext cx="5681043" cy="1456809"/>
+          </a:xfrm>
+          <a:prstGeom prst="rect">
+            <a:avLst/>
+          </a:prstGeom>
+          <a:noFill/>
+          <a:ln w="12700" cap="flat">
+            <a:noFill/>
+            <a:miter lim="400000"/>
+          </a:ln>
+          <a:effectLst/>
+          <a:sp3d/>
+        </p:spPr>
+        <p:style>
+          <a:lnRef idx="0">
+            <a:scrgbClr r="0" g="0" b="0"/>
+          </a:lnRef>
+          <a:fillRef idx="0">
+            <a:scrgbClr r="0" g="0" b="0"/>
+          </a:fillRef>
+          <a:effectRef idx="0">
+            <a:scrgbClr r="0" g="0" b="0"/>
+          </a:effectRef>
+          <a:fontRef idx="none"/>
+        </p:style>
+        <p:txBody>
+          <a:bodyPr rot="0" spcFirstLastPara="1" vertOverflow="overflow" horzOverflow="overflow" vert="horz" wrap="none" lIns="50800" tIns="50800" rIns="50800" bIns="50800" numCol="1" spcCol="38100" rtlCol="0" anchor="ctr">
+            <a:spAutoFit/>
+          </a:bodyPr>
+          <a:lstStyle/>
+          <a:p>
+            <a:pPr marL="0" marR="0" indent="0" algn="ctr" defTabSz="825500" rtl="0" fontAlgn="auto" latinLnBrk="0" hangingPunct="0">
+              <a:lnSpc>
+                <a:spcPct val="100000"/>
+              </a:lnSpc>
+              <a:spcBef>
+                <a:spcPts val="0"/>
+              </a:spcBef>
+              <a:spcAft>
+                <a:spcPts val="0"/>
+              </a:spcAft>
+              <a:buClrTx/>
+              <a:buSzTx/>
+              <a:buFontTx/>
+              <a:buNone/>
+              <a:tabLst/>
+            </a:pPr>
+            <a:r>
+              <a:rPr kumimoji="0" lang="pt-BR" sz="8800" b="1" i="0" u="none" strike="noStrike" cap="none" spc="0" normalizeH="0" baseline="0" dirty="0">
+                <a:ln>
+                  <a:noFill/>
+                </a:ln>
+                <a:solidFill>
+                  <a:schemeClr val="bg2">
+                    <a:lumMod val="50000"/>
+                  </a:schemeClr>
+                </a:solidFill>
+                <a:effectLst/>
+                <a:uFillTx/>
+                <a:latin typeface="Calibri" panose="020F0502020204030204" pitchFamily="34" charset="0"/>
+                <a:cs typeface="Calibri" panose="020F0502020204030204" pitchFamily="34" charset="0"/>
+                <a:sym typeface="Helvetica Neue"/>
+              </a:rPr>
+              <a:t>OBRIGADO!</a:t>
+            </a:r>
+          </a:p>
+        </p:txBody>
+      </p:sp>
+    </p:spTree>
   </p:cSld>
   <p:clrMapOvr>
     <a:masterClrMapping/>
@@ -24673,6 +28137,12 @@
 </file>
 
 <file path=customXml/item1.xml><?xml version="1.0" encoding="utf-8"?>
+<p:properties xmlns:p="http://schemas.microsoft.com/office/2006/metadata/properties" xmlns:xsi="http://www.w3.org/2001/XMLSchema-instance" xmlns:pc="http://schemas.microsoft.com/office/infopath/2007/PartnerControls">
+  <documentManagement/>
+</p:properties>
+</file>
+
+<file path=customXml/item2.xml><?xml version="1.0" encoding="utf-8"?>
 <?mso-contentType ?>
 <FormTemplates xmlns="http://schemas.microsoft.com/sharepoint/v3/contenttype/forms">
   <Display>DocumentLibraryForm</Display>
@@ -24681,7 +28151,7 @@
 </FormTemplates>
 </file>
 
-<file path=customXml/item2.xml><?xml version="1.0" encoding="utf-8"?>
+<file path=customXml/item3.xml><?xml version="1.0" encoding="utf-8"?>
 <ct:contentTypeSchema xmlns:ct="http://schemas.microsoft.com/office/2006/metadata/contentType" xmlns:ma="http://schemas.microsoft.com/office/2006/metadata/properties/metaAttributes" ct:_="" ma:_="" ma:contentTypeName="Documento" ma:contentTypeID="0x0101009FAC1FADC71DC641B1C88EDCA8A738BD" ma:contentTypeVersion="9" ma:contentTypeDescription="Crie um novo documento." ma:contentTypeScope="" ma:versionID="b2ba5c05f7feb583484f3d330bfd4d41">
   <xsd:schema xmlns:xsd="http://www.w3.org/2001/XMLSchema" xmlns:xs="http://www.w3.org/2001/XMLSchema" xmlns:p="http://schemas.microsoft.com/office/2006/metadata/properties" xmlns:ns2="4620a0fb-8c8e-452c-99f9-831cb1282a4d" xmlns:ns3="d2b67046-0f4f-4fd2-9a89-c98ef0fc6e42" targetNamespace="http://schemas.microsoft.com/office/2006/metadata/properties" ma:root="true" ma:fieldsID="450c8be9e95e4e1adec287857fc41ebe" ns2:_="" ns3:_="">
     <xsd:import namespace="4620a0fb-8c8e-452c-99f9-831cb1282a4d"/>
@@ -24878,13 +28348,24 @@
 </ct:contentTypeSchema>
 </file>
 
-<file path=customXml/item3.xml><?xml version="1.0" encoding="utf-8"?>
-<p:properties xmlns:p="http://schemas.microsoft.com/office/2006/metadata/properties" xmlns:xsi="http://www.w3.org/2001/XMLSchema-instance" xmlns:pc="http://schemas.microsoft.com/office/infopath/2007/PartnerControls">
-  <documentManagement/>
-</p:properties>
+<file path=customXml/itemProps1.xml><?xml version="1.0" encoding="utf-8"?>
+<ds:datastoreItem xmlns:ds="http://schemas.openxmlformats.org/officeDocument/2006/customXml" ds:itemID="{012B0F66-32D8-4318-9FAE-9EACF69D7379}">
+  <ds:schemaRefs>
+    <ds:schemaRef ds:uri="http://purl.org/dc/elements/1.1/"/>
+    <ds:schemaRef ds:uri="http://purl.org/dc/terms/"/>
+    <ds:schemaRef ds:uri="http://schemas.microsoft.com/office/infopath/2007/PartnerControls"/>
+    <ds:schemaRef ds:uri="http://purl.org/dc/dcmitype/"/>
+    <ds:schemaRef ds:uri="d2b67046-0f4f-4fd2-9a89-c98ef0fc6e42"/>
+    <ds:schemaRef ds:uri="http://schemas.microsoft.com/office/2006/metadata/properties"/>
+    <ds:schemaRef ds:uri="http://schemas.microsoft.com/office/2006/documentManagement/types"/>
+    <ds:schemaRef ds:uri="http://schemas.openxmlformats.org/package/2006/metadata/core-properties"/>
+    <ds:schemaRef ds:uri="4620a0fb-8c8e-452c-99f9-831cb1282a4d"/>
+    <ds:schemaRef ds:uri="http://www.w3.org/XML/1998/namespace"/>
+  </ds:schemaRefs>
+</ds:datastoreItem>
 </file>
 
-<file path=customXml/itemProps1.xml><?xml version="1.0" encoding="utf-8"?>
+<file path=customXml/itemProps2.xml><?xml version="1.0" encoding="utf-8"?>
 <ds:datastoreItem xmlns:ds="http://schemas.openxmlformats.org/officeDocument/2006/customXml" ds:itemID="{A5A8ECF9-7567-461A-B635-D7A1660AA25D}">
   <ds:schemaRefs>
     <ds:schemaRef ds:uri="http://schemas.microsoft.com/sharepoint/v3/contenttype/forms"/>
@@ -24892,7 +28373,7 @@
 </ds:datastoreItem>
 </file>
 
-<file path=customXml/itemProps2.xml><?xml version="1.0" encoding="utf-8"?>
+<file path=customXml/itemProps3.xml><?xml version="1.0" encoding="utf-8"?>
 <ds:datastoreItem xmlns:ds="http://schemas.openxmlformats.org/officeDocument/2006/customXml" ds:itemID="{9442B401-7F53-433D-B941-B748B6AF5CFA}">
   <ds:schemaRefs>
     <ds:schemaRef ds:uri="http://schemas.microsoft.com/office/2006/metadata/contentType"/>
@@ -24909,21 +28390,4 @@
     <ds:schemaRef ds:uri="http://schemas.microsoft.com/internal/obd"/>
   </ds:schemaRefs>
 </ds:datastoreItem>
-</file>
-
-<file path=customXml/itemProps3.xml><?xml version="1.0" encoding="utf-8"?>
-<ds:datastoreItem xmlns:ds="http://schemas.openxmlformats.org/officeDocument/2006/customXml" ds:itemID="{012B0F66-32D8-4318-9FAE-9EACF69D7379}">
-  <ds:schemaRefs>
-    <ds:schemaRef ds:uri="http://purl.org/dc/elements/1.1/"/>
-    <ds:schemaRef ds:uri="http://purl.org/dc/terms/"/>
-    <ds:schemaRef ds:uri="http://schemas.microsoft.com/office/infopath/2007/PartnerControls"/>
-    <ds:schemaRef ds:uri="http://purl.org/dc/dcmitype/"/>
-    <ds:schemaRef ds:uri="d2b67046-0f4f-4fd2-9a89-c98ef0fc6e42"/>
-    <ds:schemaRef ds:uri="http://schemas.microsoft.com/office/2006/metadata/properties"/>
-    <ds:schemaRef ds:uri="http://schemas.microsoft.com/office/2006/documentManagement/types"/>
-    <ds:schemaRef ds:uri="http://schemas.openxmlformats.org/package/2006/metadata/core-properties"/>
-    <ds:schemaRef ds:uri="4620a0fb-8c8e-452c-99f9-831cb1282a4d"/>
-    <ds:schemaRef ds:uri="http://www.w3.org/XML/1998/namespace"/>
-  </ds:schemaRefs>
-</ds:datastoreItem>
 </file>
--- a/materiais/slides.pptx
+++ b/materiais/slides.pptx
@@ -3527,7 +3527,7 @@
           </a:ln>
           <a:extLst>
             <a:ext uri="{C572A759-6A51-4108-AA02-DFA0A04FC94B}">
-              <ma14:wrappingTextBoxFlag xmlns:ma14="http://schemas.microsoft.com/office/mac/drawingml/2011/main" xmlns:a14="http://schemas.microsoft.com/office/drawing/2010/main" xmlns:m="http://schemas.openxmlformats.org/officeDocument/2006/math" xmlns="" val="1"/>
+              <ma14:wrappingTextBoxFlag xmlns="" xmlns:m="http://schemas.openxmlformats.org/officeDocument/2006/math" xmlns:a14="http://schemas.microsoft.com/office/drawing/2010/main" xmlns:ma14="http://schemas.microsoft.com/office/mac/drawingml/2011/main" val="1"/>
             </a:ext>
           </a:extLst>
         </p:spPr>
@@ -3566,7 +3566,7 @@
           </a:ln>
           <a:extLst>
             <a:ext uri="{C572A759-6A51-4108-AA02-DFA0A04FC94B}">
-              <ma14:wrappingTextBoxFlag xmlns:ma14="http://schemas.microsoft.com/office/mac/drawingml/2011/main" xmlns:a14="http://schemas.microsoft.com/office/drawing/2010/main" xmlns:m="http://schemas.openxmlformats.org/officeDocument/2006/math" xmlns="" val="1"/>
+              <ma14:wrappingTextBoxFlag xmlns="" xmlns:m="http://schemas.openxmlformats.org/officeDocument/2006/math" xmlns:a14="http://schemas.microsoft.com/office/drawing/2010/main" xmlns:ma14="http://schemas.microsoft.com/office/mac/drawingml/2011/main" val="1"/>
             </a:ext>
           </a:extLst>
         </p:spPr>
@@ -4536,7 +4536,7 @@
           </a:ln>
           <a:extLst>
             <a:ext uri="{C572A759-6A51-4108-AA02-DFA0A04FC94B}">
-              <ma14:wrappingTextBoxFlag xmlns:ma14="http://schemas.microsoft.com/office/mac/drawingml/2011/main" xmlns:a14="http://schemas.microsoft.com/office/drawing/2010/main" xmlns:m="http://schemas.openxmlformats.org/officeDocument/2006/math" xmlns="" val="1"/>
+              <ma14:wrappingTextBoxFlag xmlns="" xmlns:m="http://schemas.openxmlformats.org/officeDocument/2006/math" xmlns:a14="http://schemas.microsoft.com/office/drawing/2010/main" xmlns:ma14="http://schemas.microsoft.com/office/mac/drawingml/2011/main" val="1"/>
             </a:ext>
           </a:extLst>
         </p:spPr>
@@ -4912,7 +4912,7 @@
           </a:ln>
           <a:extLst>
             <a:ext uri="{C572A759-6A51-4108-AA02-DFA0A04FC94B}">
-              <ma14:wrappingTextBoxFlag xmlns:ma14="http://schemas.microsoft.com/office/mac/drawingml/2011/main" xmlns:a14="http://schemas.microsoft.com/office/drawing/2010/main" xmlns:m="http://schemas.openxmlformats.org/officeDocument/2006/math" xmlns="" val="1"/>
+              <ma14:wrappingTextBoxFlag xmlns="" xmlns:m="http://schemas.openxmlformats.org/officeDocument/2006/math" xmlns:a14="http://schemas.microsoft.com/office/drawing/2010/main" xmlns:ma14="http://schemas.microsoft.com/office/mac/drawingml/2011/main" val="1"/>
             </a:ext>
           </a:extLst>
         </p:spPr>
@@ -11289,7 +11289,7 @@
             </a:pPr>
             <a:r>
               <a:rPr lang="pt-BR" dirty="0"/>
-              <a:t>Aulas às segundas e quartas-feiras, de 7:30 às 9:21</a:t>
+              <a:t>Aulas às segundas e quartas-feiras, de 7:30 às 9:20</a:t>
             </a:r>
           </a:p>
           <a:p>
@@ -25669,25 +25669,7 @@
             </a:pPr>
             <a:r>
               <a:rPr lang="pt-BR" dirty="0"/>
-              <a:t>Apostila Java e Orientação a Objetos (</a:t>
-            </a:r>
-            <a:r>
-              <a:rPr lang="pt-BR" dirty="0" err="1"/>
-              <a:t>Caelum</a:t>
-            </a:r>
-            <a:r>
-              <a:rPr lang="pt-BR" dirty="0"/>
-              <a:t> - </a:t>
-            </a:r>
-            <a:r>
-              <a:rPr lang="pt-BR" dirty="0">
-                <a:hlinkClick r:id="rId2"/>
-              </a:rPr>
-              <a:t>https://www.caelum.com.br/apostilas</a:t>
-            </a:r>
-            <a:r>
-              <a:rPr lang="pt-BR" dirty="0"/>
-              <a:t>)</a:t>
+              <a:t>Thiago Leite e Carvalho - Orientação a Objetos: Aprenda seus Conceitos e suas Aplicabilidades de Forma Efetiva (Casa do Código, 2016)</a:t>
             </a:r>
           </a:p>
           <a:p>
@@ -25697,11 +25679,11 @@
             </a:pPr>
             <a:r>
               <a:rPr lang="pt-BR" dirty="0"/>
-              <a:t>Curso Java Completo (</a:t>
+              <a:t>Apostila Java e Orientação a Objetos (</a:t>
             </a:r>
             <a:r>
               <a:rPr lang="pt-BR" dirty="0" err="1"/>
-              <a:t>DevDojo</a:t>
+              <a:t>Caelum</a:t>
             </a:r>
             <a:r>
               <a:rPr lang="pt-BR" dirty="0"/>
@@ -25709,33 +25691,9 @@
             </a:r>
             <a:r>
               <a:rPr lang="pt-BR" dirty="0">
-                <a:hlinkClick r:id="rId3"/>
-              </a:rPr>
-              <a:t>https://www.youtube.com/</a:t>
-            </a:r>
-            <a:r>
-              <a:rPr lang="pt-BR" dirty="0" err="1">
-                <a:hlinkClick r:id="rId3"/>
-              </a:rPr>
-              <a:t>watch?v</a:t>
-            </a:r>
-            <a:r>
-              <a:rPr lang="pt-BR" dirty="0">
-                <a:hlinkClick r:id="rId3"/>
-              </a:rPr>
-              <a:t>=</a:t>
-            </a:r>
-            <a:r>
-              <a:rPr lang="pt-BR" dirty="0" err="1">
-                <a:hlinkClick r:id="rId3"/>
-              </a:rPr>
-              <a:t>kkOSweUhGZM&amp;list</a:t>
-            </a:r>
-            <a:r>
-              <a:rPr lang="pt-BR" dirty="0">
-                <a:hlinkClick r:id="rId3"/>
-              </a:rPr>
-              <a:t>=PL62G310vn6nHrMr1tFLNOYP_c73m6nAzL</a:t>
+                <a:hlinkClick r:id="rId2"/>
+              </a:rPr>
+              <a:t>https://www.caelum.com.br/apostilas</a:t>
             </a:r>
             <a:r>
               <a:rPr lang="pt-BR" dirty="0"/>
@@ -25749,7 +25707,49 @@
             </a:pPr>
             <a:r>
               <a:rPr lang="pt-BR" dirty="0"/>
-              <a:t>Thiago Leite e Carvalho - Orientação a Objetos: Aprenda seus Conceitos e suas Aplicabilidades de Forma Efetiva (Casa do Código, 2016)</a:t>
+              <a:t>Curso Java Completo (</a:t>
+            </a:r>
+            <a:r>
+              <a:rPr lang="pt-BR" dirty="0" err="1"/>
+              <a:t>DevDojo</a:t>
+            </a:r>
+            <a:r>
+              <a:rPr lang="pt-BR" dirty="0"/>
+              <a:t> - </a:t>
+            </a:r>
+            <a:r>
+              <a:rPr lang="pt-BR" dirty="0">
+                <a:hlinkClick r:id="rId3"/>
+              </a:rPr>
+              <a:t>https://www.youtube.com/</a:t>
+            </a:r>
+            <a:r>
+              <a:rPr lang="pt-BR" dirty="0" err="1">
+                <a:hlinkClick r:id="rId3"/>
+              </a:rPr>
+              <a:t>watch?v</a:t>
+            </a:r>
+            <a:r>
+              <a:rPr lang="pt-BR" dirty="0">
+                <a:hlinkClick r:id="rId3"/>
+              </a:rPr>
+              <a:t>=</a:t>
+            </a:r>
+            <a:r>
+              <a:rPr lang="pt-BR" dirty="0" err="1">
+                <a:hlinkClick r:id="rId3"/>
+              </a:rPr>
+              <a:t>kkOSweUhGZM&amp;list</a:t>
+            </a:r>
+            <a:r>
+              <a:rPr lang="pt-BR" dirty="0">
+                <a:hlinkClick r:id="rId3"/>
+              </a:rPr>
+              <a:t>=PL62G310vn6nHrMr1tFLNOYP_c73m6nAzL</a:t>
+            </a:r>
+            <a:r>
+              <a:rPr lang="pt-BR" dirty="0"/>
+              <a:t>)</a:t>
             </a:r>
           </a:p>
           <a:p>
@@ -28137,21 +28137,6 @@
 </file>
 
 <file path=customXml/item1.xml><?xml version="1.0" encoding="utf-8"?>
-<p:properties xmlns:p="http://schemas.microsoft.com/office/2006/metadata/properties" xmlns:xsi="http://www.w3.org/2001/XMLSchema-instance" xmlns:pc="http://schemas.microsoft.com/office/infopath/2007/PartnerControls">
-  <documentManagement/>
-</p:properties>
-</file>
-
-<file path=customXml/item2.xml><?xml version="1.0" encoding="utf-8"?>
-<?mso-contentType ?>
-<FormTemplates xmlns="http://schemas.microsoft.com/sharepoint/v3/contenttype/forms">
-  <Display>DocumentLibraryForm</Display>
-  <Edit>DocumentLibraryForm</Edit>
-  <New>DocumentLibraryForm</New>
-</FormTemplates>
-</file>
-
-<file path=customXml/item3.xml><?xml version="1.0" encoding="utf-8"?>
 <ct:contentTypeSchema xmlns:ct="http://schemas.microsoft.com/office/2006/metadata/contentType" xmlns:ma="http://schemas.microsoft.com/office/2006/metadata/properties/metaAttributes" ct:_="" ma:_="" ma:contentTypeName="Documento" ma:contentTypeID="0x0101009FAC1FADC71DC641B1C88EDCA8A738BD" ma:contentTypeVersion="9" ma:contentTypeDescription="Crie um novo documento." ma:contentTypeScope="" ma:versionID="b2ba5c05f7feb583484f3d330bfd4d41">
   <xsd:schema xmlns:xsd="http://www.w3.org/2001/XMLSchema" xmlns:xs="http://www.w3.org/2001/XMLSchema" xmlns:p="http://schemas.microsoft.com/office/2006/metadata/properties" xmlns:ns2="4620a0fb-8c8e-452c-99f9-831cb1282a4d" xmlns:ns3="d2b67046-0f4f-4fd2-9a89-c98ef0fc6e42" targetNamespace="http://schemas.microsoft.com/office/2006/metadata/properties" ma:root="true" ma:fieldsID="450c8be9e95e4e1adec287857fc41ebe" ns2:_="" ns3:_="">
     <xsd:import namespace="4620a0fb-8c8e-452c-99f9-831cb1282a4d"/>
@@ -28348,7 +28333,41 @@
 </ct:contentTypeSchema>
 </file>
 
+<file path=customXml/item2.xml><?xml version="1.0" encoding="utf-8"?>
+<p:properties xmlns:p="http://schemas.microsoft.com/office/2006/metadata/properties" xmlns:xsi="http://www.w3.org/2001/XMLSchema-instance" xmlns:pc="http://schemas.microsoft.com/office/infopath/2007/PartnerControls">
+  <documentManagement/>
+</p:properties>
+</file>
+
+<file path=customXml/item3.xml><?xml version="1.0" encoding="utf-8"?>
+<?mso-contentType ?>
+<FormTemplates xmlns="http://schemas.microsoft.com/sharepoint/v3/contenttype/forms">
+  <Display>DocumentLibraryForm</Display>
+  <Edit>DocumentLibraryForm</Edit>
+  <New>DocumentLibraryForm</New>
+</FormTemplates>
+</file>
+
 <file path=customXml/itemProps1.xml><?xml version="1.0" encoding="utf-8"?>
+<ds:datastoreItem xmlns:ds="http://schemas.openxmlformats.org/officeDocument/2006/customXml" ds:itemID="{9442B401-7F53-433D-B941-B748B6AF5CFA}">
+  <ds:schemaRefs>
+    <ds:schemaRef ds:uri="http://schemas.microsoft.com/office/2006/metadata/contentType"/>
+    <ds:schemaRef ds:uri="http://schemas.microsoft.com/office/2006/metadata/properties/metaAttributes"/>
+    <ds:schemaRef ds:uri="http://www.w3.org/2001/XMLSchema"/>
+    <ds:schemaRef ds:uri="http://schemas.microsoft.com/office/2006/metadata/properties"/>
+    <ds:schemaRef ds:uri="4620a0fb-8c8e-452c-99f9-831cb1282a4d"/>
+    <ds:schemaRef ds:uri="d2b67046-0f4f-4fd2-9a89-c98ef0fc6e42"/>
+    <ds:schemaRef ds:uri="http://schemas.microsoft.com/office/2006/documentManagement/types"/>
+    <ds:schemaRef ds:uri="http://schemas.microsoft.com/office/infopath/2007/PartnerControls"/>
+    <ds:schemaRef ds:uri="http://schemas.openxmlformats.org/package/2006/metadata/core-properties"/>
+    <ds:schemaRef ds:uri="http://purl.org/dc/elements/1.1/"/>
+    <ds:schemaRef ds:uri="http://purl.org/dc/terms/"/>
+    <ds:schemaRef ds:uri="http://schemas.microsoft.com/internal/obd"/>
+  </ds:schemaRefs>
+</ds:datastoreItem>
+</file>
+
+<file path=customXml/itemProps2.xml><?xml version="1.0" encoding="utf-8"?>
 <ds:datastoreItem xmlns:ds="http://schemas.openxmlformats.org/officeDocument/2006/customXml" ds:itemID="{012B0F66-32D8-4318-9FAE-9EACF69D7379}">
   <ds:schemaRefs>
     <ds:schemaRef ds:uri="http://purl.org/dc/elements/1.1/"/>
@@ -28365,29 +28384,10 @@
 </ds:datastoreItem>
 </file>
 
-<file path=customXml/itemProps2.xml><?xml version="1.0" encoding="utf-8"?>
+<file path=customXml/itemProps3.xml><?xml version="1.0" encoding="utf-8"?>
 <ds:datastoreItem xmlns:ds="http://schemas.openxmlformats.org/officeDocument/2006/customXml" ds:itemID="{A5A8ECF9-7567-461A-B635-D7A1660AA25D}">
   <ds:schemaRefs>
     <ds:schemaRef ds:uri="http://schemas.microsoft.com/sharepoint/v3/contenttype/forms"/>
   </ds:schemaRefs>
 </ds:datastoreItem>
-</file>
-
-<file path=customXml/itemProps3.xml><?xml version="1.0" encoding="utf-8"?>
-<ds:datastoreItem xmlns:ds="http://schemas.openxmlformats.org/officeDocument/2006/customXml" ds:itemID="{9442B401-7F53-433D-B941-B748B6AF5CFA}">
-  <ds:schemaRefs>
-    <ds:schemaRef ds:uri="http://schemas.microsoft.com/office/2006/metadata/contentType"/>
-    <ds:schemaRef ds:uri="http://schemas.microsoft.com/office/2006/metadata/properties/metaAttributes"/>
-    <ds:schemaRef ds:uri="http://www.w3.org/2001/XMLSchema"/>
-    <ds:schemaRef ds:uri="http://schemas.microsoft.com/office/2006/metadata/properties"/>
-    <ds:schemaRef ds:uri="4620a0fb-8c8e-452c-99f9-831cb1282a4d"/>
-    <ds:schemaRef ds:uri="d2b67046-0f4f-4fd2-9a89-c98ef0fc6e42"/>
-    <ds:schemaRef ds:uri="http://schemas.microsoft.com/office/2006/documentManagement/types"/>
-    <ds:schemaRef ds:uri="http://schemas.microsoft.com/office/infopath/2007/PartnerControls"/>
-    <ds:schemaRef ds:uri="http://schemas.openxmlformats.org/package/2006/metadata/core-properties"/>
-    <ds:schemaRef ds:uri="http://purl.org/dc/elements/1.1/"/>
-    <ds:schemaRef ds:uri="http://purl.org/dc/terms/"/>
-    <ds:schemaRef ds:uri="http://schemas.microsoft.com/internal/obd"/>
-  </ds:schemaRefs>
-</ds:datastoreItem>
 </file>
--- a/materiais/slides.pptx
+++ b/materiais/slides.pptx
@@ -5,7 +5,7 @@
     <p:sldMasterId id="2147483648" r:id="rId4"/>
   </p:sldMasterIdLst>
   <p:notesMasterIdLst>
-    <p:notesMasterId r:id="rId97"/>
+    <p:notesMasterId r:id="rId118"/>
   </p:notesMasterIdLst>
   <p:sldIdLst>
     <p:sldId id="256" r:id="rId5"/>
@@ -99,7 +99,28 @@
     <p:sldId id="514" r:id="rId93"/>
     <p:sldId id="515" r:id="rId94"/>
     <p:sldId id="516" r:id="rId95"/>
-    <p:sldId id="258" r:id="rId96"/>
+    <p:sldId id="517" r:id="rId96"/>
+    <p:sldId id="518" r:id="rId97"/>
+    <p:sldId id="519" r:id="rId98"/>
+    <p:sldId id="520" r:id="rId99"/>
+    <p:sldId id="521" r:id="rId100"/>
+    <p:sldId id="522" r:id="rId101"/>
+    <p:sldId id="523" r:id="rId102"/>
+    <p:sldId id="524" r:id="rId103"/>
+    <p:sldId id="525" r:id="rId104"/>
+    <p:sldId id="526" r:id="rId105"/>
+    <p:sldId id="527" r:id="rId106"/>
+    <p:sldId id="528" r:id="rId107"/>
+    <p:sldId id="529" r:id="rId108"/>
+    <p:sldId id="530" r:id="rId109"/>
+    <p:sldId id="531" r:id="rId110"/>
+    <p:sldId id="532" r:id="rId111"/>
+    <p:sldId id="533" r:id="rId112"/>
+    <p:sldId id="534" r:id="rId113"/>
+    <p:sldId id="535" r:id="rId114"/>
+    <p:sldId id="536" r:id="rId115"/>
+    <p:sldId id="537" r:id="rId116"/>
+    <p:sldId id="258" r:id="rId117"/>
   </p:sldIdLst>
   <p:sldSz cx="24384000" cy="13716000"/>
   <p:notesSz cx="6858000" cy="9144000"/>
@@ -11680,7 +11701,7 @@
           </a:ln>
           <a:extLst>
             <a:ext uri="{C572A759-6A51-4108-AA02-DFA0A04FC94B}">
-              <ma14:wrappingTextBoxFlag xmlns="" xmlns:m="http://schemas.openxmlformats.org/officeDocument/2006/math" xmlns:a14="http://schemas.microsoft.com/office/drawing/2010/main" xmlns:ma14="http://schemas.microsoft.com/office/mac/drawingml/2011/main" val="1"/>
+              <ma14:wrappingTextBoxFlag xmlns:ma14="http://schemas.microsoft.com/office/mac/drawingml/2011/main" xmlns:a14="http://schemas.microsoft.com/office/drawing/2010/main" xmlns:m="http://schemas.openxmlformats.org/officeDocument/2006/math" xmlns="" val="1"/>
             </a:ext>
           </a:extLst>
         </p:spPr>
@@ -11719,7 +11740,7 @@
           </a:ln>
           <a:extLst>
             <a:ext uri="{C572A759-6A51-4108-AA02-DFA0A04FC94B}">
-              <ma14:wrappingTextBoxFlag xmlns="" xmlns:m="http://schemas.openxmlformats.org/officeDocument/2006/math" xmlns:a14="http://schemas.microsoft.com/office/drawing/2010/main" xmlns:ma14="http://schemas.microsoft.com/office/mac/drawingml/2011/main" val="1"/>
+              <ma14:wrappingTextBoxFlag xmlns:ma14="http://schemas.microsoft.com/office/mac/drawingml/2011/main" xmlns:a14="http://schemas.microsoft.com/office/drawing/2010/main" xmlns:m="http://schemas.openxmlformats.org/officeDocument/2006/math" xmlns="" val="1"/>
             </a:ext>
           </a:extLst>
         </p:spPr>
@@ -12689,7 +12710,7 @@
           </a:ln>
           <a:extLst>
             <a:ext uri="{C572A759-6A51-4108-AA02-DFA0A04FC94B}">
-              <ma14:wrappingTextBoxFlag xmlns="" xmlns:m="http://schemas.openxmlformats.org/officeDocument/2006/math" xmlns:a14="http://schemas.microsoft.com/office/drawing/2010/main" xmlns:ma14="http://schemas.microsoft.com/office/mac/drawingml/2011/main" val="1"/>
+              <ma14:wrappingTextBoxFlag xmlns:ma14="http://schemas.microsoft.com/office/mac/drawingml/2011/main" xmlns:a14="http://schemas.microsoft.com/office/drawing/2010/main" xmlns:m="http://schemas.openxmlformats.org/officeDocument/2006/math" xmlns="" val="1"/>
             </a:ext>
           </a:extLst>
         </p:spPr>
@@ -13065,7 +13086,7 @@
           </a:ln>
           <a:extLst>
             <a:ext uri="{C572A759-6A51-4108-AA02-DFA0A04FC94B}">
-              <ma14:wrappingTextBoxFlag xmlns="" xmlns:m="http://schemas.openxmlformats.org/officeDocument/2006/math" xmlns:a14="http://schemas.microsoft.com/office/drawing/2010/main" xmlns:ma14="http://schemas.microsoft.com/office/mac/drawingml/2011/main" val="1"/>
+              <ma14:wrappingTextBoxFlag xmlns:ma14="http://schemas.microsoft.com/office/mac/drawingml/2011/main" xmlns:a14="http://schemas.microsoft.com/office/drawing/2010/main" xmlns:m="http://schemas.openxmlformats.org/officeDocument/2006/math" xmlns="" val="1"/>
             </a:ext>
           </a:extLst>
         </p:spPr>
@@ -13555,6 +13576,2935 @@
 </p:sld>
 </file>
 
+<file path=ppt/slides/slide100.xml><?xml version="1.0" encoding="utf-8"?>
+<p:sld xmlns:a="http://schemas.openxmlformats.org/drawingml/2006/main" xmlns:r="http://schemas.openxmlformats.org/officeDocument/2006/relationships" xmlns:p="http://schemas.openxmlformats.org/presentationml/2006/main">
+  <p:cSld>
+    <p:spTree>
+      <p:nvGrpSpPr>
+        <p:cNvPr id="1" name=""/>
+        <p:cNvGrpSpPr/>
+        <p:nvPr/>
+      </p:nvGrpSpPr>
+      <p:grpSpPr>
+        <a:xfrm>
+          <a:off x="0" y="0"/>
+          <a:ext cx="0" cy="0"/>
+          <a:chOff x="0" y="0"/>
+          <a:chExt cx="0" cy="0"/>
+        </a:xfrm>
+      </p:grpSpPr>
+      <p:sp>
+        <p:nvSpPr>
+          <p:cNvPr id="4" name="Título 3">
+            <a:extLst>
+              <a:ext uri="{FF2B5EF4-FFF2-40B4-BE49-F238E27FC236}">
+                <a16:creationId xmlns:a16="http://schemas.microsoft.com/office/drawing/2014/main" id="{8A4C52A0-42D9-47BB-966A-7FE92FDBFA2D}"/>
+              </a:ext>
+            </a:extLst>
+          </p:cNvPr>
+          <p:cNvSpPr>
+            <a:spLocks noGrp="1"/>
+          </p:cNvSpPr>
+          <p:nvPr>
+            <p:ph type="title"/>
+          </p:nvPr>
+        </p:nvSpPr>
+        <p:spPr/>
+        <p:txBody>
+          <a:bodyPr>
+            <a:normAutofit/>
+          </a:bodyPr>
+          <a:lstStyle/>
+          <a:p>
+            <a:r>
+              <a:rPr lang="pt-BR" dirty="0"/>
+              <a:t>Diagramas de Classes - Classes</a:t>
+            </a:r>
+          </a:p>
+        </p:txBody>
+      </p:sp>
+      <p:sp>
+        <p:nvSpPr>
+          <p:cNvPr id="5" name="Espaço Reservado para Conteúdo 4">
+            <a:extLst>
+              <a:ext uri="{FF2B5EF4-FFF2-40B4-BE49-F238E27FC236}">
+                <a16:creationId xmlns:a16="http://schemas.microsoft.com/office/drawing/2014/main" id="{1FBD8255-54D1-42B3-9B71-2D45D227E6FC}"/>
+              </a:ext>
+            </a:extLst>
+          </p:cNvPr>
+          <p:cNvSpPr>
+            <a:spLocks noGrp="1"/>
+          </p:cNvSpPr>
+          <p:nvPr>
+            <p:ph type="body" idx="1"/>
+          </p:nvPr>
+        </p:nvSpPr>
+        <p:spPr>
+          <a:xfrm>
+            <a:off x="1689100" y="2604530"/>
+            <a:ext cx="21005800" cy="10609446"/>
+          </a:xfrm>
+          <a:solidFill>
+            <a:schemeClr val="bg1"/>
+          </a:solidFill>
+        </p:spPr>
+        <p:txBody>
+          <a:bodyPr>
+            <a:noAutofit/>
+          </a:bodyPr>
+          <a:lstStyle/>
+          <a:p>
+            <a:pPr>
+              <a:buSzPct val="100000"/>
+            </a:pPr>
+            <a:r>
+              <a:rPr lang="pt-BR" sz="3200" dirty="0">
+                <a:cs typeface="Courier New" panose="02070309020205020404" pitchFamily="49" charset="0"/>
+              </a:rPr>
+              <a:t>Uma dada classe pode ter mais de uma cópia em um mesmo (ou em outro) diagrama do modelo. A propósito, podemos, sim, ter mais de um diagrama de classes compondo o modelo de classes de um sistema. Isso, por sinal, é até bastante usual, especialmente em sistemas grandes.</a:t>
+            </a:r>
+          </a:p>
+          <a:p>
+            <a:pPr>
+              <a:buSzPct val="100000"/>
+            </a:pPr>
+            <a:r>
+              <a:rPr lang="pt-BR" sz="3200" dirty="0">
+                <a:cs typeface="Courier New" panose="02070309020205020404" pitchFamily="49" charset="0"/>
+              </a:rPr>
+              <a:t>Durante o desenvolvimento do modelo de classes, o analista deve ter preocupação com o nome que dará a cada classe; o nome, embora deva ser um substantivo ou uma expressão breve, deve transmitir bem o conceito que a classe representa. E modelos conceituais, o trabalho de dar nomes às classes é, de certa forma, facilitado, já que os nomes devem ser preferencialmente retirados do jargão do negócio.</a:t>
+            </a:r>
+          </a:p>
+          <a:p>
+            <a:pPr>
+              <a:buSzPct val="100000"/>
+            </a:pPr>
+            <a:r>
+              <a:rPr lang="pt-BR" sz="3200" dirty="0">
+                <a:cs typeface="Courier New" panose="02070309020205020404" pitchFamily="49" charset="0"/>
+              </a:rPr>
+              <a:t>Uma boa técnica para descobrirmos se determinada classe é ou não conceitual é perguntar sobre o conceito a ela relacionado ao cliente especialista do negócio que está sendo entrevistado. Se ele não souber responder a respeito, não conhece, nunca usou aquele termo no seu dia-a-dia, provavelmente a classe não deverá fazer parte do modelo conceitual.</a:t>
+            </a:r>
+          </a:p>
+          <a:p>
+            <a:pPr>
+              <a:buSzPct val="100000"/>
+            </a:pPr>
+            <a:r>
+              <a:rPr lang="pt-BR" sz="3200" dirty="0">
+                <a:cs typeface="Courier New" panose="02070309020205020404" pitchFamily="49" charset="0"/>
+              </a:rPr>
+              <a:t>Objetos são instâncias ou ocorrências das classes. Cada pedido da coleção de pedidos feitos à empresa ZYX, por exemplo, é uma instância da classe </a:t>
+            </a:r>
+            <a:r>
+              <a:rPr lang="pt-BR" sz="3200" b="1" dirty="0">
+                <a:cs typeface="Courier New" panose="02070309020205020404" pitchFamily="49" charset="0"/>
+              </a:rPr>
+              <a:t>Pedido</a:t>
+            </a:r>
+            <a:r>
+              <a:rPr lang="pt-BR" sz="3200" dirty="0">
+                <a:cs typeface="Courier New" panose="02070309020205020404" pitchFamily="49" charset="0"/>
+              </a:rPr>
+              <a:t>. As classes que podemos instanciar, ou seja, das quais podemos solicitar a criação de objetos, são chamadas de </a:t>
+            </a:r>
+            <a:r>
+              <a:rPr lang="pt-BR" sz="3200" b="1" dirty="0">
+                <a:cs typeface="Courier New" panose="02070309020205020404" pitchFamily="49" charset="0"/>
+              </a:rPr>
+              <a:t>classes concretas</a:t>
+            </a:r>
+            <a:r>
+              <a:rPr lang="pt-BR" sz="3200" dirty="0">
+                <a:cs typeface="Courier New" panose="02070309020205020404" pitchFamily="49" charset="0"/>
+              </a:rPr>
+              <a:t>. A classe </a:t>
+            </a:r>
+            <a:r>
+              <a:rPr lang="pt-BR" sz="3200" b="1" dirty="0">
+                <a:cs typeface="Courier New" panose="02070309020205020404" pitchFamily="49" charset="0"/>
+              </a:rPr>
+              <a:t>Pedido</a:t>
+            </a:r>
+            <a:r>
+              <a:rPr lang="pt-BR" sz="3200" dirty="0">
+                <a:cs typeface="Courier New" panose="02070309020205020404" pitchFamily="49" charset="0"/>
+              </a:rPr>
+              <a:t> é, portanto, um exemplo de classe concreta. Outros exemplos de classes concretas na figura anterior são </a:t>
+            </a:r>
+            <a:r>
+              <a:rPr lang="pt-BR" sz="3200" b="1" dirty="0" err="1">
+                <a:cs typeface="Courier New" panose="02070309020205020404" pitchFamily="49" charset="0"/>
+              </a:rPr>
+              <a:t>ItemDePedido</a:t>
+            </a:r>
+            <a:r>
+              <a:rPr lang="pt-BR" sz="3200" dirty="0">
+                <a:cs typeface="Courier New" panose="02070309020205020404" pitchFamily="49" charset="0"/>
+              </a:rPr>
+              <a:t>, </a:t>
+            </a:r>
+            <a:r>
+              <a:rPr lang="pt-BR" sz="3200" b="1" dirty="0">
+                <a:cs typeface="Courier New" panose="02070309020205020404" pitchFamily="49" charset="0"/>
+              </a:rPr>
+              <a:t>Produto</a:t>
+            </a:r>
+            <a:r>
+              <a:rPr lang="pt-BR" sz="3200" dirty="0">
+                <a:cs typeface="Courier New" panose="02070309020205020404" pitchFamily="49" charset="0"/>
+              </a:rPr>
+              <a:t>, </a:t>
+            </a:r>
+            <a:r>
+              <a:rPr lang="pt-BR" sz="3200" b="1" dirty="0" err="1">
+                <a:cs typeface="Courier New" panose="02070309020205020404" pitchFamily="49" charset="0"/>
+              </a:rPr>
+              <a:t>Funcionario</a:t>
+            </a:r>
+            <a:r>
+              <a:rPr lang="pt-BR" sz="3200" dirty="0">
+                <a:cs typeface="Courier New" panose="02070309020205020404" pitchFamily="49" charset="0"/>
+              </a:rPr>
+              <a:t>, </a:t>
+            </a:r>
+            <a:r>
+              <a:rPr lang="pt-BR" sz="3200" b="1" dirty="0" err="1">
+                <a:cs typeface="Courier New" panose="02070309020205020404" pitchFamily="49" charset="0"/>
+              </a:rPr>
+              <a:t>ClientePF</a:t>
+            </a:r>
+            <a:r>
+              <a:rPr lang="pt-BR" sz="3200" dirty="0">
+                <a:cs typeface="Courier New" panose="02070309020205020404" pitchFamily="49" charset="0"/>
+              </a:rPr>
+              <a:t> e </a:t>
+            </a:r>
+            <a:r>
+              <a:rPr lang="pt-BR" sz="3200" b="1" dirty="0" err="1">
+                <a:cs typeface="Courier New" panose="02070309020205020404" pitchFamily="49" charset="0"/>
+              </a:rPr>
+              <a:t>ClientePJ</a:t>
+            </a:r>
+            <a:r>
+              <a:rPr lang="pt-BR" sz="3200" dirty="0">
+                <a:cs typeface="Courier New" panose="02070309020205020404" pitchFamily="49" charset="0"/>
+              </a:rPr>
+              <a:t>.</a:t>
+            </a:r>
+          </a:p>
+        </p:txBody>
+      </p:sp>
+      <p:sp>
+        <p:nvSpPr>
+          <p:cNvPr id="7" name="Espaço Reservado para Número de Slide 6">
+            <a:extLst>
+              <a:ext uri="{FF2B5EF4-FFF2-40B4-BE49-F238E27FC236}">
+                <a16:creationId xmlns:a16="http://schemas.microsoft.com/office/drawing/2014/main" id="{40C5ECBA-0615-433C-B308-162C7F749201}"/>
+              </a:ext>
+            </a:extLst>
+          </p:cNvPr>
+          <p:cNvSpPr>
+            <a:spLocks noGrp="1"/>
+          </p:cNvSpPr>
+          <p:nvPr>
+            <p:ph type="sldNum" sz="quarter" idx="10"/>
+          </p:nvPr>
+        </p:nvSpPr>
+        <p:spPr/>
+        <p:txBody>
+          <a:bodyPr/>
+          <a:lstStyle/>
+          <a:p>
+            <a:fld id="{E4B35BDD-CC3D-4492-88ED-922B282360E3}" type="slidenum">
+              <a:rPr lang="pt-BR" smtClean="0"/>
+              <a:t>100</a:t>
+            </a:fld>
+            <a:endParaRPr lang="pt-BR"/>
+          </a:p>
+        </p:txBody>
+      </p:sp>
+    </p:spTree>
+    <p:extLst>
+      <p:ext uri="{BB962C8B-B14F-4D97-AF65-F5344CB8AC3E}">
+        <p14:creationId xmlns:p14="http://schemas.microsoft.com/office/powerpoint/2010/main" val="1710102136"/>
+      </p:ext>
+    </p:extLst>
+  </p:cSld>
+  <p:clrMapOvr>
+    <a:masterClrMapping/>
+  </p:clrMapOvr>
+  <p:transition spd="med"/>
+</p:sld>
+</file>
+
+<file path=ppt/slides/slide101.xml><?xml version="1.0" encoding="utf-8"?>
+<p:sld xmlns:a="http://schemas.openxmlformats.org/drawingml/2006/main" xmlns:r="http://schemas.openxmlformats.org/officeDocument/2006/relationships" xmlns:p="http://schemas.openxmlformats.org/presentationml/2006/main">
+  <p:cSld>
+    <p:spTree>
+      <p:nvGrpSpPr>
+        <p:cNvPr id="1" name=""/>
+        <p:cNvGrpSpPr/>
+        <p:nvPr/>
+      </p:nvGrpSpPr>
+      <p:grpSpPr>
+        <a:xfrm>
+          <a:off x="0" y="0"/>
+          <a:ext cx="0" cy="0"/>
+          <a:chOff x="0" y="0"/>
+          <a:chExt cx="0" cy="0"/>
+        </a:xfrm>
+      </p:grpSpPr>
+      <p:sp>
+        <p:nvSpPr>
+          <p:cNvPr id="4" name="Título 3">
+            <a:extLst>
+              <a:ext uri="{FF2B5EF4-FFF2-40B4-BE49-F238E27FC236}">
+                <a16:creationId xmlns:a16="http://schemas.microsoft.com/office/drawing/2014/main" id="{8A4C52A0-42D9-47BB-966A-7FE92FDBFA2D}"/>
+              </a:ext>
+            </a:extLst>
+          </p:cNvPr>
+          <p:cNvSpPr>
+            <a:spLocks noGrp="1"/>
+          </p:cNvSpPr>
+          <p:nvPr>
+            <p:ph type="title"/>
+          </p:nvPr>
+        </p:nvSpPr>
+        <p:spPr/>
+        <p:txBody>
+          <a:bodyPr>
+            <a:normAutofit/>
+          </a:bodyPr>
+          <a:lstStyle/>
+          <a:p>
+            <a:r>
+              <a:rPr lang="pt-BR" dirty="0"/>
+              <a:t>Diagramas de Classes - Atributos</a:t>
+            </a:r>
+          </a:p>
+        </p:txBody>
+      </p:sp>
+      <p:sp>
+        <p:nvSpPr>
+          <p:cNvPr id="5" name="Espaço Reservado para Conteúdo 4">
+            <a:extLst>
+              <a:ext uri="{FF2B5EF4-FFF2-40B4-BE49-F238E27FC236}">
+                <a16:creationId xmlns:a16="http://schemas.microsoft.com/office/drawing/2014/main" id="{1FBD8255-54D1-42B3-9B71-2D45D227E6FC}"/>
+              </a:ext>
+            </a:extLst>
+          </p:cNvPr>
+          <p:cNvSpPr>
+            <a:spLocks noGrp="1"/>
+          </p:cNvSpPr>
+          <p:nvPr>
+            <p:ph type="body" idx="1"/>
+          </p:nvPr>
+        </p:nvSpPr>
+        <p:spPr>
+          <a:xfrm>
+            <a:off x="1689100" y="2604530"/>
+            <a:ext cx="21005800" cy="10609446"/>
+          </a:xfrm>
+          <a:solidFill>
+            <a:schemeClr val="bg1"/>
+          </a:solidFill>
+        </p:spPr>
+        <p:txBody>
+          <a:bodyPr>
+            <a:noAutofit/>
+          </a:bodyPr>
+          <a:lstStyle/>
+          <a:p>
+            <a:pPr>
+              <a:buSzPct val="100000"/>
+            </a:pPr>
+            <a:r>
+              <a:rPr lang="pt-BR" sz="3200" dirty="0">
+                <a:cs typeface="Courier New" panose="02070309020205020404" pitchFamily="49" charset="0"/>
+              </a:rPr>
+              <a:t>As informações a respeito dos conceitos (por exemplo, o endereço e o telefone do cliente na figura </a:t>
+            </a:r>
+            <a:r>
+              <a:rPr lang="pt-BR" sz="3200" dirty="0" err="1">
+                <a:cs typeface="Courier New" panose="02070309020205020404" pitchFamily="49" charset="0"/>
+              </a:rPr>
+              <a:t>anteriro</a:t>
+            </a:r>
+            <a:r>
+              <a:rPr lang="pt-BR" sz="3200" dirty="0">
+                <a:cs typeface="Courier New" panose="02070309020205020404" pitchFamily="49" charset="0"/>
+              </a:rPr>
+              <a:t>) que gostaríamos de manter em um cadastro são chamadas de </a:t>
+            </a:r>
+            <a:r>
+              <a:rPr lang="pt-BR" sz="3200" b="1" dirty="0">
+                <a:cs typeface="Courier New" panose="02070309020205020404" pitchFamily="49" charset="0"/>
+              </a:rPr>
+              <a:t>atributos</a:t>
+            </a:r>
+            <a:r>
+              <a:rPr lang="pt-BR" sz="3200" dirty="0">
+                <a:cs typeface="Courier New" panose="02070309020205020404" pitchFamily="49" charset="0"/>
+              </a:rPr>
+              <a:t> das classes. A relação de atributos é colocada no segundo compartimento do retângulo da classe, justificada à esquerda. A necessidade de mantermos valores de atributos para as ocorrências de uma determinada classe justifica, como já mencionamos, a existência dessa classe, ou seja, se desejamos armazenar as informações sobre uma categoria de coisas em um negócio, provavelmente essa categoria se tornará uma classe no modelo de classes do sistema.</a:t>
+            </a:r>
+          </a:p>
+          <a:p>
+            <a:pPr>
+              <a:buSzPct val="100000"/>
+            </a:pPr>
+            <a:r>
+              <a:rPr lang="pt-BR" sz="3200" dirty="0">
+                <a:cs typeface="Courier New" panose="02070309020205020404" pitchFamily="49" charset="0"/>
+              </a:rPr>
+              <a:t>Os atributos que desejamos relacionar no modelo conceitual são aqueles que os especialistas do negócio mencionam. Não é certo relacionarmos atributos nessa fase além daqueles que os especialistas julgam necessários. Podemos, claro, lembrá-los de alguns atributos que são típicos, mas eles é que dão a palavra final sobre a necessidade ou não. Também não é certo nos preocuparmos com detalhes, como os tipos dos atributos, se cadeias de caracteres, se numéricos e com qual precisão numérica etc. No modelo da figura anterior, a classe </a:t>
+            </a:r>
+            <a:r>
+              <a:rPr lang="pt-BR" sz="3200" b="1" dirty="0">
+                <a:cs typeface="Courier New" panose="02070309020205020404" pitchFamily="49" charset="0"/>
+              </a:rPr>
+              <a:t>Fornecedor</a:t>
+            </a:r>
+            <a:r>
+              <a:rPr lang="pt-BR" sz="3200" dirty="0">
+                <a:cs typeface="Courier New" panose="02070309020205020404" pitchFamily="49" charset="0"/>
+              </a:rPr>
+              <a:t> não possui atributos relacionados, o que sugere que ainda não terminamos o modelo conceitual.</a:t>
+            </a:r>
+          </a:p>
+          <a:p>
+            <a:pPr>
+              <a:buSzPct val="100000"/>
+            </a:pPr>
+            <a:endParaRPr lang="pt-BR" sz="3200" dirty="0">
+              <a:cs typeface="Courier New" panose="02070309020205020404" pitchFamily="49" charset="0"/>
+            </a:endParaRPr>
+          </a:p>
+        </p:txBody>
+      </p:sp>
+      <p:sp>
+        <p:nvSpPr>
+          <p:cNvPr id="7" name="Espaço Reservado para Número de Slide 6">
+            <a:extLst>
+              <a:ext uri="{FF2B5EF4-FFF2-40B4-BE49-F238E27FC236}">
+                <a16:creationId xmlns:a16="http://schemas.microsoft.com/office/drawing/2014/main" id="{40C5ECBA-0615-433C-B308-162C7F749201}"/>
+              </a:ext>
+            </a:extLst>
+          </p:cNvPr>
+          <p:cNvSpPr>
+            <a:spLocks noGrp="1"/>
+          </p:cNvSpPr>
+          <p:nvPr>
+            <p:ph type="sldNum" sz="quarter" idx="10"/>
+          </p:nvPr>
+        </p:nvSpPr>
+        <p:spPr/>
+        <p:txBody>
+          <a:bodyPr/>
+          <a:lstStyle/>
+          <a:p>
+            <a:fld id="{E4B35BDD-CC3D-4492-88ED-922B282360E3}" type="slidenum">
+              <a:rPr lang="pt-BR" smtClean="0"/>
+              <a:t>101</a:t>
+            </a:fld>
+            <a:endParaRPr lang="pt-BR"/>
+          </a:p>
+        </p:txBody>
+      </p:sp>
+    </p:spTree>
+    <p:extLst>
+      <p:ext uri="{BB962C8B-B14F-4D97-AF65-F5344CB8AC3E}">
+        <p14:creationId xmlns:p14="http://schemas.microsoft.com/office/powerpoint/2010/main" val="1997279539"/>
+      </p:ext>
+    </p:extLst>
+  </p:cSld>
+  <p:clrMapOvr>
+    <a:masterClrMapping/>
+  </p:clrMapOvr>
+  <p:transition spd="med"/>
+</p:sld>
+</file>
+
+<file path=ppt/slides/slide102.xml><?xml version="1.0" encoding="utf-8"?>
+<p:sld xmlns:a="http://schemas.openxmlformats.org/drawingml/2006/main" xmlns:r="http://schemas.openxmlformats.org/officeDocument/2006/relationships" xmlns:p="http://schemas.openxmlformats.org/presentationml/2006/main">
+  <p:cSld>
+    <p:spTree>
+      <p:nvGrpSpPr>
+        <p:cNvPr id="1" name=""/>
+        <p:cNvGrpSpPr/>
+        <p:nvPr/>
+      </p:nvGrpSpPr>
+      <p:grpSpPr>
+        <a:xfrm>
+          <a:off x="0" y="0"/>
+          <a:ext cx="0" cy="0"/>
+          <a:chOff x="0" y="0"/>
+          <a:chExt cx="0" cy="0"/>
+        </a:xfrm>
+      </p:grpSpPr>
+      <p:sp>
+        <p:nvSpPr>
+          <p:cNvPr id="4" name="Título 3">
+            <a:extLst>
+              <a:ext uri="{FF2B5EF4-FFF2-40B4-BE49-F238E27FC236}">
+                <a16:creationId xmlns:a16="http://schemas.microsoft.com/office/drawing/2014/main" id="{8A4C52A0-42D9-47BB-966A-7FE92FDBFA2D}"/>
+              </a:ext>
+            </a:extLst>
+          </p:cNvPr>
+          <p:cNvSpPr>
+            <a:spLocks noGrp="1"/>
+          </p:cNvSpPr>
+          <p:nvPr>
+            <p:ph type="title"/>
+          </p:nvPr>
+        </p:nvSpPr>
+        <p:spPr/>
+        <p:txBody>
+          <a:bodyPr>
+            <a:normAutofit/>
+          </a:bodyPr>
+          <a:lstStyle/>
+          <a:p>
+            <a:r>
+              <a:rPr lang="pt-BR" dirty="0"/>
+              <a:t>Diagramas de Classes - Atributos</a:t>
+            </a:r>
+          </a:p>
+        </p:txBody>
+      </p:sp>
+      <mc:AlternateContent xmlns:mc="http://schemas.openxmlformats.org/markup-compatibility/2006" xmlns:a14="http://schemas.microsoft.com/office/drawing/2010/main">
+        <mc:Choice Requires="a14">
+          <p:sp>
+            <p:nvSpPr>
+              <p:cNvPr id="5" name="Espaço Reservado para Conteúdo 4">
+                <a:extLst>
+                  <a:ext uri="{FF2B5EF4-FFF2-40B4-BE49-F238E27FC236}">
+                    <a16:creationId xmlns:a16="http://schemas.microsoft.com/office/drawing/2014/main" id="{1FBD8255-54D1-42B3-9B71-2D45D227E6FC}"/>
+                  </a:ext>
+                </a:extLst>
+              </p:cNvPr>
+              <p:cNvSpPr>
+                <a:spLocks noGrp="1"/>
+              </p:cNvSpPr>
+              <p:nvPr>
+                <p:ph type="body" idx="1"/>
+              </p:nvPr>
+            </p:nvSpPr>
+            <p:spPr>
+              <a:xfrm>
+                <a:off x="1689100" y="2511225"/>
+                <a:ext cx="21005800" cy="10609446"/>
+              </a:xfrm>
+              <a:solidFill>
+                <a:schemeClr val="bg1"/>
+              </a:solidFill>
+            </p:spPr>
+            <p:txBody>
+              <a:bodyPr>
+                <a:noAutofit/>
+              </a:bodyPr>
+              <a:lstStyle/>
+              <a:p>
+                <a:pPr>
+                  <a:buSzPct val="100000"/>
+                </a:pPr>
+                <a:r>
+                  <a:rPr lang="pt-BR" sz="3200" dirty="0">
+                    <a:cs typeface="Courier New" panose="02070309020205020404" pitchFamily="49" charset="0"/>
+                  </a:rPr>
+                  <a:t>Os nomes dos atributos são suficientes nos modelos conceituais. Mais adiante, no ciclo de desenvolvimento do sistema, mais especificamente na fase de projeto, devemos completar os nomes dos atributos com outros detalhes. Além dos nomes, a notação UML um pouco mais completa para rótulos de atributos (atributos são referenciados pela UML como propriedades) é:</a:t>
+                </a:r>
+              </a:p>
+              <a:p>
+                <a:pPr>
+                  <a:buSzPct val="100000"/>
+                </a:pPr>
+                <a14:m>
+                  <m:oMathPara xmlns:m="http://schemas.openxmlformats.org/officeDocument/2006/math">
+                    <m:oMathParaPr>
+                      <m:jc m:val="centerGroup"/>
+                    </m:oMathParaPr>
+                    <m:oMath xmlns:m="http://schemas.openxmlformats.org/officeDocument/2006/math">
+                      <m:d>
+                        <m:dPr>
+                          <m:begChr m:val="["/>
+                          <m:endChr m:val="]"/>
+                          <m:ctrlPr>
+                            <a:rPr lang="pt-BR" sz="3200" b="0" i="1" smtClean="0">
+                              <a:latin typeface="Cambria Math" panose="02040503050406030204" pitchFamily="18" charset="0"/>
+                              <a:cs typeface="Courier New" panose="02070309020205020404" pitchFamily="49" charset="0"/>
+                            </a:rPr>
+                          </m:ctrlPr>
+                        </m:dPr>
+                        <m:e>
+                          <m:r>
+                            <a:rPr lang="pt-BR" sz="3200" b="0" i="1" smtClean="0">
+                              <a:latin typeface="Cambria Math" panose="02040503050406030204" pitchFamily="18" charset="0"/>
+                              <a:cs typeface="Courier New" panose="02070309020205020404" pitchFamily="49" charset="0"/>
+                            </a:rPr>
+                            <m:t>𝑣𝑖𝑠𝑖𝑏𝑖𝑙𝑖𝑑𝑎𝑑𝑒</m:t>
+                          </m:r>
+                        </m:e>
+                      </m:d>
+                      <m:d>
+                        <m:dPr>
+                          <m:begChr m:val="["/>
+                          <m:endChr m:val="]"/>
+                          <m:ctrlPr>
+                            <a:rPr lang="pt-BR" sz="3200" b="0" i="1" smtClean="0">
+                              <a:latin typeface="Cambria Math" panose="02040503050406030204" pitchFamily="18" charset="0"/>
+                              <a:cs typeface="Courier New" panose="02070309020205020404" pitchFamily="49" charset="0"/>
+                            </a:rPr>
+                          </m:ctrlPr>
+                        </m:dPr>
+                        <m:e>
+                          <m:r>
+                            <a:rPr lang="pt-BR" sz="3200" b="0" i="1" smtClean="0">
+                              <a:latin typeface="Cambria Math" panose="02040503050406030204" pitchFamily="18" charset="0"/>
+                              <a:cs typeface="Courier New" panose="02070309020205020404" pitchFamily="49" charset="0"/>
+                            </a:rPr>
+                            <m:t>/</m:t>
+                          </m:r>
+                        </m:e>
+                      </m:d>
+                      <m:r>
+                        <a:rPr lang="pt-BR" sz="3200" b="0" i="1" smtClean="0">
+                          <a:latin typeface="Cambria Math" panose="02040503050406030204" pitchFamily="18" charset="0"/>
+                          <a:cs typeface="Courier New" panose="02070309020205020404" pitchFamily="49" charset="0"/>
+                        </a:rPr>
+                        <m:t>𝑛𝑜𝑚𝑒</m:t>
+                      </m:r>
+                      <m:r>
+                        <a:rPr lang="pt-BR" sz="3200" b="0" i="1" smtClean="0">
+                          <a:latin typeface="Cambria Math" panose="02040503050406030204" pitchFamily="18" charset="0"/>
+                          <a:cs typeface="Courier New" panose="02070309020205020404" pitchFamily="49" charset="0"/>
+                        </a:rPr>
+                        <m:t>:</m:t>
+                      </m:r>
+                      <m:r>
+                        <a:rPr lang="pt-BR" sz="3200" b="0" i="1" smtClean="0">
+                          <a:latin typeface="Cambria Math" panose="02040503050406030204" pitchFamily="18" charset="0"/>
+                          <a:cs typeface="Courier New" panose="02070309020205020404" pitchFamily="49" charset="0"/>
+                        </a:rPr>
+                        <m:t>𝑡𝑖𝑝𝑜</m:t>
+                      </m:r>
+                      <m:d>
+                        <m:dPr>
+                          <m:begChr m:val="["/>
+                          <m:endChr m:val="]"/>
+                          <m:ctrlPr>
+                            <a:rPr lang="pt-BR" sz="3200" b="0" i="1" smtClean="0">
+                              <a:latin typeface="Cambria Math" panose="02040503050406030204" pitchFamily="18" charset="0"/>
+                              <a:cs typeface="Courier New" panose="02070309020205020404" pitchFamily="49" charset="0"/>
+                            </a:rPr>
+                          </m:ctrlPr>
+                        </m:dPr>
+                        <m:e>
+                          <m:r>
+                            <a:rPr lang="pt-BR" sz="3200" b="0" i="1" smtClean="0">
+                              <a:latin typeface="Cambria Math" panose="02040503050406030204" pitchFamily="18" charset="0"/>
+                              <a:cs typeface="Courier New" panose="02070309020205020404" pitchFamily="49" charset="0"/>
+                            </a:rPr>
+                            <m:t>𝑚𝑢𝑙𝑡𝑖𝑝𝑙𝑖𝑐𝑖𝑑𝑎𝑑𝑒</m:t>
+                          </m:r>
+                        </m:e>
+                      </m:d>
+                      <m:d>
+                        <m:dPr>
+                          <m:begChr m:val="["/>
+                          <m:endChr m:val="]"/>
+                          <m:ctrlPr>
+                            <a:rPr lang="pt-BR" sz="3200" b="0" i="1" smtClean="0">
+                              <a:latin typeface="Cambria Math" panose="02040503050406030204" pitchFamily="18" charset="0"/>
+                              <a:cs typeface="Courier New" panose="02070309020205020404" pitchFamily="49" charset="0"/>
+                            </a:rPr>
+                          </m:ctrlPr>
+                        </m:dPr>
+                        <m:e>
+                          <m:r>
+                            <a:rPr lang="pt-BR" sz="3200" b="0" i="1" smtClean="0">
+                              <a:latin typeface="Cambria Math" panose="02040503050406030204" pitchFamily="18" charset="0"/>
+                              <a:cs typeface="Courier New" panose="02070309020205020404" pitchFamily="49" charset="0"/>
+                            </a:rPr>
+                            <m:t>=</m:t>
+                          </m:r>
+                          <m:r>
+                            <a:rPr lang="pt-BR" sz="3200" b="0" i="1" smtClean="0">
+                              <a:latin typeface="Cambria Math" panose="02040503050406030204" pitchFamily="18" charset="0"/>
+                              <a:cs typeface="Courier New" panose="02070309020205020404" pitchFamily="49" charset="0"/>
+                            </a:rPr>
+                            <m:t>𝑣𝑎𝑙𝑜𝑟𝐷𝑒𝑓𝑎𝑢𝑙𝑡</m:t>
+                          </m:r>
+                        </m:e>
+                      </m:d>
+                    </m:oMath>
+                  </m:oMathPara>
+                </a14:m>
+                <a:endParaRPr lang="pt-BR" sz="3200" dirty="0">
+                  <a:cs typeface="Courier New" panose="02070309020205020404" pitchFamily="49" charset="0"/>
+                </a:endParaRPr>
+              </a:p>
+              <a:p>
+                <a:pPr>
+                  <a:buSzPct val="100000"/>
+                </a:pPr>
+                <a:r>
+                  <a:rPr lang="pt-BR" sz="3200" dirty="0">
+                    <a:cs typeface="Courier New" panose="02070309020205020404" pitchFamily="49" charset="0"/>
+                  </a:rPr>
+                  <a:t>onde os valores entre "[" e "]" nem sempre ocorrem e:</a:t>
+                </a:r>
+              </a:p>
+              <a:p>
+                <a:pPr lvl="1">
+                  <a:buSzPct val="100000"/>
+                </a:pPr>
+                <a:r>
+                  <a:rPr lang="pt-BR" sz="2800" i="1" dirty="0">
+                    <a:cs typeface="Courier New" panose="02070309020205020404" pitchFamily="49" charset="0"/>
+                  </a:rPr>
+                  <a:t>Visibilidade</a:t>
+                </a:r>
+                <a:r>
+                  <a:rPr lang="pt-BR" sz="2800" dirty="0">
+                    <a:cs typeface="Courier New" panose="02070309020205020404" pitchFamily="49" charset="0"/>
+                  </a:rPr>
+                  <a:t> é o caractere "-" (para privado), "+" (para público) ou "#" (para protegido), que indica se o atributo é visível ou não de outros objetos. Atributos privados só podem ser acessados (consultados diretamente e/ou modificados) pelos objetos que os contêm. Atributos públicos podem ser acessados por outros objetos e atributos protegidos são acessados pelos objetos que os contêm ou por objetos instanciados de classes especializadas. A visibilidade deve ser omitida no modelo conceitual;</a:t>
+                </a:r>
+              </a:p>
+              <a:p>
+                <a:pPr lvl="1">
+                  <a:buSzPct val="100000"/>
+                </a:pPr>
+                <a:r>
+                  <a:rPr lang="pt-BR" sz="2800" dirty="0">
+                    <a:cs typeface="Courier New" panose="02070309020205020404" pitchFamily="49" charset="0"/>
+                  </a:rPr>
+                  <a:t>A "/" antes do nome indica que o atributo é derivado, ou seja, seu valor pode ser determinado por um algoritmo a partir de outro(s). Por exemplo, se tivermos os atributos </a:t>
+                </a:r>
+                <a:r>
+                  <a:rPr lang="pt-BR" sz="2800" b="1" dirty="0">
+                    <a:cs typeface="Courier New" panose="02070309020205020404" pitchFamily="49" charset="0"/>
+                  </a:rPr>
+                  <a:t>idade</a:t>
+                </a:r>
+                <a:r>
+                  <a:rPr lang="pt-BR" sz="2800" dirty="0">
+                    <a:cs typeface="Courier New" panose="02070309020205020404" pitchFamily="49" charset="0"/>
+                  </a:rPr>
+                  <a:t> e </a:t>
+                </a:r>
+                <a:r>
+                  <a:rPr lang="pt-BR" sz="2800" b="1" dirty="0" err="1">
+                    <a:cs typeface="Courier New" panose="02070309020205020404" pitchFamily="49" charset="0"/>
+                  </a:rPr>
+                  <a:t>dataDeNascimento</a:t>
+                </a:r>
+                <a:r>
+                  <a:rPr lang="pt-BR" sz="2800" dirty="0">
+                    <a:cs typeface="Courier New" panose="02070309020205020404" pitchFamily="49" charset="0"/>
+                  </a:rPr>
+                  <a:t>, o atributo idade deve ser precedido da "/", já que a idade de um indivíduo pode ser determinada a partir da sua data de nascimento;</a:t>
+                </a:r>
+              </a:p>
+              <a:p>
+                <a:pPr lvl="1">
+                  <a:buSzPct val="100000"/>
+                </a:pPr>
+                <a:r>
+                  <a:rPr lang="pt-BR" sz="2800" i="1" dirty="0">
+                    <a:cs typeface="Courier New" panose="02070309020205020404" pitchFamily="49" charset="0"/>
+                  </a:rPr>
+                  <a:t>Tipo</a:t>
+                </a:r>
+                <a:r>
+                  <a:rPr lang="pt-BR" sz="2800" dirty="0">
+                    <a:cs typeface="Courier New" panose="02070309020205020404" pitchFamily="49" charset="0"/>
+                  </a:rPr>
+                  <a:t> define o tipo de dados: inteiro, real, cadeia de caracteres, data etc.;</a:t>
+                </a:r>
+              </a:p>
+              <a:p>
+                <a:pPr lvl="1">
+                  <a:buSzPct val="100000"/>
+                </a:pPr>
+                <a:r>
+                  <a:rPr lang="pt-BR" sz="2800" i="1" dirty="0">
+                    <a:cs typeface="Courier New" panose="02070309020205020404" pitchFamily="49" charset="0"/>
+                  </a:rPr>
+                  <a:t>Multiplicidade</a:t>
+                </a:r>
+                <a:r>
+                  <a:rPr lang="pt-BR" sz="2800" dirty="0">
+                    <a:cs typeface="Courier New" panose="02070309020205020404" pitchFamily="49" charset="0"/>
+                  </a:rPr>
+                  <a:t> indica as possíveis cardinalidades5 para a ocorrência do atributo. Se a multiplicidade é omitida, significa que ela é exatamente 1. Veremos multiplicidades em maiores detalhes um pouco mais adiante;</a:t>
+                </a:r>
+              </a:p>
+              <a:p>
+                <a:pPr lvl="1">
+                  <a:buSzPct val="100000"/>
+                </a:pPr>
+                <a:r>
+                  <a:rPr lang="pt-BR" sz="2800" dirty="0">
+                    <a:cs typeface="Courier New" panose="02070309020205020404" pitchFamily="49" charset="0"/>
+                  </a:rPr>
+                  <a:t>O </a:t>
+                </a:r>
+                <a:r>
+                  <a:rPr lang="pt-BR" sz="2800" i="1" dirty="0">
+                    <a:cs typeface="Courier New" panose="02070309020205020404" pitchFamily="49" charset="0"/>
+                  </a:rPr>
+                  <a:t>valor default</a:t>
+                </a:r>
+                <a:r>
+                  <a:rPr lang="pt-BR" sz="2800" dirty="0">
+                    <a:cs typeface="Courier New" panose="02070309020205020404" pitchFamily="49" charset="0"/>
+                  </a:rPr>
+                  <a:t> é o valor que o atributo assume de início.</a:t>
+                </a:r>
+              </a:p>
+              <a:p>
+                <a:pPr lvl="1">
+                  <a:buSzPct val="100000"/>
+                </a:pPr>
+                <a:endParaRPr lang="pt-BR" sz="2800" dirty="0">
+                  <a:cs typeface="Courier New" panose="02070309020205020404" pitchFamily="49" charset="0"/>
+                </a:endParaRPr>
+              </a:p>
+            </p:txBody>
+          </p:sp>
+        </mc:Choice>
+        <mc:Fallback xmlns="">
+          <p:sp>
+            <p:nvSpPr>
+              <p:cNvPr id="5" name="Espaço Reservado para Conteúdo 4">
+                <a:extLst>
+                  <a:ext uri="{FF2B5EF4-FFF2-40B4-BE49-F238E27FC236}">
+                    <a16:creationId xmlns:a16="http://schemas.microsoft.com/office/drawing/2014/main" id="{1FBD8255-54D1-42B3-9B71-2D45D227E6FC}"/>
+                  </a:ext>
+                </a:extLst>
+              </p:cNvPr>
+              <p:cNvSpPr>
+                <a:spLocks noGrp="1" noRot="1" noChangeAspect="1" noMove="1" noResize="1" noEditPoints="1" noAdjustHandles="1" noChangeArrowheads="1" noChangeShapeType="1" noTextEdit="1"/>
+              </p:cNvSpPr>
+              <p:nvPr>
+                <p:ph type="body" idx="1"/>
+              </p:nvPr>
+            </p:nvSpPr>
+            <p:spPr>
+              <a:xfrm>
+                <a:off x="1689100" y="2511225"/>
+                <a:ext cx="21005800" cy="10609446"/>
+              </a:xfrm>
+              <a:blipFill>
+                <a:blip r:embed="rId2"/>
+                <a:stretch>
+                  <a:fillRect l="-929" t="-690" r="-1132"/>
+                </a:stretch>
+              </a:blipFill>
+            </p:spPr>
+            <p:txBody>
+              <a:bodyPr/>
+              <a:lstStyle/>
+              <a:p>
+                <a:r>
+                  <a:rPr lang="pt-BR">
+                    <a:noFill/>
+                  </a:rPr>
+                  <a:t> </a:t>
+                </a:r>
+              </a:p>
+            </p:txBody>
+          </p:sp>
+        </mc:Fallback>
+      </mc:AlternateContent>
+      <p:sp>
+        <p:nvSpPr>
+          <p:cNvPr id="7" name="Espaço Reservado para Número de Slide 6">
+            <a:extLst>
+              <a:ext uri="{FF2B5EF4-FFF2-40B4-BE49-F238E27FC236}">
+                <a16:creationId xmlns:a16="http://schemas.microsoft.com/office/drawing/2014/main" id="{40C5ECBA-0615-433C-B308-162C7F749201}"/>
+              </a:ext>
+            </a:extLst>
+          </p:cNvPr>
+          <p:cNvSpPr>
+            <a:spLocks noGrp="1"/>
+          </p:cNvSpPr>
+          <p:nvPr>
+            <p:ph type="sldNum" sz="quarter" idx="10"/>
+          </p:nvPr>
+        </p:nvSpPr>
+        <p:spPr/>
+        <p:txBody>
+          <a:bodyPr/>
+          <a:lstStyle/>
+          <a:p>
+            <a:fld id="{E4B35BDD-CC3D-4492-88ED-922B282360E3}" type="slidenum">
+              <a:rPr lang="pt-BR" smtClean="0"/>
+              <a:t>102</a:t>
+            </a:fld>
+            <a:endParaRPr lang="pt-BR"/>
+          </a:p>
+        </p:txBody>
+      </p:sp>
+    </p:spTree>
+    <p:extLst>
+      <p:ext uri="{BB962C8B-B14F-4D97-AF65-F5344CB8AC3E}">
+        <p14:creationId xmlns:p14="http://schemas.microsoft.com/office/powerpoint/2010/main" val="3950122968"/>
+      </p:ext>
+    </p:extLst>
+  </p:cSld>
+  <p:clrMapOvr>
+    <a:masterClrMapping/>
+  </p:clrMapOvr>
+  <p:transition spd="med"/>
+</p:sld>
+</file>
+
+<file path=ppt/slides/slide103.xml><?xml version="1.0" encoding="utf-8"?>
+<p:sld xmlns:a="http://schemas.openxmlformats.org/drawingml/2006/main" xmlns:r="http://schemas.openxmlformats.org/officeDocument/2006/relationships" xmlns:p="http://schemas.openxmlformats.org/presentationml/2006/main">
+  <p:cSld>
+    <p:spTree>
+      <p:nvGrpSpPr>
+        <p:cNvPr id="1" name=""/>
+        <p:cNvGrpSpPr/>
+        <p:nvPr/>
+      </p:nvGrpSpPr>
+      <p:grpSpPr>
+        <a:xfrm>
+          <a:off x="0" y="0"/>
+          <a:ext cx="0" cy="0"/>
+          <a:chOff x="0" y="0"/>
+          <a:chExt cx="0" cy="0"/>
+        </a:xfrm>
+      </p:grpSpPr>
+      <p:sp>
+        <p:nvSpPr>
+          <p:cNvPr id="4" name="Título 3">
+            <a:extLst>
+              <a:ext uri="{FF2B5EF4-FFF2-40B4-BE49-F238E27FC236}">
+                <a16:creationId xmlns:a16="http://schemas.microsoft.com/office/drawing/2014/main" id="{8A4C52A0-42D9-47BB-966A-7FE92FDBFA2D}"/>
+              </a:ext>
+            </a:extLst>
+          </p:cNvPr>
+          <p:cNvSpPr>
+            <a:spLocks noGrp="1"/>
+          </p:cNvSpPr>
+          <p:nvPr>
+            <p:ph type="title"/>
+          </p:nvPr>
+        </p:nvSpPr>
+        <p:spPr/>
+        <p:txBody>
+          <a:bodyPr>
+            <a:normAutofit/>
+          </a:bodyPr>
+          <a:lstStyle/>
+          <a:p>
+            <a:r>
+              <a:rPr lang="pt-BR" dirty="0"/>
+              <a:t>Diagramas de Classes - Atributos</a:t>
+            </a:r>
+          </a:p>
+        </p:txBody>
+      </p:sp>
+      <p:sp>
+        <p:nvSpPr>
+          <p:cNvPr id="5" name="Espaço Reservado para Conteúdo 4">
+            <a:extLst>
+              <a:ext uri="{FF2B5EF4-FFF2-40B4-BE49-F238E27FC236}">
+                <a16:creationId xmlns:a16="http://schemas.microsoft.com/office/drawing/2014/main" id="{1FBD8255-54D1-42B3-9B71-2D45D227E6FC}"/>
+              </a:ext>
+            </a:extLst>
+          </p:cNvPr>
+          <p:cNvSpPr>
+            <a:spLocks noGrp="1"/>
+          </p:cNvSpPr>
+          <p:nvPr>
+            <p:ph type="body" idx="1"/>
+          </p:nvPr>
+        </p:nvSpPr>
+        <p:spPr>
+          <a:xfrm>
+            <a:off x="1689100" y="2511225"/>
+            <a:ext cx="21005800" cy="10609446"/>
+          </a:xfrm>
+          <a:solidFill>
+            <a:schemeClr val="bg1"/>
+          </a:solidFill>
+        </p:spPr>
+        <p:txBody>
+          <a:bodyPr>
+            <a:noAutofit/>
+          </a:bodyPr>
+          <a:lstStyle/>
+          <a:p>
+            <a:pPr>
+              <a:buSzPct val="100000"/>
+            </a:pPr>
+            <a:r>
+              <a:rPr lang="pt-BR" sz="3200" dirty="0">
+                <a:cs typeface="Courier New" panose="02070309020205020404" pitchFamily="49" charset="0"/>
+              </a:rPr>
+              <a:t>A visibilidade à qual nos referimos anteriormente tem a ver com a ideia de encapsulamento, que recomenda deixarmos escondido o que não é preciso ser mostrado. Aumentamos a facilidade com que damos manutenção em um sistema (manutenibilidade), definindo como privado o maior número possível de atributos (e operações, como veremos adiante). Mesmo os atributos que precisam ser "vistos” por outros objetos devem ser definidos como privados e devem ser criadas operações públicas de acesso para leitura e escrita a eles. Por meio dessas operações garantimos acessos mais “policiados” aos atributos.</a:t>
+            </a:r>
+          </a:p>
+          <a:p>
+            <a:pPr>
+              <a:buSzPct val="100000"/>
+            </a:pPr>
+            <a:endParaRPr lang="pt-BR" sz="2800" dirty="0">
+              <a:cs typeface="Courier New" panose="02070309020205020404" pitchFamily="49" charset="0"/>
+            </a:endParaRPr>
+          </a:p>
+        </p:txBody>
+      </p:sp>
+      <p:sp>
+        <p:nvSpPr>
+          <p:cNvPr id="7" name="Espaço Reservado para Número de Slide 6">
+            <a:extLst>
+              <a:ext uri="{FF2B5EF4-FFF2-40B4-BE49-F238E27FC236}">
+                <a16:creationId xmlns:a16="http://schemas.microsoft.com/office/drawing/2014/main" id="{40C5ECBA-0615-433C-B308-162C7F749201}"/>
+              </a:ext>
+            </a:extLst>
+          </p:cNvPr>
+          <p:cNvSpPr>
+            <a:spLocks noGrp="1"/>
+          </p:cNvSpPr>
+          <p:nvPr>
+            <p:ph type="sldNum" sz="quarter" idx="10"/>
+          </p:nvPr>
+        </p:nvSpPr>
+        <p:spPr/>
+        <p:txBody>
+          <a:bodyPr/>
+          <a:lstStyle/>
+          <a:p>
+            <a:fld id="{E4B35BDD-CC3D-4492-88ED-922B282360E3}" type="slidenum">
+              <a:rPr lang="pt-BR" smtClean="0"/>
+              <a:t>103</a:t>
+            </a:fld>
+            <a:endParaRPr lang="pt-BR"/>
+          </a:p>
+        </p:txBody>
+      </p:sp>
+    </p:spTree>
+    <p:extLst>
+      <p:ext uri="{BB962C8B-B14F-4D97-AF65-F5344CB8AC3E}">
+        <p14:creationId xmlns:p14="http://schemas.microsoft.com/office/powerpoint/2010/main" val="627572786"/>
+      </p:ext>
+    </p:extLst>
+  </p:cSld>
+  <p:clrMapOvr>
+    <a:masterClrMapping/>
+  </p:clrMapOvr>
+  <p:transition spd="med"/>
+</p:sld>
+</file>
+
+<file path=ppt/slides/slide104.xml><?xml version="1.0" encoding="utf-8"?>
+<p:sld xmlns:a="http://schemas.openxmlformats.org/drawingml/2006/main" xmlns:r="http://schemas.openxmlformats.org/officeDocument/2006/relationships" xmlns:p="http://schemas.openxmlformats.org/presentationml/2006/main">
+  <p:cSld>
+    <p:spTree>
+      <p:nvGrpSpPr>
+        <p:cNvPr id="1" name=""/>
+        <p:cNvGrpSpPr/>
+        <p:nvPr/>
+      </p:nvGrpSpPr>
+      <p:grpSpPr>
+        <a:xfrm>
+          <a:off x="0" y="0"/>
+          <a:ext cx="0" cy="0"/>
+          <a:chOff x="0" y="0"/>
+          <a:chExt cx="0" cy="0"/>
+        </a:xfrm>
+      </p:grpSpPr>
+      <p:sp>
+        <p:nvSpPr>
+          <p:cNvPr id="4" name="Título 3">
+            <a:extLst>
+              <a:ext uri="{FF2B5EF4-FFF2-40B4-BE49-F238E27FC236}">
+                <a16:creationId xmlns:a16="http://schemas.microsoft.com/office/drawing/2014/main" id="{8A4C52A0-42D9-47BB-966A-7FE92FDBFA2D}"/>
+              </a:ext>
+            </a:extLst>
+          </p:cNvPr>
+          <p:cNvSpPr>
+            <a:spLocks noGrp="1"/>
+          </p:cNvSpPr>
+          <p:nvPr>
+            <p:ph type="title"/>
+          </p:nvPr>
+        </p:nvSpPr>
+        <p:spPr/>
+        <p:txBody>
+          <a:bodyPr>
+            <a:normAutofit/>
+          </a:bodyPr>
+          <a:lstStyle/>
+          <a:p>
+            <a:r>
+              <a:rPr lang="pt-BR" dirty="0"/>
+              <a:t>Diagramas de Classes - Métodos</a:t>
+            </a:r>
+          </a:p>
+        </p:txBody>
+      </p:sp>
+      <mc:AlternateContent xmlns:mc="http://schemas.openxmlformats.org/markup-compatibility/2006" xmlns:a14="http://schemas.microsoft.com/office/drawing/2010/main">
+        <mc:Choice Requires="a14">
+          <p:sp>
+            <p:nvSpPr>
+              <p:cNvPr id="5" name="Espaço Reservado para Conteúdo 4">
+                <a:extLst>
+                  <a:ext uri="{FF2B5EF4-FFF2-40B4-BE49-F238E27FC236}">
+                    <a16:creationId xmlns:a16="http://schemas.microsoft.com/office/drawing/2014/main" id="{1FBD8255-54D1-42B3-9B71-2D45D227E6FC}"/>
+                  </a:ext>
+                </a:extLst>
+              </p:cNvPr>
+              <p:cNvSpPr>
+                <a:spLocks noGrp="1"/>
+              </p:cNvSpPr>
+              <p:nvPr>
+                <p:ph type="body" idx="1"/>
+              </p:nvPr>
+            </p:nvSpPr>
+            <p:spPr>
+              <a:xfrm>
+                <a:off x="1689100" y="2511225"/>
+                <a:ext cx="21005800" cy="10609446"/>
+              </a:xfrm>
+              <a:solidFill>
+                <a:schemeClr val="bg1"/>
+              </a:solidFill>
+            </p:spPr>
+            <p:txBody>
+              <a:bodyPr>
+                <a:noAutofit/>
+              </a:bodyPr>
+              <a:lstStyle/>
+              <a:p>
+                <a:pPr>
+                  <a:buSzPct val="100000"/>
+                </a:pPr>
+                <a:r>
+                  <a:rPr lang="pt-BR" sz="3200" dirty="0">
+                    <a:cs typeface="Courier New" panose="02070309020205020404" pitchFamily="49" charset="0"/>
+                  </a:rPr>
+                  <a:t>O terceiro compartimento do retângulo da classe contém a lista de operações que os objetos da classe implementam para realizar suas responsabilidades. É praxe, no entanto, que esses compartimentos fiquem vazios no modelo de análise, pois as operações normalmente só começam a ser descobertas quando iniciamos o nível de especificação, ao elaborar os diagramas de sequência.</a:t>
+                </a:r>
+              </a:p>
+              <a:p>
+                <a:pPr>
+                  <a:buSzPct val="100000"/>
+                </a:pPr>
+                <a:r>
+                  <a:rPr lang="pt-BR" sz="3200" dirty="0">
+                    <a:cs typeface="Courier New" panose="02070309020205020404" pitchFamily="49" charset="0"/>
+                  </a:rPr>
+                  <a:t>Para o propósito de nosso curso, a notação UML suficientemente completa para os rótulos de operações é:</a:t>
+                </a:r>
+              </a:p>
+              <a:p>
+                <a:pPr>
+                  <a:buSzPct val="100000"/>
+                </a:pPr>
+                <a14:m>
+                  <m:oMathPara xmlns:m="http://schemas.openxmlformats.org/officeDocument/2006/math">
+                    <m:oMathParaPr>
+                      <m:jc m:val="centerGroup"/>
+                    </m:oMathParaPr>
+                    <m:oMath xmlns:m="http://schemas.openxmlformats.org/officeDocument/2006/math">
+                      <m:d>
+                        <m:dPr>
+                          <m:begChr m:val="["/>
+                          <m:endChr m:val="]"/>
+                          <m:ctrlPr>
+                            <a:rPr lang="pt-BR" sz="3200" b="0" i="1" smtClean="0">
+                              <a:latin typeface="Cambria Math" panose="02040503050406030204" pitchFamily="18" charset="0"/>
+                              <a:cs typeface="Courier New" panose="02070309020205020404" pitchFamily="49" charset="0"/>
+                            </a:rPr>
+                          </m:ctrlPr>
+                        </m:dPr>
+                        <m:e>
+                          <m:r>
+                            <a:rPr lang="pt-BR" sz="3200" b="0" i="1" smtClean="0">
+                              <a:latin typeface="Cambria Math" panose="02040503050406030204" pitchFamily="18" charset="0"/>
+                              <a:cs typeface="Courier New" panose="02070309020205020404" pitchFamily="49" charset="0"/>
+                            </a:rPr>
+                            <m:t>𝑣𝑖𝑠𝑖𝑏𝑖𝑙𝑖𝑑𝑎𝑑𝑒</m:t>
+                          </m:r>
+                        </m:e>
+                      </m:d>
+                      <m:r>
+                        <a:rPr lang="pt-BR" sz="3200" b="0" i="1" smtClean="0">
+                          <a:latin typeface="Cambria Math" panose="02040503050406030204" pitchFamily="18" charset="0"/>
+                          <a:cs typeface="Courier New" panose="02070309020205020404" pitchFamily="49" charset="0"/>
+                        </a:rPr>
+                        <m:t>𝑛𝑜𝑚𝑒</m:t>
+                      </m:r>
+                      <m:d>
+                        <m:dPr>
+                          <m:ctrlPr>
+                            <a:rPr lang="pt-BR" sz="3200" b="0" i="1" smtClean="0">
+                              <a:latin typeface="Cambria Math" panose="02040503050406030204" pitchFamily="18" charset="0"/>
+                              <a:cs typeface="Courier New" panose="02070309020205020404" pitchFamily="49" charset="0"/>
+                            </a:rPr>
+                          </m:ctrlPr>
+                        </m:dPr>
+                        <m:e>
+                          <m:d>
+                            <m:dPr>
+                              <m:begChr m:val="["/>
+                              <m:endChr m:val="]"/>
+                              <m:ctrlPr>
+                                <a:rPr lang="pt-BR" sz="3200" b="0" i="1" smtClean="0">
+                                  <a:latin typeface="Cambria Math" panose="02040503050406030204" pitchFamily="18" charset="0"/>
+                                  <a:cs typeface="Courier New" panose="02070309020205020404" pitchFamily="49" charset="0"/>
+                                </a:rPr>
+                              </m:ctrlPr>
+                            </m:dPr>
+                            <m:e>
+                              <m:r>
+                                <a:rPr lang="pt-BR" sz="3200" b="0" i="1" smtClean="0">
+                                  <a:latin typeface="Cambria Math" panose="02040503050406030204" pitchFamily="18" charset="0"/>
+                                  <a:cs typeface="Courier New" panose="02070309020205020404" pitchFamily="49" charset="0"/>
+                                </a:rPr>
+                                <m:t>𝑙𝑖𝑠𝑡𝑎𝐷𝑒𝑃𝑎𝑟𝑎𝑚𝑒𝑡𝑟𝑜𝑠</m:t>
+                              </m:r>
+                            </m:e>
+                          </m:d>
+                        </m:e>
+                      </m:d>
+                      <m:r>
+                        <a:rPr lang="pt-BR" sz="3200" b="0" i="1" smtClean="0">
+                          <a:latin typeface="Cambria Math" panose="02040503050406030204" pitchFamily="18" charset="0"/>
+                          <a:cs typeface="Courier New" panose="02070309020205020404" pitchFamily="49" charset="0"/>
+                        </a:rPr>
+                        <m:t>[:</m:t>
+                      </m:r>
+                      <m:r>
+                        <a:rPr lang="pt-BR" sz="3200" b="0" i="1" smtClean="0">
+                          <a:latin typeface="Cambria Math" panose="02040503050406030204" pitchFamily="18" charset="0"/>
+                          <a:cs typeface="Courier New" panose="02070309020205020404" pitchFamily="49" charset="0"/>
+                        </a:rPr>
+                        <m:t>𝑡𝑖𝑝𝑜𝐷𝑒𝑅𝑒𝑡𝑜𝑟𝑛𝑜</m:t>
+                      </m:r>
+                      <m:r>
+                        <a:rPr lang="pt-BR" sz="3200" b="0" i="1" smtClean="0">
+                          <a:latin typeface="Cambria Math" panose="02040503050406030204" pitchFamily="18" charset="0"/>
+                          <a:cs typeface="Courier New" panose="02070309020205020404" pitchFamily="49" charset="0"/>
+                        </a:rPr>
+                        <m:t>]</m:t>
+                      </m:r>
+                    </m:oMath>
+                  </m:oMathPara>
+                </a14:m>
+                <a:endParaRPr lang="pt-BR" sz="3200" dirty="0">
+                  <a:cs typeface="Courier New" panose="02070309020205020404" pitchFamily="49" charset="0"/>
+                </a:endParaRPr>
+              </a:p>
+              <a:p>
+                <a:pPr>
+                  <a:buSzPct val="100000"/>
+                </a:pPr>
+                <a:r>
+                  <a:rPr lang="pt-BR" sz="3200" dirty="0">
+                    <a:cs typeface="Courier New" panose="02070309020205020404" pitchFamily="49" charset="0"/>
+                  </a:rPr>
+                  <a:t>onde os valores entre "[" e "]" nem sempre ocorrem e:</a:t>
+                </a:r>
+              </a:p>
+              <a:p>
+                <a:pPr lvl="1">
+                  <a:buSzPct val="100000"/>
+                </a:pPr>
+                <a:r>
+                  <a:rPr lang="pt-BR" sz="2800" i="1" dirty="0">
+                    <a:cs typeface="Courier New" panose="02070309020205020404" pitchFamily="49" charset="0"/>
+                  </a:rPr>
+                  <a:t>Visibilidade</a:t>
+                </a:r>
+                <a:r>
+                  <a:rPr lang="pt-BR" sz="2800" dirty="0">
+                    <a:cs typeface="Courier New" panose="02070309020205020404" pitchFamily="49" charset="0"/>
+                  </a:rPr>
+                  <a:t> é o caractere "-" (privado), "+" (público) ou "#" (protegido) que indica que a operação é visível ou não de outros objetos, do mesmo jeito que com os atributos;</a:t>
+                </a:r>
+              </a:p>
+              <a:p>
+                <a:pPr lvl="1">
+                  <a:buSzPct val="100000"/>
+                </a:pPr>
+                <a:r>
+                  <a:rPr lang="pt-BR" sz="2800" dirty="0">
+                    <a:cs typeface="Courier New" panose="02070309020205020404" pitchFamily="49" charset="0"/>
+                  </a:rPr>
+                  <a:t>o nome da operação também é formado segundo o padrão </a:t>
+                </a:r>
+                <a:r>
+                  <a:rPr lang="pt-BR" sz="2800" i="1" dirty="0" err="1">
+                    <a:cs typeface="Courier New" panose="02070309020205020404" pitchFamily="49" charset="0"/>
+                  </a:rPr>
+                  <a:t>CamelCase</a:t>
+                </a:r>
+                <a:r>
+                  <a:rPr lang="pt-BR" sz="2800" dirty="0">
+                    <a:cs typeface="Courier New" panose="02070309020205020404" pitchFamily="49" charset="0"/>
+                  </a:rPr>
+                  <a:t>;</a:t>
+                </a:r>
+              </a:p>
+              <a:p>
+                <a:pPr lvl="1">
+                  <a:buSzPct val="100000"/>
+                </a:pPr>
+                <a:r>
+                  <a:rPr lang="pt-BR" sz="2800" dirty="0">
+                    <a:cs typeface="Courier New" panose="02070309020205020404" pitchFamily="49" charset="0"/>
+                  </a:rPr>
+                  <a:t>Tipo define o tipo de retorno da operação: inteiro, real, cadeia de caracteres, data, etc.;</a:t>
+                </a:r>
+              </a:p>
+              <a:p>
+                <a:pPr lvl="1">
+                  <a:buSzPct val="100000"/>
+                </a:pPr>
+                <a:r>
+                  <a:rPr lang="pt-BR" sz="2800" dirty="0">
+                    <a:cs typeface="Courier New" panose="02070309020205020404" pitchFamily="49" charset="0"/>
+                  </a:rPr>
+                  <a:t>A lista de parâmetros é formada pelos parâmetros de entrada e saída separados por vírgulas, da seguinte forma: </a:t>
+                </a:r>
+                <a14:m>
+                  <m:oMath xmlns:m="http://schemas.openxmlformats.org/officeDocument/2006/math">
+                    <m:r>
+                      <a:rPr lang="pt-BR" sz="2800" i="1" dirty="0" smtClean="0">
+                        <a:latin typeface="Cambria Math" panose="02040503050406030204" pitchFamily="18" charset="0"/>
+                        <a:cs typeface="Courier New" panose="02070309020205020404" pitchFamily="49" charset="0"/>
+                      </a:rPr>
+                      <m:t>[</m:t>
+                    </m:r>
+                    <m:r>
+                      <a:rPr lang="pt-BR" sz="2800" i="1" dirty="0" smtClean="0">
+                        <a:latin typeface="Cambria Math" panose="02040503050406030204" pitchFamily="18" charset="0"/>
+                        <a:cs typeface="Courier New" panose="02070309020205020404" pitchFamily="49" charset="0"/>
+                      </a:rPr>
+                      <m:t>𝑑𝑖𝑟𝑒</m:t>
+                    </m:r>
+                    <m:r>
+                      <a:rPr lang="pt-BR" sz="2800" b="0" i="1" dirty="0" smtClean="0">
+                        <a:latin typeface="Cambria Math" panose="02040503050406030204" pitchFamily="18" charset="0"/>
+                        <a:cs typeface="Courier New" panose="02070309020205020404" pitchFamily="49" charset="0"/>
+                      </a:rPr>
+                      <m:t>çã</m:t>
+                    </m:r>
+                    <m:r>
+                      <a:rPr lang="pt-BR" sz="2800" b="0" i="1" dirty="0" smtClean="0">
+                        <a:latin typeface="Cambria Math" panose="02040503050406030204" pitchFamily="18" charset="0"/>
+                        <a:cs typeface="Courier New" panose="02070309020205020404" pitchFamily="49" charset="0"/>
+                      </a:rPr>
+                      <m:t>𝑜</m:t>
+                    </m:r>
+                    <m:r>
+                      <a:rPr lang="pt-BR" sz="2800" i="1" dirty="0" smtClean="0">
+                        <a:latin typeface="Cambria Math" panose="02040503050406030204" pitchFamily="18" charset="0"/>
+                        <a:cs typeface="Courier New" panose="02070309020205020404" pitchFamily="49" charset="0"/>
+                      </a:rPr>
+                      <m:t>]</m:t>
+                    </m:r>
+                    <m:r>
+                      <a:rPr lang="pt-BR" sz="2800" i="1" dirty="0" smtClean="0">
+                        <a:latin typeface="Cambria Math" panose="02040503050406030204" pitchFamily="18" charset="0"/>
+                        <a:cs typeface="Courier New" panose="02070309020205020404" pitchFamily="49" charset="0"/>
+                      </a:rPr>
+                      <m:t>𝑛𝑜𝑚𝑒</m:t>
+                    </m:r>
+                    <m:r>
+                      <a:rPr lang="pt-BR" sz="2800" i="1" dirty="0" smtClean="0">
+                        <a:latin typeface="Cambria Math" panose="02040503050406030204" pitchFamily="18" charset="0"/>
+                        <a:cs typeface="Courier New" panose="02070309020205020404" pitchFamily="49" charset="0"/>
+                      </a:rPr>
+                      <m:t>:</m:t>
+                    </m:r>
+                    <m:r>
+                      <a:rPr lang="pt-BR" sz="2800" i="1" dirty="0" smtClean="0">
+                        <a:latin typeface="Cambria Math" panose="02040503050406030204" pitchFamily="18" charset="0"/>
+                        <a:cs typeface="Courier New" panose="02070309020205020404" pitchFamily="49" charset="0"/>
+                      </a:rPr>
+                      <m:t>𝑡𝑖𝑝𝑜</m:t>
+                    </m:r>
+                  </m:oMath>
+                </a14:m>
+                <a:r>
+                  <a:rPr lang="pt-BR" sz="2800" dirty="0">
+                    <a:cs typeface="Courier New" panose="02070309020205020404" pitchFamily="49" charset="0"/>
+                  </a:rPr>
+                  <a:t>, onde </a:t>
+                </a:r>
+                <a14:m>
+                  <m:oMath xmlns:m="http://schemas.openxmlformats.org/officeDocument/2006/math">
+                    <m:r>
+                      <a:rPr lang="pt-BR" sz="2800" i="1" dirty="0" smtClean="0">
+                        <a:latin typeface="Cambria Math" panose="02040503050406030204" pitchFamily="18" charset="0"/>
+                        <a:cs typeface="Courier New" panose="02070309020205020404" pitchFamily="49" charset="0"/>
+                      </a:rPr>
+                      <m:t>𝑑𝑖𝑟𝑒</m:t>
+                    </m:r>
+                    <m:r>
+                      <a:rPr lang="pt-BR" sz="2800" i="1" dirty="0" smtClean="0">
+                        <a:latin typeface="Cambria Math" panose="02040503050406030204" pitchFamily="18" charset="0"/>
+                        <a:cs typeface="Courier New" panose="02070309020205020404" pitchFamily="49" charset="0"/>
+                      </a:rPr>
+                      <m:t>çã</m:t>
+                    </m:r>
+                    <m:r>
+                      <a:rPr lang="pt-BR" sz="2800" i="1" dirty="0" smtClean="0">
+                        <a:latin typeface="Cambria Math" panose="02040503050406030204" pitchFamily="18" charset="0"/>
+                        <a:cs typeface="Courier New" panose="02070309020205020404" pitchFamily="49" charset="0"/>
+                      </a:rPr>
+                      <m:t>𝑜</m:t>
+                    </m:r>
+                  </m:oMath>
+                </a14:m>
+                <a:r>
+                  <a:rPr lang="pt-BR" sz="2800" dirty="0">
+                    <a:cs typeface="Courier New" panose="02070309020205020404" pitchFamily="49" charset="0"/>
+                  </a:rPr>
+                  <a:t> (opcional) é "in" ou "out" ou "</a:t>
+                </a:r>
+                <a:r>
+                  <a:rPr lang="pt-BR" sz="2800" dirty="0" err="1">
+                    <a:cs typeface="Courier New" panose="02070309020205020404" pitchFamily="49" charset="0"/>
+                  </a:rPr>
+                  <a:t>inout</a:t>
+                </a:r>
+                <a:r>
+                  <a:rPr lang="pt-BR" sz="2800" dirty="0">
+                    <a:cs typeface="Courier New" panose="02070309020205020404" pitchFamily="49" charset="0"/>
+                  </a:rPr>
+                  <a:t>", significando parâmetro de entrada, de saída e de entrada e saída, respectivamente. O nome e o tipo são da mesma forma que nos atributos.</a:t>
+                </a:r>
+              </a:p>
+              <a:p>
+                <a:pPr lvl="1">
+                  <a:buSzPct val="100000"/>
+                </a:pPr>
+                <a:endParaRPr lang="pt-BR" sz="2800" dirty="0">
+                  <a:cs typeface="Courier New" panose="02070309020205020404" pitchFamily="49" charset="0"/>
+                </a:endParaRPr>
+              </a:p>
+            </p:txBody>
+          </p:sp>
+        </mc:Choice>
+        <mc:Fallback xmlns="">
+          <p:sp>
+            <p:nvSpPr>
+              <p:cNvPr id="5" name="Espaço Reservado para Conteúdo 4">
+                <a:extLst>
+                  <a:ext uri="{FF2B5EF4-FFF2-40B4-BE49-F238E27FC236}">
+                    <a16:creationId xmlns:a16="http://schemas.microsoft.com/office/drawing/2014/main" id="{1FBD8255-54D1-42B3-9B71-2D45D227E6FC}"/>
+                  </a:ext>
+                </a:extLst>
+              </p:cNvPr>
+              <p:cNvSpPr>
+                <a:spLocks noGrp="1" noRot="1" noChangeAspect="1" noMove="1" noResize="1" noEditPoints="1" noAdjustHandles="1" noChangeArrowheads="1" noChangeShapeType="1" noTextEdit="1"/>
+              </p:cNvSpPr>
+              <p:nvPr>
+                <p:ph type="body" idx="1"/>
+              </p:nvPr>
+            </p:nvSpPr>
+            <p:spPr>
+              <a:xfrm>
+                <a:off x="1689100" y="2511225"/>
+                <a:ext cx="21005800" cy="10609446"/>
+              </a:xfrm>
+              <a:blipFill>
+                <a:blip r:embed="rId2"/>
+                <a:stretch>
+                  <a:fillRect l="-929" t="-690" r="-1045"/>
+                </a:stretch>
+              </a:blipFill>
+            </p:spPr>
+            <p:txBody>
+              <a:bodyPr/>
+              <a:lstStyle/>
+              <a:p>
+                <a:r>
+                  <a:rPr lang="pt-BR">
+                    <a:noFill/>
+                  </a:rPr>
+                  <a:t> </a:t>
+                </a:r>
+              </a:p>
+            </p:txBody>
+          </p:sp>
+        </mc:Fallback>
+      </mc:AlternateContent>
+      <p:sp>
+        <p:nvSpPr>
+          <p:cNvPr id="7" name="Espaço Reservado para Número de Slide 6">
+            <a:extLst>
+              <a:ext uri="{FF2B5EF4-FFF2-40B4-BE49-F238E27FC236}">
+                <a16:creationId xmlns:a16="http://schemas.microsoft.com/office/drawing/2014/main" id="{40C5ECBA-0615-433C-B308-162C7F749201}"/>
+              </a:ext>
+            </a:extLst>
+          </p:cNvPr>
+          <p:cNvSpPr>
+            <a:spLocks noGrp="1"/>
+          </p:cNvSpPr>
+          <p:nvPr>
+            <p:ph type="sldNum" sz="quarter" idx="10"/>
+          </p:nvPr>
+        </p:nvSpPr>
+        <p:spPr/>
+        <p:txBody>
+          <a:bodyPr/>
+          <a:lstStyle/>
+          <a:p>
+            <a:fld id="{E4B35BDD-CC3D-4492-88ED-922B282360E3}" type="slidenum">
+              <a:rPr lang="pt-BR" smtClean="0"/>
+              <a:t>104</a:t>
+            </a:fld>
+            <a:endParaRPr lang="pt-BR"/>
+          </a:p>
+        </p:txBody>
+      </p:sp>
+    </p:spTree>
+    <p:extLst>
+      <p:ext uri="{BB962C8B-B14F-4D97-AF65-F5344CB8AC3E}">
+        <p14:creationId xmlns:p14="http://schemas.microsoft.com/office/powerpoint/2010/main" val="683860103"/>
+      </p:ext>
+    </p:extLst>
+  </p:cSld>
+  <p:clrMapOvr>
+    <a:masterClrMapping/>
+  </p:clrMapOvr>
+  <p:transition spd="med"/>
+</p:sld>
+</file>
+
+<file path=ppt/slides/slide105.xml><?xml version="1.0" encoding="utf-8"?>
+<p:sld xmlns:a="http://schemas.openxmlformats.org/drawingml/2006/main" xmlns:r="http://schemas.openxmlformats.org/officeDocument/2006/relationships" xmlns:p="http://schemas.openxmlformats.org/presentationml/2006/main">
+  <p:cSld>
+    <p:spTree>
+      <p:nvGrpSpPr>
+        <p:cNvPr id="1" name=""/>
+        <p:cNvGrpSpPr/>
+        <p:nvPr/>
+      </p:nvGrpSpPr>
+      <p:grpSpPr>
+        <a:xfrm>
+          <a:off x="0" y="0"/>
+          <a:ext cx="0" cy="0"/>
+          <a:chOff x="0" y="0"/>
+          <a:chExt cx="0" cy="0"/>
+        </a:xfrm>
+      </p:grpSpPr>
+      <p:sp>
+        <p:nvSpPr>
+          <p:cNvPr id="4" name="Título 3">
+            <a:extLst>
+              <a:ext uri="{FF2B5EF4-FFF2-40B4-BE49-F238E27FC236}">
+                <a16:creationId xmlns:a16="http://schemas.microsoft.com/office/drawing/2014/main" id="{8A4C52A0-42D9-47BB-966A-7FE92FDBFA2D}"/>
+              </a:ext>
+            </a:extLst>
+          </p:cNvPr>
+          <p:cNvSpPr>
+            <a:spLocks noGrp="1"/>
+          </p:cNvSpPr>
+          <p:nvPr>
+            <p:ph type="title"/>
+          </p:nvPr>
+        </p:nvSpPr>
+        <p:spPr/>
+        <p:txBody>
+          <a:bodyPr>
+            <a:normAutofit/>
+          </a:bodyPr>
+          <a:lstStyle/>
+          <a:p>
+            <a:r>
+              <a:rPr lang="pt-BR" dirty="0"/>
+              <a:t>Diagramas de Classes - Relacionamentos</a:t>
+            </a:r>
+          </a:p>
+        </p:txBody>
+      </p:sp>
+      <p:sp>
+        <p:nvSpPr>
+          <p:cNvPr id="5" name="Espaço Reservado para Conteúdo 4">
+            <a:extLst>
+              <a:ext uri="{FF2B5EF4-FFF2-40B4-BE49-F238E27FC236}">
+                <a16:creationId xmlns:a16="http://schemas.microsoft.com/office/drawing/2014/main" id="{1FBD8255-54D1-42B3-9B71-2D45D227E6FC}"/>
+              </a:ext>
+            </a:extLst>
+          </p:cNvPr>
+          <p:cNvSpPr>
+            <a:spLocks noGrp="1"/>
+          </p:cNvSpPr>
+          <p:nvPr>
+            <p:ph type="body" idx="1"/>
+          </p:nvPr>
+        </p:nvSpPr>
+        <p:spPr>
+          <a:xfrm>
+            <a:off x="1689100" y="2511225"/>
+            <a:ext cx="21005800" cy="10609446"/>
+          </a:xfrm>
+          <a:solidFill>
+            <a:schemeClr val="bg1"/>
+          </a:solidFill>
+        </p:spPr>
+        <p:txBody>
+          <a:bodyPr>
+            <a:noAutofit/>
+          </a:bodyPr>
+          <a:lstStyle/>
+          <a:p>
+            <a:pPr>
+              <a:buSzPct val="100000"/>
+            </a:pPr>
+            <a:r>
+              <a:rPr lang="pt-BR" sz="3200" dirty="0">
+                <a:cs typeface="Courier New" panose="02070309020205020404" pitchFamily="49" charset="0"/>
+              </a:rPr>
+              <a:t>Os conceitos identificados em um dado contexto invariavelmente se ligam de alguma forma. Relacionamentos em diagramas de classes expressam essas ligações, que, por também fazerem parte do conhecimento a respeito do negócio, precisam ser capturadas e especificadas no modelo de classes.</a:t>
+            </a:r>
+          </a:p>
+          <a:p>
+            <a:pPr>
+              <a:buSzPct val="100000"/>
+            </a:pPr>
+            <a:r>
+              <a:rPr lang="pt-BR" sz="3200" dirty="0">
+                <a:cs typeface="Courier New" panose="02070309020205020404" pitchFamily="49" charset="0"/>
+              </a:rPr>
+              <a:t>Associação entre Classes:</a:t>
+            </a:r>
+          </a:p>
+          <a:p>
+            <a:pPr lvl="1">
+              <a:buSzPct val="100000"/>
+            </a:pPr>
+            <a:r>
+              <a:rPr lang="pt-BR" sz="2800" dirty="0">
+                <a:cs typeface="Courier New" panose="02070309020205020404" pitchFamily="49" charset="0"/>
+              </a:rPr>
+              <a:t>Associações são o tipo mais comum de relacionamentos entre classes em um diagrama de classes. No diagrama do nosso exemplo, está especificado que um determinado cliente pode estar associado a qualquer número de pedidos (inclusive zero, ou seja, empresas ou pessoas físicas são consideradas clientes mesmo não tendo feito qualquer pedido), e um determinado pedido está associado a somente um cliente.</a:t>
+            </a:r>
+          </a:p>
+          <a:p>
+            <a:pPr lvl="1">
+              <a:buSzPct val="100000"/>
+            </a:pPr>
+            <a:r>
+              <a:rPr lang="pt-BR" sz="2800" dirty="0">
+                <a:cs typeface="Courier New" panose="02070309020205020404" pitchFamily="49" charset="0"/>
+              </a:rPr>
+              <a:t>As associações são representadas nos diagramas de classes por segmentos de retas, poligonais ou arcos </a:t>
+            </a:r>
+            <a:br>
+              <a:rPr lang="pt-BR" sz="2800" dirty="0">
+                <a:cs typeface="Courier New" panose="02070309020205020404" pitchFamily="49" charset="0"/>
+              </a:rPr>
+            </a:br>
+            <a:r>
+              <a:rPr lang="pt-BR" sz="2800" dirty="0">
+                <a:cs typeface="Courier New" panose="02070309020205020404" pitchFamily="49" charset="0"/>
+              </a:rPr>
+              <a:t>que ligam as classes associadas. Uma associação é opcionalmente rotulada com o nome da associação, </a:t>
+            </a:r>
+            <a:br>
+              <a:rPr lang="pt-BR" sz="2800" dirty="0">
+                <a:cs typeface="Courier New" panose="02070309020205020404" pitchFamily="49" charset="0"/>
+              </a:rPr>
+            </a:br>
+            <a:r>
+              <a:rPr lang="pt-BR" sz="2800" dirty="0">
+                <a:cs typeface="Courier New" panose="02070309020205020404" pitchFamily="49" charset="0"/>
+              </a:rPr>
+              <a:t>que deve ser colocado sempre que o significado da associação não é claro no diagrama.</a:t>
+            </a:r>
+          </a:p>
+          <a:p>
+            <a:pPr lvl="1">
+              <a:buSzPct val="100000"/>
+            </a:pPr>
+            <a:r>
+              <a:rPr lang="pt-BR" sz="2800" dirty="0">
+                <a:cs typeface="Courier New" panose="02070309020205020404" pitchFamily="49" charset="0"/>
+              </a:rPr>
+              <a:t>O nome da associação deve vir acompanhado do símbolo de sentido de leitura (só a ponta cheia de seta) e </a:t>
+            </a:r>
+            <a:br>
+              <a:rPr lang="pt-BR" sz="2800" dirty="0">
+                <a:cs typeface="Courier New" panose="02070309020205020404" pitchFamily="49" charset="0"/>
+              </a:rPr>
+            </a:br>
+            <a:r>
+              <a:rPr lang="pt-BR" sz="2800" dirty="0">
+                <a:cs typeface="Courier New" panose="02070309020205020404" pitchFamily="49" charset="0"/>
+              </a:rPr>
+              <a:t>deve exprimir bem o significado da associação, sendo preferencialmente um verbo na voz ativa. A </a:t>
+            </a:r>
+            <a:br>
+              <a:rPr lang="pt-BR" sz="2800" dirty="0">
+                <a:cs typeface="Courier New" panose="02070309020205020404" pitchFamily="49" charset="0"/>
+              </a:rPr>
+            </a:br>
+            <a:r>
+              <a:rPr lang="pt-BR" sz="2800" dirty="0">
+                <a:cs typeface="Courier New" panose="02070309020205020404" pitchFamily="49" charset="0"/>
+              </a:rPr>
+              <a:t>vantagem de usarmos verbos na voz ativa em nomes de associações é que também podemos ler o nome </a:t>
+            </a:r>
+            <a:br>
+              <a:rPr lang="pt-BR" sz="2800" dirty="0">
+                <a:cs typeface="Courier New" panose="02070309020205020404" pitchFamily="49" charset="0"/>
+              </a:rPr>
+            </a:br>
+            <a:r>
+              <a:rPr lang="pt-BR" sz="2800" dirty="0">
+                <a:cs typeface="Courier New" panose="02070309020205020404" pitchFamily="49" charset="0"/>
+              </a:rPr>
+              <a:t>da associação no sentido contrário ao da seta, bastando mudar o verbo para a voz passiva (exemplos: </a:t>
+            </a:r>
+            <a:br>
+              <a:rPr lang="pt-BR" sz="2800" dirty="0">
+                <a:cs typeface="Courier New" panose="02070309020205020404" pitchFamily="49" charset="0"/>
+              </a:rPr>
+            </a:br>
+            <a:r>
+              <a:rPr lang="pt-BR" sz="2800" dirty="0">
+                <a:cs typeface="Courier New" panose="02070309020205020404" pitchFamily="49" charset="0"/>
+              </a:rPr>
+              <a:t>"professor é alocado a departamento"; "departamento é chefiado por professor").</a:t>
+            </a:r>
+          </a:p>
+        </p:txBody>
+      </p:sp>
+      <p:sp>
+        <p:nvSpPr>
+          <p:cNvPr id="7" name="Espaço Reservado para Número de Slide 6">
+            <a:extLst>
+              <a:ext uri="{FF2B5EF4-FFF2-40B4-BE49-F238E27FC236}">
+                <a16:creationId xmlns:a16="http://schemas.microsoft.com/office/drawing/2014/main" id="{40C5ECBA-0615-433C-B308-162C7F749201}"/>
+              </a:ext>
+            </a:extLst>
+          </p:cNvPr>
+          <p:cNvSpPr>
+            <a:spLocks noGrp="1"/>
+          </p:cNvSpPr>
+          <p:nvPr>
+            <p:ph type="sldNum" sz="quarter" idx="10"/>
+          </p:nvPr>
+        </p:nvSpPr>
+        <p:spPr/>
+        <p:txBody>
+          <a:bodyPr/>
+          <a:lstStyle/>
+          <a:p>
+            <a:fld id="{E4B35BDD-CC3D-4492-88ED-922B282360E3}" type="slidenum">
+              <a:rPr lang="pt-BR" smtClean="0"/>
+              <a:t>105</a:t>
+            </a:fld>
+            <a:endParaRPr lang="pt-BR"/>
+          </a:p>
+        </p:txBody>
+      </p:sp>
+      <p:pic>
+        <p:nvPicPr>
+          <p:cNvPr id="3" name="Imagem 2">
+            <a:extLst>
+              <a:ext uri="{FF2B5EF4-FFF2-40B4-BE49-F238E27FC236}">
+                <a16:creationId xmlns:a16="http://schemas.microsoft.com/office/drawing/2014/main" id="{60F07D91-D9A1-4430-8D31-EF052B9A605E}"/>
+              </a:ext>
+            </a:extLst>
+          </p:cNvPr>
+          <p:cNvPicPr>
+            <a:picLocks noChangeAspect="1"/>
+          </p:cNvPicPr>
+          <p:nvPr/>
+        </p:nvPicPr>
+        <p:blipFill>
+          <a:blip r:embed="rId2"/>
+          <a:stretch>
+            <a:fillRect/>
+          </a:stretch>
+        </p:blipFill>
+        <p:spPr>
+          <a:xfrm>
+            <a:off x="19500062" y="6677526"/>
+            <a:ext cx="3194838" cy="6012105"/>
+          </a:xfrm>
+          <a:prstGeom prst="rect">
+            <a:avLst/>
+          </a:prstGeom>
+        </p:spPr>
+      </p:pic>
+    </p:spTree>
+    <p:extLst>
+      <p:ext uri="{BB962C8B-B14F-4D97-AF65-F5344CB8AC3E}">
+        <p14:creationId xmlns:p14="http://schemas.microsoft.com/office/powerpoint/2010/main" val="1626527048"/>
+      </p:ext>
+    </p:extLst>
+  </p:cSld>
+  <p:clrMapOvr>
+    <a:masterClrMapping/>
+  </p:clrMapOvr>
+  <p:transition spd="med"/>
+</p:sld>
+</file>
+
+<file path=ppt/slides/slide106.xml><?xml version="1.0" encoding="utf-8"?>
+<p:sld xmlns:a="http://schemas.openxmlformats.org/drawingml/2006/main" xmlns:r="http://schemas.openxmlformats.org/officeDocument/2006/relationships" xmlns:p="http://schemas.openxmlformats.org/presentationml/2006/main">
+  <p:cSld>
+    <p:spTree>
+      <p:nvGrpSpPr>
+        <p:cNvPr id="1" name=""/>
+        <p:cNvGrpSpPr/>
+        <p:nvPr/>
+      </p:nvGrpSpPr>
+      <p:grpSpPr>
+        <a:xfrm>
+          <a:off x="0" y="0"/>
+          <a:ext cx="0" cy="0"/>
+          <a:chOff x="0" y="0"/>
+          <a:chExt cx="0" cy="0"/>
+        </a:xfrm>
+      </p:grpSpPr>
+      <p:sp>
+        <p:nvSpPr>
+          <p:cNvPr id="4" name="Título 3">
+            <a:extLst>
+              <a:ext uri="{FF2B5EF4-FFF2-40B4-BE49-F238E27FC236}">
+                <a16:creationId xmlns:a16="http://schemas.microsoft.com/office/drawing/2014/main" id="{8A4C52A0-42D9-47BB-966A-7FE92FDBFA2D}"/>
+              </a:ext>
+            </a:extLst>
+          </p:cNvPr>
+          <p:cNvSpPr>
+            <a:spLocks noGrp="1"/>
+          </p:cNvSpPr>
+          <p:nvPr>
+            <p:ph type="title"/>
+          </p:nvPr>
+        </p:nvSpPr>
+        <p:spPr/>
+        <p:txBody>
+          <a:bodyPr>
+            <a:normAutofit/>
+          </a:bodyPr>
+          <a:lstStyle/>
+          <a:p>
+            <a:r>
+              <a:rPr lang="pt-BR" dirty="0"/>
+              <a:t>Diagramas de Classes - Relacionamentos</a:t>
+            </a:r>
+          </a:p>
+        </p:txBody>
+      </p:sp>
+      <p:sp>
+        <p:nvSpPr>
+          <p:cNvPr id="5" name="Espaço Reservado para Conteúdo 4">
+            <a:extLst>
+              <a:ext uri="{FF2B5EF4-FFF2-40B4-BE49-F238E27FC236}">
+                <a16:creationId xmlns:a16="http://schemas.microsoft.com/office/drawing/2014/main" id="{1FBD8255-54D1-42B3-9B71-2D45D227E6FC}"/>
+              </a:ext>
+            </a:extLst>
+          </p:cNvPr>
+          <p:cNvSpPr>
+            <a:spLocks noGrp="1"/>
+          </p:cNvSpPr>
+          <p:nvPr>
+            <p:ph type="body" idx="1"/>
+          </p:nvPr>
+        </p:nvSpPr>
+        <p:spPr>
+          <a:xfrm>
+            <a:off x="1689100" y="2511225"/>
+            <a:ext cx="21005800" cy="10609446"/>
+          </a:xfrm>
+          <a:solidFill>
+            <a:schemeClr val="bg1"/>
+          </a:solidFill>
+        </p:spPr>
+        <p:txBody>
+          <a:bodyPr>
+            <a:noAutofit/>
+          </a:bodyPr>
+          <a:lstStyle/>
+          <a:p>
+            <a:pPr>
+              <a:buSzPct val="100000"/>
+            </a:pPr>
+            <a:r>
+              <a:rPr lang="pt-BR" sz="3200" dirty="0">
+                <a:cs typeface="Courier New" panose="02070309020205020404" pitchFamily="49" charset="0"/>
+              </a:rPr>
+              <a:t>Associação entre Classes (cont.):</a:t>
+            </a:r>
+          </a:p>
+          <a:p>
+            <a:pPr lvl="1">
+              <a:buSzPct val="100000"/>
+            </a:pPr>
+            <a:r>
+              <a:rPr lang="pt-BR" sz="2800" dirty="0">
+                <a:cs typeface="Courier New" panose="02070309020205020404" pitchFamily="49" charset="0"/>
+              </a:rPr>
+              <a:t>As pontas das associações (no pontos onde elas se encontram com as caixas das classes) chamam-se papéis, que também podem ser usados para dar nomes aos papéis que as classes representam nas associações. Quando não especificamos o rótulo do papel (que deve ficar bem junto do ponto onde a associação encontra a caixa da classe), este leva o nome da classe.</a:t>
+            </a:r>
+          </a:p>
+          <a:p>
+            <a:pPr lvl="1">
+              <a:buSzPct val="100000"/>
+            </a:pPr>
+            <a:r>
+              <a:rPr lang="pt-BR" sz="2800" dirty="0">
+                <a:cs typeface="Courier New" panose="02070309020205020404" pitchFamily="49" charset="0"/>
+              </a:rPr>
+              <a:t>As pontas de uma associação entre classes devem especificar também as multiplicidades, que indicam quantas instâncias das classes podem participar da associação. Essa indicação é feita por meio dos valores máximo e mínimo. As multiplicidades podem ser:</a:t>
+            </a:r>
+          </a:p>
+          <a:p>
+            <a:pPr lvl="2">
+              <a:buSzPct val="100000"/>
+            </a:pPr>
+            <a:r>
+              <a:rPr lang="pt-BR" sz="2400" dirty="0">
+                <a:cs typeface="Courier New" panose="02070309020205020404" pitchFamily="49" charset="0"/>
+              </a:rPr>
+              <a:t>Obrigatórias, quando especificadas por meio de um número natural diferente de zero;</a:t>
+            </a:r>
+          </a:p>
+          <a:p>
+            <a:pPr lvl="2">
+              <a:buSzPct val="100000"/>
+            </a:pPr>
+            <a:r>
+              <a:rPr lang="pt-BR" sz="2400" dirty="0">
+                <a:cs typeface="Courier New" panose="02070309020205020404" pitchFamily="49" charset="0"/>
+              </a:rPr>
+              <a:t>Opcionais, se “0..1”;</a:t>
+            </a:r>
+          </a:p>
+          <a:p>
+            <a:pPr lvl="2">
+              <a:buSzPct val="100000"/>
+            </a:pPr>
+            <a:r>
+              <a:rPr lang="pt-BR" sz="2400" dirty="0">
+                <a:cs typeface="Courier New" panose="02070309020205020404" pitchFamily="49" charset="0"/>
+              </a:rPr>
+              <a:t>Multivaloradas, se “*” ou “0..*” (as duas notações têm o mesmo significado).</a:t>
+            </a:r>
+          </a:p>
+          <a:p>
+            <a:pPr lvl="1">
+              <a:buSzPct val="100000"/>
+            </a:pPr>
+            <a:r>
+              <a:rPr lang="pt-BR" sz="2800" dirty="0">
+                <a:cs typeface="Courier New" panose="02070309020205020404" pitchFamily="49" charset="0"/>
+              </a:rPr>
+              <a:t>Intervalos de multiplicidades podem ser especificados com os “..” (exemplo, “1..3”, para 1, 2 ou 3, ou de 1 </a:t>
+            </a:r>
+            <a:br>
+              <a:rPr lang="pt-BR" sz="2800" dirty="0">
+                <a:cs typeface="Courier New" panose="02070309020205020404" pitchFamily="49" charset="0"/>
+              </a:rPr>
+            </a:br>
+            <a:r>
+              <a:rPr lang="pt-BR" sz="2800" dirty="0">
+                <a:cs typeface="Courier New" panose="02070309020205020404" pitchFamily="49" charset="0"/>
+              </a:rPr>
+              <a:t>a 3). Se houver mais de um intervalo, eles são especificados entre vírgulas (exemplos: “1..3, 5..7”).</a:t>
+            </a:r>
+          </a:p>
+          <a:p>
+            <a:pPr lvl="1">
+              <a:buSzPct val="100000"/>
+            </a:pPr>
+            <a:r>
+              <a:rPr lang="pt-BR" sz="2800" dirty="0">
+                <a:cs typeface="Courier New" panose="02070309020205020404" pitchFamily="49" charset="0"/>
+              </a:rPr>
+              <a:t>As pontas das associações também podem conter o sinal de </a:t>
+            </a:r>
+            <a:r>
+              <a:rPr lang="pt-BR" sz="2800" i="1" dirty="0">
+                <a:cs typeface="Courier New" panose="02070309020205020404" pitchFamily="49" charset="0"/>
+              </a:rPr>
+              <a:t>navegabilidade</a:t>
+            </a:r>
+            <a:r>
+              <a:rPr lang="pt-BR" sz="2800" dirty="0">
+                <a:cs typeface="Courier New" panose="02070309020205020404" pitchFamily="49" charset="0"/>
+              </a:rPr>
+              <a:t>, indicada por uma seta </a:t>
+            </a:r>
+            <a:br>
+              <a:rPr lang="pt-BR" sz="2800" dirty="0">
+                <a:cs typeface="Courier New" panose="02070309020205020404" pitchFamily="49" charset="0"/>
+              </a:rPr>
+            </a:br>
+            <a:r>
+              <a:rPr lang="pt-BR" sz="2800" dirty="0">
+                <a:cs typeface="Courier New" panose="02070309020205020404" pitchFamily="49" charset="0"/>
+              </a:rPr>
+              <a:t>aberta, que representa a responsabilidade que um objeto tem de localizar os objetos da outra classe com </a:t>
+            </a:r>
+            <a:br>
+              <a:rPr lang="pt-BR" sz="2800" dirty="0">
+                <a:cs typeface="Courier New" panose="02070309020205020404" pitchFamily="49" charset="0"/>
+              </a:rPr>
+            </a:br>
+            <a:r>
+              <a:rPr lang="pt-BR" sz="2800" dirty="0">
+                <a:cs typeface="Courier New" panose="02070309020205020404" pitchFamily="49" charset="0"/>
+              </a:rPr>
+              <a:t>os quais se associa. No nosso exemplo, os objetos da classe </a:t>
+            </a:r>
+            <a:r>
+              <a:rPr lang="pt-BR" sz="2800" b="1" dirty="0">
+                <a:cs typeface="Courier New" panose="02070309020205020404" pitchFamily="49" charset="0"/>
+              </a:rPr>
+              <a:t>Pedido</a:t>
+            </a:r>
+            <a:r>
+              <a:rPr lang="pt-BR" sz="2800" dirty="0">
+                <a:cs typeface="Courier New" panose="02070309020205020404" pitchFamily="49" charset="0"/>
+              </a:rPr>
+              <a:t> “têm a responsabilidade” de localizar </a:t>
+            </a:r>
+            <a:br>
+              <a:rPr lang="pt-BR" sz="2800" dirty="0">
+                <a:cs typeface="Courier New" panose="02070309020205020404" pitchFamily="49" charset="0"/>
+              </a:rPr>
+            </a:br>
+            <a:r>
+              <a:rPr lang="pt-BR" sz="2800" dirty="0">
+                <a:cs typeface="Courier New" panose="02070309020205020404" pitchFamily="49" charset="0"/>
+              </a:rPr>
+              <a:t>os clientes a eles relacionados que, em outras palavras, quer dizer que os objetos da classe </a:t>
+            </a:r>
+            <a:r>
+              <a:rPr lang="pt-BR" sz="2800" b="1" dirty="0">
+                <a:cs typeface="Courier New" panose="02070309020205020404" pitchFamily="49" charset="0"/>
+              </a:rPr>
+              <a:t>Pedido</a:t>
+            </a:r>
+            <a:r>
+              <a:rPr lang="pt-BR" sz="2800" dirty="0">
+                <a:cs typeface="Courier New" panose="02070309020205020404" pitchFamily="49" charset="0"/>
+              </a:rPr>
+              <a:t> </a:t>
+            </a:r>
+            <a:br>
+              <a:rPr lang="pt-BR" sz="2800" dirty="0">
+                <a:cs typeface="Courier New" panose="02070309020205020404" pitchFamily="49" charset="0"/>
+              </a:rPr>
+            </a:br>
+            <a:r>
+              <a:rPr lang="pt-BR" sz="2800" dirty="0">
+                <a:cs typeface="Courier New" panose="02070309020205020404" pitchFamily="49" charset="0"/>
+              </a:rPr>
+              <a:t>devem dispor de recursos para localizar os clientes a eles relacionados. Isso equivale a dizer no negócio </a:t>
+            </a:r>
+            <a:br>
+              <a:rPr lang="pt-BR" sz="2800" dirty="0">
+                <a:cs typeface="Courier New" panose="02070309020205020404" pitchFamily="49" charset="0"/>
+              </a:rPr>
+            </a:br>
+            <a:r>
+              <a:rPr lang="pt-BR" sz="2800" dirty="0">
+                <a:cs typeface="Courier New" panose="02070309020205020404" pitchFamily="49" charset="0"/>
+              </a:rPr>
+              <a:t>que um pedido deve conter informações para a localização do cliente que o colocou, possivelmente o </a:t>
+            </a:r>
+            <a:br>
+              <a:rPr lang="pt-BR" sz="2800" dirty="0">
+                <a:cs typeface="Courier New" panose="02070309020205020404" pitchFamily="49" charset="0"/>
+              </a:rPr>
+            </a:br>
+            <a:r>
+              <a:rPr lang="pt-BR" sz="2800" dirty="0">
+                <a:cs typeface="Courier New" panose="02070309020205020404" pitchFamily="49" charset="0"/>
+              </a:rPr>
+              <a:t>nome dele ou seu código para a localização no cadastro de clientes.</a:t>
+            </a:r>
+          </a:p>
+        </p:txBody>
+      </p:sp>
+      <p:sp>
+        <p:nvSpPr>
+          <p:cNvPr id="7" name="Espaço Reservado para Número de Slide 6">
+            <a:extLst>
+              <a:ext uri="{FF2B5EF4-FFF2-40B4-BE49-F238E27FC236}">
+                <a16:creationId xmlns:a16="http://schemas.microsoft.com/office/drawing/2014/main" id="{40C5ECBA-0615-433C-B308-162C7F749201}"/>
+              </a:ext>
+            </a:extLst>
+          </p:cNvPr>
+          <p:cNvSpPr>
+            <a:spLocks noGrp="1"/>
+          </p:cNvSpPr>
+          <p:nvPr>
+            <p:ph type="sldNum" sz="quarter" idx="10"/>
+          </p:nvPr>
+        </p:nvSpPr>
+        <p:spPr/>
+        <p:txBody>
+          <a:bodyPr/>
+          <a:lstStyle/>
+          <a:p>
+            <a:fld id="{E4B35BDD-CC3D-4492-88ED-922B282360E3}" type="slidenum">
+              <a:rPr lang="pt-BR" smtClean="0"/>
+              <a:t>106</a:t>
+            </a:fld>
+            <a:endParaRPr lang="pt-BR"/>
+          </a:p>
+        </p:txBody>
+      </p:sp>
+      <p:pic>
+        <p:nvPicPr>
+          <p:cNvPr id="6" name="Imagem 5">
+            <a:extLst>
+              <a:ext uri="{FF2B5EF4-FFF2-40B4-BE49-F238E27FC236}">
+                <a16:creationId xmlns:a16="http://schemas.microsoft.com/office/drawing/2014/main" id="{60E022AE-986B-4F28-AF95-88602525F6DE}"/>
+              </a:ext>
+            </a:extLst>
+          </p:cNvPr>
+          <p:cNvPicPr>
+            <a:picLocks noChangeAspect="1"/>
+          </p:cNvPicPr>
+          <p:nvPr/>
+        </p:nvPicPr>
+        <p:blipFill>
+          <a:blip r:embed="rId2"/>
+          <a:stretch>
+            <a:fillRect/>
+          </a:stretch>
+        </p:blipFill>
+        <p:spPr>
+          <a:xfrm>
+            <a:off x="19282043" y="6677526"/>
+            <a:ext cx="3279329" cy="6012104"/>
+          </a:xfrm>
+          <a:prstGeom prst="rect">
+            <a:avLst/>
+          </a:prstGeom>
+        </p:spPr>
+      </p:pic>
+    </p:spTree>
+    <p:extLst>
+      <p:ext uri="{BB962C8B-B14F-4D97-AF65-F5344CB8AC3E}">
+        <p14:creationId xmlns:p14="http://schemas.microsoft.com/office/powerpoint/2010/main" val="3820002487"/>
+      </p:ext>
+    </p:extLst>
+  </p:cSld>
+  <p:clrMapOvr>
+    <a:masterClrMapping/>
+  </p:clrMapOvr>
+  <p:transition spd="med"/>
+</p:sld>
+</file>
+
+<file path=ppt/slides/slide107.xml><?xml version="1.0" encoding="utf-8"?>
+<p:sld xmlns:a="http://schemas.openxmlformats.org/drawingml/2006/main" xmlns:r="http://schemas.openxmlformats.org/officeDocument/2006/relationships" xmlns:p="http://schemas.openxmlformats.org/presentationml/2006/main">
+  <p:cSld>
+    <p:spTree>
+      <p:nvGrpSpPr>
+        <p:cNvPr id="1" name=""/>
+        <p:cNvGrpSpPr/>
+        <p:nvPr/>
+      </p:nvGrpSpPr>
+      <p:grpSpPr>
+        <a:xfrm>
+          <a:off x="0" y="0"/>
+          <a:ext cx="0" cy="0"/>
+          <a:chOff x="0" y="0"/>
+          <a:chExt cx="0" cy="0"/>
+        </a:xfrm>
+      </p:grpSpPr>
+      <p:sp>
+        <p:nvSpPr>
+          <p:cNvPr id="4" name="Título 3">
+            <a:extLst>
+              <a:ext uri="{FF2B5EF4-FFF2-40B4-BE49-F238E27FC236}">
+                <a16:creationId xmlns:a16="http://schemas.microsoft.com/office/drawing/2014/main" id="{8A4C52A0-42D9-47BB-966A-7FE92FDBFA2D}"/>
+              </a:ext>
+            </a:extLst>
+          </p:cNvPr>
+          <p:cNvSpPr>
+            <a:spLocks noGrp="1"/>
+          </p:cNvSpPr>
+          <p:nvPr>
+            <p:ph type="title"/>
+          </p:nvPr>
+        </p:nvSpPr>
+        <p:spPr/>
+        <p:txBody>
+          <a:bodyPr>
+            <a:normAutofit/>
+          </a:bodyPr>
+          <a:lstStyle/>
+          <a:p>
+            <a:r>
+              <a:rPr lang="pt-BR" dirty="0"/>
+              <a:t>Diagramas de Classes - Relacionamentos</a:t>
+            </a:r>
+          </a:p>
+        </p:txBody>
+      </p:sp>
+      <p:sp>
+        <p:nvSpPr>
+          <p:cNvPr id="5" name="Espaço Reservado para Conteúdo 4">
+            <a:extLst>
+              <a:ext uri="{FF2B5EF4-FFF2-40B4-BE49-F238E27FC236}">
+                <a16:creationId xmlns:a16="http://schemas.microsoft.com/office/drawing/2014/main" id="{1FBD8255-54D1-42B3-9B71-2D45D227E6FC}"/>
+              </a:ext>
+            </a:extLst>
+          </p:cNvPr>
+          <p:cNvSpPr>
+            <a:spLocks noGrp="1"/>
+          </p:cNvSpPr>
+          <p:nvPr>
+            <p:ph type="body" idx="1"/>
+          </p:nvPr>
+        </p:nvSpPr>
+        <p:spPr>
+          <a:xfrm>
+            <a:off x="1689100" y="2511225"/>
+            <a:ext cx="21005800" cy="10609446"/>
+          </a:xfrm>
+          <a:solidFill>
+            <a:schemeClr val="bg1"/>
+          </a:solidFill>
+        </p:spPr>
+        <p:txBody>
+          <a:bodyPr>
+            <a:noAutofit/>
+          </a:bodyPr>
+          <a:lstStyle/>
+          <a:p>
+            <a:pPr>
+              <a:buSzPct val="100000"/>
+            </a:pPr>
+            <a:r>
+              <a:rPr lang="pt-BR" sz="3200" dirty="0">
+                <a:cs typeface="Courier New" panose="02070309020205020404" pitchFamily="49" charset="0"/>
+              </a:rPr>
+              <a:t>Associação entre Classes (cont.):</a:t>
+            </a:r>
+          </a:p>
+          <a:p>
+            <a:pPr lvl="1">
+              <a:buSzPct val="100000"/>
+            </a:pPr>
+            <a:r>
+              <a:rPr lang="pt-BR" sz="2800" dirty="0">
+                <a:cs typeface="Courier New" panose="02070309020205020404" pitchFamily="49" charset="0"/>
+              </a:rPr>
+              <a:t>As navegabilidades podem ser unidirecionais (uma seta), bidirecionais (duas setas ou nenhuma seta, se for assim  convencionado) ou indeterminada (nenhuma seta). Navegabilidades são usualmente raras em modelos conceituais, pois normalmente refletem a preocupação dos projetistas com a rapidez de acesso aos objetos na memória e a economia de espaço em disco, preocupações estas associadas à fase de projeto dos sistemas.</a:t>
+            </a:r>
+          </a:p>
+          <a:p>
+            <a:pPr lvl="1">
+              <a:buSzPct val="100000"/>
+            </a:pPr>
+            <a:r>
+              <a:rPr lang="pt-BR" sz="2800" dirty="0" err="1">
+                <a:cs typeface="Courier New" panose="02070309020205020404" pitchFamily="49" charset="0"/>
+              </a:rPr>
+              <a:t>Autoassociações</a:t>
+            </a:r>
+            <a:r>
+              <a:rPr lang="pt-BR" sz="2800" dirty="0">
+                <a:cs typeface="Courier New" panose="02070309020205020404" pitchFamily="49" charset="0"/>
+              </a:rPr>
+              <a:t> são associações entre objetos da mesma classe. São representadas no diagrama de classes usando-se poligonais ou arcos partindo de uma classe e chegando nela própria.</a:t>
+            </a:r>
+          </a:p>
+        </p:txBody>
+      </p:sp>
+      <p:sp>
+        <p:nvSpPr>
+          <p:cNvPr id="7" name="Espaço Reservado para Número de Slide 6">
+            <a:extLst>
+              <a:ext uri="{FF2B5EF4-FFF2-40B4-BE49-F238E27FC236}">
+                <a16:creationId xmlns:a16="http://schemas.microsoft.com/office/drawing/2014/main" id="{40C5ECBA-0615-433C-B308-162C7F749201}"/>
+              </a:ext>
+            </a:extLst>
+          </p:cNvPr>
+          <p:cNvSpPr>
+            <a:spLocks noGrp="1"/>
+          </p:cNvSpPr>
+          <p:nvPr>
+            <p:ph type="sldNum" sz="quarter" idx="10"/>
+          </p:nvPr>
+        </p:nvSpPr>
+        <p:spPr/>
+        <p:txBody>
+          <a:bodyPr/>
+          <a:lstStyle/>
+          <a:p>
+            <a:fld id="{E4B35BDD-CC3D-4492-88ED-922B282360E3}" type="slidenum">
+              <a:rPr lang="pt-BR" smtClean="0"/>
+              <a:t>107</a:t>
+            </a:fld>
+            <a:endParaRPr lang="pt-BR"/>
+          </a:p>
+        </p:txBody>
+      </p:sp>
+      <p:pic>
+        <p:nvPicPr>
+          <p:cNvPr id="3" name="Imagem 2">
+            <a:extLst>
+              <a:ext uri="{FF2B5EF4-FFF2-40B4-BE49-F238E27FC236}">
+                <a16:creationId xmlns:a16="http://schemas.microsoft.com/office/drawing/2014/main" id="{9B17F6BF-392F-4034-93AC-C9234539A95F}"/>
+              </a:ext>
+            </a:extLst>
+          </p:cNvPr>
+          <p:cNvPicPr>
+            <a:picLocks noChangeAspect="1"/>
+          </p:cNvPicPr>
+          <p:nvPr/>
+        </p:nvPicPr>
+        <p:blipFill>
+          <a:blip r:embed="rId2"/>
+          <a:stretch>
+            <a:fillRect/>
+          </a:stretch>
+        </p:blipFill>
+        <p:spPr>
+          <a:xfrm>
+            <a:off x="18816307" y="6042160"/>
+            <a:ext cx="3878593" cy="2448697"/>
+          </a:xfrm>
+          <a:prstGeom prst="rect">
+            <a:avLst/>
+          </a:prstGeom>
+        </p:spPr>
+      </p:pic>
+    </p:spTree>
+    <p:extLst>
+      <p:ext uri="{BB962C8B-B14F-4D97-AF65-F5344CB8AC3E}">
+        <p14:creationId xmlns:p14="http://schemas.microsoft.com/office/powerpoint/2010/main" val="4250097280"/>
+      </p:ext>
+    </p:extLst>
+  </p:cSld>
+  <p:clrMapOvr>
+    <a:masterClrMapping/>
+  </p:clrMapOvr>
+  <p:transition spd="med"/>
+</p:sld>
+</file>
+
+<file path=ppt/slides/slide108.xml><?xml version="1.0" encoding="utf-8"?>
+<p:sld xmlns:a="http://schemas.openxmlformats.org/drawingml/2006/main" xmlns:r="http://schemas.openxmlformats.org/officeDocument/2006/relationships" xmlns:p="http://schemas.openxmlformats.org/presentationml/2006/main">
+  <p:cSld>
+    <p:spTree>
+      <p:nvGrpSpPr>
+        <p:cNvPr id="1" name=""/>
+        <p:cNvGrpSpPr/>
+        <p:nvPr/>
+      </p:nvGrpSpPr>
+      <p:grpSpPr>
+        <a:xfrm>
+          <a:off x="0" y="0"/>
+          <a:ext cx="0" cy="0"/>
+          <a:chOff x="0" y="0"/>
+          <a:chExt cx="0" cy="0"/>
+        </a:xfrm>
+      </p:grpSpPr>
+      <p:sp>
+        <p:nvSpPr>
+          <p:cNvPr id="4" name="Título 3">
+            <a:extLst>
+              <a:ext uri="{FF2B5EF4-FFF2-40B4-BE49-F238E27FC236}">
+                <a16:creationId xmlns:a16="http://schemas.microsoft.com/office/drawing/2014/main" id="{8A4C52A0-42D9-47BB-966A-7FE92FDBFA2D}"/>
+              </a:ext>
+            </a:extLst>
+          </p:cNvPr>
+          <p:cNvSpPr>
+            <a:spLocks noGrp="1"/>
+          </p:cNvSpPr>
+          <p:nvPr>
+            <p:ph type="title"/>
+          </p:nvPr>
+        </p:nvSpPr>
+        <p:spPr/>
+        <p:txBody>
+          <a:bodyPr>
+            <a:normAutofit/>
+          </a:bodyPr>
+          <a:lstStyle/>
+          <a:p>
+            <a:r>
+              <a:rPr lang="pt-BR" dirty="0"/>
+              <a:t>Diagramas de Classes - Relacionamentos</a:t>
+            </a:r>
+          </a:p>
+        </p:txBody>
+      </p:sp>
+      <p:sp>
+        <p:nvSpPr>
+          <p:cNvPr id="5" name="Espaço Reservado para Conteúdo 4">
+            <a:extLst>
+              <a:ext uri="{FF2B5EF4-FFF2-40B4-BE49-F238E27FC236}">
+                <a16:creationId xmlns:a16="http://schemas.microsoft.com/office/drawing/2014/main" id="{1FBD8255-54D1-42B3-9B71-2D45D227E6FC}"/>
+              </a:ext>
+            </a:extLst>
+          </p:cNvPr>
+          <p:cNvSpPr>
+            <a:spLocks noGrp="1"/>
+          </p:cNvSpPr>
+          <p:nvPr>
+            <p:ph type="body" idx="1"/>
+          </p:nvPr>
+        </p:nvSpPr>
+        <p:spPr>
+          <a:xfrm>
+            <a:off x="1689100" y="2511225"/>
+            <a:ext cx="21005800" cy="10609446"/>
+          </a:xfrm>
+          <a:solidFill>
+            <a:schemeClr val="bg1"/>
+          </a:solidFill>
+        </p:spPr>
+        <p:txBody>
+          <a:bodyPr>
+            <a:noAutofit/>
+          </a:bodyPr>
+          <a:lstStyle/>
+          <a:p>
+            <a:pPr>
+              <a:buSzPct val="100000"/>
+            </a:pPr>
+            <a:r>
+              <a:rPr lang="pt-BR" sz="3200" dirty="0">
+                <a:cs typeface="Courier New" panose="02070309020205020404" pitchFamily="49" charset="0"/>
+              </a:rPr>
+              <a:t>Especializações-Generalizações:</a:t>
+            </a:r>
+          </a:p>
+          <a:p>
+            <a:pPr lvl="1">
+              <a:buSzPct val="100000"/>
+            </a:pPr>
+            <a:r>
+              <a:rPr lang="pt-BR" sz="2800" dirty="0">
+                <a:cs typeface="Courier New" panose="02070309020205020404" pitchFamily="49" charset="0"/>
+              </a:rPr>
+              <a:t>A nossa empresa fictícia ZYX necessita manter em seu cadastro dois tipos diferentes de clientes: pessoas físicas (classe </a:t>
+            </a:r>
+            <a:r>
+              <a:rPr lang="pt-BR" sz="2800" b="1" dirty="0" err="1">
+                <a:cs typeface="Courier New" panose="02070309020205020404" pitchFamily="49" charset="0"/>
+              </a:rPr>
+              <a:t>ClientePF</a:t>
+            </a:r>
+            <a:r>
+              <a:rPr lang="pt-BR" sz="2800" dirty="0">
+                <a:cs typeface="Courier New" panose="02070309020205020404" pitchFamily="49" charset="0"/>
+              </a:rPr>
+              <a:t>) e pessoas jurídicas (classe </a:t>
+            </a:r>
+            <a:r>
+              <a:rPr lang="pt-BR" sz="2800" b="1" dirty="0" err="1">
+                <a:cs typeface="Courier New" panose="02070309020205020404" pitchFamily="49" charset="0"/>
+              </a:rPr>
+              <a:t>ClientePJ</a:t>
+            </a:r>
+            <a:r>
+              <a:rPr lang="pt-BR" sz="2800" dirty="0">
+                <a:cs typeface="Courier New" panose="02070309020205020404" pitchFamily="49" charset="0"/>
+              </a:rPr>
+              <a:t>), que possuem semelhanças e diferenças entre si: os endereços e telefones devem ser armazenados nos cadastros para todos os clientes, independentemente se são pessoas físicas ou jurídicas, os nomes são necessários apenas para as pessoas físicas e as razões sociais e nomes de contato são necessários apenas para as pessoas jurídicas.</a:t>
+            </a:r>
+          </a:p>
+          <a:p>
+            <a:pPr lvl="1">
+              <a:buSzPct val="100000"/>
+            </a:pPr>
+            <a:r>
+              <a:rPr lang="pt-BR" sz="2800" dirty="0">
+                <a:cs typeface="Courier New" panose="02070309020205020404" pitchFamily="49" charset="0"/>
+              </a:rPr>
+              <a:t>Utilizando o relacionamento de especialização-generalização, os atributos, </a:t>
+            </a:r>
+            <a:br>
+              <a:rPr lang="pt-BR" sz="2800" dirty="0">
+                <a:cs typeface="Courier New" panose="02070309020205020404" pitchFamily="49" charset="0"/>
+              </a:rPr>
+            </a:br>
+            <a:r>
+              <a:rPr lang="pt-BR" sz="2800" dirty="0">
+                <a:cs typeface="Courier New" panose="02070309020205020404" pitchFamily="49" charset="0"/>
+              </a:rPr>
+              <a:t>operações e relacionamentos comuns ficam na classe que chamamos de </a:t>
+            </a:r>
+            <a:br>
+              <a:rPr lang="pt-BR" sz="2800" dirty="0">
+                <a:cs typeface="Courier New" panose="02070309020205020404" pitchFamily="49" charset="0"/>
+              </a:rPr>
+            </a:br>
+            <a:r>
+              <a:rPr lang="pt-BR" sz="2800" dirty="0">
+                <a:cs typeface="Courier New" panose="02070309020205020404" pitchFamily="49" charset="0"/>
+              </a:rPr>
+              <a:t>superclasse ou classe-base, enquanto as diferenças vão para as subclasses, </a:t>
+            </a:r>
+            <a:br>
+              <a:rPr lang="pt-BR" sz="2800" dirty="0">
+                <a:cs typeface="Courier New" panose="02070309020205020404" pitchFamily="49" charset="0"/>
+              </a:rPr>
+            </a:br>
+            <a:r>
+              <a:rPr lang="pt-BR" sz="2800" dirty="0">
+                <a:cs typeface="Courier New" panose="02070309020205020404" pitchFamily="49" charset="0"/>
+              </a:rPr>
+              <a:t>também chamadas de classes derivadas. Estas herdam da superclasse os </a:t>
+            </a:r>
+            <a:br>
+              <a:rPr lang="pt-BR" sz="2800" dirty="0">
+                <a:cs typeface="Courier New" panose="02070309020205020404" pitchFamily="49" charset="0"/>
+              </a:rPr>
+            </a:br>
+            <a:r>
+              <a:rPr lang="pt-BR" sz="2800" dirty="0">
+                <a:cs typeface="Courier New" panose="02070309020205020404" pitchFamily="49" charset="0"/>
+              </a:rPr>
+              <a:t>atributos, as operações e os relacionamentos comuns.</a:t>
+            </a:r>
+          </a:p>
+          <a:p>
+            <a:pPr lvl="1">
+              <a:buSzPct val="100000"/>
+            </a:pPr>
+            <a:r>
+              <a:rPr lang="pt-BR" sz="2800" dirty="0">
+                <a:cs typeface="Courier New" panose="02070309020205020404" pitchFamily="49" charset="0"/>
+              </a:rPr>
+              <a:t>Sendo assim, os clientes pessoas físicas do modelo ao lado têm endereço, </a:t>
+            </a:r>
+            <a:br>
+              <a:rPr lang="pt-BR" sz="2800" dirty="0">
+                <a:cs typeface="Courier New" panose="02070309020205020404" pitchFamily="49" charset="0"/>
+              </a:rPr>
+            </a:br>
+            <a:r>
+              <a:rPr lang="pt-BR" sz="2800" dirty="0">
+                <a:cs typeface="Courier New" panose="02070309020205020404" pitchFamily="49" charset="0"/>
+              </a:rPr>
+              <a:t>telefone e nome como atributos e estão associados a qualquer número de </a:t>
+            </a:r>
+            <a:br>
+              <a:rPr lang="pt-BR" sz="2800" dirty="0">
+                <a:cs typeface="Courier New" panose="02070309020205020404" pitchFamily="49" charset="0"/>
+              </a:rPr>
+            </a:br>
+            <a:r>
+              <a:rPr lang="pt-BR" sz="2800" dirty="0">
+                <a:cs typeface="Courier New" panose="02070309020205020404" pitchFamily="49" charset="0"/>
+              </a:rPr>
+              <a:t>pedidos. Os clientes pessoas jurídicas, além do endereço e telefone, têm </a:t>
+            </a:r>
+            <a:br>
+              <a:rPr lang="pt-BR" sz="2800" dirty="0">
+                <a:cs typeface="Courier New" panose="02070309020205020404" pitchFamily="49" charset="0"/>
+              </a:rPr>
+            </a:br>
+            <a:r>
+              <a:rPr lang="pt-BR" sz="2800" dirty="0">
+                <a:cs typeface="Courier New" panose="02070309020205020404" pitchFamily="49" charset="0"/>
+              </a:rPr>
+              <a:t>como atributos a razão social e o contato e estão associados a qualquer </a:t>
+            </a:r>
+            <a:br>
+              <a:rPr lang="pt-BR" sz="2800" dirty="0">
+                <a:cs typeface="Courier New" panose="02070309020205020404" pitchFamily="49" charset="0"/>
+              </a:rPr>
+            </a:br>
+            <a:r>
+              <a:rPr lang="pt-BR" sz="2800" dirty="0">
+                <a:cs typeface="Courier New" panose="02070309020205020404" pitchFamily="49" charset="0"/>
+              </a:rPr>
+              <a:t>número de pedidos. Podem possuir, ainda, um representante de vendas, </a:t>
+            </a:r>
+            <a:br>
+              <a:rPr lang="pt-BR" sz="2800" dirty="0">
+                <a:cs typeface="Courier New" panose="02070309020205020404" pitchFamily="49" charset="0"/>
+              </a:rPr>
+            </a:br>
+            <a:r>
+              <a:rPr lang="pt-BR" sz="2800" dirty="0">
+                <a:cs typeface="Courier New" panose="02070309020205020404" pitchFamily="49" charset="0"/>
+              </a:rPr>
+              <a:t>que é um funcionário da ZYX. Os relacionamentos de </a:t>
+            </a:r>
+            <a:br>
+              <a:rPr lang="pt-BR" sz="2800" dirty="0">
+                <a:cs typeface="Courier New" panose="02070309020205020404" pitchFamily="49" charset="0"/>
+              </a:rPr>
+            </a:br>
+            <a:r>
+              <a:rPr lang="pt-BR" sz="2800" dirty="0">
+                <a:cs typeface="Courier New" panose="02070309020205020404" pitchFamily="49" charset="0"/>
+              </a:rPr>
+              <a:t>generalização-especialização são representados por setas com pontas </a:t>
+            </a:r>
+            <a:br>
+              <a:rPr lang="pt-BR" sz="2800" dirty="0">
+                <a:cs typeface="Courier New" panose="02070309020205020404" pitchFamily="49" charset="0"/>
+              </a:rPr>
+            </a:br>
+            <a:r>
+              <a:rPr lang="pt-BR" sz="2800" dirty="0">
+                <a:cs typeface="Courier New" panose="02070309020205020404" pitchFamily="49" charset="0"/>
+              </a:rPr>
+              <a:t>triangulares vazadas.</a:t>
+            </a:r>
+          </a:p>
+        </p:txBody>
+      </p:sp>
+      <p:sp>
+        <p:nvSpPr>
+          <p:cNvPr id="7" name="Espaço Reservado para Número de Slide 6">
+            <a:extLst>
+              <a:ext uri="{FF2B5EF4-FFF2-40B4-BE49-F238E27FC236}">
+                <a16:creationId xmlns:a16="http://schemas.microsoft.com/office/drawing/2014/main" id="{40C5ECBA-0615-433C-B308-162C7F749201}"/>
+              </a:ext>
+            </a:extLst>
+          </p:cNvPr>
+          <p:cNvSpPr>
+            <a:spLocks noGrp="1"/>
+          </p:cNvSpPr>
+          <p:nvPr>
+            <p:ph type="sldNum" sz="quarter" idx="10"/>
+          </p:nvPr>
+        </p:nvSpPr>
+        <p:spPr/>
+        <p:txBody>
+          <a:bodyPr/>
+          <a:lstStyle/>
+          <a:p>
+            <a:fld id="{E4B35BDD-CC3D-4492-88ED-922B282360E3}" type="slidenum">
+              <a:rPr lang="pt-BR" smtClean="0"/>
+              <a:t>108</a:t>
+            </a:fld>
+            <a:endParaRPr lang="pt-BR"/>
+          </a:p>
+        </p:txBody>
+      </p:sp>
+      <p:pic>
+        <p:nvPicPr>
+          <p:cNvPr id="6" name="Imagem 5">
+            <a:extLst>
+              <a:ext uri="{FF2B5EF4-FFF2-40B4-BE49-F238E27FC236}">
+                <a16:creationId xmlns:a16="http://schemas.microsoft.com/office/drawing/2014/main" id="{FD6AE649-7B59-464F-87E2-8CBBD3607CE5}"/>
+              </a:ext>
+            </a:extLst>
+          </p:cNvPr>
+          <p:cNvPicPr>
+            <a:picLocks noChangeAspect="1"/>
+          </p:cNvPicPr>
+          <p:nvPr/>
+        </p:nvPicPr>
+        <p:blipFill>
+          <a:blip r:embed="rId2"/>
+          <a:stretch>
+            <a:fillRect/>
+          </a:stretch>
+        </p:blipFill>
+        <p:spPr>
+          <a:xfrm>
+            <a:off x="14797917" y="6095206"/>
+            <a:ext cx="7896983" cy="6985794"/>
+          </a:xfrm>
+          <a:prstGeom prst="rect">
+            <a:avLst/>
+          </a:prstGeom>
+        </p:spPr>
+      </p:pic>
+    </p:spTree>
+    <p:extLst>
+      <p:ext uri="{BB962C8B-B14F-4D97-AF65-F5344CB8AC3E}">
+        <p14:creationId xmlns:p14="http://schemas.microsoft.com/office/powerpoint/2010/main" val="4078864038"/>
+      </p:ext>
+    </p:extLst>
+  </p:cSld>
+  <p:clrMapOvr>
+    <a:masterClrMapping/>
+  </p:clrMapOvr>
+  <p:transition spd="med"/>
+</p:sld>
+</file>
+
+<file path=ppt/slides/slide109.xml><?xml version="1.0" encoding="utf-8"?>
+<p:sld xmlns:a="http://schemas.openxmlformats.org/drawingml/2006/main" xmlns:r="http://schemas.openxmlformats.org/officeDocument/2006/relationships" xmlns:p="http://schemas.openxmlformats.org/presentationml/2006/main">
+  <p:cSld>
+    <p:spTree>
+      <p:nvGrpSpPr>
+        <p:cNvPr id="1" name=""/>
+        <p:cNvGrpSpPr/>
+        <p:nvPr/>
+      </p:nvGrpSpPr>
+      <p:grpSpPr>
+        <a:xfrm>
+          <a:off x="0" y="0"/>
+          <a:ext cx="0" cy="0"/>
+          <a:chOff x="0" y="0"/>
+          <a:chExt cx="0" cy="0"/>
+        </a:xfrm>
+      </p:grpSpPr>
+      <p:sp>
+        <p:nvSpPr>
+          <p:cNvPr id="4" name="Título 3">
+            <a:extLst>
+              <a:ext uri="{FF2B5EF4-FFF2-40B4-BE49-F238E27FC236}">
+                <a16:creationId xmlns:a16="http://schemas.microsoft.com/office/drawing/2014/main" id="{8A4C52A0-42D9-47BB-966A-7FE92FDBFA2D}"/>
+              </a:ext>
+            </a:extLst>
+          </p:cNvPr>
+          <p:cNvSpPr>
+            <a:spLocks noGrp="1"/>
+          </p:cNvSpPr>
+          <p:nvPr>
+            <p:ph type="title"/>
+          </p:nvPr>
+        </p:nvSpPr>
+        <p:spPr/>
+        <p:txBody>
+          <a:bodyPr>
+            <a:normAutofit/>
+          </a:bodyPr>
+          <a:lstStyle/>
+          <a:p>
+            <a:r>
+              <a:rPr lang="pt-BR" dirty="0"/>
+              <a:t>Diagramas de Classes - Relacionamentos</a:t>
+            </a:r>
+          </a:p>
+        </p:txBody>
+      </p:sp>
+      <p:sp>
+        <p:nvSpPr>
+          <p:cNvPr id="5" name="Espaço Reservado para Conteúdo 4">
+            <a:extLst>
+              <a:ext uri="{FF2B5EF4-FFF2-40B4-BE49-F238E27FC236}">
+                <a16:creationId xmlns:a16="http://schemas.microsoft.com/office/drawing/2014/main" id="{1FBD8255-54D1-42B3-9B71-2D45D227E6FC}"/>
+              </a:ext>
+            </a:extLst>
+          </p:cNvPr>
+          <p:cNvSpPr>
+            <a:spLocks noGrp="1"/>
+          </p:cNvSpPr>
+          <p:nvPr>
+            <p:ph type="body" idx="1"/>
+          </p:nvPr>
+        </p:nvSpPr>
+        <p:spPr>
+          <a:xfrm>
+            <a:off x="1689100" y="2511225"/>
+            <a:ext cx="21005800" cy="10609446"/>
+          </a:xfrm>
+          <a:solidFill>
+            <a:schemeClr val="bg1"/>
+          </a:solidFill>
+        </p:spPr>
+        <p:txBody>
+          <a:bodyPr>
+            <a:noAutofit/>
+          </a:bodyPr>
+          <a:lstStyle/>
+          <a:p>
+            <a:pPr>
+              <a:buSzPct val="100000"/>
+            </a:pPr>
+            <a:r>
+              <a:rPr lang="pt-BR" sz="3200" dirty="0">
+                <a:cs typeface="Courier New" panose="02070309020205020404" pitchFamily="49" charset="0"/>
+              </a:rPr>
+              <a:t>Especializações-Generalizações:</a:t>
+            </a:r>
+          </a:p>
+          <a:p>
+            <a:pPr lvl="1">
+              <a:buSzPct val="100000"/>
+            </a:pPr>
+            <a:r>
+              <a:rPr lang="pt-BR" sz="2800" dirty="0">
+                <a:cs typeface="Courier New" panose="02070309020205020404" pitchFamily="49" charset="0"/>
+              </a:rPr>
+              <a:t>Cabe aqui explicar um detalhe sobre outro tipo de visibilidade de atributos e métodos que deixamos de explicar anteriormente porque ainda não tínhamos visto os relacionamentos de especialização-generalização: os atributos e métodos protegidos.</a:t>
+            </a:r>
+          </a:p>
+          <a:p>
+            <a:pPr lvl="1">
+              <a:buSzPct val="100000"/>
+            </a:pPr>
+            <a:r>
+              <a:rPr lang="pt-BR" sz="2800" dirty="0">
+                <a:cs typeface="Courier New" panose="02070309020205020404" pitchFamily="49" charset="0"/>
+              </a:rPr>
+              <a:t>Em uma classe, ser protegido significa que o atributo ou método é protegido do acesso externo de forma geral, mas pode ser acessado pelos métodos das classes que a especializam. Um atributo ou método protegido tem sua visibilidade denotada por um #.</a:t>
+            </a:r>
+          </a:p>
+          <a:p>
+            <a:pPr lvl="1">
+              <a:buSzPct val="100000"/>
+            </a:pPr>
+            <a:r>
+              <a:rPr lang="pt-BR" sz="2800" dirty="0">
+                <a:cs typeface="Courier New" panose="02070309020205020404" pitchFamily="49" charset="0"/>
+              </a:rPr>
+              <a:t>Como ilustra o diagrama abaixo, o atributo nome da classe </a:t>
+            </a:r>
+            <a:r>
+              <a:rPr lang="pt-BR" sz="2800" b="1" dirty="0" err="1">
+                <a:cs typeface="Courier New" panose="02070309020205020404" pitchFamily="49" charset="0"/>
+              </a:rPr>
+              <a:t>Funcionario</a:t>
+            </a:r>
+            <a:r>
+              <a:rPr lang="pt-BR" sz="2800" dirty="0">
+                <a:cs typeface="Courier New" panose="02070309020205020404" pitchFamily="49" charset="0"/>
+              </a:rPr>
+              <a:t> só pode ser acessado diretamente pelo próprio objeto instanciado dessa classe, porque o atributo está marcado como sendo privado. Nesse caso, nem um objeto da classe </a:t>
+            </a:r>
+            <a:r>
+              <a:rPr lang="pt-BR" sz="2800" b="1" dirty="0">
+                <a:cs typeface="Courier New" panose="02070309020205020404" pitchFamily="49" charset="0"/>
+              </a:rPr>
+              <a:t>Engenheiro</a:t>
+            </a:r>
+            <a:r>
+              <a:rPr lang="pt-BR" sz="2800" dirty="0">
+                <a:cs typeface="Courier New" panose="02070309020205020404" pitchFamily="49" charset="0"/>
+              </a:rPr>
+              <a:t> tem acesso direto a esse atributo. Já no diagrama ao lado, o atributo </a:t>
+            </a:r>
+            <a:r>
+              <a:rPr lang="pt-BR" sz="2800" b="1" dirty="0">
+                <a:cs typeface="Courier New" panose="02070309020205020404" pitchFamily="49" charset="0"/>
+              </a:rPr>
+              <a:t>nome</a:t>
+            </a:r>
+            <a:r>
+              <a:rPr lang="pt-BR" sz="2800" dirty="0">
+                <a:cs typeface="Courier New" panose="02070309020205020404" pitchFamily="49" charset="0"/>
+              </a:rPr>
+              <a:t> pode ser acessado diretamente por objetos das classes </a:t>
+            </a:r>
+            <a:r>
+              <a:rPr lang="pt-BR" sz="2800" b="1" dirty="0" err="1">
+                <a:cs typeface="Courier New" panose="02070309020205020404" pitchFamily="49" charset="0"/>
+              </a:rPr>
+              <a:t>Funcionario</a:t>
+            </a:r>
+            <a:r>
+              <a:rPr lang="pt-BR" sz="2800" dirty="0">
+                <a:cs typeface="Courier New" panose="02070309020205020404" pitchFamily="49" charset="0"/>
+              </a:rPr>
+              <a:t> e </a:t>
+            </a:r>
+            <a:r>
+              <a:rPr lang="pt-BR" sz="2800" b="1" dirty="0">
+                <a:cs typeface="Courier New" panose="02070309020205020404" pitchFamily="49" charset="0"/>
+              </a:rPr>
+              <a:t>Arquiteto</a:t>
+            </a:r>
+            <a:r>
+              <a:rPr lang="pt-BR" sz="2800" dirty="0">
+                <a:cs typeface="Courier New" panose="02070309020205020404" pitchFamily="49" charset="0"/>
+              </a:rPr>
+              <a:t>.</a:t>
+            </a:r>
+          </a:p>
+          <a:p>
+            <a:pPr lvl="1">
+              <a:buSzPct val="100000"/>
+            </a:pPr>
+            <a:endParaRPr lang="pt-BR" sz="2800" dirty="0">
+              <a:cs typeface="Courier New" panose="02070309020205020404" pitchFamily="49" charset="0"/>
+            </a:endParaRPr>
+          </a:p>
+        </p:txBody>
+      </p:sp>
+      <p:sp>
+        <p:nvSpPr>
+          <p:cNvPr id="7" name="Espaço Reservado para Número de Slide 6">
+            <a:extLst>
+              <a:ext uri="{FF2B5EF4-FFF2-40B4-BE49-F238E27FC236}">
+                <a16:creationId xmlns:a16="http://schemas.microsoft.com/office/drawing/2014/main" id="{40C5ECBA-0615-433C-B308-162C7F749201}"/>
+              </a:ext>
+            </a:extLst>
+          </p:cNvPr>
+          <p:cNvSpPr>
+            <a:spLocks noGrp="1"/>
+          </p:cNvSpPr>
+          <p:nvPr>
+            <p:ph type="sldNum" sz="quarter" idx="10"/>
+          </p:nvPr>
+        </p:nvSpPr>
+        <p:spPr/>
+        <p:txBody>
+          <a:bodyPr/>
+          <a:lstStyle/>
+          <a:p>
+            <a:fld id="{E4B35BDD-CC3D-4492-88ED-922B282360E3}" type="slidenum">
+              <a:rPr lang="pt-BR" smtClean="0"/>
+              <a:t>109</a:t>
+            </a:fld>
+            <a:endParaRPr lang="pt-BR"/>
+          </a:p>
+        </p:txBody>
+      </p:sp>
+      <p:pic>
+        <p:nvPicPr>
+          <p:cNvPr id="3" name="Imagem 2">
+            <a:extLst>
+              <a:ext uri="{FF2B5EF4-FFF2-40B4-BE49-F238E27FC236}">
+                <a16:creationId xmlns:a16="http://schemas.microsoft.com/office/drawing/2014/main" id="{3471FA38-DF87-4D9B-BFD5-63350681BBDA}"/>
+              </a:ext>
+            </a:extLst>
+          </p:cNvPr>
+          <p:cNvPicPr>
+            <a:picLocks noChangeAspect="1"/>
+          </p:cNvPicPr>
+          <p:nvPr/>
+        </p:nvPicPr>
+        <p:blipFill rotWithShape="1">
+          <a:blip r:embed="rId2"/>
+          <a:srcRect b="19864"/>
+          <a:stretch/>
+        </p:blipFill>
+        <p:spPr>
+          <a:xfrm>
+            <a:off x="7197969" y="8315950"/>
+            <a:ext cx="9988062" cy="4828167"/>
+          </a:xfrm>
+          <a:prstGeom prst="rect">
+            <a:avLst/>
+          </a:prstGeom>
+        </p:spPr>
+      </p:pic>
+    </p:spTree>
+    <p:extLst>
+      <p:ext uri="{BB962C8B-B14F-4D97-AF65-F5344CB8AC3E}">
+        <p14:creationId xmlns:p14="http://schemas.microsoft.com/office/powerpoint/2010/main" val="2865599210"/>
+      </p:ext>
+    </p:extLst>
+  </p:cSld>
+  <p:clrMapOvr>
+    <a:masterClrMapping/>
+  </p:clrMapOvr>
+  <p:transition spd="med"/>
+</p:sld>
+</file>
+
 <file path=ppt/slides/slide11.xml><?xml version="1.0" encoding="utf-8"?>
 <p:sld xmlns:a="http://schemas.openxmlformats.org/drawingml/2006/main" xmlns:r="http://schemas.openxmlformats.org/officeDocument/2006/relationships" xmlns:p="http://schemas.openxmlformats.org/presentationml/2006/main">
   <p:cSld>
@@ -13750,6 +16700,964 @@
         <p14:creationId xmlns:p14="http://schemas.microsoft.com/office/powerpoint/2010/main" val="3244650409"/>
       </p:ext>
     </p:extLst>
+  </p:cSld>
+  <p:clrMapOvr>
+    <a:masterClrMapping/>
+  </p:clrMapOvr>
+  <p:transition spd="med"/>
+</p:sld>
+</file>
+
+<file path=ppt/slides/slide110.xml><?xml version="1.0" encoding="utf-8"?>
+<p:sld xmlns:a="http://schemas.openxmlformats.org/drawingml/2006/main" xmlns:r="http://schemas.openxmlformats.org/officeDocument/2006/relationships" xmlns:p="http://schemas.openxmlformats.org/presentationml/2006/main">
+  <p:cSld>
+    <p:spTree>
+      <p:nvGrpSpPr>
+        <p:cNvPr id="1" name=""/>
+        <p:cNvGrpSpPr/>
+        <p:nvPr/>
+      </p:nvGrpSpPr>
+      <p:grpSpPr>
+        <a:xfrm>
+          <a:off x="0" y="0"/>
+          <a:ext cx="0" cy="0"/>
+          <a:chOff x="0" y="0"/>
+          <a:chExt cx="0" cy="0"/>
+        </a:xfrm>
+      </p:grpSpPr>
+      <p:sp>
+        <p:nvSpPr>
+          <p:cNvPr id="4" name="Título 3">
+            <a:extLst>
+              <a:ext uri="{FF2B5EF4-FFF2-40B4-BE49-F238E27FC236}">
+                <a16:creationId xmlns:a16="http://schemas.microsoft.com/office/drawing/2014/main" id="{8A4C52A0-42D9-47BB-966A-7FE92FDBFA2D}"/>
+              </a:ext>
+            </a:extLst>
+          </p:cNvPr>
+          <p:cNvSpPr>
+            <a:spLocks noGrp="1"/>
+          </p:cNvSpPr>
+          <p:nvPr>
+            <p:ph type="title"/>
+          </p:nvPr>
+        </p:nvSpPr>
+        <p:spPr/>
+        <p:txBody>
+          <a:bodyPr>
+            <a:normAutofit/>
+          </a:bodyPr>
+          <a:lstStyle/>
+          <a:p>
+            <a:r>
+              <a:rPr lang="pt-BR" dirty="0"/>
+              <a:t>Diagramas de Classes - Relacionamentos</a:t>
+            </a:r>
+          </a:p>
+        </p:txBody>
+      </p:sp>
+      <p:sp>
+        <p:nvSpPr>
+          <p:cNvPr id="5" name="Espaço Reservado para Conteúdo 4">
+            <a:extLst>
+              <a:ext uri="{FF2B5EF4-FFF2-40B4-BE49-F238E27FC236}">
+                <a16:creationId xmlns:a16="http://schemas.microsoft.com/office/drawing/2014/main" id="{1FBD8255-54D1-42B3-9B71-2D45D227E6FC}"/>
+              </a:ext>
+            </a:extLst>
+          </p:cNvPr>
+          <p:cNvSpPr>
+            <a:spLocks noGrp="1"/>
+          </p:cNvSpPr>
+          <p:nvPr>
+            <p:ph type="body" idx="1"/>
+          </p:nvPr>
+        </p:nvSpPr>
+        <p:spPr>
+          <a:xfrm>
+            <a:off x="1689100" y="2511225"/>
+            <a:ext cx="21005800" cy="10609446"/>
+          </a:xfrm>
+          <a:solidFill>
+            <a:schemeClr val="bg1"/>
+          </a:solidFill>
+        </p:spPr>
+        <p:txBody>
+          <a:bodyPr>
+            <a:noAutofit/>
+          </a:bodyPr>
+          <a:lstStyle/>
+          <a:p>
+            <a:pPr>
+              <a:buSzPct val="100000"/>
+            </a:pPr>
+            <a:r>
+              <a:rPr lang="pt-BR" sz="3200" dirty="0">
+                <a:cs typeface="Courier New" panose="02070309020205020404" pitchFamily="49" charset="0"/>
+              </a:rPr>
+              <a:t>Especializações-Generalizações:</a:t>
+            </a:r>
+          </a:p>
+          <a:p>
+            <a:pPr lvl="1">
+              <a:buSzPct val="100000"/>
+            </a:pPr>
+            <a:r>
+              <a:rPr lang="pt-BR" sz="2800" dirty="0">
+                <a:cs typeface="Courier New" panose="02070309020205020404" pitchFamily="49" charset="0"/>
+              </a:rPr>
+              <a:t>Há situações em que não queremos que uma classe possa ser instanciada, ou seja, que não possa haver objetos criados dela (ao contrário das classes concretas, que já vimos). Essas classes são chamadas de classes </a:t>
+            </a:r>
+            <a:r>
+              <a:rPr lang="pt-BR" sz="2800" b="1" dirty="0">
+                <a:cs typeface="Courier New" panose="02070309020205020404" pitchFamily="49" charset="0"/>
+              </a:rPr>
+              <a:t>abstratas</a:t>
+            </a:r>
+            <a:r>
+              <a:rPr lang="pt-BR" sz="2800" dirty="0">
+                <a:cs typeface="Courier New" panose="02070309020205020404" pitchFamily="49" charset="0"/>
+              </a:rPr>
+              <a:t>. Por exemplo: no modelo anterior, a classe </a:t>
+            </a:r>
+            <a:r>
+              <a:rPr lang="pt-BR" sz="2800" b="1" dirty="0">
+                <a:cs typeface="Courier New" panose="02070309020205020404" pitchFamily="49" charset="0"/>
+              </a:rPr>
+              <a:t>Cliente</a:t>
+            </a:r>
+            <a:r>
+              <a:rPr lang="pt-BR" sz="2800" dirty="0">
+                <a:cs typeface="Courier New" panose="02070309020205020404" pitchFamily="49" charset="0"/>
+              </a:rPr>
+              <a:t> foi definida como uma classe abstrata porque não pode haver objetos instanciados dessa classe, ou seja, não há nenhum cliente da ZYX que não seja pessoa física nem pessoa jurídica (eles têm de ser, obrigatoriamente, instâncias de </a:t>
+            </a:r>
+            <a:r>
+              <a:rPr lang="pt-BR" sz="2800" b="1" dirty="0" err="1">
+                <a:cs typeface="Courier New" panose="02070309020205020404" pitchFamily="49" charset="0"/>
+              </a:rPr>
+              <a:t>ClientePF</a:t>
+            </a:r>
+            <a:r>
+              <a:rPr lang="pt-BR" sz="2800" dirty="0">
+                <a:cs typeface="Courier New" panose="02070309020205020404" pitchFamily="49" charset="0"/>
+              </a:rPr>
+              <a:t> ou </a:t>
+            </a:r>
+            <a:r>
+              <a:rPr lang="pt-BR" sz="2800" b="1" dirty="0" err="1">
+                <a:cs typeface="Courier New" panose="02070309020205020404" pitchFamily="49" charset="0"/>
+              </a:rPr>
+              <a:t>ClientePJ</a:t>
+            </a:r>
+            <a:r>
+              <a:rPr lang="pt-BR" sz="2800" dirty="0">
+                <a:cs typeface="Courier New" panose="02070309020205020404" pitchFamily="49" charset="0"/>
+              </a:rPr>
+              <a:t> – quem nos disse isso foi o especialista do negócio na ZYX).</a:t>
+            </a:r>
+          </a:p>
+          <a:p>
+            <a:pPr lvl="1">
+              <a:buSzPct val="100000"/>
+            </a:pPr>
+            <a:r>
+              <a:rPr lang="pt-BR" sz="2800" dirty="0">
+                <a:cs typeface="Courier New" panose="02070309020205020404" pitchFamily="49" charset="0"/>
+              </a:rPr>
+              <a:t>Classes abstratas existem no modelo somente para agruparmos em uma só classe os atributos, operações e associações comuns a duas ou mais classes. A esse processo de agrupamento, em superclasses, de atributos e operações comuns a duas ou mais classes damos o nome de </a:t>
+            </a:r>
+            <a:r>
+              <a:rPr lang="pt-BR" sz="2800" b="1" dirty="0">
+                <a:cs typeface="Courier New" panose="02070309020205020404" pitchFamily="49" charset="0"/>
+              </a:rPr>
+              <a:t>fatoração</a:t>
+            </a:r>
+            <a:r>
+              <a:rPr lang="pt-BR" sz="2800" dirty="0">
+                <a:cs typeface="Courier New" panose="02070309020205020404" pitchFamily="49" charset="0"/>
+              </a:rPr>
+              <a:t>.</a:t>
+            </a:r>
+          </a:p>
+          <a:p>
+            <a:pPr lvl="1">
+              <a:buSzPct val="100000"/>
+            </a:pPr>
+            <a:r>
+              <a:rPr lang="pt-BR" sz="2800" dirty="0">
+                <a:cs typeface="Courier New" panose="02070309020205020404" pitchFamily="49" charset="0"/>
+              </a:rPr>
+              <a:t>Classes abstratas são denotadas na UML com seus nomes em itálico ou colocando </a:t>
+            </a:r>
+            <a:r>
+              <a:rPr lang="pt-BR" sz="2800" i="1" dirty="0">
+                <a:cs typeface="Courier New" panose="02070309020205020404" pitchFamily="49" charset="0"/>
+              </a:rPr>
+              <a:t>abstract</a:t>
+            </a:r>
+            <a:r>
+              <a:rPr lang="pt-BR" sz="2800" dirty="0">
+                <a:cs typeface="Courier New" panose="02070309020205020404" pitchFamily="49" charset="0"/>
+              </a:rPr>
+              <a:t> logo abaixo de seus nomes, dentro do compartimento do nome na caixa da classe.</a:t>
+            </a:r>
+          </a:p>
+          <a:p>
+            <a:pPr lvl="1">
+              <a:buSzPct val="100000"/>
+            </a:pPr>
+            <a:r>
+              <a:rPr lang="pt-BR" sz="2800" dirty="0">
+                <a:cs typeface="Courier New" panose="02070309020205020404" pitchFamily="49" charset="0"/>
+              </a:rPr>
+              <a:t>Por fim, nada impede que façamos especializações de especializações em qualquer quantidade de níveis. A única  recomendação é que muitos níveis de especialização (mais do que cinco, conforme cita a literatura) prejudicam o entendimento do modelo.</a:t>
+            </a:r>
+          </a:p>
+          <a:p>
+            <a:pPr lvl="1">
+              <a:buSzPct val="100000"/>
+            </a:pPr>
+            <a:endParaRPr lang="pt-BR" sz="2800" dirty="0">
+              <a:cs typeface="Courier New" panose="02070309020205020404" pitchFamily="49" charset="0"/>
+            </a:endParaRPr>
+          </a:p>
+        </p:txBody>
+      </p:sp>
+      <p:sp>
+        <p:nvSpPr>
+          <p:cNvPr id="7" name="Espaço Reservado para Número de Slide 6">
+            <a:extLst>
+              <a:ext uri="{FF2B5EF4-FFF2-40B4-BE49-F238E27FC236}">
+                <a16:creationId xmlns:a16="http://schemas.microsoft.com/office/drawing/2014/main" id="{40C5ECBA-0615-433C-B308-162C7F749201}"/>
+              </a:ext>
+            </a:extLst>
+          </p:cNvPr>
+          <p:cNvSpPr>
+            <a:spLocks noGrp="1"/>
+          </p:cNvSpPr>
+          <p:nvPr>
+            <p:ph type="sldNum" sz="quarter" idx="10"/>
+          </p:nvPr>
+        </p:nvSpPr>
+        <p:spPr/>
+        <p:txBody>
+          <a:bodyPr/>
+          <a:lstStyle/>
+          <a:p>
+            <a:fld id="{E4B35BDD-CC3D-4492-88ED-922B282360E3}" type="slidenum">
+              <a:rPr lang="pt-BR" smtClean="0"/>
+              <a:t>110</a:t>
+            </a:fld>
+            <a:endParaRPr lang="pt-BR"/>
+          </a:p>
+        </p:txBody>
+      </p:sp>
+    </p:spTree>
+    <p:extLst>
+      <p:ext uri="{BB962C8B-B14F-4D97-AF65-F5344CB8AC3E}">
+        <p14:creationId xmlns:p14="http://schemas.microsoft.com/office/powerpoint/2010/main" val="205906118"/>
+      </p:ext>
+    </p:extLst>
+  </p:cSld>
+  <p:clrMapOvr>
+    <a:masterClrMapping/>
+  </p:clrMapOvr>
+  <p:transition spd="med"/>
+</p:sld>
+</file>
+
+<file path=ppt/slides/slide111.xml><?xml version="1.0" encoding="utf-8"?>
+<p:sld xmlns:a="http://schemas.openxmlformats.org/drawingml/2006/main" xmlns:r="http://schemas.openxmlformats.org/officeDocument/2006/relationships" xmlns:p="http://schemas.openxmlformats.org/presentationml/2006/main">
+  <p:cSld>
+    <p:spTree>
+      <p:nvGrpSpPr>
+        <p:cNvPr id="1" name=""/>
+        <p:cNvGrpSpPr/>
+        <p:nvPr/>
+      </p:nvGrpSpPr>
+      <p:grpSpPr>
+        <a:xfrm>
+          <a:off x="0" y="0"/>
+          <a:ext cx="0" cy="0"/>
+          <a:chOff x="0" y="0"/>
+          <a:chExt cx="0" cy="0"/>
+        </a:xfrm>
+      </p:grpSpPr>
+      <p:sp>
+        <p:nvSpPr>
+          <p:cNvPr id="4" name="Título 3">
+            <a:extLst>
+              <a:ext uri="{FF2B5EF4-FFF2-40B4-BE49-F238E27FC236}">
+                <a16:creationId xmlns:a16="http://schemas.microsoft.com/office/drawing/2014/main" id="{8A4C52A0-42D9-47BB-966A-7FE92FDBFA2D}"/>
+              </a:ext>
+            </a:extLst>
+          </p:cNvPr>
+          <p:cNvSpPr>
+            <a:spLocks noGrp="1"/>
+          </p:cNvSpPr>
+          <p:nvPr>
+            <p:ph type="title"/>
+          </p:nvPr>
+        </p:nvSpPr>
+        <p:spPr/>
+        <p:txBody>
+          <a:bodyPr>
+            <a:normAutofit/>
+          </a:bodyPr>
+          <a:lstStyle/>
+          <a:p>
+            <a:r>
+              <a:rPr lang="pt-BR" dirty="0"/>
+              <a:t>Diagramas de Classes - Relacionamentos</a:t>
+            </a:r>
+          </a:p>
+        </p:txBody>
+      </p:sp>
+      <p:sp>
+        <p:nvSpPr>
+          <p:cNvPr id="5" name="Espaço Reservado para Conteúdo 4">
+            <a:extLst>
+              <a:ext uri="{FF2B5EF4-FFF2-40B4-BE49-F238E27FC236}">
+                <a16:creationId xmlns:a16="http://schemas.microsoft.com/office/drawing/2014/main" id="{1FBD8255-54D1-42B3-9B71-2D45D227E6FC}"/>
+              </a:ext>
+            </a:extLst>
+          </p:cNvPr>
+          <p:cNvSpPr>
+            <a:spLocks noGrp="1"/>
+          </p:cNvSpPr>
+          <p:nvPr>
+            <p:ph type="body" idx="1"/>
+          </p:nvPr>
+        </p:nvSpPr>
+        <p:spPr>
+          <a:xfrm>
+            <a:off x="1689100" y="2511225"/>
+            <a:ext cx="21005800" cy="10609446"/>
+          </a:xfrm>
+          <a:solidFill>
+            <a:schemeClr val="bg1"/>
+          </a:solidFill>
+        </p:spPr>
+        <p:txBody>
+          <a:bodyPr>
+            <a:noAutofit/>
+          </a:bodyPr>
+          <a:lstStyle/>
+          <a:p>
+            <a:pPr>
+              <a:buSzPct val="100000"/>
+            </a:pPr>
+            <a:r>
+              <a:rPr lang="pt-BR" sz="3200" dirty="0">
+                <a:cs typeface="Courier New" panose="02070309020205020404" pitchFamily="49" charset="0"/>
+              </a:rPr>
+              <a:t>Agregações:</a:t>
+            </a:r>
+          </a:p>
+          <a:p>
+            <a:pPr lvl="1">
+              <a:buSzPct val="100000"/>
+            </a:pPr>
+            <a:r>
+              <a:rPr lang="pt-BR" sz="2800" dirty="0">
+                <a:cs typeface="Courier New" panose="02070309020205020404" pitchFamily="49" charset="0"/>
+              </a:rPr>
+              <a:t>Há situações em que precisamos especificar conceitos que representam conjuntos de entidades. Nesse caso, além das entidades que correspondem às partes, os conjuntos também são entidades que devem ser representadas em nosso modelo. O conjuntos e as partes são ligadas entre si por meio de relacionamentos ditos de </a:t>
+            </a:r>
+            <a:r>
+              <a:rPr lang="pt-BR" sz="2800" b="1" dirty="0">
+                <a:cs typeface="Courier New" panose="02070309020205020404" pitchFamily="49" charset="0"/>
+              </a:rPr>
+              <a:t>agregação</a:t>
+            </a:r>
+            <a:r>
+              <a:rPr lang="pt-BR" sz="2800" dirty="0">
+                <a:cs typeface="Courier New" panose="02070309020205020404" pitchFamily="49" charset="0"/>
+              </a:rPr>
+              <a:t> – pois conjuntos agregam suas partes. Exemplos de conjuntos e suas partes são times de futebol e seus jogadores, empregados e seus dependentes, departamentos e suas divisões, divisões e seus colaboradores, etc.</a:t>
+            </a:r>
+          </a:p>
+          <a:p>
+            <a:pPr lvl="1">
+              <a:buSzPct val="100000"/>
+            </a:pPr>
+            <a:r>
+              <a:rPr lang="pt-BR" sz="2800" dirty="0">
+                <a:cs typeface="Courier New" panose="02070309020205020404" pitchFamily="49" charset="0"/>
+              </a:rPr>
+              <a:t>O relacionamento de agregação é um relacionamento do tipo todo-parte; representamos o "todo" associado às "partes" que o compõem.</a:t>
+            </a:r>
+          </a:p>
+          <a:p>
+            <a:pPr lvl="1">
+              <a:buSzPct val="100000"/>
+            </a:pPr>
+            <a:r>
+              <a:rPr lang="pt-BR" sz="2800" dirty="0">
+                <a:cs typeface="Courier New" panose="02070309020205020404" pitchFamily="49" charset="0"/>
+              </a:rPr>
+              <a:t>A UML possui uma notação especial para agregações: um losango vazado, conforme ilustrado abaixo. Nessa figura representamos os funcionários em uma organização e seus dependentes: cada dependente está associado a um funcionário específico, enquanto funcionários têm qualquer número de dependentes, eventualmente nenhum.</a:t>
+            </a:r>
+          </a:p>
+          <a:p>
+            <a:pPr lvl="1">
+              <a:buSzPct val="100000"/>
+            </a:pPr>
+            <a:r>
+              <a:rPr lang="pt-BR" sz="2800" dirty="0">
+                <a:cs typeface="Courier New" panose="02070309020205020404" pitchFamily="49" charset="0"/>
+              </a:rPr>
+              <a:t>Abaixo, à esquerda, é indicada uma situação em que um time é composto de 11 a 22 jogadores e que cada jogador ou não está associado a um time ou está associado a, no máximo, um time.</a:t>
+            </a:r>
+          </a:p>
+          <a:p>
+            <a:pPr lvl="1">
+              <a:buSzPct val="100000"/>
+            </a:pPr>
+            <a:endParaRPr lang="pt-BR" sz="2800" dirty="0">
+              <a:cs typeface="Courier New" panose="02070309020205020404" pitchFamily="49" charset="0"/>
+            </a:endParaRPr>
+          </a:p>
+        </p:txBody>
+      </p:sp>
+      <p:sp>
+        <p:nvSpPr>
+          <p:cNvPr id="7" name="Espaço Reservado para Número de Slide 6">
+            <a:extLst>
+              <a:ext uri="{FF2B5EF4-FFF2-40B4-BE49-F238E27FC236}">
+                <a16:creationId xmlns:a16="http://schemas.microsoft.com/office/drawing/2014/main" id="{40C5ECBA-0615-433C-B308-162C7F749201}"/>
+              </a:ext>
+            </a:extLst>
+          </p:cNvPr>
+          <p:cNvSpPr>
+            <a:spLocks noGrp="1"/>
+          </p:cNvSpPr>
+          <p:nvPr>
+            <p:ph type="sldNum" sz="quarter" idx="10"/>
+          </p:nvPr>
+        </p:nvSpPr>
+        <p:spPr/>
+        <p:txBody>
+          <a:bodyPr/>
+          <a:lstStyle/>
+          <a:p>
+            <a:fld id="{E4B35BDD-CC3D-4492-88ED-922B282360E3}" type="slidenum">
+              <a:rPr lang="pt-BR" smtClean="0"/>
+              <a:t>111</a:t>
+            </a:fld>
+            <a:endParaRPr lang="pt-BR"/>
+          </a:p>
+        </p:txBody>
+      </p:sp>
+      <p:pic>
+        <p:nvPicPr>
+          <p:cNvPr id="3" name="Imagem 2">
+            <a:extLst>
+              <a:ext uri="{FF2B5EF4-FFF2-40B4-BE49-F238E27FC236}">
+                <a16:creationId xmlns:a16="http://schemas.microsoft.com/office/drawing/2014/main" id="{306F792A-CC15-4F5C-96E1-FA1DBC6B469A}"/>
+              </a:ext>
+            </a:extLst>
+          </p:cNvPr>
+          <p:cNvPicPr>
+            <a:picLocks noChangeAspect="1"/>
+          </p:cNvPicPr>
+          <p:nvPr/>
+        </p:nvPicPr>
+        <p:blipFill>
+          <a:blip r:embed="rId2"/>
+          <a:stretch>
+            <a:fillRect/>
+          </a:stretch>
+        </p:blipFill>
+        <p:spPr>
+          <a:xfrm>
+            <a:off x="4750114" y="11204775"/>
+            <a:ext cx="7284214" cy="1636902"/>
+          </a:xfrm>
+          <a:prstGeom prst="rect">
+            <a:avLst/>
+          </a:prstGeom>
+        </p:spPr>
+      </p:pic>
+      <p:pic>
+        <p:nvPicPr>
+          <p:cNvPr id="8" name="Imagem 7">
+            <a:extLst>
+              <a:ext uri="{FF2B5EF4-FFF2-40B4-BE49-F238E27FC236}">
+                <a16:creationId xmlns:a16="http://schemas.microsoft.com/office/drawing/2014/main" id="{45E4CE79-3540-4906-A287-769C15A13934}"/>
+              </a:ext>
+            </a:extLst>
+          </p:cNvPr>
+          <p:cNvPicPr>
+            <a:picLocks noChangeAspect="1"/>
+          </p:cNvPicPr>
+          <p:nvPr/>
+        </p:nvPicPr>
+        <p:blipFill>
+          <a:blip r:embed="rId3"/>
+          <a:stretch>
+            <a:fillRect/>
+          </a:stretch>
+        </p:blipFill>
+        <p:spPr>
+          <a:xfrm>
+            <a:off x="12938295" y="11204775"/>
+            <a:ext cx="6381335" cy="1635491"/>
+          </a:xfrm>
+          <a:prstGeom prst="rect">
+            <a:avLst/>
+          </a:prstGeom>
+        </p:spPr>
+      </p:pic>
+    </p:spTree>
+    <p:extLst>
+      <p:ext uri="{BB962C8B-B14F-4D97-AF65-F5344CB8AC3E}">
+        <p14:creationId xmlns:p14="http://schemas.microsoft.com/office/powerpoint/2010/main" val="1775952910"/>
+      </p:ext>
+    </p:extLst>
+  </p:cSld>
+  <p:clrMapOvr>
+    <a:masterClrMapping/>
+  </p:clrMapOvr>
+  <p:transition spd="med"/>
+</p:sld>
+</file>
+
+<file path=ppt/slides/slide112.xml><?xml version="1.0" encoding="utf-8"?>
+<p:sld xmlns:a="http://schemas.openxmlformats.org/drawingml/2006/main" xmlns:r="http://schemas.openxmlformats.org/officeDocument/2006/relationships" xmlns:p="http://schemas.openxmlformats.org/presentationml/2006/main">
+  <p:cSld>
+    <p:spTree>
+      <p:nvGrpSpPr>
+        <p:cNvPr id="1" name=""/>
+        <p:cNvGrpSpPr/>
+        <p:nvPr/>
+      </p:nvGrpSpPr>
+      <p:grpSpPr>
+        <a:xfrm>
+          <a:off x="0" y="0"/>
+          <a:ext cx="0" cy="0"/>
+          <a:chOff x="0" y="0"/>
+          <a:chExt cx="0" cy="0"/>
+        </a:xfrm>
+      </p:grpSpPr>
+      <p:sp>
+        <p:nvSpPr>
+          <p:cNvPr id="4" name="Título 3">
+            <a:extLst>
+              <a:ext uri="{FF2B5EF4-FFF2-40B4-BE49-F238E27FC236}">
+                <a16:creationId xmlns:a16="http://schemas.microsoft.com/office/drawing/2014/main" id="{8A4C52A0-42D9-47BB-966A-7FE92FDBFA2D}"/>
+              </a:ext>
+            </a:extLst>
+          </p:cNvPr>
+          <p:cNvSpPr>
+            <a:spLocks noGrp="1"/>
+          </p:cNvSpPr>
+          <p:nvPr>
+            <p:ph type="title"/>
+          </p:nvPr>
+        </p:nvSpPr>
+        <p:spPr/>
+        <p:txBody>
+          <a:bodyPr>
+            <a:normAutofit/>
+          </a:bodyPr>
+          <a:lstStyle/>
+          <a:p>
+            <a:r>
+              <a:rPr lang="pt-BR" dirty="0"/>
+              <a:t>Diagramas de Classes - Relacionamentos</a:t>
+            </a:r>
+          </a:p>
+        </p:txBody>
+      </p:sp>
+      <p:sp>
+        <p:nvSpPr>
+          <p:cNvPr id="5" name="Espaço Reservado para Conteúdo 4">
+            <a:extLst>
+              <a:ext uri="{FF2B5EF4-FFF2-40B4-BE49-F238E27FC236}">
+                <a16:creationId xmlns:a16="http://schemas.microsoft.com/office/drawing/2014/main" id="{1FBD8255-54D1-42B3-9B71-2D45D227E6FC}"/>
+              </a:ext>
+            </a:extLst>
+          </p:cNvPr>
+          <p:cNvSpPr>
+            <a:spLocks noGrp="1"/>
+          </p:cNvSpPr>
+          <p:nvPr>
+            <p:ph type="body" idx="1"/>
+          </p:nvPr>
+        </p:nvSpPr>
+        <p:spPr>
+          <a:xfrm>
+            <a:off x="1689100" y="2511225"/>
+            <a:ext cx="21005800" cy="10609446"/>
+          </a:xfrm>
+          <a:solidFill>
+            <a:schemeClr val="bg1"/>
+          </a:solidFill>
+        </p:spPr>
+        <p:txBody>
+          <a:bodyPr>
+            <a:noAutofit/>
+          </a:bodyPr>
+          <a:lstStyle/>
+          <a:p>
+            <a:pPr>
+              <a:buSzPct val="100000"/>
+            </a:pPr>
+            <a:r>
+              <a:rPr lang="pt-BR" sz="3200" dirty="0">
+                <a:cs typeface="Courier New" panose="02070309020205020404" pitchFamily="49" charset="0"/>
+              </a:rPr>
+              <a:t>Agregações compostas (ou composições):</a:t>
+            </a:r>
+          </a:p>
+          <a:p>
+            <a:pPr lvl="1">
+              <a:buSzPct val="100000"/>
+            </a:pPr>
+            <a:r>
+              <a:rPr lang="pt-BR" sz="2800" dirty="0">
+                <a:cs typeface="Courier New" panose="02070309020205020404" pitchFamily="49" charset="0"/>
+              </a:rPr>
+              <a:t>Agregação composta, também chamada composição, é um tipo mais forte de agregação. É também um relacionamento todo-parte representado por um losango cheio (veja abaixo). A principal, e fundamental, diferença entre composições e agregações é que nas composições as partes não podem pertencer, em um mesmo instante, a mais do que um todo. Como consequência, se o todo deixa de existir, as partes também deixam. É importante notar que, quando permitido pela multiplicidade, uma parte pode ser removida da composição antes de ela deixar de existir.</a:t>
+            </a:r>
+          </a:p>
+          <a:p>
+            <a:pPr lvl="1">
+              <a:buSzPct val="100000"/>
+            </a:pPr>
+            <a:r>
+              <a:rPr lang="pt-BR" sz="2800" dirty="0">
+                <a:cs typeface="Courier New" panose="02070309020205020404" pitchFamily="49" charset="0"/>
+              </a:rPr>
+              <a:t>As composições são indispensáveis quando, no modelo, uma entidade parte está associada a mais de uma entidade todo e queremos especificar que uma instância da parte não pode estar associada, ao mesmo tempo, a mais de uma instância de entidade todo. Por exemplo, segundo a figura abaixo, à direita, se um determinado funcionário está associado a uma determinada empresa, não pode estar associado, ao mesmo tempo, a um sindicato.</a:t>
+            </a:r>
+          </a:p>
+          <a:p>
+            <a:pPr lvl="1">
+              <a:buSzPct val="100000"/>
+            </a:pPr>
+            <a:r>
+              <a:rPr lang="pt-BR" sz="2800" dirty="0">
+                <a:cs typeface="Courier New" panose="02070309020205020404" pitchFamily="49" charset="0"/>
+              </a:rPr>
+              <a:t>Na figura, uma empresa (o todo) tem qualquer número de funcionários (as partes) </a:t>
+            </a:r>
+            <a:br>
+              <a:rPr lang="pt-BR" sz="2800" dirty="0">
+                <a:cs typeface="Courier New" panose="02070309020205020404" pitchFamily="49" charset="0"/>
+              </a:rPr>
+            </a:br>
+            <a:r>
+              <a:rPr lang="pt-BR" sz="2800" dirty="0">
+                <a:cs typeface="Courier New" panose="02070309020205020404" pitchFamily="49" charset="0"/>
+              </a:rPr>
+              <a:t>associados a ela, da mesma forma que sindicatos (o outro todo). Além disso, um </a:t>
+            </a:r>
+            <a:br>
+              <a:rPr lang="pt-BR" sz="2800" dirty="0">
+                <a:cs typeface="Courier New" panose="02070309020205020404" pitchFamily="49" charset="0"/>
+              </a:rPr>
+            </a:br>
+            <a:r>
+              <a:rPr lang="pt-BR" sz="2800" dirty="0">
+                <a:cs typeface="Courier New" panose="02070309020205020404" pitchFamily="49" charset="0"/>
+              </a:rPr>
+              <a:t>funcionário pode estar associado a nenhuma ou uma empresa ou a nenhum ou a </a:t>
+            </a:r>
+            <a:br>
+              <a:rPr lang="pt-BR" sz="2800" dirty="0">
+                <a:cs typeface="Courier New" panose="02070309020205020404" pitchFamily="49" charset="0"/>
+              </a:rPr>
+            </a:br>
+            <a:r>
+              <a:rPr lang="pt-BR" sz="2800" dirty="0">
+                <a:cs typeface="Courier New" panose="02070309020205020404" pitchFamily="49" charset="0"/>
+              </a:rPr>
+              <a:t>um sindicato. O que o modelo especifica ainda, por se tratar de composições, </a:t>
+            </a:r>
+            <a:r>
+              <a:rPr lang="pt-BR" sz="2800">
+                <a:cs typeface="Courier New" panose="02070309020205020404" pitchFamily="49" charset="0"/>
+              </a:rPr>
+              <a:t>é </a:t>
+            </a:r>
+            <a:br>
+              <a:rPr lang="pt-BR" sz="2800">
+                <a:cs typeface="Courier New" panose="02070309020205020404" pitchFamily="49" charset="0"/>
+              </a:rPr>
+            </a:br>
+            <a:r>
+              <a:rPr lang="pt-BR" sz="2800">
+                <a:cs typeface="Courier New" panose="02070309020205020404" pitchFamily="49" charset="0"/>
+              </a:rPr>
+              <a:t>que</a:t>
+            </a:r>
+            <a:r>
+              <a:rPr lang="pt-BR" sz="2800" dirty="0">
+                <a:cs typeface="Courier New" panose="02070309020205020404" pitchFamily="49" charset="0"/>
+              </a:rPr>
+              <a:t>, se um funcionário está associado a uma  empresa, não pode estar </a:t>
+            </a:r>
+            <a:r>
+              <a:rPr lang="pt-BR" sz="2800">
+                <a:cs typeface="Courier New" panose="02070309020205020404" pitchFamily="49" charset="0"/>
+              </a:rPr>
+              <a:t>associado </a:t>
+            </a:r>
+            <a:br>
+              <a:rPr lang="pt-BR" sz="2800">
+                <a:cs typeface="Courier New" panose="02070309020205020404" pitchFamily="49" charset="0"/>
+              </a:rPr>
+            </a:br>
+            <a:r>
+              <a:rPr lang="pt-BR" sz="2800">
+                <a:cs typeface="Courier New" panose="02070309020205020404" pitchFamily="49" charset="0"/>
+              </a:rPr>
+              <a:t>ao </a:t>
+            </a:r>
+            <a:r>
+              <a:rPr lang="pt-BR" sz="2800" dirty="0">
+                <a:cs typeface="Courier New" panose="02070309020205020404" pitchFamily="49" charset="0"/>
+              </a:rPr>
+              <a:t>mesmo tempo a um sindicato1 , já que uma parte não pode pertencer a mais </a:t>
+            </a:r>
+            <a:r>
+              <a:rPr lang="pt-BR" sz="2800">
+                <a:cs typeface="Courier New" panose="02070309020205020404" pitchFamily="49" charset="0"/>
+              </a:rPr>
+              <a:t>de </a:t>
+            </a:r>
+            <a:br>
+              <a:rPr lang="pt-BR" sz="2800">
+                <a:cs typeface="Courier New" panose="02070309020205020404" pitchFamily="49" charset="0"/>
+              </a:rPr>
+            </a:br>
+            <a:r>
+              <a:rPr lang="pt-BR" sz="2800">
+                <a:cs typeface="Courier New" panose="02070309020205020404" pitchFamily="49" charset="0"/>
+              </a:rPr>
+              <a:t>um </a:t>
+            </a:r>
+            <a:r>
+              <a:rPr lang="pt-BR" sz="2800" dirty="0">
+                <a:cs typeface="Courier New" panose="02070309020205020404" pitchFamily="49" charset="0"/>
+              </a:rPr>
+              <a:t>todo nas composições.</a:t>
+            </a:r>
+          </a:p>
+          <a:p>
+            <a:pPr lvl="1">
+              <a:buSzPct val="100000"/>
+            </a:pPr>
+            <a:endParaRPr lang="pt-BR" sz="2800" dirty="0">
+              <a:cs typeface="Courier New" panose="02070309020205020404" pitchFamily="49" charset="0"/>
+            </a:endParaRPr>
+          </a:p>
+          <a:p>
+            <a:pPr lvl="1">
+              <a:buSzPct val="100000"/>
+            </a:pPr>
+            <a:endParaRPr lang="pt-BR" sz="2800" dirty="0">
+              <a:cs typeface="Courier New" panose="02070309020205020404" pitchFamily="49" charset="0"/>
+            </a:endParaRPr>
+          </a:p>
+        </p:txBody>
+      </p:sp>
+      <p:sp>
+        <p:nvSpPr>
+          <p:cNvPr id="7" name="Espaço Reservado para Número de Slide 6">
+            <a:extLst>
+              <a:ext uri="{FF2B5EF4-FFF2-40B4-BE49-F238E27FC236}">
+                <a16:creationId xmlns:a16="http://schemas.microsoft.com/office/drawing/2014/main" id="{40C5ECBA-0615-433C-B308-162C7F749201}"/>
+              </a:ext>
+            </a:extLst>
+          </p:cNvPr>
+          <p:cNvSpPr>
+            <a:spLocks noGrp="1"/>
+          </p:cNvSpPr>
+          <p:nvPr>
+            <p:ph type="sldNum" sz="quarter" idx="10"/>
+          </p:nvPr>
+        </p:nvSpPr>
+        <p:spPr/>
+        <p:txBody>
+          <a:bodyPr/>
+          <a:lstStyle/>
+          <a:p>
+            <a:fld id="{E4B35BDD-CC3D-4492-88ED-922B282360E3}" type="slidenum">
+              <a:rPr lang="pt-BR" smtClean="0"/>
+              <a:t>112</a:t>
+            </a:fld>
+            <a:endParaRPr lang="pt-BR"/>
+          </a:p>
+        </p:txBody>
+      </p:sp>
+      <p:pic>
+        <p:nvPicPr>
+          <p:cNvPr id="10" name="Imagem 9">
+            <a:extLst>
+              <a:ext uri="{FF2B5EF4-FFF2-40B4-BE49-F238E27FC236}">
+                <a16:creationId xmlns:a16="http://schemas.microsoft.com/office/drawing/2014/main" id="{271A1BFE-B88A-4676-99FE-9A040FEBFB89}"/>
+              </a:ext>
+            </a:extLst>
+          </p:cNvPr>
+          <p:cNvPicPr>
+            <a:picLocks noChangeAspect="1"/>
+          </p:cNvPicPr>
+          <p:nvPr/>
+        </p:nvPicPr>
+        <p:blipFill>
+          <a:blip r:embed="rId2"/>
+          <a:stretch>
+            <a:fillRect/>
+          </a:stretch>
+        </p:blipFill>
+        <p:spPr>
+          <a:xfrm>
+            <a:off x="15713642" y="7930692"/>
+            <a:ext cx="7258869" cy="4491218"/>
+          </a:xfrm>
+          <a:prstGeom prst="rect">
+            <a:avLst/>
+          </a:prstGeom>
+        </p:spPr>
+      </p:pic>
+    </p:spTree>
+    <p:extLst>
+      <p:ext uri="{BB962C8B-B14F-4D97-AF65-F5344CB8AC3E}">
+        <p14:creationId xmlns:p14="http://schemas.microsoft.com/office/powerpoint/2010/main" val="3680260391"/>
+      </p:ext>
+    </p:extLst>
+  </p:cSld>
+  <p:clrMapOvr>
+    <a:masterClrMapping/>
+  </p:clrMapOvr>
+  <p:transition spd="med"/>
+</p:sld>
+</file>
+
+<file path=ppt/slides/slide113.xml><?xml version="1.0" encoding="utf-8"?>
+<p:sld xmlns:a="http://schemas.openxmlformats.org/drawingml/2006/main" xmlns:r="http://schemas.openxmlformats.org/officeDocument/2006/relationships" xmlns:p="http://schemas.openxmlformats.org/presentationml/2006/main">
+  <p:cSld>
+    <p:spTree>
+      <p:nvGrpSpPr>
+        <p:cNvPr id="1" name=""/>
+        <p:cNvGrpSpPr/>
+        <p:nvPr/>
+      </p:nvGrpSpPr>
+      <p:grpSpPr>
+        <a:xfrm>
+          <a:off x="0" y="0"/>
+          <a:ext cx="0" cy="0"/>
+          <a:chOff x="0" y="0"/>
+          <a:chExt cx="0" cy="0"/>
+        </a:xfrm>
+      </p:grpSpPr>
+      <p:pic>
+        <p:nvPicPr>
+          <p:cNvPr id="127" name="PPT_graduação_contracapa.png" descr="PPT_graduação_contracapa.png"/>
+          <p:cNvPicPr>
+            <a:picLocks noChangeAspect="1"/>
+          </p:cNvPicPr>
+          <p:nvPr/>
+        </p:nvPicPr>
+        <p:blipFill>
+          <a:blip r:embed="rId2"/>
+          <a:stretch>
+            <a:fillRect/>
+          </a:stretch>
+        </p:blipFill>
+        <p:spPr>
+          <a:xfrm>
+            <a:off x="0" y="0"/>
+            <a:ext cx="24384000" cy="13716000"/>
+          </a:xfrm>
+          <a:prstGeom prst="rect">
+            <a:avLst/>
+          </a:prstGeom>
+          <a:ln w="12700">
+            <a:miter lim="400000"/>
+          </a:ln>
+        </p:spPr>
+      </p:pic>
+      <p:sp>
+        <p:nvSpPr>
+          <p:cNvPr id="3" name="CaixaDeTexto 2"/>
+          <p:cNvSpPr txBox="1"/>
+          <p:nvPr/>
+        </p:nvSpPr>
+        <p:spPr>
+          <a:xfrm>
+            <a:off x="2160971" y="11172650"/>
+            <a:ext cx="5681043" cy="1456809"/>
+          </a:xfrm>
+          <a:prstGeom prst="rect">
+            <a:avLst/>
+          </a:prstGeom>
+          <a:noFill/>
+          <a:ln w="12700" cap="flat">
+            <a:noFill/>
+            <a:miter lim="400000"/>
+          </a:ln>
+          <a:effectLst/>
+          <a:sp3d/>
+        </p:spPr>
+        <p:style>
+          <a:lnRef idx="0">
+            <a:scrgbClr r="0" g="0" b="0"/>
+          </a:lnRef>
+          <a:fillRef idx="0">
+            <a:scrgbClr r="0" g="0" b="0"/>
+          </a:fillRef>
+          <a:effectRef idx="0">
+            <a:scrgbClr r="0" g="0" b="0"/>
+          </a:effectRef>
+          <a:fontRef idx="none"/>
+        </p:style>
+        <p:txBody>
+          <a:bodyPr rot="0" spcFirstLastPara="1" vertOverflow="overflow" horzOverflow="overflow" vert="horz" wrap="none" lIns="50800" tIns="50800" rIns="50800" bIns="50800" numCol="1" spcCol="38100" rtlCol="0" anchor="ctr">
+            <a:spAutoFit/>
+          </a:bodyPr>
+          <a:lstStyle/>
+          <a:p>
+            <a:pPr marL="0" marR="0" indent="0" algn="ctr" defTabSz="825500" rtl="0" fontAlgn="auto" latinLnBrk="0" hangingPunct="0">
+              <a:lnSpc>
+                <a:spcPct val="100000"/>
+              </a:lnSpc>
+              <a:spcBef>
+                <a:spcPts val="0"/>
+              </a:spcBef>
+              <a:spcAft>
+                <a:spcPts val="0"/>
+              </a:spcAft>
+              <a:buClrTx/>
+              <a:buSzTx/>
+              <a:buFontTx/>
+              <a:buNone/>
+              <a:tabLst/>
+            </a:pPr>
+            <a:r>
+              <a:rPr kumimoji="0" lang="pt-BR" sz="8800" b="1" i="0" u="none" strike="noStrike" cap="none" spc="0" normalizeH="0" baseline="0" dirty="0">
+                <a:ln>
+                  <a:noFill/>
+                </a:ln>
+                <a:solidFill>
+                  <a:schemeClr val="bg2">
+                    <a:lumMod val="50000"/>
+                  </a:schemeClr>
+                </a:solidFill>
+                <a:effectLst/>
+                <a:uFillTx/>
+                <a:latin typeface="Calibri" panose="020F0502020204030204" pitchFamily="34" charset="0"/>
+                <a:cs typeface="Calibri" panose="020F0502020204030204" pitchFamily="34" charset="0"/>
+                <a:sym typeface="Helvetica Neue"/>
+              </a:rPr>
+              <a:t>OBRIGADO!</a:t>
+            </a:r>
+          </a:p>
+        </p:txBody>
+      </p:sp>
+    </p:spTree>
   </p:cSld>
   <p:clrMapOvr>
     <a:masterClrMapping/>
@@ -15394,6 +19302,19 @@
                 <a:hlinkClick r:id="rId7" action="ppaction://hlinksldjump"/>
               </a:rPr>
               <a:t>Conceitos estruturais</a:t>
+            </a:r>
+            <a:endParaRPr lang="pt-BR" dirty="0"/>
+          </a:p>
+          <a:p>
+            <a:pPr marL="571500" indent="-571500">
+              <a:buFont typeface="Arial" panose="020B0604020202020204" pitchFamily="34" charset="0"/>
+              <a:buChar char="•"/>
+            </a:pPr>
+            <a:r>
+              <a:rPr lang="pt-BR" dirty="0">
+                <a:hlinkClick r:id="rId8" action="ppaction://hlinksldjump"/>
+              </a:rPr>
+              <a:t>UML</a:t>
             </a:r>
             <a:endParaRPr lang="pt-BR" dirty="0"/>
           </a:p>
@@ -33868,7 +37789,7 @@
               <a:rPr lang="pt-BR" sz="4000" dirty="0">
                 <a:cs typeface="Courier New" panose="02070309020205020404" pitchFamily="49" charset="0"/>
               </a:rPr>
-              <a:t>Vamos falar de cinco conceitos estruturais principais:</a:t>
+              <a:t>Vamos falar de quatro conceitos estruturais principais:</a:t>
             </a:r>
           </a:p>
           <a:p>
@@ -33921,19 +37842,6 @@
                 <a:cs typeface="Courier New" panose="02070309020205020404" pitchFamily="49" charset="0"/>
               </a:rPr>
               <a:t>O objeto</a:t>
-            </a:r>
-          </a:p>
-          <a:p>
-            <a:pPr marL="571500" indent="-571500">
-              <a:buSzPct val="100000"/>
-              <a:buFont typeface="Arial" panose="020B0604020202020204" pitchFamily="34" charset="0"/>
-              <a:buChar char="•"/>
-            </a:pPr>
-            <a:r>
-              <a:rPr lang="pt-BR" sz="4000" dirty="0">
-                <a:cs typeface="Courier New" panose="02070309020205020404" pitchFamily="49" charset="0"/>
-              </a:rPr>
-              <a:t>A mensagem</a:t>
             </a:r>
           </a:p>
         </p:txBody>
@@ -34706,8 +38614,8 @@
           </a:p>
         </p:txBody>
       </p:sp>
-      <mc:AlternateContent xmlns:mc="http://schemas.openxmlformats.org/markup-compatibility/2006">
-        <mc:Choice xmlns:a14="http://schemas.microsoft.com/office/drawing/2010/main" Requires="a14">
+      <mc:AlternateContent xmlns:mc="http://schemas.openxmlformats.org/markup-compatibility/2006" xmlns:a14="http://schemas.microsoft.com/office/drawing/2010/main">
+        <mc:Choice Requires="a14">
           <p:sp>
             <p:nvSpPr>
               <p:cNvPr id="5" name="Espaço Reservado para Conteúdo 4">
@@ -34890,7 +38798,7 @@
             </p:txBody>
           </p:sp>
         </mc:Choice>
-        <mc:Fallback>
+        <mc:Fallback xmlns="">
           <p:sp>
             <p:nvSpPr>
               <p:cNvPr id="5" name="Espaço Reservado para Conteúdo 4">
@@ -38960,48 +42868,96 @@
           <a:chExt cx="0" cy="0"/>
         </a:xfrm>
       </p:grpSpPr>
-      <p:pic>
-        <p:nvPicPr>
-          <p:cNvPr id="127" name="PPT_graduação_contracapa.png" descr="PPT_graduação_contracapa.png"/>
-          <p:cNvPicPr>
-            <a:picLocks noChangeAspect="1"/>
-          </p:cNvPicPr>
-          <p:nvPr/>
-        </p:nvPicPr>
-        <p:blipFill>
-          <a:blip r:embed="rId2"/>
-          <a:stretch>
-            <a:fillRect/>
-          </a:stretch>
-        </p:blipFill>
+      <p:sp>
+        <p:nvSpPr>
+          <p:cNvPr id="4" name="Título 3">
+            <a:extLst>
+              <a:ext uri="{FF2B5EF4-FFF2-40B4-BE49-F238E27FC236}">
+                <a16:creationId xmlns:a16="http://schemas.microsoft.com/office/drawing/2014/main" id="{4D95FF0F-F271-48E7-A204-C5656918B6A3}"/>
+              </a:ext>
+            </a:extLst>
+          </p:cNvPr>
+          <p:cNvSpPr>
+            <a:spLocks noGrp="1"/>
+          </p:cNvSpPr>
+          <p:nvPr>
+            <p:ph type="title"/>
+          </p:nvPr>
+        </p:nvSpPr>
         <p:spPr>
           <a:xfrm>
-            <a:off x="0" y="0"/>
-            <a:ext cx="24384000" cy="13716000"/>
+            <a:off x="1689100" y="4572000"/>
+            <a:ext cx="21005800" cy="2286000"/>
           </a:xfrm>
-          <a:prstGeom prst="rect">
-            <a:avLst/>
-          </a:prstGeom>
-          <a:ln w="12700">
-            <a:miter lim="400000"/>
-          </a:ln>
         </p:spPr>
-      </p:pic>
+        <p:txBody>
+          <a:bodyPr anchor="ctr">
+            <a:noAutofit/>
+          </a:bodyPr>
+          <a:lstStyle/>
+          <a:p>
+            <a:pPr algn="ctr"/>
+            <a:r>
+              <a:rPr lang="pt-BR" sz="10100" dirty="0"/>
+              <a:t>Introdução a UML</a:t>
+            </a:r>
+          </a:p>
+        </p:txBody>
+      </p:sp>
       <p:sp>
         <p:nvSpPr>
-          <p:cNvPr id="3" name="CaixaDeTexto 2"/>
-          <p:cNvSpPr txBox="1"/>
+          <p:cNvPr id="3" name="Espaço Reservado para Número de Slide 2">
+            <a:extLst>
+              <a:ext uri="{FF2B5EF4-FFF2-40B4-BE49-F238E27FC236}">
+                <a16:creationId xmlns:a16="http://schemas.microsoft.com/office/drawing/2014/main" id="{0A64DBA4-BCFE-45E5-997E-0703CA3C03F1}"/>
+              </a:ext>
+            </a:extLst>
+          </p:cNvPr>
+          <p:cNvSpPr>
+            <a:spLocks noGrp="1"/>
+          </p:cNvSpPr>
+          <p:nvPr>
+            <p:ph type="sldNum" sz="quarter" idx="10"/>
+          </p:nvPr>
+        </p:nvSpPr>
+        <p:spPr/>
+        <p:txBody>
+          <a:bodyPr/>
+          <a:lstStyle/>
+          <a:p>
+            <a:fld id="{5D0C34D4-E406-4A74-B020-30BB69A49765}" type="slidenum">
+              <a:rPr lang="pt-BR" smtClean="0"/>
+              <a:pPr/>
+              <a:t>92</a:t>
+            </a:fld>
+            <a:endParaRPr lang="pt-BR" dirty="0"/>
+          </a:p>
+        </p:txBody>
+      </p:sp>
+      <p:sp>
+        <p:nvSpPr>
+          <p:cNvPr id="5" name="Seta: para a Esquerda 4">
+            <a:hlinkClick r:id="rId2" action="ppaction://hlinksldjump"/>
+            <a:extLst>
+              <a:ext uri="{FF2B5EF4-FFF2-40B4-BE49-F238E27FC236}">
+                <a16:creationId xmlns:a16="http://schemas.microsoft.com/office/drawing/2014/main" id="{FB1B9FE4-85B3-4444-8B9B-D63B0DA9614E}"/>
+              </a:ext>
+            </a:extLst>
+          </p:cNvPr>
+          <p:cNvSpPr/>
           <p:nvPr/>
         </p:nvSpPr>
         <p:spPr>
           <a:xfrm>
-            <a:off x="2160971" y="11172650"/>
-            <a:ext cx="5681043" cy="1456809"/>
+            <a:off x="1428508" y="522995"/>
+            <a:ext cx="938463" cy="986589"/>
           </a:xfrm>
-          <a:prstGeom prst="rect">
+          <a:prstGeom prst="leftArrow">
             <a:avLst/>
           </a:prstGeom>
-          <a:noFill/>
+          <a:solidFill>
+            <a:schemeClr val="accent1"/>
+          </a:solidFill>
           <a:ln w="12700" cap="flat">
             <a:noFill/>
             <a:miter lim="400000"/>
@@ -39022,7 +42978,7 @@
           <a:fontRef idx="none"/>
         </p:style>
         <p:txBody>
-          <a:bodyPr rot="0" spcFirstLastPara="1" vertOverflow="overflow" horzOverflow="overflow" vert="horz" wrap="none" lIns="50800" tIns="50800" rIns="50800" bIns="50800" numCol="1" spcCol="38100" rtlCol="0" anchor="ctr">
+          <a:bodyPr rot="0" spcFirstLastPara="1" vertOverflow="overflow" horzOverflow="overflow" vert="horz" wrap="square" lIns="0" tIns="0" rIns="0" bIns="0" numCol="1" spcCol="38100" rtlCol="0" anchor="ctr">
             <a:spAutoFit/>
           </a:bodyPr>
           <a:lstStyle/>
@@ -39043,28 +42999,1837 @@
               <a:buNone/>
               <a:tabLst/>
             </a:pPr>
-            <a:r>
-              <a:rPr kumimoji="0" lang="pt-BR" sz="8800" b="1" i="0" u="none" strike="noStrike" cap="none" spc="0" normalizeH="0" baseline="0" dirty="0">
+            <a:endParaRPr kumimoji="0" lang="pt-BR" sz="3200" b="0" i="0" u="none" strike="noStrike" cap="none" spc="0" normalizeH="0" baseline="0">
+              <a:ln>
+                <a:noFill/>
+              </a:ln>
+              <a:solidFill>
+                <a:srgbClr val="FFFFFF"/>
+              </a:solidFill>
+              <a:effectLst/>
+              <a:uFillTx/>
+              <a:latin typeface="+mn-lt"/>
+              <a:ea typeface="+mn-ea"/>
+              <a:cs typeface="+mn-cs"/>
+              <a:sym typeface="Helvetica Neue Medium"/>
+            </a:endParaRPr>
+          </a:p>
+        </p:txBody>
+      </p:sp>
+    </p:spTree>
+    <p:extLst>
+      <p:ext uri="{BB962C8B-B14F-4D97-AF65-F5344CB8AC3E}">
+        <p14:creationId xmlns:p14="http://schemas.microsoft.com/office/powerpoint/2010/main" val="3241906396"/>
+      </p:ext>
+    </p:extLst>
+  </p:cSld>
+  <p:clrMapOvr>
+    <a:masterClrMapping/>
+  </p:clrMapOvr>
+  <p:transition spd="med"/>
+</p:sld>
+</file>
+
+<file path=ppt/slides/slide93.xml><?xml version="1.0" encoding="utf-8"?>
+<p:sld xmlns:a="http://schemas.openxmlformats.org/drawingml/2006/main" xmlns:r="http://schemas.openxmlformats.org/officeDocument/2006/relationships" xmlns:p="http://schemas.openxmlformats.org/presentationml/2006/main">
+  <p:cSld>
+    <p:spTree>
+      <p:nvGrpSpPr>
+        <p:cNvPr id="1" name=""/>
+        <p:cNvGrpSpPr/>
+        <p:nvPr/>
+      </p:nvGrpSpPr>
+      <p:grpSpPr>
+        <a:xfrm>
+          <a:off x="0" y="0"/>
+          <a:ext cx="0" cy="0"/>
+          <a:chOff x="0" y="0"/>
+          <a:chExt cx="0" cy="0"/>
+        </a:xfrm>
+      </p:grpSpPr>
+      <p:sp>
+        <p:nvSpPr>
+          <p:cNvPr id="4" name="Título 3">
+            <a:extLst>
+              <a:ext uri="{FF2B5EF4-FFF2-40B4-BE49-F238E27FC236}">
+                <a16:creationId xmlns:a16="http://schemas.microsoft.com/office/drawing/2014/main" id="{8A4C52A0-42D9-47BB-966A-7FE92FDBFA2D}"/>
+              </a:ext>
+            </a:extLst>
+          </p:cNvPr>
+          <p:cNvSpPr>
+            <a:spLocks noGrp="1"/>
+          </p:cNvSpPr>
+          <p:nvPr>
+            <p:ph type="title"/>
+          </p:nvPr>
+        </p:nvSpPr>
+        <p:spPr/>
+        <p:txBody>
+          <a:bodyPr>
+            <a:normAutofit/>
+          </a:bodyPr>
+          <a:lstStyle/>
+          <a:p>
+            <a:r>
+              <a:rPr lang="pt-BR" dirty="0"/>
+              <a:t>Origens</a:t>
+            </a:r>
+          </a:p>
+        </p:txBody>
+      </p:sp>
+      <p:sp>
+        <p:nvSpPr>
+          <p:cNvPr id="5" name="Espaço Reservado para Conteúdo 4">
+            <a:extLst>
+              <a:ext uri="{FF2B5EF4-FFF2-40B4-BE49-F238E27FC236}">
+                <a16:creationId xmlns:a16="http://schemas.microsoft.com/office/drawing/2014/main" id="{1FBD8255-54D1-42B3-9B71-2D45D227E6FC}"/>
+              </a:ext>
+            </a:extLst>
+          </p:cNvPr>
+          <p:cNvSpPr>
+            <a:spLocks noGrp="1"/>
+          </p:cNvSpPr>
+          <p:nvPr>
+            <p:ph type="body" idx="1"/>
+          </p:nvPr>
+        </p:nvSpPr>
+        <p:spPr>
+          <a:xfrm>
+            <a:off x="1689100" y="2604530"/>
+            <a:ext cx="21005800" cy="10609446"/>
+          </a:xfrm>
+          <a:solidFill>
+            <a:schemeClr val="bg1"/>
+          </a:solidFill>
+        </p:spPr>
+        <p:txBody>
+          <a:bodyPr>
+            <a:noAutofit/>
+          </a:bodyPr>
+          <a:lstStyle/>
+          <a:p>
+            <a:pPr>
+              <a:buSzPct val="100000"/>
+            </a:pPr>
+            <a:r>
+              <a:rPr lang="pt-BR" sz="4000" dirty="0">
+                <a:cs typeface="Courier New" panose="02070309020205020404" pitchFamily="49" charset="0"/>
+              </a:rPr>
+              <a:t>A UML, ou </a:t>
+            </a:r>
+            <a:r>
+              <a:rPr lang="pt-BR" sz="4000" i="1" dirty="0" err="1">
+                <a:cs typeface="Courier New" panose="02070309020205020404" pitchFamily="49" charset="0"/>
+              </a:rPr>
+              <a:t>Unified</a:t>
+            </a:r>
+            <a:r>
+              <a:rPr lang="pt-BR" sz="4000" i="1" dirty="0">
+                <a:cs typeface="Courier New" panose="02070309020205020404" pitchFamily="49" charset="0"/>
+              </a:rPr>
+              <a:t> </a:t>
+            </a:r>
+            <a:r>
+              <a:rPr lang="pt-BR" sz="4000" i="1" dirty="0" err="1">
+                <a:cs typeface="Courier New" panose="02070309020205020404" pitchFamily="49" charset="0"/>
+              </a:rPr>
+              <a:t>Modeling</a:t>
+            </a:r>
+            <a:r>
+              <a:rPr lang="pt-BR" sz="4000" i="1" dirty="0">
+                <a:cs typeface="Courier New" panose="02070309020205020404" pitchFamily="49" charset="0"/>
+              </a:rPr>
+              <a:t> </a:t>
+            </a:r>
+            <a:r>
+              <a:rPr lang="pt-BR" sz="4000" i="1" dirty="0" err="1">
+                <a:cs typeface="Courier New" panose="02070309020205020404" pitchFamily="49" charset="0"/>
+              </a:rPr>
+              <a:t>Language</a:t>
+            </a:r>
+            <a:r>
+              <a:rPr lang="pt-BR" sz="4000" dirty="0">
+                <a:cs typeface="Courier New" panose="02070309020205020404" pitchFamily="49" charset="0"/>
+              </a:rPr>
+              <a:t>, nasceu em 1994 a partir da junção das metodologias de </a:t>
+            </a:r>
+            <a:r>
+              <a:rPr lang="pt-BR" sz="4000" dirty="0" err="1">
+                <a:cs typeface="Courier New" panose="02070309020205020404" pitchFamily="49" charset="0"/>
+              </a:rPr>
+              <a:t>Grady</a:t>
+            </a:r>
+            <a:r>
+              <a:rPr lang="pt-BR" sz="4000" dirty="0">
+                <a:cs typeface="Courier New" panose="02070309020205020404" pitchFamily="49" charset="0"/>
+              </a:rPr>
+              <a:t> </a:t>
+            </a:r>
+            <a:r>
+              <a:rPr lang="pt-BR" sz="4000" dirty="0" err="1">
+                <a:cs typeface="Courier New" panose="02070309020205020404" pitchFamily="49" charset="0"/>
+              </a:rPr>
+              <a:t>Booch</a:t>
+            </a:r>
+            <a:r>
+              <a:rPr lang="pt-BR" sz="4000" dirty="0">
+                <a:cs typeface="Courier New" panose="02070309020205020404" pitchFamily="49" charset="0"/>
+              </a:rPr>
+              <a:t>, James </a:t>
+            </a:r>
+            <a:r>
+              <a:rPr lang="pt-BR" sz="4000" dirty="0" err="1">
+                <a:cs typeface="Courier New" panose="02070309020205020404" pitchFamily="49" charset="0"/>
+              </a:rPr>
+              <a:t>Rumbaugh</a:t>
+            </a:r>
+            <a:r>
+              <a:rPr lang="pt-BR" sz="4000" dirty="0">
+                <a:cs typeface="Courier New" panose="02070309020205020404" pitchFamily="49" charset="0"/>
+              </a:rPr>
+              <a:t> e Ivar Jacobson. Os três autores desenvolveram, em anos anteriores, várias metodologias para modelar projetos de software, principalmente aqueles implementados utilizando o paradigma Orientado a Objetos, daí o significado da sigla.</a:t>
+            </a:r>
+          </a:p>
+          <a:p>
+            <a:pPr>
+              <a:buSzPct val="100000"/>
+            </a:pPr>
+            <a:r>
+              <a:rPr lang="pt-BR" sz="4000" dirty="0">
+                <a:cs typeface="Courier New" panose="02070309020205020404" pitchFamily="49" charset="0"/>
+              </a:rPr>
+              <a:t>A UML é uma linguagem para especificar, visualizar, construir e documentar os artefatos de software. Trata-se de uma notação que normatiza um conjunto de diagramas. Também pode ser usada como ferramenta para modelagem de negócios.</a:t>
+            </a:r>
+          </a:p>
+          <a:p>
+            <a:pPr>
+              <a:buSzPct val="100000"/>
+            </a:pPr>
+            <a:r>
+              <a:rPr lang="pt-BR" sz="4000" dirty="0">
+                <a:cs typeface="Courier New" panose="02070309020205020404" pitchFamily="49" charset="0"/>
+              </a:rPr>
+              <a:t>Atualmente, é mantida como um padrão de indústria da </a:t>
+            </a:r>
+            <a:r>
+              <a:rPr lang="pt-BR" sz="4000" b="1" dirty="0" err="1">
+                <a:cs typeface="Courier New" panose="02070309020205020404" pitchFamily="49" charset="0"/>
+              </a:rPr>
+              <a:t>Object</a:t>
+            </a:r>
+            <a:r>
+              <a:rPr lang="pt-BR" sz="4000" b="1" dirty="0">
+                <a:cs typeface="Courier New" panose="02070309020205020404" pitchFamily="49" charset="0"/>
+              </a:rPr>
+              <a:t> Management </a:t>
+            </a:r>
+            <a:r>
+              <a:rPr lang="pt-BR" sz="4000" b="1" dirty="0" err="1">
+                <a:cs typeface="Courier New" panose="02070309020205020404" pitchFamily="49" charset="0"/>
+              </a:rPr>
+              <a:t>Group</a:t>
+            </a:r>
+            <a:r>
+              <a:rPr lang="pt-BR" sz="4000" dirty="0">
+                <a:cs typeface="Courier New" panose="02070309020205020404" pitchFamily="49" charset="0"/>
+              </a:rPr>
+              <a:t>, e se encontra na versão 2.5.1. A documentação oficial da UML pode ser encontrada na página </a:t>
+            </a:r>
+            <a:r>
+              <a:rPr lang="pt-BR" sz="4000" dirty="0">
+                <a:cs typeface="Courier New" panose="02070309020205020404" pitchFamily="49" charset="0"/>
+                <a:hlinkClick r:id="rId2"/>
+              </a:rPr>
+              <a:t>https://www.omg.org/</a:t>
+            </a:r>
+            <a:r>
+              <a:rPr lang="pt-BR" sz="4000" dirty="0" err="1">
+                <a:cs typeface="Courier New" panose="02070309020205020404" pitchFamily="49" charset="0"/>
+                <a:hlinkClick r:id="rId2"/>
+              </a:rPr>
+              <a:t>spec</a:t>
+            </a:r>
+            <a:r>
+              <a:rPr lang="pt-BR" sz="4000" dirty="0">
+                <a:cs typeface="Courier New" panose="02070309020205020404" pitchFamily="49" charset="0"/>
+                <a:hlinkClick r:id="rId2"/>
+              </a:rPr>
+              <a:t>/UML/</a:t>
+            </a:r>
+            <a:r>
+              <a:rPr lang="pt-BR" sz="4000" dirty="0" err="1">
+                <a:cs typeface="Courier New" panose="02070309020205020404" pitchFamily="49" charset="0"/>
+                <a:hlinkClick r:id="rId2"/>
+              </a:rPr>
+              <a:t>About</a:t>
+            </a:r>
+            <a:r>
+              <a:rPr lang="pt-BR" sz="4000" dirty="0">
+                <a:cs typeface="Courier New" panose="02070309020205020404" pitchFamily="49" charset="0"/>
+                <a:hlinkClick r:id="rId2"/>
+              </a:rPr>
+              <a:t>-UML/</a:t>
+            </a:r>
+            <a:r>
+              <a:rPr lang="pt-BR" sz="4000" dirty="0">
+                <a:cs typeface="Courier New" panose="02070309020205020404" pitchFamily="49" charset="0"/>
+              </a:rPr>
+              <a:t>.</a:t>
+            </a:r>
+          </a:p>
+        </p:txBody>
+      </p:sp>
+      <p:sp>
+        <p:nvSpPr>
+          <p:cNvPr id="7" name="Espaço Reservado para Número de Slide 6">
+            <a:extLst>
+              <a:ext uri="{FF2B5EF4-FFF2-40B4-BE49-F238E27FC236}">
+                <a16:creationId xmlns:a16="http://schemas.microsoft.com/office/drawing/2014/main" id="{40C5ECBA-0615-433C-B308-162C7F749201}"/>
+              </a:ext>
+            </a:extLst>
+          </p:cNvPr>
+          <p:cNvSpPr>
+            <a:spLocks noGrp="1"/>
+          </p:cNvSpPr>
+          <p:nvPr>
+            <p:ph type="sldNum" sz="quarter" idx="10"/>
+          </p:nvPr>
+        </p:nvSpPr>
+        <p:spPr/>
+        <p:txBody>
+          <a:bodyPr/>
+          <a:lstStyle/>
+          <a:p>
+            <a:fld id="{E4B35BDD-CC3D-4492-88ED-922B282360E3}" type="slidenum">
+              <a:rPr lang="pt-BR" smtClean="0"/>
+              <a:t>93</a:t>
+            </a:fld>
+            <a:endParaRPr lang="pt-BR"/>
+          </a:p>
+        </p:txBody>
+      </p:sp>
+    </p:spTree>
+    <p:extLst>
+      <p:ext uri="{BB962C8B-B14F-4D97-AF65-F5344CB8AC3E}">
+        <p14:creationId xmlns:p14="http://schemas.microsoft.com/office/powerpoint/2010/main" val="3321352317"/>
+      </p:ext>
+    </p:extLst>
+  </p:cSld>
+  <p:clrMapOvr>
+    <a:masterClrMapping/>
+  </p:clrMapOvr>
+  <p:transition spd="med"/>
+</p:sld>
+</file>
+
+<file path=ppt/slides/slide94.xml><?xml version="1.0" encoding="utf-8"?>
+<p:sld xmlns:a="http://schemas.openxmlformats.org/drawingml/2006/main" xmlns:r="http://schemas.openxmlformats.org/officeDocument/2006/relationships" xmlns:p="http://schemas.openxmlformats.org/presentationml/2006/main">
+  <p:cSld>
+    <p:spTree>
+      <p:nvGrpSpPr>
+        <p:cNvPr id="1" name=""/>
+        <p:cNvGrpSpPr/>
+        <p:nvPr/>
+      </p:nvGrpSpPr>
+      <p:grpSpPr>
+        <a:xfrm>
+          <a:off x="0" y="0"/>
+          <a:ext cx="0" cy="0"/>
+          <a:chOff x="0" y="0"/>
+          <a:chExt cx="0" cy="0"/>
+        </a:xfrm>
+      </p:grpSpPr>
+      <p:sp>
+        <p:nvSpPr>
+          <p:cNvPr id="4" name="Título 3">
+            <a:extLst>
+              <a:ext uri="{FF2B5EF4-FFF2-40B4-BE49-F238E27FC236}">
+                <a16:creationId xmlns:a16="http://schemas.microsoft.com/office/drawing/2014/main" id="{8A4C52A0-42D9-47BB-966A-7FE92FDBFA2D}"/>
+              </a:ext>
+            </a:extLst>
+          </p:cNvPr>
+          <p:cNvSpPr>
+            <a:spLocks noGrp="1"/>
+          </p:cNvSpPr>
+          <p:nvPr>
+            <p:ph type="title"/>
+          </p:nvPr>
+        </p:nvSpPr>
+        <p:spPr/>
+        <p:txBody>
+          <a:bodyPr>
+            <a:normAutofit/>
+          </a:bodyPr>
+          <a:lstStyle/>
+          <a:p>
+            <a:r>
+              <a:rPr lang="pt-BR" dirty="0"/>
+              <a:t>Objetivos</a:t>
+            </a:r>
+          </a:p>
+        </p:txBody>
+      </p:sp>
+      <p:sp>
+        <p:nvSpPr>
+          <p:cNvPr id="5" name="Espaço Reservado para Conteúdo 4">
+            <a:extLst>
+              <a:ext uri="{FF2B5EF4-FFF2-40B4-BE49-F238E27FC236}">
+                <a16:creationId xmlns:a16="http://schemas.microsoft.com/office/drawing/2014/main" id="{1FBD8255-54D1-42B3-9B71-2D45D227E6FC}"/>
+              </a:ext>
+            </a:extLst>
+          </p:cNvPr>
+          <p:cNvSpPr>
+            <a:spLocks noGrp="1"/>
+          </p:cNvSpPr>
+          <p:nvPr>
+            <p:ph type="body" idx="1"/>
+          </p:nvPr>
+        </p:nvSpPr>
+        <p:spPr>
+          <a:xfrm>
+            <a:off x="1689100" y="2604530"/>
+            <a:ext cx="21005800" cy="10609446"/>
+          </a:xfrm>
+          <a:solidFill>
+            <a:schemeClr val="bg1"/>
+          </a:solidFill>
+        </p:spPr>
+        <p:txBody>
+          <a:bodyPr>
+            <a:noAutofit/>
+          </a:bodyPr>
+          <a:lstStyle/>
+          <a:p>
+            <a:pPr>
+              <a:buSzPct val="100000"/>
+            </a:pPr>
+            <a:r>
+              <a:rPr lang="pt-BR" sz="4000" dirty="0">
+                <a:cs typeface="Courier New" panose="02070309020205020404" pitchFamily="49" charset="0"/>
+              </a:rPr>
+              <a:t>A UML tem como objetivos:</a:t>
+            </a:r>
+          </a:p>
+          <a:p>
+            <a:pPr lvl="1">
+              <a:buSzPct val="100000"/>
+            </a:pPr>
+            <a:r>
+              <a:rPr lang="pt-BR" sz="3600" dirty="0">
+                <a:cs typeface="Courier New" panose="02070309020205020404" pitchFamily="49" charset="0"/>
+              </a:rPr>
+              <a:t>Padronizar a comunicação entre equipe através de uma linguagem visual, independente do processo de desenvolvimento de sistemas utilizado;</a:t>
+            </a:r>
+          </a:p>
+          <a:p>
+            <a:pPr lvl="1">
+              <a:buSzPct val="100000"/>
+            </a:pPr>
+            <a:r>
+              <a:rPr lang="pt-BR" sz="3600" dirty="0">
+                <a:cs typeface="Courier New" panose="02070309020205020404" pitchFamily="49" charset="0"/>
+              </a:rPr>
+              <a:t>Viabilizar a documentação de ideias para resolver problemas recorrentes, os chamados </a:t>
+            </a:r>
+            <a:r>
+              <a:rPr lang="pt-BR" sz="3600" b="1" dirty="0">
+                <a:cs typeface="Courier New" panose="02070309020205020404" pitchFamily="49" charset="0"/>
+              </a:rPr>
+              <a:t>design </a:t>
+            </a:r>
+            <a:r>
+              <a:rPr lang="pt-BR" sz="3600" b="1" dirty="0" err="1">
+                <a:cs typeface="Courier New" panose="02070309020205020404" pitchFamily="49" charset="0"/>
+              </a:rPr>
+              <a:t>patterns</a:t>
+            </a:r>
+            <a:r>
+              <a:rPr lang="pt-BR" sz="3600" dirty="0">
+                <a:cs typeface="Courier New" panose="02070309020205020404" pitchFamily="49" charset="0"/>
+              </a:rPr>
+              <a:t>;</a:t>
+            </a:r>
+          </a:p>
+          <a:p>
+            <a:pPr lvl="1">
+              <a:buSzPct val="100000"/>
+            </a:pPr>
+            <a:r>
+              <a:rPr lang="pt-BR" sz="3600" dirty="0">
+                <a:cs typeface="Courier New" panose="02070309020205020404" pitchFamily="49" charset="0"/>
+              </a:rPr>
+              <a:t>Estabelecer a associação explícita entre o conceitual e a implementação</a:t>
+            </a:r>
+          </a:p>
+        </p:txBody>
+      </p:sp>
+      <p:sp>
+        <p:nvSpPr>
+          <p:cNvPr id="7" name="Espaço Reservado para Número de Slide 6">
+            <a:extLst>
+              <a:ext uri="{FF2B5EF4-FFF2-40B4-BE49-F238E27FC236}">
+                <a16:creationId xmlns:a16="http://schemas.microsoft.com/office/drawing/2014/main" id="{40C5ECBA-0615-433C-B308-162C7F749201}"/>
+              </a:ext>
+            </a:extLst>
+          </p:cNvPr>
+          <p:cNvSpPr>
+            <a:spLocks noGrp="1"/>
+          </p:cNvSpPr>
+          <p:nvPr>
+            <p:ph type="sldNum" sz="quarter" idx="10"/>
+          </p:nvPr>
+        </p:nvSpPr>
+        <p:spPr/>
+        <p:txBody>
+          <a:bodyPr/>
+          <a:lstStyle/>
+          <a:p>
+            <a:fld id="{E4B35BDD-CC3D-4492-88ED-922B282360E3}" type="slidenum">
+              <a:rPr lang="pt-BR" smtClean="0"/>
+              <a:t>94</a:t>
+            </a:fld>
+            <a:endParaRPr lang="pt-BR"/>
+          </a:p>
+        </p:txBody>
+      </p:sp>
+      <p:sp>
+        <p:nvSpPr>
+          <p:cNvPr id="2" name="CaixaDeTexto 1">
+            <a:extLst>
+              <a:ext uri="{FF2B5EF4-FFF2-40B4-BE49-F238E27FC236}">
+                <a16:creationId xmlns:a16="http://schemas.microsoft.com/office/drawing/2014/main" id="{CAAC9D3A-7F6B-46F0-816F-5475F5062DAF}"/>
+              </a:ext>
+            </a:extLst>
+          </p:cNvPr>
+          <p:cNvSpPr txBox="1"/>
+          <p:nvPr/>
+        </p:nvSpPr>
+        <p:spPr>
+          <a:xfrm>
+            <a:off x="3234613" y="7352334"/>
+            <a:ext cx="17914775" cy="5642570"/>
+          </a:xfrm>
+          <a:prstGeom prst="rect">
+            <a:avLst/>
+          </a:prstGeom>
+          <a:solidFill>
+            <a:schemeClr val="accent1">
+              <a:lumMod val="20000"/>
+              <a:lumOff val="80000"/>
+            </a:schemeClr>
+          </a:solidFill>
+          <a:ln w="12700" cap="flat">
+            <a:noFill/>
+            <a:miter lim="400000"/>
+          </a:ln>
+          <a:effectLst/>
+          <a:sp3d/>
+        </p:spPr>
+        <p:style>
+          <a:lnRef idx="0">
+            <a:scrgbClr r="0" g="0" b="0"/>
+          </a:lnRef>
+          <a:fillRef idx="0">
+            <a:scrgbClr r="0" g="0" b="0"/>
+          </a:fillRef>
+          <a:effectRef idx="0">
+            <a:scrgbClr r="0" g="0" b="0"/>
+          </a:effectRef>
+          <a:fontRef idx="none"/>
+        </p:style>
+        <p:txBody>
+          <a:bodyPr rot="0" spcFirstLastPara="1" vertOverflow="overflow" horzOverflow="overflow" vert="horz" wrap="square" lIns="50800" tIns="50800" rIns="50800" bIns="50800" numCol="1" spcCol="38100" rtlCol="0" anchor="t">
+            <a:spAutoFit/>
+          </a:bodyPr>
+          <a:lstStyle/>
+          <a:p>
+            <a:pPr marL="0" marR="0" indent="0" algn="l" defTabSz="825500" rtl="0" fontAlgn="auto" latinLnBrk="0" hangingPunct="0">
+              <a:lnSpc>
+                <a:spcPct val="100000"/>
+              </a:lnSpc>
+              <a:spcBef>
+                <a:spcPts val="0"/>
+              </a:spcBef>
+              <a:spcAft>
+                <a:spcPts val="0"/>
+              </a:spcAft>
+              <a:buClrTx/>
+              <a:buSzTx/>
+              <a:buFontTx/>
+              <a:buNone/>
+              <a:tabLst/>
+            </a:pPr>
+            <a:r>
+              <a:rPr kumimoji="0" lang="pt-BR" sz="3600" b="0" i="0" u="none" strike="noStrike" cap="none" spc="0" normalizeH="0" baseline="0" dirty="0">
                 <a:ln>
                   <a:noFill/>
                 </a:ln>
                 <a:solidFill>
-                  <a:schemeClr val="bg2">
-                    <a:lumMod val="50000"/>
-                  </a:schemeClr>
+                  <a:srgbClr val="000000"/>
                 </a:solidFill>
                 <a:effectLst/>
                 <a:uFillTx/>
-                <a:latin typeface="Calibri" panose="020F0502020204030204" pitchFamily="34" charset="0"/>
-                <a:cs typeface="Calibri" panose="020F0502020204030204" pitchFamily="34" charset="0"/>
+                <a:latin typeface="Helvetica Neue"/>
+                <a:ea typeface="Helvetica Neue"/>
+                <a:cs typeface="Helvetica Neue"/>
                 <a:sym typeface="Helvetica Neue"/>
               </a:rPr>
-              <a:t>OBRIGADO!</a:t>
+              <a:t>Um </a:t>
+            </a:r>
+            <a:r>
+              <a:rPr kumimoji="0" lang="pt-BR" sz="3600" i="0" u="none" strike="noStrike" cap="none" spc="0" normalizeH="0" baseline="0" dirty="0">
+                <a:ln>
+                  <a:noFill/>
+                </a:ln>
+                <a:solidFill>
+                  <a:srgbClr val="000000"/>
+                </a:solidFill>
+                <a:effectLst/>
+                <a:uFillTx/>
+                <a:latin typeface="Helvetica Neue"/>
+                <a:ea typeface="Helvetica Neue"/>
+                <a:cs typeface="Helvetica Neue"/>
+                <a:sym typeface="Helvetica Neue"/>
+              </a:rPr>
+              <a:t>design </a:t>
+            </a:r>
+            <a:r>
+              <a:rPr kumimoji="0" lang="pt-BR" sz="3600" i="0" u="none" strike="noStrike" cap="none" spc="0" normalizeH="0" baseline="0" dirty="0" err="1">
+                <a:ln>
+                  <a:noFill/>
+                </a:ln>
+                <a:solidFill>
+                  <a:srgbClr val="000000"/>
+                </a:solidFill>
+                <a:effectLst/>
+                <a:uFillTx/>
+                <a:latin typeface="Helvetica Neue"/>
+                <a:ea typeface="Helvetica Neue"/>
+                <a:cs typeface="Helvetica Neue"/>
+                <a:sym typeface="Helvetica Neue"/>
+              </a:rPr>
+              <a:t>pattern</a:t>
+            </a:r>
+            <a:r>
+              <a:rPr kumimoji="0" lang="pt-BR" sz="3600" b="0" i="0" u="none" strike="noStrike" cap="none" spc="0" normalizeH="0" baseline="0" dirty="0">
+                <a:ln>
+                  <a:noFill/>
+                </a:ln>
+                <a:solidFill>
+                  <a:srgbClr val="000000"/>
+                </a:solidFill>
+                <a:effectLst/>
+                <a:uFillTx/>
+                <a:latin typeface="Helvetica Neue"/>
+                <a:ea typeface="Helvetica Neue"/>
+                <a:cs typeface="Helvetica Neue"/>
+                <a:sym typeface="Helvetica Neue"/>
+              </a:rPr>
+              <a:t>, ou padrão de projeto, descreve uma solução geral reutilizável para um problema recorrente no desenvolvimento de sistemas de software orientados a objeto.</a:t>
+            </a:r>
+          </a:p>
+          <a:p>
+            <a:pPr marL="0" marR="0" indent="0" algn="l" defTabSz="825500" rtl="0" fontAlgn="auto" latinLnBrk="0" hangingPunct="0">
+              <a:lnSpc>
+                <a:spcPct val="100000"/>
+              </a:lnSpc>
+              <a:spcBef>
+                <a:spcPts val="0"/>
+              </a:spcBef>
+              <a:spcAft>
+                <a:spcPts val="0"/>
+              </a:spcAft>
+              <a:buClrTx/>
+              <a:buSzTx/>
+              <a:buFontTx/>
+              <a:buNone/>
+              <a:tabLst/>
+            </a:pPr>
+            <a:endParaRPr lang="pt-BR" sz="3600" b="0" dirty="0"/>
+          </a:p>
+          <a:p>
+            <a:pPr marL="0" marR="0" indent="0" algn="l" defTabSz="825500" rtl="0" fontAlgn="auto" latinLnBrk="0" hangingPunct="0">
+              <a:lnSpc>
+                <a:spcPct val="100000"/>
+              </a:lnSpc>
+              <a:spcBef>
+                <a:spcPts val="0"/>
+              </a:spcBef>
+              <a:spcAft>
+                <a:spcPts val="0"/>
+              </a:spcAft>
+              <a:buClrTx/>
+              <a:buSzTx/>
+              <a:buFontTx/>
+              <a:buNone/>
+              <a:tabLst/>
+            </a:pPr>
+            <a:r>
+              <a:rPr kumimoji="0" lang="pt-BR" sz="3600" b="0" i="0" u="none" strike="noStrike" cap="none" spc="0" normalizeH="0" baseline="0" dirty="0">
+                <a:ln>
+                  <a:noFill/>
+                </a:ln>
+                <a:solidFill>
+                  <a:srgbClr val="000000"/>
+                </a:solidFill>
+                <a:effectLst/>
+                <a:uFillTx/>
+                <a:latin typeface="Helvetica Neue"/>
+                <a:ea typeface="Helvetica Neue"/>
+                <a:cs typeface="Helvetica Neue"/>
+                <a:sym typeface="Helvetica Neue"/>
+              </a:rPr>
+              <a:t>Não é um código final, é uma descrição - ou modelo - de como resolver o problema do qual trata, que pode ser usada em muitas situações diferentes.</a:t>
+            </a:r>
+          </a:p>
+          <a:p>
+            <a:pPr marL="0" marR="0" indent="0" algn="l" defTabSz="825500" rtl="0" fontAlgn="auto" latinLnBrk="0" hangingPunct="0">
+              <a:lnSpc>
+                <a:spcPct val="100000"/>
+              </a:lnSpc>
+              <a:spcBef>
+                <a:spcPts val="0"/>
+              </a:spcBef>
+              <a:spcAft>
+                <a:spcPts val="0"/>
+              </a:spcAft>
+              <a:buClrTx/>
+              <a:buSzTx/>
+              <a:buFontTx/>
+              <a:buNone/>
+              <a:tabLst/>
+            </a:pPr>
+            <a:endParaRPr lang="pt-BR" sz="3600" b="0" dirty="0"/>
+          </a:p>
+          <a:p>
+            <a:pPr marL="0" marR="0" indent="0" algn="l" defTabSz="825500" rtl="0" fontAlgn="auto" latinLnBrk="0" hangingPunct="0">
+              <a:lnSpc>
+                <a:spcPct val="100000"/>
+              </a:lnSpc>
+              <a:spcBef>
+                <a:spcPts val="0"/>
+              </a:spcBef>
+              <a:spcAft>
+                <a:spcPts val="0"/>
+              </a:spcAft>
+              <a:buClrTx/>
+              <a:buSzTx/>
+              <a:buFontTx/>
+              <a:buNone/>
+              <a:tabLst/>
+            </a:pPr>
+            <a:r>
+              <a:rPr kumimoji="0" lang="pt-BR" sz="3600" b="0" i="0" u="none" strike="noStrike" cap="none" spc="0" normalizeH="0" baseline="0" dirty="0">
+                <a:ln>
+                  <a:noFill/>
+                </a:ln>
+                <a:solidFill>
+                  <a:srgbClr val="000000"/>
+                </a:solidFill>
+                <a:effectLst/>
+                <a:uFillTx/>
+                <a:latin typeface="Helvetica Neue"/>
+                <a:ea typeface="Helvetica Neue"/>
+                <a:cs typeface="Helvetica Neue"/>
+                <a:sym typeface="Helvetica Neue"/>
+              </a:rPr>
+              <a:t>Os </a:t>
+            </a:r>
+            <a:r>
+              <a:rPr kumimoji="0" lang="pt-BR" sz="3600" i="0" u="none" strike="noStrike" cap="none" spc="0" normalizeH="0" baseline="0" dirty="0">
+                <a:ln>
+                  <a:noFill/>
+                </a:ln>
+                <a:solidFill>
+                  <a:srgbClr val="000000"/>
+                </a:solidFill>
+                <a:effectLst/>
+                <a:uFillTx/>
+                <a:latin typeface="Helvetica Neue"/>
+                <a:ea typeface="Helvetica Neue"/>
+                <a:cs typeface="Helvetica Neue"/>
+                <a:sym typeface="Helvetica Neue"/>
+              </a:rPr>
+              <a:t>design </a:t>
+            </a:r>
+            <a:r>
+              <a:rPr kumimoji="0" lang="pt-BR" sz="3600" i="0" u="none" strike="noStrike" cap="none" spc="0" normalizeH="0" baseline="0" dirty="0" err="1">
+                <a:ln>
+                  <a:noFill/>
+                </a:ln>
+                <a:solidFill>
+                  <a:srgbClr val="000000"/>
+                </a:solidFill>
+                <a:effectLst/>
+                <a:uFillTx/>
+                <a:latin typeface="Helvetica Neue"/>
+                <a:ea typeface="Helvetica Neue"/>
+                <a:cs typeface="Helvetica Neue"/>
+                <a:sym typeface="Helvetica Neue"/>
+              </a:rPr>
+              <a:t>patterns</a:t>
+            </a:r>
+            <a:r>
+              <a:rPr kumimoji="0" lang="pt-BR" sz="3600" b="0" i="0" u="none" strike="noStrike" cap="none" spc="0" normalizeH="0" baseline="0" dirty="0">
+                <a:ln>
+                  <a:noFill/>
+                </a:ln>
+                <a:solidFill>
+                  <a:srgbClr val="000000"/>
+                </a:solidFill>
+                <a:effectLst/>
+                <a:uFillTx/>
+                <a:latin typeface="Helvetica Neue"/>
+                <a:ea typeface="Helvetica Neue"/>
+                <a:cs typeface="Helvetica Neue"/>
+                <a:sym typeface="Helvetica Neue"/>
+              </a:rPr>
+              <a:t> normalmente definem as relações e interações entre as classes ou objetos sem especificar os detalhes das classe ou objetos envolvidos - estão em um nível de generalidade mais alto.</a:t>
             </a:r>
           </a:p>
         </p:txBody>
       </p:sp>
     </p:spTree>
+    <p:extLst>
+      <p:ext uri="{BB962C8B-B14F-4D97-AF65-F5344CB8AC3E}">
+        <p14:creationId xmlns:p14="http://schemas.microsoft.com/office/powerpoint/2010/main" val="1013315986"/>
+      </p:ext>
+    </p:extLst>
+  </p:cSld>
+  <p:clrMapOvr>
+    <a:masterClrMapping/>
+  </p:clrMapOvr>
+  <p:transition spd="med"/>
+</p:sld>
+</file>
+
+<file path=ppt/slides/slide95.xml><?xml version="1.0" encoding="utf-8"?>
+<p:sld xmlns:a="http://schemas.openxmlformats.org/drawingml/2006/main" xmlns:r="http://schemas.openxmlformats.org/officeDocument/2006/relationships" xmlns:p="http://schemas.openxmlformats.org/presentationml/2006/main">
+  <p:cSld>
+    <p:spTree>
+      <p:nvGrpSpPr>
+        <p:cNvPr id="1" name=""/>
+        <p:cNvGrpSpPr/>
+        <p:nvPr/>
+      </p:nvGrpSpPr>
+      <p:grpSpPr>
+        <a:xfrm>
+          <a:off x="0" y="0"/>
+          <a:ext cx="0" cy="0"/>
+          <a:chOff x="0" y="0"/>
+          <a:chExt cx="0" cy="0"/>
+        </a:xfrm>
+      </p:grpSpPr>
+      <p:sp>
+        <p:nvSpPr>
+          <p:cNvPr id="4" name="Título 3">
+            <a:extLst>
+              <a:ext uri="{FF2B5EF4-FFF2-40B4-BE49-F238E27FC236}">
+                <a16:creationId xmlns:a16="http://schemas.microsoft.com/office/drawing/2014/main" id="{8A4C52A0-42D9-47BB-966A-7FE92FDBFA2D}"/>
+              </a:ext>
+            </a:extLst>
+          </p:cNvPr>
+          <p:cNvSpPr>
+            <a:spLocks noGrp="1"/>
+          </p:cNvSpPr>
+          <p:nvPr>
+            <p:ph type="title"/>
+          </p:nvPr>
+        </p:nvSpPr>
+        <p:spPr/>
+        <p:txBody>
+          <a:bodyPr>
+            <a:normAutofit/>
+          </a:bodyPr>
+          <a:lstStyle/>
+          <a:p>
+            <a:r>
+              <a:rPr lang="pt-BR" dirty="0"/>
+              <a:t>Diagramas estruturais</a:t>
+            </a:r>
+          </a:p>
+        </p:txBody>
+      </p:sp>
+      <p:sp>
+        <p:nvSpPr>
+          <p:cNvPr id="5" name="Espaço Reservado para Conteúdo 4">
+            <a:extLst>
+              <a:ext uri="{FF2B5EF4-FFF2-40B4-BE49-F238E27FC236}">
+                <a16:creationId xmlns:a16="http://schemas.microsoft.com/office/drawing/2014/main" id="{1FBD8255-54D1-42B3-9B71-2D45D227E6FC}"/>
+              </a:ext>
+            </a:extLst>
+          </p:cNvPr>
+          <p:cNvSpPr>
+            <a:spLocks noGrp="1"/>
+          </p:cNvSpPr>
+          <p:nvPr>
+            <p:ph type="body" idx="1"/>
+          </p:nvPr>
+        </p:nvSpPr>
+        <p:spPr>
+          <a:xfrm>
+            <a:off x="1689100" y="2604530"/>
+            <a:ext cx="21005800" cy="10609446"/>
+          </a:xfrm>
+          <a:solidFill>
+            <a:schemeClr val="bg1"/>
+          </a:solidFill>
+        </p:spPr>
+        <p:txBody>
+          <a:bodyPr>
+            <a:noAutofit/>
+          </a:bodyPr>
+          <a:lstStyle/>
+          <a:p>
+            <a:pPr lvl="1">
+              <a:buSzPct val="100000"/>
+            </a:pPr>
+            <a:r>
+              <a:rPr lang="pt-BR" sz="3200" dirty="0">
+                <a:cs typeface="Courier New" panose="02070309020205020404" pitchFamily="49" charset="0"/>
+              </a:rPr>
+              <a:t>Diagrama de Classes: é uma representação da estrutura e relações das classes que servem de modelo para objetos</a:t>
+            </a:r>
+          </a:p>
+          <a:p>
+            <a:pPr lvl="1">
+              <a:buSzPct val="100000"/>
+            </a:pPr>
+            <a:r>
+              <a:rPr lang="pt-BR" sz="3200" dirty="0">
+                <a:cs typeface="Courier New" panose="02070309020205020404" pitchFamily="49" charset="0"/>
+              </a:rPr>
+              <a:t>Diagrama de Objetos: é uma variação do diagrama de classes e utiliza quase a mesma notação. A diferença é que o diagrama de objetos mostra os objetos que foram instanciados das classes. O diagrama de objetos poderia representar o perfil do sistema em um certo momento de sua execução.</a:t>
+            </a:r>
+          </a:p>
+          <a:p>
+            <a:pPr lvl="1">
+              <a:buSzPct val="100000"/>
+            </a:pPr>
+            <a:r>
+              <a:rPr lang="pt-BR" sz="3200" dirty="0">
+                <a:cs typeface="Courier New" panose="02070309020205020404" pitchFamily="49" charset="0"/>
+              </a:rPr>
+              <a:t>Diagrama de Componentes: ilustra como as classes deverão se encontrar organizadas através da noção de componentes de trabalho. Componente é uma peça física distribuível e substituível de código e que contém elementos que apresentam um conjunto de </a:t>
+            </a:r>
+            <a:r>
+              <a:rPr lang="pt-BR" sz="3200" i="1" dirty="0">
+                <a:cs typeface="Courier New" panose="02070309020205020404" pitchFamily="49" charset="0"/>
+              </a:rPr>
+              <a:t>interfaces</a:t>
+            </a:r>
+            <a:r>
+              <a:rPr lang="pt-BR" sz="3200" dirty="0">
+                <a:cs typeface="Courier New" panose="02070309020205020404" pitchFamily="49" charset="0"/>
+              </a:rPr>
+              <a:t> requeridas e fornecidas.</a:t>
+            </a:r>
+          </a:p>
+          <a:p>
+            <a:pPr lvl="1">
+              <a:buSzPct val="100000"/>
+            </a:pPr>
+            <a:r>
+              <a:rPr lang="pt-BR" sz="3200" dirty="0">
+                <a:cs typeface="Courier New" panose="02070309020205020404" pitchFamily="49" charset="0"/>
+              </a:rPr>
+              <a:t>Diagrama de Estruturas Compostas: destina-se à descrição dos relacionamentos entre os elementos. Utilizado para descrever a colaboração interna de classes, </a:t>
+            </a:r>
+            <a:r>
+              <a:rPr lang="pt-BR" sz="3200" i="1" dirty="0">
+                <a:cs typeface="Courier New" panose="02070309020205020404" pitchFamily="49" charset="0"/>
+              </a:rPr>
+              <a:t>interfaces</a:t>
+            </a:r>
+            <a:r>
+              <a:rPr lang="pt-BR" sz="3200" dirty="0">
+                <a:cs typeface="Courier New" panose="02070309020205020404" pitchFamily="49" charset="0"/>
+              </a:rPr>
+              <a:t> ou componentes de forma a especificar uma funcionalidade.</a:t>
+            </a:r>
+          </a:p>
+          <a:p>
+            <a:pPr lvl="1">
+              <a:buSzPct val="100000"/>
+            </a:pPr>
+            <a:r>
+              <a:rPr lang="pt-BR" sz="3200" dirty="0">
+                <a:cs typeface="Courier New" panose="02070309020205020404" pitchFamily="49" charset="0"/>
+              </a:rPr>
+              <a:t>Diagrama de Pacotes: descreve os pacotes ou pedações do sistema divididos em agrupamentos lógicos mostrando as dependências entre estes, ou seja, pacotes podem depender de outros pacotes.</a:t>
+            </a:r>
+          </a:p>
+          <a:p>
+            <a:pPr lvl="1">
+              <a:buSzPct val="100000"/>
+            </a:pPr>
+            <a:r>
+              <a:rPr lang="pt-BR" sz="3200" dirty="0">
+                <a:cs typeface="Courier New" panose="02070309020205020404" pitchFamily="49" charset="0"/>
+              </a:rPr>
+              <a:t>Diagrama de Implantação: descreve os componentes de hardware e software e sua interação com outros elemento de suporte ao processamento.</a:t>
+            </a:r>
+          </a:p>
+          <a:p>
+            <a:pPr lvl="1">
+              <a:buSzPct val="100000"/>
+            </a:pPr>
+            <a:r>
+              <a:rPr lang="pt-BR" sz="3200" dirty="0">
+                <a:cs typeface="Courier New" panose="02070309020205020404" pitchFamily="49" charset="0"/>
+              </a:rPr>
+              <a:t>Diagrama de Artefatos: mostra um conjunto de artefatos e seus relacionamentos com outros artefatos e com classes que implementam.</a:t>
+            </a:r>
+          </a:p>
+        </p:txBody>
+      </p:sp>
+      <p:sp>
+        <p:nvSpPr>
+          <p:cNvPr id="7" name="Espaço Reservado para Número de Slide 6">
+            <a:extLst>
+              <a:ext uri="{FF2B5EF4-FFF2-40B4-BE49-F238E27FC236}">
+                <a16:creationId xmlns:a16="http://schemas.microsoft.com/office/drawing/2014/main" id="{40C5ECBA-0615-433C-B308-162C7F749201}"/>
+              </a:ext>
+            </a:extLst>
+          </p:cNvPr>
+          <p:cNvSpPr>
+            <a:spLocks noGrp="1"/>
+          </p:cNvSpPr>
+          <p:nvPr>
+            <p:ph type="sldNum" sz="quarter" idx="10"/>
+          </p:nvPr>
+        </p:nvSpPr>
+        <p:spPr/>
+        <p:txBody>
+          <a:bodyPr/>
+          <a:lstStyle/>
+          <a:p>
+            <a:fld id="{E4B35BDD-CC3D-4492-88ED-922B282360E3}" type="slidenum">
+              <a:rPr lang="pt-BR" smtClean="0"/>
+              <a:t>95</a:t>
+            </a:fld>
+            <a:endParaRPr lang="pt-BR"/>
+          </a:p>
+        </p:txBody>
+      </p:sp>
+    </p:spTree>
+    <p:extLst>
+      <p:ext uri="{BB962C8B-B14F-4D97-AF65-F5344CB8AC3E}">
+        <p14:creationId xmlns:p14="http://schemas.microsoft.com/office/powerpoint/2010/main" val="2180646997"/>
+      </p:ext>
+    </p:extLst>
+  </p:cSld>
+  <p:clrMapOvr>
+    <a:masterClrMapping/>
+  </p:clrMapOvr>
+  <p:transition spd="med"/>
+</p:sld>
+</file>
+
+<file path=ppt/slides/slide96.xml><?xml version="1.0" encoding="utf-8"?>
+<p:sld xmlns:a="http://schemas.openxmlformats.org/drawingml/2006/main" xmlns:r="http://schemas.openxmlformats.org/officeDocument/2006/relationships" xmlns:p="http://schemas.openxmlformats.org/presentationml/2006/main">
+  <p:cSld>
+    <p:spTree>
+      <p:nvGrpSpPr>
+        <p:cNvPr id="1" name=""/>
+        <p:cNvGrpSpPr/>
+        <p:nvPr/>
+      </p:nvGrpSpPr>
+      <p:grpSpPr>
+        <a:xfrm>
+          <a:off x="0" y="0"/>
+          <a:ext cx="0" cy="0"/>
+          <a:chOff x="0" y="0"/>
+          <a:chExt cx="0" cy="0"/>
+        </a:xfrm>
+      </p:grpSpPr>
+      <p:sp>
+        <p:nvSpPr>
+          <p:cNvPr id="4" name="Título 3">
+            <a:extLst>
+              <a:ext uri="{FF2B5EF4-FFF2-40B4-BE49-F238E27FC236}">
+                <a16:creationId xmlns:a16="http://schemas.microsoft.com/office/drawing/2014/main" id="{8A4C52A0-42D9-47BB-966A-7FE92FDBFA2D}"/>
+              </a:ext>
+            </a:extLst>
+          </p:cNvPr>
+          <p:cNvSpPr>
+            <a:spLocks noGrp="1"/>
+          </p:cNvSpPr>
+          <p:nvPr>
+            <p:ph type="title"/>
+          </p:nvPr>
+        </p:nvSpPr>
+        <p:spPr/>
+        <p:txBody>
+          <a:bodyPr>
+            <a:normAutofit/>
+          </a:bodyPr>
+          <a:lstStyle/>
+          <a:p>
+            <a:r>
+              <a:rPr lang="pt-BR" dirty="0"/>
+              <a:t>Diagramas comportamentais</a:t>
+            </a:r>
+          </a:p>
+        </p:txBody>
+      </p:sp>
+      <p:sp>
+        <p:nvSpPr>
+          <p:cNvPr id="5" name="Espaço Reservado para Conteúdo 4">
+            <a:extLst>
+              <a:ext uri="{FF2B5EF4-FFF2-40B4-BE49-F238E27FC236}">
+                <a16:creationId xmlns:a16="http://schemas.microsoft.com/office/drawing/2014/main" id="{1FBD8255-54D1-42B3-9B71-2D45D227E6FC}"/>
+              </a:ext>
+            </a:extLst>
+          </p:cNvPr>
+          <p:cNvSpPr>
+            <a:spLocks noGrp="1"/>
+          </p:cNvSpPr>
+          <p:nvPr>
+            <p:ph type="body" idx="1"/>
+          </p:nvPr>
+        </p:nvSpPr>
+        <p:spPr>
+          <a:xfrm>
+            <a:off x="1689100" y="2604530"/>
+            <a:ext cx="21005800" cy="10609446"/>
+          </a:xfrm>
+          <a:solidFill>
+            <a:schemeClr val="bg1"/>
+          </a:solidFill>
+        </p:spPr>
+        <p:txBody>
+          <a:bodyPr>
+            <a:noAutofit/>
+          </a:bodyPr>
+          <a:lstStyle/>
+          <a:p>
+            <a:pPr lvl="1">
+              <a:buSzPct val="100000"/>
+            </a:pPr>
+            <a:r>
+              <a:rPr lang="pt-BR" sz="3200" dirty="0">
+                <a:cs typeface="Courier New" panose="02070309020205020404" pitchFamily="49" charset="0"/>
+              </a:rPr>
+              <a:t>Diagrama de Casos de Uso: descreve a funcionalidade proposta para um novo sistema que será projetado.</a:t>
+            </a:r>
+          </a:p>
+          <a:p>
+            <a:pPr lvl="1">
+              <a:buSzPct val="100000"/>
+            </a:pPr>
+            <a:r>
+              <a:rPr lang="pt-BR" sz="3200" dirty="0">
+                <a:cs typeface="Courier New" panose="02070309020205020404" pitchFamily="49" charset="0"/>
+              </a:rPr>
+              <a:t>Diagrama de Sequência: também chamado de diagrama de sequência de mensagens, representa a sequência de processos (mais especificamente, de mensagens transmitidas entre objetos) em um caso de uso.</a:t>
+            </a:r>
+          </a:p>
+          <a:p>
+            <a:pPr lvl="1">
+              <a:buSzPct val="100000"/>
+            </a:pPr>
+            <a:r>
+              <a:rPr lang="pt-BR" sz="3200" dirty="0">
+                <a:cs typeface="Courier New" panose="02070309020205020404" pitchFamily="49" charset="0"/>
+              </a:rPr>
+              <a:t>Diagrama de Comunicação: dá ênfase à organização estrutural dos objetos que enviam e recebem mensagens, mostrando o conjunto de papeis e as mensagens enviadas e recebidas pelas instâncias.</a:t>
+            </a:r>
+          </a:p>
+          <a:p>
+            <a:pPr lvl="1">
+              <a:buSzPct val="100000"/>
+            </a:pPr>
+            <a:r>
+              <a:rPr lang="pt-BR" sz="3200" dirty="0">
+                <a:cs typeface="Courier New" panose="02070309020205020404" pitchFamily="49" charset="0"/>
+              </a:rPr>
+              <a:t>Diagrama de Estados: mostra uma máquina de estados, que consiste de estados, transições, eventos e atividades, com a finalidade de modelarem o comportamento de uma interface, classe ou colaboração. Os diagramas de estado dão ênfase ao comportamento de um objeto, solicitado por eventos, que é de grande ajuda para a modelagem de sistemas reativos.</a:t>
+            </a:r>
+          </a:p>
+          <a:p>
+            <a:pPr lvl="1">
+              <a:buSzPct val="100000"/>
+            </a:pPr>
+            <a:r>
+              <a:rPr lang="pt-BR" sz="3200" dirty="0">
+                <a:cs typeface="Courier New" panose="02070309020205020404" pitchFamily="49" charset="0"/>
+              </a:rPr>
+              <a:t>Diagrama de Atividades: representa os fluxos conduzidos por processamentos. É, essencialmente, um gráfico e fluxo, mostrando o fluxo de controle de uma atividade para outra.</a:t>
+            </a:r>
+          </a:p>
+          <a:p>
+            <a:pPr lvl="1">
+              <a:buSzPct val="100000"/>
+            </a:pPr>
+            <a:r>
+              <a:rPr lang="pt-BR" sz="3200" dirty="0">
+                <a:cs typeface="Courier New" panose="02070309020205020404" pitchFamily="49" charset="0"/>
+              </a:rPr>
+              <a:t>Diagrama de Temporização: apresenta o comportamento dos objetos e sua interação em uma escala de tempo, focalizando as condições que mudam no decorrer desse período.</a:t>
+            </a:r>
+          </a:p>
+        </p:txBody>
+      </p:sp>
+      <p:sp>
+        <p:nvSpPr>
+          <p:cNvPr id="7" name="Espaço Reservado para Número de Slide 6">
+            <a:extLst>
+              <a:ext uri="{FF2B5EF4-FFF2-40B4-BE49-F238E27FC236}">
+                <a16:creationId xmlns:a16="http://schemas.microsoft.com/office/drawing/2014/main" id="{40C5ECBA-0615-433C-B308-162C7F749201}"/>
+              </a:ext>
+            </a:extLst>
+          </p:cNvPr>
+          <p:cNvSpPr>
+            <a:spLocks noGrp="1"/>
+          </p:cNvSpPr>
+          <p:nvPr>
+            <p:ph type="sldNum" sz="quarter" idx="10"/>
+          </p:nvPr>
+        </p:nvSpPr>
+        <p:spPr/>
+        <p:txBody>
+          <a:bodyPr/>
+          <a:lstStyle/>
+          <a:p>
+            <a:fld id="{E4B35BDD-CC3D-4492-88ED-922B282360E3}" type="slidenum">
+              <a:rPr lang="pt-BR" smtClean="0"/>
+              <a:t>96</a:t>
+            </a:fld>
+            <a:endParaRPr lang="pt-BR"/>
+          </a:p>
+        </p:txBody>
+      </p:sp>
+    </p:spTree>
+    <p:extLst>
+      <p:ext uri="{BB962C8B-B14F-4D97-AF65-F5344CB8AC3E}">
+        <p14:creationId xmlns:p14="http://schemas.microsoft.com/office/powerpoint/2010/main" val="98871545"/>
+      </p:ext>
+    </p:extLst>
+  </p:cSld>
+  <p:clrMapOvr>
+    <a:masterClrMapping/>
+  </p:clrMapOvr>
+  <p:transition spd="med"/>
+</p:sld>
+</file>
+
+<file path=ppt/slides/slide97.xml><?xml version="1.0" encoding="utf-8"?>
+<p:sld xmlns:a="http://schemas.openxmlformats.org/drawingml/2006/main" xmlns:r="http://schemas.openxmlformats.org/officeDocument/2006/relationships" xmlns:p="http://schemas.openxmlformats.org/presentationml/2006/main">
+  <p:cSld>
+    <p:spTree>
+      <p:nvGrpSpPr>
+        <p:cNvPr id="1" name=""/>
+        <p:cNvGrpSpPr/>
+        <p:nvPr/>
+      </p:nvGrpSpPr>
+      <p:grpSpPr>
+        <a:xfrm>
+          <a:off x="0" y="0"/>
+          <a:ext cx="0" cy="0"/>
+          <a:chOff x="0" y="0"/>
+          <a:chExt cx="0" cy="0"/>
+        </a:xfrm>
+      </p:grpSpPr>
+      <p:sp>
+        <p:nvSpPr>
+          <p:cNvPr id="4" name="Título 3">
+            <a:extLst>
+              <a:ext uri="{FF2B5EF4-FFF2-40B4-BE49-F238E27FC236}">
+                <a16:creationId xmlns:a16="http://schemas.microsoft.com/office/drawing/2014/main" id="{8A4C52A0-42D9-47BB-966A-7FE92FDBFA2D}"/>
+              </a:ext>
+            </a:extLst>
+          </p:cNvPr>
+          <p:cNvSpPr>
+            <a:spLocks noGrp="1"/>
+          </p:cNvSpPr>
+          <p:nvPr>
+            <p:ph type="title"/>
+          </p:nvPr>
+        </p:nvSpPr>
+        <p:spPr/>
+        <p:txBody>
+          <a:bodyPr>
+            <a:normAutofit/>
+          </a:bodyPr>
+          <a:lstStyle/>
+          <a:p>
+            <a:r>
+              <a:rPr lang="pt-BR" dirty="0"/>
+              <a:t>Diagramas de Classes</a:t>
+            </a:r>
+          </a:p>
+        </p:txBody>
+      </p:sp>
+      <p:sp>
+        <p:nvSpPr>
+          <p:cNvPr id="5" name="Espaço Reservado para Conteúdo 4">
+            <a:extLst>
+              <a:ext uri="{FF2B5EF4-FFF2-40B4-BE49-F238E27FC236}">
+                <a16:creationId xmlns:a16="http://schemas.microsoft.com/office/drawing/2014/main" id="{1FBD8255-54D1-42B3-9B71-2D45D227E6FC}"/>
+              </a:ext>
+            </a:extLst>
+          </p:cNvPr>
+          <p:cNvSpPr>
+            <a:spLocks noGrp="1"/>
+          </p:cNvSpPr>
+          <p:nvPr>
+            <p:ph type="body" idx="1"/>
+          </p:nvPr>
+        </p:nvSpPr>
+        <p:spPr>
+          <a:xfrm>
+            <a:off x="1689100" y="2604530"/>
+            <a:ext cx="21005800" cy="10609446"/>
+          </a:xfrm>
+          <a:solidFill>
+            <a:schemeClr val="bg1"/>
+          </a:solidFill>
+        </p:spPr>
+        <p:txBody>
+          <a:bodyPr>
+            <a:noAutofit/>
+          </a:bodyPr>
+          <a:lstStyle/>
+          <a:p>
+            <a:pPr>
+              <a:buSzPct val="100000"/>
+            </a:pPr>
+            <a:r>
+              <a:rPr lang="pt-BR" sz="3600" dirty="0">
+                <a:cs typeface="Courier New" panose="02070309020205020404" pitchFamily="49" charset="0"/>
+              </a:rPr>
+              <a:t>Os diagramas de classes proveem as bases de qualquer metodologia de análise e projeto de sistemas computacionais orientada a objetos. Não há, portanto, um sistema minimamente documentado para o qual não tenhamos desenvolvido um diagrama de classes.</a:t>
+            </a:r>
+          </a:p>
+          <a:p>
+            <a:pPr>
+              <a:buSzPct val="100000"/>
+            </a:pPr>
+            <a:r>
+              <a:rPr lang="pt-BR" sz="3600" dirty="0">
+                <a:cs typeface="Courier New" panose="02070309020205020404" pitchFamily="49" charset="0"/>
+              </a:rPr>
+              <a:t>Os diagramas de classes em modelos de sistemas podem especificar as perspectivas conceitual, de especificação e de implementação. Cada perspectiva representa o problema ou a solução com graus diferentes de abstração:</a:t>
+            </a:r>
+          </a:p>
+          <a:p>
+            <a:pPr lvl="1">
+              <a:buSzPct val="100000"/>
+            </a:pPr>
+            <a:r>
+              <a:rPr lang="pt-BR" sz="3200" dirty="0">
+                <a:cs typeface="Courier New" panose="02070309020205020404" pitchFamily="49" charset="0"/>
+              </a:rPr>
+              <a:t>Um diagrama de classes conceitual contém apenas classes de conceito (daí o nome conceitual), dotando o modelo de alto grau de abstração, ou seja, onde os detalhes são esquecidos. Modelos conceituais especificam parte do problema a ser solucionado pelo sistema.</a:t>
+            </a:r>
+          </a:p>
+          <a:p>
+            <a:pPr lvl="1">
+              <a:buSzPct val="100000"/>
+            </a:pPr>
+            <a:r>
+              <a:rPr lang="pt-BR" sz="3200" dirty="0">
+                <a:cs typeface="Courier New" panose="02070309020205020404" pitchFamily="49" charset="0"/>
+              </a:rPr>
+              <a:t>No extremo oposto, na perspectiva de implementação, representamos todos os detalhes necessários para a implementação do sistema considerando todas as características das tecnologias escolhidas. Dizemos que, na perspectiva de implementação, estamos no nível de abstração zero, em que nada é esquecido. Esses diagramas são bastante extensos e complexos por detalharem as minúcias da solução que os projetistas conceberam.</a:t>
+            </a:r>
+          </a:p>
+          <a:p>
+            <a:pPr lvl="1">
+              <a:buSzPct val="100000"/>
+            </a:pPr>
+            <a:r>
+              <a:rPr lang="pt-BR" sz="3200" dirty="0">
+                <a:cs typeface="Courier New" panose="02070309020205020404" pitchFamily="49" charset="0"/>
+              </a:rPr>
+              <a:t>A perspectiva de especificação se situa entre essas duas, ou seja, começa no instante em que adicionamos ao modelo conceitual completo a primeira classe ou detalhe da solução que o projetista está dando para o problema e termina quando obtemos o modelo de implementação. O nome </a:t>
+            </a:r>
+            <a:r>
+              <a:rPr lang="pt-BR" sz="3200" i="1" dirty="0">
+                <a:cs typeface="Courier New" panose="02070309020205020404" pitchFamily="49" charset="0"/>
+              </a:rPr>
+              <a:t>especificação</a:t>
+            </a:r>
+            <a:r>
+              <a:rPr lang="pt-BR" sz="3200" dirty="0">
+                <a:cs typeface="Courier New" panose="02070309020205020404" pitchFamily="49" charset="0"/>
+              </a:rPr>
+              <a:t> está associado à fase em que o projetista especifica a solução que está dando para o problema.</a:t>
+            </a:r>
+          </a:p>
+        </p:txBody>
+      </p:sp>
+      <p:sp>
+        <p:nvSpPr>
+          <p:cNvPr id="7" name="Espaço Reservado para Número de Slide 6">
+            <a:extLst>
+              <a:ext uri="{FF2B5EF4-FFF2-40B4-BE49-F238E27FC236}">
+                <a16:creationId xmlns:a16="http://schemas.microsoft.com/office/drawing/2014/main" id="{40C5ECBA-0615-433C-B308-162C7F749201}"/>
+              </a:ext>
+            </a:extLst>
+          </p:cNvPr>
+          <p:cNvSpPr>
+            <a:spLocks noGrp="1"/>
+          </p:cNvSpPr>
+          <p:nvPr>
+            <p:ph type="sldNum" sz="quarter" idx="10"/>
+          </p:nvPr>
+        </p:nvSpPr>
+        <p:spPr/>
+        <p:txBody>
+          <a:bodyPr/>
+          <a:lstStyle/>
+          <a:p>
+            <a:fld id="{E4B35BDD-CC3D-4492-88ED-922B282360E3}" type="slidenum">
+              <a:rPr lang="pt-BR" smtClean="0"/>
+              <a:t>97</a:t>
+            </a:fld>
+            <a:endParaRPr lang="pt-BR"/>
+          </a:p>
+        </p:txBody>
+      </p:sp>
+    </p:spTree>
+    <p:extLst>
+      <p:ext uri="{BB962C8B-B14F-4D97-AF65-F5344CB8AC3E}">
+        <p14:creationId xmlns:p14="http://schemas.microsoft.com/office/powerpoint/2010/main" val="2691889471"/>
+      </p:ext>
+    </p:extLst>
+  </p:cSld>
+  <p:clrMapOvr>
+    <a:masterClrMapping/>
+  </p:clrMapOvr>
+  <p:transition spd="med"/>
+</p:sld>
+</file>
+
+<file path=ppt/slides/slide98.xml><?xml version="1.0" encoding="utf-8"?>
+<p:sld xmlns:a="http://schemas.openxmlformats.org/drawingml/2006/main" xmlns:r="http://schemas.openxmlformats.org/officeDocument/2006/relationships" xmlns:p="http://schemas.openxmlformats.org/presentationml/2006/main">
+  <p:cSld>
+    <p:spTree>
+      <p:nvGrpSpPr>
+        <p:cNvPr id="1" name=""/>
+        <p:cNvGrpSpPr/>
+        <p:nvPr/>
+      </p:nvGrpSpPr>
+      <p:grpSpPr>
+        <a:xfrm>
+          <a:off x="0" y="0"/>
+          <a:ext cx="0" cy="0"/>
+          <a:chOff x="0" y="0"/>
+          <a:chExt cx="0" cy="0"/>
+        </a:xfrm>
+      </p:grpSpPr>
+      <p:sp>
+        <p:nvSpPr>
+          <p:cNvPr id="4" name="Título 3">
+            <a:extLst>
+              <a:ext uri="{FF2B5EF4-FFF2-40B4-BE49-F238E27FC236}">
+                <a16:creationId xmlns:a16="http://schemas.microsoft.com/office/drawing/2014/main" id="{8A4C52A0-42D9-47BB-966A-7FE92FDBFA2D}"/>
+              </a:ext>
+            </a:extLst>
+          </p:cNvPr>
+          <p:cNvSpPr>
+            <a:spLocks noGrp="1"/>
+          </p:cNvSpPr>
+          <p:nvPr>
+            <p:ph type="title"/>
+          </p:nvPr>
+        </p:nvSpPr>
+        <p:spPr/>
+        <p:txBody>
+          <a:bodyPr>
+            <a:normAutofit/>
+          </a:bodyPr>
+          <a:lstStyle/>
+          <a:p>
+            <a:r>
+              <a:rPr lang="pt-BR" dirty="0"/>
+              <a:t>Diagramas de Classes - Classes</a:t>
+            </a:r>
+          </a:p>
+        </p:txBody>
+      </p:sp>
+      <p:sp>
+        <p:nvSpPr>
+          <p:cNvPr id="5" name="Espaço Reservado para Conteúdo 4">
+            <a:extLst>
+              <a:ext uri="{FF2B5EF4-FFF2-40B4-BE49-F238E27FC236}">
+                <a16:creationId xmlns:a16="http://schemas.microsoft.com/office/drawing/2014/main" id="{1FBD8255-54D1-42B3-9B71-2D45D227E6FC}"/>
+              </a:ext>
+            </a:extLst>
+          </p:cNvPr>
+          <p:cNvSpPr>
+            <a:spLocks noGrp="1"/>
+          </p:cNvSpPr>
+          <p:nvPr>
+            <p:ph type="body" idx="1"/>
+          </p:nvPr>
+        </p:nvSpPr>
+        <p:spPr>
+          <a:xfrm>
+            <a:off x="1689100" y="2604530"/>
+            <a:ext cx="21005800" cy="10609446"/>
+          </a:xfrm>
+          <a:solidFill>
+            <a:schemeClr val="bg1"/>
+          </a:solidFill>
+        </p:spPr>
+        <p:txBody>
+          <a:bodyPr>
+            <a:noAutofit/>
+          </a:bodyPr>
+          <a:lstStyle/>
+          <a:p>
+            <a:pPr>
+              <a:buSzPct val="100000"/>
+            </a:pPr>
+            <a:r>
+              <a:rPr lang="pt-BR" sz="3200" dirty="0">
+                <a:cs typeface="Courier New" panose="02070309020205020404" pitchFamily="49" charset="0"/>
+              </a:rPr>
+              <a:t>Focaremos neste curso apenas no nível conceitual, discutindo assuntos do nível de especificação quando for pertinente. Os diagramas de classes que elaboraremos terão o objetivo de representar os conceitos de negócios, seus relacionamentos e restrições (regras de negócio).</a:t>
+            </a:r>
+          </a:p>
+          <a:p>
+            <a:pPr>
+              <a:buSzPct val="100000"/>
+            </a:pPr>
+            <a:r>
+              <a:rPr lang="pt-BR" sz="3200" dirty="0">
+                <a:cs typeface="Courier New" panose="02070309020205020404" pitchFamily="49" charset="0"/>
+              </a:rPr>
+              <a:t>Os diagramas de classes compõem-se de classe, dos relacionamentos entre elas e de restrições do negócio.</a:t>
+            </a:r>
+          </a:p>
+          <a:p>
+            <a:pPr>
+              <a:buSzPct val="100000"/>
+            </a:pPr>
+            <a:r>
+              <a:rPr lang="pt-BR" sz="3200" dirty="0">
+                <a:cs typeface="Courier New" panose="02070309020205020404" pitchFamily="49" charset="0"/>
+              </a:rPr>
+              <a:t>A classe é o elemento-chave em um diagrama de classes. No nível conceitual, uma classe representa um conceito do negócio. Assim, como mostrado na figura abaixo, </a:t>
+            </a:r>
+            <a:r>
+              <a:rPr lang="pt-BR" sz="3200" b="1" dirty="0">
+                <a:cs typeface="Courier New" panose="02070309020205020404" pitchFamily="49" charset="0"/>
+              </a:rPr>
+              <a:t>Pedido</a:t>
+            </a:r>
+            <a:r>
+              <a:rPr lang="pt-BR" sz="3200" dirty="0">
+                <a:cs typeface="Courier New" panose="02070309020205020404" pitchFamily="49" charset="0"/>
+              </a:rPr>
+              <a:t>, </a:t>
+            </a:r>
+            <a:r>
+              <a:rPr lang="pt-BR" sz="3200" b="1" dirty="0">
+                <a:cs typeface="Courier New" panose="02070309020205020404" pitchFamily="49" charset="0"/>
+              </a:rPr>
+              <a:t>Cliente</a:t>
+            </a:r>
+            <a:r>
+              <a:rPr lang="pt-BR" sz="3200" dirty="0">
+                <a:cs typeface="Courier New" panose="02070309020205020404" pitchFamily="49" charset="0"/>
+              </a:rPr>
+              <a:t>, etc. são conceitos que fazem parte de um contexto típico em uma empresa fictícia - à qual demos o nome de ZYX - que lida com pedidos feitos por sua clientela.</a:t>
+            </a:r>
+          </a:p>
+        </p:txBody>
+      </p:sp>
+      <p:sp>
+        <p:nvSpPr>
+          <p:cNvPr id="7" name="Espaço Reservado para Número de Slide 6">
+            <a:extLst>
+              <a:ext uri="{FF2B5EF4-FFF2-40B4-BE49-F238E27FC236}">
+                <a16:creationId xmlns:a16="http://schemas.microsoft.com/office/drawing/2014/main" id="{40C5ECBA-0615-433C-B308-162C7F749201}"/>
+              </a:ext>
+            </a:extLst>
+          </p:cNvPr>
+          <p:cNvSpPr>
+            <a:spLocks noGrp="1"/>
+          </p:cNvSpPr>
+          <p:nvPr>
+            <p:ph type="sldNum" sz="quarter" idx="10"/>
+          </p:nvPr>
+        </p:nvSpPr>
+        <p:spPr/>
+        <p:txBody>
+          <a:bodyPr/>
+          <a:lstStyle/>
+          <a:p>
+            <a:fld id="{E4B35BDD-CC3D-4492-88ED-922B282360E3}" type="slidenum">
+              <a:rPr lang="pt-BR" smtClean="0"/>
+              <a:t>98</a:t>
+            </a:fld>
+            <a:endParaRPr lang="pt-BR"/>
+          </a:p>
+        </p:txBody>
+      </p:sp>
+      <p:pic>
+        <p:nvPicPr>
+          <p:cNvPr id="3" name="Imagem 2">
+            <a:extLst>
+              <a:ext uri="{FF2B5EF4-FFF2-40B4-BE49-F238E27FC236}">
+                <a16:creationId xmlns:a16="http://schemas.microsoft.com/office/drawing/2014/main" id="{1F4EE4EB-2894-4A01-BCAC-F5611E1C13D6}"/>
+              </a:ext>
+            </a:extLst>
+          </p:cNvPr>
+          <p:cNvPicPr>
+            <a:picLocks noChangeAspect="1"/>
+          </p:cNvPicPr>
+          <p:nvPr/>
+        </p:nvPicPr>
+        <p:blipFill>
+          <a:blip r:embed="rId2"/>
+          <a:stretch>
+            <a:fillRect/>
+          </a:stretch>
+        </p:blipFill>
+        <p:spPr>
+          <a:xfrm>
+            <a:off x="6618514" y="6774620"/>
+            <a:ext cx="11146972" cy="6810154"/>
+          </a:xfrm>
+          <a:prstGeom prst="rect">
+            <a:avLst/>
+          </a:prstGeom>
+        </p:spPr>
+      </p:pic>
+    </p:spTree>
+    <p:extLst>
+      <p:ext uri="{BB962C8B-B14F-4D97-AF65-F5344CB8AC3E}">
+        <p14:creationId xmlns:p14="http://schemas.microsoft.com/office/powerpoint/2010/main" val="3652243163"/>
+      </p:ext>
+    </p:extLst>
+  </p:cSld>
+  <p:clrMapOvr>
+    <a:masterClrMapping/>
+  </p:clrMapOvr>
+  <p:transition spd="med"/>
+</p:sld>
+</file>
+
+<file path=ppt/slides/slide99.xml><?xml version="1.0" encoding="utf-8"?>
+<p:sld xmlns:a="http://schemas.openxmlformats.org/drawingml/2006/main" xmlns:r="http://schemas.openxmlformats.org/officeDocument/2006/relationships" xmlns:p="http://schemas.openxmlformats.org/presentationml/2006/main">
+  <p:cSld>
+    <p:spTree>
+      <p:nvGrpSpPr>
+        <p:cNvPr id="1" name=""/>
+        <p:cNvGrpSpPr/>
+        <p:nvPr/>
+      </p:nvGrpSpPr>
+      <p:grpSpPr>
+        <a:xfrm>
+          <a:off x="0" y="0"/>
+          <a:ext cx="0" cy="0"/>
+          <a:chOff x="0" y="0"/>
+          <a:chExt cx="0" cy="0"/>
+        </a:xfrm>
+      </p:grpSpPr>
+      <p:sp>
+        <p:nvSpPr>
+          <p:cNvPr id="4" name="Título 3">
+            <a:extLst>
+              <a:ext uri="{FF2B5EF4-FFF2-40B4-BE49-F238E27FC236}">
+                <a16:creationId xmlns:a16="http://schemas.microsoft.com/office/drawing/2014/main" id="{8A4C52A0-42D9-47BB-966A-7FE92FDBFA2D}"/>
+              </a:ext>
+            </a:extLst>
+          </p:cNvPr>
+          <p:cNvSpPr>
+            <a:spLocks noGrp="1"/>
+          </p:cNvSpPr>
+          <p:nvPr>
+            <p:ph type="title"/>
+          </p:nvPr>
+        </p:nvSpPr>
+        <p:spPr/>
+        <p:txBody>
+          <a:bodyPr>
+            <a:normAutofit/>
+          </a:bodyPr>
+          <a:lstStyle/>
+          <a:p>
+            <a:r>
+              <a:rPr lang="pt-BR" dirty="0"/>
+              <a:t>Diagramas de Classes - Classes</a:t>
+            </a:r>
+          </a:p>
+        </p:txBody>
+      </p:sp>
+      <p:sp>
+        <p:nvSpPr>
+          <p:cNvPr id="5" name="Espaço Reservado para Conteúdo 4">
+            <a:extLst>
+              <a:ext uri="{FF2B5EF4-FFF2-40B4-BE49-F238E27FC236}">
+                <a16:creationId xmlns:a16="http://schemas.microsoft.com/office/drawing/2014/main" id="{1FBD8255-54D1-42B3-9B71-2D45D227E6FC}"/>
+              </a:ext>
+            </a:extLst>
+          </p:cNvPr>
+          <p:cNvSpPr>
+            <a:spLocks noGrp="1"/>
+          </p:cNvSpPr>
+          <p:nvPr>
+            <p:ph type="body" idx="1"/>
+          </p:nvPr>
+        </p:nvSpPr>
+        <p:spPr>
+          <a:xfrm>
+            <a:off x="1689100" y="2604530"/>
+            <a:ext cx="21005800" cy="10609446"/>
+          </a:xfrm>
+          <a:solidFill>
+            <a:schemeClr val="bg1"/>
+          </a:solidFill>
+        </p:spPr>
+        <p:txBody>
+          <a:bodyPr>
+            <a:noAutofit/>
+          </a:bodyPr>
+          <a:lstStyle/>
+          <a:p>
+            <a:pPr>
+              <a:buSzPct val="100000"/>
+            </a:pPr>
+            <a:r>
+              <a:rPr lang="pt-BR" sz="3200" dirty="0">
+                <a:cs typeface="Courier New" panose="02070309020205020404" pitchFamily="49" charset="0"/>
+              </a:rPr>
+              <a:t>As classes conceituais, também chamadas de classes de entidades, são entidades das quais nos interessa ter suas propriedades armazenadas em um arquivo convencional (pastas suspensas e fichas), em um sistema manual, ou no banco de dados de sistema informatizado.</a:t>
+            </a:r>
+          </a:p>
+          <a:p>
+            <a:pPr>
+              <a:buSzPct val="100000"/>
+            </a:pPr>
+            <a:r>
+              <a:rPr lang="pt-BR" sz="3200" dirty="0">
+                <a:cs typeface="Courier New" panose="02070309020205020404" pitchFamily="49" charset="0"/>
+              </a:rPr>
+              <a:t>Os conceitos representados pelas classes conceituais são de pleno conhecimento dos participantes do negócio, ou seja, no exemplo anterior, nosso cliente conhece bem os conceitos de </a:t>
+            </a:r>
+            <a:r>
+              <a:rPr lang="pt-BR" sz="3200" b="1" dirty="0">
+                <a:cs typeface="Courier New" panose="02070309020205020404" pitchFamily="49" charset="0"/>
+              </a:rPr>
+              <a:t>Pedido</a:t>
+            </a:r>
+            <a:r>
+              <a:rPr lang="pt-BR" sz="3200" dirty="0">
+                <a:cs typeface="Courier New" panose="02070309020205020404" pitchFamily="49" charset="0"/>
+              </a:rPr>
+              <a:t>, </a:t>
+            </a:r>
+            <a:r>
+              <a:rPr lang="pt-BR" sz="3200" b="1" dirty="0">
+                <a:cs typeface="Courier New" panose="02070309020205020404" pitchFamily="49" charset="0"/>
+              </a:rPr>
+              <a:t>Fornecedor</a:t>
+            </a:r>
+            <a:r>
+              <a:rPr lang="pt-BR" sz="3200" dirty="0">
+                <a:cs typeface="Courier New" panose="02070309020205020404" pitchFamily="49" charset="0"/>
+              </a:rPr>
+              <a:t>, </a:t>
+            </a:r>
+            <a:r>
+              <a:rPr lang="pt-BR" sz="3200" b="1" dirty="0">
+                <a:cs typeface="Courier New" panose="02070309020205020404" pitchFamily="49" charset="0"/>
+              </a:rPr>
+              <a:t>Pedido de Reposição de Estoque</a:t>
+            </a:r>
+            <a:r>
+              <a:rPr lang="pt-BR" sz="3200" dirty="0">
+                <a:cs typeface="Courier New" panose="02070309020205020404" pitchFamily="49" charset="0"/>
+              </a:rPr>
+              <a:t>, etc.</a:t>
+            </a:r>
+          </a:p>
+          <a:p>
+            <a:pPr>
+              <a:buSzPct val="100000"/>
+            </a:pPr>
+            <a:r>
+              <a:rPr lang="pt-BR" sz="3200" dirty="0">
+                <a:cs typeface="Courier New" panose="02070309020205020404" pitchFamily="49" charset="0"/>
+              </a:rPr>
+              <a:t>Nos diagramas de classes, as classes são representadas por retângulos com um ou mais compartimentos, dependendo do nível de detalhamento. O nome da classe é colocado no primeiro compartimento em negrito e centralizado. Recomenda-se que os nomes sejam substantivos no singular ou expressões breves, preferencialmente com base no jargão usado no negócio. Os nomes são únicos em um </a:t>
+            </a:r>
+            <a:r>
+              <a:rPr lang="pt-BR" sz="3200" i="1" dirty="0">
+                <a:cs typeface="Courier New" panose="02070309020205020404" pitchFamily="49" charset="0"/>
+              </a:rPr>
+              <a:t>espaço de nomes</a:t>
+            </a:r>
+            <a:r>
+              <a:rPr lang="pt-BR" sz="3200" dirty="0">
+                <a:cs typeface="Courier New" panose="02070309020205020404" pitchFamily="49" charset="0"/>
+              </a:rPr>
+              <a:t> (</a:t>
+            </a:r>
+            <a:r>
+              <a:rPr lang="pt-BR" sz="3200" i="1" dirty="0" err="1">
+                <a:cs typeface="Courier New" panose="02070309020205020404" pitchFamily="49" charset="0"/>
+              </a:rPr>
+              <a:t>namespace</a:t>
+            </a:r>
+            <a:r>
+              <a:rPr lang="pt-BR" sz="3200" dirty="0">
+                <a:cs typeface="Courier New" panose="02070309020205020404" pitchFamily="49" charset="0"/>
+              </a:rPr>
+              <a:t>, em inglês), pois identificam univocamente as classes no modelo.</a:t>
+            </a:r>
+          </a:p>
+          <a:p>
+            <a:pPr>
+              <a:buSzPct val="100000"/>
+            </a:pPr>
+            <a:r>
+              <a:rPr lang="pt-BR" sz="3200" dirty="0">
+                <a:cs typeface="Courier New" panose="02070309020205020404" pitchFamily="49" charset="0"/>
+              </a:rPr>
+              <a:t>Um espaço de nomes é um local abstrato que fornece contexto para os itens colocados nele. Um espaço de nomes é um conjunto abstrato de coisas, um container. Em um dado espaço de nomes, cada elemento nele contido precisa ter um identificador - um nome - que deve ser único nesse espaço. Identificadores podem ser repetidos em espaços de nomes distintos, entretanto, quando compostos com o respectivo espaço de nomes, se tornam únicos no domínio.</a:t>
+            </a:r>
+          </a:p>
+        </p:txBody>
+      </p:sp>
+      <p:sp>
+        <p:nvSpPr>
+          <p:cNvPr id="7" name="Espaço Reservado para Número de Slide 6">
+            <a:extLst>
+              <a:ext uri="{FF2B5EF4-FFF2-40B4-BE49-F238E27FC236}">
+                <a16:creationId xmlns:a16="http://schemas.microsoft.com/office/drawing/2014/main" id="{40C5ECBA-0615-433C-B308-162C7F749201}"/>
+              </a:ext>
+            </a:extLst>
+          </p:cNvPr>
+          <p:cNvSpPr>
+            <a:spLocks noGrp="1"/>
+          </p:cNvSpPr>
+          <p:nvPr>
+            <p:ph type="sldNum" sz="quarter" idx="10"/>
+          </p:nvPr>
+        </p:nvSpPr>
+        <p:spPr/>
+        <p:txBody>
+          <a:bodyPr/>
+          <a:lstStyle/>
+          <a:p>
+            <a:fld id="{E4B35BDD-CC3D-4492-88ED-922B282360E3}" type="slidenum">
+              <a:rPr lang="pt-BR" smtClean="0"/>
+              <a:t>99</a:t>
+            </a:fld>
+            <a:endParaRPr lang="pt-BR"/>
+          </a:p>
+        </p:txBody>
+      </p:sp>
+    </p:spTree>
+    <p:extLst>
+      <p:ext uri="{BB962C8B-B14F-4D97-AF65-F5344CB8AC3E}">
+        <p14:creationId xmlns:p14="http://schemas.microsoft.com/office/powerpoint/2010/main" val="2095176842"/>
+      </p:ext>
+    </p:extLst>
   </p:cSld>
   <p:clrMapOvr>
     <a:masterClrMapping/>

--- a/materiais/slides.pptx
+++ b/materiais/slides.pptx
@@ -5,7 +5,7 @@
     <p:sldMasterId id="2147483648" r:id="rId4"/>
   </p:sldMasterIdLst>
   <p:notesMasterIdLst>
-    <p:notesMasterId r:id="rId118"/>
+    <p:notesMasterId r:id="rId136"/>
   </p:notesMasterIdLst>
   <p:sldIdLst>
     <p:sldId id="256" r:id="rId5"/>
@@ -120,7 +120,25 @@
     <p:sldId id="535" r:id="rId114"/>
     <p:sldId id="536" r:id="rId115"/>
     <p:sldId id="537" r:id="rId116"/>
-    <p:sldId id="258" r:id="rId117"/>
+    <p:sldId id="538" r:id="rId117"/>
+    <p:sldId id="539" r:id="rId118"/>
+    <p:sldId id="540" r:id="rId119"/>
+    <p:sldId id="541" r:id="rId120"/>
+    <p:sldId id="542" r:id="rId121"/>
+    <p:sldId id="543" r:id="rId122"/>
+    <p:sldId id="544" r:id="rId123"/>
+    <p:sldId id="545" r:id="rId124"/>
+    <p:sldId id="546" r:id="rId125"/>
+    <p:sldId id="547" r:id="rId126"/>
+    <p:sldId id="548" r:id="rId127"/>
+    <p:sldId id="549" r:id="rId128"/>
+    <p:sldId id="550" r:id="rId129"/>
+    <p:sldId id="551" r:id="rId130"/>
+    <p:sldId id="552" r:id="rId131"/>
+    <p:sldId id="553" r:id="rId132"/>
+    <p:sldId id="554" r:id="rId133"/>
+    <p:sldId id="555" r:id="rId134"/>
+    <p:sldId id="258" r:id="rId135"/>
   </p:sldIdLst>
   <p:sldSz cx="24384000" cy="13716000"/>
   <p:notesSz cx="6858000" cy="9144000"/>
@@ -11701,7 +11719,7 @@
           </a:ln>
           <a:extLst>
             <a:ext uri="{C572A759-6A51-4108-AA02-DFA0A04FC94B}">
-              <ma14:wrappingTextBoxFlag xmlns:ma14="http://schemas.microsoft.com/office/mac/drawingml/2011/main" xmlns:a14="http://schemas.microsoft.com/office/drawing/2010/main" xmlns:m="http://schemas.openxmlformats.org/officeDocument/2006/math" xmlns="" val="1"/>
+              <ma14:wrappingTextBoxFlag xmlns="" xmlns:m="http://schemas.openxmlformats.org/officeDocument/2006/math" xmlns:a14="http://schemas.microsoft.com/office/drawing/2010/main" xmlns:ma14="http://schemas.microsoft.com/office/mac/drawingml/2011/main" val="1"/>
             </a:ext>
           </a:extLst>
         </p:spPr>
@@ -11740,7 +11758,7 @@
           </a:ln>
           <a:extLst>
             <a:ext uri="{C572A759-6A51-4108-AA02-DFA0A04FC94B}">
-              <ma14:wrappingTextBoxFlag xmlns:ma14="http://schemas.microsoft.com/office/mac/drawingml/2011/main" xmlns:a14="http://schemas.microsoft.com/office/drawing/2010/main" xmlns:m="http://schemas.openxmlformats.org/officeDocument/2006/math" xmlns="" val="1"/>
+              <ma14:wrappingTextBoxFlag xmlns="" xmlns:m="http://schemas.openxmlformats.org/officeDocument/2006/math" xmlns:a14="http://schemas.microsoft.com/office/drawing/2010/main" xmlns:ma14="http://schemas.microsoft.com/office/mac/drawingml/2011/main" val="1"/>
             </a:ext>
           </a:extLst>
         </p:spPr>
@@ -12710,7 +12728,7 @@
           </a:ln>
           <a:extLst>
             <a:ext uri="{C572A759-6A51-4108-AA02-DFA0A04FC94B}">
-              <ma14:wrappingTextBoxFlag xmlns:ma14="http://schemas.microsoft.com/office/mac/drawingml/2011/main" xmlns:a14="http://schemas.microsoft.com/office/drawing/2010/main" xmlns:m="http://schemas.openxmlformats.org/officeDocument/2006/math" xmlns="" val="1"/>
+              <ma14:wrappingTextBoxFlag xmlns="" xmlns:m="http://schemas.openxmlformats.org/officeDocument/2006/math" xmlns:a14="http://schemas.microsoft.com/office/drawing/2010/main" xmlns:ma14="http://schemas.microsoft.com/office/mac/drawingml/2011/main" val="1"/>
             </a:ext>
           </a:extLst>
         </p:spPr>
@@ -13086,7 +13104,7 @@
           </a:ln>
           <a:extLst>
             <a:ext uri="{C572A759-6A51-4108-AA02-DFA0A04FC94B}">
-              <ma14:wrappingTextBoxFlag xmlns:ma14="http://schemas.microsoft.com/office/mac/drawingml/2011/main" xmlns:a14="http://schemas.microsoft.com/office/drawing/2010/main" xmlns:m="http://schemas.openxmlformats.org/officeDocument/2006/math" xmlns="" val="1"/>
+              <ma14:wrappingTextBoxFlag xmlns="" xmlns:m="http://schemas.openxmlformats.org/officeDocument/2006/math" xmlns:a14="http://schemas.microsoft.com/office/drawing/2010/main" xmlns:ma14="http://schemas.microsoft.com/office/mac/drawingml/2011/main" val="1"/>
             </a:ext>
           </a:extLst>
         </p:spPr>
@@ -17373,76 +17391,40 @@
               <a:rPr lang="pt-BR" sz="2800" dirty="0">
                 <a:cs typeface="Courier New" panose="02070309020205020404" pitchFamily="49" charset="0"/>
               </a:rPr>
-              <a:t>um sindicato. O que o modelo especifica ainda, por se tratar de composições, </a:t>
-            </a:r>
-            <a:r>
-              <a:rPr lang="pt-BR" sz="2800">
-                <a:cs typeface="Courier New" panose="02070309020205020404" pitchFamily="49" charset="0"/>
-              </a:rPr>
-              <a:t>é </a:t>
+              <a:t>um sindicato. O que o modelo especifica ainda, por se tratar de composições, é </a:t>
             </a:r>
             <a:br>
-              <a:rPr lang="pt-BR" sz="2800">
+              <a:rPr lang="pt-BR" sz="2800" dirty="0">
                 <a:cs typeface="Courier New" panose="02070309020205020404" pitchFamily="49" charset="0"/>
               </a:rPr>
             </a:br>
             <a:r>
-              <a:rPr lang="pt-BR" sz="2800">
-                <a:cs typeface="Courier New" panose="02070309020205020404" pitchFamily="49" charset="0"/>
-              </a:rPr>
-              <a:t>que</a:t>
-            </a:r>
-            <a:r>
               <a:rPr lang="pt-BR" sz="2800" dirty="0">
                 <a:cs typeface="Courier New" panose="02070309020205020404" pitchFamily="49" charset="0"/>
               </a:rPr>
-              <a:t>, se um funcionário está associado a uma  empresa, não pode estar </a:t>
-            </a:r>
-            <a:r>
-              <a:rPr lang="pt-BR" sz="2800">
-                <a:cs typeface="Courier New" panose="02070309020205020404" pitchFamily="49" charset="0"/>
-              </a:rPr>
-              <a:t>associado </a:t>
+              <a:t>que, se um funcionário está associado a uma  empresa, não pode estar associado </a:t>
             </a:r>
             <a:br>
-              <a:rPr lang="pt-BR" sz="2800">
+              <a:rPr lang="pt-BR" sz="2800" dirty="0">
                 <a:cs typeface="Courier New" panose="02070309020205020404" pitchFamily="49" charset="0"/>
               </a:rPr>
             </a:br>
             <a:r>
-              <a:rPr lang="pt-BR" sz="2800">
-                <a:cs typeface="Courier New" panose="02070309020205020404" pitchFamily="49" charset="0"/>
-              </a:rPr>
-              <a:t>ao </a:t>
-            </a:r>
-            <a:r>
               <a:rPr lang="pt-BR" sz="2800" dirty="0">
                 <a:cs typeface="Courier New" panose="02070309020205020404" pitchFamily="49" charset="0"/>
               </a:rPr>
-              <a:t>mesmo tempo a um sindicato1 , já que uma parte não pode pertencer a mais </a:t>
-            </a:r>
-            <a:r>
-              <a:rPr lang="pt-BR" sz="2800">
-                <a:cs typeface="Courier New" panose="02070309020205020404" pitchFamily="49" charset="0"/>
-              </a:rPr>
-              <a:t>de </a:t>
+              <a:t>ao mesmo tempo a um sindicato1 , já que uma parte não pode pertencer a mais de </a:t>
             </a:r>
             <a:br>
-              <a:rPr lang="pt-BR" sz="2800">
+              <a:rPr lang="pt-BR" sz="2800" dirty="0">
                 <a:cs typeface="Courier New" panose="02070309020205020404" pitchFamily="49" charset="0"/>
               </a:rPr>
             </a:br>
             <a:r>
-              <a:rPr lang="pt-BR" sz="2800">
-                <a:cs typeface="Courier New" panose="02070309020205020404" pitchFamily="49" charset="0"/>
-              </a:rPr>
-              <a:t>um </a:t>
-            </a:r>
-            <a:r>
               <a:rPr lang="pt-BR" sz="2800" dirty="0">
                 <a:cs typeface="Courier New" panose="02070309020205020404" pitchFamily="49" charset="0"/>
               </a:rPr>
-              <a:t>todo nas composições.</a:t>
+              <a:t>um todo nas composições.</a:t>
             </a:r>
           </a:p>
           <a:p>
@@ -17537,6 +17519,5277 @@
 </file>
 
 <file path=ppt/slides/slide113.xml><?xml version="1.0" encoding="utf-8"?>
+<p:sld xmlns:a="http://schemas.openxmlformats.org/drawingml/2006/main" xmlns:r="http://schemas.openxmlformats.org/officeDocument/2006/relationships" xmlns:p="http://schemas.openxmlformats.org/presentationml/2006/main">
+  <p:cSld>
+    <p:spTree>
+      <p:nvGrpSpPr>
+        <p:cNvPr id="1" name=""/>
+        <p:cNvGrpSpPr/>
+        <p:nvPr/>
+      </p:nvGrpSpPr>
+      <p:grpSpPr>
+        <a:xfrm>
+          <a:off x="0" y="0"/>
+          <a:ext cx="0" cy="0"/>
+          <a:chOff x="0" y="0"/>
+          <a:chExt cx="0" cy="0"/>
+        </a:xfrm>
+      </p:grpSpPr>
+      <p:sp>
+        <p:nvSpPr>
+          <p:cNvPr id="4" name="Título 3">
+            <a:extLst>
+              <a:ext uri="{FF2B5EF4-FFF2-40B4-BE49-F238E27FC236}">
+                <a16:creationId xmlns:a16="http://schemas.microsoft.com/office/drawing/2014/main" id="{4D95FF0F-F271-48E7-A204-C5656918B6A3}"/>
+              </a:ext>
+            </a:extLst>
+          </p:cNvPr>
+          <p:cNvSpPr>
+            <a:spLocks noGrp="1"/>
+          </p:cNvSpPr>
+          <p:nvPr>
+            <p:ph type="title"/>
+          </p:nvPr>
+        </p:nvSpPr>
+        <p:spPr>
+          <a:xfrm>
+            <a:off x="1689100" y="4572000"/>
+            <a:ext cx="21005800" cy="2286000"/>
+          </a:xfrm>
+        </p:spPr>
+        <p:txBody>
+          <a:bodyPr anchor="ctr">
+            <a:noAutofit/>
+          </a:bodyPr>
+          <a:lstStyle/>
+          <a:p>
+            <a:pPr algn="ctr"/>
+            <a:r>
+              <a:rPr lang="pt-BR" sz="10100" dirty="0"/>
+              <a:t>Conceitos relacionais</a:t>
+            </a:r>
+          </a:p>
+        </p:txBody>
+      </p:sp>
+      <p:sp>
+        <p:nvSpPr>
+          <p:cNvPr id="3" name="Espaço Reservado para Número de Slide 2">
+            <a:extLst>
+              <a:ext uri="{FF2B5EF4-FFF2-40B4-BE49-F238E27FC236}">
+                <a16:creationId xmlns:a16="http://schemas.microsoft.com/office/drawing/2014/main" id="{0A64DBA4-BCFE-45E5-997E-0703CA3C03F1}"/>
+              </a:ext>
+            </a:extLst>
+          </p:cNvPr>
+          <p:cNvSpPr>
+            <a:spLocks noGrp="1"/>
+          </p:cNvSpPr>
+          <p:nvPr>
+            <p:ph type="sldNum" sz="quarter" idx="10"/>
+          </p:nvPr>
+        </p:nvSpPr>
+        <p:spPr/>
+        <p:txBody>
+          <a:bodyPr/>
+          <a:lstStyle/>
+          <a:p>
+            <a:fld id="{5D0C34D4-E406-4A74-B020-30BB69A49765}" type="slidenum">
+              <a:rPr lang="pt-BR" smtClean="0"/>
+              <a:pPr/>
+              <a:t>113</a:t>
+            </a:fld>
+            <a:endParaRPr lang="pt-BR" dirty="0"/>
+          </a:p>
+        </p:txBody>
+      </p:sp>
+      <p:sp>
+        <p:nvSpPr>
+          <p:cNvPr id="5" name="Seta: para a Esquerda 4">
+            <a:hlinkClick r:id="rId2" action="ppaction://hlinksldjump"/>
+            <a:extLst>
+              <a:ext uri="{FF2B5EF4-FFF2-40B4-BE49-F238E27FC236}">
+                <a16:creationId xmlns:a16="http://schemas.microsoft.com/office/drawing/2014/main" id="{FB1B9FE4-85B3-4444-8B9B-D63B0DA9614E}"/>
+              </a:ext>
+            </a:extLst>
+          </p:cNvPr>
+          <p:cNvSpPr/>
+          <p:nvPr/>
+        </p:nvSpPr>
+        <p:spPr>
+          <a:xfrm>
+            <a:off x="1428508" y="522995"/>
+            <a:ext cx="938463" cy="986589"/>
+          </a:xfrm>
+          <a:prstGeom prst="leftArrow">
+            <a:avLst/>
+          </a:prstGeom>
+          <a:solidFill>
+            <a:schemeClr val="accent1"/>
+          </a:solidFill>
+          <a:ln w="12700" cap="flat">
+            <a:noFill/>
+            <a:miter lim="400000"/>
+          </a:ln>
+          <a:effectLst/>
+          <a:sp3d/>
+        </p:spPr>
+        <p:style>
+          <a:lnRef idx="0">
+            <a:scrgbClr r="0" g="0" b="0"/>
+          </a:lnRef>
+          <a:fillRef idx="0">
+            <a:scrgbClr r="0" g="0" b="0"/>
+          </a:fillRef>
+          <a:effectRef idx="0">
+            <a:scrgbClr r="0" g="0" b="0"/>
+          </a:effectRef>
+          <a:fontRef idx="none"/>
+        </p:style>
+        <p:txBody>
+          <a:bodyPr rot="0" spcFirstLastPara="1" vertOverflow="overflow" horzOverflow="overflow" vert="horz" wrap="square" lIns="0" tIns="0" rIns="0" bIns="0" numCol="1" spcCol="38100" rtlCol="0" anchor="ctr">
+            <a:spAutoFit/>
+          </a:bodyPr>
+          <a:lstStyle/>
+          <a:p>
+            <a:pPr marL="0" marR="0" indent="0" algn="ctr" defTabSz="825500" rtl="0" fontAlgn="auto" latinLnBrk="0" hangingPunct="0">
+              <a:lnSpc>
+                <a:spcPct val="100000"/>
+              </a:lnSpc>
+              <a:spcBef>
+                <a:spcPts val="0"/>
+              </a:spcBef>
+              <a:spcAft>
+                <a:spcPts val="0"/>
+              </a:spcAft>
+              <a:buClrTx/>
+              <a:buSzTx/>
+              <a:buFontTx/>
+              <a:buNone/>
+              <a:tabLst/>
+            </a:pPr>
+            <a:endParaRPr kumimoji="0" lang="pt-BR" sz="3200" b="0" i="0" u="none" strike="noStrike" cap="none" spc="0" normalizeH="0" baseline="0">
+              <a:ln>
+                <a:noFill/>
+              </a:ln>
+              <a:solidFill>
+                <a:srgbClr val="FFFFFF"/>
+              </a:solidFill>
+              <a:effectLst/>
+              <a:uFillTx/>
+              <a:latin typeface="+mn-lt"/>
+              <a:ea typeface="+mn-ea"/>
+              <a:cs typeface="+mn-cs"/>
+              <a:sym typeface="Helvetica Neue Medium"/>
+            </a:endParaRPr>
+          </a:p>
+        </p:txBody>
+      </p:sp>
+    </p:spTree>
+    <p:extLst>
+      <p:ext uri="{BB962C8B-B14F-4D97-AF65-F5344CB8AC3E}">
+        <p14:creationId xmlns:p14="http://schemas.microsoft.com/office/powerpoint/2010/main" val="3876975162"/>
+      </p:ext>
+    </p:extLst>
+  </p:cSld>
+  <p:clrMapOvr>
+    <a:masterClrMapping/>
+  </p:clrMapOvr>
+  <p:transition spd="med"/>
+</p:sld>
+</file>
+
+<file path=ppt/slides/slide114.xml><?xml version="1.0" encoding="utf-8"?>
+<p:sld xmlns:a="http://schemas.openxmlformats.org/drawingml/2006/main" xmlns:r="http://schemas.openxmlformats.org/officeDocument/2006/relationships" xmlns:p="http://schemas.openxmlformats.org/presentationml/2006/main">
+  <p:cSld>
+    <p:spTree>
+      <p:nvGrpSpPr>
+        <p:cNvPr id="1" name=""/>
+        <p:cNvGrpSpPr/>
+        <p:nvPr/>
+      </p:nvGrpSpPr>
+      <p:grpSpPr>
+        <a:xfrm>
+          <a:off x="0" y="0"/>
+          <a:ext cx="0" cy="0"/>
+          <a:chOff x="0" y="0"/>
+          <a:chExt cx="0" cy="0"/>
+        </a:xfrm>
+      </p:grpSpPr>
+      <p:sp>
+        <p:nvSpPr>
+          <p:cNvPr id="4" name="Título 3">
+            <a:extLst>
+              <a:ext uri="{FF2B5EF4-FFF2-40B4-BE49-F238E27FC236}">
+                <a16:creationId xmlns:a16="http://schemas.microsoft.com/office/drawing/2014/main" id="{8A4C52A0-42D9-47BB-966A-7FE92FDBFA2D}"/>
+              </a:ext>
+            </a:extLst>
+          </p:cNvPr>
+          <p:cNvSpPr>
+            <a:spLocks noGrp="1"/>
+          </p:cNvSpPr>
+          <p:nvPr>
+            <p:ph type="title"/>
+          </p:nvPr>
+        </p:nvSpPr>
+        <p:spPr/>
+        <p:txBody>
+          <a:bodyPr>
+            <a:normAutofit/>
+          </a:bodyPr>
+          <a:lstStyle/>
+          <a:p>
+            <a:r>
+              <a:rPr lang="pt-BR" dirty="0"/>
+              <a:t>Herança</a:t>
+            </a:r>
+          </a:p>
+        </p:txBody>
+      </p:sp>
+      <p:sp>
+        <p:nvSpPr>
+          <p:cNvPr id="5" name="Espaço Reservado para Conteúdo 4">
+            <a:extLst>
+              <a:ext uri="{FF2B5EF4-FFF2-40B4-BE49-F238E27FC236}">
+                <a16:creationId xmlns:a16="http://schemas.microsoft.com/office/drawing/2014/main" id="{1FBD8255-54D1-42B3-9B71-2D45D227E6FC}"/>
+              </a:ext>
+            </a:extLst>
+          </p:cNvPr>
+          <p:cNvSpPr>
+            <a:spLocks noGrp="1"/>
+          </p:cNvSpPr>
+          <p:nvPr>
+            <p:ph type="body" idx="1"/>
+          </p:nvPr>
+        </p:nvSpPr>
+        <p:spPr>
+          <a:xfrm>
+            <a:off x="1689100" y="2511225"/>
+            <a:ext cx="21005800" cy="10609446"/>
+          </a:xfrm>
+          <a:solidFill>
+            <a:schemeClr val="bg1"/>
+          </a:solidFill>
+        </p:spPr>
+        <p:txBody>
+          <a:bodyPr>
+            <a:noAutofit/>
+          </a:bodyPr>
+          <a:lstStyle/>
+          <a:p>
+            <a:pPr>
+              <a:buSzPct val="100000"/>
+            </a:pPr>
+            <a:r>
+              <a:rPr lang="pt-BR" sz="3200" dirty="0">
+                <a:cs typeface="Courier New" panose="02070309020205020404" pitchFamily="49" charset="0"/>
+              </a:rPr>
+              <a:t>O conceito de herança nada mais é do que uma possibilidade de representar algo que já existe no mundo real. Um exemplo clássico disto é quando, na escola, estudamos sobre “classificação biológica” na aula de ciências. Nela, é feita a seguinte divisão entre os seres vivos: Reino, Filo, Classe, Ordem, Família, Gênero, Espécie.</a:t>
+            </a:r>
+          </a:p>
+          <a:p>
+            <a:pPr>
+              <a:buSzPct val="100000"/>
+            </a:pPr>
+            <a:r>
+              <a:rPr lang="pt-BR" sz="3200" dirty="0">
+                <a:cs typeface="Courier New" panose="02070309020205020404" pitchFamily="49" charset="0"/>
+              </a:rPr>
+              <a:t>Cada divisão mais baixa herda o que for necessário da divisão superior, e isto ocorre porque a mais baixa é um subtipo da divisão acima. Espécie herda de Gênero, que, por sua vez, herda de Família e assim por diante.</a:t>
+            </a:r>
+          </a:p>
+          <a:p>
+            <a:pPr>
+              <a:buSzPct val="100000"/>
+            </a:pPr>
+            <a:r>
+              <a:rPr lang="pt-BR" sz="3200" dirty="0">
+                <a:cs typeface="Courier New" panose="02070309020205020404" pitchFamily="49" charset="0"/>
+              </a:rPr>
+              <a:t>Dentro da Orientação a Objetos, quando desejamos usar o conceito de herança, é necessário fazer uma classe herdar de outra.</a:t>
+            </a:r>
+          </a:p>
+          <a:p>
+            <a:pPr>
+              <a:buSzPct val="100000"/>
+            </a:pPr>
+            <a:r>
+              <a:rPr lang="pt-BR" sz="3200" i="1" dirty="0">
+                <a:cs typeface="Courier New" panose="02070309020205020404" pitchFamily="49" charset="0"/>
+              </a:rPr>
+              <a:t>Herança é o relacionamento entre classes em que uma classe chamada de subclasse (classe filha, classe derivada) é uma extensão, um subtipo, de outra classe chamada de superclasse (classe pai, classe mão, classe base). Devido a isto, a subclasse consegue reaproveitar os atributos e métodos dela. Além dos que venham a ser herdados, a subclasse pode definir seus próprios membros.</a:t>
+            </a:r>
+          </a:p>
+          <a:p>
+            <a:pPr>
+              <a:buSzPct val="100000"/>
+            </a:pPr>
+            <a:r>
+              <a:rPr lang="pt-BR" sz="3200" dirty="0">
+                <a:cs typeface="Courier New" panose="02070309020205020404" pitchFamily="49" charset="0"/>
+              </a:rPr>
+              <a:t>Essa definição deixa bem claro que herança só ocorre entre classes, então é incorreto dizer que “o objeto X herdou de Y”. Isto ocorre porque objetos só existem em tempo de execução, impossibilitando assim sua alteração estrutural. Já as classes, por serem do tempo de desenvolvimento (compilação), poderão definir a estrutura de novas classes e, consequentemente, de objetos criados a partir destas.</a:t>
+            </a:r>
+          </a:p>
+        </p:txBody>
+      </p:sp>
+      <p:sp>
+        <p:nvSpPr>
+          <p:cNvPr id="7" name="Espaço Reservado para Número de Slide 6">
+            <a:extLst>
+              <a:ext uri="{FF2B5EF4-FFF2-40B4-BE49-F238E27FC236}">
+                <a16:creationId xmlns:a16="http://schemas.microsoft.com/office/drawing/2014/main" id="{40C5ECBA-0615-433C-B308-162C7F749201}"/>
+              </a:ext>
+            </a:extLst>
+          </p:cNvPr>
+          <p:cNvSpPr>
+            <a:spLocks noGrp="1"/>
+          </p:cNvSpPr>
+          <p:nvPr>
+            <p:ph type="sldNum" sz="quarter" idx="10"/>
+          </p:nvPr>
+        </p:nvSpPr>
+        <p:spPr/>
+        <p:txBody>
+          <a:bodyPr/>
+          <a:lstStyle/>
+          <a:p>
+            <a:fld id="{E4B35BDD-CC3D-4492-88ED-922B282360E3}" type="slidenum">
+              <a:rPr lang="pt-BR" smtClean="0"/>
+              <a:t>114</a:t>
+            </a:fld>
+            <a:endParaRPr lang="pt-BR" dirty="0"/>
+          </a:p>
+        </p:txBody>
+      </p:sp>
+    </p:spTree>
+    <p:extLst>
+      <p:ext uri="{BB962C8B-B14F-4D97-AF65-F5344CB8AC3E}">
+        <p14:creationId xmlns:p14="http://schemas.microsoft.com/office/powerpoint/2010/main" val="1367623058"/>
+      </p:ext>
+    </p:extLst>
+  </p:cSld>
+  <p:clrMapOvr>
+    <a:masterClrMapping/>
+  </p:clrMapOvr>
+  <p:transition spd="med"/>
+</p:sld>
+</file>
+
+<file path=ppt/slides/slide115.xml><?xml version="1.0" encoding="utf-8"?>
+<p:sld xmlns:a="http://schemas.openxmlformats.org/drawingml/2006/main" xmlns:r="http://schemas.openxmlformats.org/officeDocument/2006/relationships" xmlns:p="http://schemas.openxmlformats.org/presentationml/2006/main">
+  <p:cSld>
+    <p:spTree>
+      <p:nvGrpSpPr>
+        <p:cNvPr id="1" name=""/>
+        <p:cNvGrpSpPr/>
+        <p:nvPr/>
+      </p:nvGrpSpPr>
+      <p:grpSpPr>
+        <a:xfrm>
+          <a:off x="0" y="0"/>
+          <a:ext cx="0" cy="0"/>
+          <a:chOff x="0" y="0"/>
+          <a:chExt cx="0" cy="0"/>
+        </a:xfrm>
+      </p:grpSpPr>
+      <p:sp>
+        <p:nvSpPr>
+          <p:cNvPr id="4" name="Título 3">
+            <a:extLst>
+              <a:ext uri="{FF2B5EF4-FFF2-40B4-BE49-F238E27FC236}">
+                <a16:creationId xmlns:a16="http://schemas.microsoft.com/office/drawing/2014/main" id="{8A4C52A0-42D9-47BB-966A-7FE92FDBFA2D}"/>
+              </a:ext>
+            </a:extLst>
+          </p:cNvPr>
+          <p:cNvSpPr>
+            <a:spLocks noGrp="1"/>
+          </p:cNvSpPr>
+          <p:nvPr>
+            <p:ph type="title"/>
+          </p:nvPr>
+        </p:nvSpPr>
+        <p:spPr/>
+        <p:txBody>
+          <a:bodyPr>
+            <a:normAutofit/>
+          </a:bodyPr>
+          <a:lstStyle/>
+          <a:p>
+            <a:r>
+              <a:rPr lang="pt-BR" dirty="0"/>
+              <a:t>Herança</a:t>
+            </a:r>
+          </a:p>
+        </p:txBody>
+      </p:sp>
+      <p:sp>
+        <p:nvSpPr>
+          <p:cNvPr id="5" name="Espaço Reservado para Conteúdo 4">
+            <a:extLst>
+              <a:ext uri="{FF2B5EF4-FFF2-40B4-BE49-F238E27FC236}">
+                <a16:creationId xmlns:a16="http://schemas.microsoft.com/office/drawing/2014/main" id="{1FBD8255-54D1-42B3-9B71-2D45D227E6FC}"/>
+              </a:ext>
+            </a:extLst>
+          </p:cNvPr>
+          <p:cNvSpPr>
+            <a:spLocks noGrp="1"/>
+          </p:cNvSpPr>
+          <p:nvPr>
+            <p:ph type="body" idx="1"/>
+          </p:nvPr>
+        </p:nvSpPr>
+        <p:spPr>
+          <a:xfrm>
+            <a:off x="1689100" y="2511225"/>
+            <a:ext cx="21005800" cy="10609446"/>
+          </a:xfrm>
+          <a:solidFill>
+            <a:schemeClr val="bg1"/>
+          </a:solidFill>
+        </p:spPr>
+        <p:txBody>
+          <a:bodyPr>
+            <a:noAutofit/>
+          </a:bodyPr>
+          <a:lstStyle/>
+          <a:p>
+            <a:pPr>
+              <a:buSzPct val="100000"/>
+            </a:pPr>
+            <a:r>
+              <a:rPr lang="pt-BR" sz="3200" dirty="0">
+                <a:cs typeface="Courier New" panose="02070309020205020404" pitchFamily="49" charset="0"/>
+              </a:rPr>
+              <a:t>A herança pode ocorrer em quantos níveis forem necessários. Porém, uma boa quantidade de níveis é de, no máximo, 4. Quanto mais níveis existirem, mais difícil de entender o código será, pois cada vez mais é gerado um distanciamento do conceito base. Esses níveis são chamados de Hierarquia de Classe.</a:t>
+            </a:r>
+          </a:p>
+          <a:p>
+            <a:pPr>
+              <a:buSzPct val="100000"/>
+            </a:pPr>
+            <a:r>
+              <a:rPr lang="pt-BR" sz="3200" dirty="0">
+                <a:cs typeface="Courier New" panose="02070309020205020404" pitchFamily="49" charset="0"/>
+              </a:rPr>
+              <a:t>O fundamento de reuso que já vimos é intrinsecamente ligado à herança e também à abstração. Quando definimos uma classe da forma mais abstrata possível, é porque necessitamos reusar seu conceito e seus membros em outros conceitos similares. A herança deve ser aplicada para isso.</a:t>
+            </a:r>
+          </a:p>
+          <a:p>
+            <a:pPr>
+              <a:buSzPct val="100000"/>
+            </a:pPr>
+            <a:r>
+              <a:rPr lang="pt-BR" sz="3200" dirty="0">
+                <a:cs typeface="Courier New" panose="02070309020205020404" pitchFamily="49" charset="0"/>
+              </a:rPr>
+              <a:t>Quando uma classe herdar de outra, ela poderá acrescentar novos membros, mas não excluir. Ora, se a ideia é reusar para evitar repetição, não teria lógica excluir código. Além disto, a grande vantagem da herança é a definição de subtipos. Embora o reuso seja importante, na verdade ele é uma consequência da herança, já que é possível também termos reuso através de outros relacionamentos.</a:t>
+            </a:r>
+          </a:p>
+          <a:p>
+            <a:pPr>
+              <a:buSzPct val="100000"/>
+            </a:pPr>
+            <a:endParaRPr lang="pt-BR" sz="3200" dirty="0">
+              <a:cs typeface="Courier New" panose="02070309020205020404" pitchFamily="49" charset="0"/>
+            </a:endParaRPr>
+          </a:p>
+        </p:txBody>
+      </p:sp>
+      <p:sp>
+        <p:nvSpPr>
+          <p:cNvPr id="7" name="Espaço Reservado para Número de Slide 6">
+            <a:extLst>
+              <a:ext uri="{FF2B5EF4-FFF2-40B4-BE49-F238E27FC236}">
+                <a16:creationId xmlns:a16="http://schemas.microsoft.com/office/drawing/2014/main" id="{40C5ECBA-0615-433C-B308-162C7F749201}"/>
+              </a:ext>
+            </a:extLst>
+          </p:cNvPr>
+          <p:cNvSpPr>
+            <a:spLocks noGrp="1"/>
+          </p:cNvSpPr>
+          <p:nvPr>
+            <p:ph type="sldNum" sz="quarter" idx="10"/>
+          </p:nvPr>
+        </p:nvSpPr>
+        <p:spPr/>
+        <p:txBody>
+          <a:bodyPr/>
+          <a:lstStyle/>
+          <a:p>
+            <a:fld id="{E4B35BDD-CC3D-4492-88ED-922B282360E3}" type="slidenum">
+              <a:rPr lang="pt-BR" smtClean="0"/>
+              <a:t>115</a:t>
+            </a:fld>
+            <a:endParaRPr lang="pt-BR" dirty="0"/>
+          </a:p>
+        </p:txBody>
+      </p:sp>
+      <p:pic>
+        <p:nvPicPr>
+          <p:cNvPr id="3" name="Imagem 2">
+            <a:extLst>
+              <a:ext uri="{FF2B5EF4-FFF2-40B4-BE49-F238E27FC236}">
+                <a16:creationId xmlns:a16="http://schemas.microsoft.com/office/drawing/2014/main" id="{EDFAD138-DF59-4AE4-AC31-0AA6E57913D8}"/>
+              </a:ext>
+            </a:extLst>
+          </p:cNvPr>
+          <p:cNvPicPr>
+            <a:picLocks noChangeAspect="1"/>
+          </p:cNvPicPr>
+          <p:nvPr/>
+        </p:nvPicPr>
+        <p:blipFill>
+          <a:blip r:embed="rId2"/>
+          <a:stretch>
+            <a:fillRect/>
+          </a:stretch>
+        </p:blipFill>
+        <p:spPr>
+          <a:xfrm>
+            <a:off x="8619626" y="8409541"/>
+            <a:ext cx="7144747" cy="4305901"/>
+          </a:xfrm>
+          <a:prstGeom prst="rect">
+            <a:avLst/>
+          </a:prstGeom>
+        </p:spPr>
+      </p:pic>
+    </p:spTree>
+    <p:extLst>
+      <p:ext uri="{BB962C8B-B14F-4D97-AF65-F5344CB8AC3E}">
+        <p14:creationId xmlns:p14="http://schemas.microsoft.com/office/powerpoint/2010/main" val="4137697210"/>
+      </p:ext>
+    </p:extLst>
+  </p:cSld>
+  <p:clrMapOvr>
+    <a:masterClrMapping/>
+  </p:clrMapOvr>
+  <p:transition spd="med"/>
+</p:sld>
+</file>
+
+<file path=ppt/slides/slide116.xml><?xml version="1.0" encoding="utf-8"?>
+<p:sld xmlns:a="http://schemas.openxmlformats.org/drawingml/2006/main" xmlns:r="http://schemas.openxmlformats.org/officeDocument/2006/relationships" xmlns:p="http://schemas.openxmlformats.org/presentationml/2006/main">
+  <p:cSld>
+    <p:spTree>
+      <p:nvGrpSpPr>
+        <p:cNvPr id="1" name=""/>
+        <p:cNvGrpSpPr/>
+        <p:nvPr/>
+      </p:nvGrpSpPr>
+      <p:grpSpPr>
+        <a:xfrm>
+          <a:off x="0" y="0"/>
+          <a:ext cx="0" cy="0"/>
+          <a:chOff x="0" y="0"/>
+          <a:chExt cx="0" cy="0"/>
+        </a:xfrm>
+      </p:grpSpPr>
+      <p:sp>
+        <p:nvSpPr>
+          <p:cNvPr id="4" name="Título 3">
+            <a:extLst>
+              <a:ext uri="{FF2B5EF4-FFF2-40B4-BE49-F238E27FC236}">
+                <a16:creationId xmlns:a16="http://schemas.microsoft.com/office/drawing/2014/main" id="{8A4C52A0-42D9-47BB-966A-7FE92FDBFA2D}"/>
+              </a:ext>
+            </a:extLst>
+          </p:cNvPr>
+          <p:cNvSpPr>
+            <a:spLocks noGrp="1"/>
+          </p:cNvSpPr>
+          <p:nvPr>
+            <p:ph type="title"/>
+          </p:nvPr>
+        </p:nvSpPr>
+        <p:spPr/>
+        <p:txBody>
+          <a:bodyPr>
+            <a:normAutofit/>
+          </a:bodyPr>
+          <a:lstStyle/>
+          <a:p>
+            <a:r>
+              <a:rPr lang="pt-BR" dirty="0"/>
+              <a:t>Herança</a:t>
+            </a:r>
+          </a:p>
+        </p:txBody>
+      </p:sp>
+      <p:sp>
+        <p:nvSpPr>
+          <p:cNvPr id="5" name="Espaço Reservado para Conteúdo 4">
+            <a:extLst>
+              <a:ext uri="{FF2B5EF4-FFF2-40B4-BE49-F238E27FC236}">
+                <a16:creationId xmlns:a16="http://schemas.microsoft.com/office/drawing/2014/main" id="{1FBD8255-54D1-42B3-9B71-2D45D227E6FC}"/>
+              </a:ext>
+            </a:extLst>
+          </p:cNvPr>
+          <p:cNvSpPr>
+            <a:spLocks noGrp="1"/>
+          </p:cNvSpPr>
+          <p:nvPr>
+            <p:ph type="body" idx="1"/>
+          </p:nvPr>
+        </p:nvSpPr>
+        <p:spPr>
+          <a:xfrm>
+            <a:off x="1689100" y="2511225"/>
+            <a:ext cx="21005800" cy="10609446"/>
+          </a:xfrm>
+          <a:solidFill>
+            <a:schemeClr val="bg1"/>
+          </a:solidFill>
+        </p:spPr>
+        <p:txBody>
+          <a:bodyPr>
+            <a:noAutofit/>
+          </a:bodyPr>
+          <a:lstStyle/>
+          <a:p>
+            <a:pPr>
+              <a:buSzPct val="100000"/>
+            </a:pPr>
+            <a:r>
+              <a:rPr lang="pt-BR" sz="3200" dirty="0">
+                <a:cs typeface="Courier New" panose="02070309020205020404" pitchFamily="49" charset="0"/>
+              </a:rPr>
+              <a:t>O processo de definir o mais genérico nas classes bases e ir acrescentando nas filhas o mais específico é conhecido como </a:t>
+            </a:r>
+            <a:r>
+              <a:rPr lang="pt-BR" sz="3200" i="1" dirty="0">
+                <a:cs typeface="Courier New" panose="02070309020205020404" pitchFamily="49" charset="0"/>
+              </a:rPr>
+              <a:t>Generalização</a:t>
+            </a:r>
+            <a:r>
+              <a:rPr lang="pt-BR" sz="3200" dirty="0">
+                <a:cs typeface="Courier New" panose="02070309020205020404" pitchFamily="49" charset="0"/>
+              </a:rPr>
+              <a:t> e </a:t>
+            </a:r>
+            <a:r>
+              <a:rPr lang="pt-BR" sz="3200" i="1" dirty="0">
+                <a:cs typeface="Courier New" panose="02070309020205020404" pitchFamily="49" charset="0"/>
+              </a:rPr>
+              <a:t>Especialização</a:t>
+            </a:r>
+            <a:r>
+              <a:rPr lang="pt-BR" sz="3200" dirty="0">
+                <a:cs typeface="Courier New" panose="02070309020205020404" pitchFamily="49" charset="0"/>
+              </a:rPr>
+              <a:t>, respectivamente. Quando mais se sobe na Hierarquia de Classe, mais genérico fica, e quanto mais desce, mais específico.</a:t>
+            </a:r>
+          </a:p>
+          <a:p>
+            <a:pPr>
+              <a:buSzPct val="100000"/>
+            </a:pPr>
+            <a:r>
+              <a:rPr lang="pt-BR" sz="3200" dirty="0">
+                <a:cs typeface="Courier New" panose="02070309020205020404" pitchFamily="49" charset="0"/>
+              </a:rPr>
+              <a:t>Alguns cuidados devem ser tomados quando usamos a herança, como onde colocar os atributos e métodos, e quando realmente devemos usá-la. Caso os membros sejam definidos na classe errada, situações estranhas podem ocorrer, pois não representarão a realidade.</a:t>
+            </a:r>
+          </a:p>
+        </p:txBody>
+      </p:sp>
+      <p:sp>
+        <p:nvSpPr>
+          <p:cNvPr id="7" name="Espaço Reservado para Número de Slide 6">
+            <a:extLst>
+              <a:ext uri="{FF2B5EF4-FFF2-40B4-BE49-F238E27FC236}">
+                <a16:creationId xmlns:a16="http://schemas.microsoft.com/office/drawing/2014/main" id="{40C5ECBA-0615-433C-B308-162C7F749201}"/>
+              </a:ext>
+            </a:extLst>
+          </p:cNvPr>
+          <p:cNvSpPr>
+            <a:spLocks noGrp="1"/>
+          </p:cNvSpPr>
+          <p:nvPr>
+            <p:ph type="sldNum" sz="quarter" idx="10"/>
+          </p:nvPr>
+        </p:nvSpPr>
+        <p:spPr/>
+        <p:txBody>
+          <a:bodyPr/>
+          <a:lstStyle/>
+          <a:p>
+            <a:fld id="{E4B35BDD-CC3D-4492-88ED-922B282360E3}" type="slidenum">
+              <a:rPr lang="pt-BR" smtClean="0"/>
+              <a:t>116</a:t>
+            </a:fld>
+            <a:endParaRPr lang="pt-BR" dirty="0"/>
+          </a:p>
+        </p:txBody>
+      </p:sp>
+      <p:pic>
+        <p:nvPicPr>
+          <p:cNvPr id="6" name="Imagem 5">
+            <a:extLst>
+              <a:ext uri="{FF2B5EF4-FFF2-40B4-BE49-F238E27FC236}">
+                <a16:creationId xmlns:a16="http://schemas.microsoft.com/office/drawing/2014/main" id="{D447DE7C-5E50-4A25-9C63-56B0494F08B9}"/>
+              </a:ext>
+            </a:extLst>
+          </p:cNvPr>
+          <p:cNvPicPr>
+            <a:picLocks noChangeAspect="1"/>
+          </p:cNvPicPr>
+          <p:nvPr/>
+        </p:nvPicPr>
+        <p:blipFill>
+          <a:blip r:embed="rId2"/>
+          <a:stretch>
+            <a:fillRect/>
+          </a:stretch>
+        </p:blipFill>
+        <p:spPr>
+          <a:xfrm>
+            <a:off x="6628899" y="6858000"/>
+            <a:ext cx="11126202" cy="5791202"/>
+          </a:xfrm>
+          <a:prstGeom prst="rect">
+            <a:avLst/>
+          </a:prstGeom>
+        </p:spPr>
+      </p:pic>
+    </p:spTree>
+    <p:extLst>
+      <p:ext uri="{BB962C8B-B14F-4D97-AF65-F5344CB8AC3E}">
+        <p14:creationId xmlns:p14="http://schemas.microsoft.com/office/powerpoint/2010/main" val="1174631500"/>
+      </p:ext>
+    </p:extLst>
+  </p:cSld>
+  <p:clrMapOvr>
+    <a:masterClrMapping/>
+  </p:clrMapOvr>
+  <p:transition spd="med"/>
+</p:sld>
+</file>
+
+<file path=ppt/slides/slide117.xml><?xml version="1.0" encoding="utf-8"?>
+<p:sld xmlns:a="http://schemas.openxmlformats.org/drawingml/2006/main" xmlns:r="http://schemas.openxmlformats.org/officeDocument/2006/relationships" xmlns:p="http://schemas.openxmlformats.org/presentationml/2006/main">
+  <p:cSld>
+    <p:spTree>
+      <p:nvGrpSpPr>
+        <p:cNvPr id="1" name=""/>
+        <p:cNvGrpSpPr/>
+        <p:nvPr/>
+      </p:nvGrpSpPr>
+      <p:grpSpPr>
+        <a:xfrm>
+          <a:off x="0" y="0"/>
+          <a:ext cx="0" cy="0"/>
+          <a:chOff x="0" y="0"/>
+          <a:chExt cx="0" cy="0"/>
+        </a:xfrm>
+      </p:grpSpPr>
+      <p:sp>
+        <p:nvSpPr>
+          <p:cNvPr id="4" name="Título 3">
+            <a:extLst>
+              <a:ext uri="{FF2B5EF4-FFF2-40B4-BE49-F238E27FC236}">
+                <a16:creationId xmlns:a16="http://schemas.microsoft.com/office/drawing/2014/main" id="{8A4C52A0-42D9-47BB-966A-7FE92FDBFA2D}"/>
+              </a:ext>
+            </a:extLst>
+          </p:cNvPr>
+          <p:cNvSpPr>
+            <a:spLocks noGrp="1"/>
+          </p:cNvSpPr>
+          <p:nvPr>
+            <p:ph type="title"/>
+          </p:nvPr>
+        </p:nvSpPr>
+        <p:spPr/>
+        <p:txBody>
+          <a:bodyPr>
+            <a:normAutofit/>
+          </a:bodyPr>
+          <a:lstStyle/>
+          <a:p>
+            <a:r>
+              <a:rPr lang="pt-BR" dirty="0"/>
+              <a:t>Herança</a:t>
+            </a:r>
+          </a:p>
+        </p:txBody>
+      </p:sp>
+      <p:sp>
+        <p:nvSpPr>
+          <p:cNvPr id="5" name="Espaço Reservado para Conteúdo 4">
+            <a:extLst>
+              <a:ext uri="{FF2B5EF4-FFF2-40B4-BE49-F238E27FC236}">
+                <a16:creationId xmlns:a16="http://schemas.microsoft.com/office/drawing/2014/main" id="{1FBD8255-54D1-42B3-9B71-2D45D227E6FC}"/>
+              </a:ext>
+            </a:extLst>
+          </p:cNvPr>
+          <p:cNvSpPr>
+            <a:spLocks noGrp="1"/>
+          </p:cNvSpPr>
+          <p:nvPr>
+            <p:ph type="body" idx="1"/>
+          </p:nvPr>
+        </p:nvSpPr>
+        <p:spPr>
+          <a:xfrm>
+            <a:off x="1689100" y="2511225"/>
+            <a:ext cx="21005800" cy="10609446"/>
+          </a:xfrm>
+          <a:solidFill>
+            <a:schemeClr val="bg1"/>
+          </a:solidFill>
+        </p:spPr>
+        <p:txBody>
+          <a:bodyPr>
+            <a:noAutofit/>
+          </a:bodyPr>
+          <a:lstStyle/>
+          <a:p>
+            <a:pPr>
+              <a:buSzPct val="100000"/>
+            </a:pPr>
+            <a:r>
+              <a:rPr lang="pt-BR" sz="3200" dirty="0">
+                <a:cs typeface="Courier New" panose="02070309020205020404" pitchFamily="49" charset="0"/>
+              </a:rPr>
+              <a:t>Classes abstratas:</a:t>
+            </a:r>
+          </a:p>
+          <a:p>
+            <a:pPr lvl="1">
+              <a:buSzPct val="100000"/>
+            </a:pPr>
+            <a:r>
+              <a:rPr lang="pt-BR" sz="2800" dirty="0">
+                <a:cs typeface="Courier New" panose="02070309020205020404" pitchFamily="49" charset="0"/>
+              </a:rPr>
+              <a:t>Uma classe abstrata tem como principal função ser a implementação completa do conceito de abstração. São classes que representam conceitos tão genéricos que não vale a pena trabalhar com elas diretamente. Elas são incompletas e devem ser completadas pelas classes que herdarem delas, ou seja, seus subtipos.</a:t>
+            </a:r>
+          </a:p>
+          <a:p>
+            <a:pPr lvl="1">
+              <a:buSzPct val="100000"/>
+            </a:pPr>
+            <a:r>
+              <a:rPr lang="pt-BR" sz="2800" dirty="0">
+                <a:cs typeface="Courier New" panose="02070309020205020404" pitchFamily="49" charset="0"/>
+              </a:rPr>
+              <a:t>Por não valer a pena trabalhar diretamente com elas, essas classes têm uma característica importante: não podem ser instanciadas. Ou seja, não podemos criar objetos diretamente a partir delas. Ao tentarmos usar o operador </a:t>
+            </a:r>
+            <a:r>
+              <a:rPr lang="pt-BR" sz="2800" b="1" dirty="0">
+                <a:cs typeface="Courier New" panose="02070309020205020404" pitchFamily="49" charset="0"/>
+              </a:rPr>
+              <a:t>new</a:t>
+            </a:r>
+            <a:r>
+              <a:rPr lang="pt-BR" sz="2800" dirty="0">
+                <a:cs typeface="Courier New" panose="02070309020205020404" pitchFamily="49" charset="0"/>
+              </a:rPr>
+              <a:t> com uma classe abstrata, um erro do compilador informará que classes abstratas não podem ser instanciadas.</a:t>
+            </a:r>
+          </a:p>
+          <a:p>
+            <a:pPr lvl="1">
+              <a:buSzPct val="100000"/>
+            </a:pPr>
+            <a:r>
+              <a:rPr lang="pt-BR" sz="2800" dirty="0">
+                <a:cs typeface="Courier New" panose="02070309020205020404" pitchFamily="49" charset="0"/>
+              </a:rPr>
+              <a:t>Por serem de uso indireto, geralmente classes abstratas estão no topo da hierarquia de classe. Por exemplo, em uma especialização da superclasse </a:t>
+            </a:r>
+            <a:r>
+              <a:rPr lang="pt-BR" sz="2800" b="1" dirty="0">
+                <a:cs typeface="Courier New" panose="02070309020205020404" pitchFamily="49" charset="0"/>
+              </a:rPr>
+              <a:t>Pessoa</a:t>
+            </a:r>
+            <a:r>
+              <a:rPr lang="pt-BR" sz="2800" dirty="0">
+                <a:cs typeface="Courier New" panose="02070309020205020404" pitchFamily="49" charset="0"/>
+              </a:rPr>
+              <a:t> em classes </a:t>
+            </a:r>
+            <a:r>
+              <a:rPr lang="pt-BR" sz="2800" b="1" dirty="0">
+                <a:cs typeface="Courier New" panose="02070309020205020404" pitchFamily="49" charset="0"/>
+              </a:rPr>
+              <a:t>Funcionário</a:t>
+            </a:r>
+            <a:r>
+              <a:rPr lang="pt-BR" sz="2800" dirty="0">
+                <a:cs typeface="Courier New" panose="02070309020205020404" pitchFamily="49" charset="0"/>
+              </a:rPr>
+              <a:t> e </a:t>
+            </a:r>
+            <a:r>
+              <a:rPr lang="pt-BR" sz="2800" b="1" dirty="0">
+                <a:cs typeface="Courier New" panose="02070309020205020404" pitchFamily="49" charset="0"/>
+              </a:rPr>
+              <a:t>Paciente</a:t>
+            </a:r>
+            <a:r>
+              <a:rPr lang="pt-BR" sz="2800" dirty="0">
+                <a:cs typeface="Courier New" panose="02070309020205020404" pitchFamily="49" charset="0"/>
+              </a:rPr>
+              <a:t> em um sistema hospitalar, talvez não seja útil utilizar diretamente objetos do tipo </a:t>
+            </a:r>
+            <a:r>
+              <a:rPr lang="pt-BR" sz="2800" b="1" dirty="0">
+                <a:cs typeface="Courier New" panose="02070309020205020404" pitchFamily="49" charset="0"/>
+              </a:rPr>
+              <a:t>Pessoa</a:t>
+            </a:r>
+            <a:r>
+              <a:rPr lang="pt-BR" sz="2800" dirty="0">
+                <a:cs typeface="Courier New" panose="02070309020205020404" pitchFamily="49" charset="0"/>
+              </a:rPr>
+              <a:t>, afinal é importante distinguir quem é funcionário e quem é paciente. Cada um executará uma tarefa diferente dentro do hospital e deverá ser tratado da forma adequada.</a:t>
+            </a:r>
+          </a:p>
+          <a:p>
+            <a:pPr lvl="1">
+              <a:buSzPct val="100000"/>
+            </a:pPr>
+            <a:r>
+              <a:rPr lang="pt-BR" sz="2800" dirty="0">
+                <a:cs typeface="Courier New" panose="02070309020205020404" pitchFamily="49" charset="0"/>
+              </a:rPr>
+              <a:t>Além de definir a classe como abstrata - que servirá de molde para outras classes -, podemos também definir métodos como abstratos. A ideia de definir um método como abstrato é para que ele também sirva de molde. Para isso, ele não deve possuir uma implementação, mas sim apenas a definição de sua assinatura.</a:t>
+            </a:r>
+          </a:p>
+          <a:p>
+            <a:pPr lvl="1">
+              <a:buSzPct val="100000"/>
+            </a:pPr>
+            <a:r>
+              <a:rPr lang="pt-BR" sz="2800" dirty="0">
+                <a:cs typeface="Courier New" panose="02070309020205020404" pitchFamily="49" charset="0"/>
+              </a:rPr>
+              <a:t>Métodos abstratos só podem ser definidos em classes abstratas. Porém, classes abstratas podem também possuir métodos não abstratos, ou seja, que possuam sua implementação.</a:t>
+            </a:r>
+          </a:p>
+          <a:p>
+            <a:pPr lvl="1">
+              <a:buSzPct val="100000"/>
+            </a:pPr>
+            <a:r>
+              <a:rPr lang="pt-BR" sz="2800" dirty="0">
+                <a:cs typeface="Courier New" panose="02070309020205020404" pitchFamily="49" charset="0"/>
+              </a:rPr>
+              <a:t>É importante destacar que não existe “atributo abstrato”!</a:t>
+            </a:r>
+          </a:p>
+        </p:txBody>
+      </p:sp>
+      <p:sp>
+        <p:nvSpPr>
+          <p:cNvPr id="7" name="Espaço Reservado para Número de Slide 6">
+            <a:extLst>
+              <a:ext uri="{FF2B5EF4-FFF2-40B4-BE49-F238E27FC236}">
+                <a16:creationId xmlns:a16="http://schemas.microsoft.com/office/drawing/2014/main" id="{40C5ECBA-0615-433C-B308-162C7F749201}"/>
+              </a:ext>
+            </a:extLst>
+          </p:cNvPr>
+          <p:cNvSpPr>
+            <a:spLocks noGrp="1"/>
+          </p:cNvSpPr>
+          <p:nvPr>
+            <p:ph type="sldNum" sz="quarter" idx="10"/>
+          </p:nvPr>
+        </p:nvSpPr>
+        <p:spPr/>
+        <p:txBody>
+          <a:bodyPr/>
+          <a:lstStyle/>
+          <a:p>
+            <a:fld id="{E4B35BDD-CC3D-4492-88ED-922B282360E3}" type="slidenum">
+              <a:rPr lang="pt-BR" smtClean="0"/>
+              <a:t>117</a:t>
+            </a:fld>
+            <a:endParaRPr lang="pt-BR" dirty="0"/>
+          </a:p>
+        </p:txBody>
+      </p:sp>
+    </p:spTree>
+    <p:extLst>
+      <p:ext uri="{BB962C8B-B14F-4D97-AF65-F5344CB8AC3E}">
+        <p14:creationId xmlns:p14="http://schemas.microsoft.com/office/powerpoint/2010/main" val="3228875040"/>
+      </p:ext>
+    </p:extLst>
+  </p:cSld>
+  <p:clrMapOvr>
+    <a:masterClrMapping/>
+  </p:clrMapOvr>
+  <p:transition spd="med"/>
+</p:sld>
+</file>
+
+<file path=ppt/slides/slide118.xml><?xml version="1.0" encoding="utf-8"?>
+<p:sld xmlns:a="http://schemas.openxmlformats.org/drawingml/2006/main" xmlns:r="http://schemas.openxmlformats.org/officeDocument/2006/relationships" xmlns:p="http://schemas.openxmlformats.org/presentationml/2006/main">
+  <p:cSld>
+    <p:spTree>
+      <p:nvGrpSpPr>
+        <p:cNvPr id="1" name=""/>
+        <p:cNvGrpSpPr/>
+        <p:nvPr/>
+      </p:nvGrpSpPr>
+      <p:grpSpPr>
+        <a:xfrm>
+          <a:off x="0" y="0"/>
+          <a:ext cx="0" cy="0"/>
+          <a:chOff x="0" y="0"/>
+          <a:chExt cx="0" cy="0"/>
+        </a:xfrm>
+      </p:grpSpPr>
+      <p:sp>
+        <p:nvSpPr>
+          <p:cNvPr id="4" name="Título 3">
+            <a:extLst>
+              <a:ext uri="{FF2B5EF4-FFF2-40B4-BE49-F238E27FC236}">
+                <a16:creationId xmlns:a16="http://schemas.microsoft.com/office/drawing/2014/main" id="{8A4C52A0-42D9-47BB-966A-7FE92FDBFA2D}"/>
+              </a:ext>
+            </a:extLst>
+          </p:cNvPr>
+          <p:cNvSpPr>
+            <a:spLocks noGrp="1"/>
+          </p:cNvSpPr>
+          <p:nvPr>
+            <p:ph type="title"/>
+          </p:nvPr>
+        </p:nvSpPr>
+        <p:spPr/>
+        <p:txBody>
+          <a:bodyPr>
+            <a:normAutofit/>
+          </a:bodyPr>
+          <a:lstStyle/>
+          <a:p>
+            <a:r>
+              <a:rPr lang="pt-BR" dirty="0"/>
+              <a:t>Herança</a:t>
+            </a:r>
+          </a:p>
+        </p:txBody>
+      </p:sp>
+      <p:sp>
+        <p:nvSpPr>
+          <p:cNvPr id="5" name="Espaço Reservado para Conteúdo 4">
+            <a:extLst>
+              <a:ext uri="{FF2B5EF4-FFF2-40B4-BE49-F238E27FC236}">
+                <a16:creationId xmlns:a16="http://schemas.microsoft.com/office/drawing/2014/main" id="{1FBD8255-54D1-42B3-9B71-2D45D227E6FC}"/>
+              </a:ext>
+            </a:extLst>
+          </p:cNvPr>
+          <p:cNvSpPr>
+            <a:spLocks noGrp="1"/>
+          </p:cNvSpPr>
+          <p:nvPr>
+            <p:ph type="body" idx="1"/>
+          </p:nvPr>
+        </p:nvSpPr>
+        <p:spPr>
+          <a:xfrm>
+            <a:off x="1689100" y="2511225"/>
+            <a:ext cx="21005800" cy="10609446"/>
+          </a:xfrm>
+          <a:solidFill>
+            <a:schemeClr val="bg1"/>
+          </a:solidFill>
+        </p:spPr>
+        <p:txBody>
+          <a:bodyPr>
+            <a:noAutofit/>
+          </a:bodyPr>
+          <a:lstStyle/>
+          <a:p>
+            <a:pPr>
+              <a:buSzPct val="100000"/>
+            </a:pPr>
+            <a:r>
+              <a:rPr lang="pt-BR" sz="3200" dirty="0">
+                <a:cs typeface="Courier New" panose="02070309020205020404" pitchFamily="49" charset="0"/>
+              </a:rPr>
+              <a:t>Classes concretas:</a:t>
+            </a:r>
+          </a:p>
+          <a:p>
+            <a:pPr lvl="1">
+              <a:buSzPct val="100000"/>
+            </a:pPr>
+            <a:r>
+              <a:rPr lang="pt-BR" sz="2800" dirty="0">
+                <a:cs typeface="Courier New" panose="02070309020205020404" pitchFamily="49" charset="0"/>
+              </a:rPr>
+              <a:t>Quando uma classe não é abstrata, ela só pode ser concreta. Ao contrário das abstratas, estas não são genéricas, e sim bem específicas. Elas representam o conceito de uso direto que deve ser trabalhado e, por isso, não só podem, como devem, ser instanciadas. Manipulá-las é vital para o bom funcionamento da aplicação.</a:t>
+            </a:r>
+          </a:p>
+          <a:p>
+            <a:pPr lvl="1">
+              <a:buSzPct val="100000"/>
+            </a:pPr>
+            <a:r>
+              <a:rPr lang="pt-BR" sz="2800" dirty="0">
+                <a:cs typeface="Courier New" panose="02070309020205020404" pitchFamily="49" charset="0"/>
+              </a:rPr>
+              <a:t>Para definir classes como concretas, basta definir as classes como já vínhamos fazendo, antes de explicar o conceito das abstratas. No caso, basta usar a palavra </a:t>
+            </a:r>
+            <a:r>
+              <a:rPr lang="pt-BR" sz="2800" b="1" dirty="0" err="1">
+                <a:cs typeface="Courier New" panose="02070309020205020404" pitchFamily="49" charset="0"/>
+              </a:rPr>
+              <a:t>class</a:t>
+            </a:r>
+            <a:r>
+              <a:rPr lang="pt-BR" sz="2800" dirty="0">
+                <a:cs typeface="Courier New" panose="02070309020205020404" pitchFamily="49" charset="0"/>
+              </a:rPr>
+              <a:t> seguida no nome da classe. O que separa uma classe abstrata de uma concreta é apenas uma questão conceitual, que deve ser bem entendida.</a:t>
+            </a:r>
+          </a:p>
+          <a:p>
+            <a:pPr lvl="1">
+              <a:buSzPct val="100000"/>
+            </a:pPr>
+            <a:r>
+              <a:rPr lang="pt-BR" sz="2800" dirty="0">
+                <a:cs typeface="Courier New" panose="02070309020205020404" pitchFamily="49" charset="0"/>
+              </a:rPr>
+              <a:t>Então, o uso da palavra </a:t>
+            </a:r>
+            <a:r>
+              <a:rPr lang="pt-BR" sz="2800" b="1" dirty="0">
+                <a:cs typeface="Courier New" panose="02070309020205020404" pitchFamily="49" charset="0"/>
+              </a:rPr>
+              <a:t>abstract</a:t>
+            </a:r>
+            <a:r>
+              <a:rPr lang="pt-BR" sz="2800" dirty="0">
+                <a:cs typeface="Courier New" panose="02070309020205020404" pitchFamily="49" charset="0"/>
+              </a:rPr>
+              <a:t> para a definição de classes abstratas deve ser utilizado quando houver a necessidade de aplicar esse conceito de abstração, ou seja, quando for de grande valor conceitual e relevante para nossa situação. Caso isso não se aplique, é só não usar essa palavra, assim estaremos criando classes concretas que deverão ser manipuladas diretamente.</a:t>
+            </a:r>
+          </a:p>
+          <a:p>
+            <a:pPr lvl="1">
+              <a:buSzPct val="100000"/>
+            </a:pPr>
+            <a:r>
+              <a:rPr lang="pt-BR" sz="2800" dirty="0">
+                <a:cs typeface="Courier New" panose="02070309020205020404" pitchFamily="49" charset="0"/>
+              </a:rPr>
+              <a:t>Quando classes concretas herdam a partir de uma classe abstrata que possua métodos abstratos, elas terão a obrigatoriedade de prover a implementação para tais métodos. Porém, se uma classe abstrata herdar de outra abstrata, essa obrigatoriedade não é válida.</a:t>
+            </a:r>
+          </a:p>
+          <a:p>
+            <a:pPr lvl="1">
+              <a:buSzPct val="100000"/>
+            </a:pPr>
+            <a:r>
+              <a:rPr lang="pt-BR" sz="2800" dirty="0">
+                <a:cs typeface="Courier New" panose="02070309020205020404" pitchFamily="49" charset="0"/>
+              </a:rPr>
+              <a:t>Para finalizar, embora seja possível fazer uma classe concreta herdar de outra concreta, isto deve ser desencorajado ou mesmo nunca realizado.</a:t>
+            </a:r>
+          </a:p>
+        </p:txBody>
+      </p:sp>
+      <p:sp>
+        <p:nvSpPr>
+          <p:cNvPr id="7" name="Espaço Reservado para Número de Slide 6">
+            <a:extLst>
+              <a:ext uri="{FF2B5EF4-FFF2-40B4-BE49-F238E27FC236}">
+                <a16:creationId xmlns:a16="http://schemas.microsoft.com/office/drawing/2014/main" id="{40C5ECBA-0615-433C-B308-162C7F749201}"/>
+              </a:ext>
+            </a:extLst>
+          </p:cNvPr>
+          <p:cNvSpPr>
+            <a:spLocks noGrp="1"/>
+          </p:cNvSpPr>
+          <p:nvPr>
+            <p:ph type="sldNum" sz="quarter" idx="10"/>
+          </p:nvPr>
+        </p:nvSpPr>
+        <p:spPr/>
+        <p:txBody>
+          <a:bodyPr/>
+          <a:lstStyle/>
+          <a:p>
+            <a:fld id="{E4B35BDD-CC3D-4492-88ED-922B282360E3}" type="slidenum">
+              <a:rPr lang="pt-BR" smtClean="0"/>
+              <a:t>118</a:t>
+            </a:fld>
+            <a:endParaRPr lang="pt-BR" dirty="0"/>
+          </a:p>
+        </p:txBody>
+      </p:sp>
+    </p:spTree>
+    <p:extLst>
+      <p:ext uri="{BB962C8B-B14F-4D97-AF65-F5344CB8AC3E}">
+        <p14:creationId xmlns:p14="http://schemas.microsoft.com/office/powerpoint/2010/main" val="3764143232"/>
+      </p:ext>
+    </p:extLst>
+  </p:cSld>
+  <p:clrMapOvr>
+    <a:masterClrMapping/>
+  </p:clrMapOvr>
+  <p:transition spd="med"/>
+</p:sld>
+</file>
+
+<file path=ppt/slides/slide119.xml><?xml version="1.0" encoding="utf-8"?>
+<p:sld xmlns:a="http://schemas.openxmlformats.org/drawingml/2006/main" xmlns:r="http://schemas.openxmlformats.org/officeDocument/2006/relationships" xmlns:p="http://schemas.openxmlformats.org/presentationml/2006/main">
+  <p:cSld>
+    <p:spTree>
+      <p:nvGrpSpPr>
+        <p:cNvPr id="1" name=""/>
+        <p:cNvGrpSpPr/>
+        <p:nvPr/>
+      </p:nvGrpSpPr>
+      <p:grpSpPr>
+        <a:xfrm>
+          <a:off x="0" y="0"/>
+          <a:ext cx="0" cy="0"/>
+          <a:chOff x="0" y="0"/>
+          <a:chExt cx="0" cy="0"/>
+        </a:xfrm>
+      </p:grpSpPr>
+      <p:sp>
+        <p:nvSpPr>
+          <p:cNvPr id="4" name="Título 3">
+            <a:extLst>
+              <a:ext uri="{FF2B5EF4-FFF2-40B4-BE49-F238E27FC236}">
+                <a16:creationId xmlns:a16="http://schemas.microsoft.com/office/drawing/2014/main" id="{8A4C52A0-42D9-47BB-966A-7FE92FDBFA2D}"/>
+              </a:ext>
+            </a:extLst>
+          </p:cNvPr>
+          <p:cNvSpPr>
+            <a:spLocks noGrp="1"/>
+          </p:cNvSpPr>
+          <p:nvPr>
+            <p:ph type="title"/>
+          </p:nvPr>
+        </p:nvSpPr>
+        <p:spPr/>
+        <p:txBody>
+          <a:bodyPr>
+            <a:normAutofit/>
+          </a:bodyPr>
+          <a:lstStyle/>
+          <a:p>
+            <a:r>
+              <a:rPr lang="pt-BR" dirty="0"/>
+              <a:t>Herança</a:t>
+            </a:r>
+          </a:p>
+        </p:txBody>
+      </p:sp>
+      <p:sp>
+        <p:nvSpPr>
+          <p:cNvPr id="5" name="Espaço Reservado para Conteúdo 4">
+            <a:extLst>
+              <a:ext uri="{FF2B5EF4-FFF2-40B4-BE49-F238E27FC236}">
+                <a16:creationId xmlns:a16="http://schemas.microsoft.com/office/drawing/2014/main" id="{1FBD8255-54D1-42B3-9B71-2D45D227E6FC}"/>
+              </a:ext>
+            </a:extLst>
+          </p:cNvPr>
+          <p:cNvSpPr>
+            <a:spLocks noGrp="1"/>
+          </p:cNvSpPr>
+          <p:nvPr>
+            <p:ph type="body" idx="1"/>
+          </p:nvPr>
+        </p:nvSpPr>
+        <p:spPr>
+          <a:xfrm>
+            <a:off x="1689100" y="2511225"/>
+            <a:ext cx="21005800" cy="10609446"/>
+          </a:xfrm>
+          <a:solidFill>
+            <a:schemeClr val="bg1"/>
+          </a:solidFill>
+        </p:spPr>
+        <p:txBody>
+          <a:bodyPr>
+            <a:noAutofit/>
+          </a:bodyPr>
+          <a:lstStyle/>
+          <a:p>
+            <a:pPr>
+              <a:buSzPct val="100000"/>
+            </a:pPr>
+            <a:r>
+              <a:rPr lang="pt-BR" sz="3200" dirty="0">
+                <a:cs typeface="Courier New" panose="02070309020205020404" pitchFamily="49" charset="0"/>
+              </a:rPr>
+              <a:t>Tipos de herança:</a:t>
+            </a:r>
+          </a:p>
+          <a:p>
+            <a:pPr lvl="1">
+              <a:buSzPct val="100000"/>
+            </a:pPr>
+            <a:r>
+              <a:rPr lang="pt-BR" sz="2800" dirty="0">
+                <a:cs typeface="Courier New" panose="02070309020205020404" pitchFamily="49" charset="0"/>
+              </a:rPr>
+              <a:t>Existem dois tipos de herança: a simples e a múltipla. A simples ocorre quando uma subclasse tem apenas uma superclasse. Neste caso, a classe filha precisou apenas especializar e reutilizar membros de apenas um conceito, uma classe mão da aplicação.</a:t>
+            </a:r>
+          </a:p>
+          <a:p>
+            <a:pPr lvl="1">
+              <a:buSzPct val="100000"/>
+            </a:pPr>
+            <a:r>
+              <a:rPr lang="pt-BR" sz="2800" dirty="0">
+                <a:cs typeface="Courier New" panose="02070309020205020404" pitchFamily="49" charset="0"/>
+              </a:rPr>
+              <a:t>A herança múltipla ocorre quando uma subclasse necessita não de apenas uma, mas duas ou mais superclasses. Assim, essa classe filha poderá especializar mais de um conceito de uma aplicação. Podemos pensar no seguinte como exemplo:</a:t>
+            </a:r>
+          </a:p>
+          <a:p>
+            <a:pPr lvl="2">
+              <a:buSzPct val="100000"/>
+            </a:pPr>
+            <a:r>
+              <a:rPr lang="pt-BR" sz="2400" dirty="0">
+                <a:cs typeface="Courier New" panose="02070309020205020404" pitchFamily="49" charset="0"/>
+              </a:rPr>
+              <a:t>Um sistema hospitalar possui como classes </a:t>
+            </a:r>
+            <a:r>
+              <a:rPr lang="pt-BR" sz="2400" b="1" dirty="0">
+                <a:cs typeface="Courier New" panose="02070309020205020404" pitchFamily="49" charset="0"/>
+              </a:rPr>
+              <a:t>Gerente</a:t>
+            </a:r>
+            <a:r>
+              <a:rPr lang="pt-BR" sz="2400" dirty="0">
+                <a:cs typeface="Courier New" panose="02070309020205020404" pitchFamily="49" charset="0"/>
+              </a:rPr>
+              <a:t> e </a:t>
+            </a:r>
+            <a:r>
+              <a:rPr lang="pt-BR" sz="2400" b="1" dirty="0">
+                <a:cs typeface="Courier New" panose="02070309020205020404" pitchFamily="49" charset="0"/>
+              </a:rPr>
+              <a:t>Médico</a:t>
+            </a:r>
+            <a:r>
+              <a:rPr lang="pt-BR" sz="2400" dirty="0">
+                <a:cs typeface="Courier New" panose="02070309020205020404" pitchFamily="49" charset="0"/>
+              </a:rPr>
+              <a:t>. Pode existir uma situação na qual um médico assume um papel de chefe de departamento, e ele pode executar ações gerenciais, como aprovação de férias. Sendo assim, poderíamos criar uma subclasse </a:t>
+            </a:r>
+            <a:r>
+              <a:rPr lang="pt-BR" sz="2400" b="1" dirty="0" err="1">
+                <a:cs typeface="Courier New" panose="02070309020205020404" pitchFamily="49" charset="0"/>
+              </a:rPr>
+              <a:t>ChefeDeDepartamento</a:t>
+            </a:r>
+            <a:r>
+              <a:rPr lang="pt-BR" sz="2400" dirty="0">
+                <a:cs typeface="Courier New" panose="02070309020205020404" pitchFamily="49" charset="0"/>
+              </a:rPr>
+              <a:t>, que herdaria das classes </a:t>
+            </a:r>
+            <a:r>
+              <a:rPr lang="pt-BR" sz="2400" b="1" dirty="0">
+                <a:cs typeface="Courier New" panose="02070309020205020404" pitchFamily="49" charset="0"/>
+              </a:rPr>
+              <a:t>Gerente</a:t>
+            </a:r>
+            <a:r>
+              <a:rPr lang="pt-BR" sz="2400" dirty="0">
+                <a:cs typeface="Courier New" panose="02070309020205020404" pitchFamily="49" charset="0"/>
+              </a:rPr>
+              <a:t> e </a:t>
+            </a:r>
+            <a:r>
+              <a:rPr lang="pt-BR" sz="2400" b="1" dirty="0">
+                <a:cs typeface="Courier New" panose="02070309020205020404" pitchFamily="49" charset="0"/>
+              </a:rPr>
+              <a:t>Médico</a:t>
+            </a:r>
+            <a:r>
+              <a:rPr lang="pt-BR" sz="2400" dirty="0">
+                <a:cs typeface="Courier New" panose="02070309020205020404" pitchFamily="49" charset="0"/>
+              </a:rPr>
+              <a:t>.</a:t>
+            </a:r>
+          </a:p>
+          <a:p>
+            <a:pPr lvl="1">
+              <a:buSzPct val="100000"/>
+            </a:pPr>
+            <a:r>
+              <a:rPr lang="pt-BR" sz="2800" dirty="0">
+                <a:cs typeface="Courier New" panose="02070309020205020404" pitchFamily="49" charset="0"/>
+              </a:rPr>
+              <a:t>A linguagem Java não possui suporte para heranças múltiplas. Esta foi uma decisão de projeto dos criadores dessa linguagem, e o principal motivo para isso é para evitar </a:t>
+            </a:r>
+            <a:r>
+              <a:rPr lang="pt-BR" sz="2800" i="1" dirty="0">
+                <a:cs typeface="Courier New" panose="02070309020205020404" pitchFamily="49" charset="0"/>
+              </a:rPr>
+              <a:t>conflito de nomes</a:t>
+            </a:r>
+            <a:r>
+              <a:rPr lang="pt-BR" sz="2800" dirty="0">
+                <a:cs typeface="Courier New" panose="02070309020205020404" pitchFamily="49" charset="0"/>
+              </a:rPr>
+              <a:t>, o que é um risco nas linguagens que suportam. Esse conflito se dá quando as duas superclasses possuem atributos ou métodos com os mesmos nomes. Por exemplo, tanto </a:t>
+            </a:r>
+            <a:r>
+              <a:rPr lang="pt-BR" sz="2800" b="1" dirty="0">
+                <a:cs typeface="Courier New" panose="02070309020205020404" pitchFamily="49" charset="0"/>
+              </a:rPr>
+              <a:t>Gerente</a:t>
+            </a:r>
+            <a:r>
+              <a:rPr lang="pt-BR" sz="2800" dirty="0">
+                <a:cs typeface="Courier New" panose="02070309020205020404" pitchFamily="49" charset="0"/>
+              </a:rPr>
+              <a:t> quanto </a:t>
+            </a:r>
+            <a:r>
+              <a:rPr lang="pt-BR" sz="2800" b="1" dirty="0">
+                <a:cs typeface="Courier New" panose="02070309020205020404" pitchFamily="49" charset="0"/>
+              </a:rPr>
+              <a:t>Médico</a:t>
+            </a:r>
+            <a:r>
+              <a:rPr lang="pt-BR" sz="2800" dirty="0">
+                <a:cs typeface="Courier New" panose="02070309020205020404" pitchFamily="49" charset="0"/>
+              </a:rPr>
+              <a:t> poderiam ter o atributo </a:t>
+            </a:r>
+            <a:r>
+              <a:rPr lang="pt-BR" sz="2800" b="1" dirty="0" err="1">
+                <a:cs typeface="Courier New" panose="02070309020205020404" pitchFamily="49" charset="0"/>
+              </a:rPr>
+              <a:t>cargaHorária</a:t>
+            </a:r>
+            <a:r>
+              <a:rPr lang="pt-BR" sz="2800" dirty="0">
+                <a:cs typeface="Courier New" panose="02070309020205020404" pitchFamily="49" charset="0"/>
+              </a:rPr>
+              <a:t>, com significados diferentes.</a:t>
+            </a:r>
+          </a:p>
+          <a:p>
+            <a:pPr lvl="1">
+              <a:buSzPct val="100000"/>
+            </a:pPr>
+            <a:r>
+              <a:rPr lang="pt-BR" sz="2800" dirty="0">
+                <a:cs typeface="Courier New" panose="02070309020205020404" pitchFamily="49" charset="0"/>
+              </a:rPr>
+              <a:t>Dentre as linguagens atuais que possuem suporte a heranças múltiplas, podemos citar C++, Python, Perl, Eiffel e R. Java possui formas de emular a herança múltipla, que vamos ver logo mais.</a:t>
+            </a:r>
+          </a:p>
+        </p:txBody>
+      </p:sp>
+      <p:sp>
+        <p:nvSpPr>
+          <p:cNvPr id="7" name="Espaço Reservado para Número de Slide 6">
+            <a:extLst>
+              <a:ext uri="{FF2B5EF4-FFF2-40B4-BE49-F238E27FC236}">
+                <a16:creationId xmlns:a16="http://schemas.microsoft.com/office/drawing/2014/main" id="{40C5ECBA-0615-433C-B308-162C7F749201}"/>
+              </a:ext>
+            </a:extLst>
+          </p:cNvPr>
+          <p:cNvSpPr>
+            <a:spLocks noGrp="1"/>
+          </p:cNvSpPr>
+          <p:nvPr>
+            <p:ph type="sldNum" sz="quarter" idx="10"/>
+          </p:nvPr>
+        </p:nvSpPr>
+        <p:spPr/>
+        <p:txBody>
+          <a:bodyPr/>
+          <a:lstStyle/>
+          <a:p>
+            <a:fld id="{E4B35BDD-CC3D-4492-88ED-922B282360E3}" type="slidenum">
+              <a:rPr lang="pt-BR" smtClean="0"/>
+              <a:t>119</a:t>
+            </a:fld>
+            <a:endParaRPr lang="pt-BR" dirty="0"/>
+          </a:p>
+        </p:txBody>
+      </p:sp>
+    </p:spTree>
+    <p:extLst>
+      <p:ext uri="{BB962C8B-B14F-4D97-AF65-F5344CB8AC3E}">
+        <p14:creationId xmlns:p14="http://schemas.microsoft.com/office/powerpoint/2010/main" val="3560207499"/>
+      </p:ext>
+    </p:extLst>
+  </p:cSld>
+  <p:clrMapOvr>
+    <a:masterClrMapping/>
+  </p:clrMapOvr>
+  <p:transition spd="med"/>
+</p:sld>
+</file>
+
+<file path=ppt/slides/slide12.xml><?xml version="1.0" encoding="utf-8"?>
+<p:sld xmlns:a="http://schemas.openxmlformats.org/drawingml/2006/main" xmlns:r="http://schemas.openxmlformats.org/officeDocument/2006/relationships" xmlns:p="http://schemas.openxmlformats.org/presentationml/2006/main">
+  <p:cSld>
+    <p:spTree>
+      <p:nvGrpSpPr>
+        <p:cNvPr id="1" name=""/>
+        <p:cNvGrpSpPr/>
+        <p:nvPr/>
+      </p:nvGrpSpPr>
+      <p:grpSpPr>
+        <a:xfrm>
+          <a:off x="0" y="0"/>
+          <a:ext cx="0" cy="0"/>
+          <a:chOff x="0" y="0"/>
+          <a:chExt cx="0" cy="0"/>
+        </a:xfrm>
+      </p:grpSpPr>
+      <p:sp>
+        <p:nvSpPr>
+          <p:cNvPr id="2" name="Título 1"/>
+          <p:cNvSpPr>
+            <a:spLocks noGrp="1"/>
+          </p:cNvSpPr>
+          <p:nvPr>
+            <p:ph type="title"/>
+          </p:nvPr>
+        </p:nvSpPr>
+        <p:spPr/>
+        <p:txBody>
+          <a:bodyPr>
+            <a:normAutofit/>
+          </a:bodyPr>
+          <a:lstStyle/>
+          <a:p>
+            <a:r>
+              <a:rPr lang="pt-BR" dirty="0"/>
+              <a:t>Configurando o ambiente</a:t>
+            </a:r>
+          </a:p>
+        </p:txBody>
+      </p:sp>
+      <p:sp>
+        <p:nvSpPr>
+          <p:cNvPr id="3" name="Espaço Reservado para Conteúdo 2"/>
+          <p:cNvSpPr>
+            <a:spLocks noGrp="1"/>
+          </p:cNvSpPr>
+          <p:nvPr>
+            <p:ph type="body" idx="1"/>
+          </p:nvPr>
+        </p:nvSpPr>
+        <p:spPr/>
+        <p:txBody>
+          <a:bodyPr>
+            <a:noAutofit/>
+          </a:bodyPr>
+          <a:lstStyle/>
+          <a:p>
+            <a:r>
+              <a:rPr lang="pt-BR" dirty="0"/>
+              <a:t>Como adicionar um caminho ao PATH:</a:t>
+            </a:r>
+          </a:p>
+          <a:p>
+            <a:pPr marL="571500" indent="-571500">
+              <a:buFont typeface="Arial" panose="020B0604020202020204" pitchFamily="34" charset="0"/>
+              <a:buChar char="•"/>
+            </a:pPr>
+            <a:r>
+              <a:rPr lang="pt-BR" dirty="0"/>
+              <a:t>Aperte a tecla do Windows e pesquise por “Editar as variáveis de ambiente para sua conta”;</a:t>
+            </a:r>
+          </a:p>
+          <a:p>
+            <a:pPr marL="571500" indent="-571500">
+              <a:buFont typeface="Arial" panose="020B0604020202020204" pitchFamily="34" charset="0"/>
+              <a:buChar char="•"/>
+            </a:pPr>
+            <a:r>
+              <a:rPr lang="pt-BR" dirty="0"/>
+              <a:t>Na janela que abrir, procure pela linha com “Path”, selecione-a e clique em “Editar...”;</a:t>
+            </a:r>
+          </a:p>
+          <a:p>
+            <a:pPr marL="571500" indent="-571500">
+              <a:buFont typeface="Arial" panose="020B0604020202020204" pitchFamily="34" charset="0"/>
+              <a:buChar char="•"/>
+            </a:pPr>
+            <a:r>
+              <a:rPr lang="pt-BR" dirty="0"/>
+              <a:t>Clique em “Novo” e insira o caminho desejado;</a:t>
+            </a:r>
+          </a:p>
+          <a:p>
+            <a:pPr marL="571500" indent="-571500">
+              <a:buFont typeface="Arial" panose="020B0604020202020204" pitchFamily="34" charset="0"/>
+              <a:buChar char="•"/>
+            </a:pPr>
+            <a:r>
+              <a:rPr lang="pt-BR" dirty="0"/>
+              <a:t>Aperte “Ok” e “Ok” novamente para fechar tudo;</a:t>
+            </a:r>
+          </a:p>
+          <a:p>
+            <a:pPr marL="571500" indent="-571500">
+              <a:buFont typeface="Arial" panose="020B0604020202020204" pitchFamily="34" charset="0"/>
+              <a:buChar char="•"/>
+            </a:pPr>
+            <a:r>
+              <a:rPr lang="pt-BR" dirty="0"/>
+              <a:t>Para confirmar se está tudo certo, abra um</a:t>
+            </a:r>
+            <a:br>
+              <a:rPr lang="pt-BR" dirty="0"/>
+            </a:br>
+            <a:r>
+              <a:rPr lang="pt-BR" dirty="0"/>
+              <a:t>prompt de comando novo e chame um arquivo</a:t>
+            </a:r>
+            <a:br>
+              <a:rPr lang="pt-BR" dirty="0"/>
+            </a:br>
+            <a:r>
+              <a:rPr lang="pt-BR" dirty="0"/>
+              <a:t>ou executável que está contido na pasta (no</a:t>
+            </a:r>
+            <a:br>
+              <a:rPr lang="pt-BR" dirty="0"/>
+            </a:br>
+            <a:r>
+              <a:rPr lang="pt-BR" dirty="0"/>
+              <a:t>caso da pasta “bin”, chame “</a:t>
+            </a:r>
+            <a:r>
+              <a:rPr lang="pt-BR" dirty="0" err="1"/>
+              <a:t>javac</a:t>
+            </a:r>
+            <a:r>
+              <a:rPr lang="pt-BR" dirty="0"/>
+              <a:t>”)</a:t>
+            </a:r>
+          </a:p>
+          <a:p>
+            <a:pPr marL="571500" indent="-571500">
+              <a:buFont typeface="Arial" panose="020B0604020202020204" pitchFamily="34" charset="0"/>
+              <a:buChar char="•"/>
+            </a:pPr>
+            <a:endParaRPr lang="pt-BR" dirty="0"/>
+          </a:p>
+        </p:txBody>
+      </p:sp>
+      <p:sp>
+        <p:nvSpPr>
+          <p:cNvPr id="5" name="Espaço Reservado para Número de Slide 4">
+            <a:extLst>
+              <a:ext uri="{FF2B5EF4-FFF2-40B4-BE49-F238E27FC236}">
+                <a16:creationId xmlns:a16="http://schemas.microsoft.com/office/drawing/2014/main" id="{A41A86C6-43EE-475D-898C-29287247F827}"/>
+              </a:ext>
+            </a:extLst>
+          </p:cNvPr>
+          <p:cNvSpPr>
+            <a:spLocks noGrp="1"/>
+          </p:cNvSpPr>
+          <p:nvPr>
+            <p:ph type="sldNum" sz="quarter" idx="10"/>
+          </p:nvPr>
+        </p:nvSpPr>
+        <p:spPr/>
+        <p:txBody>
+          <a:bodyPr/>
+          <a:lstStyle/>
+          <a:p>
+            <a:fld id="{5D0C34D4-E406-4A74-B020-30BB69A49765}" type="slidenum">
+              <a:rPr lang="pt-BR" smtClean="0"/>
+              <a:pPr/>
+              <a:t>12</a:t>
+            </a:fld>
+            <a:endParaRPr lang="pt-BR" dirty="0"/>
+          </a:p>
+        </p:txBody>
+      </p:sp>
+      <p:pic>
+        <p:nvPicPr>
+          <p:cNvPr id="6" name="Imagem 5">
+            <a:extLst>
+              <a:ext uri="{FF2B5EF4-FFF2-40B4-BE49-F238E27FC236}">
+                <a16:creationId xmlns:a16="http://schemas.microsoft.com/office/drawing/2014/main" id="{11D1321B-9FF6-45FD-BCA3-E6F90A080D3C}"/>
+              </a:ext>
+            </a:extLst>
+          </p:cNvPr>
+          <p:cNvPicPr>
+            <a:picLocks noChangeAspect="1"/>
+          </p:cNvPicPr>
+          <p:nvPr/>
+        </p:nvPicPr>
+        <p:blipFill>
+          <a:blip r:embed="rId2"/>
+          <a:stretch>
+            <a:fillRect/>
+          </a:stretch>
+        </p:blipFill>
+        <p:spPr>
+          <a:xfrm>
+            <a:off x="14282152" y="6165884"/>
+            <a:ext cx="6464250" cy="7151078"/>
+          </a:xfrm>
+          <a:prstGeom prst="rect">
+            <a:avLst/>
+          </a:prstGeom>
+        </p:spPr>
+      </p:pic>
+    </p:spTree>
+    <p:extLst>
+      <p:ext uri="{BB962C8B-B14F-4D97-AF65-F5344CB8AC3E}">
+        <p14:creationId xmlns:p14="http://schemas.microsoft.com/office/powerpoint/2010/main" val="1178793878"/>
+      </p:ext>
+    </p:extLst>
+  </p:cSld>
+  <p:clrMapOvr>
+    <a:masterClrMapping/>
+  </p:clrMapOvr>
+  <p:transition spd="med"/>
+</p:sld>
+</file>
+
+<file path=ppt/slides/slide120.xml><?xml version="1.0" encoding="utf-8"?>
+<p:sld xmlns:a="http://schemas.openxmlformats.org/drawingml/2006/main" xmlns:r="http://schemas.openxmlformats.org/officeDocument/2006/relationships" xmlns:p="http://schemas.openxmlformats.org/presentationml/2006/main">
+  <p:cSld>
+    <p:spTree>
+      <p:nvGrpSpPr>
+        <p:cNvPr id="1" name=""/>
+        <p:cNvGrpSpPr/>
+        <p:nvPr/>
+      </p:nvGrpSpPr>
+      <p:grpSpPr>
+        <a:xfrm>
+          <a:off x="0" y="0"/>
+          <a:ext cx="0" cy="0"/>
+          <a:chOff x="0" y="0"/>
+          <a:chExt cx="0" cy="0"/>
+        </a:xfrm>
+      </p:grpSpPr>
+      <p:sp>
+        <p:nvSpPr>
+          <p:cNvPr id="4" name="Título 3">
+            <a:extLst>
+              <a:ext uri="{FF2B5EF4-FFF2-40B4-BE49-F238E27FC236}">
+                <a16:creationId xmlns:a16="http://schemas.microsoft.com/office/drawing/2014/main" id="{8A4C52A0-42D9-47BB-966A-7FE92FDBFA2D}"/>
+              </a:ext>
+            </a:extLst>
+          </p:cNvPr>
+          <p:cNvSpPr>
+            <a:spLocks noGrp="1"/>
+          </p:cNvSpPr>
+          <p:nvPr>
+            <p:ph type="title"/>
+          </p:nvPr>
+        </p:nvSpPr>
+        <p:spPr/>
+        <p:txBody>
+          <a:bodyPr>
+            <a:normAutofit/>
+          </a:bodyPr>
+          <a:lstStyle/>
+          <a:p>
+            <a:r>
+              <a:rPr lang="pt-BR" dirty="0"/>
+              <a:t>Herança</a:t>
+            </a:r>
+          </a:p>
+        </p:txBody>
+      </p:sp>
+      <p:sp>
+        <p:nvSpPr>
+          <p:cNvPr id="5" name="Espaço Reservado para Conteúdo 4">
+            <a:extLst>
+              <a:ext uri="{FF2B5EF4-FFF2-40B4-BE49-F238E27FC236}">
+                <a16:creationId xmlns:a16="http://schemas.microsoft.com/office/drawing/2014/main" id="{1FBD8255-54D1-42B3-9B71-2D45D227E6FC}"/>
+              </a:ext>
+            </a:extLst>
+          </p:cNvPr>
+          <p:cNvSpPr>
+            <a:spLocks noGrp="1"/>
+          </p:cNvSpPr>
+          <p:nvPr>
+            <p:ph type="body" idx="1"/>
+          </p:nvPr>
+        </p:nvSpPr>
+        <p:spPr>
+          <a:xfrm>
+            <a:off x="1712546" y="2511225"/>
+            <a:ext cx="21005800" cy="10609446"/>
+          </a:xfrm>
+          <a:solidFill>
+            <a:schemeClr val="bg1"/>
+          </a:solidFill>
+        </p:spPr>
+        <p:txBody>
+          <a:bodyPr>
+            <a:noAutofit/>
+          </a:bodyPr>
+          <a:lstStyle/>
+          <a:p>
+            <a:pPr>
+              <a:buSzPct val="100000"/>
+            </a:pPr>
+            <a:r>
+              <a:rPr lang="pt-BR" sz="3200" i="1" dirty="0" err="1">
+                <a:cs typeface="Courier New" panose="02070309020205020404" pitchFamily="49" charset="0"/>
+              </a:rPr>
+              <a:t>Upcast</a:t>
+            </a:r>
+            <a:r>
+              <a:rPr lang="pt-BR" sz="3200" dirty="0">
+                <a:cs typeface="Courier New" panose="02070309020205020404" pitchFamily="49" charset="0"/>
+              </a:rPr>
+              <a:t> e </a:t>
+            </a:r>
+            <a:r>
+              <a:rPr lang="pt-BR" sz="3200" i="1" dirty="0" err="1">
+                <a:cs typeface="Courier New" panose="02070309020205020404" pitchFamily="49" charset="0"/>
+              </a:rPr>
+              <a:t>Downcast</a:t>
+            </a:r>
+            <a:r>
+              <a:rPr lang="pt-BR" sz="3200" dirty="0">
+                <a:cs typeface="Courier New" panose="02070309020205020404" pitchFamily="49" charset="0"/>
+              </a:rPr>
+              <a:t>:</a:t>
+            </a:r>
+          </a:p>
+          <a:p>
+            <a:pPr lvl="1">
+              <a:buSzPct val="100000"/>
+            </a:pPr>
+            <a:r>
+              <a:rPr lang="pt-BR" sz="2800" dirty="0">
+                <a:cs typeface="Courier New" panose="02070309020205020404" pitchFamily="49" charset="0"/>
+              </a:rPr>
+              <a:t>Quando trabalhamos com herança, podem surgir duas operações realizadas com os objetos que foram criados a partir das classes envolvidas em uma hierarquia: </a:t>
+            </a:r>
+            <a:r>
+              <a:rPr lang="pt-BR" sz="2800" i="1" dirty="0" err="1">
+                <a:cs typeface="Courier New" panose="02070309020205020404" pitchFamily="49" charset="0"/>
+              </a:rPr>
+              <a:t>upcast</a:t>
+            </a:r>
+            <a:r>
+              <a:rPr lang="pt-BR" sz="2800" dirty="0">
+                <a:cs typeface="Courier New" panose="02070309020205020404" pitchFamily="49" charset="0"/>
+              </a:rPr>
+              <a:t> e </a:t>
+            </a:r>
+            <a:r>
+              <a:rPr lang="pt-BR" sz="2800" i="1" dirty="0" err="1">
+                <a:cs typeface="Courier New" panose="02070309020205020404" pitchFamily="49" charset="0"/>
+              </a:rPr>
+              <a:t>downcast</a:t>
+            </a:r>
+            <a:r>
+              <a:rPr lang="pt-BR" sz="2800" dirty="0">
+                <a:cs typeface="Courier New" panose="02070309020205020404" pitchFamily="49" charset="0"/>
+              </a:rPr>
+              <a:t>.</a:t>
+            </a:r>
+          </a:p>
+          <a:p>
+            <a:pPr lvl="1">
+              <a:buSzPct val="100000"/>
+            </a:pPr>
+            <a:r>
+              <a:rPr lang="pt-BR" sz="2800" dirty="0">
+                <a:cs typeface="Courier New" panose="02070309020205020404" pitchFamily="49" charset="0"/>
+              </a:rPr>
+              <a:t>O </a:t>
+            </a:r>
+            <a:r>
+              <a:rPr lang="pt-BR" sz="2800" dirty="0" err="1">
+                <a:cs typeface="Courier New" panose="02070309020205020404" pitchFamily="49" charset="0"/>
+              </a:rPr>
+              <a:t>upcast</a:t>
+            </a:r>
+            <a:r>
+              <a:rPr lang="pt-BR" sz="2800" dirty="0">
+                <a:cs typeface="Courier New" panose="02070309020205020404" pitchFamily="49" charset="0"/>
+              </a:rPr>
+              <a:t> é uma operação de conversão, na qual subclasses são promovidas a superclasses. Como uma classe filha é do tipo de sua classe mãe, esta conversão é permitida.</a:t>
+            </a:r>
+          </a:p>
+          <a:p>
+            <a:pPr lvl="1">
+              <a:buSzPct val="100000"/>
+            </a:pPr>
+            <a:r>
+              <a:rPr lang="pt-BR" sz="2800" dirty="0">
+                <a:cs typeface="Courier New" panose="02070309020205020404" pitchFamily="49" charset="0"/>
+              </a:rPr>
+              <a:t>Quando falamos sobre “</a:t>
+            </a:r>
+            <a:r>
+              <a:rPr lang="pt-BR" sz="2800" dirty="0" err="1">
+                <a:cs typeface="Courier New" panose="02070309020205020404" pitchFamily="49" charset="0"/>
+              </a:rPr>
+              <a:t>cast</a:t>
+            </a:r>
+            <a:r>
+              <a:rPr lang="pt-BR" sz="2800" dirty="0">
+                <a:cs typeface="Courier New" panose="02070309020205020404" pitchFamily="49" charset="0"/>
+              </a:rPr>
+              <a:t>” em linguagens estruturadas, logo lembramos dos tipos primitivos, </a:t>
+            </a:r>
+            <a:br>
+              <a:rPr lang="pt-BR" sz="2800" dirty="0">
+                <a:cs typeface="Courier New" panose="02070309020205020404" pitchFamily="49" charset="0"/>
+              </a:rPr>
+            </a:br>
+            <a:r>
+              <a:rPr lang="pt-BR" sz="2800" dirty="0">
+                <a:cs typeface="Courier New" panose="02070309020205020404" pitchFamily="49" charset="0"/>
+              </a:rPr>
+              <a:t>de como realizar o “</a:t>
+            </a:r>
+            <a:r>
+              <a:rPr lang="pt-BR" sz="2800" dirty="0" err="1">
+                <a:cs typeface="Courier New" panose="02070309020205020404" pitchFamily="49" charset="0"/>
+              </a:rPr>
+              <a:t>cast</a:t>
+            </a:r>
+            <a:r>
+              <a:rPr lang="pt-BR" sz="2800" dirty="0">
+                <a:cs typeface="Courier New" panose="02070309020205020404" pitchFamily="49" charset="0"/>
+              </a:rPr>
+              <a:t>” de um </a:t>
+            </a:r>
+            <a:r>
+              <a:rPr lang="pt-BR" sz="2800" i="1" dirty="0" err="1">
+                <a:cs typeface="Courier New" panose="02070309020205020404" pitchFamily="49" charset="0"/>
+              </a:rPr>
+              <a:t>long</a:t>
+            </a:r>
+            <a:r>
+              <a:rPr lang="pt-BR" sz="2800" dirty="0">
+                <a:cs typeface="Courier New" panose="02070309020205020404" pitchFamily="49" charset="0"/>
+              </a:rPr>
+              <a:t> para um </a:t>
+            </a:r>
+            <a:r>
+              <a:rPr lang="pt-BR" sz="2800" i="1" dirty="0" err="1">
+                <a:cs typeface="Courier New" panose="02070309020205020404" pitchFamily="49" charset="0"/>
+              </a:rPr>
+              <a:t>int</a:t>
+            </a:r>
+            <a:r>
+              <a:rPr lang="pt-BR" sz="2800" dirty="0">
+                <a:cs typeface="Courier New" panose="02070309020205020404" pitchFamily="49" charset="0"/>
+              </a:rPr>
+              <a:t>, de um </a:t>
+            </a:r>
+            <a:r>
+              <a:rPr lang="pt-BR" sz="2800" i="1" dirty="0" err="1">
+                <a:cs typeface="Courier New" panose="02070309020205020404" pitchFamily="49" charset="0"/>
+              </a:rPr>
+              <a:t>double</a:t>
+            </a:r>
+            <a:r>
+              <a:rPr lang="pt-BR" sz="2800" dirty="0">
+                <a:cs typeface="Courier New" panose="02070309020205020404" pitchFamily="49" charset="0"/>
+              </a:rPr>
+              <a:t> para um </a:t>
+            </a:r>
+            <a:r>
+              <a:rPr lang="pt-BR" sz="2800" i="1" dirty="0">
+                <a:cs typeface="Courier New" panose="02070309020205020404" pitchFamily="49" charset="0"/>
+              </a:rPr>
+              <a:t>int</a:t>
+            </a:r>
+            <a:r>
+              <a:rPr lang="pt-BR" sz="2800" dirty="0">
+                <a:cs typeface="Courier New" panose="02070309020205020404" pitchFamily="49" charset="0"/>
+              </a:rPr>
+              <a:t>. Quando fazemos </a:t>
+            </a:r>
+            <a:br>
+              <a:rPr lang="pt-BR" sz="2800" dirty="0">
+                <a:cs typeface="Courier New" panose="02070309020205020404" pitchFamily="49" charset="0"/>
+              </a:rPr>
+            </a:br>
+            <a:r>
+              <a:rPr lang="pt-BR" sz="2800" dirty="0">
+                <a:cs typeface="Courier New" panose="02070309020205020404" pitchFamily="49" charset="0"/>
+              </a:rPr>
+              <a:t>uma conversão (</a:t>
+            </a:r>
+            <a:r>
+              <a:rPr lang="pt-BR" sz="2800" dirty="0" err="1">
+                <a:cs typeface="Courier New" panose="02070309020205020404" pitchFamily="49" charset="0"/>
+              </a:rPr>
+              <a:t>cast</a:t>
+            </a:r>
+            <a:r>
+              <a:rPr lang="pt-BR" sz="2800" dirty="0">
+                <a:cs typeface="Courier New" panose="02070309020205020404" pitchFamily="49" charset="0"/>
+              </a:rPr>
+              <a:t>) de um </a:t>
+            </a:r>
+            <a:r>
+              <a:rPr lang="pt-BR" sz="2800" i="1" dirty="0" err="1">
+                <a:cs typeface="Courier New" panose="02070309020205020404" pitchFamily="49" charset="0"/>
+              </a:rPr>
+              <a:t>int</a:t>
+            </a:r>
+            <a:r>
+              <a:rPr lang="pt-BR" sz="2800" dirty="0">
+                <a:cs typeface="Courier New" panose="02070309020205020404" pitchFamily="49" charset="0"/>
+              </a:rPr>
+              <a:t> para </a:t>
+            </a:r>
+            <a:r>
+              <a:rPr lang="pt-BR" sz="2800" i="1" dirty="0" err="1">
+                <a:cs typeface="Courier New" panose="02070309020205020404" pitchFamily="49" charset="0"/>
+              </a:rPr>
+              <a:t>float</a:t>
+            </a:r>
+            <a:r>
+              <a:rPr lang="pt-BR" sz="2800" dirty="0">
+                <a:cs typeface="Courier New" panose="02070309020205020404" pitchFamily="49" charset="0"/>
+              </a:rPr>
+              <a:t>, a simples codificação é feita: </a:t>
+            </a:r>
+            <a:r>
+              <a:rPr lang="pt-BR" sz="2800" i="1" dirty="0" err="1">
+                <a:cs typeface="Courier New" panose="02070309020205020404" pitchFamily="49" charset="0"/>
+              </a:rPr>
+              <a:t>float</a:t>
+            </a:r>
+            <a:r>
+              <a:rPr lang="pt-BR" sz="2800" i="1" dirty="0">
+                <a:cs typeface="Courier New" panose="02070309020205020404" pitchFamily="49" charset="0"/>
+              </a:rPr>
+              <a:t> = int</a:t>
+            </a:r>
+            <a:r>
+              <a:rPr lang="pt-BR" sz="2800" dirty="0">
+                <a:cs typeface="Courier New" panose="02070309020205020404" pitchFamily="49" charset="0"/>
+              </a:rPr>
+              <a:t>. Isso ocorre</a:t>
+            </a:r>
+            <a:br>
+              <a:rPr lang="pt-BR" sz="2800" dirty="0">
+                <a:cs typeface="Courier New" panose="02070309020205020404" pitchFamily="49" charset="0"/>
+              </a:rPr>
+            </a:br>
+            <a:r>
+              <a:rPr lang="pt-BR" sz="2800" dirty="0">
+                <a:cs typeface="Courier New" panose="02070309020205020404" pitchFamily="49" charset="0"/>
+              </a:rPr>
+              <a:t>porque um </a:t>
+            </a:r>
+            <a:r>
+              <a:rPr lang="pt-BR" sz="2800" i="1" dirty="0" err="1">
+                <a:cs typeface="Courier New" panose="02070309020205020404" pitchFamily="49" charset="0"/>
+              </a:rPr>
+              <a:t>int</a:t>
+            </a:r>
+            <a:r>
+              <a:rPr lang="pt-BR" sz="2800" dirty="0">
+                <a:cs typeface="Courier New" panose="02070309020205020404" pitchFamily="49" charset="0"/>
+              </a:rPr>
+              <a:t> cabe dentro de um </a:t>
+            </a:r>
+            <a:r>
+              <a:rPr lang="pt-BR" sz="2800" i="1" dirty="0" err="1">
+                <a:cs typeface="Courier New" panose="02070309020205020404" pitchFamily="49" charset="0"/>
+              </a:rPr>
+              <a:t>float</a:t>
+            </a:r>
+            <a:r>
+              <a:rPr lang="pt-BR" sz="2800" dirty="0">
+                <a:cs typeface="Courier New" panose="02070309020205020404" pitchFamily="49" charset="0"/>
+              </a:rPr>
+              <a:t>.</a:t>
+            </a:r>
+          </a:p>
+          <a:p>
+            <a:pPr lvl="1">
+              <a:buSzPct val="100000"/>
+            </a:pPr>
+            <a:r>
+              <a:rPr lang="pt-BR" sz="2800" dirty="0">
+                <a:cs typeface="Courier New" panose="02070309020205020404" pitchFamily="49" charset="0"/>
+              </a:rPr>
+              <a:t>Essa ideia de “caber” também se aplica aos objetos, só que com outro nome (no caso, subtipo).</a:t>
+            </a:r>
+            <a:br>
+              <a:rPr lang="pt-BR" sz="2800" dirty="0">
+                <a:cs typeface="Courier New" panose="02070309020205020404" pitchFamily="49" charset="0"/>
+              </a:rPr>
+            </a:br>
+            <a:r>
+              <a:rPr lang="pt-BR" sz="2800" dirty="0">
+                <a:cs typeface="Courier New" panose="02070309020205020404" pitchFamily="49" charset="0"/>
+              </a:rPr>
+              <a:t>Se uma subclasse é subtipo de sua classe mãe, então ela “cabe” nela. Por isto é permitido fazer </a:t>
+            </a:r>
+            <a:br>
+              <a:rPr lang="pt-BR" sz="2800" dirty="0">
+                <a:cs typeface="Courier New" panose="02070309020205020404" pitchFamily="49" charset="0"/>
+              </a:rPr>
+            </a:br>
+            <a:r>
+              <a:rPr lang="pt-BR" sz="2800" dirty="0" err="1">
+                <a:cs typeface="Courier New" panose="02070309020205020404" pitchFamily="49" charset="0"/>
+              </a:rPr>
+              <a:t>upcast</a:t>
+            </a:r>
+            <a:r>
+              <a:rPr lang="pt-BR" sz="2800" dirty="0">
+                <a:cs typeface="Courier New" panose="02070309020205020404" pitchFamily="49" charset="0"/>
+              </a:rPr>
+              <a:t> de forma implícita entre objetos.</a:t>
+            </a:r>
+          </a:p>
+          <a:p>
+            <a:pPr lvl="1">
+              <a:buSzPct val="100000"/>
+            </a:pPr>
+            <a:r>
+              <a:rPr lang="pt-BR" sz="2800" dirty="0">
+                <a:cs typeface="Courier New" panose="02070309020205020404" pitchFamily="49" charset="0"/>
+              </a:rPr>
+              <a:t>O </a:t>
+            </a:r>
+            <a:r>
+              <a:rPr lang="pt-BR" sz="2800" dirty="0" err="1">
+                <a:cs typeface="Courier New" panose="02070309020205020404" pitchFamily="49" charset="0"/>
+              </a:rPr>
+              <a:t>downcast</a:t>
+            </a:r>
+            <a:r>
+              <a:rPr lang="pt-BR" sz="2800" dirty="0">
+                <a:cs typeface="Courier New" panose="02070309020205020404" pitchFamily="49" charset="0"/>
+              </a:rPr>
+              <a:t> é a operação inversa, assim superclasses são convertidas em subclasses. Porém, embora seja um conceito válido, este deve ser desencorajado. Isto ocorre porque podem ocorrer várias especializações distintas a partir de uma generalização.</a:t>
+            </a:r>
+          </a:p>
+        </p:txBody>
+      </p:sp>
+      <p:sp>
+        <p:nvSpPr>
+          <p:cNvPr id="7" name="Espaço Reservado para Número de Slide 6">
+            <a:extLst>
+              <a:ext uri="{FF2B5EF4-FFF2-40B4-BE49-F238E27FC236}">
+                <a16:creationId xmlns:a16="http://schemas.microsoft.com/office/drawing/2014/main" id="{40C5ECBA-0615-433C-B308-162C7F749201}"/>
+              </a:ext>
+            </a:extLst>
+          </p:cNvPr>
+          <p:cNvSpPr>
+            <a:spLocks noGrp="1"/>
+          </p:cNvSpPr>
+          <p:nvPr>
+            <p:ph type="sldNum" sz="quarter" idx="10"/>
+          </p:nvPr>
+        </p:nvSpPr>
+        <p:spPr/>
+        <p:txBody>
+          <a:bodyPr/>
+          <a:lstStyle/>
+          <a:p>
+            <a:fld id="{E4B35BDD-CC3D-4492-88ED-922B282360E3}" type="slidenum">
+              <a:rPr lang="pt-BR" smtClean="0"/>
+              <a:t>120</a:t>
+            </a:fld>
+            <a:endParaRPr lang="pt-BR" dirty="0"/>
+          </a:p>
+        </p:txBody>
+      </p:sp>
+      <p:pic>
+        <p:nvPicPr>
+          <p:cNvPr id="3" name="Imagem 2">
+            <a:extLst>
+              <a:ext uri="{FF2B5EF4-FFF2-40B4-BE49-F238E27FC236}">
+                <a16:creationId xmlns:a16="http://schemas.microsoft.com/office/drawing/2014/main" id="{02E03238-9747-4361-9109-102EB4A19D3E}"/>
+              </a:ext>
+            </a:extLst>
+          </p:cNvPr>
+          <p:cNvPicPr>
+            <a:picLocks noChangeAspect="1"/>
+          </p:cNvPicPr>
+          <p:nvPr/>
+        </p:nvPicPr>
+        <p:blipFill>
+          <a:blip r:embed="rId2"/>
+          <a:stretch>
+            <a:fillRect/>
+          </a:stretch>
+        </p:blipFill>
+        <p:spPr>
+          <a:xfrm>
+            <a:off x="17583256" y="5209756"/>
+            <a:ext cx="5111644" cy="3296488"/>
+          </a:xfrm>
+          <a:prstGeom prst="rect">
+            <a:avLst/>
+          </a:prstGeom>
+        </p:spPr>
+      </p:pic>
+    </p:spTree>
+    <p:extLst>
+      <p:ext uri="{BB962C8B-B14F-4D97-AF65-F5344CB8AC3E}">
+        <p14:creationId xmlns:p14="http://schemas.microsoft.com/office/powerpoint/2010/main" val="3569111299"/>
+      </p:ext>
+    </p:extLst>
+  </p:cSld>
+  <p:clrMapOvr>
+    <a:masterClrMapping/>
+  </p:clrMapOvr>
+  <p:transition spd="med"/>
+</p:sld>
+</file>
+
+<file path=ppt/slides/slide121.xml><?xml version="1.0" encoding="utf-8"?>
+<p:sld xmlns:a="http://schemas.openxmlformats.org/drawingml/2006/main" xmlns:r="http://schemas.openxmlformats.org/officeDocument/2006/relationships" xmlns:p="http://schemas.openxmlformats.org/presentationml/2006/main">
+  <p:cSld>
+    <p:spTree>
+      <p:nvGrpSpPr>
+        <p:cNvPr id="1" name=""/>
+        <p:cNvGrpSpPr/>
+        <p:nvPr/>
+      </p:nvGrpSpPr>
+      <p:grpSpPr>
+        <a:xfrm>
+          <a:off x="0" y="0"/>
+          <a:ext cx="0" cy="0"/>
+          <a:chOff x="0" y="0"/>
+          <a:chExt cx="0" cy="0"/>
+        </a:xfrm>
+      </p:grpSpPr>
+      <p:sp>
+        <p:nvSpPr>
+          <p:cNvPr id="4" name="Título 3">
+            <a:extLst>
+              <a:ext uri="{FF2B5EF4-FFF2-40B4-BE49-F238E27FC236}">
+                <a16:creationId xmlns:a16="http://schemas.microsoft.com/office/drawing/2014/main" id="{8A4C52A0-42D9-47BB-966A-7FE92FDBFA2D}"/>
+              </a:ext>
+            </a:extLst>
+          </p:cNvPr>
+          <p:cNvSpPr>
+            <a:spLocks noGrp="1"/>
+          </p:cNvSpPr>
+          <p:nvPr>
+            <p:ph type="title"/>
+          </p:nvPr>
+        </p:nvSpPr>
+        <p:spPr/>
+        <p:txBody>
+          <a:bodyPr>
+            <a:normAutofit/>
+          </a:bodyPr>
+          <a:lstStyle/>
+          <a:p>
+            <a:r>
+              <a:rPr lang="pt-BR" dirty="0"/>
+              <a:t>Herança</a:t>
+            </a:r>
+          </a:p>
+        </p:txBody>
+      </p:sp>
+      <p:sp>
+        <p:nvSpPr>
+          <p:cNvPr id="5" name="Espaço Reservado para Conteúdo 4">
+            <a:extLst>
+              <a:ext uri="{FF2B5EF4-FFF2-40B4-BE49-F238E27FC236}">
+                <a16:creationId xmlns:a16="http://schemas.microsoft.com/office/drawing/2014/main" id="{1FBD8255-54D1-42B3-9B71-2D45D227E6FC}"/>
+              </a:ext>
+            </a:extLst>
+          </p:cNvPr>
+          <p:cNvSpPr>
+            <a:spLocks noGrp="1"/>
+          </p:cNvSpPr>
+          <p:nvPr>
+            <p:ph type="body" idx="1"/>
+          </p:nvPr>
+        </p:nvSpPr>
+        <p:spPr>
+          <a:xfrm>
+            <a:off x="1712546" y="2511225"/>
+            <a:ext cx="21005800" cy="10609446"/>
+          </a:xfrm>
+          <a:solidFill>
+            <a:schemeClr val="bg1"/>
+          </a:solidFill>
+        </p:spPr>
+        <p:txBody>
+          <a:bodyPr>
+            <a:noAutofit/>
+          </a:bodyPr>
+          <a:lstStyle/>
+          <a:p>
+            <a:pPr>
+              <a:buSzPct val="100000"/>
+            </a:pPr>
+            <a:r>
+              <a:rPr lang="pt-BR" sz="3200" dirty="0">
+                <a:cs typeface="Courier New" panose="02070309020205020404" pitchFamily="49" charset="0"/>
+              </a:rPr>
+              <a:t>Polimorfismo:</a:t>
+            </a:r>
+          </a:p>
+          <a:p>
+            <a:pPr lvl="1">
+              <a:buSzPct val="100000"/>
+            </a:pPr>
+            <a:r>
+              <a:rPr lang="pt-BR" sz="2800" dirty="0">
+                <a:cs typeface="Courier New" panose="02070309020205020404" pitchFamily="49" charset="0"/>
+              </a:rPr>
+              <a:t>Em determinados momentos em uma hierarquia de classes, precisamos que um mesmo método (nome e lista de parâmetro, ou seja, assinatura) se comporte de forma diferente dependendo do objeto instanciado a partir de uma classe de uma hierarquia qualquer. Isto surge devido à necessidade de flexibilidade que a hierarquia de classe deseja fornecer.</a:t>
+            </a:r>
+          </a:p>
+          <a:p>
+            <a:pPr lvl="1">
+              <a:buSzPct val="100000"/>
+            </a:pPr>
+            <a:r>
+              <a:rPr lang="pt-BR" sz="2800" dirty="0">
+                <a:cs typeface="Courier New" panose="02070309020205020404" pitchFamily="49" charset="0"/>
+              </a:rPr>
+              <a:t>Por exemplo, sabemos que cada tipo de médico pode ter uma forma diferente de realizar sua ação de operar um paciente de acordo com o procedimento. Em um parto, por exemplo, o anestesista aplica uma injeção anestésica, o obstetra realiza a preparação e a retirada da criança, o pediatra realiza um conjunto de verificações para atestar a saúde do recém-nascido, etc.</a:t>
+            </a:r>
+          </a:p>
+          <a:p>
+            <a:pPr lvl="1">
+              <a:buSzPct val="100000"/>
+            </a:pPr>
+            <a:r>
+              <a:rPr lang="pt-BR" sz="2800" dirty="0">
+                <a:cs typeface="Courier New" panose="02070309020205020404" pitchFamily="49" charset="0"/>
+              </a:rPr>
+              <a:t>Cada médico realiza suas determinadas ações dependendo de sua função no parto, mas todos estão “operando” naquele momento. Esta possibilidade de uma mesma ação poder se moldar de acordo com o objeto em questão é chamado de polimorfismo. Em cada subclasse, a ação de operar é realizada de forma distinta, pois cada uma tem suas peculiaridades. Mas mesmo assim, a ação é a mesma em sua forma mais íntima: operar. Esta foi herdada a partir da superclasse </a:t>
+            </a:r>
+            <a:r>
+              <a:rPr lang="pt-BR" sz="2800" b="1" dirty="0">
+                <a:cs typeface="Courier New" panose="02070309020205020404" pitchFamily="49" charset="0"/>
+              </a:rPr>
+              <a:t>Medico</a:t>
+            </a:r>
+            <a:r>
+              <a:rPr lang="pt-BR" sz="2800" dirty="0">
+                <a:cs typeface="Courier New" panose="02070309020205020404" pitchFamily="49" charset="0"/>
+              </a:rPr>
+              <a:t>.</a:t>
+            </a:r>
+          </a:p>
+          <a:p>
+            <a:pPr lvl="1">
+              <a:buSzPct val="100000"/>
+            </a:pPr>
+            <a:r>
+              <a:rPr lang="pt-BR" sz="2800" dirty="0">
+                <a:cs typeface="Courier New" panose="02070309020205020404" pitchFamily="49" charset="0"/>
+              </a:rPr>
+              <a:t>A grande vantagem do uso do polimorfismo é que podemos utilizar objetos distintos e continuar executando a mesma ação, sendo que esta se moldará ao objeto corrente. Essa é a “flexibilidade” citada anteriormente.</a:t>
+            </a:r>
+          </a:p>
+          <a:p>
+            <a:pPr lvl="1">
+              <a:buSzPct val="100000"/>
+            </a:pPr>
+            <a:r>
+              <a:rPr lang="pt-BR" sz="2800" dirty="0">
+                <a:cs typeface="Courier New" panose="02070309020205020404" pitchFamily="49" charset="0"/>
+              </a:rPr>
+              <a:t>A melhor forma de possibilitarmos o uso de polimorfismo é trabalhar com classes e métodos abstratos. Assim, podemos apenas definir a assinatura do método (ação) e deixar para a subclasse realmente definir o comportamento desta operação.</a:t>
+            </a:r>
+          </a:p>
+          <a:p>
+            <a:pPr lvl="1">
+              <a:buSzPct val="100000"/>
+            </a:pPr>
+            <a:r>
+              <a:rPr lang="pt-BR" sz="2800" dirty="0">
+                <a:cs typeface="Courier New" panose="02070309020205020404" pitchFamily="49" charset="0"/>
+              </a:rPr>
+              <a:t>Em Java, é necessário o uso da instrução </a:t>
+            </a:r>
+            <a:r>
+              <a:rPr lang="pt-BR" sz="2800" i="1" dirty="0">
+                <a:cs typeface="Courier New" panose="02070309020205020404" pitchFamily="49" charset="0"/>
+              </a:rPr>
+              <a:t>@Override</a:t>
+            </a:r>
+            <a:r>
+              <a:rPr lang="pt-BR" sz="2800" dirty="0">
+                <a:cs typeface="Courier New" panose="02070309020205020404" pitchFamily="49" charset="0"/>
+              </a:rPr>
+              <a:t> antes da definição do método na subclasse.</a:t>
+            </a:r>
+          </a:p>
+          <a:p>
+            <a:pPr lvl="1">
+              <a:buSzPct val="100000"/>
+            </a:pPr>
+            <a:r>
+              <a:rPr lang="pt-BR" sz="2800" dirty="0">
+                <a:cs typeface="Courier New" panose="02070309020205020404" pitchFamily="49" charset="0"/>
+              </a:rPr>
+              <a:t>Para existir polimorfismo, é necessário que se tenha uma herança. Só assim será possível prover o comportamento para um método abstrato herdado, com o intuito de que este tenha um comportamento diferente de acordo com o objeto. Porém, ao usarmos a herança, não precisamos necessariamente utilizar o polimorfismo.</a:t>
+            </a:r>
+          </a:p>
+        </p:txBody>
+      </p:sp>
+      <p:sp>
+        <p:nvSpPr>
+          <p:cNvPr id="7" name="Espaço Reservado para Número de Slide 6">
+            <a:extLst>
+              <a:ext uri="{FF2B5EF4-FFF2-40B4-BE49-F238E27FC236}">
+                <a16:creationId xmlns:a16="http://schemas.microsoft.com/office/drawing/2014/main" id="{40C5ECBA-0615-433C-B308-162C7F749201}"/>
+              </a:ext>
+            </a:extLst>
+          </p:cNvPr>
+          <p:cNvSpPr>
+            <a:spLocks noGrp="1"/>
+          </p:cNvSpPr>
+          <p:nvPr>
+            <p:ph type="sldNum" sz="quarter" idx="10"/>
+          </p:nvPr>
+        </p:nvSpPr>
+        <p:spPr/>
+        <p:txBody>
+          <a:bodyPr/>
+          <a:lstStyle/>
+          <a:p>
+            <a:fld id="{E4B35BDD-CC3D-4492-88ED-922B282360E3}" type="slidenum">
+              <a:rPr lang="pt-BR" smtClean="0"/>
+              <a:t>121</a:t>
+            </a:fld>
+            <a:endParaRPr lang="pt-BR" dirty="0"/>
+          </a:p>
+        </p:txBody>
+      </p:sp>
+    </p:spTree>
+    <p:extLst>
+      <p:ext uri="{BB962C8B-B14F-4D97-AF65-F5344CB8AC3E}">
+        <p14:creationId xmlns:p14="http://schemas.microsoft.com/office/powerpoint/2010/main" val="4074266990"/>
+      </p:ext>
+    </p:extLst>
+  </p:cSld>
+  <p:clrMapOvr>
+    <a:masterClrMapping/>
+  </p:clrMapOvr>
+  <p:transition spd="med"/>
+</p:sld>
+</file>
+
+<file path=ppt/slides/slide122.xml><?xml version="1.0" encoding="utf-8"?>
+<p:sld xmlns:a="http://schemas.openxmlformats.org/drawingml/2006/main" xmlns:r="http://schemas.openxmlformats.org/officeDocument/2006/relationships" xmlns:p="http://schemas.openxmlformats.org/presentationml/2006/main">
+  <p:cSld>
+    <p:spTree>
+      <p:nvGrpSpPr>
+        <p:cNvPr id="1" name=""/>
+        <p:cNvGrpSpPr/>
+        <p:nvPr/>
+      </p:nvGrpSpPr>
+      <p:grpSpPr>
+        <a:xfrm>
+          <a:off x="0" y="0"/>
+          <a:ext cx="0" cy="0"/>
+          <a:chOff x="0" y="0"/>
+          <a:chExt cx="0" cy="0"/>
+        </a:xfrm>
+      </p:grpSpPr>
+      <p:sp>
+        <p:nvSpPr>
+          <p:cNvPr id="4" name="Título 3">
+            <a:extLst>
+              <a:ext uri="{FF2B5EF4-FFF2-40B4-BE49-F238E27FC236}">
+                <a16:creationId xmlns:a16="http://schemas.microsoft.com/office/drawing/2014/main" id="{8A4C52A0-42D9-47BB-966A-7FE92FDBFA2D}"/>
+              </a:ext>
+            </a:extLst>
+          </p:cNvPr>
+          <p:cNvSpPr>
+            <a:spLocks noGrp="1"/>
+          </p:cNvSpPr>
+          <p:nvPr>
+            <p:ph type="title"/>
+          </p:nvPr>
+        </p:nvSpPr>
+        <p:spPr/>
+        <p:txBody>
+          <a:bodyPr>
+            <a:normAutofit/>
+          </a:bodyPr>
+          <a:lstStyle/>
+          <a:p>
+            <a:r>
+              <a:rPr lang="pt-BR" dirty="0"/>
+              <a:t>Herança</a:t>
+            </a:r>
+          </a:p>
+        </p:txBody>
+      </p:sp>
+      <p:sp>
+        <p:nvSpPr>
+          <p:cNvPr id="5" name="Espaço Reservado para Conteúdo 4">
+            <a:extLst>
+              <a:ext uri="{FF2B5EF4-FFF2-40B4-BE49-F238E27FC236}">
+                <a16:creationId xmlns:a16="http://schemas.microsoft.com/office/drawing/2014/main" id="{1FBD8255-54D1-42B3-9B71-2D45D227E6FC}"/>
+              </a:ext>
+            </a:extLst>
+          </p:cNvPr>
+          <p:cNvSpPr>
+            <a:spLocks noGrp="1"/>
+          </p:cNvSpPr>
+          <p:nvPr>
+            <p:ph type="body" idx="1"/>
+          </p:nvPr>
+        </p:nvSpPr>
+        <p:spPr>
+          <a:xfrm>
+            <a:off x="1712546" y="2511225"/>
+            <a:ext cx="21005800" cy="10609446"/>
+          </a:xfrm>
+          <a:solidFill>
+            <a:schemeClr val="bg1"/>
+          </a:solidFill>
+        </p:spPr>
+        <p:txBody>
+          <a:bodyPr>
+            <a:noAutofit/>
+          </a:bodyPr>
+          <a:lstStyle/>
+          <a:p>
+            <a:pPr>
+              <a:buSzPct val="100000"/>
+            </a:pPr>
+            <a:r>
+              <a:rPr lang="pt-BR" sz="3200" dirty="0">
+                <a:cs typeface="Courier New" panose="02070309020205020404" pitchFamily="49" charset="0"/>
+              </a:rPr>
+              <a:t>Sobrescrita:</a:t>
+            </a:r>
+          </a:p>
+          <a:p>
+            <a:pPr lvl="1">
+              <a:buSzPct val="100000"/>
+            </a:pPr>
+            <a:r>
+              <a:rPr lang="pt-BR" sz="2800" dirty="0">
+                <a:cs typeface="Courier New" panose="02070309020205020404" pitchFamily="49" charset="0"/>
+              </a:rPr>
+              <a:t>Como o próprio nome sugere, sobrescrita é quando uma “escrita“, uma implementação de um método, sofre uma “escrita por cima”, ou seja, é redefinida. A sobrescrita é utilizada quando é necessário modificar um comportamento herdado. Essa alteração pode acrescentar ou eliminar algo do comportamento herdado.</a:t>
+            </a:r>
+          </a:p>
+          <a:p>
+            <a:pPr lvl="1">
+              <a:buSzPct val="100000"/>
+            </a:pPr>
+            <a:r>
+              <a:rPr lang="pt-BR" sz="2800" dirty="0">
+                <a:cs typeface="Courier New" panose="02070309020205020404" pitchFamily="49" charset="0"/>
+              </a:rPr>
+              <a:t>Em Java, assim como no polimorfismo, a utilização do </a:t>
+            </a:r>
+            <a:r>
+              <a:rPr lang="pt-BR" sz="2800" i="1" dirty="0">
+                <a:cs typeface="Courier New" panose="02070309020205020404" pitchFamily="49" charset="0"/>
+              </a:rPr>
+              <a:t>@Override</a:t>
+            </a:r>
+            <a:r>
+              <a:rPr lang="pt-BR" sz="2800" dirty="0">
+                <a:cs typeface="Courier New" panose="02070309020205020404" pitchFamily="49" charset="0"/>
+              </a:rPr>
+              <a:t> deve ser feita. Assim, a subclasse redefine o método herdado e a sobrescrita é realizada.</a:t>
+            </a:r>
+          </a:p>
+          <a:p>
+            <a:pPr lvl="1">
+              <a:buSzPct val="100000"/>
+            </a:pPr>
+            <a:r>
+              <a:rPr lang="pt-BR" sz="2800" dirty="0">
+                <a:cs typeface="Courier New" panose="02070309020205020404" pitchFamily="49" charset="0"/>
+              </a:rPr>
+              <a:t>Entretanto, em alguns casos, o método sobrescrito na subclasse </a:t>
+            </a:r>
+            <a:br>
+              <a:rPr lang="pt-BR" sz="2800" dirty="0">
+                <a:cs typeface="Courier New" panose="02070309020205020404" pitchFamily="49" charset="0"/>
+              </a:rPr>
+            </a:br>
+            <a:r>
+              <a:rPr lang="pt-BR" sz="2800" dirty="0">
+                <a:cs typeface="Courier New" panose="02070309020205020404" pitchFamily="49" charset="0"/>
+              </a:rPr>
+              <a:t>precisa utilizar integralmente o comportamento do método da </a:t>
+            </a:r>
+            <a:br>
+              <a:rPr lang="pt-BR" sz="2800" dirty="0">
+                <a:cs typeface="Courier New" panose="02070309020205020404" pitchFamily="49" charset="0"/>
+              </a:rPr>
+            </a:br>
+            <a:r>
+              <a:rPr lang="pt-BR" sz="2800" dirty="0">
+                <a:cs typeface="Courier New" panose="02070309020205020404" pitchFamily="49" charset="0"/>
+              </a:rPr>
+              <a:t>superclasse, e depois realizar seus passos específicos. Para </a:t>
+            </a:r>
+            <a:br>
+              <a:rPr lang="pt-BR" sz="2800" dirty="0">
+                <a:cs typeface="Courier New" panose="02070309020205020404" pitchFamily="49" charset="0"/>
+              </a:rPr>
+            </a:br>
+            <a:r>
+              <a:rPr lang="pt-BR" sz="2800" dirty="0">
+                <a:cs typeface="Courier New" panose="02070309020205020404" pitchFamily="49" charset="0"/>
+              </a:rPr>
+              <a:t>realizar esta tarefa, as linguagens orientadas a objeto proveem </a:t>
+            </a:r>
+            <a:br>
+              <a:rPr lang="pt-BR" sz="2800" dirty="0">
+                <a:cs typeface="Courier New" panose="02070309020205020404" pitchFamily="49" charset="0"/>
+              </a:rPr>
+            </a:br>
+            <a:r>
+              <a:rPr lang="pt-BR" sz="2800" dirty="0">
+                <a:cs typeface="Courier New" panose="02070309020205020404" pitchFamily="49" charset="0"/>
+              </a:rPr>
+              <a:t>sintaxes específicas: em Java, é a palavra </a:t>
+            </a:r>
+            <a:r>
+              <a:rPr lang="pt-BR" sz="2800" i="1" dirty="0">
+                <a:cs typeface="Courier New" panose="02070309020205020404" pitchFamily="49" charset="0"/>
+              </a:rPr>
+              <a:t>super</a:t>
+            </a:r>
+            <a:r>
+              <a:rPr lang="pt-BR" sz="2800" dirty="0">
+                <a:cs typeface="Courier New" panose="02070309020205020404" pitchFamily="49" charset="0"/>
+              </a:rPr>
+              <a:t>.</a:t>
+            </a:r>
+          </a:p>
+          <a:p>
+            <a:pPr lvl="1">
+              <a:buSzPct val="100000"/>
+            </a:pPr>
+            <a:r>
+              <a:rPr lang="pt-BR" sz="2800" dirty="0">
+                <a:cs typeface="Courier New" panose="02070309020205020404" pitchFamily="49" charset="0"/>
+              </a:rPr>
+              <a:t>Do ponto de vista de implementação, a sobrescrita é idêntica</a:t>
+            </a:r>
+            <a:br>
+              <a:rPr lang="pt-BR" sz="2800" dirty="0">
+                <a:cs typeface="Courier New" panose="02070309020205020404" pitchFamily="49" charset="0"/>
+              </a:rPr>
+            </a:br>
+            <a:r>
+              <a:rPr lang="pt-BR" sz="2800" dirty="0">
+                <a:cs typeface="Courier New" panose="02070309020205020404" pitchFamily="49" charset="0"/>
+              </a:rPr>
+              <a:t>ao polimorfismo. No entanto, conceitualmente são diferentes. A</a:t>
+            </a:r>
+            <a:br>
+              <a:rPr lang="pt-BR" sz="2800" dirty="0">
+                <a:cs typeface="Courier New" panose="02070309020205020404" pitchFamily="49" charset="0"/>
+              </a:rPr>
+            </a:br>
+            <a:r>
+              <a:rPr lang="pt-BR" sz="2800" dirty="0">
+                <a:cs typeface="Courier New" panose="02070309020205020404" pitchFamily="49" charset="0"/>
+              </a:rPr>
+              <a:t>sobrescrita “sobrescreve” algo existente - no caso, um </a:t>
+            </a:r>
+            <a:br>
+              <a:rPr lang="pt-BR" sz="2800" dirty="0">
+                <a:cs typeface="Courier New" panose="02070309020205020404" pitchFamily="49" charset="0"/>
+              </a:rPr>
+            </a:br>
+            <a:r>
+              <a:rPr lang="pt-BR" sz="2800" dirty="0">
+                <a:cs typeface="Courier New" panose="02070309020205020404" pitchFamily="49" charset="0"/>
+              </a:rPr>
+              <a:t>comportamento padrão da superclasse. De acordo com a </a:t>
+            </a:r>
+            <a:br>
+              <a:rPr lang="pt-BR" sz="2800" dirty="0">
+                <a:cs typeface="Courier New" panose="02070309020205020404" pitchFamily="49" charset="0"/>
+              </a:rPr>
+            </a:br>
+            <a:r>
+              <a:rPr lang="pt-BR" sz="2800" dirty="0">
+                <a:cs typeface="Courier New" panose="02070309020205020404" pitchFamily="49" charset="0"/>
+              </a:rPr>
+              <a:t>necessidade, podemos muda-lo ou não. Já no polimorfismo, não há necessidade de se ter um comportamento padrão.</a:t>
+            </a:r>
+          </a:p>
+        </p:txBody>
+      </p:sp>
+      <p:sp>
+        <p:nvSpPr>
+          <p:cNvPr id="7" name="Espaço Reservado para Número de Slide 6">
+            <a:extLst>
+              <a:ext uri="{FF2B5EF4-FFF2-40B4-BE49-F238E27FC236}">
+                <a16:creationId xmlns:a16="http://schemas.microsoft.com/office/drawing/2014/main" id="{40C5ECBA-0615-433C-B308-162C7F749201}"/>
+              </a:ext>
+            </a:extLst>
+          </p:cNvPr>
+          <p:cNvSpPr>
+            <a:spLocks noGrp="1"/>
+          </p:cNvSpPr>
+          <p:nvPr>
+            <p:ph type="sldNum" sz="quarter" idx="10"/>
+          </p:nvPr>
+        </p:nvSpPr>
+        <p:spPr/>
+        <p:txBody>
+          <a:bodyPr/>
+          <a:lstStyle/>
+          <a:p>
+            <a:fld id="{E4B35BDD-CC3D-4492-88ED-922B282360E3}" type="slidenum">
+              <a:rPr lang="pt-BR" smtClean="0"/>
+              <a:t>122</a:t>
+            </a:fld>
+            <a:endParaRPr lang="pt-BR" dirty="0"/>
+          </a:p>
+        </p:txBody>
+      </p:sp>
+      <p:pic>
+        <p:nvPicPr>
+          <p:cNvPr id="3" name="Imagem 2">
+            <a:extLst>
+              <a:ext uri="{FF2B5EF4-FFF2-40B4-BE49-F238E27FC236}">
+                <a16:creationId xmlns:a16="http://schemas.microsoft.com/office/drawing/2014/main" id="{53009B7E-6ABC-463F-95CC-0440A2548C96}"/>
+              </a:ext>
+            </a:extLst>
+          </p:cNvPr>
+          <p:cNvPicPr>
+            <a:picLocks noChangeAspect="1"/>
+          </p:cNvPicPr>
+          <p:nvPr/>
+        </p:nvPicPr>
+        <p:blipFill>
+          <a:blip r:embed="rId2"/>
+          <a:stretch>
+            <a:fillRect/>
+          </a:stretch>
+        </p:blipFill>
+        <p:spPr>
+          <a:xfrm>
+            <a:off x="12992213" y="5579538"/>
+            <a:ext cx="9726133" cy="4472820"/>
+          </a:xfrm>
+          <a:prstGeom prst="rect">
+            <a:avLst/>
+          </a:prstGeom>
+        </p:spPr>
+      </p:pic>
+    </p:spTree>
+    <p:extLst>
+      <p:ext uri="{BB962C8B-B14F-4D97-AF65-F5344CB8AC3E}">
+        <p14:creationId xmlns:p14="http://schemas.microsoft.com/office/powerpoint/2010/main" val="1703024615"/>
+      </p:ext>
+    </p:extLst>
+  </p:cSld>
+  <p:clrMapOvr>
+    <a:masterClrMapping/>
+  </p:clrMapOvr>
+  <p:transition spd="med"/>
+</p:sld>
+</file>
+
+<file path=ppt/slides/slide123.xml><?xml version="1.0" encoding="utf-8"?>
+<p:sld xmlns:a="http://schemas.openxmlformats.org/drawingml/2006/main" xmlns:r="http://schemas.openxmlformats.org/officeDocument/2006/relationships" xmlns:p="http://schemas.openxmlformats.org/presentationml/2006/main">
+  <p:cSld>
+    <p:spTree>
+      <p:nvGrpSpPr>
+        <p:cNvPr id="1" name=""/>
+        <p:cNvGrpSpPr/>
+        <p:nvPr/>
+      </p:nvGrpSpPr>
+      <p:grpSpPr>
+        <a:xfrm>
+          <a:off x="0" y="0"/>
+          <a:ext cx="0" cy="0"/>
+          <a:chOff x="0" y="0"/>
+          <a:chExt cx="0" cy="0"/>
+        </a:xfrm>
+      </p:grpSpPr>
+      <p:sp>
+        <p:nvSpPr>
+          <p:cNvPr id="4" name="Título 3">
+            <a:extLst>
+              <a:ext uri="{FF2B5EF4-FFF2-40B4-BE49-F238E27FC236}">
+                <a16:creationId xmlns:a16="http://schemas.microsoft.com/office/drawing/2014/main" id="{8A4C52A0-42D9-47BB-966A-7FE92FDBFA2D}"/>
+              </a:ext>
+            </a:extLst>
+          </p:cNvPr>
+          <p:cNvSpPr>
+            <a:spLocks noGrp="1"/>
+          </p:cNvSpPr>
+          <p:nvPr>
+            <p:ph type="title"/>
+          </p:nvPr>
+        </p:nvSpPr>
+        <p:spPr/>
+        <p:txBody>
+          <a:bodyPr>
+            <a:normAutofit/>
+          </a:bodyPr>
+          <a:lstStyle/>
+          <a:p>
+            <a:r>
+              <a:rPr lang="pt-BR" dirty="0"/>
+              <a:t>Associação</a:t>
+            </a:r>
+          </a:p>
+        </p:txBody>
+      </p:sp>
+      <p:sp>
+        <p:nvSpPr>
+          <p:cNvPr id="5" name="Espaço Reservado para Conteúdo 4">
+            <a:extLst>
+              <a:ext uri="{FF2B5EF4-FFF2-40B4-BE49-F238E27FC236}">
+                <a16:creationId xmlns:a16="http://schemas.microsoft.com/office/drawing/2014/main" id="{1FBD8255-54D1-42B3-9B71-2D45D227E6FC}"/>
+              </a:ext>
+            </a:extLst>
+          </p:cNvPr>
+          <p:cNvSpPr>
+            <a:spLocks noGrp="1"/>
+          </p:cNvSpPr>
+          <p:nvPr>
+            <p:ph type="body" idx="1"/>
+          </p:nvPr>
+        </p:nvSpPr>
+        <p:spPr>
+          <a:xfrm>
+            <a:off x="1712546" y="2511225"/>
+            <a:ext cx="21005800" cy="10609446"/>
+          </a:xfrm>
+          <a:solidFill>
+            <a:schemeClr val="bg1"/>
+          </a:solidFill>
+        </p:spPr>
+        <p:txBody>
+          <a:bodyPr>
+            <a:noAutofit/>
+          </a:bodyPr>
+          <a:lstStyle/>
+          <a:p>
+            <a:pPr>
+              <a:buSzPct val="100000"/>
+            </a:pPr>
+            <a:r>
+              <a:rPr lang="pt-BR" sz="3200" dirty="0">
+                <a:cs typeface="Courier New" panose="02070309020205020404" pitchFamily="49" charset="0"/>
+              </a:rPr>
+              <a:t>Até o momento, foi visto apenas um tipo de relacionamento: a herança. Este é útil para quando precisamos definir subtipos e, consequentemente, obter reuso de membros. Embora estas situações sejam comuns e úteis em aplicações orientadas a objetos, não é a única necessidade de relacionamento.</a:t>
+            </a:r>
+          </a:p>
+          <a:p>
+            <a:pPr>
+              <a:buSzPct val="100000"/>
+            </a:pPr>
+            <a:r>
+              <a:rPr lang="pt-BR" sz="3200" dirty="0">
+                <a:cs typeface="Courier New" panose="02070309020205020404" pitchFamily="49" charset="0"/>
+              </a:rPr>
+              <a:t>Por exemplo, dentro de um hospital, existem vários tipos de médicos. Para podermos aplicar o reuso e a especialização, podemos ter uma superclasse </a:t>
+            </a:r>
+            <a:r>
+              <a:rPr lang="pt-BR" sz="3200" b="1" dirty="0">
+                <a:cs typeface="Courier New" panose="02070309020205020404" pitchFamily="49" charset="0"/>
+              </a:rPr>
+              <a:t>Medico</a:t>
+            </a:r>
+            <a:r>
+              <a:rPr lang="pt-BR" sz="3200" dirty="0">
+                <a:cs typeface="Courier New" panose="02070309020205020404" pitchFamily="49" charset="0"/>
+              </a:rPr>
+              <a:t> e subclasses </a:t>
+            </a:r>
+            <a:r>
+              <a:rPr lang="pt-BR" sz="3200" b="1" dirty="0">
+                <a:cs typeface="Courier New" panose="02070309020205020404" pitchFamily="49" charset="0"/>
+              </a:rPr>
+              <a:t>Anestesista</a:t>
+            </a:r>
+            <a:r>
+              <a:rPr lang="pt-BR" sz="3200" dirty="0">
+                <a:cs typeface="Courier New" panose="02070309020205020404" pitchFamily="49" charset="0"/>
+              </a:rPr>
+              <a:t>, </a:t>
+            </a:r>
+            <a:r>
+              <a:rPr lang="pt-BR" sz="3200" b="1" dirty="0">
+                <a:cs typeface="Courier New" panose="02070309020205020404" pitchFamily="49" charset="0"/>
+              </a:rPr>
+              <a:t>Obstetra</a:t>
+            </a:r>
+            <a:r>
+              <a:rPr lang="pt-BR" sz="3200" dirty="0">
+                <a:cs typeface="Courier New" panose="02070309020205020404" pitchFamily="49" charset="0"/>
+              </a:rPr>
+              <a:t>, </a:t>
+            </a:r>
+            <a:r>
+              <a:rPr lang="pt-BR" sz="3200" b="1" dirty="0">
+                <a:cs typeface="Courier New" panose="02070309020205020404" pitchFamily="49" charset="0"/>
+              </a:rPr>
+              <a:t>Pediatra</a:t>
+            </a:r>
+            <a:r>
+              <a:rPr lang="pt-BR" sz="3200" dirty="0">
+                <a:cs typeface="Courier New" panose="02070309020205020404" pitchFamily="49" charset="0"/>
+              </a:rPr>
+              <a:t>, etc.</a:t>
+            </a:r>
+          </a:p>
+          <a:p>
+            <a:pPr>
+              <a:buSzPct val="100000"/>
+            </a:pPr>
+            <a:r>
+              <a:rPr lang="pt-BR" sz="3200" dirty="0">
+                <a:cs typeface="Courier New" panose="02070309020205020404" pitchFamily="49" charset="0"/>
+              </a:rPr>
+              <a:t>Mas e se for necessário representar, no modelo do hospital, os endereços dos médicos? Tanto um anestesista quanto um obstetra precisarão de um endereço. Este teria um nome de rua, bairro, cidade, entre outros atributos que seriam necessários para representa-lo.</a:t>
+            </a:r>
+          </a:p>
+          <a:p>
+            <a:pPr>
+              <a:buSzPct val="100000"/>
+            </a:pPr>
+            <a:r>
+              <a:rPr lang="pt-BR" sz="3200" dirty="0">
+                <a:cs typeface="Courier New" panose="02070309020205020404" pitchFamily="49" charset="0"/>
+              </a:rPr>
+              <a:t>É comum iniciantes aplicarem a seguinte solução: fazer as classes </a:t>
+            </a:r>
+            <a:r>
+              <a:rPr lang="pt-BR" sz="3200" b="1" dirty="0">
+                <a:cs typeface="Courier New" panose="02070309020205020404" pitchFamily="49" charset="0"/>
+              </a:rPr>
+              <a:t>Anestesista</a:t>
+            </a:r>
+            <a:r>
+              <a:rPr lang="pt-BR" sz="3200" dirty="0">
+                <a:cs typeface="Courier New" panose="02070309020205020404" pitchFamily="49" charset="0"/>
+              </a:rPr>
+              <a:t> e </a:t>
+            </a:r>
+            <a:r>
+              <a:rPr lang="pt-BR" sz="3200" b="1" dirty="0">
+                <a:cs typeface="Courier New" panose="02070309020205020404" pitchFamily="49" charset="0"/>
+              </a:rPr>
+              <a:t>Obstetra</a:t>
+            </a:r>
+            <a:r>
+              <a:rPr lang="pt-BR" sz="3200" dirty="0">
+                <a:cs typeface="Courier New" panose="02070309020205020404" pitchFamily="49" charset="0"/>
+              </a:rPr>
+              <a:t>, ou mesmo </a:t>
+            </a:r>
+            <a:r>
+              <a:rPr lang="pt-BR" sz="3200" b="1" dirty="0">
+                <a:cs typeface="Courier New" panose="02070309020205020404" pitchFamily="49" charset="0"/>
+              </a:rPr>
+              <a:t>Medico</a:t>
+            </a:r>
+            <a:r>
+              <a:rPr lang="pt-BR" sz="3200" dirty="0">
+                <a:cs typeface="Courier New" panose="02070309020205020404" pitchFamily="49" charset="0"/>
+              </a:rPr>
+              <a:t>, herdarem da classe </a:t>
+            </a:r>
+            <a:r>
+              <a:rPr lang="pt-BR" sz="3200" b="1" dirty="0" err="1">
+                <a:cs typeface="Courier New" panose="02070309020205020404" pitchFamily="49" charset="0"/>
+              </a:rPr>
+              <a:t>Endereco</a:t>
+            </a:r>
+            <a:r>
+              <a:rPr lang="pt-BR" sz="3200" dirty="0">
+                <a:cs typeface="Courier New" panose="02070309020205020404" pitchFamily="49" charset="0"/>
+              </a:rPr>
+              <a:t>. Assim, todos os atributos de um endereço seriam compartilhados com todas essas classes. À primeira vista, isso parece uma solução aceitável, mas infelizmente não é, afinal de contas, um endereço não é um médico.</a:t>
+            </a:r>
+          </a:p>
+          <a:p>
+            <a:pPr>
+              <a:buSzPct val="100000"/>
+            </a:pPr>
+            <a:r>
+              <a:rPr lang="pt-BR" sz="3200" i="1" dirty="0">
+                <a:cs typeface="Courier New" panose="02070309020205020404" pitchFamily="49" charset="0"/>
+              </a:rPr>
+              <a:t>Associação possibilita um relacionamento entre classes/objetos, no qual estes possam pedir ajuda a outros e representar de forma completa o conceito no qual se destinam. Neste tipo de relacionamento, as classes e os objetos interagem entre si para atingir seus objetivos.</a:t>
+            </a:r>
+            <a:endParaRPr lang="pt-BR" sz="3200" dirty="0">
+              <a:cs typeface="Courier New" panose="02070309020205020404" pitchFamily="49" charset="0"/>
+            </a:endParaRPr>
+          </a:p>
+          <a:p>
+            <a:pPr>
+              <a:buSzPct val="100000"/>
+            </a:pPr>
+            <a:endParaRPr lang="pt-BR" sz="3200" i="1" dirty="0">
+              <a:cs typeface="Courier New" panose="02070309020205020404" pitchFamily="49" charset="0"/>
+            </a:endParaRPr>
+          </a:p>
+          <a:p>
+            <a:pPr>
+              <a:buSzPct val="100000"/>
+            </a:pPr>
+            <a:endParaRPr lang="pt-BR" sz="3200" b="1" dirty="0">
+              <a:cs typeface="Courier New" panose="02070309020205020404" pitchFamily="49" charset="0"/>
+            </a:endParaRPr>
+          </a:p>
+        </p:txBody>
+      </p:sp>
+      <p:sp>
+        <p:nvSpPr>
+          <p:cNvPr id="7" name="Espaço Reservado para Número de Slide 6">
+            <a:extLst>
+              <a:ext uri="{FF2B5EF4-FFF2-40B4-BE49-F238E27FC236}">
+                <a16:creationId xmlns:a16="http://schemas.microsoft.com/office/drawing/2014/main" id="{40C5ECBA-0615-433C-B308-162C7F749201}"/>
+              </a:ext>
+            </a:extLst>
+          </p:cNvPr>
+          <p:cNvSpPr>
+            <a:spLocks noGrp="1"/>
+          </p:cNvSpPr>
+          <p:nvPr>
+            <p:ph type="sldNum" sz="quarter" idx="10"/>
+          </p:nvPr>
+        </p:nvSpPr>
+        <p:spPr/>
+        <p:txBody>
+          <a:bodyPr/>
+          <a:lstStyle/>
+          <a:p>
+            <a:fld id="{E4B35BDD-CC3D-4492-88ED-922B282360E3}" type="slidenum">
+              <a:rPr lang="pt-BR" smtClean="0"/>
+              <a:t>123</a:t>
+            </a:fld>
+            <a:endParaRPr lang="pt-BR" dirty="0"/>
+          </a:p>
+        </p:txBody>
+      </p:sp>
+    </p:spTree>
+    <p:extLst>
+      <p:ext uri="{BB962C8B-B14F-4D97-AF65-F5344CB8AC3E}">
+        <p14:creationId xmlns:p14="http://schemas.microsoft.com/office/powerpoint/2010/main" val="3110964462"/>
+      </p:ext>
+    </p:extLst>
+  </p:cSld>
+  <p:clrMapOvr>
+    <a:masterClrMapping/>
+  </p:clrMapOvr>
+  <p:transition spd="med"/>
+</p:sld>
+</file>
+
+<file path=ppt/slides/slide124.xml><?xml version="1.0" encoding="utf-8"?>
+<p:sld xmlns:a="http://schemas.openxmlformats.org/drawingml/2006/main" xmlns:r="http://schemas.openxmlformats.org/officeDocument/2006/relationships" xmlns:p="http://schemas.openxmlformats.org/presentationml/2006/main">
+  <p:cSld>
+    <p:spTree>
+      <p:nvGrpSpPr>
+        <p:cNvPr id="1" name=""/>
+        <p:cNvGrpSpPr/>
+        <p:nvPr/>
+      </p:nvGrpSpPr>
+      <p:grpSpPr>
+        <a:xfrm>
+          <a:off x="0" y="0"/>
+          <a:ext cx="0" cy="0"/>
+          <a:chOff x="0" y="0"/>
+          <a:chExt cx="0" cy="0"/>
+        </a:xfrm>
+      </p:grpSpPr>
+      <p:sp>
+        <p:nvSpPr>
+          <p:cNvPr id="4" name="Título 3">
+            <a:extLst>
+              <a:ext uri="{FF2B5EF4-FFF2-40B4-BE49-F238E27FC236}">
+                <a16:creationId xmlns:a16="http://schemas.microsoft.com/office/drawing/2014/main" id="{8A4C52A0-42D9-47BB-966A-7FE92FDBFA2D}"/>
+              </a:ext>
+            </a:extLst>
+          </p:cNvPr>
+          <p:cNvSpPr>
+            <a:spLocks noGrp="1"/>
+          </p:cNvSpPr>
+          <p:nvPr>
+            <p:ph type="title"/>
+          </p:nvPr>
+        </p:nvSpPr>
+        <p:spPr/>
+        <p:txBody>
+          <a:bodyPr>
+            <a:normAutofit/>
+          </a:bodyPr>
+          <a:lstStyle/>
+          <a:p>
+            <a:r>
+              <a:rPr lang="pt-BR" dirty="0"/>
+              <a:t>Associação</a:t>
+            </a:r>
+          </a:p>
+        </p:txBody>
+      </p:sp>
+      <p:sp>
+        <p:nvSpPr>
+          <p:cNvPr id="5" name="Espaço Reservado para Conteúdo 4">
+            <a:extLst>
+              <a:ext uri="{FF2B5EF4-FFF2-40B4-BE49-F238E27FC236}">
+                <a16:creationId xmlns:a16="http://schemas.microsoft.com/office/drawing/2014/main" id="{1FBD8255-54D1-42B3-9B71-2D45D227E6FC}"/>
+              </a:ext>
+            </a:extLst>
+          </p:cNvPr>
+          <p:cNvSpPr>
+            <a:spLocks noGrp="1"/>
+          </p:cNvSpPr>
+          <p:nvPr>
+            <p:ph type="body" idx="1"/>
+          </p:nvPr>
+        </p:nvSpPr>
+        <p:spPr>
+          <a:xfrm>
+            <a:off x="1712546" y="2511225"/>
+            <a:ext cx="21005800" cy="10609446"/>
+          </a:xfrm>
+          <a:solidFill>
+            <a:schemeClr val="bg1"/>
+          </a:solidFill>
+        </p:spPr>
+        <p:txBody>
+          <a:bodyPr>
+            <a:noAutofit/>
+          </a:bodyPr>
+          <a:lstStyle/>
+          <a:p>
+            <a:pPr>
+              <a:buSzPct val="100000"/>
+            </a:pPr>
+            <a:r>
+              <a:rPr lang="pt-BR" sz="3200" dirty="0">
+                <a:cs typeface="Courier New" panose="02070309020205020404" pitchFamily="49" charset="0"/>
+              </a:rPr>
+              <a:t>A associação pode ser realizada de duas formas: estrutural e comportamental. A primeira possui dois tipos: agregação e composição. A segunda, somente um: dependência.</a:t>
+            </a:r>
+          </a:p>
+          <a:p>
+            <a:pPr>
+              <a:buSzPct val="100000"/>
+            </a:pPr>
+            <a:r>
+              <a:rPr lang="pt-BR" sz="3200" dirty="0">
+                <a:cs typeface="Courier New" panose="02070309020205020404" pitchFamily="49" charset="0"/>
+              </a:rPr>
+              <a:t>A estrutural tem como característica a associação ocorrer na estrutura de dados da classe, mais precisamente em seus atributos. Assim, um dos atributos de uma classe é do tipo de outra classe.</a:t>
+            </a:r>
+          </a:p>
+          <a:p>
+            <a:pPr>
+              <a:buSzPct val="100000"/>
+            </a:pPr>
+            <a:r>
+              <a:rPr lang="pt-BR" sz="3200" dirty="0">
+                <a:cs typeface="Courier New" panose="02070309020205020404" pitchFamily="49" charset="0"/>
+              </a:rPr>
+              <a:t>No exemplo anterior, temos uma associação estrutural, já que </a:t>
+            </a:r>
+            <a:r>
+              <a:rPr lang="pt-BR" sz="3200" b="1" dirty="0">
+                <a:cs typeface="Courier New" panose="02070309020205020404" pitchFamily="49" charset="0"/>
+              </a:rPr>
+              <a:t>Medico</a:t>
+            </a:r>
+            <a:r>
+              <a:rPr lang="pt-BR" sz="3200" dirty="0">
+                <a:cs typeface="Courier New" panose="02070309020205020404" pitchFamily="49" charset="0"/>
+              </a:rPr>
+              <a:t> tem um de seus atributos que é do tipo </a:t>
+            </a:r>
+            <a:r>
+              <a:rPr lang="pt-BR" sz="3200" b="1" dirty="0" err="1">
+                <a:cs typeface="Courier New" panose="02070309020205020404" pitchFamily="49" charset="0"/>
+              </a:rPr>
+              <a:t>Endereco</a:t>
+            </a:r>
+            <a:r>
+              <a:rPr lang="pt-BR" sz="3200" dirty="0">
+                <a:cs typeface="Courier New" panose="02070309020205020404" pitchFamily="49" charset="0"/>
+              </a:rPr>
+              <a:t>.</a:t>
+            </a:r>
+          </a:p>
+          <a:p>
+            <a:pPr>
+              <a:buSzPct val="100000"/>
+            </a:pPr>
+            <a:r>
+              <a:rPr lang="pt-BR" sz="3200" dirty="0">
+                <a:cs typeface="Courier New" panose="02070309020205020404" pitchFamily="49" charset="0"/>
+              </a:rPr>
+              <a:t>A associação estrutural do tipo composição ocorre quando um relacionamento da forma “parte todo” ocorre. Ou seja, a parte não pode existir sem a existência do todo. Utilizando o exemplo anterior, o endereço “Rua 123 de Oliveira 4, nº 10” só pode existir se pertencer a um (e unicamente um) médico. Não teria finalidade alguma esse endereço existir sem estar ligado a um médico, empresa, entre outros.</a:t>
+            </a:r>
+          </a:p>
+          <a:p>
+            <a:pPr>
+              <a:buSzPct val="100000"/>
+            </a:pPr>
+            <a:r>
+              <a:rPr lang="pt-BR" sz="3200" dirty="0">
+                <a:cs typeface="Courier New" panose="02070309020205020404" pitchFamily="49" charset="0"/>
+              </a:rPr>
+              <a:t>Neste caso, notamos uma forte relação entre a parte (o endereço) e o todo (o médico). Assim, o médico é composto por um endereço, e este pertence somente a esse médico.</a:t>
+            </a:r>
+          </a:p>
+          <a:p>
+            <a:pPr>
+              <a:buSzPct val="100000"/>
+            </a:pPr>
+            <a:r>
+              <a:rPr lang="pt-BR" sz="3200" dirty="0">
+                <a:cs typeface="Courier New" panose="02070309020205020404" pitchFamily="49" charset="0"/>
+              </a:rPr>
+              <a:t>Já a associação estrutural do tipo agregação ocorre quando o relacionamento “parte todo” não ocorre. Ou seja, a parte pode ser compartilhada entre vários objetos (todos) distintos. Por exemplo, o procedimento </a:t>
+            </a:r>
+            <a:r>
+              <a:rPr lang="pt-BR" sz="3200" b="1" dirty="0">
+                <a:cs typeface="Courier New" panose="02070309020205020404" pitchFamily="49" charset="0"/>
+              </a:rPr>
+              <a:t>parto</a:t>
+            </a:r>
+            <a:r>
+              <a:rPr lang="pt-BR" sz="3200" dirty="0">
+                <a:cs typeface="Courier New" panose="02070309020205020404" pitchFamily="49" charset="0"/>
+              </a:rPr>
+              <a:t> será executado na “Sala 02” no período da manhã. Já o procedimento </a:t>
+            </a:r>
+            <a:r>
+              <a:rPr lang="pt-BR" sz="3200" b="1" dirty="0" err="1">
+                <a:cs typeface="Courier New" panose="02070309020205020404" pitchFamily="49" charset="0"/>
+              </a:rPr>
+              <a:t>revascularizacaoMiocardio</a:t>
+            </a:r>
+            <a:r>
+              <a:rPr lang="pt-BR" sz="3200" dirty="0">
+                <a:cs typeface="Courier New" panose="02070309020205020404" pitchFamily="49" charset="0"/>
+              </a:rPr>
+              <a:t> também será executado na “Sala 02”, só que pela tarde.</a:t>
+            </a:r>
+          </a:p>
+        </p:txBody>
+      </p:sp>
+      <p:sp>
+        <p:nvSpPr>
+          <p:cNvPr id="7" name="Espaço Reservado para Número de Slide 6">
+            <a:extLst>
+              <a:ext uri="{FF2B5EF4-FFF2-40B4-BE49-F238E27FC236}">
+                <a16:creationId xmlns:a16="http://schemas.microsoft.com/office/drawing/2014/main" id="{40C5ECBA-0615-433C-B308-162C7F749201}"/>
+              </a:ext>
+            </a:extLst>
+          </p:cNvPr>
+          <p:cNvSpPr>
+            <a:spLocks noGrp="1"/>
+          </p:cNvSpPr>
+          <p:nvPr>
+            <p:ph type="sldNum" sz="quarter" idx="10"/>
+          </p:nvPr>
+        </p:nvSpPr>
+        <p:spPr/>
+        <p:txBody>
+          <a:bodyPr/>
+          <a:lstStyle/>
+          <a:p>
+            <a:fld id="{E4B35BDD-CC3D-4492-88ED-922B282360E3}" type="slidenum">
+              <a:rPr lang="pt-BR" smtClean="0"/>
+              <a:t>124</a:t>
+            </a:fld>
+            <a:endParaRPr lang="pt-BR" dirty="0"/>
+          </a:p>
+        </p:txBody>
+      </p:sp>
+    </p:spTree>
+    <p:extLst>
+      <p:ext uri="{BB962C8B-B14F-4D97-AF65-F5344CB8AC3E}">
+        <p14:creationId xmlns:p14="http://schemas.microsoft.com/office/powerpoint/2010/main" val="948683457"/>
+      </p:ext>
+    </p:extLst>
+  </p:cSld>
+  <p:clrMapOvr>
+    <a:masterClrMapping/>
+  </p:clrMapOvr>
+  <p:transition spd="med"/>
+</p:sld>
+</file>
+
+<file path=ppt/slides/slide125.xml><?xml version="1.0" encoding="utf-8"?>
+<p:sld xmlns:a="http://schemas.openxmlformats.org/drawingml/2006/main" xmlns:r="http://schemas.openxmlformats.org/officeDocument/2006/relationships" xmlns:p="http://schemas.openxmlformats.org/presentationml/2006/main">
+  <p:cSld>
+    <p:spTree>
+      <p:nvGrpSpPr>
+        <p:cNvPr id="1" name=""/>
+        <p:cNvGrpSpPr/>
+        <p:nvPr/>
+      </p:nvGrpSpPr>
+      <p:grpSpPr>
+        <a:xfrm>
+          <a:off x="0" y="0"/>
+          <a:ext cx="0" cy="0"/>
+          <a:chOff x="0" y="0"/>
+          <a:chExt cx="0" cy="0"/>
+        </a:xfrm>
+      </p:grpSpPr>
+      <p:sp>
+        <p:nvSpPr>
+          <p:cNvPr id="4" name="Título 3">
+            <a:extLst>
+              <a:ext uri="{FF2B5EF4-FFF2-40B4-BE49-F238E27FC236}">
+                <a16:creationId xmlns:a16="http://schemas.microsoft.com/office/drawing/2014/main" id="{8A4C52A0-42D9-47BB-966A-7FE92FDBFA2D}"/>
+              </a:ext>
+            </a:extLst>
+          </p:cNvPr>
+          <p:cNvSpPr>
+            <a:spLocks noGrp="1"/>
+          </p:cNvSpPr>
+          <p:nvPr>
+            <p:ph type="title"/>
+          </p:nvPr>
+        </p:nvSpPr>
+        <p:spPr/>
+        <p:txBody>
+          <a:bodyPr>
+            <a:normAutofit/>
+          </a:bodyPr>
+          <a:lstStyle/>
+          <a:p>
+            <a:r>
+              <a:rPr lang="pt-BR" dirty="0"/>
+              <a:t>Associação</a:t>
+            </a:r>
+          </a:p>
+        </p:txBody>
+      </p:sp>
+      <p:sp>
+        <p:nvSpPr>
+          <p:cNvPr id="5" name="Espaço Reservado para Conteúdo 4">
+            <a:extLst>
+              <a:ext uri="{FF2B5EF4-FFF2-40B4-BE49-F238E27FC236}">
+                <a16:creationId xmlns:a16="http://schemas.microsoft.com/office/drawing/2014/main" id="{1FBD8255-54D1-42B3-9B71-2D45D227E6FC}"/>
+              </a:ext>
+            </a:extLst>
+          </p:cNvPr>
+          <p:cNvSpPr>
+            <a:spLocks noGrp="1"/>
+          </p:cNvSpPr>
+          <p:nvPr>
+            <p:ph type="body" idx="1"/>
+          </p:nvPr>
+        </p:nvSpPr>
+        <p:spPr>
+          <a:xfrm>
+            <a:off x="1712546" y="2511225"/>
+            <a:ext cx="21005800" cy="10609446"/>
+          </a:xfrm>
+          <a:solidFill>
+            <a:schemeClr val="bg1"/>
+          </a:solidFill>
+        </p:spPr>
+        <p:txBody>
+          <a:bodyPr>
+            <a:noAutofit/>
+          </a:bodyPr>
+          <a:lstStyle/>
+          <a:p>
+            <a:pPr>
+              <a:buSzPct val="100000"/>
+            </a:pPr>
+            <a:r>
+              <a:rPr lang="pt-BR" sz="3200" dirty="0">
+                <a:cs typeface="Courier New" panose="02070309020205020404" pitchFamily="49" charset="0"/>
+              </a:rPr>
+              <a:t>Do ponto de vista de implementação, composição e agregação são idênticos, mas conceitualmente são diferentes. Essa divisão surgiu principalmente por conta da UML, pois a visualização das duas associações é diferente. No entanto, quando estamos falando de implementação do código, a execução é a mesma.</a:t>
+            </a:r>
+          </a:p>
+          <a:p>
+            <a:pPr>
+              <a:buSzPct val="100000"/>
+            </a:pPr>
+            <a:r>
+              <a:rPr lang="pt-BR" sz="3200" dirty="0">
+                <a:cs typeface="Courier New" panose="02070309020205020404" pitchFamily="49" charset="0"/>
+              </a:rPr>
+              <a:t>Por fim, temos a associação comportamental, no caso, a dependência. Muitas vezes precisamos passar objetos como parâmetros para os métodos, ou mesmo instanciar objetos dentro do corpo dos métodos. Com isso, temos acessos aos membros desses objetos/classes para nos “ajudar” a realizar as atividades necessárias. Isto nada mais é do que um outro exemplo de associação, porém essa agora não está ligada à estrutura da classe/objeto, já que não é um atributo.</a:t>
+            </a:r>
+          </a:p>
+        </p:txBody>
+      </p:sp>
+      <p:sp>
+        <p:nvSpPr>
+          <p:cNvPr id="7" name="Espaço Reservado para Número de Slide 6">
+            <a:extLst>
+              <a:ext uri="{FF2B5EF4-FFF2-40B4-BE49-F238E27FC236}">
+                <a16:creationId xmlns:a16="http://schemas.microsoft.com/office/drawing/2014/main" id="{40C5ECBA-0615-433C-B308-162C7F749201}"/>
+              </a:ext>
+            </a:extLst>
+          </p:cNvPr>
+          <p:cNvSpPr>
+            <a:spLocks noGrp="1"/>
+          </p:cNvSpPr>
+          <p:nvPr>
+            <p:ph type="sldNum" sz="quarter" idx="10"/>
+          </p:nvPr>
+        </p:nvSpPr>
+        <p:spPr/>
+        <p:txBody>
+          <a:bodyPr/>
+          <a:lstStyle/>
+          <a:p>
+            <a:fld id="{E4B35BDD-CC3D-4492-88ED-922B282360E3}" type="slidenum">
+              <a:rPr lang="pt-BR" smtClean="0"/>
+              <a:t>125</a:t>
+            </a:fld>
+            <a:endParaRPr lang="pt-BR" dirty="0"/>
+          </a:p>
+        </p:txBody>
+      </p:sp>
+    </p:spTree>
+    <p:extLst>
+      <p:ext uri="{BB962C8B-B14F-4D97-AF65-F5344CB8AC3E}">
+        <p14:creationId xmlns:p14="http://schemas.microsoft.com/office/powerpoint/2010/main" val="3254223265"/>
+      </p:ext>
+    </p:extLst>
+  </p:cSld>
+  <p:clrMapOvr>
+    <a:masterClrMapping/>
+  </p:clrMapOvr>
+  <p:transition spd="med"/>
+</p:sld>
+</file>
+
+<file path=ppt/slides/slide126.xml><?xml version="1.0" encoding="utf-8"?>
+<p:sld xmlns:a="http://schemas.openxmlformats.org/drawingml/2006/main" xmlns:r="http://schemas.openxmlformats.org/officeDocument/2006/relationships" xmlns:p="http://schemas.openxmlformats.org/presentationml/2006/main">
+  <p:cSld>
+    <p:spTree>
+      <p:nvGrpSpPr>
+        <p:cNvPr id="1" name=""/>
+        <p:cNvGrpSpPr/>
+        <p:nvPr/>
+      </p:nvGrpSpPr>
+      <p:grpSpPr>
+        <a:xfrm>
+          <a:off x="0" y="0"/>
+          <a:ext cx="0" cy="0"/>
+          <a:chOff x="0" y="0"/>
+          <a:chExt cx="0" cy="0"/>
+        </a:xfrm>
+      </p:grpSpPr>
+      <p:sp>
+        <p:nvSpPr>
+          <p:cNvPr id="4" name="Título 3">
+            <a:extLst>
+              <a:ext uri="{FF2B5EF4-FFF2-40B4-BE49-F238E27FC236}">
+                <a16:creationId xmlns:a16="http://schemas.microsoft.com/office/drawing/2014/main" id="{8A4C52A0-42D9-47BB-966A-7FE92FDBFA2D}"/>
+              </a:ext>
+            </a:extLst>
+          </p:cNvPr>
+          <p:cNvSpPr>
+            <a:spLocks noGrp="1"/>
+          </p:cNvSpPr>
+          <p:nvPr>
+            <p:ph type="title"/>
+          </p:nvPr>
+        </p:nvSpPr>
+        <p:spPr/>
+        <p:txBody>
+          <a:bodyPr>
+            <a:normAutofit/>
+          </a:bodyPr>
+          <a:lstStyle/>
+          <a:p>
+            <a:r>
+              <a:rPr lang="pt-BR" dirty="0"/>
+              <a:t>Associação</a:t>
+            </a:r>
+          </a:p>
+        </p:txBody>
+      </p:sp>
+      <p:sp>
+        <p:nvSpPr>
+          <p:cNvPr id="5" name="Espaço Reservado para Conteúdo 4">
+            <a:extLst>
+              <a:ext uri="{FF2B5EF4-FFF2-40B4-BE49-F238E27FC236}">
+                <a16:creationId xmlns:a16="http://schemas.microsoft.com/office/drawing/2014/main" id="{1FBD8255-54D1-42B3-9B71-2D45D227E6FC}"/>
+              </a:ext>
+            </a:extLst>
+          </p:cNvPr>
+          <p:cNvSpPr>
+            <a:spLocks noGrp="1"/>
+          </p:cNvSpPr>
+          <p:nvPr>
+            <p:ph type="body" idx="1"/>
+          </p:nvPr>
+        </p:nvSpPr>
+        <p:spPr>
+          <a:xfrm>
+            <a:off x="1712546" y="2511225"/>
+            <a:ext cx="21005800" cy="10609446"/>
+          </a:xfrm>
+          <a:solidFill>
+            <a:schemeClr val="bg1"/>
+          </a:solidFill>
+        </p:spPr>
+        <p:txBody>
+          <a:bodyPr>
+            <a:noAutofit/>
+          </a:bodyPr>
+          <a:lstStyle/>
+          <a:p>
+            <a:pPr>
+              <a:buSzPct val="100000"/>
+            </a:pPr>
+            <a:r>
+              <a:rPr lang="pt-BR" sz="3200" dirty="0">
+                <a:cs typeface="Courier New" panose="02070309020205020404" pitchFamily="49" charset="0"/>
+              </a:rPr>
+              <a:t>Características de uma associação:</a:t>
+            </a:r>
+          </a:p>
+          <a:p>
+            <a:pPr lvl="1">
+              <a:buSzPct val="100000"/>
+            </a:pPr>
+            <a:r>
+              <a:rPr lang="pt-BR" sz="2800" dirty="0">
+                <a:cs typeface="Courier New" panose="02070309020205020404" pitchFamily="49" charset="0"/>
+              </a:rPr>
+              <a:t>As associações possuem algumas características que visam facilitar a sua usabilidade e também o seu entendimento. A seguir, serão demonstradas situações que visam expor essas características.</a:t>
+            </a:r>
+          </a:p>
+          <a:p>
+            <a:pPr lvl="1">
+              <a:buSzPct val="100000"/>
+            </a:pPr>
+            <a:r>
+              <a:rPr lang="pt-BR" sz="2800" dirty="0">
+                <a:cs typeface="Courier New" panose="02070309020205020404" pitchFamily="49" charset="0"/>
+              </a:rPr>
+              <a:t>Geralmente, os hospitais atendem pacientes por meio de um plano de saúde. Nestes planos, existe um conceito que é o beneficiário, uma pessoa que possui um plano para cobrir suas necessidades médias. Esse beneficiário termina se transformando no paciente quando ele é atendido no hospital.</a:t>
+            </a:r>
+          </a:p>
+          <a:p>
+            <a:pPr lvl="1">
+              <a:buSzPct val="100000"/>
+            </a:pPr>
+            <a:r>
+              <a:rPr lang="pt-BR" sz="2800" dirty="0">
+                <a:cs typeface="Courier New" panose="02070309020205020404" pitchFamily="49" charset="0"/>
+              </a:rPr>
+              <a:t>É comum também que ele possua dependentes, tipo uma mãe que paga o plano de saúde de seu filho, juntamente com seu próprio plano. Assim, define-se um autorrelacionamento, pois tanto a mãe quanto o filho são beneficiários. A diferença é que o filho está relacionado com a mãe (depende dela).</a:t>
+            </a:r>
+          </a:p>
+          <a:p>
+            <a:pPr lvl="1">
+              <a:buSzPct val="100000"/>
+            </a:pPr>
+            <a:r>
+              <a:rPr lang="pt-BR" sz="2800" dirty="0">
+                <a:cs typeface="Courier New" panose="02070309020205020404" pitchFamily="49" charset="0"/>
+              </a:rPr>
+              <a:t>Para identificar separadamente o titular e o dependente, poderíamos definir um atributo. A codificação a seguir ilustra essa situação.</a:t>
+            </a:r>
+          </a:p>
+          <a:p>
+            <a:pPr lvl="1">
+              <a:buSzPct val="100000"/>
+            </a:pPr>
+            <a:r>
+              <a:rPr lang="pt-BR" sz="2800" dirty="0">
+                <a:cs typeface="Courier New" panose="02070309020205020404" pitchFamily="49" charset="0"/>
+              </a:rPr>
+              <a:t>O atributo </a:t>
+            </a:r>
+            <a:r>
+              <a:rPr lang="pt-BR" sz="2800" b="1" dirty="0">
+                <a:cs typeface="Courier New" panose="02070309020205020404" pitchFamily="49" charset="0"/>
+              </a:rPr>
+              <a:t>dependente</a:t>
+            </a:r>
+            <a:r>
+              <a:rPr lang="pt-BR" sz="2800" dirty="0">
+                <a:cs typeface="Courier New" panose="02070309020205020404" pitchFamily="49" charset="0"/>
+              </a:rPr>
+              <a:t> na classe </a:t>
+            </a:r>
+            <a:r>
+              <a:rPr lang="pt-BR" sz="2800" b="1" dirty="0" err="1">
+                <a:cs typeface="Courier New" panose="02070309020205020404" pitchFamily="49" charset="0"/>
+              </a:rPr>
+              <a:t>Beneficiario</a:t>
+            </a:r>
+            <a:r>
+              <a:rPr lang="pt-BR" sz="2800" dirty="0">
+                <a:cs typeface="Courier New" panose="02070309020205020404" pitchFamily="49" charset="0"/>
+              </a:rPr>
+              <a:t> é do seu próprio tipo. Isto é uma associação</a:t>
+            </a:r>
+            <a:br>
+              <a:rPr lang="pt-BR" sz="2800" dirty="0">
+                <a:cs typeface="Courier New" panose="02070309020205020404" pitchFamily="49" charset="0"/>
+              </a:rPr>
+            </a:br>
+            <a:r>
+              <a:rPr lang="pt-BR" sz="2800" i="1" dirty="0">
+                <a:cs typeface="Courier New" panose="02070309020205020404" pitchFamily="49" charset="0"/>
+              </a:rPr>
+              <a:t>unária</a:t>
+            </a:r>
+            <a:r>
+              <a:rPr lang="pt-BR" sz="2800" dirty="0">
+                <a:cs typeface="Courier New" panose="02070309020205020404" pitchFamily="49" charset="0"/>
+              </a:rPr>
+              <a:t>, pois somente uma classe/objeto foi usada, no caso, a classe </a:t>
+            </a:r>
+            <a:r>
+              <a:rPr lang="pt-BR" sz="2800" b="1" dirty="0" err="1">
+                <a:cs typeface="Courier New" panose="02070309020205020404" pitchFamily="49" charset="0"/>
+              </a:rPr>
+              <a:t>Beneficiario</a:t>
+            </a:r>
+            <a:r>
+              <a:rPr lang="pt-BR" sz="2800" dirty="0">
+                <a:cs typeface="Courier New" panose="02070309020205020404" pitchFamily="49" charset="0"/>
+              </a:rPr>
+              <a:t>. Para </a:t>
+            </a:r>
+            <a:br>
+              <a:rPr lang="pt-BR" sz="2800" dirty="0">
+                <a:cs typeface="Courier New" panose="02070309020205020404" pitchFamily="49" charset="0"/>
+              </a:rPr>
+            </a:br>
+            <a:r>
+              <a:rPr lang="pt-BR" sz="2800" dirty="0">
+                <a:cs typeface="Courier New" panose="02070309020205020404" pitchFamily="49" charset="0"/>
+              </a:rPr>
+              <a:t>diferenciar quem é o titular e quem é o dependente, foi criado um atributo </a:t>
+            </a:r>
+            <a:r>
+              <a:rPr lang="pt-BR" sz="2800" b="1" dirty="0" err="1">
+                <a:cs typeface="Courier New" panose="02070309020205020404" pitchFamily="49" charset="0"/>
+              </a:rPr>
+              <a:t>tipoBeneficiario</a:t>
+            </a:r>
+            <a:r>
+              <a:rPr lang="pt-BR" sz="2800" dirty="0">
+                <a:cs typeface="Courier New" panose="02070309020205020404" pitchFamily="49" charset="0"/>
+              </a:rPr>
+              <a:t>, </a:t>
+            </a:r>
+            <a:br>
+              <a:rPr lang="pt-BR" sz="2800" dirty="0">
+                <a:cs typeface="Courier New" panose="02070309020205020404" pitchFamily="49" charset="0"/>
+              </a:rPr>
+            </a:br>
+            <a:r>
+              <a:rPr lang="pt-BR" sz="2800" dirty="0">
+                <a:cs typeface="Courier New" panose="02070309020205020404" pitchFamily="49" charset="0"/>
+              </a:rPr>
+              <a:t>no qual possíveis valores poderiam ser “titular” ou “dependente”.</a:t>
+            </a:r>
+          </a:p>
+          <a:p>
+            <a:pPr lvl="1">
+              <a:buSzPct val="100000"/>
+            </a:pPr>
+            <a:endParaRPr lang="pt-BR" sz="2800" i="1" dirty="0">
+              <a:cs typeface="Courier New" panose="02070309020205020404" pitchFamily="49" charset="0"/>
+            </a:endParaRPr>
+          </a:p>
+        </p:txBody>
+      </p:sp>
+      <p:sp>
+        <p:nvSpPr>
+          <p:cNvPr id="7" name="Espaço Reservado para Número de Slide 6">
+            <a:extLst>
+              <a:ext uri="{FF2B5EF4-FFF2-40B4-BE49-F238E27FC236}">
+                <a16:creationId xmlns:a16="http://schemas.microsoft.com/office/drawing/2014/main" id="{40C5ECBA-0615-433C-B308-162C7F749201}"/>
+              </a:ext>
+            </a:extLst>
+          </p:cNvPr>
+          <p:cNvSpPr>
+            <a:spLocks noGrp="1"/>
+          </p:cNvSpPr>
+          <p:nvPr>
+            <p:ph type="sldNum" sz="quarter" idx="10"/>
+          </p:nvPr>
+        </p:nvSpPr>
+        <p:spPr/>
+        <p:txBody>
+          <a:bodyPr/>
+          <a:lstStyle/>
+          <a:p>
+            <a:fld id="{E4B35BDD-CC3D-4492-88ED-922B282360E3}" type="slidenum">
+              <a:rPr lang="pt-BR" smtClean="0"/>
+              <a:t>126</a:t>
+            </a:fld>
+            <a:endParaRPr lang="pt-BR" dirty="0"/>
+          </a:p>
+        </p:txBody>
+      </p:sp>
+      <p:pic>
+        <p:nvPicPr>
+          <p:cNvPr id="3" name="Imagem 2">
+            <a:extLst>
+              <a:ext uri="{FF2B5EF4-FFF2-40B4-BE49-F238E27FC236}">
+                <a16:creationId xmlns:a16="http://schemas.microsoft.com/office/drawing/2014/main" id="{757C3070-3EA7-4DC3-806C-DA6A057AF7D9}"/>
+              </a:ext>
+            </a:extLst>
+          </p:cNvPr>
+          <p:cNvPicPr>
+            <a:picLocks noChangeAspect="1"/>
+          </p:cNvPicPr>
+          <p:nvPr/>
+        </p:nvPicPr>
+        <p:blipFill>
+          <a:blip r:embed="rId2"/>
+          <a:stretch>
+            <a:fillRect/>
+          </a:stretch>
+        </p:blipFill>
+        <p:spPr>
+          <a:xfrm>
+            <a:off x="17466884" y="8277716"/>
+            <a:ext cx="5286296" cy="4803284"/>
+          </a:xfrm>
+          <a:prstGeom prst="rect">
+            <a:avLst/>
+          </a:prstGeom>
+        </p:spPr>
+      </p:pic>
+    </p:spTree>
+    <p:extLst>
+      <p:ext uri="{BB962C8B-B14F-4D97-AF65-F5344CB8AC3E}">
+        <p14:creationId xmlns:p14="http://schemas.microsoft.com/office/powerpoint/2010/main" val="1526136897"/>
+      </p:ext>
+    </p:extLst>
+  </p:cSld>
+  <p:clrMapOvr>
+    <a:masterClrMapping/>
+  </p:clrMapOvr>
+  <p:transition spd="med"/>
+</p:sld>
+</file>
+
+<file path=ppt/slides/slide127.xml><?xml version="1.0" encoding="utf-8"?>
+<p:sld xmlns:a="http://schemas.openxmlformats.org/drawingml/2006/main" xmlns:r="http://schemas.openxmlformats.org/officeDocument/2006/relationships" xmlns:p="http://schemas.openxmlformats.org/presentationml/2006/main">
+  <p:cSld>
+    <p:spTree>
+      <p:nvGrpSpPr>
+        <p:cNvPr id="1" name=""/>
+        <p:cNvGrpSpPr/>
+        <p:nvPr/>
+      </p:nvGrpSpPr>
+      <p:grpSpPr>
+        <a:xfrm>
+          <a:off x="0" y="0"/>
+          <a:ext cx="0" cy="0"/>
+          <a:chOff x="0" y="0"/>
+          <a:chExt cx="0" cy="0"/>
+        </a:xfrm>
+      </p:grpSpPr>
+      <p:sp>
+        <p:nvSpPr>
+          <p:cNvPr id="4" name="Título 3">
+            <a:extLst>
+              <a:ext uri="{FF2B5EF4-FFF2-40B4-BE49-F238E27FC236}">
+                <a16:creationId xmlns:a16="http://schemas.microsoft.com/office/drawing/2014/main" id="{8A4C52A0-42D9-47BB-966A-7FE92FDBFA2D}"/>
+              </a:ext>
+            </a:extLst>
+          </p:cNvPr>
+          <p:cNvSpPr>
+            <a:spLocks noGrp="1"/>
+          </p:cNvSpPr>
+          <p:nvPr>
+            <p:ph type="title"/>
+          </p:nvPr>
+        </p:nvSpPr>
+        <p:spPr/>
+        <p:txBody>
+          <a:bodyPr>
+            <a:normAutofit/>
+          </a:bodyPr>
+          <a:lstStyle/>
+          <a:p>
+            <a:r>
+              <a:rPr lang="pt-BR" dirty="0"/>
+              <a:t>Associação</a:t>
+            </a:r>
+          </a:p>
+        </p:txBody>
+      </p:sp>
+      <p:sp>
+        <p:nvSpPr>
+          <p:cNvPr id="5" name="Espaço Reservado para Conteúdo 4">
+            <a:extLst>
+              <a:ext uri="{FF2B5EF4-FFF2-40B4-BE49-F238E27FC236}">
+                <a16:creationId xmlns:a16="http://schemas.microsoft.com/office/drawing/2014/main" id="{1FBD8255-54D1-42B3-9B71-2D45D227E6FC}"/>
+              </a:ext>
+            </a:extLst>
+          </p:cNvPr>
+          <p:cNvSpPr>
+            <a:spLocks noGrp="1"/>
+          </p:cNvSpPr>
+          <p:nvPr>
+            <p:ph type="body" idx="1"/>
+          </p:nvPr>
+        </p:nvSpPr>
+        <p:spPr>
+          <a:xfrm>
+            <a:off x="1712546" y="2511225"/>
+            <a:ext cx="21005800" cy="10609446"/>
+          </a:xfrm>
+          <a:solidFill>
+            <a:schemeClr val="bg1"/>
+          </a:solidFill>
+        </p:spPr>
+        <p:txBody>
+          <a:bodyPr>
+            <a:noAutofit/>
+          </a:bodyPr>
+          <a:lstStyle/>
+          <a:p>
+            <a:pPr>
+              <a:buSzPct val="100000"/>
+            </a:pPr>
+            <a:r>
+              <a:rPr lang="pt-BR" sz="3200" dirty="0">
+                <a:cs typeface="Courier New" panose="02070309020205020404" pitchFamily="49" charset="0"/>
+              </a:rPr>
+              <a:t>Características de uma associação (cont.):</a:t>
+            </a:r>
+          </a:p>
+          <a:p>
+            <a:pPr lvl="1">
+              <a:buSzPct val="100000"/>
+            </a:pPr>
+            <a:r>
+              <a:rPr lang="pt-BR" sz="2800" dirty="0">
+                <a:cs typeface="Courier New" panose="02070309020205020404" pitchFamily="49" charset="0"/>
+              </a:rPr>
+              <a:t>Já na classe </a:t>
+            </a:r>
+            <a:r>
+              <a:rPr lang="pt-BR" sz="2800" b="1" dirty="0">
+                <a:cs typeface="Courier New" panose="02070309020205020404" pitchFamily="49" charset="0"/>
+              </a:rPr>
+              <a:t>Parto</a:t>
+            </a:r>
+            <a:r>
+              <a:rPr lang="pt-BR" sz="2800" dirty="0">
+                <a:cs typeface="Courier New" panose="02070309020205020404" pitchFamily="49" charset="0"/>
+              </a:rPr>
+              <a:t>, temos uma associação múltipla, pois vários tipos de classes são usados nas associações. </a:t>
+            </a:r>
+            <a:r>
+              <a:rPr lang="pt-BR" sz="2800" b="1" dirty="0">
+                <a:cs typeface="Courier New" panose="02070309020205020404" pitchFamily="49" charset="0"/>
+              </a:rPr>
+              <a:t>Parto</a:t>
+            </a:r>
+            <a:r>
+              <a:rPr lang="pt-BR" sz="2800" dirty="0">
+                <a:cs typeface="Courier New" panose="02070309020205020404" pitchFamily="49" charset="0"/>
+              </a:rPr>
+              <a:t> tem o atributo </a:t>
+            </a:r>
+            <a:r>
+              <a:rPr lang="pt-BR" sz="2800" b="1" dirty="0">
+                <a:cs typeface="Courier New" panose="02070309020205020404" pitchFamily="49" charset="0"/>
+              </a:rPr>
+              <a:t>sala</a:t>
+            </a:r>
+            <a:r>
+              <a:rPr lang="pt-BR" sz="2800" dirty="0">
+                <a:cs typeface="Courier New" panose="02070309020205020404" pitchFamily="49" charset="0"/>
+              </a:rPr>
+              <a:t> do tipo </a:t>
+            </a:r>
+            <a:r>
+              <a:rPr lang="pt-BR" sz="2800" b="1" dirty="0">
+                <a:cs typeface="Courier New" panose="02070309020205020404" pitchFamily="49" charset="0"/>
+              </a:rPr>
+              <a:t>Sala</a:t>
+            </a:r>
+            <a:r>
+              <a:rPr lang="pt-BR" sz="2800" dirty="0">
+                <a:cs typeface="Courier New" panose="02070309020205020404" pitchFamily="49" charset="0"/>
+              </a:rPr>
+              <a:t>, e tem um vetor de médicos do tipo </a:t>
+            </a:r>
+            <a:r>
+              <a:rPr lang="pt-BR" sz="2800" b="1" dirty="0">
+                <a:cs typeface="Courier New" panose="02070309020205020404" pitchFamily="49" charset="0"/>
+              </a:rPr>
+              <a:t>Medico</a:t>
+            </a:r>
+            <a:r>
+              <a:rPr lang="pt-BR" sz="2800" dirty="0">
+                <a:cs typeface="Courier New" panose="02070309020205020404" pitchFamily="49" charset="0"/>
+              </a:rPr>
+              <a:t>. Ou seja, teve mais de um tipo de classe envolvida na associação.</a:t>
+            </a:r>
+          </a:p>
+          <a:p>
+            <a:pPr lvl="1">
+              <a:buSzPct val="100000"/>
+            </a:pPr>
+            <a:endParaRPr lang="pt-BR" sz="2800" dirty="0">
+              <a:cs typeface="Courier New" panose="02070309020205020404" pitchFamily="49" charset="0"/>
+            </a:endParaRPr>
+          </a:p>
+          <a:p>
+            <a:pPr lvl="1">
+              <a:buSzPct val="100000"/>
+            </a:pPr>
+            <a:endParaRPr lang="pt-BR" sz="2800" dirty="0">
+              <a:cs typeface="Courier New" panose="02070309020205020404" pitchFamily="49" charset="0"/>
+            </a:endParaRPr>
+          </a:p>
+          <a:p>
+            <a:pPr lvl="1">
+              <a:buSzPct val="100000"/>
+            </a:pPr>
+            <a:r>
+              <a:rPr lang="pt-BR" sz="2800" dirty="0">
+                <a:cs typeface="Courier New" panose="02070309020205020404" pitchFamily="49" charset="0"/>
+              </a:rPr>
+              <a:t>Ainda na classe </a:t>
+            </a:r>
+            <a:r>
+              <a:rPr lang="pt-BR" sz="2800" b="1" dirty="0">
+                <a:cs typeface="Courier New" panose="02070309020205020404" pitchFamily="49" charset="0"/>
+              </a:rPr>
+              <a:t>Parto</a:t>
+            </a:r>
+            <a:r>
+              <a:rPr lang="pt-BR" sz="2800" dirty="0">
+                <a:cs typeface="Courier New" panose="02070309020205020404" pitchFamily="49" charset="0"/>
+              </a:rPr>
+              <a:t>, notamos que são exatamente 3 médicos e 1 sala envolvidos neste procedimento. Esta quantidade de médicos e sala corresponde à cardinalidade destas associações. As cardinalidades podem ter quantidades fixas, como a deste exemplo, ou não ter uma quantidade definida - ou seja, terá quantos objetos forem necessários. Ela serve para identificar quantos objetos a associação possui.</a:t>
+            </a:r>
+          </a:p>
+          <a:p>
+            <a:pPr lvl="1">
+              <a:buSzPct val="100000"/>
+            </a:pPr>
+            <a:r>
+              <a:rPr lang="pt-BR" sz="2800" dirty="0">
+                <a:cs typeface="Courier New" panose="02070309020205020404" pitchFamily="49" charset="0"/>
+              </a:rPr>
+              <a:t>Por fim, vamos ver a navegabilidade. Ela pode ser unidirecional ou bidirecional. A primeira determina que a associação acontece somente de um lado. No caso da classe </a:t>
+            </a:r>
+            <a:r>
+              <a:rPr lang="pt-BR" sz="2800" b="1" dirty="0">
+                <a:cs typeface="Courier New" panose="02070309020205020404" pitchFamily="49" charset="0"/>
+              </a:rPr>
+              <a:t>Parto</a:t>
+            </a:r>
+            <a:r>
+              <a:rPr lang="pt-BR" sz="2800" dirty="0">
+                <a:cs typeface="Courier New" panose="02070309020205020404" pitchFamily="49" charset="0"/>
+              </a:rPr>
+              <a:t>, o tipo é unidirecional, pois só é relevante saber a sala na qual o parto será executado. Assim, criou-se um atributo em </a:t>
+            </a:r>
+            <a:r>
+              <a:rPr lang="pt-BR" sz="2800" b="1" dirty="0">
+                <a:cs typeface="Courier New" panose="02070309020205020404" pitchFamily="49" charset="0"/>
+              </a:rPr>
+              <a:t>Parto</a:t>
+            </a:r>
+            <a:r>
+              <a:rPr lang="pt-BR" sz="2800" dirty="0">
+                <a:cs typeface="Courier New" panose="02070309020205020404" pitchFamily="49" charset="0"/>
+              </a:rPr>
+              <a:t> do tipo </a:t>
+            </a:r>
+            <a:r>
+              <a:rPr lang="pt-BR" sz="2800" b="1" dirty="0">
+                <a:cs typeface="Courier New" panose="02070309020205020404" pitchFamily="49" charset="0"/>
+              </a:rPr>
+              <a:t>Sala</a:t>
+            </a:r>
+            <a:r>
+              <a:rPr lang="pt-BR" sz="2800" dirty="0">
+                <a:cs typeface="Courier New" panose="02070309020205020404" pitchFamily="49" charset="0"/>
+              </a:rPr>
+              <a:t>.</a:t>
+            </a:r>
+          </a:p>
+          <a:p>
+            <a:pPr lvl="1">
+              <a:buSzPct val="100000"/>
+            </a:pPr>
+            <a:r>
+              <a:rPr lang="pt-BR" sz="2800" dirty="0">
+                <a:cs typeface="Courier New" panose="02070309020205020404" pitchFamily="49" charset="0"/>
+              </a:rPr>
+              <a:t>Caso fosse necessário saber a qual procedimento uma sala </a:t>
+            </a:r>
+            <a:br>
+              <a:rPr lang="pt-BR" sz="2800" dirty="0">
+                <a:cs typeface="Courier New" panose="02070309020205020404" pitchFamily="49" charset="0"/>
+              </a:rPr>
+            </a:br>
+            <a:r>
+              <a:rPr lang="pt-BR" sz="2800" dirty="0">
+                <a:cs typeface="Courier New" panose="02070309020205020404" pitchFamily="49" charset="0"/>
+              </a:rPr>
+              <a:t>pertencesse, deveríamos então ter um vetor de </a:t>
+            </a:r>
+            <a:r>
+              <a:rPr lang="pt-BR" sz="2800" b="1" dirty="0">
+                <a:cs typeface="Courier New" panose="02070309020205020404" pitchFamily="49" charset="0"/>
+              </a:rPr>
+              <a:t>Parto</a:t>
+            </a:r>
+            <a:r>
+              <a:rPr lang="pt-BR" sz="2800" dirty="0">
+                <a:cs typeface="Courier New" panose="02070309020205020404" pitchFamily="49" charset="0"/>
+              </a:rPr>
+              <a:t> na classe </a:t>
+            </a:r>
+            <a:br>
+              <a:rPr lang="pt-BR" sz="2800" dirty="0">
+                <a:cs typeface="Courier New" panose="02070309020205020404" pitchFamily="49" charset="0"/>
+              </a:rPr>
+            </a:br>
+            <a:r>
+              <a:rPr lang="pt-BR" sz="2800" b="1" dirty="0">
+                <a:cs typeface="Courier New" panose="02070309020205020404" pitchFamily="49" charset="0"/>
+              </a:rPr>
+              <a:t>Sala</a:t>
+            </a:r>
+            <a:r>
+              <a:rPr lang="pt-BR" sz="2800" dirty="0">
+                <a:cs typeface="Courier New" panose="02070309020205020404" pitchFamily="49" charset="0"/>
+              </a:rPr>
+              <a:t>, pois só assim seria possível obter essa rastreabilidade. Ao </a:t>
+            </a:r>
+            <a:br>
+              <a:rPr lang="pt-BR" sz="2800" dirty="0">
+                <a:cs typeface="Courier New" panose="02070309020205020404" pitchFamily="49" charset="0"/>
+              </a:rPr>
+            </a:br>
+            <a:r>
+              <a:rPr lang="pt-BR" sz="2800" dirty="0">
+                <a:cs typeface="Courier New" panose="02070309020205020404" pitchFamily="49" charset="0"/>
+              </a:rPr>
+              <a:t>fazer isso, a navegabilidade seria bidirecional, pois as duas </a:t>
+            </a:r>
+            <a:br>
+              <a:rPr lang="pt-BR" sz="2800" dirty="0">
+                <a:cs typeface="Courier New" panose="02070309020205020404" pitchFamily="49" charset="0"/>
+              </a:rPr>
+            </a:br>
+            <a:r>
+              <a:rPr lang="pt-BR" sz="2800" dirty="0">
+                <a:cs typeface="Courier New" panose="02070309020205020404" pitchFamily="49" charset="0"/>
+              </a:rPr>
+              <a:t>classes envolvidas tinham uma a referência da outra.</a:t>
+            </a:r>
+          </a:p>
+        </p:txBody>
+      </p:sp>
+      <p:sp>
+        <p:nvSpPr>
+          <p:cNvPr id="7" name="Espaço Reservado para Número de Slide 6">
+            <a:extLst>
+              <a:ext uri="{FF2B5EF4-FFF2-40B4-BE49-F238E27FC236}">
+                <a16:creationId xmlns:a16="http://schemas.microsoft.com/office/drawing/2014/main" id="{40C5ECBA-0615-433C-B308-162C7F749201}"/>
+              </a:ext>
+            </a:extLst>
+          </p:cNvPr>
+          <p:cNvSpPr>
+            <a:spLocks noGrp="1"/>
+          </p:cNvSpPr>
+          <p:nvPr>
+            <p:ph type="sldNum" sz="quarter" idx="10"/>
+          </p:nvPr>
+        </p:nvSpPr>
+        <p:spPr/>
+        <p:txBody>
+          <a:bodyPr/>
+          <a:lstStyle/>
+          <a:p>
+            <a:fld id="{E4B35BDD-CC3D-4492-88ED-922B282360E3}" type="slidenum">
+              <a:rPr lang="pt-BR" smtClean="0"/>
+              <a:t>127</a:t>
+            </a:fld>
+            <a:endParaRPr lang="pt-BR" dirty="0"/>
+          </a:p>
+        </p:txBody>
+      </p:sp>
+      <p:pic>
+        <p:nvPicPr>
+          <p:cNvPr id="6" name="Imagem 5">
+            <a:extLst>
+              <a:ext uri="{FF2B5EF4-FFF2-40B4-BE49-F238E27FC236}">
+                <a16:creationId xmlns:a16="http://schemas.microsoft.com/office/drawing/2014/main" id="{F648D392-3B2A-48B3-A77C-EA5E4EAF2326}"/>
+              </a:ext>
+            </a:extLst>
+          </p:cNvPr>
+          <p:cNvPicPr>
+            <a:picLocks noChangeAspect="1"/>
+          </p:cNvPicPr>
+          <p:nvPr/>
+        </p:nvPicPr>
+        <p:blipFill>
+          <a:blip r:embed="rId2"/>
+          <a:stretch>
+            <a:fillRect/>
+          </a:stretch>
+        </p:blipFill>
+        <p:spPr>
+          <a:xfrm>
+            <a:off x="6868934" y="4665785"/>
+            <a:ext cx="10646132" cy="1899138"/>
+          </a:xfrm>
+          <a:prstGeom prst="rect">
+            <a:avLst/>
+          </a:prstGeom>
+        </p:spPr>
+      </p:pic>
+      <p:pic>
+        <p:nvPicPr>
+          <p:cNvPr id="11" name="Imagem 10">
+            <a:extLst>
+              <a:ext uri="{FF2B5EF4-FFF2-40B4-BE49-F238E27FC236}">
+                <a16:creationId xmlns:a16="http://schemas.microsoft.com/office/drawing/2014/main" id="{65BD8C3A-CAC0-4690-90A9-54ED8BE40634}"/>
+              </a:ext>
+            </a:extLst>
+          </p:cNvPr>
+          <p:cNvPicPr>
+            <a:picLocks noChangeAspect="1"/>
+          </p:cNvPicPr>
+          <p:nvPr/>
+        </p:nvPicPr>
+        <p:blipFill>
+          <a:blip r:embed="rId3"/>
+          <a:stretch>
+            <a:fillRect/>
+          </a:stretch>
+        </p:blipFill>
+        <p:spPr>
+          <a:xfrm>
+            <a:off x="12622430" y="9722693"/>
+            <a:ext cx="10291635" cy="3454043"/>
+          </a:xfrm>
+          <a:prstGeom prst="rect">
+            <a:avLst/>
+          </a:prstGeom>
+        </p:spPr>
+      </p:pic>
+    </p:spTree>
+    <p:extLst>
+      <p:ext uri="{BB962C8B-B14F-4D97-AF65-F5344CB8AC3E}">
+        <p14:creationId xmlns:p14="http://schemas.microsoft.com/office/powerpoint/2010/main" val="1003257798"/>
+      </p:ext>
+    </p:extLst>
+  </p:cSld>
+  <p:clrMapOvr>
+    <a:masterClrMapping/>
+  </p:clrMapOvr>
+  <p:transition spd="med"/>
+</p:sld>
+</file>
+
+<file path=ppt/slides/slide128.xml><?xml version="1.0" encoding="utf-8"?>
+<p:sld xmlns:a="http://schemas.openxmlformats.org/drawingml/2006/main" xmlns:r="http://schemas.openxmlformats.org/officeDocument/2006/relationships" xmlns:p="http://schemas.openxmlformats.org/presentationml/2006/main">
+  <p:cSld>
+    <p:spTree>
+      <p:nvGrpSpPr>
+        <p:cNvPr id="1" name=""/>
+        <p:cNvGrpSpPr/>
+        <p:nvPr/>
+      </p:nvGrpSpPr>
+      <p:grpSpPr>
+        <a:xfrm>
+          <a:off x="0" y="0"/>
+          <a:ext cx="0" cy="0"/>
+          <a:chOff x="0" y="0"/>
+          <a:chExt cx="0" cy="0"/>
+        </a:xfrm>
+      </p:grpSpPr>
+      <p:sp>
+        <p:nvSpPr>
+          <p:cNvPr id="4" name="Título 3">
+            <a:extLst>
+              <a:ext uri="{FF2B5EF4-FFF2-40B4-BE49-F238E27FC236}">
+                <a16:creationId xmlns:a16="http://schemas.microsoft.com/office/drawing/2014/main" id="{8A4C52A0-42D9-47BB-966A-7FE92FDBFA2D}"/>
+              </a:ext>
+            </a:extLst>
+          </p:cNvPr>
+          <p:cNvSpPr>
+            <a:spLocks noGrp="1"/>
+          </p:cNvSpPr>
+          <p:nvPr>
+            <p:ph type="title"/>
+          </p:nvPr>
+        </p:nvSpPr>
+        <p:spPr/>
+        <p:txBody>
+          <a:bodyPr>
+            <a:normAutofit/>
+          </a:bodyPr>
+          <a:lstStyle/>
+          <a:p>
+            <a:r>
+              <a:rPr lang="pt-BR" dirty="0"/>
+              <a:t>Interface</a:t>
+            </a:r>
+          </a:p>
+        </p:txBody>
+      </p:sp>
+      <p:sp>
+        <p:nvSpPr>
+          <p:cNvPr id="5" name="Espaço Reservado para Conteúdo 4">
+            <a:extLst>
+              <a:ext uri="{FF2B5EF4-FFF2-40B4-BE49-F238E27FC236}">
+                <a16:creationId xmlns:a16="http://schemas.microsoft.com/office/drawing/2014/main" id="{1FBD8255-54D1-42B3-9B71-2D45D227E6FC}"/>
+              </a:ext>
+            </a:extLst>
+          </p:cNvPr>
+          <p:cNvSpPr>
+            <a:spLocks noGrp="1"/>
+          </p:cNvSpPr>
+          <p:nvPr>
+            <p:ph type="body" idx="1"/>
+          </p:nvPr>
+        </p:nvSpPr>
+        <p:spPr>
+          <a:xfrm>
+            <a:off x="1712546" y="2511225"/>
+            <a:ext cx="21005800" cy="10609446"/>
+          </a:xfrm>
+          <a:solidFill>
+            <a:schemeClr val="bg1"/>
+          </a:solidFill>
+        </p:spPr>
+        <p:txBody>
+          <a:bodyPr>
+            <a:noAutofit/>
+          </a:bodyPr>
+          <a:lstStyle/>
+          <a:p>
+            <a:pPr>
+              <a:buSzPct val="100000"/>
+            </a:pPr>
+            <a:r>
+              <a:rPr lang="pt-BR" sz="3200" dirty="0">
+                <a:cs typeface="Courier New" panose="02070309020205020404" pitchFamily="49" charset="0"/>
+              </a:rPr>
+              <a:t>Em algumas aplicações orientadas a objetos que necessitam de uma modelagem um pouco mais elaborada, muitas vezes é preciso determinar um conjunto de métodos que devem obrigatoriamente ser usados. Porém, como eles são realmente implementados, não importa a quem definiu tal conjunto. Essa obrigatoriedade de definição de métodos é chamada de interface.</a:t>
+            </a:r>
+          </a:p>
+          <a:p>
+            <a:pPr>
+              <a:buSzPct val="100000"/>
+            </a:pPr>
+            <a:r>
+              <a:rPr lang="pt-BR" sz="3200" i="1" dirty="0">
+                <a:cs typeface="Courier New" panose="02070309020205020404" pitchFamily="49" charset="0"/>
+              </a:rPr>
+              <a:t>Interface define um contrato que deve ser seguido pela classe que a implementa. Quando uma classe implementa uma interface, ela se compromete a realizar todos os comportamentos que a interface disponibiliza.</a:t>
+            </a:r>
+            <a:endParaRPr lang="pt-BR" sz="3200" dirty="0">
+              <a:cs typeface="Courier New" panose="02070309020205020404" pitchFamily="49" charset="0"/>
+            </a:endParaRPr>
+          </a:p>
+          <a:p>
+            <a:pPr>
+              <a:buSzPct val="100000"/>
+            </a:pPr>
+            <a:r>
+              <a:rPr lang="pt-BR" sz="3200" dirty="0">
+                <a:cs typeface="Courier New" panose="02070309020205020404" pitchFamily="49" charset="0"/>
+              </a:rPr>
+              <a:t>Por exemplo, imagine que o hospital que estamos usando como exemplo terá que prestar contas ao Ministério da Saúde. Ele sabe que deve informar ao ministério quanto faturou no mês corrente, quais procedimentos foram executados, entre outras necessidades.</a:t>
+            </a:r>
+          </a:p>
+          <a:p>
+            <a:pPr>
+              <a:buSzPct val="100000"/>
+            </a:pPr>
+            <a:r>
+              <a:rPr lang="pt-BR" sz="3200" dirty="0">
+                <a:cs typeface="Courier New" panose="02070309020205020404" pitchFamily="49" charset="0"/>
+              </a:rPr>
+              <a:t>O próprio ministério sabe que precisa dessas informações, mas não sabe como obtê-las, afinal, elas estão em poder do hospital. É para possibilitar essa troca de informações entre o hospital e o ministério, que deve ser definida uma interface.</a:t>
+            </a:r>
+          </a:p>
+          <a:p>
+            <a:pPr>
+              <a:buSzPct val="100000"/>
+            </a:pPr>
+            <a:r>
+              <a:rPr lang="pt-BR" sz="3200" dirty="0">
+                <a:cs typeface="Courier New" panose="02070309020205020404" pitchFamily="49" charset="0"/>
+              </a:rPr>
+              <a:t>Assim, o ministério deve disponibilizar um conjunto de métodos (no caso, a interface), para que o hospital seja obrigado e tenha como fornecê-las. Para o ministério, não importa quais atividades foram realizadas para se chegar a tais informações, apenas importa as informações em si. Como estas foram obtidas é de responsabilidade do hospital.</a:t>
+            </a:r>
+          </a:p>
+        </p:txBody>
+      </p:sp>
+      <p:sp>
+        <p:nvSpPr>
+          <p:cNvPr id="7" name="Espaço Reservado para Número de Slide 6">
+            <a:extLst>
+              <a:ext uri="{FF2B5EF4-FFF2-40B4-BE49-F238E27FC236}">
+                <a16:creationId xmlns:a16="http://schemas.microsoft.com/office/drawing/2014/main" id="{40C5ECBA-0615-433C-B308-162C7F749201}"/>
+              </a:ext>
+            </a:extLst>
+          </p:cNvPr>
+          <p:cNvSpPr>
+            <a:spLocks noGrp="1"/>
+          </p:cNvSpPr>
+          <p:nvPr>
+            <p:ph type="sldNum" sz="quarter" idx="10"/>
+          </p:nvPr>
+        </p:nvSpPr>
+        <p:spPr/>
+        <p:txBody>
+          <a:bodyPr/>
+          <a:lstStyle/>
+          <a:p>
+            <a:fld id="{E4B35BDD-CC3D-4492-88ED-922B282360E3}" type="slidenum">
+              <a:rPr lang="pt-BR" smtClean="0"/>
+              <a:t>128</a:t>
+            </a:fld>
+            <a:endParaRPr lang="pt-BR" dirty="0"/>
+          </a:p>
+        </p:txBody>
+      </p:sp>
+    </p:spTree>
+    <p:extLst>
+      <p:ext uri="{BB962C8B-B14F-4D97-AF65-F5344CB8AC3E}">
+        <p14:creationId xmlns:p14="http://schemas.microsoft.com/office/powerpoint/2010/main" val="3268524756"/>
+      </p:ext>
+    </p:extLst>
+  </p:cSld>
+  <p:clrMapOvr>
+    <a:masterClrMapping/>
+  </p:clrMapOvr>
+  <p:transition spd="med"/>
+</p:sld>
+</file>
+
+<file path=ppt/slides/slide129.xml><?xml version="1.0" encoding="utf-8"?>
+<p:sld xmlns:a="http://schemas.openxmlformats.org/drawingml/2006/main" xmlns:r="http://schemas.openxmlformats.org/officeDocument/2006/relationships" xmlns:p="http://schemas.openxmlformats.org/presentationml/2006/main">
+  <p:cSld>
+    <p:spTree>
+      <p:nvGrpSpPr>
+        <p:cNvPr id="1" name=""/>
+        <p:cNvGrpSpPr/>
+        <p:nvPr/>
+      </p:nvGrpSpPr>
+      <p:grpSpPr>
+        <a:xfrm>
+          <a:off x="0" y="0"/>
+          <a:ext cx="0" cy="0"/>
+          <a:chOff x="0" y="0"/>
+          <a:chExt cx="0" cy="0"/>
+        </a:xfrm>
+      </p:grpSpPr>
+      <p:sp>
+        <p:nvSpPr>
+          <p:cNvPr id="4" name="Título 3">
+            <a:extLst>
+              <a:ext uri="{FF2B5EF4-FFF2-40B4-BE49-F238E27FC236}">
+                <a16:creationId xmlns:a16="http://schemas.microsoft.com/office/drawing/2014/main" id="{8A4C52A0-42D9-47BB-966A-7FE92FDBFA2D}"/>
+              </a:ext>
+            </a:extLst>
+          </p:cNvPr>
+          <p:cNvSpPr>
+            <a:spLocks noGrp="1"/>
+          </p:cNvSpPr>
+          <p:nvPr>
+            <p:ph type="title"/>
+          </p:nvPr>
+        </p:nvSpPr>
+        <p:spPr/>
+        <p:txBody>
+          <a:bodyPr>
+            <a:normAutofit/>
+          </a:bodyPr>
+          <a:lstStyle/>
+          <a:p>
+            <a:r>
+              <a:rPr lang="pt-BR" dirty="0"/>
+              <a:t>Interface</a:t>
+            </a:r>
+          </a:p>
+        </p:txBody>
+      </p:sp>
+      <p:sp>
+        <p:nvSpPr>
+          <p:cNvPr id="5" name="Espaço Reservado para Conteúdo 4">
+            <a:extLst>
+              <a:ext uri="{FF2B5EF4-FFF2-40B4-BE49-F238E27FC236}">
+                <a16:creationId xmlns:a16="http://schemas.microsoft.com/office/drawing/2014/main" id="{1FBD8255-54D1-42B3-9B71-2D45D227E6FC}"/>
+              </a:ext>
+            </a:extLst>
+          </p:cNvPr>
+          <p:cNvSpPr>
+            <a:spLocks noGrp="1"/>
+          </p:cNvSpPr>
+          <p:nvPr>
+            <p:ph type="body" idx="1"/>
+          </p:nvPr>
+        </p:nvSpPr>
+        <p:spPr>
+          <a:xfrm>
+            <a:off x="1712546" y="2511225"/>
+            <a:ext cx="21005800" cy="10609446"/>
+          </a:xfrm>
+          <a:solidFill>
+            <a:schemeClr val="bg1"/>
+          </a:solidFill>
+        </p:spPr>
+        <p:txBody>
+          <a:bodyPr>
+            <a:noAutofit/>
+          </a:bodyPr>
+          <a:lstStyle/>
+          <a:p>
+            <a:pPr>
+              <a:buSzPct val="100000"/>
+            </a:pPr>
+            <a:r>
+              <a:rPr lang="pt-BR" sz="3200" dirty="0">
+                <a:cs typeface="Courier New" panose="02070309020205020404" pitchFamily="49" charset="0"/>
+              </a:rPr>
+              <a:t>Quando um outro hospital for repassar suas informações, este também deverá implementar a mesma interface. Entretanto, a sua implementação poderá ser completamente diferente em relação ao primeiro hospital.</a:t>
+            </a:r>
+          </a:p>
+          <a:p>
+            <a:pPr>
+              <a:buSzPct val="100000"/>
+            </a:pPr>
+            <a:r>
+              <a:rPr lang="pt-BR" sz="3200" dirty="0">
+                <a:cs typeface="Courier New" panose="02070309020205020404" pitchFamily="49" charset="0"/>
+              </a:rPr>
+              <a:t>Essa situação reforça a definição de interface: é obrigatório prover o comportamento, mas como este será realizado para a interface é irrelevante.</a:t>
+            </a:r>
+          </a:p>
+          <a:p>
+            <a:pPr>
+              <a:buSzPct val="100000"/>
+            </a:pPr>
+            <a:r>
+              <a:rPr lang="pt-BR" sz="3200" dirty="0">
+                <a:cs typeface="Courier New" panose="02070309020205020404" pitchFamily="49" charset="0"/>
+              </a:rPr>
+              <a:t>Assim como existe uma palavra reservada para criar uma classe,</a:t>
+            </a:r>
+            <a:br>
+              <a:rPr lang="pt-BR" sz="3200" dirty="0">
+                <a:cs typeface="Courier New" panose="02070309020205020404" pitchFamily="49" charset="0"/>
+              </a:rPr>
+            </a:br>
+            <a:r>
+              <a:rPr lang="pt-BR" sz="3200" dirty="0">
+                <a:cs typeface="Courier New" panose="02070309020205020404" pitchFamily="49" charset="0"/>
+              </a:rPr>
+              <a:t>existe uma para a interface - no caso, </a:t>
+            </a:r>
+            <a:r>
+              <a:rPr lang="pt-BR" sz="3200" b="1" dirty="0">
+                <a:cs typeface="Courier New" panose="02070309020205020404" pitchFamily="49" charset="0"/>
+              </a:rPr>
+              <a:t>interface</a:t>
+            </a:r>
+            <a:r>
+              <a:rPr lang="pt-BR" sz="3200" dirty="0">
+                <a:cs typeface="Courier New" panose="02070309020205020404" pitchFamily="49" charset="0"/>
+              </a:rPr>
+              <a:t>. Em Java,</a:t>
+            </a:r>
+            <a:br>
+              <a:rPr lang="pt-BR" sz="3200" dirty="0">
+                <a:cs typeface="Courier New" panose="02070309020205020404" pitchFamily="49" charset="0"/>
+              </a:rPr>
+            </a:br>
+            <a:r>
+              <a:rPr lang="pt-BR" sz="3200" dirty="0">
+                <a:cs typeface="Courier New" panose="02070309020205020404" pitchFamily="49" charset="0"/>
+              </a:rPr>
+              <a:t>devemos usar a palavra reservada </a:t>
+            </a:r>
+            <a:r>
+              <a:rPr lang="pt-BR" sz="3200" b="1" dirty="0" err="1">
+                <a:cs typeface="Courier New" panose="02070309020205020404" pitchFamily="49" charset="0"/>
+              </a:rPr>
+              <a:t>implements</a:t>
+            </a:r>
+            <a:r>
+              <a:rPr lang="pt-BR" sz="3200" dirty="0">
+                <a:cs typeface="Courier New" panose="02070309020205020404" pitchFamily="49" charset="0"/>
+              </a:rPr>
+              <a:t>.</a:t>
+            </a:r>
+          </a:p>
+          <a:p>
+            <a:pPr>
+              <a:buSzPct val="100000"/>
+            </a:pPr>
+            <a:r>
+              <a:rPr lang="pt-BR" sz="3200" dirty="0">
+                <a:cs typeface="Courier New" panose="02070309020205020404" pitchFamily="49" charset="0"/>
+              </a:rPr>
+              <a:t>O exemplo demonstra a situação que, quando a classe </a:t>
+            </a:r>
+            <a:br>
+              <a:rPr lang="pt-BR" sz="3200" dirty="0">
+                <a:cs typeface="Courier New" panose="02070309020205020404" pitchFamily="49" charset="0"/>
+              </a:rPr>
+            </a:br>
+            <a:r>
+              <a:rPr lang="pt-BR" sz="3200" b="1" dirty="0" err="1">
+                <a:cs typeface="Courier New" panose="02070309020205020404" pitchFamily="49" charset="0"/>
+              </a:rPr>
+              <a:t>TransmissaoDadosMinisterio</a:t>
+            </a:r>
+            <a:r>
+              <a:rPr lang="pt-BR" sz="3200" dirty="0">
+                <a:cs typeface="Courier New" panose="02070309020205020404" pitchFamily="49" charset="0"/>
+              </a:rPr>
+              <a:t> implementou a interface </a:t>
+            </a:r>
+            <a:br>
+              <a:rPr lang="pt-BR" sz="3200" dirty="0">
+                <a:cs typeface="Courier New" panose="02070309020205020404" pitchFamily="49" charset="0"/>
+              </a:rPr>
+            </a:br>
+            <a:r>
+              <a:rPr lang="pt-BR" sz="3200" b="1" dirty="0" err="1">
+                <a:cs typeface="Courier New" panose="02070309020205020404" pitchFamily="49" charset="0"/>
+              </a:rPr>
+              <a:t>IDemonstrativoOperacional</a:t>
+            </a:r>
+            <a:r>
+              <a:rPr lang="pt-BR" sz="3200" dirty="0">
+                <a:cs typeface="Courier New" panose="02070309020205020404" pitchFamily="49" charset="0"/>
+              </a:rPr>
+              <a:t>, ela necessitou realizar a </a:t>
+            </a:r>
+            <a:br>
+              <a:rPr lang="pt-BR" sz="3200" dirty="0">
+                <a:cs typeface="Courier New" panose="02070309020205020404" pitchFamily="49" charset="0"/>
+              </a:rPr>
+            </a:br>
+            <a:r>
+              <a:rPr lang="pt-BR" sz="3200" dirty="0">
+                <a:cs typeface="Courier New" panose="02070309020205020404" pitchFamily="49" charset="0"/>
+              </a:rPr>
+              <a:t>implementação dos métodos da interface. A prova disto é que os</a:t>
+            </a:r>
+            <a:br>
+              <a:rPr lang="pt-BR" sz="3200" dirty="0">
+                <a:cs typeface="Courier New" panose="02070309020205020404" pitchFamily="49" charset="0"/>
+              </a:rPr>
+            </a:br>
+            <a:r>
+              <a:rPr lang="pt-BR" sz="3200" dirty="0">
+                <a:cs typeface="Courier New" panose="02070309020205020404" pitchFamily="49" charset="0"/>
+              </a:rPr>
+              <a:t>métodos estavam sem corpo na interface, isto é, havia um “;” </a:t>
+            </a:r>
+            <a:br>
+              <a:rPr lang="pt-BR" sz="3200" dirty="0">
+                <a:cs typeface="Courier New" panose="02070309020205020404" pitchFamily="49" charset="0"/>
+              </a:rPr>
+            </a:br>
+            <a:r>
+              <a:rPr lang="pt-BR" sz="3200" dirty="0">
+                <a:cs typeface="Courier New" panose="02070309020205020404" pitchFamily="49" charset="0"/>
+              </a:rPr>
+              <a:t>logo após os parênteses, e não havia chaves delimitando seu </a:t>
+            </a:r>
+            <a:br>
+              <a:rPr lang="pt-BR" sz="3200" dirty="0">
+                <a:cs typeface="Courier New" panose="02070309020205020404" pitchFamily="49" charset="0"/>
+              </a:rPr>
+            </a:br>
+            <a:r>
+              <a:rPr lang="pt-BR" sz="3200" dirty="0">
+                <a:cs typeface="Courier New" panose="02070309020205020404" pitchFamily="49" charset="0"/>
+              </a:rPr>
+              <a:t>corpo.</a:t>
+            </a:r>
+          </a:p>
+          <a:p>
+            <a:pPr>
+              <a:buSzPct val="100000"/>
+            </a:pPr>
+            <a:r>
+              <a:rPr lang="pt-BR" sz="3200" dirty="0">
+                <a:cs typeface="Courier New" panose="02070309020205020404" pitchFamily="49" charset="0"/>
+              </a:rPr>
+              <a:t>Todavia, quando a classe implementou a interface, os métodos </a:t>
+            </a:r>
+            <a:br>
+              <a:rPr lang="pt-BR" sz="3200" dirty="0">
+                <a:cs typeface="Courier New" panose="02070309020205020404" pitchFamily="49" charset="0"/>
+              </a:rPr>
+            </a:br>
+            <a:r>
+              <a:rPr lang="pt-BR" sz="3200" dirty="0">
+                <a:cs typeface="Courier New" panose="02070309020205020404" pitchFamily="49" charset="0"/>
+              </a:rPr>
+              <a:t>tiveram seu corpo definido. Temos um detalhe a mais: é uma </a:t>
+            </a:r>
+            <a:br>
+              <a:rPr lang="pt-BR" sz="3200" dirty="0">
+                <a:cs typeface="Courier New" panose="02070309020205020404" pitchFamily="49" charset="0"/>
+              </a:rPr>
+            </a:br>
+            <a:r>
+              <a:rPr lang="pt-BR" sz="3200" dirty="0">
+                <a:cs typeface="Courier New" panose="02070309020205020404" pitchFamily="49" charset="0"/>
+              </a:rPr>
+              <a:t>boa prática colocar a letra </a:t>
+            </a:r>
+            <a:r>
+              <a:rPr lang="pt-BR" sz="3200" b="1" dirty="0">
+                <a:cs typeface="Courier New" panose="02070309020205020404" pitchFamily="49" charset="0"/>
+              </a:rPr>
+              <a:t>I</a:t>
+            </a:r>
+            <a:r>
+              <a:rPr lang="pt-BR" sz="3200" dirty="0">
+                <a:cs typeface="Courier New" panose="02070309020205020404" pitchFamily="49" charset="0"/>
+              </a:rPr>
+              <a:t> no início do nome das interface,</a:t>
+            </a:r>
+            <a:br>
+              <a:rPr lang="pt-BR" sz="3200" dirty="0">
+                <a:cs typeface="Courier New" panose="02070309020205020404" pitchFamily="49" charset="0"/>
+              </a:rPr>
+            </a:br>
+            <a:r>
+              <a:rPr lang="pt-BR" sz="3200" dirty="0">
+                <a:cs typeface="Courier New" panose="02070309020205020404" pitchFamily="49" charset="0"/>
+              </a:rPr>
+              <a:t>para assim diferenciarmos o que é uma classe e o que é uma</a:t>
+            </a:r>
+            <a:br>
+              <a:rPr lang="pt-BR" sz="3200" dirty="0">
+                <a:cs typeface="Courier New" panose="02070309020205020404" pitchFamily="49" charset="0"/>
+              </a:rPr>
+            </a:br>
+            <a:r>
+              <a:rPr lang="pt-BR" sz="3200" dirty="0">
+                <a:cs typeface="Courier New" panose="02070309020205020404" pitchFamily="49" charset="0"/>
+              </a:rPr>
+              <a:t>interface.</a:t>
+            </a:r>
+          </a:p>
+        </p:txBody>
+      </p:sp>
+      <p:sp>
+        <p:nvSpPr>
+          <p:cNvPr id="7" name="Espaço Reservado para Número de Slide 6">
+            <a:extLst>
+              <a:ext uri="{FF2B5EF4-FFF2-40B4-BE49-F238E27FC236}">
+                <a16:creationId xmlns:a16="http://schemas.microsoft.com/office/drawing/2014/main" id="{40C5ECBA-0615-433C-B308-162C7F749201}"/>
+              </a:ext>
+            </a:extLst>
+          </p:cNvPr>
+          <p:cNvSpPr>
+            <a:spLocks noGrp="1"/>
+          </p:cNvSpPr>
+          <p:nvPr>
+            <p:ph type="sldNum" sz="quarter" idx="10"/>
+          </p:nvPr>
+        </p:nvSpPr>
+        <p:spPr/>
+        <p:txBody>
+          <a:bodyPr/>
+          <a:lstStyle/>
+          <a:p>
+            <a:fld id="{E4B35BDD-CC3D-4492-88ED-922B282360E3}" type="slidenum">
+              <a:rPr lang="pt-BR" smtClean="0"/>
+              <a:t>129</a:t>
+            </a:fld>
+            <a:endParaRPr lang="pt-BR" dirty="0"/>
+          </a:p>
+        </p:txBody>
+      </p:sp>
+      <p:pic>
+        <p:nvPicPr>
+          <p:cNvPr id="3" name="Imagem 2">
+            <a:extLst>
+              <a:ext uri="{FF2B5EF4-FFF2-40B4-BE49-F238E27FC236}">
+                <a16:creationId xmlns:a16="http://schemas.microsoft.com/office/drawing/2014/main" id="{6567C5EB-7493-45C3-851D-AC04C4EF12C0}"/>
+              </a:ext>
+            </a:extLst>
+          </p:cNvPr>
+          <p:cNvPicPr>
+            <a:picLocks noChangeAspect="1"/>
+          </p:cNvPicPr>
+          <p:nvPr/>
+        </p:nvPicPr>
+        <p:blipFill>
+          <a:blip r:embed="rId2"/>
+          <a:stretch>
+            <a:fillRect/>
+          </a:stretch>
+        </p:blipFill>
+        <p:spPr>
+          <a:xfrm>
+            <a:off x="13519072" y="5002583"/>
+            <a:ext cx="9199274" cy="6814278"/>
+          </a:xfrm>
+          <a:prstGeom prst="rect">
+            <a:avLst/>
+          </a:prstGeom>
+        </p:spPr>
+      </p:pic>
+    </p:spTree>
+    <p:extLst>
+      <p:ext uri="{BB962C8B-B14F-4D97-AF65-F5344CB8AC3E}">
+        <p14:creationId xmlns:p14="http://schemas.microsoft.com/office/powerpoint/2010/main" val="2800166239"/>
+      </p:ext>
+    </p:extLst>
+  </p:cSld>
+  <p:clrMapOvr>
+    <a:masterClrMapping/>
+  </p:clrMapOvr>
+  <p:transition spd="med"/>
+</p:sld>
+</file>
+
+<file path=ppt/slides/slide13.xml><?xml version="1.0" encoding="utf-8"?>
+<p:sld xmlns:a="http://schemas.openxmlformats.org/drawingml/2006/main" xmlns:r="http://schemas.openxmlformats.org/officeDocument/2006/relationships" xmlns:p="http://schemas.openxmlformats.org/presentationml/2006/main">
+  <p:cSld>
+    <p:spTree>
+      <p:nvGrpSpPr>
+        <p:cNvPr id="1" name=""/>
+        <p:cNvGrpSpPr/>
+        <p:nvPr/>
+      </p:nvGrpSpPr>
+      <p:grpSpPr>
+        <a:xfrm>
+          <a:off x="0" y="0"/>
+          <a:ext cx="0" cy="0"/>
+          <a:chOff x="0" y="0"/>
+          <a:chExt cx="0" cy="0"/>
+        </a:xfrm>
+      </p:grpSpPr>
+      <p:sp>
+        <p:nvSpPr>
+          <p:cNvPr id="2" name="Título 1"/>
+          <p:cNvSpPr>
+            <a:spLocks noGrp="1"/>
+          </p:cNvSpPr>
+          <p:nvPr>
+            <p:ph type="title"/>
+          </p:nvPr>
+        </p:nvSpPr>
+        <p:spPr/>
+        <p:txBody>
+          <a:bodyPr>
+            <a:normAutofit/>
+          </a:bodyPr>
+          <a:lstStyle/>
+          <a:p>
+            <a:r>
+              <a:rPr lang="pt-BR" dirty="0"/>
+              <a:t>Configurando o ambiente</a:t>
+            </a:r>
+          </a:p>
+        </p:txBody>
+      </p:sp>
+      <p:sp>
+        <p:nvSpPr>
+          <p:cNvPr id="3" name="Espaço Reservado para Conteúdo 2"/>
+          <p:cNvSpPr>
+            <a:spLocks noGrp="1"/>
+          </p:cNvSpPr>
+          <p:nvPr>
+            <p:ph type="body" idx="1"/>
+          </p:nvPr>
+        </p:nvSpPr>
+        <p:spPr/>
+        <p:txBody>
+          <a:bodyPr>
+            <a:noAutofit/>
+          </a:bodyPr>
+          <a:lstStyle/>
+          <a:p>
+            <a:r>
+              <a:rPr lang="pt-BR" dirty="0"/>
+              <a:t>Git:</a:t>
+            </a:r>
+          </a:p>
+          <a:p>
+            <a:pPr marL="571500" indent="-571500">
+              <a:buFont typeface="Arial" panose="020B0604020202020204" pitchFamily="34" charset="0"/>
+              <a:buChar char="•"/>
+            </a:pPr>
+            <a:r>
+              <a:rPr lang="pt-BR" dirty="0"/>
+              <a:t>Para o desenvolvimento dos trabalhos e acompanhamento da disciplina, vamos utilizar o Git para </a:t>
+            </a:r>
+            <a:r>
+              <a:rPr lang="pt-BR" dirty="0" err="1"/>
+              <a:t>versionar</a:t>
+            </a:r>
+            <a:r>
+              <a:rPr lang="pt-BR" dirty="0"/>
+              <a:t> os materiais;</a:t>
+            </a:r>
+          </a:p>
+          <a:p>
+            <a:pPr marL="571500" indent="-571500">
+              <a:buFont typeface="Arial" panose="020B0604020202020204" pitchFamily="34" charset="0"/>
+              <a:buChar char="•"/>
+            </a:pPr>
+            <a:r>
+              <a:rPr lang="pt-BR" dirty="0"/>
+              <a:t>Para instalar o Git na máquina, a. cesse </a:t>
+            </a:r>
+            <a:r>
+              <a:rPr lang="pt-BR" dirty="0">
+                <a:hlinkClick r:id="rId2"/>
+              </a:rPr>
+              <a:t>esse site</a:t>
+            </a:r>
+            <a:r>
+              <a:rPr lang="pt-BR" dirty="0"/>
+              <a:t> e baixe o instalador. O processo de instalação é direto, basta clicar em “Next” para concluir a instalação;</a:t>
+            </a:r>
+          </a:p>
+          <a:p>
+            <a:pPr marL="571500" indent="-571500">
+              <a:buFont typeface="Arial" panose="020B0604020202020204" pitchFamily="34" charset="0"/>
+              <a:buChar char="•"/>
+            </a:pPr>
+            <a:r>
+              <a:rPr lang="pt-BR" dirty="0"/>
+              <a:t>Também será necessário criar uma conta no GitHub (</a:t>
+            </a:r>
+            <a:r>
+              <a:rPr lang="pt-BR" dirty="0">
+                <a:hlinkClick r:id="rId3"/>
+              </a:rPr>
+              <a:t>www.github.com</a:t>
+            </a:r>
+            <a:r>
+              <a:rPr lang="pt-BR" dirty="0"/>
+              <a:t>). Caso queira, já pode me procurar por lá (victor0machado).</a:t>
+            </a:r>
+          </a:p>
+          <a:p>
+            <a:r>
+              <a:rPr lang="pt-BR" dirty="0"/>
+              <a:t>Outros programas:</a:t>
+            </a:r>
+          </a:p>
+          <a:p>
+            <a:pPr marL="571500" indent="-571500">
+              <a:buFont typeface="Arial" panose="020B0604020202020204" pitchFamily="34" charset="0"/>
+              <a:buChar char="•"/>
+            </a:pPr>
+            <a:r>
+              <a:rPr lang="pt-BR" dirty="0"/>
+              <a:t>Recomendo instalar o </a:t>
+            </a:r>
+            <a:r>
+              <a:rPr lang="pt-BR" dirty="0">
+                <a:hlinkClick r:id="rId4"/>
+              </a:rPr>
+              <a:t>notepad++</a:t>
+            </a:r>
+            <a:r>
+              <a:rPr lang="pt-BR" dirty="0"/>
+              <a:t> para um bom editor de texto simples.</a:t>
+            </a:r>
+          </a:p>
+        </p:txBody>
+      </p:sp>
+      <p:sp>
+        <p:nvSpPr>
+          <p:cNvPr id="5" name="Espaço Reservado para Número de Slide 4">
+            <a:extLst>
+              <a:ext uri="{FF2B5EF4-FFF2-40B4-BE49-F238E27FC236}">
+                <a16:creationId xmlns:a16="http://schemas.microsoft.com/office/drawing/2014/main" id="{A41A86C6-43EE-475D-898C-29287247F827}"/>
+              </a:ext>
+            </a:extLst>
+          </p:cNvPr>
+          <p:cNvSpPr>
+            <a:spLocks noGrp="1"/>
+          </p:cNvSpPr>
+          <p:nvPr>
+            <p:ph type="sldNum" sz="quarter" idx="10"/>
+          </p:nvPr>
+        </p:nvSpPr>
+        <p:spPr/>
+        <p:txBody>
+          <a:bodyPr/>
+          <a:lstStyle/>
+          <a:p>
+            <a:fld id="{5D0C34D4-E406-4A74-B020-30BB69A49765}" type="slidenum">
+              <a:rPr lang="pt-BR" smtClean="0"/>
+              <a:pPr/>
+              <a:t>13</a:t>
+            </a:fld>
+            <a:endParaRPr lang="pt-BR" dirty="0"/>
+          </a:p>
+        </p:txBody>
+      </p:sp>
+    </p:spTree>
+    <p:extLst>
+      <p:ext uri="{BB962C8B-B14F-4D97-AF65-F5344CB8AC3E}">
+        <p14:creationId xmlns:p14="http://schemas.microsoft.com/office/powerpoint/2010/main" val="2149697478"/>
+      </p:ext>
+    </p:extLst>
+  </p:cSld>
+  <p:clrMapOvr>
+    <a:masterClrMapping/>
+  </p:clrMapOvr>
+  <p:transition spd="med"/>
+</p:sld>
+</file>
+
+<file path=ppt/slides/slide130.xml><?xml version="1.0" encoding="utf-8"?>
+<p:sld xmlns:a="http://schemas.openxmlformats.org/drawingml/2006/main" xmlns:r="http://schemas.openxmlformats.org/officeDocument/2006/relationships" xmlns:p="http://schemas.openxmlformats.org/presentationml/2006/main">
+  <p:cSld>
+    <p:spTree>
+      <p:nvGrpSpPr>
+        <p:cNvPr id="1" name=""/>
+        <p:cNvGrpSpPr/>
+        <p:nvPr/>
+      </p:nvGrpSpPr>
+      <p:grpSpPr>
+        <a:xfrm>
+          <a:off x="0" y="0"/>
+          <a:ext cx="0" cy="0"/>
+          <a:chOff x="0" y="0"/>
+          <a:chExt cx="0" cy="0"/>
+        </a:xfrm>
+      </p:grpSpPr>
+      <p:sp>
+        <p:nvSpPr>
+          <p:cNvPr id="4" name="Título 3">
+            <a:extLst>
+              <a:ext uri="{FF2B5EF4-FFF2-40B4-BE49-F238E27FC236}">
+                <a16:creationId xmlns:a16="http://schemas.microsoft.com/office/drawing/2014/main" id="{8A4C52A0-42D9-47BB-966A-7FE92FDBFA2D}"/>
+              </a:ext>
+            </a:extLst>
+          </p:cNvPr>
+          <p:cNvSpPr>
+            <a:spLocks noGrp="1"/>
+          </p:cNvSpPr>
+          <p:nvPr>
+            <p:ph type="title"/>
+          </p:nvPr>
+        </p:nvSpPr>
+        <p:spPr/>
+        <p:txBody>
+          <a:bodyPr>
+            <a:normAutofit/>
+          </a:bodyPr>
+          <a:lstStyle/>
+          <a:p>
+            <a:r>
+              <a:rPr lang="pt-BR" dirty="0"/>
+              <a:t>Interface</a:t>
+            </a:r>
+          </a:p>
+        </p:txBody>
+      </p:sp>
+      <p:sp>
+        <p:nvSpPr>
+          <p:cNvPr id="5" name="Espaço Reservado para Conteúdo 4">
+            <a:extLst>
+              <a:ext uri="{FF2B5EF4-FFF2-40B4-BE49-F238E27FC236}">
+                <a16:creationId xmlns:a16="http://schemas.microsoft.com/office/drawing/2014/main" id="{1FBD8255-54D1-42B3-9B71-2D45D227E6FC}"/>
+              </a:ext>
+            </a:extLst>
+          </p:cNvPr>
+          <p:cNvSpPr>
+            <a:spLocks noGrp="1"/>
+          </p:cNvSpPr>
+          <p:nvPr>
+            <p:ph type="body" idx="1"/>
+          </p:nvPr>
+        </p:nvSpPr>
+        <p:spPr>
+          <a:xfrm>
+            <a:off x="1712546" y="2511225"/>
+            <a:ext cx="21005800" cy="10609446"/>
+          </a:xfrm>
+          <a:solidFill>
+            <a:schemeClr val="bg1"/>
+          </a:solidFill>
+        </p:spPr>
+        <p:txBody>
+          <a:bodyPr>
+            <a:noAutofit/>
+          </a:bodyPr>
+          <a:lstStyle/>
+          <a:p>
+            <a:pPr>
+              <a:buSzPct val="100000"/>
+            </a:pPr>
+            <a:r>
+              <a:rPr lang="pt-BR" sz="3200" dirty="0">
+                <a:cs typeface="Courier New" panose="02070309020205020404" pitchFamily="49" charset="0"/>
+              </a:rPr>
+              <a:t>Mais alguns detalhes sobre interfaces:</a:t>
+            </a:r>
+          </a:p>
+          <a:p>
+            <a:pPr lvl="1">
+              <a:buSzPct val="100000"/>
+            </a:pPr>
+            <a:r>
+              <a:rPr lang="pt-BR" sz="2800" dirty="0">
+                <a:cs typeface="Courier New" panose="02070309020205020404" pitchFamily="49" charset="0"/>
+              </a:rPr>
+              <a:t>Por padrão, todo método em uma interface é abstrato, portanto não precisamos colocar a palavra </a:t>
+            </a:r>
+            <a:r>
+              <a:rPr lang="pt-BR" sz="2800" b="1" dirty="0">
+                <a:cs typeface="Courier New" panose="02070309020205020404" pitchFamily="49" charset="0"/>
+              </a:rPr>
+              <a:t>abstract</a:t>
+            </a:r>
+            <a:r>
+              <a:rPr lang="pt-BR" sz="2800" dirty="0">
+                <a:cs typeface="Courier New" panose="02070309020205020404" pitchFamily="49" charset="0"/>
+              </a:rPr>
+              <a:t>.</a:t>
+            </a:r>
+          </a:p>
+          <a:p>
+            <a:pPr lvl="1">
+              <a:buSzPct val="100000"/>
+            </a:pPr>
+            <a:r>
+              <a:rPr lang="pt-BR" sz="2800" dirty="0">
+                <a:cs typeface="Courier New" panose="02070309020205020404" pitchFamily="49" charset="0"/>
+              </a:rPr>
+              <a:t>A interface se comporta como uma classe abstrata, só que mais restritiva. Em classes abstratas vimos que, se necessário, podemos ter métodos não abstratos. Mas em uma interface isso não é possível.</a:t>
+            </a:r>
+          </a:p>
+          <a:p>
+            <a:pPr lvl="1">
+              <a:buSzPct val="100000"/>
+            </a:pPr>
+            <a:r>
+              <a:rPr lang="pt-BR" sz="2800" dirty="0">
+                <a:cs typeface="Courier New" panose="02070309020205020404" pitchFamily="49" charset="0"/>
+              </a:rPr>
+              <a:t>Usualmente, interfaces não possuem atributos. No entanto, se necessário, podemos definir atributos, e eles serão sempre públicos, estáticos e constantes. Usamos o termo “estático” quando queremos definir um atributo que é compartilhado entre as instâncias de uma classe ou interface.</a:t>
+            </a:r>
+          </a:p>
+          <a:p>
+            <a:pPr lvl="1">
+              <a:buSzPct val="100000"/>
+            </a:pPr>
+            <a:r>
+              <a:rPr lang="pt-BR" sz="2800" dirty="0">
+                <a:cs typeface="Courier New" panose="02070309020205020404" pitchFamily="49" charset="0"/>
+              </a:rPr>
+              <a:t>Um atributo “constante” não varia durante a execução do código. Em Java utilizamos a expressão </a:t>
+            </a:r>
+            <a:r>
+              <a:rPr lang="pt-BR" sz="2800" b="1" dirty="0">
+                <a:cs typeface="Courier New" panose="02070309020205020404" pitchFamily="49" charset="0"/>
+              </a:rPr>
+              <a:t>final</a:t>
+            </a:r>
+            <a:r>
+              <a:rPr lang="pt-BR" sz="2800" dirty="0">
+                <a:cs typeface="Courier New" panose="02070309020205020404" pitchFamily="49" charset="0"/>
+              </a:rPr>
+              <a:t> para indicar constantes.</a:t>
+            </a:r>
+          </a:p>
+          <a:p>
+            <a:pPr lvl="1">
+              <a:buSzPct val="100000"/>
+            </a:pPr>
+            <a:r>
+              <a:rPr lang="pt-BR" sz="2800" dirty="0">
+                <a:cs typeface="Courier New" panose="02070309020205020404" pitchFamily="49" charset="0"/>
+              </a:rPr>
+              <a:t>Como vimos, Java não disponibiliza a possibilidade de se implementar herança múltipla. </a:t>
+            </a:r>
+            <a:br>
+              <a:rPr lang="pt-BR" sz="2800" dirty="0">
+                <a:cs typeface="Courier New" panose="02070309020205020404" pitchFamily="49" charset="0"/>
+              </a:rPr>
+            </a:br>
+            <a:r>
+              <a:rPr lang="pt-BR" sz="2800" dirty="0">
+                <a:cs typeface="Courier New" panose="02070309020205020404" pitchFamily="49" charset="0"/>
+              </a:rPr>
+              <a:t>Entretanto, em relação às interfaces, ela permite implementação múltipla. Ou seja, uma classe </a:t>
+            </a:r>
+            <a:br>
+              <a:rPr lang="pt-BR" sz="2800" dirty="0">
+                <a:cs typeface="Courier New" panose="02070309020205020404" pitchFamily="49" charset="0"/>
+              </a:rPr>
+            </a:br>
+            <a:r>
+              <a:rPr lang="pt-BR" sz="2800" dirty="0">
+                <a:cs typeface="Courier New" panose="02070309020205020404" pitchFamily="49" charset="0"/>
+              </a:rPr>
+              <a:t>pode implementar mais de uma interface e, para isso, basta separá-las por vírgula. Portanto, </a:t>
+            </a:r>
+            <a:br>
+              <a:rPr lang="pt-BR" sz="2800" dirty="0">
+                <a:cs typeface="Courier New" panose="02070309020205020404" pitchFamily="49" charset="0"/>
+              </a:rPr>
+            </a:br>
+            <a:r>
+              <a:rPr lang="pt-BR" sz="2800" dirty="0">
+                <a:cs typeface="Courier New" panose="02070309020205020404" pitchFamily="49" charset="0"/>
+              </a:rPr>
+              <a:t>utilizando o recurso de interface, podemos emular, de certa forma, a possibilidade de heranças</a:t>
+            </a:r>
+            <a:br>
+              <a:rPr lang="pt-BR" sz="2800" dirty="0">
+                <a:cs typeface="Courier New" panose="02070309020205020404" pitchFamily="49" charset="0"/>
+              </a:rPr>
+            </a:br>
+            <a:r>
+              <a:rPr lang="pt-BR" sz="2800" dirty="0">
+                <a:cs typeface="Courier New" panose="02070309020205020404" pitchFamily="49" charset="0"/>
+              </a:rPr>
+              <a:t>múltiplas em Java.</a:t>
+            </a:r>
+          </a:p>
+        </p:txBody>
+      </p:sp>
+      <p:sp>
+        <p:nvSpPr>
+          <p:cNvPr id="7" name="Espaço Reservado para Número de Slide 6">
+            <a:extLst>
+              <a:ext uri="{FF2B5EF4-FFF2-40B4-BE49-F238E27FC236}">
+                <a16:creationId xmlns:a16="http://schemas.microsoft.com/office/drawing/2014/main" id="{40C5ECBA-0615-433C-B308-162C7F749201}"/>
+              </a:ext>
+            </a:extLst>
+          </p:cNvPr>
+          <p:cNvSpPr>
+            <a:spLocks noGrp="1"/>
+          </p:cNvSpPr>
+          <p:nvPr>
+            <p:ph type="sldNum" sz="quarter" idx="10"/>
+          </p:nvPr>
+        </p:nvSpPr>
+        <p:spPr/>
+        <p:txBody>
+          <a:bodyPr/>
+          <a:lstStyle/>
+          <a:p>
+            <a:fld id="{E4B35BDD-CC3D-4492-88ED-922B282360E3}" type="slidenum">
+              <a:rPr lang="pt-BR" smtClean="0"/>
+              <a:t>130</a:t>
+            </a:fld>
+            <a:endParaRPr lang="pt-BR" dirty="0"/>
+          </a:p>
+        </p:txBody>
+      </p:sp>
+      <p:pic>
+        <p:nvPicPr>
+          <p:cNvPr id="6" name="Imagem 5">
+            <a:extLst>
+              <a:ext uri="{FF2B5EF4-FFF2-40B4-BE49-F238E27FC236}">
+                <a16:creationId xmlns:a16="http://schemas.microsoft.com/office/drawing/2014/main" id="{782E576F-9F4E-441C-AE2C-5BDDD3981B38}"/>
+              </a:ext>
+            </a:extLst>
+          </p:cNvPr>
+          <p:cNvPicPr>
+            <a:picLocks noChangeAspect="1"/>
+          </p:cNvPicPr>
+          <p:nvPr/>
+        </p:nvPicPr>
+        <p:blipFill>
+          <a:blip r:embed="rId2"/>
+          <a:stretch>
+            <a:fillRect/>
+          </a:stretch>
+        </p:blipFill>
+        <p:spPr>
+          <a:xfrm>
+            <a:off x="17700326" y="7271127"/>
+            <a:ext cx="5205588" cy="5903657"/>
+          </a:xfrm>
+          <a:prstGeom prst="rect">
+            <a:avLst/>
+          </a:prstGeom>
+        </p:spPr>
+      </p:pic>
+      <p:pic>
+        <p:nvPicPr>
+          <p:cNvPr id="9" name="Imagem 8">
+            <a:extLst>
+              <a:ext uri="{FF2B5EF4-FFF2-40B4-BE49-F238E27FC236}">
+                <a16:creationId xmlns:a16="http://schemas.microsoft.com/office/drawing/2014/main" id="{E482C275-3CFA-454B-B41E-786778E23E21}"/>
+              </a:ext>
+            </a:extLst>
+          </p:cNvPr>
+          <p:cNvPicPr>
+            <a:picLocks noChangeAspect="1"/>
+          </p:cNvPicPr>
+          <p:nvPr/>
+        </p:nvPicPr>
+        <p:blipFill>
+          <a:blip r:embed="rId3"/>
+          <a:stretch>
+            <a:fillRect/>
+          </a:stretch>
+        </p:blipFill>
+        <p:spPr>
+          <a:xfrm>
+            <a:off x="5037383" y="10222955"/>
+            <a:ext cx="8135761" cy="2251265"/>
+          </a:xfrm>
+          <a:prstGeom prst="rect">
+            <a:avLst/>
+          </a:prstGeom>
+        </p:spPr>
+      </p:pic>
+    </p:spTree>
+    <p:extLst>
+      <p:ext uri="{BB962C8B-B14F-4D97-AF65-F5344CB8AC3E}">
+        <p14:creationId xmlns:p14="http://schemas.microsoft.com/office/powerpoint/2010/main" val="1172663335"/>
+      </p:ext>
+    </p:extLst>
+  </p:cSld>
+  <p:clrMapOvr>
+    <a:masterClrMapping/>
+  </p:clrMapOvr>
+  <p:transition spd="med"/>
+</p:sld>
+</file>
+
+<file path=ppt/slides/slide131.xml><?xml version="1.0" encoding="utf-8"?>
 <p:sld xmlns:a="http://schemas.openxmlformats.org/drawingml/2006/main" xmlns:r="http://schemas.openxmlformats.org/officeDocument/2006/relationships" xmlns:p="http://schemas.openxmlformats.org/presentationml/2006/main">
   <p:cSld>
     <p:spTree>
@@ -17658,424 +22911,6 @@
         </p:txBody>
       </p:sp>
     </p:spTree>
-  </p:cSld>
-  <p:clrMapOvr>
-    <a:masterClrMapping/>
-  </p:clrMapOvr>
-  <p:transition spd="med"/>
-</p:sld>
-</file>
-
-<file path=ppt/slides/slide12.xml><?xml version="1.0" encoding="utf-8"?>
-<p:sld xmlns:a="http://schemas.openxmlformats.org/drawingml/2006/main" xmlns:r="http://schemas.openxmlformats.org/officeDocument/2006/relationships" xmlns:p="http://schemas.openxmlformats.org/presentationml/2006/main">
-  <p:cSld>
-    <p:spTree>
-      <p:nvGrpSpPr>
-        <p:cNvPr id="1" name=""/>
-        <p:cNvGrpSpPr/>
-        <p:nvPr/>
-      </p:nvGrpSpPr>
-      <p:grpSpPr>
-        <a:xfrm>
-          <a:off x="0" y="0"/>
-          <a:ext cx="0" cy="0"/>
-          <a:chOff x="0" y="0"/>
-          <a:chExt cx="0" cy="0"/>
-        </a:xfrm>
-      </p:grpSpPr>
-      <p:sp>
-        <p:nvSpPr>
-          <p:cNvPr id="2" name="Título 1"/>
-          <p:cNvSpPr>
-            <a:spLocks noGrp="1"/>
-          </p:cNvSpPr>
-          <p:nvPr>
-            <p:ph type="title"/>
-          </p:nvPr>
-        </p:nvSpPr>
-        <p:spPr/>
-        <p:txBody>
-          <a:bodyPr>
-            <a:normAutofit/>
-          </a:bodyPr>
-          <a:lstStyle/>
-          <a:p>
-            <a:r>
-              <a:rPr lang="pt-BR" dirty="0"/>
-              <a:t>Configurando o ambiente</a:t>
-            </a:r>
-          </a:p>
-        </p:txBody>
-      </p:sp>
-      <p:sp>
-        <p:nvSpPr>
-          <p:cNvPr id="3" name="Espaço Reservado para Conteúdo 2"/>
-          <p:cNvSpPr>
-            <a:spLocks noGrp="1"/>
-          </p:cNvSpPr>
-          <p:nvPr>
-            <p:ph type="body" idx="1"/>
-          </p:nvPr>
-        </p:nvSpPr>
-        <p:spPr/>
-        <p:txBody>
-          <a:bodyPr>
-            <a:noAutofit/>
-          </a:bodyPr>
-          <a:lstStyle/>
-          <a:p>
-            <a:r>
-              <a:rPr lang="pt-BR" dirty="0"/>
-              <a:t>Como adicionar um caminho ao PATH:</a:t>
-            </a:r>
-          </a:p>
-          <a:p>
-            <a:pPr marL="571500" indent="-571500">
-              <a:buFont typeface="Arial" panose="020B0604020202020204" pitchFamily="34" charset="0"/>
-              <a:buChar char="•"/>
-            </a:pPr>
-            <a:r>
-              <a:rPr lang="pt-BR" dirty="0"/>
-              <a:t>Aperte a tecla do Windows e pesquise por “Editar as variáveis de ambiente para sua conta”;</a:t>
-            </a:r>
-          </a:p>
-          <a:p>
-            <a:pPr marL="571500" indent="-571500">
-              <a:buFont typeface="Arial" panose="020B0604020202020204" pitchFamily="34" charset="0"/>
-              <a:buChar char="•"/>
-            </a:pPr>
-            <a:r>
-              <a:rPr lang="pt-BR" dirty="0"/>
-              <a:t>Na janela que abrir, procure pela linha com “Path”, selecione-a e clique em “Editar...”;</a:t>
-            </a:r>
-          </a:p>
-          <a:p>
-            <a:pPr marL="571500" indent="-571500">
-              <a:buFont typeface="Arial" panose="020B0604020202020204" pitchFamily="34" charset="0"/>
-              <a:buChar char="•"/>
-            </a:pPr>
-            <a:r>
-              <a:rPr lang="pt-BR" dirty="0"/>
-              <a:t>Clique em “Novo” e insira o caminho desejado;</a:t>
-            </a:r>
-          </a:p>
-          <a:p>
-            <a:pPr marL="571500" indent="-571500">
-              <a:buFont typeface="Arial" panose="020B0604020202020204" pitchFamily="34" charset="0"/>
-              <a:buChar char="•"/>
-            </a:pPr>
-            <a:r>
-              <a:rPr lang="pt-BR" dirty="0"/>
-              <a:t>Aperte “Ok” e “Ok” novamente para fechar tudo;</a:t>
-            </a:r>
-          </a:p>
-          <a:p>
-            <a:pPr marL="571500" indent="-571500">
-              <a:buFont typeface="Arial" panose="020B0604020202020204" pitchFamily="34" charset="0"/>
-              <a:buChar char="•"/>
-            </a:pPr>
-            <a:r>
-              <a:rPr lang="pt-BR" dirty="0"/>
-              <a:t>Para confirmar se está tudo certo, abra um</a:t>
-            </a:r>
-            <a:br>
-              <a:rPr lang="pt-BR" dirty="0"/>
-            </a:br>
-            <a:r>
-              <a:rPr lang="pt-BR" dirty="0"/>
-              <a:t>prompt de comando novo e chame um arquivo</a:t>
-            </a:r>
-            <a:br>
-              <a:rPr lang="pt-BR" dirty="0"/>
-            </a:br>
-            <a:r>
-              <a:rPr lang="pt-BR" dirty="0"/>
-              <a:t>ou executável que está contido na pasta (no</a:t>
-            </a:r>
-            <a:br>
-              <a:rPr lang="pt-BR" dirty="0"/>
-            </a:br>
-            <a:r>
-              <a:rPr lang="pt-BR" dirty="0"/>
-              <a:t>caso da pasta “bin”, chame “</a:t>
-            </a:r>
-            <a:r>
-              <a:rPr lang="pt-BR" dirty="0" err="1"/>
-              <a:t>javac</a:t>
-            </a:r>
-            <a:r>
-              <a:rPr lang="pt-BR" dirty="0"/>
-              <a:t>”)</a:t>
-            </a:r>
-          </a:p>
-          <a:p>
-            <a:pPr marL="571500" indent="-571500">
-              <a:buFont typeface="Arial" panose="020B0604020202020204" pitchFamily="34" charset="0"/>
-              <a:buChar char="•"/>
-            </a:pPr>
-            <a:endParaRPr lang="pt-BR" dirty="0"/>
-          </a:p>
-        </p:txBody>
-      </p:sp>
-      <p:sp>
-        <p:nvSpPr>
-          <p:cNvPr id="5" name="Espaço Reservado para Número de Slide 4">
-            <a:extLst>
-              <a:ext uri="{FF2B5EF4-FFF2-40B4-BE49-F238E27FC236}">
-                <a16:creationId xmlns:a16="http://schemas.microsoft.com/office/drawing/2014/main" id="{A41A86C6-43EE-475D-898C-29287247F827}"/>
-              </a:ext>
-            </a:extLst>
-          </p:cNvPr>
-          <p:cNvSpPr>
-            <a:spLocks noGrp="1"/>
-          </p:cNvSpPr>
-          <p:nvPr>
-            <p:ph type="sldNum" sz="quarter" idx="10"/>
-          </p:nvPr>
-        </p:nvSpPr>
-        <p:spPr/>
-        <p:txBody>
-          <a:bodyPr/>
-          <a:lstStyle/>
-          <a:p>
-            <a:fld id="{5D0C34D4-E406-4A74-B020-30BB69A49765}" type="slidenum">
-              <a:rPr lang="pt-BR" smtClean="0"/>
-              <a:pPr/>
-              <a:t>12</a:t>
-            </a:fld>
-            <a:endParaRPr lang="pt-BR" dirty="0"/>
-          </a:p>
-        </p:txBody>
-      </p:sp>
-      <p:pic>
-        <p:nvPicPr>
-          <p:cNvPr id="6" name="Imagem 5">
-            <a:extLst>
-              <a:ext uri="{FF2B5EF4-FFF2-40B4-BE49-F238E27FC236}">
-                <a16:creationId xmlns:a16="http://schemas.microsoft.com/office/drawing/2014/main" id="{11D1321B-9FF6-45FD-BCA3-E6F90A080D3C}"/>
-              </a:ext>
-            </a:extLst>
-          </p:cNvPr>
-          <p:cNvPicPr>
-            <a:picLocks noChangeAspect="1"/>
-          </p:cNvPicPr>
-          <p:nvPr/>
-        </p:nvPicPr>
-        <p:blipFill>
-          <a:blip r:embed="rId2"/>
-          <a:stretch>
-            <a:fillRect/>
-          </a:stretch>
-        </p:blipFill>
-        <p:spPr>
-          <a:xfrm>
-            <a:off x="14282152" y="6165884"/>
-            <a:ext cx="6464250" cy="7151078"/>
-          </a:xfrm>
-          <a:prstGeom prst="rect">
-            <a:avLst/>
-          </a:prstGeom>
-        </p:spPr>
-      </p:pic>
-    </p:spTree>
-    <p:extLst>
-      <p:ext uri="{BB962C8B-B14F-4D97-AF65-F5344CB8AC3E}">
-        <p14:creationId xmlns:p14="http://schemas.microsoft.com/office/powerpoint/2010/main" val="1178793878"/>
-      </p:ext>
-    </p:extLst>
-  </p:cSld>
-  <p:clrMapOvr>
-    <a:masterClrMapping/>
-  </p:clrMapOvr>
-  <p:transition spd="med"/>
-</p:sld>
-</file>
-
-<file path=ppt/slides/slide13.xml><?xml version="1.0" encoding="utf-8"?>
-<p:sld xmlns:a="http://schemas.openxmlformats.org/drawingml/2006/main" xmlns:r="http://schemas.openxmlformats.org/officeDocument/2006/relationships" xmlns:p="http://schemas.openxmlformats.org/presentationml/2006/main">
-  <p:cSld>
-    <p:spTree>
-      <p:nvGrpSpPr>
-        <p:cNvPr id="1" name=""/>
-        <p:cNvGrpSpPr/>
-        <p:nvPr/>
-      </p:nvGrpSpPr>
-      <p:grpSpPr>
-        <a:xfrm>
-          <a:off x="0" y="0"/>
-          <a:ext cx="0" cy="0"/>
-          <a:chOff x="0" y="0"/>
-          <a:chExt cx="0" cy="0"/>
-        </a:xfrm>
-      </p:grpSpPr>
-      <p:sp>
-        <p:nvSpPr>
-          <p:cNvPr id="2" name="Título 1"/>
-          <p:cNvSpPr>
-            <a:spLocks noGrp="1"/>
-          </p:cNvSpPr>
-          <p:nvPr>
-            <p:ph type="title"/>
-          </p:nvPr>
-        </p:nvSpPr>
-        <p:spPr/>
-        <p:txBody>
-          <a:bodyPr>
-            <a:normAutofit/>
-          </a:bodyPr>
-          <a:lstStyle/>
-          <a:p>
-            <a:r>
-              <a:rPr lang="pt-BR" dirty="0"/>
-              <a:t>Configurando o ambiente</a:t>
-            </a:r>
-          </a:p>
-        </p:txBody>
-      </p:sp>
-      <p:sp>
-        <p:nvSpPr>
-          <p:cNvPr id="3" name="Espaço Reservado para Conteúdo 2"/>
-          <p:cNvSpPr>
-            <a:spLocks noGrp="1"/>
-          </p:cNvSpPr>
-          <p:nvPr>
-            <p:ph type="body" idx="1"/>
-          </p:nvPr>
-        </p:nvSpPr>
-        <p:spPr/>
-        <p:txBody>
-          <a:bodyPr>
-            <a:noAutofit/>
-          </a:bodyPr>
-          <a:lstStyle/>
-          <a:p>
-            <a:r>
-              <a:rPr lang="pt-BR" dirty="0"/>
-              <a:t>Git:</a:t>
-            </a:r>
-          </a:p>
-          <a:p>
-            <a:pPr marL="571500" indent="-571500">
-              <a:buFont typeface="Arial" panose="020B0604020202020204" pitchFamily="34" charset="0"/>
-              <a:buChar char="•"/>
-            </a:pPr>
-            <a:r>
-              <a:rPr lang="pt-BR" dirty="0"/>
-              <a:t>Para o desenvolvimento dos trabalhos e acompanhamento da disciplina, vamos utilizar o Git para </a:t>
-            </a:r>
-            <a:r>
-              <a:rPr lang="pt-BR" dirty="0" err="1"/>
-              <a:t>versionar</a:t>
-            </a:r>
-            <a:r>
-              <a:rPr lang="pt-BR" dirty="0"/>
-              <a:t> os materiais;</a:t>
-            </a:r>
-          </a:p>
-          <a:p>
-            <a:pPr marL="571500" indent="-571500">
-              <a:buFont typeface="Arial" panose="020B0604020202020204" pitchFamily="34" charset="0"/>
-              <a:buChar char="•"/>
-            </a:pPr>
-            <a:r>
-              <a:rPr lang="pt-BR" dirty="0"/>
-              <a:t>Para instalar o Git na máquina, a. cesse </a:t>
-            </a:r>
-            <a:r>
-              <a:rPr lang="pt-BR" dirty="0">
-                <a:hlinkClick r:id="rId2"/>
-              </a:rPr>
-              <a:t>esse site</a:t>
-            </a:r>
-            <a:r>
-              <a:rPr lang="pt-BR" dirty="0"/>
-              <a:t> e baixe o instalador. O processo de instalação é direto, basta clicar em “Next” para concluir a instalação;</a:t>
-            </a:r>
-          </a:p>
-          <a:p>
-            <a:pPr marL="571500" indent="-571500">
-              <a:buFont typeface="Arial" panose="020B0604020202020204" pitchFamily="34" charset="0"/>
-              <a:buChar char="•"/>
-            </a:pPr>
-            <a:r>
-              <a:rPr lang="pt-BR" dirty="0"/>
-              <a:t>Também será necessário criar uma conta no GitHub (</a:t>
-            </a:r>
-            <a:r>
-              <a:rPr lang="pt-BR" dirty="0">
-                <a:hlinkClick r:id="rId3"/>
-              </a:rPr>
-              <a:t>www.github.com</a:t>
-            </a:r>
-            <a:r>
-              <a:rPr lang="pt-BR" dirty="0"/>
-              <a:t>). Caso queira, já pode me procurar por lá (victor0machado).</a:t>
-            </a:r>
-          </a:p>
-          <a:p>
-            <a:r>
-              <a:rPr lang="pt-BR" dirty="0"/>
-              <a:t>Outros programas:</a:t>
-            </a:r>
-          </a:p>
-          <a:p>
-            <a:pPr marL="571500" indent="-571500">
-              <a:buFont typeface="Arial" panose="020B0604020202020204" pitchFamily="34" charset="0"/>
-              <a:buChar char="•"/>
-            </a:pPr>
-            <a:r>
-              <a:rPr lang="pt-BR" dirty="0"/>
-              <a:t>Recomendo instalar o </a:t>
-            </a:r>
-            <a:r>
-              <a:rPr lang="pt-BR" dirty="0">
-                <a:hlinkClick r:id="rId4"/>
-              </a:rPr>
-              <a:t>notepad++</a:t>
-            </a:r>
-            <a:r>
-              <a:rPr lang="pt-BR" dirty="0"/>
-              <a:t> para um bom editor de texto simples.</a:t>
-            </a:r>
-          </a:p>
-        </p:txBody>
-      </p:sp>
-      <p:sp>
-        <p:nvSpPr>
-          <p:cNvPr id="5" name="Espaço Reservado para Número de Slide 4">
-            <a:extLst>
-              <a:ext uri="{FF2B5EF4-FFF2-40B4-BE49-F238E27FC236}">
-                <a16:creationId xmlns:a16="http://schemas.microsoft.com/office/drawing/2014/main" id="{A41A86C6-43EE-475D-898C-29287247F827}"/>
-              </a:ext>
-            </a:extLst>
-          </p:cNvPr>
-          <p:cNvSpPr>
-            <a:spLocks noGrp="1"/>
-          </p:cNvSpPr>
-          <p:nvPr>
-            <p:ph type="sldNum" sz="quarter" idx="10"/>
-          </p:nvPr>
-        </p:nvSpPr>
-        <p:spPr/>
-        <p:txBody>
-          <a:bodyPr/>
-          <a:lstStyle/>
-          <a:p>
-            <a:fld id="{5D0C34D4-E406-4A74-B020-30BB69A49765}" type="slidenum">
-              <a:rPr lang="pt-BR" smtClean="0"/>
-              <a:pPr/>
-              <a:t>13</a:t>
-            </a:fld>
-            <a:endParaRPr lang="pt-BR" dirty="0"/>
-          </a:p>
-        </p:txBody>
-      </p:sp>
-    </p:spTree>
-    <p:extLst>
-      <p:ext uri="{BB962C8B-B14F-4D97-AF65-F5344CB8AC3E}">
-        <p14:creationId xmlns:p14="http://schemas.microsoft.com/office/powerpoint/2010/main" val="2149697478"/>
-      </p:ext>
-    </p:extLst>
   </p:cSld>
   <p:clrMapOvr>
     <a:masterClrMapping/>
@@ -19314,7 +24149,20 @@
               <a:rPr lang="pt-BR" dirty="0">
                 <a:hlinkClick r:id="rId8" action="ppaction://hlinksldjump"/>
               </a:rPr>
-              <a:t>UML</a:t>
+              <a:t>Introdução à UML</a:t>
+            </a:r>
+            <a:endParaRPr lang="pt-BR" dirty="0"/>
+          </a:p>
+          <a:p>
+            <a:pPr marL="571500" indent="-571500">
+              <a:buFont typeface="Arial" panose="020B0604020202020204" pitchFamily="34" charset="0"/>
+              <a:buChar char="•"/>
+            </a:pPr>
+            <a:r>
+              <a:rPr lang="pt-BR" dirty="0">
+                <a:hlinkClick r:id="rId9" action="ppaction://hlinksldjump"/>
+              </a:rPr>
+              <a:t>Conceitos relacionais</a:t>
             </a:r>
             <a:endParaRPr lang="pt-BR" dirty="0"/>
           </a:p>
